--- a/Диплом/Магистратура.pptx
+++ b/Диплом/Магистратура.pptx
@@ -261,7 +261,7 @@
           <a:p>
             <a:fld id="{7B7B9815-AEE5-4F4C-8445-8ECE3DD7735C}" type="datetimeFigureOut">
               <a:rPr lang="ru-RU" smtClean="0"/>
-              <a:t>22.05.17</a:t>
+              <a:t>23.05.17</a:t>
             </a:fld>
             <a:endParaRPr lang="ru-RU"/>
           </a:p>
@@ -595,19 +595,7 @@
                 <a:ea typeface="+mn-ea"/>
                 <a:cs typeface="+mn-cs"/>
               </a:rPr>
-              <a:t>Таким </a:t>
-            </a:r>
-            <a:r>
-              <a:rPr lang="ru-RU" sz="1600" kern="1200" dirty="0" smtClean="0">
-                <a:solidFill>
-                  <a:schemeClr val="tx1"/>
-                </a:solidFill>
-                <a:effectLst/>
-                <a:latin typeface="+mn-lt"/>
-                <a:ea typeface="+mn-ea"/>
-                <a:cs typeface="+mn-cs"/>
-              </a:rPr>
-              <a:t>образом, многие исследователи согласились, что выделение признаков является наиболее важным ключом к любому распознаванию образов и проблеме классификации: «Точный выбор признаков, пожалуй, самая сложная задача распознавания образов» (</a:t>
+              <a:t>Таким образом, многие исследователи согласились, что выделение признаков является наиболее важным ключом к любому распознаванию образов и проблеме классификации: «Точный выбор признаков, пожалуй, самая сложная задача распознавания образов» (</a:t>
             </a:r>
             <a:r>
               <a:rPr lang="ru-RU" sz="1600" kern="1200" dirty="0" err="1" smtClean="0">
@@ -1096,7 +1084,7 @@
           <a:p>
             <a:fld id="{3A437E1B-BF00-41EC-9089-A3D2CF1C3BF5}" type="datetimeFigureOut">
               <a:rPr lang="ru-RU" smtClean="0"/>
-              <a:t>22.05.17</a:t>
+              <a:t>23.05.17</a:t>
             </a:fld>
             <a:endParaRPr lang="ru-RU" dirty="0"/>
           </a:p>
@@ -1309,7 +1297,7 @@
           <a:p>
             <a:fld id="{3A437E1B-BF00-41EC-9089-A3D2CF1C3BF5}" type="datetimeFigureOut">
               <a:rPr lang="ru-RU" smtClean="0"/>
-              <a:t>22.05.17</a:t>
+              <a:t>23.05.17</a:t>
             </a:fld>
             <a:endParaRPr lang="ru-RU" dirty="0"/>
           </a:p>
@@ -1484,7 +1472,7 @@
           <a:p>
             <a:fld id="{3A437E1B-BF00-41EC-9089-A3D2CF1C3BF5}" type="datetimeFigureOut">
               <a:rPr lang="ru-RU" smtClean="0"/>
-              <a:t>22.05.17</a:t>
+              <a:t>23.05.17</a:t>
             </a:fld>
             <a:endParaRPr lang="ru-RU" dirty="0"/>
           </a:p>
@@ -1649,7 +1637,7 @@
           <a:p>
             <a:fld id="{3A437E1B-BF00-41EC-9089-A3D2CF1C3BF5}" type="datetimeFigureOut">
               <a:rPr lang="ru-RU" smtClean="0"/>
-              <a:t>22.05.17</a:t>
+              <a:t>23.05.17</a:t>
             </a:fld>
             <a:endParaRPr lang="ru-RU" dirty="0"/>
           </a:p>
@@ -1933,7 +1921,7 @@
           <a:p>
             <a:fld id="{3A437E1B-BF00-41EC-9089-A3D2CF1C3BF5}" type="datetimeFigureOut">
               <a:rPr lang="ru-RU" smtClean="0"/>
-              <a:t>22.05.17</a:t>
+              <a:t>23.05.17</a:t>
             </a:fld>
             <a:endParaRPr lang="ru-RU" dirty="0"/>
           </a:p>
@@ -2259,7 +2247,7 @@
           <a:p>
             <a:fld id="{3A437E1B-BF00-41EC-9089-A3D2CF1C3BF5}" type="datetimeFigureOut">
               <a:rPr lang="ru-RU" smtClean="0"/>
-              <a:t>22.05.17</a:t>
+              <a:t>23.05.17</a:t>
             </a:fld>
             <a:endParaRPr lang="ru-RU" dirty="0"/>
           </a:p>
@@ -2684,7 +2672,7 @@
           <a:p>
             <a:fld id="{3A437E1B-BF00-41EC-9089-A3D2CF1C3BF5}" type="datetimeFigureOut">
               <a:rPr lang="ru-RU" smtClean="0"/>
-              <a:t>22.05.17</a:t>
+              <a:t>23.05.17</a:t>
             </a:fld>
             <a:endParaRPr lang="ru-RU" dirty="0"/>
           </a:p>
@@ -2857,7 +2845,7 @@
           <a:p>
             <a:fld id="{3A437E1B-BF00-41EC-9089-A3D2CF1C3BF5}" type="datetimeFigureOut">
               <a:rPr lang="ru-RU" smtClean="0"/>
-              <a:t>22.05.17</a:t>
+              <a:t>23.05.17</a:t>
             </a:fld>
             <a:endParaRPr lang="ru-RU" dirty="0"/>
           </a:p>
@@ -2947,7 +2935,7 @@
           <a:p>
             <a:fld id="{3A437E1B-BF00-41EC-9089-A3D2CF1C3BF5}" type="datetimeFigureOut">
               <a:rPr lang="ru-RU" smtClean="0"/>
-              <a:t>22.05.17</a:t>
+              <a:t>23.05.17</a:t>
             </a:fld>
             <a:endParaRPr lang="ru-RU" dirty="0"/>
           </a:p>
@@ -3227,7 +3215,7 @@
           <a:p>
             <a:fld id="{3A437E1B-BF00-41EC-9089-A3D2CF1C3BF5}" type="datetimeFigureOut">
               <a:rPr lang="ru-RU" smtClean="0"/>
-              <a:t>22.05.17</a:t>
+              <a:t>23.05.17</a:t>
             </a:fld>
             <a:endParaRPr lang="ru-RU" dirty="0"/>
           </a:p>
@@ -3526,7 +3514,7 @@
           <a:p>
             <a:fld id="{3A437E1B-BF00-41EC-9089-A3D2CF1C3BF5}" type="datetimeFigureOut">
               <a:rPr lang="ru-RU" smtClean="0"/>
-              <a:t>22.05.17</a:t>
+              <a:t>23.05.17</a:t>
             </a:fld>
             <a:endParaRPr lang="ru-RU" dirty="0"/>
           </a:p>
@@ -3736,7 +3724,7 @@
           <a:p>
             <a:fld id="{3A437E1B-BF00-41EC-9089-A3D2CF1C3BF5}" type="datetimeFigureOut">
               <a:rPr lang="ru-RU" smtClean="0"/>
-              <a:t>22.05.17</a:t>
+              <a:t>23.05.17</a:t>
             </a:fld>
             <a:endParaRPr lang="ru-RU" dirty="0"/>
           </a:p>
@@ -12801,8 +12789,8 @@
           <a:p>
             <a:pPr algn="ctr"/>
             <a:r>
-              <a:rPr lang="ru-RU" dirty="0" smtClean="0"/>
-              <a:t>Проблема и объект</a:t>
+              <a:rPr lang="ru-RU" smtClean="0"/>
+              <a:t>Проблема</a:t>
             </a:r>
             <a:endParaRPr lang="ru-RU" dirty="0"/>
           </a:p>
@@ -12836,19 +12824,8 @@
                 <a:latin typeface="Arial" panose="020B0604020202020204" pitchFamily="34" charset="0"/>
                 <a:cs typeface="Arial" panose="020B0604020202020204" pitchFamily="34" charset="0"/>
               </a:rPr>
-              <a:t>Проблема исследования: Как улучшить производительность классификатора для разделения объектов на классы</a:t>
-            </a:r>
-            <a:r>
-              <a:rPr lang="ru-RU" sz="3200" dirty="0" smtClean="0">
-                <a:latin typeface="Arial" panose="020B0604020202020204" pitchFamily="34" charset="0"/>
-                <a:cs typeface="Arial" panose="020B0604020202020204" pitchFamily="34" charset="0"/>
-              </a:rPr>
-              <a:t>?</a:t>
-            </a:r>
-            <a:endParaRPr lang="ru-RU" sz="3200" dirty="0" smtClean="0">
-              <a:latin typeface="Arial" panose="020B0604020202020204" pitchFamily="34" charset="0"/>
-              <a:cs typeface="Arial" panose="020B0604020202020204" pitchFamily="34" charset="0"/>
-            </a:endParaRPr>
+              <a:t>Проблема исследования: Как улучшить производительность классификатора для разделения объектов на классы?</a:t>
+            </a:r>
           </a:p>
         </p:txBody>
       </p:sp>
@@ -13109,21 +13086,7 @@
                 <a:latin typeface="Arial" panose="020B0604020202020204" pitchFamily="34" charset="0"/>
                 <a:cs typeface="Arial" panose="020B0604020202020204" pitchFamily="34" charset="0"/>
               </a:rPr>
-              <a:t>построение признаков </a:t>
-            </a:r>
-            <a:r>
-              <a:rPr lang="ru-RU" sz="4000" dirty="0" smtClean="0">
-                <a:latin typeface="Arial" panose="020B0604020202020204" pitchFamily="34" charset="0"/>
-                <a:cs typeface="Arial" panose="020B0604020202020204" pitchFamily="34" charset="0"/>
-              </a:rPr>
-              <a:t>для решения </a:t>
-            </a:r>
-            <a:r>
-              <a:rPr lang="ru-RU" sz="4000" dirty="0" smtClean="0">
-                <a:latin typeface="Arial" panose="020B0604020202020204" pitchFamily="34" charset="0"/>
-                <a:cs typeface="Arial" panose="020B0604020202020204" pitchFamily="34" charset="0"/>
-              </a:rPr>
-              <a:t>задачи классификации.</a:t>
+              <a:t>построение признаков для решения задачи классификации.</a:t>
             </a:r>
           </a:p>
         </p:txBody>
@@ -13239,21 +13202,7 @@
                 <a:latin typeface="Arial" panose="020B0604020202020204" pitchFamily="34" charset="0"/>
                 <a:cs typeface="Arial" panose="020B0604020202020204" pitchFamily="34" charset="0"/>
               </a:rPr>
-              <a:t>Разработать и реализовать </a:t>
-            </a:r>
-            <a:r>
-              <a:rPr lang="ru-RU" sz="3500" dirty="0" smtClean="0">
-                <a:latin typeface="Arial" panose="020B0604020202020204" pitchFamily="34" charset="0"/>
-                <a:cs typeface="Arial" panose="020B0604020202020204" pitchFamily="34" charset="0"/>
-              </a:rPr>
-              <a:t>алгоритм </a:t>
-            </a:r>
-            <a:r>
-              <a:rPr lang="ru-RU" sz="3500" dirty="0" smtClean="0">
-                <a:latin typeface="Arial" panose="020B0604020202020204" pitchFamily="34" charset="0"/>
-                <a:cs typeface="Arial" panose="020B0604020202020204" pitchFamily="34" charset="0"/>
-              </a:rPr>
-              <a:t>построения признаков.</a:t>
+              <a:t>Разработать и реализовать алгоритм построения признаков.</a:t>
             </a:r>
             <a:endParaRPr lang="ru-RU" sz="3500" dirty="0">
               <a:latin typeface="Arial" panose="020B0604020202020204" pitchFamily="34" charset="0"/>

--- a/Диплом/Магистратура.pptx
+++ b/Диплом/Магистратура.pptx
@@ -5,32 +5,31 @@
     <p:sldMasterId id="2147484260" r:id="rId1"/>
   </p:sldMasterIdLst>
   <p:notesMasterIdLst>
-    <p:notesMasterId r:id="rId25"/>
+    <p:notesMasterId r:id="rId24"/>
   </p:notesMasterIdLst>
   <p:sldIdLst>
     <p:sldId id="256" r:id="rId2"/>
     <p:sldId id="272" r:id="rId3"/>
-    <p:sldId id="284" r:id="rId4"/>
+    <p:sldId id="279" r:id="rId4"/>
     <p:sldId id="278" r:id="rId5"/>
     <p:sldId id="274" r:id="rId6"/>
     <p:sldId id="283" r:id="rId7"/>
     <p:sldId id="257" r:id="rId8"/>
     <p:sldId id="271" r:id="rId9"/>
-    <p:sldId id="279" r:id="rId10"/>
-    <p:sldId id="259" r:id="rId11"/>
-    <p:sldId id="260" r:id="rId12"/>
-    <p:sldId id="261" r:id="rId13"/>
-    <p:sldId id="270" r:id="rId14"/>
-    <p:sldId id="262" r:id="rId15"/>
-    <p:sldId id="263" r:id="rId16"/>
-    <p:sldId id="276" r:id="rId17"/>
-    <p:sldId id="264" r:id="rId18"/>
-    <p:sldId id="267" r:id="rId19"/>
-    <p:sldId id="268" r:id="rId20"/>
-    <p:sldId id="266" r:id="rId21"/>
-    <p:sldId id="282" r:id="rId22"/>
-    <p:sldId id="280" r:id="rId23"/>
-    <p:sldId id="277" r:id="rId24"/>
+    <p:sldId id="259" r:id="rId10"/>
+    <p:sldId id="260" r:id="rId11"/>
+    <p:sldId id="261" r:id="rId12"/>
+    <p:sldId id="270" r:id="rId13"/>
+    <p:sldId id="262" r:id="rId14"/>
+    <p:sldId id="263" r:id="rId15"/>
+    <p:sldId id="276" r:id="rId16"/>
+    <p:sldId id="264" r:id="rId17"/>
+    <p:sldId id="267" r:id="rId18"/>
+    <p:sldId id="268" r:id="rId19"/>
+    <p:sldId id="266" r:id="rId20"/>
+    <p:sldId id="282" r:id="rId21"/>
+    <p:sldId id="280" r:id="rId22"/>
+    <p:sldId id="277" r:id="rId23"/>
   </p:sldIdLst>
   <p:sldSz cx="9144000" cy="6858000" type="screen4x3"/>
   <p:notesSz cx="6858000" cy="9144000"/>
@@ -136,13 +135,12 @@
           <p14:sldIdLst>
             <p14:sldId id="256"/>
             <p14:sldId id="272"/>
-            <p14:sldId id="284"/>
+            <p14:sldId id="279"/>
             <p14:sldId id="278"/>
             <p14:sldId id="274"/>
             <p14:sldId id="283"/>
             <p14:sldId id="257"/>
             <p14:sldId id="271"/>
-            <p14:sldId id="279"/>
             <p14:sldId id="259"/>
             <p14:sldId id="260"/>
             <p14:sldId id="261"/>
@@ -261,7 +259,7 @@
           <a:p>
             <a:fld id="{7B7B9815-AEE5-4F4C-8445-8ECE3DD7735C}" type="datetimeFigureOut">
               <a:rPr lang="ru-RU" smtClean="0"/>
-              <a:t>23.05.17</a:t>
+              <a:t>05.06.2017</a:t>
             </a:fld>
             <a:endParaRPr lang="ru-RU"/>
           </a:p>
@@ -583,99 +581,9 @@
                 <a:ea typeface="+mn-ea"/>
                 <a:cs typeface="+mn-cs"/>
               </a:rPr>
-              <a:t>Актуальность выбранной темы обосновывается тем, что проблема классификации не может быть правильно решена, если важные взаимодействия и отношения между оригинальными признаками, не принимаются во внимание. </a:t>
-            </a:r>
-            <a:r>
-              <a:rPr lang="ru-RU" sz="1600" kern="1200" dirty="0" smtClean="0">
-                <a:solidFill>
-                  <a:schemeClr val="tx1"/>
-                </a:solidFill>
-                <a:effectLst/>
-                <a:latin typeface="+mn-lt"/>
-                <a:ea typeface="+mn-ea"/>
-                <a:cs typeface="+mn-cs"/>
-              </a:rPr>
-              <a:t>Таким образом, многие исследователи согласились, что выделение признаков является наиболее важным ключом к любому распознаванию образов и проблеме классификации: «Точный выбор признаков, пожалуй, самая сложная задача распознавания образов» (</a:t>
-            </a:r>
-            <a:r>
-              <a:rPr lang="ru-RU" sz="1600" kern="1200" dirty="0" err="1" smtClean="0">
-                <a:solidFill>
-                  <a:schemeClr val="tx1"/>
-                </a:solidFill>
-                <a:effectLst/>
-                <a:latin typeface="+mn-lt"/>
-                <a:ea typeface="+mn-ea"/>
-                <a:cs typeface="+mn-cs"/>
-              </a:rPr>
-              <a:t>Микели-Tzanakou</a:t>
-            </a:r>
-            <a:r>
-              <a:rPr lang="ru-RU" sz="1600" kern="1200" dirty="0" smtClean="0">
-                <a:solidFill>
-                  <a:schemeClr val="tx1"/>
-                </a:solidFill>
-                <a:effectLst/>
-                <a:latin typeface="+mn-lt"/>
-                <a:ea typeface="+mn-ea"/>
-                <a:cs typeface="+mn-cs"/>
-              </a:rPr>
-              <a:t>, 2000), «идеальная функция извлечения даст представление, что сделает работу классификатора тривиальной» (Дуда, </a:t>
-            </a:r>
-            <a:r>
-              <a:rPr lang="ru-RU" sz="1600" kern="1200" dirty="0" err="1" smtClean="0">
-                <a:solidFill>
-                  <a:schemeClr val="tx1"/>
-                </a:solidFill>
-                <a:effectLst/>
-                <a:latin typeface="+mn-lt"/>
-                <a:ea typeface="+mn-ea"/>
-                <a:cs typeface="+mn-cs"/>
-              </a:rPr>
-              <a:t>Харт</a:t>
-            </a:r>
-            <a:r>
-              <a:rPr lang="ru-RU" sz="1600" kern="1200" dirty="0" smtClean="0">
-                <a:solidFill>
-                  <a:schemeClr val="tx1"/>
-                </a:solidFill>
-                <a:effectLst/>
-                <a:latin typeface="+mn-lt"/>
-                <a:ea typeface="+mn-ea"/>
-                <a:cs typeface="+mn-cs"/>
-              </a:rPr>
-              <a:t>, и </a:t>
-            </a:r>
-            <a:r>
-              <a:rPr lang="ru-RU" sz="1600" kern="1200" dirty="0" err="1" smtClean="0">
-                <a:solidFill>
-                  <a:schemeClr val="tx1"/>
-                </a:solidFill>
-                <a:effectLst/>
-                <a:latin typeface="+mn-lt"/>
-                <a:ea typeface="+mn-ea"/>
-                <a:cs typeface="+mn-cs"/>
-              </a:rPr>
-              <a:t>Stork</a:t>
-            </a:r>
-            <a:r>
-              <a:rPr lang="ru-RU" sz="1600" kern="1200" dirty="0" smtClean="0">
-                <a:solidFill>
-                  <a:schemeClr val="tx1"/>
-                </a:solidFill>
-                <a:effectLst/>
-                <a:latin typeface="+mn-lt"/>
-                <a:ea typeface="+mn-ea"/>
-                <a:cs typeface="+mn-cs"/>
-              </a:rPr>
-              <a:t>, 2001).</a:t>
-            </a:r>
-            <a:r>
-              <a:rPr lang="ru-RU" sz="1600" dirty="0" smtClean="0">
-                <a:effectLst/>
-              </a:rPr>
-              <a:t> </a:t>
-            </a:r>
-            <a:endParaRPr lang="ru-RU" sz="1600" dirty="0"/>
+              <a:t>Медицинские изображения – это структурно-функциональный образ органов человека, предназначенный для диагностики заболеваний и изучения анатомо-физиологической картины организма.</a:t>
+            </a:r>
+            <a:endParaRPr lang="ru-RU" dirty="0"/>
           </a:p>
         </p:txBody>
       </p:sp>
@@ -696,7 +604,7 @@
           <a:p>
             <a:fld id="{067F537F-45F3-8142-965F-E742B23B0064}" type="slidenum">
               <a:rPr lang="ru-RU" smtClean="0"/>
-              <a:t>4</a:t>
+              <a:t>2</a:t>
             </a:fld>
             <a:endParaRPr lang="ru-RU"/>
           </a:p>
@@ -705,7 +613,7 @@
     </p:spTree>
     <p:extLst>
       <p:ext uri="{BB962C8B-B14F-4D97-AF65-F5344CB8AC3E}">
-        <p14:creationId xmlns:p14="http://schemas.microsoft.com/office/powerpoint/2010/main" val="1976350138"/>
+        <p14:creationId xmlns:p14="http://schemas.microsoft.com/office/powerpoint/2010/main" val="3885654255"/>
       </p:ext>
     </p:extLst>
   </p:cSld>
@@ -759,25 +667,8 @@
           <a:bodyPr/>
           <a:lstStyle/>
           <a:p>
-            <a:pPr marL="0" marR="0" indent="0" algn="l" defTabSz="914400" rtl="0" eaLnBrk="1" fontAlgn="auto" latinLnBrk="0" hangingPunct="1">
-              <a:lnSpc>
-                <a:spcPct val="100000"/>
-              </a:lnSpc>
-              <a:spcBef>
-                <a:spcPts val="0"/>
-              </a:spcBef>
-              <a:spcAft>
-                <a:spcPts val="0"/>
-              </a:spcAft>
-              <a:buClrTx/>
-              <a:buSzTx/>
-              <a:buFontTx/>
-              <a:buNone/>
-              <a:tabLst/>
-              <a:defRPr/>
-            </a:pPr>
-            <a:r>
-              <a:rPr lang="ru-RU" sz="1400" kern="1200" dirty="0" smtClean="0">
+            <a:r>
+              <a:rPr lang="ru-RU" sz="1200" kern="1200" dirty="0" smtClean="0">
                 <a:solidFill>
                   <a:schemeClr val="tx1"/>
                 </a:solidFill>
@@ -786,35 +677,17 @@
                 <a:ea typeface="+mn-ea"/>
                 <a:cs typeface="+mn-cs"/>
               </a:rPr>
-              <a:t>Индуктор классификатора - контролируемый алгоритм обучения, который использует набор наблюдений (данные обучения), чтобы изучить гипотезу (классификатор), которая может отображать входы для исправления меток классов. Чтобы индуктор классификатора мог генерировать хорошую дискриминационную модель, представление входного пространства имеет ключевое значение. Многие алгоритмы классификации, особенно те, которые основаны на символическом обучении (например, индукторы правил и учащиеся дерева решений), не могут достичь адекватной прогностической эффективности, когда сталкиваются со сложными проблемами реального мира. Причина в том, что эти группы классификаторов по сути своей неспособны трансформировать свое входное пространство, чтобы получить разделимость классов. Конструирование признаков - классическое решение этого недостатка [1], [2]. Построенные признаки действуют как функции, которые преобразуют точки данных в исходном пространстве ввода в точки в новом пространстве, что обеспечивает лучшую </a:t>
-            </a:r>
-            <a:r>
-              <a:rPr lang="ru-RU" sz="1400" kern="1200" dirty="0" err="1" smtClean="0">
-                <a:solidFill>
-                  <a:schemeClr val="tx1"/>
-                </a:solidFill>
-                <a:effectLst/>
-                <a:latin typeface="+mn-lt"/>
-                <a:ea typeface="+mn-ea"/>
-                <a:cs typeface="+mn-cs"/>
-              </a:rPr>
-              <a:t>разделяемость</a:t>
-            </a:r>
-            <a:r>
-              <a:rPr lang="ru-RU" sz="1400" kern="1200" dirty="0" smtClean="0">
-                <a:solidFill>
-                  <a:schemeClr val="tx1"/>
-                </a:solidFill>
-                <a:effectLst/>
-                <a:latin typeface="+mn-lt"/>
-                <a:ea typeface="+mn-ea"/>
-                <a:cs typeface="+mn-cs"/>
-              </a:rPr>
-              <a:t> между классами.</a:t>
-            </a:r>
-          </a:p>
-          <a:p>
-            <a:endParaRPr lang="ru-RU" dirty="0"/>
+              <a:t>Актуальность выбранной темы обосновывается тем, что своевременное распознавание патологических процессов в организме человека приведет к оказанию необходимой медицинской помощи. Проблема классификации патологических процессов по данным медицинских изображений не может быть правильно решена, если важные взаимодействия и отношения между оригинальными признаками, не принимаются во внимание.</a:t>
+            </a:r>
+            <a:endParaRPr lang="ru-RU" sz="1200" kern="1200" dirty="0">
+              <a:solidFill>
+                <a:schemeClr val="tx1"/>
+              </a:solidFill>
+              <a:effectLst/>
+              <a:latin typeface="+mn-lt"/>
+              <a:ea typeface="+mn-ea"/>
+              <a:cs typeface="+mn-cs"/>
+            </a:endParaRPr>
           </a:p>
         </p:txBody>
       </p:sp>
@@ -835,6 +708,101 @@
           <a:p>
             <a:fld id="{067F537F-45F3-8142-965F-E742B23B0064}" type="slidenum">
               <a:rPr lang="ru-RU" smtClean="0"/>
+              <a:t>4</a:t>
+            </a:fld>
+            <a:endParaRPr lang="ru-RU"/>
+          </a:p>
+        </p:txBody>
+      </p:sp>
+    </p:spTree>
+    <p:extLst>
+      <p:ext uri="{BB962C8B-B14F-4D97-AF65-F5344CB8AC3E}">
+        <p14:creationId xmlns:p14="http://schemas.microsoft.com/office/powerpoint/2010/main" val="1976350138"/>
+      </p:ext>
+    </p:extLst>
+  </p:cSld>
+  <p:clrMapOvr>
+    <a:masterClrMapping/>
+  </p:clrMapOvr>
+</p:notes>
+</file>
+
+<file path=ppt/notesSlides/notesSlide3.xml><?xml version="1.0" encoding="utf-8"?>
+<p:notes xmlns:a="http://schemas.openxmlformats.org/drawingml/2006/main" xmlns:r="http://schemas.openxmlformats.org/officeDocument/2006/relationships" xmlns:p="http://schemas.openxmlformats.org/presentationml/2006/main">
+  <p:cSld>
+    <p:spTree>
+      <p:nvGrpSpPr>
+        <p:cNvPr id="1" name=""/>
+        <p:cNvGrpSpPr/>
+        <p:nvPr/>
+      </p:nvGrpSpPr>
+      <p:grpSpPr>
+        <a:xfrm>
+          <a:off x="0" y="0"/>
+          <a:ext cx="0" cy="0"/>
+          <a:chOff x="0" y="0"/>
+          <a:chExt cx="0" cy="0"/>
+        </a:xfrm>
+      </p:grpSpPr>
+      <p:sp>
+        <p:nvSpPr>
+          <p:cNvPr id="2" name="Образ слайда 1"/>
+          <p:cNvSpPr>
+            <a:spLocks noGrp="1" noRot="1" noChangeAspect="1"/>
+          </p:cNvSpPr>
+          <p:nvPr>
+            <p:ph type="sldImg"/>
+          </p:nvPr>
+        </p:nvSpPr>
+        <p:spPr/>
+      </p:sp>
+      <p:sp>
+        <p:nvSpPr>
+          <p:cNvPr id="3" name="Заметки 2"/>
+          <p:cNvSpPr>
+            <a:spLocks noGrp="1"/>
+          </p:cNvSpPr>
+          <p:nvPr>
+            <p:ph type="body" idx="1"/>
+          </p:nvPr>
+        </p:nvSpPr>
+        <p:spPr/>
+        <p:txBody>
+          <a:bodyPr/>
+          <a:lstStyle/>
+          <a:p>
+            <a:r>
+              <a:rPr lang="ru-RU" sz="1200" b="0" i="0" u="none" strike="noStrike" kern="1200" baseline="0" dirty="0" smtClean="0">
+                <a:solidFill>
+                  <a:schemeClr val="tx1"/>
+                </a:solidFill>
+                <a:latin typeface="+mn-lt"/>
+                <a:ea typeface="+mn-ea"/>
+                <a:cs typeface="+mn-cs"/>
+              </a:rPr>
+              <a:t>Проблема. Эффективность работы классификатора сильно зависит от входного множества признаков. Как выбрать оптимальное множество признаков для классификатора? </a:t>
+            </a:r>
+            <a:endParaRPr lang="ru-RU" dirty="0"/>
+          </a:p>
+        </p:txBody>
+      </p:sp>
+      <p:sp>
+        <p:nvSpPr>
+          <p:cNvPr id="4" name="Номер слайда 3"/>
+          <p:cNvSpPr>
+            <a:spLocks noGrp="1"/>
+          </p:cNvSpPr>
+          <p:nvPr>
+            <p:ph type="sldNum" sz="quarter" idx="10"/>
+          </p:nvPr>
+        </p:nvSpPr>
+        <p:spPr/>
+        <p:txBody>
+          <a:bodyPr/>
+          <a:lstStyle/>
+          <a:p>
+            <a:fld id="{067F537F-45F3-8142-965F-E742B23B0064}" type="slidenum">
+              <a:rPr lang="ru-RU" smtClean="0"/>
               <a:t>5</a:t>
             </a:fld>
             <a:endParaRPr lang="ru-RU"/>
@@ -845,6 +813,90 @@
     <p:extLst>
       <p:ext uri="{BB962C8B-B14F-4D97-AF65-F5344CB8AC3E}">
         <p14:creationId xmlns:p14="http://schemas.microsoft.com/office/powerpoint/2010/main" val="1928512890"/>
+      </p:ext>
+    </p:extLst>
+  </p:cSld>
+  <p:clrMapOvr>
+    <a:masterClrMapping/>
+  </p:clrMapOvr>
+</p:notes>
+</file>
+
+<file path=ppt/notesSlides/notesSlide4.xml><?xml version="1.0" encoding="utf-8"?>
+<p:notes xmlns:a="http://schemas.openxmlformats.org/drawingml/2006/main" xmlns:r="http://schemas.openxmlformats.org/officeDocument/2006/relationships" xmlns:p="http://schemas.openxmlformats.org/presentationml/2006/main">
+  <p:cSld>
+    <p:spTree>
+      <p:nvGrpSpPr>
+        <p:cNvPr id="1" name=""/>
+        <p:cNvGrpSpPr/>
+        <p:nvPr/>
+      </p:nvGrpSpPr>
+      <p:grpSpPr>
+        <a:xfrm>
+          <a:off x="0" y="0"/>
+          <a:ext cx="0" cy="0"/>
+          <a:chOff x="0" y="0"/>
+          <a:chExt cx="0" cy="0"/>
+        </a:xfrm>
+      </p:grpSpPr>
+      <p:sp>
+        <p:nvSpPr>
+          <p:cNvPr id="2" name="Образ слайда 1"/>
+          <p:cNvSpPr>
+            <a:spLocks noGrp="1" noRot="1" noChangeAspect="1"/>
+          </p:cNvSpPr>
+          <p:nvPr>
+            <p:ph type="sldImg"/>
+          </p:nvPr>
+        </p:nvSpPr>
+        <p:spPr/>
+      </p:sp>
+      <p:sp>
+        <p:nvSpPr>
+          <p:cNvPr id="3" name="Заметки 2"/>
+          <p:cNvSpPr>
+            <a:spLocks noGrp="1"/>
+          </p:cNvSpPr>
+          <p:nvPr>
+            <p:ph type="body" idx="1"/>
+          </p:nvPr>
+        </p:nvSpPr>
+        <p:spPr/>
+        <p:txBody>
+          <a:bodyPr/>
+          <a:lstStyle/>
+          <a:p>
+            <a:endParaRPr lang="ru-RU" dirty="0"/>
+          </a:p>
+        </p:txBody>
+      </p:sp>
+      <p:sp>
+        <p:nvSpPr>
+          <p:cNvPr id="4" name="Номер слайда 3"/>
+          <p:cNvSpPr>
+            <a:spLocks noGrp="1"/>
+          </p:cNvSpPr>
+          <p:nvPr>
+            <p:ph type="sldNum" sz="quarter" idx="10"/>
+          </p:nvPr>
+        </p:nvSpPr>
+        <p:spPr/>
+        <p:txBody>
+          <a:bodyPr/>
+          <a:lstStyle/>
+          <a:p>
+            <a:fld id="{067F537F-45F3-8142-965F-E742B23B0064}" type="slidenum">
+              <a:rPr lang="ru-RU" smtClean="0"/>
+              <a:t>7</a:t>
+            </a:fld>
+            <a:endParaRPr lang="ru-RU"/>
+          </a:p>
+        </p:txBody>
+      </p:sp>
+    </p:spTree>
+    <p:extLst>
+      <p:ext uri="{BB962C8B-B14F-4D97-AF65-F5344CB8AC3E}">
+        <p14:creationId xmlns:p14="http://schemas.microsoft.com/office/powerpoint/2010/main" val="4073162046"/>
       </p:ext>
     </p:extLst>
   </p:cSld>
@@ -1084,7 +1136,7 @@
           <a:p>
             <a:fld id="{3A437E1B-BF00-41EC-9089-A3D2CF1C3BF5}" type="datetimeFigureOut">
               <a:rPr lang="ru-RU" smtClean="0"/>
-              <a:t>23.05.17</a:t>
+              <a:t>05.06.2017</a:t>
             </a:fld>
             <a:endParaRPr lang="ru-RU" dirty="0"/>
           </a:p>
@@ -1297,7 +1349,7 @@
           <a:p>
             <a:fld id="{3A437E1B-BF00-41EC-9089-A3D2CF1C3BF5}" type="datetimeFigureOut">
               <a:rPr lang="ru-RU" smtClean="0"/>
-              <a:t>23.05.17</a:t>
+              <a:t>05.06.2017</a:t>
             </a:fld>
             <a:endParaRPr lang="ru-RU" dirty="0"/>
           </a:p>
@@ -1472,7 +1524,7 @@
           <a:p>
             <a:fld id="{3A437E1B-BF00-41EC-9089-A3D2CF1C3BF5}" type="datetimeFigureOut">
               <a:rPr lang="ru-RU" smtClean="0"/>
-              <a:t>23.05.17</a:t>
+              <a:t>05.06.2017</a:t>
             </a:fld>
             <a:endParaRPr lang="ru-RU" dirty="0"/>
           </a:p>
@@ -1637,7 +1689,7 @@
           <a:p>
             <a:fld id="{3A437E1B-BF00-41EC-9089-A3D2CF1C3BF5}" type="datetimeFigureOut">
               <a:rPr lang="ru-RU" smtClean="0"/>
-              <a:t>23.05.17</a:t>
+              <a:t>05.06.2017</a:t>
             </a:fld>
             <a:endParaRPr lang="ru-RU" dirty="0"/>
           </a:p>
@@ -1921,7 +1973,7 @@
           <a:p>
             <a:fld id="{3A437E1B-BF00-41EC-9089-A3D2CF1C3BF5}" type="datetimeFigureOut">
               <a:rPr lang="ru-RU" smtClean="0"/>
-              <a:t>23.05.17</a:t>
+              <a:t>05.06.2017</a:t>
             </a:fld>
             <a:endParaRPr lang="ru-RU" dirty="0"/>
           </a:p>
@@ -2247,7 +2299,7 @@
           <a:p>
             <a:fld id="{3A437E1B-BF00-41EC-9089-A3D2CF1C3BF5}" type="datetimeFigureOut">
               <a:rPr lang="ru-RU" smtClean="0"/>
-              <a:t>23.05.17</a:t>
+              <a:t>05.06.2017</a:t>
             </a:fld>
             <a:endParaRPr lang="ru-RU" dirty="0"/>
           </a:p>
@@ -2672,7 +2724,7 @@
           <a:p>
             <a:fld id="{3A437E1B-BF00-41EC-9089-A3D2CF1C3BF5}" type="datetimeFigureOut">
               <a:rPr lang="ru-RU" smtClean="0"/>
-              <a:t>23.05.17</a:t>
+              <a:t>05.06.2017</a:t>
             </a:fld>
             <a:endParaRPr lang="ru-RU" dirty="0"/>
           </a:p>
@@ -2845,7 +2897,7 @@
           <a:p>
             <a:fld id="{3A437E1B-BF00-41EC-9089-A3D2CF1C3BF5}" type="datetimeFigureOut">
               <a:rPr lang="ru-RU" smtClean="0"/>
-              <a:t>23.05.17</a:t>
+              <a:t>05.06.2017</a:t>
             </a:fld>
             <a:endParaRPr lang="ru-RU" dirty="0"/>
           </a:p>
@@ -2935,7 +2987,7 @@
           <a:p>
             <a:fld id="{3A437E1B-BF00-41EC-9089-A3D2CF1C3BF5}" type="datetimeFigureOut">
               <a:rPr lang="ru-RU" smtClean="0"/>
-              <a:t>23.05.17</a:t>
+              <a:t>05.06.2017</a:t>
             </a:fld>
             <a:endParaRPr lang="ru-RU" dirty="0"/>
           </a:p>
@@ -3215,7 +3267,7 @@
           <a:p>
             <a:fld id="{3A437E1B-BF00-41EC-9089-A3D2CF1C3BF5}" type="datetimeFigureOut">
               <a:rPr lang="ru-RU" smtClean="0"/>
-              <a:t>23.05.17</a:t>
+              <a:t>05.06.2017</a:t>
             </a:fld>
             <a:endParaRPr lang="ru-RU" dirty="0"/>
           </a:p>
@@ -3514,7 +3566,7 @@
           <a:p>
             <a:fld id="{3A437E1B-BF00-41EC-9089-A3D2CF1C3BF5}" type="datetimeFigureOut">
               <a:rPr lang="ru-RU" smtClean="0"/>
-              <a:t>23.05.17</a:t>
+              <a:t>05.06.2017</a:t>
             </a:fld>
             <a:endParaRPr lang="ru-RU" dirty="0"/>
           </a:p>
@@ -3724,7 +3776,7 @@
           <a:p>
             <a:fld id="{3A437E1B-BF00-41EC-9089-A3D2CF1C3BF5}" type="datetimeFigureOut">
               <a:rPr lang="ru-RU" smtClean="0"/>
-              <a:t>23.05.17</a:t>
+              <a:t>05.06.2017</a:t>
             </a:fld>
             <a:endParaRPr lang="ru-RU" dirty="0"/>
           </a:p>
@@ -4281,8 +4333,8 @@
         </p:nvSpPr>
         <p:spPr>
           <a:xfrm>
-            <a:off x="323528" y="4437112"/>
-            <a:ext cx="8820472" cy="1524000"/>
+            <a:off x="0" y="4365104"/>
+            <a:ext cx="9144000" cy="1524000"/>
           </a:xfrm>
         </p:spPr>
         <p:txBody>
@@ -4295,7 +4347,21 @@
                 <a:latin typeface="Arial" panose="020B0604020202020204" pitchFamily="34" charset="0"/>
                 <a:cs typeface="Arial" panose="020B0604020202020204" pitchFamily="34" charset="0"/>
               </a:rPr>
-              <a:t>Построение признаков для классификации изображений посредством генетического программирования</a:t>
+              <a:t>Построение признаков для классификации</a:t>
+            </a:r>
+            <a:r>
+              <a:rPr lang="en-US" sz="4400" dirty="0" smtClean="0">
+                <a:latin typeface="Arial" panose="020B0604020202020204" pitchFamily="34" charset="0"/>
+                <a:cs typeface="Arial" panose="020B0604020202020204" pitchFamily="34" charset="0"/>
+              </a:rPr>
+              <a:t> </a:t>
+            </a:r>
+            <a:r>
+              <a:rPr lang="ru-RU" sz="4400" dirty="0" smtClean="0">
+                <a:latin typeface="Arial" panose="020B0604020202020204" pitchFamily="34" charset="0"/>
+                <a:cs typeface="Arial" panose="020B0604020202020204" pitchFamily="34" charset="0"/>
+              </a:rPr>
+              <a:t>медицинских изображений посредством генетического программирования</a:t>
             </a:r>
             <a:endParaRPr lang="ru-RU" sz="4400" dirty="0">
               <a:latin typeface="Arial" panose="020B0604020202020204" pitchFamily="34" charset="0"/>
@@ -4335,7 +4401,7 @@
                 <a:latin typeface="Arial" panose="020B0604020202020204" pitchFamily="34" charset="0"/>
                 <a:cs typeface="Arial" panose="020B0604020202020204" pitchFamily="34" charset="0"/>
               </a:rPr>
-              <a:t>Студент: Ибакаева А.А</a:t>
+              <a:t>Студентка: Ибакаева А.А</a:t>
             </a:r>
           </a:p>
           <a:p>
@@ -4419,91 +4485,745 @@
       </p:grpSpPr>
       <p:sp>
         <p:nvSpPr>
-          <p:cNvPr id="2" name="Заголовок 1"/>
-          <p:cNvSpPr>
-            <a:spLocks noGrp="1"/>
-          </p:cNvSpPr>
-          <p:nvPr>
-            <p:ph type="title"/>
-          </p:nvPr>
-        </p:nvSpPr>
-        <p:spPr>
-          <a:xfrm>
-            <a:off x="1318592" y="404664"/>
-            <a:ext cx="6781800" cy="1312168"/>
-          </a:xfrm>
-        </p:spPr>
-        <p:txBody>
-          <a:bodyPr/>
+          <p:cNvPr id="13" name="Блок-схема: знак завершения 12"/>
+          <p:cNvSpPr/>
+          <p:nvPr/>
+        </p:nvSpPr>
+        <p:spPr>
+          <a:xfrm>
+            <a:off x="1262215" y="404664"/>
+            <a:ext cx="6624735" cy="936104"/>
+          </a:xfrm>
+          <a:prstGeom prst="flowChartTerminator">
+            <a:avLst/>
+          </a:prstGeom>
+          <a:noFill/>
+        </p:spPr>
+        <p:style>
+          <a:lnRef idx="2">
+            <a:schemeClr val="accent1">
+              <a:shade val="50000"/>
+            </a:schemeClr>
+          </a:lnRef>
+          <a:fillRef idx="1">
+            <a:schemeClr val="accent1"/>
+          </a:fillRef>
+          <a:effectRef idx="0">
+            <a:schemeClr val="accent1"/>
+          </a:effectRef>
+          <a:fontRef idx="minor">
+            <a:schemeClr val="lt1"/>
+          </a:fontRef>
+        </p:style>
+        <p:txBody>
+          <a:bodyPr rtlCol="0" anchor="ctr"/>
           <a:lstStyle/>
           <a:p>
             <a:pPr algn="ctr"/>
             <a:r>
-              <a:rPr lang="ru-RU" dirty="0" smtClean="0"/>
-              <a:t>Основные принципы</a:t>
-            </a:r>
-            <a:endParaRPr lang="ru-RU" dirty="0"/>
-          </a:p>
-        </p:txBody>
-      </p:sp>
-      <p:sp>
-        <p:nvSpPr>
-          <p:cNvPr id="3" name="Объект 2"/>
-          <p:cNvSpPr>
-            <a:spLocks noGrp="1"/>
-          </p:cNvSpPr>
-          <p:nvPr>
-            <p:ph idx="1"/>
-          </p:nvPr>
-        </p:nvSpPr>
-        <p:spPr>
-          <a:xfrm>
-            <a:off x="755576" y="1919064"/>
-            <a:ext cx="7543800" cy="3886200"/>
-          </a:xfrm>
-        </p:spPr>
-        <p:txBody>
-          <a:bodyPr>
-            <a:normAutofit/>
-          </a:bodyPr>
-          <a:lstStyle/>
-          <a:p>
-            <a:r>
-              <a:rPr lang="ru-RU" sz="4800" dirty="0" smtClean="0">
+              <a:rPr lang="ru-RU" sz="2800" dirty="0" smtClean="0">
+                <a:solidFill>
+                  <a:schemeClr val="tx1"/>
+                </a:solidFill>
                 <a:latin typeface="Arial" panose="020B0604020202020204" pitchFamily="34" charset="0"/>
                 <a:cs typeface="Arial" panose="020B0604020202020204" pitchFamily="34" charset="0"/>
               </a:rPr>
-              <a:t>Естественный отбор</a:t>
-            </a:r>
-          </a:p>
-          <a:p>
-            <a:r>
-              <a:rPr lang="ru-RU" sz="4800" dirty="0" smtClean="0">
+              <a:t>Создание исходной популяции</a:t>
+            </a:r>
+            <a:endParaRPr lang="ru-RU" sz="2800" dirty="0">
+              <a:solidFill>
+                <a:schemeClr val="tx1"/>
+              </a:solidFill>
+              <a:latin typeface="Arial" panose="020B0604020202020204" pitchFamily="34" charset="0"/>
+              <a:cs typeface="Arial" panose="020B0604020202020204" pitchFamily="34" charset="0"/>
+            </a:endParaRPr>
+          </a:p>
+        </p:txBody>
+      </p:sp>
+      <p:sp>
+        <p:nvSpPr>
+          <p:cNvPr id="14" name="Прямоугольник 13"/>
+          <p:cNvSpPr/>
+          <p:nvPr/>
+        </p:nvSpPr>
+        <p:spPr>
+          <a:xfrm>
+            <a:off x="1239724" y="1556792"/>
+            <a:ext cx="6647227" cy="1080120"/>
+          </a:xfrm>
+          <a:prstGeom prst="rect">
+            <a:avLst/>
+          </a:prstGeom>
+          <a:noFill/>
+        </p:spPr>
+        <p:style>
+          <a:lnRef idx="2">
+            <a:schemeClr val="accent1">
+              <a:shade val="50000"/>
+            </a:schemeClr>
+          </a:lnRef>
+          <a:fillRef idx="1">
+            <a:schemeClr val="accent1"/>
+          </a:fillRef>
+          <a:effectRef idx="0">
+            <a:schemeClr val="accent1"/>
+          </a:effectRef>
+          <a:fontRef idx="minor">
+            <a:schemeClr val="lt1"/>
+          </a:fontRef>
+        </p:style>
+        <p:txBody>
+          <a:bodyPr rtlCol="0" anchor="ctr"/>
+          <a:lstStyle/>
+          <a:p>
+            <a:pPr algn="ctr"/>
+            <a:r>
+              <a:rPr lang="ru-RU" sz="2800" dirty="0" smtClean="0">
+                <a:solidFill>
+                  <a:schemeClr val="tx1"/>
+                </a:solidFill>
                 <a:latin typeface="Arial" panose="020B0604020202020204" pitchFamily="34" charset="0"/>
                 <a:cs typeface="Arial" panose="020B0604020202020204" pitchFamily="34" charset="0"/>
               </a:rPr>
-              <a:t>Скрещивание</a:t>
-            </a:r>
-          </a:p>
-          <a:p>
-            <a:r>
-              <a:rPr lang="ru-RU" sz="4800" dirty="0" smtClean="0">
+              <a:t>Отбор родителей на основе значений приспособленности</a:t>
+            </a:r>
+            <a:endParaRPr lang="ru-RU" sz="2800" dirty="0">
+              <a:solidFill>
+                <a:schemeClr val="tx1"/>
+              </a:solidFill>
+              <a:latin typeface="Arial" panose="020B0604020202020204" pitchFamily="34" charset="0"/>
+              <a:cs typeface="Arial" panose="020B0604020202020204" pitchFamily="34" charset="0"/>
+            </a:endParaRPr>
+          </a:p>
+        </p:txBody>
+      </p:sp>
+      <p:sp>
+        <p:nvSpPr>
+          <p:cNvPr id="15" name="Прямоугольник 14"/>
+          <p:cNvSpPr/>
+          <p:nvPr/>
+        </p:nvSpPr>
+        <p:spPr>
+          <a:xfrm>
+            <a:off x="1239724" y="2852936"/>
+            <a:ext cx="6647228" cy="864096"/>
+          </a:xfrm>
+          <a:prstGeom prst="rect">
+            <a:avLst/>
+          </a:prstGeom>
+          <a:noFill/>
+        </p:spPr>
+        <p:style>
+          <a:lnRef idx="2">
+            <a:schemeClr val="accent1">
+              <a:shade val="50000"/>
+            </a:schemeClr>
+          </a:lnRef>
+          <a:fillRef idx="1">
+            <a:schemeClr val="accent1"/>
+          </a:fillRef>
+          <a:effectRef idx="0">
+            <a:schemeClr val="accent1"/>
+          </a:effectRef>
+          <a:fontRef idx="minor">
+            <a:schemeClr val="lt1"/>
+          </a:fontRef>
+        </p:style>
+        <p:txBody>
+          <a:bodyPr rtlCol="0" anchor="ctr"/>
+          <a:lstStyle/>
+          <a:p>
+            <a:pPr algn="ctr"/>
+            <a:r>
+              <a:rPr lang="ru-RU" sz="2800" dirty="0" smtClean="0">
+                <a:solidFill>
+                  <a:schemeClr val="tx1"/>
+                </a:solidFill>
                 <a:latin typeface="Arial" panose="020B0604020202020204" pitchFamily="34" charset="0"/>
                 <a:cs typeface="Arial" panose="020B0604020202020204" pitchFamily="34" charset="0"/>
               </a:rPr>
-              <a:t>Мутация</a:t>
-            </a:r>
-            <a:endParaRPr lang="ru-RU" sz="4800" dirty="0">
+              <a:t>Создание потомков выбранных родителей</a:t>
+            </a:r>
+            <a:endParaRPr lang="ru-RU" sz="2800" dirty="0">
+              <a:solidFill>
+                <a:schemeClr val="tx1"/>
+              </a:solidFill>
               <a:latin typeface="Arial" panose="020B0604020202020204" pitchFamily="34" charset="0"/>
               <a:cs typeface="Arial" panose="020B0604020202020204" pitchFamily="34" charset="0"/>
             </a:endParaRPr>
           </a:p>
         </p:txBody>
       </p:sp>
+      <p:sp>
+        <p:nvSpPr>
+          <p:cNvPr id="16" name="Прямоугольник 15"/>
+          <p:cNvSpPr/>
+          <p:nvPr/>
+        </p:nvSpPr>
+        <p:spPr>
+          <a:xfrm>
+            <a:off x="1239724" y="3933056"/>
+            <a:ext cx="6647225" cy="720080"/>
+          </a:xfrm>
+          <a:prstGeom prst="rect">
+            <a:avLst/>
+          </a:prstGeom>
+          <a:noFill/>
+        </p:spPr>
+        <p:style>
+          <a:lnRef idx="2">
+            <a:schemeClr val="accent1">
+              <a:shade val="50000"/>
+            </a:schemeClr>
+          </a:lnRef>
+          <a:fillRef idx="1">
+            <a:schemeClr val="accent1"/>
+          </a:fillRef>
+          <a:effectRef idx="0">
+            <a:schemeClr val="accent1"/>
+          </a:effectRef>
+          <a:fontRef idx="minor">
+            <a:schemeClr val="lt1"/>
+          </a:fontRef>
+        </p:style>
+        <p:txBody>
+          <a:bodyPr rtlCol="0" anchor="ctr"/>
+          <a:lstStyle/>
+          <a:p>
+            <a:pPr algn="ctr"/>
+            <a:r>
+              <a:rPr lang="ru-RU" sz="2800" dirty="0" smtClean="0">
+                <a:solidFill>
+                  <a:schemeClr val="tx1"/>
+                </a:solidFill>
+                <a:latin typeface="Arial" panose="020B0604020202020204" pitchFamily="34" charset="0"/>
+                <a:cs typeface="Arial" panose="020B0604020202020204" pitchFamily="34" charset="0"/>
+              </a:rPr>
+              <a:t>Мутация особей</a:t>
+            </a:r>
+            <a:endParaRPr lang="ru-RU" sz="2800" dirty="0">
+              <a:solidFill>
+                <a:schemeClr val="tx1"/>
+              </a:solidFill>
+              <a:latin typeface="Arial" panose="020B0604020202020204" pitchFamily="34" charset="0"/>
+              <a:cs typeface="Arial" panose="020B0604020202020204" pitchFamily="34" charset="0"/>
+            </a:endParaRPr>
+          </a:p>
+        </p:txBody>
+      </p:sp>
+      <p:sp>
+        <p:nvSpPr>
+          <p:cNvPr id="27" name="Выгнутая влево стрелка 26"/>
+          <p:cNvSpPr/>
+          <p:nvPr/>
+        </p:nvSpPr>
+        <p:spPr>
+          <a:xfrm>
+            <a:off x="614144" y="728700"/>
+            <a:ext cx="625580" cy="1368152"/>
+          </a:xfrm>
+          <a:prstGeom prst="curvedRightArrow">
+            <a:avLst/>
+          </a:prstGeom>
+        </p:spPr>
+        <p:style>
+          <a:lnRef idx="2">
+            <a:schemeClr val="accent1">
+              <a:shade val="50000"/>
+            </a:schemeClr>
+          </a:lnRef>
+          <a:fillRef idx="1">
+            <a:schemeClr val="accent1"/>
+          </a:fillRef>
+          <a:effectRef idx="0">
+            <a:schemeClr val="accent1"/>
+          </a:effectRef>
+          <a:fontRef idx="minor">
+            <a:schemeClr val="lt1"/>
+          </a:fontRef>
+        </p:style>
+        <p:txBody>
+          <a:bodyPr rtlCol="0" anchor="ctr"/>
+          <a:lstStyle/>
+          <a:p>
+            <a:pPr algn="ctr"/>
+            <a:endParaRPr lang="ru-RU" dirty="0">
+              <a:solidFill>
+                <a:schemeClr val="tx1"/>
+              </a:solidFill>
+              <a:latin typeface="Arial" panose="020B0604020202020204" pitchFamily="34" charset="0"/>
+              <a:cs typeface="Arial" panose="020B0604020202020204" pitchFamily="34" charset="0"/>
+            </a:endParaRPr>
+          </a:p>
+        </p:txBody>
+      </p:sp>
+      <p:sp>
+        <p:nvSpPr>
+          <p:cNvPr id="28" name="Выгнутая влево стрелка 27"/>
+          <p:cNvSpPr/>
+          <p:nvPr/>
+        </p:nvSpPr>
+        <p:spPr>
+          <a:xfrm>
+            <a:off x="611560" y="4293096"/>
+            <a:ext cx="625580" cy="1188132"/>
+          </a:xfrm>
+          <a:prstGeom prst="curvedRightArrow">
+            <a:avLst/>
+          </a:prstGeom>
+        </p:spPr>
+        <p:style>
+          <a:lnRef idx="2">
+            <a:schemeClr val="accent1">
+              <a:shade val="50000"/>
+            </a:schemeClr>
+          </a:lnRef>
+          <a:fillRef idx="1">
+            <a:schemeClr val="accent1"/>
+          </a:fillRef>
+          <a:effectRef idx="0">
+            <a:schemeClr val="accent1"/>
+          </a:effectRef>
+          <a:fontRef idx="minor">
+            <a:schemeClr val="lt1"/>
+          </a:fontRef>
+        </p:style>
+        <p:txBody>
+          <a:bodyPr rtlCol="0" anchor="ctr"/>
+          <a:lstStyle/>
+          <a:p>
+            <a:pPr algn="ctr"/>
+            <a:endParaRPr lang="ru-RU" dirty="0">
+              <a:solidFill>
+                <a:schemeClr val="tx1"/>
+              </a:solidFill>
+              <a:latin typeface="Arial" panose="020B0604020202020204" pitchFamily="34" charset="0"/>
+              <a:cs typeface="Arial" panose="020B0604020202020204" pitchFamily="34" charset="0"/>
+            </a:endParaRPr>
+          </a:p>
+        </p:txBody>
+      </p:sp>
+      <p:sp>
+        <p:nvSpPr>
+          <p:cNvPr id="29" name="Выгнутая влево стрелка 28"/>
+          <p:cNvSpPr/>
+          <p:nvPr/>
+        </p:nvSpPr>
+        <p:spPr>
+          <a:xfrm>
+            <a:off x="611560" y="2096852"/>
+            <a:ext cx="625580" cy="1188132"/>
+          </a:xfrm>
+          <a:prstGeom prst="curvedRightArrow">
+            <a:avLst/>
+          </a:prstGeom>
+        </p:spPr>
+        <p:style>
+          <a:lnRef idx="2">
+            <a:schemeClr val="accent1">
+              <a:shade val="50000"/>
+            </a:schemeClr>
+          </a:lnRef>
+          <a:fillRef idx="1">
+            <a:schemeClr val="accent1"/>
+          </a:fillRef>
+          <a:effectRef idx="0">
+            <a:schemeClr val="accent1"/>
+          </a:effectRef>
+          <a:fontRef idx="minor">
+            <a:schemeClr val="lt1"/>
+          </a:fontRef>
+        </p:style>
+        <p:txBody>
+          <a:bodyPr rtlCol="0" anchor="ctr"/>
+          <a:lstStyle/>
+          <a:p>
+            <a:pPr algn="ctr"/>
+            <a:endParaRPr lang="ru-RU" dirty="0">
+              <a:solidFill>
+                <a:schemeClr val="tx1"/>
+              </a:solidFill>
+              <a:latin typeface="Arial" panose="020B0604020202020204" pitchFamily="34" charset="0"/>
+              <a:cs typeface="Arial" panose="020B0604020202020204" pitchFamily="34" charset="0"/>
+            </a:endParaRPr>
+          </a:p>
+        </p:txBody>
+      </p:sp>
+      <p:sp>
+        <p:nvSpPr>
+          <p:cNvPr id="30" name="Выгнутая влево стрелка 29"/>
+          <p:cNvSpPr/>
+          <p:nvPr/>
+        </p:nvSpPr>
+        <p:spPr>
+          <a:xfrm rot="10800000">
+            <a:off x="7884364" y="1916832"/>
+            <a:ext cx="1080123" cy="3672408"/>
+          </a:xfrm>
+          <a:prstGeom prst="curvedRightArrow">
+            <a:avLst>
+              <a:gd name="adj1" fmla="val 14307"/>
+              <a:gd name="adj2" fmla="val 29258"/>
+              <a:gd name="adj3" fmla="val 25000"/>
+            </a:avLst>
+          </a:prstGeom>
+        </p:spPr>
+        <p:style>
+          <a:lnRef idx="2">
+            <a:schemeClr val="accent1">
+              <a:shade val="50000"/>
+            </a:schemeClr>
+          </a:lnRef>
+          <a:fillRef idx="1">
+            <a:schemeClr val="accent1"/>
+          </a:fillRef>
+          <a:effectRef idx="0">
+            <a:schemeClr val="accent1"/>
+          </a:effectRef>
+          <a:fontRef idx="minor">
+            <a:schemeClr val="lt1"/>
+          </a:fontRef>
+        </p:style>
+        <p:txBody>
+          <a:bodyPr rtlCol="0" anchor="ctr"/>
+          <a:lstStyle/>
+          <a:p>
+            <a:pPr algn="ctr"/>
+            <a:endParaRPr lang="ru-RU" dirty="0">
+              <a:solidFill>
+                <a:schemeClr val="tx1"/>
+              </a:solidFill>
+              <a:latin typeface="Arial" panose="020B0604020202020204" pitchFamily="34" charset="0"/>
+              <a:cs typeface="Arial" panose="020B0604020202020204" pitchFamily="34" charset="0"/>
+            </a:endParaRPr>
+          </a:p>
+        </p:txBody>
+      </p:sp>
+      <p:sp>
+        <p:nvSpPr>
+          <p:cNvPr id="31" name="Ромб 30"/>
+          <p:cNvSpPr/>
+          <p:nvPr/>
+        </p:nvSpPr>
+        <p:spPr>
+          <a:xfrm>
+            <a:off x="1262215" y="4941168"/>
+            <a:ext cx="6624733" cy="1080120"/>
+          </a:xfrm>
+          <a:prstGeom prst="diamond">
+            <a:avLst/>
+          </a:prstGeom>
+          <a:noFill/>
+        </p:spPr>
+        <p:style>
+          <a:lnRef idx="2">
+            <a:schemeClr val="accent1">
+              <a:shade val="50000"/>
+            </a:schemeClr>
+          </a:lnRef>
+          <a:fillRef idx="1">
+            <a:schemeClr val="accent1"/>
+          </a:fillRef>
+          <a:effectRef idx="0">
+            <a:schemeClr val="accent1"/>
+          </a:effectRef>
+          <a:fontRef idx="minor">
+            <a:schemeClr val="lt1"/>
+          </a:fontRef>
+        </p:style>
+        <p:txBody>
+          <a:bodyPr rtlCol="0" anchor="ctr"/>
+          <a:lstStyle/>
+          <a:p>
+            <a:pPr algn="ctr"/>
+            <a:r>
+              <a:rPr lang="ru-RU" sz="2800" dirty="0" smtClean="0">
+                <a:solidFill>
+                  <a:schemeClr val="tx1"/>
+                </a:solidFill>
+                <a:latin typeface="Arial" panose="020B0604020202020204" pitchFamily="34" charset="0"/>
+                <a:cs typeface="Arial" panose="020B0604020202020204" pitchFamily="34" charset="0"/>
+              </a:rPr>
+              <a:t>Решение найдено?</a:t>
+            </a:r>
+            <a:endParaRPr lang="ru-RU" sz="2800" dirty="0">
+              <a:solidFill>
+                <a:schemeClr val="tx1"/>
+              </a:solidFill>
+              <a:latin typeface="Arial" panose="020B0604020202020204" pitchFamily="34" charset="0"/>
+              <a:cs typeface="Arial" panose="020B0604020202020204" pitchFamily="34" charset="0"/>
+            </a:endParaRPr>
+          </a:p>
+        </p:txBody>
+      </p:sp>
+      <p:sp>
+        <p:nvSpPr>
+          <p:cNvPr id="33" name="TextBox 32"/>
+          <p:cNvSpPr txBox="1"/>
+          <p:nvPr/>
+        </p:nvSpPr>
+        <p:spPr>
+          <a:xfrm>
+            <a:off x="7380312" y="4869160"/>
+            <a:ext cx="847463" cy="523220"/>
+          </a:xfrm>
+          <a:prstGeom prst="rect">
+            <a:avLst/>
+          </a:prstGeom>
+          <a:noFill/>
+        </p:spPr>
+        <p:txBody>
+          <a:bodyPr wrap="square" rtlCol="0">
+            <a:spAutoFit/>
+          </a:bodyPr>
+          <a:lstStyle/>
+          <a:p>
+            <a:r>
+              <a:rPr lang="ru-RU" sz="2800" dirty="0" smtClean="0">
+                <a:latin typeface="Arial" panose="020B0604020202020204" pitchFamily="34" charset="0"/>
+                <a:cs typeface="Arial" panose="020B0604020202020204" pitchFamily="34" charset="0"/>
+              </a:rPr>
+              <a:t>нет</a:t>
+            </a:r>
+            <a:endParaRPr lang="ru-RU" sz="2800" dirty="0">
+              <a:latin typeface="Arial" panose="020B0604020202020204" pitchFamily="34" charset="0"/>
+              <a:cs typeface="Arial" panose="020B0604020202020204" pitchFamily="34" charset="0"/>
+            </a:endParaRPr>
+          </a:p>
+        </p:txBody>
+      </p:sp>
+      <p:sp>
+        <p:nvSpPr>
+          <p:cNvPr id="34" name="Блок-схема: знак завершения 33"/>
+          <p:cNvSpPr/>
+          <p:nvPr/>
+        </p:nvSpPr>
+        <p:spPr>
+          <a:xfrm>
+            <a:off x="1262216" y="6192688"/>
+            <a:ext cx="6622149" cy="620688"/>
+          </a:xfrm>
+          <a:prstGeom prst="flowChartTerminator">
+            <a:avLst/>
+          </a:prstGeom>
+          <a:noFill/>
+        </p:spPr>
+        <p:style>
+          <a:lnRef idx="2">
+            <a:schemeClr val="accent1">
+              <a:shade val="50000"/>
+            </a:schemeClr>
+          </a:lnRef>
+          <a:fillRef idx="1">
+            <a:schemeClr val="accent1"/>
+          </a:fillRef>
+          <a:effectRef idx="0">
+            <a:schemeClr val="accent1"/>
+          </a:effectRef>
+          <a:fontRef idx="minor">
+            <a:schemeClr val="lt1"/>
+          </a:fontRef>
+        </p:style>
+        <p:txBody>
+          <a:bodyPr rtlCol="0" anchor="ctr"/>
+          <a:lstStyle/>
+          <a:p>
+            <a:pPr algn="ctr"/>
+            <a:r>
+              <a:rPr lang="ru-RU" sz="2800" dirty="0" smtClean="0">
+                <a:solidFill>
+                  <a:schemeClr val="tx1"/>
+                </a:solidFill>
+                <a:latin typeface="Arial" panose="020B0604020202020204" pitchFamily="34" charset="0"/>
+                <a:cs typeface="Arial" panose="020B0604020202020204" pitchFamily="34" charset="0"/>
+              </a:rPr>
+              <a:t>Выход</a:t>
+            </a:r>
+            <a:endParaRPr lang="ru-RU" sz="2800" dirty="0">
+              <a:solidFill>
+                <a:schemeClr val="tx1"/>
+              </a:solidFill>
+              <a:latin typeface="Arial" panose="020B0604020202020204" pitchFamily="34" charset="0"/>
+              <a:cs typeface="Arial" panose="020B0604020202020204" pitchFamily="34" charset="0"/>
+            </a:endParaRPr>
+          </a:p>
+        </p:txBody>
+      </p:sp>
+      <p:sp>
+        <p:nvSpPr>
+          <p:cNvPr id="36" name="Выгнутая влево стрелка 35"/>
+          <p:cNvSpPr/>
+          <p:nvPr/>
+        </p:nvSpPr>
+        <p:spPr>
+          <a:xfrm>
+            <a:off x="614144" y="5442058"/>
+            <a:ext cx="648072" cy="1155294"/>
+          </a:xfrm>
+          <a:prstGeom prst="curvedRightArrow">
+            <a:avLst/>
+          </a:prstGeom>
+        </p:spPr>
+        <p:style>
+          <a:lnRef idx="2">
+            <a:schemeClr val="accent1">
+              <a:shade val="50000"/>
+            </a:schemeClr>
+          </a:lnRef>
+          <a:fillRef idx="1">
+            <a:schemeClr val="accent1"/>
+          </a:fillRef>
+          <a:effectRef idx="0">
+            <a:schemeClr val="accent1"/>
+          </a:effectRef>
+          <a:fontRef idx="minor">
+            <a:schemeClr val="lt1"/>
+          </a:fontRef>
+        </p:style>
+        <p:txBody>
+          <a:bodyPr rtlCol="0" anchor="ctr"/>
+          <a:lstStyle/>
+          <a:p>
+            <a:pPr algn="ctr"/>
+            <a:endParaRPr lang="ru-RU" dirty="0">
+              <a:solidFill>
+                <a:schemeClr val="tx1"/>
+              </a:solidFill>
+              <a:latin typeface="Arial" panose="020B0604020202020204" pitchFamily="34" charset="0"/>
+              <a:cs typeface="Arial" panose="020B0604020202020204" pitchFamily="34" charset="0"/>
+            </a:endParaRPr>
+          </a:p>
+        </p:txBody>
+      </p:sp>
+      <p:sp>
+        <p:nvSpPr>
+          <p:cNvPr id="37" name="Выгнутая влево стрелка 36"/>
+          <p:cNvSpPr/>
+          <p:nvPr/>
+        </p:nvSpPr>
+        <p:spPr>
+          <a:xfrm>
+            <a:off x="611560" y="3356992"/>
+            <a:ext cx="625580" cy="936104"/>
+          </a:xfrm>
+          <a:prstGeom prst="curvedRightArrow">
+            <a:avLst/>
+          </a:prstGeom>
+        </p:spPr>
+        <p:style>
+          <a:lnRef idx="2">
+            <a:schemeClr val="accent1">
+              <a:shade val="50000"/>
+            </a:schemeClr>
+          </a:lnRef>
+          <a:fillRef idx="1">
+            <a:schemeClr val="accent1"/>
+          </a:fillRef>
+          <a:effectRef idx="0">
+            <a:schemeClr val="accent1"/>
+          </a:effectRef>
+          <a:fontRef idx="minor">
+            <a:schemeClr val="lt1"/>
+          </a:fontRef>
+        </p:style>
+        <p:txBody>
+          <a:bodyPr rtlCol="0" anchor="ctr"/>
+          <a:lstStyle/>
+          <a:p>
+            <a:pPr algn="ctr"/>
+            <a:endParaRPr lang="ru-RU" dirty="0">
+              <a:solidFill>
+                <a:schemeClr val="tx1"/>
+              </a:solidFill>
+              <a:latin typeface="Arial" panose="020B0604020202020204" pitchFamily="34" charset="0"/>
+              <a:cs typeface="Arial" panose="020B0604020202020204" pitchFamily="34" charset="0"/>
+            </a:endParaRPr>
+          </a:p>
+        </p:txBody>
+      </p:sp>
+      <p:sp>
+        <p:nvSpPr>
+          <p:cNvPr id="38" name="TextBox 37"/>
+          <p:cNvSpPr txBox="1"/>
+          <p:nvPr/>
+        </p:nvSpPr>
+        <p:spPr>
+          <a:xfrm flipH="1">
+            <a:off x="1259632" y="4849996"/>
+            <a:ext cx="720079" cy="523220"/>
+          </a:xfrm>
+          <a:prstGeom prst="rect">
+            <a:avLst/>
+          </a:prstGeom>
+          <a:noFill/>
+        </p:spPr>
+        <p:txBody>
+          <a:bodyPr wrap="square" rtlCol="0">
+            <a:spAutoFit/>
+          </a:bodyPr>
+          <a:lstStyle/>
+          <a:p>
+            <a:r>
+              <a:rPr lang="ru-RU" sz="2800" dirty="0" smtClean="0">
+                <a:latin typeface="Arial" panose="020B0604020202020204" pitchFamily="34" charset="0"/>
+                <a:cs typeface="Arial" panose="020B0604020202020204" pitchFamily="34" charset="0"/>
+              </a:rPr>
+              <a:t>да</a:t>
+            </a:r>
+            <a:endParaRPr lang="ru-RU" sz="2800" dirty="0">
+              <a:latin typeface="Arial" panose="020B0604020202020204" pitchFamily="34" charset="0"/>
+              <a:cs typeface="Arial" panose="020B0604020202020204" pitchFamily="34" charset="0"/>
+            </a:endParaRPr>
+          </a:p>
+        </p:txBody>
+      </p:sp>
+      <p:sp>
+        <p:nvSpPr>
+          <p:cNvPr id="2" name="TextBox 1"/>
+          <p:cNvSpPr txBox="1"/>
+          <p:nvPr/>
+        </p:nvSpPr>
+        <p:spPr>
+          <a:xfrm>
+            <a:off x="2051720" y="-27384"/>
+            <a:ext cx="5112568" cy="461665"/>
+          </a:xfrm>
+          <a:prstGeom prst="rect">
+            <a:avLst/>
+          </a:prstGeom>
+          <a:noFill/>
+        </p:spPr>
+        <p:txBody>
+          <a:bodyPr wrap="square" rtlCol="0">
+            <a:spAutoFit/>
+          </a:bodyPr>
+          <a:lstStyle/>
+          <a:p>
+            <a:pPr algn="ctr"/>
+            <a:r>
+              <a:rPr lang="ru-RU" sz="2400" b="1" dirty="0" smtClean="0">
+                <a:solidFill>
+                  <a:schemeClr val="bg1"/>
+                </a:solidFill>
+                <a:latin typeface="Arial" panose="020B0604020202020204" pitchFamily="34" charset="0"/>
+                <a:cs typeface="Arial" panose="020B0604020202020204" pitchFamily="34" charset="0"/>
+              </a:rPr>
+              <a:t>Генетический алгоритм</a:t>
+            </a:r>
+            <a:endParaRPr lang="ru-RU" sz="2400" b="1" dirty="0">
+              <a:solidFill>
+                <a:schemeClr val="bg1"/>
+              </a:solidFill>
+              <a:latin typeface="Arial" panose="020B0604020202020204" pitchFamily="34" charset="0"/>
+              <a:cs typeface="Arial" panose="020B0604020202020204" pitchFamily="34" charset="0"/>
+            </a:endParaRPr>
+          </a:p>
+        </p:txBody>
+      </p:sp>
     </p:spTree>
     <p:extLst>
       <p:ext uri="{BB962C8B-B14F-4D97-AF65-F5344CB8AC3E}">
-        <p14:creationId xmlns:p14="http://schemas.microsoft.com/office/powerpoint/2010/main" val="3347199953"/>
+        <p14:creationId xmlns:p14="http://schemas.microsoft.com/office/powerpoint/2010/main" val="3203943609"/>
       </p:ext>
     </p:extLst>
   </p:cSld>
@@ -4539,19 +5259,47 @@
       </p:grpSpPr>
       <p:sp>
         <p:nvSpPr>
-          <p:cNvPr id="13" name="Блок-схема: знак завершения 12"/>
+          <p:cNvPr id="2" name="Заголовок 1"/>
+          <p:cNvSpPr>
+            <a:spLocks noGrp="1"/>
+          </p:cNvSpPr>
+          <p:nvPr>
+            <p:ph type="title"/>
+          </p:nvPr>
+        </p:nvSpPr>
+        <p:spPr>
+          <a:xfrm>
+            <a:off x="1259632" y="332656"/>
+            <a:ext cx="6781800" cy="1168152"/>
+          </a:xfrm>
+        </p:spPr>
+        <p:txBody>
+          <a:bodyPr/>
+          <a:lstStyle/>
+          <a:p>
+            <a:pPr algn="ctr"/>
+            <a:r>
+              <a:rPr lang="ru-RU" dirty="0" smtClean="0"/>
+              <a:t>Особь популяции</a:t>
+            </a:r>
+            <a:endParaRPr lang="ru-RU" dirty="0"/>
+          </a:p>
+        </p:txBody>
+      </p:sp>
+      <p:sp>
+        <p:nvSpPr>
+          <p:cNvPr id="4" name="Овал 3"/>
           <p:cNvSpPr/>
           <p:nvPr/>
         </p:nvSpPr>
         <p:spPr>
           <a:xfrm>
-            <a:off x="1262215" y="404664"/>
-            <a:ext cx="6624735" cy="936104"/>
-          </a:xfrm>
-          <a:prstGeom prst="flowChartTerminator">
-            <a:avLst/>
-          </a:prstGeom>
-          <a:noFill/>
+            <a:off x="3779912" y="1688453"/>
+            <a:ext cx="1512168" cy="1152128"/>
+          </a:xfrm>
+          <a:prstGeom prst="ellipse">
+            <a:avLst/>
+          </a:prstGeom>
         </p:spPr>
         <p:style>
           <a:lnRef idx="2">
@@ -4575,40 +5323,27 @@
           <a:p>
             <a:pPr algn="ctr"/>
             <a:r>
-              <a:rPr lang="ru-RU" sz="2800" dirty="0" smtClean="0">
-                <a:solidFill>
-                  <a:schemeClr val="tx1"/>
-                </a:solidFill>
-                <a:latin typeface="Arial" panose="020B0604020202020204" pitchFamily="34" charset="0"/>
-                <a:cs typeface="Arial" panose="020B0604020202020204" pitchFamily="34" charset="0"/>
-              </a:rPr>
-              <a:t>Создание исходной популяции</a:t>
-            </a:r>
-            <a:endParaRPr lang="ru-RU" sz="2800" dirty="0">
-              <a:solidFill>
-                <a:schemeClr val="tx1"/>
-              </a:solidFill>
-              <a:latin typeface="Arial" panose="020B0604020202020204" pitchFamily="34" charset="0"/>
-              <a:cs typeface="Arial" panose="020B0604020202020204" pitchFamily="34" charset="0"/>
-            </a:endParaRPr>
-          </a:p>
-        </p:txBody>
-      </p:sp>
-      <p:sp>
-        <p:nvSpPr>
-          <p:cNvPr id="14" name="Прямоугольник 13"/>
+              <a:rPr lang="ru-RU" sz="3200" dirty="0" smtClean="0"/>
+              <a:t>+</a:t>
+            </a:r>
+            <a:endParaRPr lang="ru-RU" sz="3200" dirty="0"/>
+          </a:p>
+        </p:txBody>
+      </p:sp>
+      <p:sp>
+        <p:nvSpPr>
+          <p:cNvPr id="5" name="Овал 4"/>
           <p:cNvSpPr/>
           <p:nvPr/>
         </p:nvSpPr>
         <p:spPr>
           <a:xfrm>
-            <a:off x="1239724" y="1556792"/>
-            <a:ext cx="6647227" cy="1080120"/>
-          </a:xfrm>
-          <a:prstGeom prst="rect">
-            <a:avLst/>
-          </a:prstGeom>
-          <a:noFill/>
+            <a:off x="1907704" y="2996952"/>
+            <a:ext cx="1512168" cy="1152128"/>
+          </a:xfrm>
+          <a:prstGeom prst="ellipse">
+            <a:avLst/>
+          </a:prstGeom>
         </p:spPr>
         <p:style>
           <a:lnRef idx="2">
@@ -4632,40 +5367,27 @@
           <a:p>
             <a:pPr algn="ctr"/>
             <a:r>
-              <a:rPr lang="ru-RU" sz="2800" dirty="0" smtClean="0">
-                <a:solidFill>
-                  <a:schemeClr val="tx1"/>
-                </a:solidFill>
-                <a:latin typeface="Arial" panose="020B0604020202020204" pitchFamily="34" charset="0"/>
-                <a:cs typeface="Arial" panose="020B0604020202020204" pitchFamily="34" charset="0"/>
-              </a:rPr>
-              <a:t>Отбор родителей на основе значений приспособленности</a:t>
-            </a:r>
-            <a:endParaRPr lang="ru-RU" sz="2800" dirty="0">
-              <a:solidFill>
-                <a:schemeClr val="tx1"/>
-              </a:solidFill>
-              <a:latin typeface="Arial" panose="020B0604020202020204" pitchFamily="34" charset="0"/>
-              <a:cs typeface="Arial" panose="020B0604020202020204" pitchFamily="34" charset="0"/>
-            </a:endParaRPr>
-          </a:p>
-        </p:txBody>
-      </p:sp>
-      <p:sp>
-        <p:nvSpPr>
-          <p:cNvPr id="15" name="Прямоугольник 14"/>
+              <a:rPr lang="en-US" sz="3200" dirty="0" smtClean="0"/>
+              <a:t>sin</a:t>
+            </a:r>
+            <a:endParaRPr lang="ru-RU" sz="3200" dirty="0"/>
+          </a:p>
+        </p:txBody>
+      </p:sp>
+      <p:sp>
+        <p:nvSpPr>
+          <p:cNvPr id="6" name="Овал 5"/>
           <p:cNvSpPr/>
           <p:nvPr/>
         </p:nvSpPr>
         <p:spPr>
           <a:xfrm>
-            <a:off x="1239724" y="2852936"/>
-            <a:ext cx="6647228" cy="864096"/>
-          </a:xfrm>
-          <a:prstGeom prst="rect">
-            <a:avLst/>
-          </a:prstGeom>
-          <a:noFill/>
+            <a:off x="5945580" y="2924944"/>
+            <a:ext cx="1512168" cy="1152128"/>
+          </a:xfrm>
+          <a:prstGeom prst="ellipse">
+            <a:avLst/>
+          </a:prstGeom>
         </p:spPr>
         <p:style>
           <a:lnRef idx="2">
@@ -4689,40 +5411,27 @@
           <a:p>
             <a:pPr algn="ctr"/>
             <a:r>
-              <a:rPr lang="ru-RU" sz="2800" dirty="0" smtClean="0">
-                <a:solidFill>
-                  <a:schemeClr val="tx1"/>
-                </a:solidFill>
-                <a:latin typeface="Arial" panose="020B0604020202020204" pitchFamily="34" charset="0"/>
-                <a:cs typeface="Arial" panose="020B0604020202020204" pitchFamily="34" charset="0"/>
-              </a:rPr>
-              <a:t>Создание потомков выбранных родителей</a:t>
-            </a:r>
-            <a:endParaRPr lang="ru-RU" sz="2800" dirty="0">
-              <a:solidFill>
-                <a:schemeClr val="tx1"/>
-              </a:solidFill>
-              <a:latin typeface="Arial" panose="020B0604020202020204" pitchFamily="34" charset="0"/>
-              <a:cs typeface="Arial" panose="020B0604020202020204" pitchFamily="34" charset="0"/>
-            </a:endParaRPr>
-          </a:p>
-        </p:txBody>
-      </p:sp>
-      <p:sp>
-        <p:nvSpPr>
-          <p:cNvPr id="16" name="Прямоугольник 15"/>
+              <a:rPr lang="en-US" sz="3200" dirty="0" smtClean="0"/>
+              <a:t>abs</a:t>
+            </a:r>
+            <a:endParaRPr lang="ru-RU" sz="3200" dirty="0"/>
+          </a:p>
+        </p:txBody>
+      </p:sp>
+      <p:sp>
+        <p:nvSpPr>
+          <p:cNvPr id="7" name="Овал 6"/>
           <p:cNvSpPr/>
           <p:nvPr/>
         </p:nvSpPr>
         <p:spPr>
           <a:xfrm>
-            <a:off x="1239724" y="3933056"/>
-            <a:ext cx="6647225" cy="720080"/>
-          </a:xfrm>
-          <a:prstGeom prst="rect">
-            <a:avLst/>
-          </a:prstGeom>
-          <a:noFill/>
+            <a:off x="1907704" y="4675679"/>
+            <a:ext cx="1512168" cy="1152128"/>
+          </a:xfrm>
+          <a:prstGeom prst="ellipse">
+            <a:avLst/>
+          </a:prstGeom>
         </p:spPr>
         <p:style>
           <a:lnRef idx="2">
@@ -4746,37 +5455,25 @@
           <a:p>
             <a:pPr algn="ctr"/>
             <a:r>
-              <a:rPr lang="ru-RU" sz="2800" dirty="0" smtClean="0">
-                <a:solidFill>
-                  <a:schemeClr val="tx1"/>
-                </a:solidFill>
-                <a:latin typeface="Arial" panose="020B0604020202020204" pitchFamily="34" charset="0"/>
-                <a:cs typeface="Arial" panose="020B0604020202020204" pitchFamily="34" charset="0"/>
-              </a:rPr>
-              <a:t>Мутация особей</a:t>
-            </a:r>
-            <a:endParaRPr lang="ru-RU" sz="2800" dirty="0">
-              <a:solidFill>
-                <a:schemeClr val="tx1"/>
-              </a:solidFill>
-              <a:latin typeface="Arial" panose="020B0604020202020204" pitchFamily="34" charset="0"/>
-              <a:cs typeface="Arial" panose="020B0604020202020204" pitchFamily="34" charset="0"/>
-            </a:endParaRPr>
-          </a:p>
-        </p:txBody>
-      </p:sp>
-      <p:sp>
-        <p:nvSpPr>
-          <p:cNvPr id="27" name="Выгнутая влево стрелка 26"/>
+              <a:rPr lang="en-US" sz="3200" dirty="0" smtClean="0"/>
+              <a:t>x</a:t>
+            </a:r>
+            <a:endParaRPr lang="ru-RU" sz="3200" dirty="0"/>
+          </a:p>
+        </p:txBody>
+      </p:sp>
+      <p:sp>
+        <p:nvSpPr>
+          <p:cNvPr id="8" name="Овал 7"/>
           <p:cNvSpPr/>
           <p:nvPr/>
         </p:nvSpPr>
         <p:spPr>
           <a:xfrm>
-            <a:off x="614144" y="728700"/>
-            <a:ext cx="625580" cy="1368152"/>
-          </a:xfrm>
-          <a:prstGeom prst="curvedRightArrow">
+            <a:off x="5945580" y="4603671"/>
+            <a:ext cx="1512168" cy="1152128"/>
+          </a:xfrm>
+          <a:prstGeom prst="ellipse">
             <a:avLst/>
           </a:prstGeom>
         </p:spPr>
@@ -4801,483 +5498,185 @@
           <a:lstStyle/>
           <a:p>
             <a:pPr algn="ctr"/>
-            <a:endParaRPr lang="ru-RU" dirty="0">
-              <a:solidFill>
-                <a:schemeClr val="tx1"/>
-              </a:solidFill>
+            <a:r>
+              <a:rPr lang="en-US" sz="3200" dirty="0" smtClean="0"/>
+              <a:t>-3.56</a:t>
+            </a:r>
+            <a:endParaRPr lang="ru-RU" sz="3200" dirty="0"/>
+          </a:p>
+        </p:txBody>
+      </p:sp>
+      <p:cxnSp>
+        <p:nvCxnSpPr>
+          <p:cNvPr id="10" name="Прямая соединительная линия 9"/>
+          <p:cNvCxnSpPr>
+            <a:stCxn id="5" idx="0"/>
+            <a:endCxn id="4" idx="3"/>
+          </p:cNvCxnSpPr>
+          <p:nvPr/>
+        </p:nvCxnSpPr>
+        <p:spPr>
+          <a:xfrm flipV="1">
+            <a:off x="2663788" y="2671856"/>
+            <a:ext cx="1337576" cy="325096"/>
+          </a:xfrm>
+          <a:prstGeom prst="line">
+            <a:avLst/>
+          </a:prstGeom>
+        </p:spPr>
+        <p:style>
+          <a:lnRef idx="1">
+            <a:schemeClr val="accent1"/>
+          </a:lnRef>
+          <a:fillRef idx="0">
+            <a:schemeClr val="accent1"/>
+          </a:fillRef>
+          <a:effectRef idx="0">
+            <a:schemeClr val="accent1"/>
+          </a:effectRef>
+          <a:fontRef idx="minor">
+            <a:schemeClr val="tx1"/>
+          </a:fontRef>
+        </p:style>
+      </p:cxnSp>
+      <p:cxnSp>
+        <p:nvCxnSpPr>
+          <p:cNvPr id="12" name="Прямая соединительная линия 11"/>
+          <p:cNvCxnSpPr>
+            <a:stCxn id="4" idx="5"/>
+            <a:endCxn id="6" idx="1"/>
+          </p:cNvCxnSpPr>
+          <p:nvPr/>
+        </p:nvCxnSpPr>
+        <p:spPr>
+          <a:xfrm>
+            <a:off x="5070628" y="2671856"/>
+            <a:ext cx="1096404" cy="421813"/>
+          </a:xfrm>
+          <a:prstGeom prst="line">
+            <a:avLst/>
+          </a:prstGeom>
+        </p:spPr>
+        <p:style>
+          <a:lnRef idx="1">
+            <a:schemeClr val="accent1"/>
+          </a:lnRef>
+          <a:fillRef idx="0">
+            <a:schemeClr val="accent1"/>
+          </a:fillRef>
+          <a:effectRef idx="0">
+            <a:schemeClr val="accent1"/>
+          </a:effectRef>
+          <a:fontRef idx="minor">
+            <a:schemeClr val="tx1"/>
+          </a:fontRef>
+        </p:style>
+      </p:cxnSp>
+      <p:cxnSp>
+        <p:nvCxnSpPr>
+          <p:cNvPr id="18" name="Прямая соединительная линия 17"/>
+          <p:cNvCxnSpPr>
+            <a:stCxn id="5" idx="4"/>
+          </p:cNvCxnSpPr>
+          <p:nvPr/>
+        </p:nvCxnSpPr>
+        <p:spPr>
+          <a:xfrm>
+            <a:off x="2663788" y="4149080"/>
+            <a:ext cx="0" cy="648072"/>
+          </a:xfrm>
+          <a:prstGeom prst="line">
+            <a:avLst/>
+          </a:prstGeom>
+        </p:spPr>
+        <p:style>
+          <a:lnRef idx="1">
+            <a:schemeClr val="accent1"/>
+          </a:lnRef>
+          <a:fillRef idx="0">
+            <a:schemeClr val="accent1"/>
+          </a:fillRef>
+          <a:effectRef idx="0">
+            <a:schemeClr val="accent1"/>
+          </a:effectRef>
+          <a:fontRef idx="minor">
+            <a:schemeClr val="tx1"/>
+          </a:fontRef>
+        </p:style>
+      </p:cxnSp>
+      <p:cxnSp>
+        <p:nvCxnSpPr>
+          <p:cNvPr id="20" name="Прямая соединительная линия 19"/>
+          <p:cNvCxnSpPr>
+            <a:stCxn id="6" idx="4"/>
+          </p:cNvCxnSpPr>
+          <p:nvPr/>
+        </p:nvCxnSpPr>
+        <p:spPr>
+          <a:xfrm>
+            <a:off x="6701664" y="4077072"/>
+            <a:ext cx="0" cy="1102663"/>
+          </a:xfrm>
+          <a:prstGeom prst="line">
+            <a:avLst/>
+          </a:prstGeom>
+        </p:spPr>
+        <p:style>
+          <a:lnRef idx="1">
+            <a:schemeClr val="accent1"/>
+          </a:lnRef>
+          <a:fillRef idx="0">
+            <a:schemeClr val="accent1"/>
+          </a:fillRef>
+          <a:effectRef idx="0">
+            <a:schemeClr val="accent1"/>
+          </a:effectRef>
+          <a:fontRef idx="minor">
+            <a:schemeClr val="tx1"/>
+          </a:fontRef>
+        </p:style>
+      </p:cxnSp>
+      <p:sp>
+        <p:nvSpPr>
+          <p:cNvPr id="21" name="TextBox 20"/>
+          <p:cNvSpPr txBox="1"/>
+          <p:nvPr/>
+        </p:nvSpPr>
+        <p:spPr>
+          <a:xfrm>
+            <a:off x="2699793" y="6156593"/>
+            <a:ext cx="3960439" cy="584775"/>
+          </a:xfrm>
+          <a:prstGeom prst="rect">
+            <a:avLst/>
+          </a:prstGeom>
+          <a:noFill/>
+        </p:spPr>
+        <p:txBody>
+          <a:bodyPr wrap="square" rtlCol="0">
+            <a:spAutoFit/>
+          </a:bodyPr>
+          <a:lstStyle/>
+          <a:p>
+            <a:pPr algn="ctr"/>
+            <a:r>
+              <a:rPr lang="en-US" sz="3200" dirty="0" smtClean="0">
+                <a:latin typeface="Arial" panose="020B0604020202020204" pitchFamily="34" charset="0"/>
+                <a:cs typeface="Arial" panose="020B0604020202020204" pitchFamily="34" charset="0"/>
+              </a:rPr>
+              <a:t>sin(x) + |-3.56|</a:t>
+            </a:r>
+            <a:endParaRPr lang="ru-RU" sz="3200" dirty="0">
               <a:latin typeface="Arial" panose="020B0604020202020204" pitchFamily="34" charset="0"/>
               <a:cs typeface="Arial" panose="020B0604020202020204" pitchFamily="34" charset="0"/>
             </a:endParaRPr>
           </a:p>
         </p:txBody>
       </p:sp>
-      <p:sp>
-        <p:nvSpPr>
-          <p:cNvPr id="28" name="Выгнутая влево стрелка 27"/>
-          <p:cNvSpPr/>
-          <p:nvPr/>
-        </p:nvSpPr>
-        <p:spPr>
-          <a:xfrm>
-            <a:off x="611560" y="4293096"/>
-            <a:ext cx="625580" cy="1188132"/>
-          </a:xfrm>
-          <a:prstGeom prst="curvedRightArrow">
-            <a:avLst/>
-          </a:prstGeom>
-        </p:spPr>
-        <p:style>
-          <a:lnRef idx="2">
-            <a:schemeClr val="accent1">
-              <a:shade val="50000"/>
-            </a:schemeClr>
-          </a:lnRef>
-          <a:fillRef idx="1">
-            <a:schemeClr val="accent1"/>
-          </a:fillRef>
-          <a:effectRef idx="0">
-            <a:schemeClr val="accent1"/>
-          </a:effectRef>
-          <a:fontRef idx="minor">
-            <a:schemeClr val="lt1"/>
-          </a:fontRef>
-        </p:style>
-        <p:txBody>
-          <a:bodyPr rtlCol="0" anchor="ctr"/>
-          <a:lstStyle/>
-          <a:p>
-            <a:pPr algn="ctr"/>
-            <a:endParaRPr lang="ru-RU" dirty="0">
-              <a:solidFill>
-                <a:schemeClr val="tx1"/>
-              </a:solidFill>
-              <a:latin typeface="Arial" panose="020B0604020202020204" pitchFamily="34" charset="0"/>
-              <a:cs typeface="Arial" panose="020B0604020202020204" pitchFamily="34" charset="0"/>
-            </a:endParaRPr>
-          </a:p>
-        </p:txBody>
-      </p:sp>
-      <p:sp>
-        <p:nvSpPr>
-          <p:cNvPr id="29" name="Выгнутая влево стрелка 28"/>
-          <p:cNvSpPr/>
-          <p:nvPr/>
-        </p:nvSpPr>
-        <p:spPr>
-          <a:xfrm>
-            <a:off x="611560" y="2096852"/>
-            <a:ext cx="625580" cy="1188132"/>
-          </a:xfrm>
-          <a:prstGeom prst="curvedRightArrow">
-            <a:avLst/>
-          </a:prstGeom>
-        </p:spPr>
-        <p:style>
-          <a:lnRef idx="2">
-            <a:schemeClr val="accent1">
-              <a:shade val="50000"/>
-            </a:schemeClr>
-          </a:lnRef>
-          <a:fillRef idx="1">
-            <a:schemeClr val="accent1"/>
-          </a:fillRef>
-          <a:effectRef idx="0">
-            <a:schemeClr val="accent1"/>
-          </a:effectRef>
-          <a:fontRef idx="minor">
-            <a:schemeClr val="lt1"/>
-          </a:fontRef>
-        </p:style>
-        <p:txBody>
-          <a:bodyPr rtlCol="0" anchor="ctr"/>
-          <a:lstStyle/>
-          <a:p>
-            <a:pPr algn="ctr"/>
-            <a:endParaRPr lang="ru-RU" dirty="0">
-              <a:solidFill>
-                <a:schemeClr val="tx1"/>
-              </a:solidFill>
-              <a:latin typeface="Arial" panose="020B0604020202020204" pitchFamily="34" charset="0"/>
-              <a:cs typeface="Arial" panose="020B0604020202020204" pitchFamily="34" charset="0"/>
-            </a:endParaRPr>
-          </a:p>
-        </p:txBody>
-      </p:sp>
-      <p:sp>
-        <p:nvSpPr>
-          <p:cNvPr id="30" name="Выгнутая влево стрелка 29"/>
-          <p:cNvSpPr/>
-          <p:nvPr/>
-        </p:nvSpPr>
-        <p:spPr>
-          <a:xfrm rot="10800000">
-            <a:off x="7884364" y="1916832"/>
-            <a:ext cx="1080123" cy="3672408"/>
-          </a:xfrm>
-          <a:prstGeom prst="curvedRightArrow">
-            <a:avLst>
-              <a:gd name="adj1" fmla="val 14307"/>
-              <a:gd name="adj2" fmla="val 29258"/>
-              <a:gd name="adj3" fmla="val 25000"/>
-            </a:avLst>
-          </a:prstGeom>
-        </p:spPr>
-        <p:style>
-          <a:lnRef idx="2">
-            <a:schemeClr val="accent1">
-              <a:shade val="50000"/>
-            </a:schemeClr>
-          </a:lnRef>
-          <a:fillRef idx="1">
-            <a:schemeClr val="accent1"/>
-          </a:fillRef>
-          <a:effectRef idx="0">
-            <a:schemeClr val="accent1"/>
-          </a:effectRef>
-          <a:fontRef idx="minor">
-            <a:schemeClr val="lt1"/>
-          </a:fontRef>
-        </p:style>
-        <p:txBody>
-          <a:bodyPr rtlCol="0" anchor="ctr"/>
-          <a:lstStyle/>
-          <a:p>
-            <a:pPr algn="ctr"/>
-            <a:endParaRPr lang="ru-RU" dirty="0">
-              <a:solidFill>
-                <a:schemeClr val="tx1"/>
-              </a:solidFill>
-              <a:latin typeface="Arial" panose="020B0604020202020204" pitchFamily="34" charset="0"/>
-              <a:cs typeface="Arial" panose="020B0604020202020204" pitchFamily="34" charset="0"/>
-            </a:endParaRPr>
-          </a:p>
-        </p:txBody>
-      </p:sp>
-      <p:sp>
-        <p:nvSpPr>
-          <p:cNvPr id="31" name="Ромб 30"/>
-          <p:cNvSpPr/>
-          <p:nvPr/>
-        </p:nvSpPr>
-        <p:spPr>
-          <a:xfrm>
-            <a:off x="1262215" y="4941168"/>
-            <a:ext cx="6624733" cy="1080120"/>
-          </a:xfrm>
-          <a:prstGeom prst="diamond">
-            <a:avLst/>
-          </a:prstGeom>
-          <a:noFill/>
-        </p:spPr>
-        <p:style>
-          <a:lnRef idx="2">
-            <a:schemeClr val="accent1">
-              <a:shade val="50000"/>
-            </a:schemeClr>
-          </a:lnRef>
-          <a:fillRef idx="1">
-            <a:schemeClr val="accent1"/>
-          </a:fillRef>
-          <a:effectRef idx="0">
-            <a:schemeClr val="accent1"/>
-          </a:effectRef>
-          <a:fontRef idx="minor">
-            <a:schemeClr val="lt1"/>
-          </a:fontRef>
-        </p:style>
-        <p:txBody>
-          <a:bodyPr rtlCol="0" anchor="ctr"/>
-          <a:lstStyle/>
-          <a:p>
-            <a:pPr algn="ctr"/>
-            <a:r>
-              <a:rPr lang="ru-RU" sz="2800" dirty="0" smtClean="0">
-                <a:solidFill>
-                  <a:schemeClr val="tx1"/>
-                </a:solidFill>
-                <a:latin typeface="Arial" panose="020B0604020202020204" pitchFamily="34" charset="0"/>
-                <a:cs typeface="Arial" panose="020B0604020202020204" pitchFamily="34" charset="0"/>
-              </a:rPr>
-              <a:t>Решение найдено?</a:t>
-            </a:r>
-            <a:endParaRPr lang="ru-RU" sz="2800" dirty="0">
-              <a:solidFill>
-                <a:schemeClr val="tx1"/>
-              </a:solidFill>
-              <a:latin typeface="Arial" panose="020B0604020202020204" pitchFamily="34" charset="0"/>
-              <a:cs typeface="Arial" panose="020B0604020202020204" pitchFamily="34" charset="0"/>
-            </a:endParaRPr>
-          </a:p>
-        </p:txBody>
-      </p:sp>
-      <p:sp>
-        <p:nvSpPr>
-          <p:cNvPr id="33" name="TextBox 32"/>
-          <p:cNvSpPr txBox="1"/>
-          <p:nvPr/>
-        </p:nvSpPr>
-        <p:spPr>
-          <a:xfrm>
-            <a:off x="7380312" y="4869160"/>
-            <a:ext cx="847463" cy="523220"/>
-          </a:xfrm>
-          <a:prstGeom prst="rect">
-            <a:avLst/>
-          </a:prstGeom>
-          <a:noFill/>
-        </p:spPr>
-        <p:txBody>
-          <a:bodyPr wrap="square" rtlCol="0">
-            <a:spAutoFit/>
-          </a:bodyPr>
-          <a:lstStyle/>
-          <a:p>
-            <a:r>
-              <a:rPr lang="ru-RU" sz="2800" dirty="0" smtClean="0">
-                <a:latin typeface="Arial" panose="020B0604020202020204" pitchFamily="34" charset="0"/>
-                <a:cs typeface="Arial" panose="020B0604020202020204" pitchFamily="34" charset="0"/>
-              </a:rPr>
-              <a:t>нет</a:t>
-            </a:r>
-            <a:endParaRPr lang="ru-RU" sz="2800" dirty="0">
-              <a:latin typeface="Arial" panose="020B0604020202020204" pitchFamily="34" charset="0"/>
-              <a:cs typeface="Arial" panose="020B0604020202020204" pitchFamily="34" charset="0"/>
-            </a:endParaRPr>
-          </a:p>
-        </p:txBody>
-      </p:sp>
-      <p:sp>
-        <p:nvSpPr>
-          <p:cNvPr id="34" name="Блок-схема: знак завершения 33"/>
-          <p:cNvSpPr/>
-          <p:nvPr/>
-        </p:nvSpPr>
-        <p:spPr>
-          <a:xfrm>
-            <a:off x="1262216" y="6192688"/>
-            <a:ext cx="6622149" cy="620688"/>
-          </a:xfrm>
-          <a:prstGeom prst="flowChartTerminator">
-            <a:avLst/>
-          </a:prstGeom>
-          <a:noFill/>
-        </p:spPr>
-        <p:style>
-          <a:lnRef idx="2">
-            <a:schemeClr val="accent1">
-              <a:shade val="50000"/>
-            </a:schemeClr>
-          </a:lnRef>
-          <a:fillRef idx="1">
-            <a:schemeClr val="accent1"/>
-          </a:fillRef>
-          <a:effectRef idx="0">
-            <a:schemeClr val="accent1"/>
-          </a:effectRef>
-          <a:fontRef idx="minor">
-            <a:schemeClr val="lt1"/>
-          </a:fontRef>
-        </p:style>
-        <p:txBody>
-          <a:bodyPr rtlCol="0" anchor="ctr"/>
-          <a:lstStyle/>
-          <a:p>
-            <a:pPr algn="ctr"/>
-            <a:r>
-              <a:rPr lang="ru-RU" sz="2800" dirty="0" smtClean="0">
-                <a:solidFill>
-                  <a:schemeClr val="tx1"/>
-                </a:solidFill>
-                <a:latin typeface="Arial" panose="020B0604020202020204" pitchFamily="34" charset="0"/>
-                <a:cs typeface="Arial" panose="020B0604020202020204" pitchFamily="34" charset="0"/>
-              </a:rPr>
-              <a:t>Выход</a:t>
-            </a:r>
-            <a:endParaRPr lang="ru-RU" sz="2800" dirty="0">
-              <a:solidFill>
-                <a:schemeClr val="tx1"/>
-              </a:solidFill>
-              <a:latin typeface="Arial" panose="020B0604020202020204" pitchFamily="34" charset="0"/>
-              <a:cs typeface="Arial" panose="020B0604020202020204" pitchFamily="34" charset="0"/>
-            </a:endParaRPr>
-          </a:p>
-        </p:txBody>
-      </p:sp>
-      <p:sp>
-        <p:nvSpPr>
-          <p:cNvPr id="36" name="Выгнутая влево стрелка 35"/>
-          <p:cNvSpPr/>
-          <p:nvPr/>
-        </p:nvSpPr>
-        <p:spPr>
-          <a:xfrm>
-            <a:off x="614144" y="5442058"/>
-            <a:ext cx="648072" cy="1155294"/>
-          </a:xfrm>
-          <a:prstGeom prst="curvedRightArrow">
-            <a:avLst/>
-          </a:prstGeom>
-        </p:spPr>
-        <p:style>
-          <a:lnRef idx="2">
-            <a:schemeClr val="accent1">
-              <a:shade val="50000"/>
-            </a:schemeClr>
-          </a:lnRef>
-          <a:fillRef idx="1">
-            <a:schemeClr val="accent1"/>
-          </a:fillRef>
-          <a:effectRef idx="0">
-            <a:schemeClr val="accent1"/>
-          </a:effectRef>
-          <a:fontRef idx="minor">
-            <a:schemeClr val="lt1"/>
-          </a:fontRef>
-        </p:style>
-        <p:txBody>
-          <a:bodyPr rtlCol="0" anchor="ctr"/>
-          <a:lstStyle/>
-          <a:p>
-            <a:pPr algn="ctr"/>
-            <a:endParaRPr lang="ru-RU" dirty="0">
-              <a:solidFill>
-                <a:schemeClr val="tx1"/>
-              </a:solidFill>
-              <a:latin typeface="Arial" panose="020B0604020202020204" pitchFamily="34" charset="0"/>
-              <a:cs typeface="Arial" panose="020B0604020202020204" pitchFamily="34" charset="0"/>
-            </a:endParaRPr>
-          </a:p>
-        </p:txBody>
-      </p:sp>
-      <p:sp>
-        <p:nvSpPr>
-          <p:cNvPr id="37" name="Выгнутая влево стрелка 36"/>
-          <p:cNvSpPr/>
-          <p:nvPr/>
-        </p:nvSpPr>
-        <p:spPr>
-          <a:xfrm>
-            <a:off x="611560" y="3356992"/>
-            <a:ext cx="625580" cy="936104"/>
-          </a:xfrm>
-          <a:prstGeom prst="curvedRightArrow">
-            <a:avLst/>
-          </a:prstGeom>
-        </p:spPr>
-        <p:style>
-          <a:lnRef idx="2">
-            <a:schemeClr val="accent1">
-              <a:shade val="50000"/>
-            </a:schemeClr>
-          </a:lnRef>
-          <a:fillRef idx="1">
-            <a:schemeClr val="accent1"/>
-          </a:fillRef>
-          <a:effectRef idx="0">
-            <a:schemeClr val="accent1"/>
-          </a:effectRef>
-          <a:fontRef idx="minor">
-            <a:schemeClr val="lt1"/>
-          </a:fontRef>
-        </p:style>
-        <p:txBody>
-          <a:bodyPr rtlCol="0" anchor="ctr"/>
-          <a:lstStyle/>
-          <a:p>
-            <a:pPr algn="ctr"/>
-            <a:endParaRPr lang="ru-RU" dirty="0">
-              <a:solidFill>
-                <a:schemeClr val="tx1"/>
-              </a:solidFill>
-              <a:latin typeface="Arial" panose="020B0604020202020204" pitchFamily="34" charset="0"/>
-              <a:cs typeface="Arial" panose="020B0604020202020204" pitchFamily="34" charset="0"/>
-            </a:endParaRPr>
-          </a:p>
-        </p:txBody>
-      </p:sp>
-      <p:sp>
-        <p:nvSpPr>
-          <p:cNvPr id="38" name="TextBox 37"/>
-          <p:cNvSpPr txBox="1"/>
-          <p:nvPr/>
-        </p:nvSpPr>
-        <p:spPr>
-          <a:xfrm flipH="1">
-            <a:off x="1259632" y="4849996"/>
-            <a:ext cx="720079" cy="523220"/>
-          </a:xfrm>
-          <a:prstGeom prst="rect">
-            <a:avLst/>
-          </a:prstGeom>
-          <a:noFill/>
-        </p:spPr>
-        <p:txBody>
-          <a:bodyPr wrap="square" rtlCol="0">
-            <a:spAutoFit/>
-          </a:bodyPr>
-          <a:lstStyle/>
-          <a:p>
-            <a:r>
-              <a:rPr lang="ru-RU" sz="2800" dirty="0" smtClean="0">
-                <a:latin typeface="Arial" panose="020B0604020202020204" pitchFamily="34" charset="0"/>
-                <a:cs typeface="Arial" panose="020B0604020202020204" pitchFamily="34" charset="0"/>
-              </a:rPr>
-              <a:t>да</a:t>
-            </a:r>
-            <a:endParaRPr lang="ru-RU" sz="2800" dirty="0">
-              <a:latin typeface="Arial" panose="020B0604020202020204" pitchFamily="34" charset="0"/>
-              <a:cs typeface="Arial" panose="020B0604020202020204" pitchFamily="34" charset="0"/>
-            </a:endParaRPr>
-          </a:p>
-        </p:txBody>
-      </p:sp>
-      <p:sp>
-        <p:nvSpPr>
-          <p:cNvPr id="2" name="TextBox 1"/>
-          <p:cNvSpPr txBox="1"/>
-          <p:nvPr/>
-        </p:nvSpPr>
-        <p:spPr>
-          <a:xfrm>
-            <a:off x="2051720" y="-27384"/>
-            <a:ext cx="5112568" cy="461665"/>
-          </a:xfrm>
-          <a:prstGeom prst="rect">
-            <a:avLst/>
-          </a:prstGeom>
-          <a:noFill/>
-        </p:spPr>
-        <p:txBody>
-          <a:bodyPr wrap="square" rtlCol="0">
-            <a:spAutoFit/>
-          </a:bodyPr>
-          <a:lstStyle/>
-          <a:p>
-            <a:pPr algn="ctr"/>
-            <a:r>
-              <a:rPr lang="ru-RU" sz="2400" b="1" dirty="0" smtClean="0">
-                <a:solidFill>
-                  <a:schemeClr val="bg1"/>
-                </a:solidFill>
-                <a:latin typeface="Arial" panose="020B0604020202020204" pitchFamily="34" charset="0"/>
-                <a:cs typeface="Arial" panose="020B0604020202020204" pitchFamily="34" charset="0"/>
-              </a:rPr>
-              <a:t>Генетический алгоритм</a:t>
-            </a:r>
-            <a:endParaRPr lang="ru-RU" sz="2400" b="1" dirty="0">
-              <a:solidFill>
-                <a:schemeClr val="bg1"/>
-              </a:solidFill>
-              <a:latin typeface="Arial" panose="020B0604020202020204" pitchFamily="34" charset="0"/>
-              <a:cs typeface="Arial" panose="020B0604020202020204" pitchFamily="34" charset="0"/>
-            </a:endParaRPr>
-          </a:p>
-        </p:txBody>
-      </p:sp>
     </p:spTree>
     <p:extLst>
       <p:ext uri="{BB962C8B-B14F-4D97-AF65-F5344CB8AC3E}">
-        <p14:creationId xmlns:p14="http://schemas.microsoft.com/office/powerpoint/2010/main" val="3203943609"/>
+        <p14:creationId xmlns:p14="http://schemas.microsoft.com/office/powerpoint/2010/main" val="2508133276"/>
       </p:ext>
     </p:extLst>
   </p:cSld>
@@ -5323,459 +5722,6 @@
         </p:nvSpPr>
         <p:spPr>
           <a:xfrm>
-            <a:off x="1259632" y="332656"/>
-            <a:ext cx="6781800" cy="1168152"/>
-          </a:xfrm>
-        </p:spPr>
-        <p:txBody>
-          <a:bodyPr/>
-          <a:lstStyle/>
-          <a:p>
-            <a:pPr algn="ctr"/>
-            <a:r>
-              <a:rPr lang="ru-RU" dirty="0" smtClean="0"/>
-              <a:t>Особь популяции</a:t>
-            </a:r>
-            <a:endParaRPr lang="ru-RU" dirty="0"/>
-          </a:p>
-        </p:txBody>
-      </p:sp>
-      <p:sp>
-        <p:nvSpPr>
-          <p:cNvPr id="4" name="Овал 3"/>
-          <p:cNvSpPr/>
-          <p:nvPr/>
-        </p:nvSpPr>
-        <p:spPr>
-          <a:xfrm>
-            <a:off x="3779912" y="1688453"/>
-            <a:ext cx="1512168" cy="1152128"/>
-          </a:xfrm>
-          <a:prstGeom prst="ellipse">
-            <a:avLst/>
-          </a:prstGeom>
-        </p:spPr>
-        <p:style>
-          <a:lnRef idx="2">
-            <a:schemeClr val="accent1">
-              <a:shade val="50000"/>
-            </a:schemeClr>
-          </a:lnRef>
-          <a:fillRef idx="1">
-            <a:schemeClr val="accent1"/>
-          </a:fillRef>
-          <a:effectRef idx="0">
-            <a:schemeClr val="accent1"/>
-          </a:effectRef>
-          <a:fontRef idx="minor">
-            <a:schemeClr val="lt1"/>
-          </a:fontRef>
-        </p:style>
-        <p:txBody>
-          <a:bodyPr rtlCol="0" anchor="ctr"/>
-          <a:lstStyle/>
-          <a:p>
-            <a:pPr algn="ctr"/>
-            <a:r>
-              <a:rPr lang="ru-RU" sz="3200" dirty="0" smtClean="0"/>
-              <a:t>+</a:t>
-            </a:r>
-            <a:endParaRPr lang="ru-RU" sz="3200" dirty="0"/>
-          </a:p>
-        </p:txBody>
-      </p:sp>
-      <p:sp>
-        <p:nvSpPr>
-          <p:cNvPr id="5" name="Овал 4"/>
-          <p:cNvSpPr/>
-          <p:nvPr/>
-        </p:nvSpPr>
-        <p:spPr>
-          <a:xfrm>
-            <a:off x="1907704" y="2996952"/>
-            <a:ext cx="1512168" cy="1152128"/>
-          </a:xfrm>
-          <a:prstGeom prst="ellipse">
-            <a:avLst/>
-          </a:prstGeom>
-        </p:spPr>
-        <p:style>
-          <a:lnRef idx="2">
-            <a:schemeClr val="accent1">
-              <a:shade val="50000"/>
-            </a:schemeClr>
-          </a:lnRef>
-          <a:fillRef idx="1">
-            <a:schemeClr val="accent1"/>
-          </a:fillRef>
-          <a:effectRef idx="0">
-            <a:schemeClr val="accent1"/>
-          </a:effectRef>
-          <a:fontRef idx="minor">
-            <a:schemeClr val="lt1"/>
-          </a:fontRef>
-        </p:style>
-        <p:txBody>
-          <a:bodyPr rtlCol="0" anchor="ctr"/>
-          <a:lstStyle/>
-          <a:p>
-            <a:pPr algn="ctr"/>
-            <a:r>
-              <a:rPr lang="en-US" sz="3200" dirty="0" smtClean="0"/>
-              <a:t>sin</a:t>
-            </a:r>
-            <a:endParaRPr lang="ru-RU" sz="3200" dirty="0"/>
-          </a:p>
-        </p:txBody>
-      </p:sp>
-      <p:sp>
-        <p:nvSpPr>
-          <p:cNvPr id="6" name="Овал 5"/>
-          <p:cNvSpPr/>
-          <p:nvPr/>
-        </p:nvSpPr>
-        <p:spPr>
-          <a:xfrm>
-            <a:off x="5945580" y="2924944"/>
-            <a:ext cx="1512168" cy="1152128"/>
-          </a:xfrm>
-          <a:prstGeom prst="ellipse">
-            <a:avLst/>
-          </a:prstGeom>
-        </p:spPr>
-        <p:style>
-          <a:lnRef idx="2">
-            <a:schemeClr val="accent1">
-              <a:shade val="50000"/>
-            </a:schemeClr>
-          </a:lnRef>
-          <a:fillRef idx="1">
-            <a:schemeClr val="accent1"/>
-          </a:fillRef>
-          <a:effectRef idx="0">
-            <a:schemeClr val="accent1"/>
-          </a:effectRef>
-          <a:fontRef idx="minor">
-            <a:schemeClr val="lt1"/>
-          </a:fontRef>
-        </p:style>
-        <p:txBody>
-          <a:bodyPr rtlCol="0" anchor="ctr"/>
-          <a:lstStyle/>
-          <a:p>
-            <a:pPr algn="ctr"/>
-            <a:r>
-              <a:rPr lang="en-US" sz="3200" dirty="0" smtClean="0"/>
-              <a:t>abs</a:t>
-            </a:r>
-            <a:endParaRPr lang="ru-RU" sz="3200" dirty="0"/>
-          </a:p>
-        </p:txBody>
-      </p:sp>
-      <p:sp>
-        <p:nvSpPr>
-          <p:cNvPr id="7" name="Овал 6"/>
-          <p:cNvSpPr/>
-          <p:nvPr/>
-        </p:nvSpPr>
-        <p:spPr>
-          <a:xfrm>
-            <a:off x="1907704" y="4675679"/>
-            <a:ext cx="1512168" cy="1152128"/>
-          </a:xfrm>
-          <a:prstGeom prst="ellipse">
-            <a:avLst/>
-          </a:prstGeom>
-        </p:spPr>
-        <p:style>
-          <a:lnRef idx="2">
-            <a:schemeClr val="accent1">
-              <a:shade val="50000"/>
-            </a:schemeClr>
-          </a:lnRef>
-          <a:fillRef idx="1">
-            <a:schemeClr val="accent1"/>
-          </a:fillRef>
-          <a:effectRef idx="0">
-            <a:schemeClr val="accent1"/>
-          </a:effectRef>
-          <a:fontRef idx="minor">
-            <a:schemeClr val="lt1"/>
-          </a:fontRef>
-        </p:style>
-        <p:txBody>
-          <a:bodyPr rtlCol="0" anchor="ctr"/>
-          <a:lstStyle/>
-          <a:p>
-            <a:pPr algn="ctr"/>
-            <a:r>
-              <a:rPr lang="en-US" sz="3200" dirty="0" smtClean="0"/>
-              <a:t>x</a:t>
-            </a:r>
-            <a:endParaRPr lang="ru-RU" sz="3200" dirty="0"/>
-          </a:p>
-        </p:txBody>
-      </p:sp>
-      <p:sp>
-        <p:nvSpPr>
-          <p:cNvPr id="8" name="Овал 7"/>
-          <p:cNvSpPr/>
-          <p:nvPr/>
-        </p:nvSpPr>
-        <p:spPr>
-          <a:xfrm>
-            <a:off x="5945580" y="4603671"/>
-            <a:ext cx="1512168" cy="1152128"/>
-          </a:xfrm>
-          <a:prstGeom prst="ellipse">
-            <a:avLst/>
-          </a:prstGeom>
-        </p:spPr>
-        <p:style>
-          <a:lnRef idx="2">
-            <a:schemeClr val="accent1">
-              <a:shade val="50000"/>
-            </a:schemeClr>
-          </a:lnRef>
-          <a:fillRef idx="1">
-            <a:schemeClr val="accent1"/>
-          </a:fillRef>
-          <a:effectRef idx="0">
-            <a:schemeClr val="accent1"/>
-          </a:effectRef>
-          <a:fontRef idx="minor">
-            <a:schemeClr val="lt1"/>
-          </a:fontRef>
-        </p:style>
-        <p:txBody>
-          <a:bodyPr rtlCol="0" anchor="ctr"/>
-          <a:lstStyle/>
-          <a:p>
-            <a:pPr algn="ctr"/>
-            <a:r>
-              <a:rPr lang="en-US" sz="3200" dirty="0" smtClean="0"/>
-              <a:t>-3.56</a:t>
-            </a:r>
-            <a:endParaRPr lang="ru-RU" sz="3200" dirty="0"/>
-          </a:p>
-        </p:txBody>
-      </p:sp>
-      <p:cxnSp>
-        <p:nvCxnSpPr>
-          <p:cNvPr id="10" name="Прямая соединительная линия 9"/>
-          <p:cNvCxnSpPr>
-            <a:stCxn id="5" idx="0"/>
-            <a:endCxn id="4" idx="3"/>
-          </p:cNvCxnSpPr>
-          <p:nvPr/>
-        </p:nvCxnSpPr>
-        <p:spPr>
-          <a:xfrm flipV="1">
-            <a:off x="2663788" y="2671856"/>
-            <a:ext cx="1337576" cy="325096"/>
-          </a:xfrm>
-          <a:prstGeom prst="line">
-            <a:avLst/>
-          </a:prstGeom>
-        </p:spPr>
-        <p:style>
-          <a:lnRef idx="1">
-            <a:schemeClr val="accent1"/>
-          </a:lnRef>
-          <a:fillRef idx="0">
-            <a:schemeClr val="accent1"/>
-          </a:fillRef>
-          <a:effectRef idx="0">
-            <a:schemeClr val="accent1"/>
-          </a:effectRef>
-          <a:fontRef idx="minor">
-            <a:schemeClr val="tx1"/>
-          </a:fontRef>
-        </p:style>
-      </p:cxnSp>
-      <p:cxnSp>
-        <p:nvCxnSpPr>
-          <p:cNvPr id="12" name="Прямая соединительная линия 11"/>
-          <p:cNvCxnSpPr>
-            <a:stCxn id="4" idx="5"/>
-            <a:endCxn id="6" idx="1"/>
-          </p:cNvCxnSpPr>
-          <p:nvPr/>
-        </p:nvCxnSpPr>
-        <p:spPr>
-          <a:xfrm>
-            <a:off x="5070628" y="2671856"/>
-            <a:ext cx="1096404" cy="421813"/>
-          </a:xfrm>
-          <a:prstGeom prst="line">
-            <a:avLst/>
-          </a:prstGeom>
-        </p:spPr>
-        <p:style>
-          <a:lnRef idx="1">
-            <a:schemeClr val="accent1"/>
-          </a:lnRef>
-          <a:fillRef idx="0">
-            <a:schemeClr val="accent1"/>
-          </a:fillRef>
-          <a:effectRef idx="0">
-            <a:schemeClr val="accent1"/>
-          </a:effectRef>
-          <a:fontRef idx="minor">
-            <a:schemeClr val="tx1"/>
-          </a:fontRef>
-        </p:style>
-      </p:cxnSp>
-      <p:cxnSp>
-        <p:nvCxnSpPr>
-          <p:cNvPr id="18" name="Прямая соединительная линия 17"/>
-          <p:cNvCxnSpPr>
-            <a:stCxn id="5" idx="4"/>
-          </p:cNvCxnSpPr>
-          <p:nvPr/>
-        </p:nvCxnSpPr>
-        <p:spPr>
-          <a:xfrm>
-            <a:off x="2663788" y="4149080"/>
-            <a:ext cx="0" cy="648072"/>
-          </a:xfrm>
-          <a:prstGeom prst="line">
-            <a:avLst/>
-          </a:prstGeom>
-        </p:spPr>
-        <p:style>
-          <a:lnRef idx="1">
-            <a:schemeClr val="accent1"/>
-          </a:lnRef>
-          <a:fillRef idx="0">
-            <a:schemeClr val="accent1"/>
-          </a:fillRef>
-          <a:effectRef idx="0">
-            <a:schemeClr val="accent1"/>
-          </a:effectRef>
-          <a:fontRef idx="minor">
-            <a:schemeClr val="tx1"/>
-          </a:fontRef>
-        </p:style>
-      </p:cxnSp>
-      <p:cxnSp>
-        <p:nvCxnSpPr>
-          <p:cNvPr id="20" name="Прямая соединительная линия 19"/>
-          <p:cNvCxnSpPr>
-            <a:stCxn id="6" idx="4"/>
-          </p:cNvCxnSpPr>
-          <p:nvPr/>
-        </p:nvCxnSpPr>
-        <p:spPr>
-          <a:xfrm>
-            <a:off x="6701664" y="4077072"/>
-            <a:ext cx="0" cy="1102663"/>
-          </a:xfrm>
-          <a:prstGeom prst="line">
-            <a:avLst/>
-          </a:prstGeom>
-        </p:spPr>
-        <p:style>
-          <a:lnRef idx="1">
-            <a:schemeClr val="accent1"/>
-          </a:lnRef>
-          <a:fillRef idx="0">
-            <a:schemeClr val="accent1"/>
-          </a:fillRef>
-          <a:effectRef idx="0">
-            <a:schemeClr val="accent1"/>
-          </a:effectRef>
-          <a:fontRef idx="minor">
-            <a:schemeClr val="tx1"/>
-          </a:fontRef>
-        </p:style>
-      </p:cxnSp>
-      <p:sp>
-        <p:nvSpPr>
-          <p:cNvPr id="21" name="TextBox 20"/>
-          <p:cNvSpPr txBox="1"/>
-          <p:nvPr/>
-        </p:nvSpPr>
-        <p:spPr>
-          <a:xfrm>
-            <a:off x="2699793" y="6156593"/>
-            <a:ext cx="3960439" cy="584775"/>
-          </a:xfrm>
-          <a:prstGeom prst="rect">
-            <a:avLst/>
-          </a:prstGeom>
-          <a:noFill/>
-        </p:spPr>
-        <p:txBody>
-          <a:bodyPr wrap="square" rtlCol="0">
-            <a:spAutoFit/>
-          </a:bodyPr>
-          <a:lstStyle/>
-          <a:p>
-            <a:pPr algn="ctr"/>
-            <a:r>
-              <a:rPr lang="en-US" sz="3200" dirty="0" smtClean="0">
-                <a:latin typeface="Arial" panose="020B0604020202020204" pitchFamily="34" charset="0"/>
-                <a:cs typeface="Arial" panose="020B0604020202020204" pitchFamily="34" charset="0"/>
-              </a:rPr>
-              <a:t>sin(x) + |-3.56|</a:t>
-            </a:r>
-            <a:endParaRPr lang="ru-RU" sz="3200" dirty="0">
-              <a:latin typeface="Arial" panose="020B0604020202020204" pitchFamily="34" charset="0"/>
-              <a:cs typeface="Arial" panose="020B0604020202020204" pitchFamily="34" charset="0"/>
-            </a:endParaRPr>
-          </a:p>
-        </p:txBody>
-      </p:sp>
-    </p:spTree>
-    <p:extLst>
-      <p:ext uri="{BB962C8B-B14F-4D97-AF65-F5344CB8AC3E}">
-        <p14:creationId xmlns:p14="http://schemas.microsoft.com/office/powerpoint/2010/main" val="2508133276"/>
-      </p:ext>
-    </p:extLst>
-  </p:cSld>
-  <p:clrMapOvr>
-    <a:masterClrMapping/>
-  </p:clrMapOvr>
-  <p:timing>
-    <p:tnLst>
-      <p:par>
-        <p:cTn id="1" dur="indefinite" restart="never" nodeType="tmRoot"/>
-      </p:par>
-    </p:tnLst>
-  </p:timing>
-</p:sld>
-</file>
-
-<file path=ppt/slides/slide13.xml><?xml version="1.0" encoding="utf-8"?>
-<p:sld xmlns:a="http://schemas.openxmlformats.org/drawingml/2006/main" xmlns:r="http://schemas.openxmlformats.org/officeDocument/2006/relationships" xmlns:p="http://schemas.openxmlformats.org/presentationml/2006/main">
-  <p:cSld>
-    <p:spTree>
-      <p:nvGrpSpPr>
-        <p:cNvPr id="1" name=""/>
-        <p:cNvGrpSpPr/>
-        <p:nvPr/>
-      </p:nvGrpSpPr>
-      <p:grpSpPr>
-        <a:xfrm>
-          <a:off x="0" y="0"/>
-          <a:ext cx="0" cy="0"/>
-          <a:chOff x="0" y="0"/>
-          <a:chExt cx="0" cy="0"/>
-        </a:xfrm>
-      </p:grpSpPr>
-      <p:sp>
-        <p:nvSpPr>
-          <p:cNvPr id="2" name="Заголовок 1"/>
-          <p:cNvSpPr>
-            <a:spLocks noGrp="1"/>
-          </p:cNvSpPr>
-          <p:nvPr>
-            <p:ph type="title"/>
-          </p:nvPr>
-        </p:nvSpPr>
-        <p:spPr>
-          <a:xfrm>
             <a:off x="1335206" y="109182"/>
             <a:ext cx="6781800" cy="1600200"/>
           </a:xfrm>
@@ -5887,7 +5833,7 @@
 </p:sld>
 </file>
 
-<file path=ppt/slides/slide14.xml><?xml version="1.0" encoding="utf-8"?>
+<file path=ppt/slides/slide13.xml><?xml version="1.0" encoding="utf-8"?>
 <p:sld xmlns:a="http://schemas.openxmlformats.org/drawingml/2006/main" xmlns:r="http://schemas.openxmlformats.org/officeDocument/2006/relationships" xmlns:p="http://schemas.openxmlformats.org/presentationml/2006/main">
   <p:cSld>
     <p:spTree>
@@ -6830,7 +6776,7 @@
 </p:sld>
 </file>
 
-<file path=ppt/slides/slide15.xml><?xml version="1.0" encoding="utf-8"?>
+<file path=ppt/slides/slide14.xml><?xml version="1.0" encoding="utf-8"?>
 <p:sld xmlns:a="http://schemas.openxmlformats.org/drawingml/2006/main" xmlns:r="http://schemas.openxmlformats.org/officeDocument/2006/relationships" xmlns:p="http://schemas.openxmlformats.org/presentationml/2006/main">
   <p:cSld>
     <p:spTree>
@@ -7601,7 +7547,7 @@
 </p:sld>
 </file>
 
-<file path=ppt/slides/slide16.xml><?xml version="1.0" encoding="utf-8"?>
+<file path=ppt/slides/slide15.xml><?xml version="1.0" encoding="utf-8"?>
 <p:sld xmlns:a="http://schemas.openxmlformats.org/drawingml/2006/main" xmlns:r="http://schemas.openxmlformats.org/officeDocument/2006/relationships" xmlns:p="http://schemas.openxmlformats.org/presentationml/2006/main">
   <p:cSld>
     <p:spTree>
@@ -7733,7 +7679,7 @@
 </p:sld>
 </file>
 
-<file path=ppt/slides/slide17.xml><?xml version="1.0" encoding="utf-8"?>
+<file path=ppt/slides/slide16.xml><?xml version="1.0" encoding="utf-8"?>
 <p:sld xmlns:a="http://schemas.openxmlformats.org/drawingml/2006/main" xmlns:r="http://schemas.openxmlformats.org/officeDocument/2006/relationships" xmlns:p="http://schemas.openxmlformats.org/presentationml/2006/main">
   <p:cSld>
     <p:spTree>
@@ -8610,7 +8556,7 @@
 </p:sld>
 </file>
 
-<file path=ppt/slides/slide18.xml><?xml version="1.0" encoding="utf-8"?>
+<file path=ppt/slides/slide17.xml><?xml version="1.0" encoding="utf-8"?>
 <p:sld xmlns:a="http://schemas.openxmlformats.org/drawingml/2006/main" xmlns:r="http://schemas.openxmlformats.org/officeDocument/2006/relationships" xmlns:p="http://schemas.openxmlformats.org/presentationml/2006/main">
   <p:cSld>
     <p:spTree>
@@ -9487,7 +9433,7 @@
 </p:sld>
 </file>
 
-<file path=ppt/slides/slide19.xml><?xml version="1.0" encoding="utf-8"?>
+<file path=ppt/slides/slide18.xml><?xml version="1.0" encoding="utf-8"?>
 <p:sld xmlns:a="http://schemas.openxmlformats.org/drawingml/2006/main" xmlns:r="http://schemas.openxmlformats.org/officeDocument/2006/relationships" xmlns:p="http://schemas.openxmlformats.org/presentationml/2006/main">
   <p:cSld>
     <p:spTree>
@@ -10287,142 +10233,7 @@
 </p:sld>
 </file>
 
-<file path=ppt/slides/slide2.xml><?xml version="1.0" encoding="utf-8"?>
-<p:sld xmlns:a="http://schemas.openxmlformats.org/drawingml/2006/main" xmlns:r="http://schemas.openxmlformats.org/officeDocument/2006/relationships" xmlns:p="http://schemas.openxmlformats.org/presentationml/2006/main">
-  <p:cSld>
-    <p:spTree>
-      <p:nvGrpSpPr>
-        <p:cNvPr id="1" name=""/>
-        <p:cNvGrpSpPr/>
-        <p:nvPr/>
-      </p:nvGrpSpPr>
-      <p:grpSpPr>
-        <a:xfrm>
-          <a:off x="0" y="0"/>
-          <a:ext cx="0" cy="0"/>
-          <a:chOff x="0" y="0"/>
-          <a:chExt cx="0" cy="0"/>
-        </a:xfrm>
-      </p:grpSpPr>
-      <p:sp>
-        <p:nvSpPr>
-          <p:cNvPr id="2" name="Заголовок 1"/>
-          <p:cNvSpPr>
-            <a:spLocks noGrp="1"/>
-          </p:cNvSpPr>
-          <p:nvPr>
-            <p:ph type="title"/>
-          </p:nvPr>
-        </p:nvSpPr>
-        <p:spPr>
-          <a:xfrm>
-            <a:off x="1187624" y="0"/>
-            <a:ext cx="6781800" cy="1600200"/>
-          </a:xfrm>
-        </p:spPr>
-        <p:txBody>
-          <a:bodyPr/>
-          <a:lstStyle/>
-          <a:p>
-            <a:pPr algn="ctr"/>
-            <a:r>
-              <a:rPr lang="ru-RU" dirty="0" smtClean="0"/>
-              <a:t>Введение</a:t>
-            </a:r>
-            <a:endParaRPr lang="ru-RU" dirty="0"/>
-          </a:p>
-        </p:txBody>
-      </p:sp>
-      <p:sp>
-        <p:nvSpPr>
-          <p:cNvPr id="3" name="Объект 2"/>
-          <p:cNvSpPr>
-            <a:spLocks noGrp="1"/>
-          </p:cNvSpPr>
-          <p:nvPr>
-            <p:ph idx="1"/>
-          </p:nvPr>
-        </p:nvSpPr>
-        <p:spPr>
-          <a:xfrm>
-            <a:off x="539552" y="1556792"/>
-            <a:ext cx="8136904" cy="4392488"/>
-          </a:xfrm>
-        </p:spPr>
-        <p:txBody>
-          <a:bodyPr>
-            <a:normAutofit/>
-          </a:bodyPr>
-          <a:lstStyle/>
-          <a:p>
-            <a:pPr algn="just"/>
-            <a:r>
-              <a:rPr lang="ru-RU" sz="3200" dirty="0">
-                <a:latin typeface="Arial" panose="020B0604020202020204" pitchFamily="34" charset="0"/>
-                <a:cs typeface="Arial" panose="020B0604020202020204" pitchFamily="34" charset="0"/>
-              </a:rPr>
-              <a:t>Символьная регрессия – задача нахождения формулы, которая описывает некую зависимость. </a:t>
-            </a:r>
-            <a:endParaRPr lang="ru-RU" sz="3200" dirty="0" smtClean="0">
-              <a:latin typeface="Arial" panose="020B0604020202020204" pitchFamily="34" charset="0"/>
-              <a:cs typeface="Arial" panose="020B0604020202020204" pitchFamily="34" charset="0"/>
-            </a:endParaRPr>
-          </a:p>
-          <a:p>
-            <a:pPr algn="just"/>
-            <a:r>
-              <a:rPr lang="ru-RU" sz="3200" dirty="0" smtClean="0">
-                <a:latin typeface="Arial" panose="020B0604020202020204" pitchFamily="34" charset="0"/>
-                <a:cs typeface="Arial" panose="020B0604020202020204" pitchFamily="34" charset="0"/>
-              </a:rPr>
-              <a:t>Более </a:t>
-            </a:r>
-            <a:r>
-              <a:rPr lang="ru-RU" sz="3200" dirty="0">
-                <a:latin typeface="Arial" panose="020B0604020202020204" pitchFamily="34" charset="0"/>
-                <a:cs typeface="Arial" panose="020B0604020202020204" pitchFamily="34" charset="0"/>
-              </a:rPr>
-              <a:t>формально</a:t>
-            </a:r>
-            <a:r>
-              <a:rPr lang="ru-RU" sz="3200" dirty="0" smtClean="0">
-                <a:latin typeface="Arial" panose="020B0604020202020204" pitchFamily="34" charset="0"/>
-                <a:cs typeface="Arial" panose="020B0604020202020204" pitchFamily="34" charset="0"/>
-              </a:rPr>
-              <a:t>, это </a:t>
-            </a:r>
-            <a:r>
-              <a:rPr lang="ru-RU" sz="3200" dirty="0">
-                <a:latin typeface="Arial" panose="020B0604020202020204" pitchFamily="34" charset="0"/>
-                <a:cs typeface="Arial" panose="020B0604020202020204" pitchFamily="34" charset="0"/>
-              </a:rPr>
-              <a:t>построение регрессионной модели в виде суперпозиции заданных функций. </a:t>
-            </a:r>
-            <a:endParaRPr lang="ru-RU" sz="3200" dirty="0"/>
-          </a:p>
-        </p:txBody>
-      </p:sp>
-    </p:spTree>
-    <p:extLst>
-      <p:ext uri="{BB962C8B-B14F-4D97-AF65-F5344CB8AC3E}">
-        <p14:creationId xmlns:p14="http://schemas.microsoft.com/office/powerpoint/2010/main" val="3190763605"/>
-      </p:ext>
-    </p:extLst>
-  </p:cSld>
-  <p:clrMapOvr>
-    <a:masterClrMapping/>
-  </p:clrMapOvr>
-  <p:timing>
-    <p:tnLst>
-      <p:par>
-        <p:cTn id="1" dur="indefinite" restart="never" nodeType="tmRoot"/>
-      </p:par>
-    </p:tnLst>
-  </p:timing>
-</p:sld>
-</file>
-
-<file path=ppt/slides/slide20.xml><?xml version="1.0" encoding="utf-8"?>
+<file path=ppt/slides/slide19.xml><?xml version="1.0" encoding="utf-8"?>
 <p:sld xmlns:a="http://schemas.openxmlformats.org/drawingml/2006/main" xmlns:r="http://schemas.openxmlformats.org/officeDocument/2006/relationships" xmlns:p="http://schemas.openxmlformats.org/presentationml/2006/main">
   <p:cSld>
     <p:spTree>
@@ -11432,7 +11243,157 @@
 </p:sld>
 </file>
 
-<file path=ppt/slides/slide21.xml><?xml version="1.0" encoding="utf-8"?>
+<file path=ppt/slides/slide2.xml><?xml version="1.0" encoding="utf-8"?>
+<p:sld xmlns:a="http://schemas.openxmlformats.org/drawingml/2006/main" xmlns:r="http://schemas.openxmlformats.org/officeDocument/2006/relationships" xmlns:p="http://schemas.openxmlformats.org/presentationml/2006/main">
+  <p:cSld>
+    <p:spTree>
+      <p:nvGrpSpPr>
+        <p:cNvPr id="1" name=""/>
+        <p:cNvGrpSpPr/>
+        <p:nvPr/>
+      </p:nvGrpSpPr>
+      <p:grpSpPr>
+        <a:xfrm>
+          <a:off x="0" y="0"/>
+          <a:ext cx="0" cy="0"/>
+          <a:chOff x="0" y="0"/>
+          <a:chExt cx="0" cy="0"/>
+        </a:xfrm>
+      </p:grpSpPr>
+      <p:sp>
+        <p:nvSpPr>
+          <p:cNvPr id="2" name="Заголовок 1"/>
+          <p:cNvSpPr>
+            <a:spLocks noGrp="1"/>
+          </p:cNvSpPr>
+          <p:nvPr>
+            <p:ph type="title"/>
+          </p:nvPr>
+        </p:nvSpPr>
+        <p:spPr>
+          <a:xfrm>
+            <a:off x="1187624" y="0"/>
+            <a:ext cx="6781800" cy="1600200"/>
+          </a:xfrm>
+        </p:spPr>
+        <p:txBody>
+          <a:bodyPr/>
+          <a:lstStyle/>
+          <a:p>
+            <a:pPr algn="ctr"/>
+            <a:r>
+              <a:rPr lang="ru-RU" dirty="0" smtClean="0"/>
+              <a:t>Введение</a:t>
+            </a:r>
+            <a:endParaRPr lang="ru-RU" dirty="0"/>
+          </a:p>
+        </p:txBody>
+      </p:sp>
+      <p:sp>
+        <p:nvSpPr>
+          <p:cNvPr id="3" name="Объект 2"/>
+          <p:cNvSpPr>
+            <a:spLocks noGrp="1"/>
+          </p:cNvSpPr>
+          <p:nvPr>
+            <p:ph idx="1"/>
+          </p:nvPr>
+        </p:nvSpPr>
+        <p:spPr>
+          <a:xfrm>
+            <a:off x="539552" y="1556792"/>
+            <a:ext cx="4032448" cy="4392488"/>
+          </a:xfrm>
+        </p:spPr>
+        <p:txBody>
+          <a:bodyPr>
+            <a:normAutofit/>
+          </a:bodyPr>
+          <a:lstStyle/>
+          <a:p>
+            <a:pPr algn="just"/>
+            <a:r>
+              <a:rPr lang="ru-RU" sz="3600" dirty="0" smtClean="0">
+                <a:latin typeface="Arial" panose="020B0604020202020204" pitchFamily="34" charset="0"/>
+                <a:cs typeface="Arial" panose="020B0604020202020204" pitchFamily="34" charset="0"/>
+              </a:rPr>
+              <a:t>Медицинское изображение </a:t>
+            </a:r>
+            <a:r>
+              <a:rPr lang="ru-RU" sz="3600" dirty="0">
+                <a:latin typeface="Arial" panose="020B0604020202020204" pitchFamily="34" charset="0"/>
+                <a:cs typeface="Arial" panose="020B0604020202020204" pitchFamily="34" charset="0"/>
+              </a:rPr>
+              <a:t>– образ органов </a:t>
+            </a:r>
+            <a:r>
+              <a:rPr lang="ru-RU" sz="3600" dirty="0" smtClean="0">
+                <a:latin typeface="Arial" panose="020B0604020202020204" pitchFamily="34" charset="0"/>
+                <a:cs typeface="Arial" panose="020B0604020202020204" pitchFamily="34" charset="0"/>
+              </a:rPr>
+              <a:t>человека для диагностики заболевания.</a:t>
+            </a:r>
+          </a:p>
+          <a:p>
+            <a:pPr algn="just"/>
+            <a:endParaRPr lang="ru-RU" sz="3200" dirty="0" smtClean="0">
+              <a:latin typeface="Arial" panose="020B0604020202020204" pitchFamily="34" charset="0"/>
+              <a:cs typeface="Arial" panose="020B0604020202020204" pitchFamily="34" charset="0"/>
+            </a:endParaRPr>
+          </a:p>
+        </p:txBody>
+      </p:sp>
+      <p:pic>
+        <p:nvPicPr>
+          <p:cNvPr id="5" name="Рисунок 4"/>
+          <p:cNvPicPr>
+            <a:picLocks noChangeAspect="1"/>
+          </p:cNvPicPr>
+          <p:nvPr/>
+        </p:nvPicPr>
+        <p:blipFill>
+          <a:blip r:embed="rId3">
+            <a:extLst>
+              <a:ext uri="{28A0092B-C50C-407E-A947-70E740481C1C}">
+                <a14:useLocalDpi xmlns:a14="http://schemas.microsoft.com/office/drawing/2010/main" val="0"/>
+              </a:ext>
+            </a:extLst>
+          </a:blip>
+          <a:stretch>
+            <a:fillRect/>
+          </a:stretch>
+        </p:blipFill>
+        <p:spPr>
+          <a:xfrm>
+            <a:off x="4901208" y="1844824"/>
+            <a:ext cx="4265240" cy="4265240"/>
+          </a:xfrm>
+          <a:prstGeom prst="rect">
+            <a:avLst/>
+          </a:prstGeom>
+        </p:spPr>
+      </p:pic>
+    </p:spTree>
+    <p:extLst>
+      <p:ext uri="{BB962C8B-B14F-4D97-AF65-F5344CB8AC3E}">
+        <p14:creationId xmlns:p14="http://schemas.microsoft.com/office/powerpoint/2010/main" val="3190763605"/>
+      </p:ext>
+    </p:extLst>
+  </p:cSld>
+  <p:clrMapOvr>
+    <a:masterClrMapping/>
+  </p:clrMapOvr>
+  <p:timing>
+    <p:tnLst>
+      <p:par>
+        <p:cTn id="1" dur="indefinite" restart="never" nodeType="tmRoot"/>
+      </p:par>
+    </p:tnLst>
+  </p:timing>
+</p:sld>
+</file>
+
+<file path=ppt/slides/slide20.xml><?xml version="1.0" encoding="utf-8"?>
 <p:sld xmlns:a="http://schemas.openxmlformats.org/drawingml/2006/main" xmlns:r="http://schemas.openxmlformats.org/officeDocument/2006/relationships" xmlns:p="http://schemas.openxmlformats.org/presentationml/2006/main">
   <p:cSld>
     <p:spTree>
@@ -11927,7 +11888,7 @@
 </p:sld>
 </file>
 
-<file path=ppt/slides/slide22.xml><?xml version="1.0" encoding="utf-8"?>
+<file path=ppt/slides/slide21.xml><?xml version="1.0" encoding="utf-8"?>
 <p:sld xmlns:a="http://schemas.openxmlformats.org/drawingml/2006/main" xmlns:r="http://schemas.openxmlformats.org/officeDocument/2006/relationships" xmlns:p="http://schemas.openxmlformats.org/presentationml/2006/main">
   <p:cSld>
     <p:spTree>
@@ -12445,7 +12406,7 @@
 </p:sld>
 </file>
 
-<file path=ppt/slides/slide23.xml><?xml version="1.0" encoding="utf-8"?>
+<file path=ppt/slides/slide22.xml><?xml version="1.0" encoding="utf-8"?>
 <p:sld xmlns:a="http://schemas.openxmlformats.org/drawingml/2006/main" xmlns:r="http://schemas.openxmlformats.org/officeDocument/2006/relationships" xmlns:p="http://schemas.openxmlformats.org/presentationml/2006/main">
   <p:cSld>
     <p:spTree>
@@ -12542,8 +12503,8 @@
         </p:nvSpPr>
         <p:spPr>
           <a:xfrm>
-            <a:off x="762000" y="0"/>
-            <a:ext cx="7554416" cy="1600200"/>
+            <a:off x="1259632" y="22776"/>
+            <a:ext cx="6781800" cy="1600200"/>
           </a:xfrm>
         </p:spPr>
         <p:txBody>
@@ -12553,70 +12514,389 @@
             <a:pPr algn="ctr"/>
             <a:r>
               <a:rPr lang="ru-RU" dirty="0" smtClean="0"/>
-              <a:t>МРТ легких</a:t>
+              <a:t>Аналоги</a:t>
             </a:r>
             <a:endParaRPr lang="ru-RU" dirty="0"/>
           </a:p>
         </p:txBody>
       </p:sp>
-      <p:sp>
-        <p:nvSpPr>
-          <p:cNvPr id="3" name="Объект 2"/>
-          <p:cNvSpPr>
-            <a:spLocks noGrp="1"/>
-          </p:cNvSpPr>
+      <p:graphicFrame>
+        <p:nvGraphicFramePr>
+          <p:cNvPr id="5" name="Объект 4"/>
+          <p:cNvGraphicFramePr>
+            <a:graphicFrameLocks noGrp="1"/>
+          </p:cNvGraphicFramePr>
           <p:nvPr>
             <p:ph idx="1"/>
+            <p:extLst>
+              <p:ext uri="{D42A27DB-BD31-4B8C-83A1-F6EECF244321}">
+                <p14:modId xmlns:p14="http://schemas.microsoft.com/office/powerpoint/2010/main" val="2537638981"/>
+              </p:ext>
+            </p:extLst>
           </p:nvPr>
-        </p:nvSpPr>
-        <p:spPr>
-          <a:xfrm>
-            <a:off x="762000" y="2132856"/>
-            <a:ext cx="4746104" cy="3886200"/>
-          </a:xfrm>
-        </p:spPr>
-        <p:txBody>
-          <a:bodyPr/>
-          <a:lstStyle/>
-          <a:p>
-            <a:endParaRPr lang="ru-RU" dirty="0"/>
-          </a:p>
-        </p:txBody>
-      </p:sp>
-      <p:pic>
-        <p:nvPicPr>
-          <p:cNvPr id="4" name="Рисунок 3"/>
-          <p:cNvPicPr>
-            <a:picLocks noChangeAspect="1"/>
-          </p:cNvPicPr>
-          <p:nvPr/>
-        </p:nvPicPr>
-        <p:blipFill>
-          <a:blip r:embed="rId2"/>
-          <a:stretch>
-            <a:fillRect/>
-          </a:stretch>
-        </p:blipFill>
-        <p:spPr>
-          <a:xfrm>
-            <a:off x="1259632" y="1772816"/>
-            <a:ext cx="6438900" cy="4965700"/>
-          </a:xfrm>
-          <a:prstGeom prst="rect">
-            <a:avLst/>
-          </a:prstGeom>
-        </p:spPr>
-      </p:pic>
+        </p:nvGraphicFramePr>
+        <p:xfrm>
+          <a:off x="-1" y="1622976"/>
+          <a:ext cx="9144000" cy="5189749"/>
+        </p:xfrm>
+        <a:graphic>
+          <a:graphicData uri="http://schemas.openxmlformats.org/drawingml/2006/table">
+            <a:tbl>
+              <a:tblPr bandRow="1">
+                <a:tableStyleId>{5C22544A-7EE6-4342-B048-85BDC9FD1C3A}</a:tableStyleId>
+              </a:tblPr>
+              <a:tblGrid>
+                <a:gridCol w="2286000"/>
+                <a:gridCol w="2286000"/>
+                <a:gridCol w="2286000"/>
+                <a:gridCol w="2286000"/>
+              </a:tblGrid>
+              <a:tr h="1085944">
+                <a:tc>
+                  <a:txBody>
+                    <a:bodyPr/>
+                    <a:lstStyle/>
+                    <a:p>
+                      <a:pPr algn="ctr"/>
+                      <a:endParaRPr lang="ru-RU" sz="3200" dirty="0">
+                        <a:latin typeface="Arial" panose="020B0604020202020204" pitchFamily="34" charset="0"/>
+                        <a:cs typeface="Arial" panose="020B0604020202020204" pitchFamily="34" charset="0"/>
+                      </a:endParaRPr>
+                    </a:p>
+                  </a:txBody>
+                  <a:tcPr anchor="ctr"/>
+                </a:tc>
+                <a:tc>
+                  <a:txBody>
+                    <a:bodyPr/>
+                    <a:lstStyle/>
+                    <a:p>
+                      <a:pPr algn="ctr"/>
+                      <a:endParaRPr lang="ru-RU" sz="3200" dirty="0">
+                        <a:latin typeface="Arial" panose="020B0604020202020204" pitchFamily="34" charset="0"/>
+                        <a:cs typeface="Arial" panose="020B0604020202020204" pitchFamily="34" charset="0"/>
+                      </a:endParaRPr>
+                    </a:p>
+                  </a:txBody>
+                  <a:tcPr anchor="ctr"/>
+                </a:tc>
+                <a:tc>
+                  <a:txBody>
+                    <a:bodyPr/>
+                    <a:lstStyle/>
+                    <a:p>
+                      <a:pPr algn="ctr"/>
+                      <a:endParaRPr lang="ru-RU" sz="3200" dirty="0">
+                        <a:latin typeface="Arial" panose="020B0604020202020204" pitchFamily="34" charset="0"/>
+                        <a:cs typeface="Arial" panose="020B0604020202020204" pitchFamily="34" charset="0"/>
+                      </a:endParaRPr>
+                    </a:p>
+                  </a:txBody>
+                  <a:tcPr anchor="ctr"/>
+                </a:tc>
+                <a:tc>
+                  <a:txBody>
+                    <a:bodyPr/>
+                    <a:lstStyle/>
+                    <a:p>
+                      <a:pPr algn="ctr"/>
+                      <a:endParaRPr lang="ru-RU" sz="3200" dirty="0">
+                        <a:latin typeface="Arial" panose="020B0604020202020204" pitchFamily="34" charset="0"/>
+                        <a:cs typeface="Arial" panose="020B0604020202020204" pitchFamily="34" charset="0"/>
+                      </a:endParaRPr>
+                    </a:p>
+                  </a:txBody>
+                  <a:tcPr anchor="ctr"/>
+                </a:tc>
+              </a:tr>
+              <a:tr h="1144602">
+                <a:tc>
+                  <a:txBody>
+                    <a:bodyPr/>
+                    <a:lstStyle/>
+                    <a:p>
+                      <a:pPr algn="ctr"/>
+                      <a:r>
+                        <a:rPr lang="ru-RU" sz="3200" dirty="0" smtClean="0">
+                          <a:latin typeface="Arial" panose="020B0604020202020204" pitchFamily="34" charset="0"/>
+                          <a:cs typeface="Arial" panose="020B0604020202020204" pitchFamily="34" charset="0"/>
+                        </a:rPr>
+                        <a:t>Деревья</a:t>
+                      </a:r>
+                      <a:r>
+                        <a:rPr lang="ru-RU" sz="3200" baseline="0" dirty="0" smtClean="0">
+                          <a:latin typeface="Arial" panose="020B0604020202020204" pitchFamily="34" charset="0"/>
+                          <a:cs typeface="Arial" panose="020B0604020202020204" pitchFamily="34" charset="0"/>
+                        </a:rPr>
+                        <a:t> решений</a:t>
+                      </a:r>
+                      <a:endParaRPr lang="ru-RU" sz="3200" dirty="0">
+                        <a:latin typeface="Arial" panose="020B0604020202020204" pitchFamily="34" charset="0"/>
+                        <a:cs typeface="Arial" panose="020B0604020202020204" pitchFamily="34" charset="0"/>
+                      </a:endParaRPr>
+                    </a:p>
+                  </a:txBody>
+                  <a:tcPr anchor="ctr"/>
+                </a:tc>
+                <a:tc>
+                  <a:txBody>
+                    <a:bodyPr/>
+                    <a:lstStyle/>
+                    <a:p>
+                      <a:pPr algn="ctr"/>
+                      <a:endParaRPr lang="ru-RU" sz="3200" dirty="0">
+                        <a:latin typeface="Arial" panose="020B0604020202020204" pitchFamily="34" charset="0"/>
+                        <a:cs typeface="Arial" panose="020B0604020202020204" pitchFamily="34" charset="0"/>
+                      </a:endParaRPr>
+                    </a:p>
+                  </a:txBody>
+                  <a:tcPr anchor="ctr"/>
+                </a:tc>
+                <a:tc>
+                  <a:txBody>
+                    <a:bodyPr/>
+                    <a:lstStyle/>
+                    <a:p>
+                      <a:pPr algn="ctr"/>
+                      <a:endParaRPr lang="ru-RU" sz="3200" dirty="0">
+                        <a:latin typeface="Arial" panose="020B0604020202020204" pitchFamily="34" charset="0"/>
+                        <a:cs typeface="Arial" panose="020B0604020202020204" pitchFamily="34" charset="0"/>
+                      </a:endParaRPr>
+                    </a:p>
+                  </a:txBody>
+                  <a:tcPr anchor="ctr"/>
+                </a:tc>
+                <a:tc>
+                  <a:txBody>
+                    <a:bodyPr/>
+                    <a:lstStyle/>
+                    <a:p>
+                      <a:pPr algn="ctr"/>
+                      <a:endParaRPr lang="ru-RU" sz="3200" dirty="0">
+                        <a:latin typeface="Arial" panose="020B0604020202020204" pitchFamily="34" charset="0"/>
+                        <a:cs typeface="Arial" panose="020B0604020202020204" pitchFamily="34" charset="0"/>
+                      </a:endParaRPr>
+                    </a:p>
+                  </a:txBody>
+                  <a:tcPr anchor="ctr"/>
+                </a:tc>
+              </a:tr>
+              <a:tr h="986401">
+                <a:tc>
+                  <a:txBody>
+                    <a:bodyPr/>
+                    <a:lstStyle/>
+                    <a:p>
+                      <a:pPr algn="ctr"/>
+                      <a:r>
+                        <a:rPr lang="ru-RU" sz="3200" dirty="0" smtClean="0">
+                          <a:latin typeface="Arial" panose="020B0604020202020204" pitchFamily="34" charset="0"/>
+                          <a:cs typeface="Arial" panose="020B0604020202020204" pitchFamily="34" charset="0"/>
+                        </a:rPr>
+                        <a:t>ИЛП</a:t>
+                      </a:r>
+                      <a:endParaRPr lang="ru-RU" sz="3200" dirty="0">
+                        <a:latin typeface="Arial" panose="020B0604020202020204" pitchFamily="34" charset="0"/>
+                        <a:cs typeface="Arial" panose="020B0604020202020204" pitchFamily="34" charset="0"/>
+                      </a:endParaRPr>
+                    </a:p>
+                  </a:txBody>
+                  <a:tcPr anchor="ctr"/>
+                </a:tc>
+                <a:tc>
+                  <a:txBody>
+                    <a:bodyPr/>
+                    <a:lstStyle/>
+                    <a:p>
+                      <a:pPr algn="ctr"/>
+                      <a:endParaRPr lang="ru-RU" sz="3200">
+                        <a:latin typeface="Arial" panose="020B0604020202020204" pitchFamily="34" charset="0"/>
+                        <a:cs typeface="Arial" panose="020B0604020202020204" pitchFamily="34" charset="0"/>
+                      </a:endParaRPr>
+                    </a:p>
+                  </a:txBody>
+                  <a:tcPr anchor="ctr"/>
+                </a:tc>
+                <a:tc>
+                  <a:txBody>
+                    <a:bodyPr/>
+                    <a:lstStyle/>
+                    <a:p>
+                      <a:pPr algn="ctr"/>
+                      <a:endParaRPr lang="ru-RU" sz="3200" dirty="0">
+                        <a:latin typeface="Arial" panose="020B0604020202020204" pitchFamily="34" charset="0"/>
+                        <a:cs typeface="Arial" panose="020B0604020202020204" pitchFamily="34" charset="0"/>
+                      </a:endParaRPr>
+                    </a:p>
+                  </a:txBody>
+                  <a:tcPr anchor="ctr"/>
+                </a:tc>
+                <a:tc>
+                  <a:txBody>
+                    <a:bodyPr/>
+                    <a:lstStyle/>
+                    <a:p>
+                      <a:pPr algn="ctr"/>
+                      <a:endParaRPr lang="ru-RU" sz="3200" dirty="0">
+                        <a:latin typeface="Arial" panose="020B0604020202020204" pitchFamily="34" charset="0"/>
+                        <a:cs typeface="Arial" panose="020B0604020202020204" pitchFamily="34" charset="0"/>
+                      </a:endParaRPr>
+                    </a:p>
+                  </a:txBody>
+                  <a:tcPr anchor="ctr"/>
+                </a:tc>
+              </a:tr>
+              <a:tr h="986401">
+                <a:tc>
+                  <a:txBody>
+                    <a:bodyPr/>
+                    <a:lstStyle/>
+                    <a:p>
+                      <a:pPr algn="ctr"/>
+                      <a:r>
+                        <a:rPr lang="ru-RU" sz="3200" dirty="0" smtClean="0">
+                          <a:latin typeface="Arial" panose="020B0604020202020204" pitchFamily="34" charset="0"/>
+                          <a:cs typeface="Arial" panose="020B0604020202020204" pitchFamily="34" charset="0"/>
+                        </a:rPr>
+                        <a:t>Аннотации</a:t>
+                      </a:r>
+                      <a:endParaRPr lang="ru-RU" sz="3200" dirty="0">
+                        <a:latin typeface="Arial" panose="020B0604020202020204" pitchFamily="34" charset="0"/>
+                        <a:cs typeface="Arial" panose="020B0604020202020204" pitchFamily="34" charset="0"/>
+                      </a:endParaRPr>
+                    </a:p>
+                  </a:txBody>
+                  <a:tcPr anchor="ctr"/>
+                </a:tc>
+                <a:tc>
+                  <a:txBody>
+                    <a:bodyPr/>
+                    <a:lstStyle/>
+                    <a:p>
+                      <a:pPr algn="ctr"/>
+                      <a:endParaRPr lang="ru-RU" sz="3200" dirty="0">
+                        <a:latin typeface="Arial" panose="020B0604020202020204" pitchFamily="34" charset="0"/>
+                        <a:cs typeface="Arial" panose="020B0604020202020204" pitchFamily="34" charset="0"/>
+                      </a:endParaRPr>
+                    </a:p>
+                  </a:txBody>
+                  <a:tcPr anchor="ctr"/>
+                </a:tc>
+                <a:tc>
+                  <a:txBody>
+                    <a:bodyPr/>
+                    <a:lstStyle/>
+                    <a:p>
+                      <a:pPr algn="ctr"/>
+                      <a:endParaRPr lang="ru-RU" sz="3200">
+                        <a:latin typeface="Arial" panose="020B0604020202020204" pitchFamily="34" charset="0"/>
+                        <a:cs typeface="Arial" panose="020B0604020202020204" pitchFamily="34" charset="0"/>
+                      </a:endParaRPr>
+                    </a:p>
+                  </a:txBody>
+                  <a:tcPr anchor="ctr"/>
+                </a:tc>
+                <a:tc>
+                  <a:txBody>
+                    <a:bodyPr/>
+                    <a:lstStyle/>
+                    <a:p>
+                      <a:pPr algn="ctr"/>
+                      <a:endParaRPr lang="ru-RU" sz="3200">
+                        <a:latin typeface="Arial" panose="020B0604020202020204" pitchFamily="34" charset="0"/>
+                        <a:cs typeface="Arial" panose="020B0604020202020204" pitchFamily="34" charset="0"/>
+                      </a:endParaRPr>
+                    </a:p>
+                  </a:txBody>
+                  <a:tcPr anchor="ctr"/>
+                </a:tc>
+              </a:tr>
+              <a:tr h="986401">
+                <a:tc>
+                  <a:txBody>
+                    <a:bodyPr/>
+                    <a:lstStyle/>
+                    <a:p>
+                      <a:pPr algn="ctr"/>
+                      <a:r>
+                        <a:rPr lang="ru-RU" sz="3200" dirty="0" smtClean="0">
+                          <a:latin typeface="Arial" panose="020B0604020202020204" pitchFamily="34" charset="0"/>
+                          <a:cs typeface="Arial" panose="020B0604020202020204" pitchFamily="34" charset="0"/>
+                        </a:rPr>
+                        <a:t>ГП</a:t>
+                      </a:r>
+                      <a:endParaRPr lang="ru-RU" sz="3200" dirty="0">
+                        <a:latin typeface="Arial" panose="020B0604020202020204" pitchFamily="34" charset="0"/>
+                        <a:cs typeface="Arial" panose="020B0604020202020204" pitchFamily="34" charset="0"/>
+                      </a:endParaRPr>
+                    </a:p>
+                  </a:txBody>
+                  <a:tcPr anchor="ctr"/>
+                </a:tc>
+                <a:tc>
+                  <a:txBody>
+                    <a:bodyPr/>
+                    <a:lstStyle/>
+                    <a:p>
+                      <a:pPr algn="ctr"/>
+                      <a:endParaRPr lang="ru-RU" sz="3200" dirty="0">
+                        <a:latin typeface="Arial" panose="020B0604020202020204" pitchFamily="34" charset="0"/>
+                        <a:cs typeface="Arial" panose="020B0604020202020204" pitchFamily="34" charset="0"/>
+                      </a:endParaRPr>
+                    </a:p>
+                  </a:txBody>
+                  <a:tcPr anchor="ctr"/>
+                </a:tc>
+                <a:tc>
+                  <a:txBody>
+                    <a:bodyPr/>
+                    <a:lstStyle/>
+                    <a:p>
+                      <a:pPr algn="ctr"/>
+                      <a:endParaRPr lang="ru-RU" sz="3200" dirty="0">
+                        <a:latin typeface="Arial" panose="020B0604020202020204" pitchFamily="34" charset="0"/>
+                        <a:cs typeface="Arial" panose="020B0604020202020204" pitchFamily="34" charset="0"/>
+                      </a:endParaRPr>
+                    </a:p>
+                  </a:txBody>
+                  <a:tcPr anchor="ctr"/>
+                </a:tc>
+                <a:tc>
+                  <a:txBody>
+                    <a:bodyPr/>
+                    <a:lstStyle/>
+                    <a:p>
+                      <a:pPr algn="ctr"/>
+                      <a:endParaRPr lang="ru-RU" sz="3200" dirty="0">
+                        <a:latin typeface="Arial" panose="020B0604020202020204" pitchFamily="34" charset="0"/>
+                        <a:cs typeface="Arial" panose="020B0604020202020204" pitchFamily="34" charset="0"/>
+                      </a:endParaRPr>
+                    </a:p>
+                  </a:txBody>
+                  <a:tcPr anchor="ctr"/>
+                </a:tc>
+              </a:tr>
+            </a:tbl>
+          </a:graphicData>
+        </a:graphic>
+      </p:graphicFrame>
     </p:spTree>
     <p:extLst>
       <p:ext uri="{BB962C8B-B14F-4D97-AF65-F5344CB8AC3E}">
-        <p14:creationId xmlns:p14="http://schemas.microsoft.com/office/powerpoint/2010/main" val="2104322709"/>
+        <p14:creationId xmlns:p14="http://schemas.microsoft.com/office/powerpoint/2010/main" val="30600482"/>
       </p:ext>
     </p:extLst>
   </p:cSld>
   <p:clrMapOvr>
     <a:masterClrMapping/>
   </p:clrMapOvr>
+  <p:timing>
+    <p:tnLst>
+      <p:par>
+        <p:cTn id="1" dur="indefinite" restart="never" nodeType="tmRoot"/>
+      </p:par>
+    </p:tnLst>
+  </p:timing>
 </p:sld>
 </file>
 
@@ -12684,7 +12964,7 @@
         </p:spPr>
         <p:txBody>
           <a:bodyPr>
-            <a:normAutofit/>
+            <a:noAutofit/>
           </a:bodyPr>
           <a:lstStyle/>
           <a:p>
@@ -12694,38 +12974,63 @@
                 <a:solidFill>
                   <a:schemeClr val="tx1"/>
                 </a:solidFill>
-                <a:latin typeface="Arial" charset="0"/>
+                <a:latin typeface="Arial" panose="020B0604020202020204" pitchFamily="34" charset="0"/>
                 <a:ea typeface="Arial" charset="0"/>
-                <a:cs typeface="Arial" charset="0"/>
+                <a:cs typeface="Arial" panose="020B0604020202020204" pitchFamily="34" charset="0"/>
               </a:rPr>
-              <a:t>Проблема </a:t>
-            </a:r>
+              <a:t>Распознавание патологий приведет к своевременному лечению.</a:t>
+            </a:r>
+          </a:p>
+          <a:p>
+            <a:pPr algn="just"/>
             <a:r>
               <a:rPr lang="ru-RU" sz="3600" dirty="0">
                 <a:solidFill>
                   <a:schemeClr val="tx1"/>
                 </a:solidFill>
-                <a:latin typeface="Arial" charset="0"/>
+                <a:latin typeface="Arial" panose="020B0604020202020204" pitchFamily="34" charset="0"/>
                 <a:ea typeface="Arial" charset="0"/>
-                <a:cs typeface="Arial" charset="0"/>
+                <a:cs typeface="Arial" panose="020B0604020202020204" pitchFamily="34" charset="0"/>
               </a:rPr>
-              <a:t>классификации не может быть правильно решена, если важные взаимодействия и отношения между оригинальными признаками, не принимаются во </a:t>
+              <a:t>В</a:t>
             </a:r>
             <a:r>
               <a:rPr lang="ru-RU" sz="3600" dirty="0" smtClean="0">
                 <a:solidFill>
                   <a:schemeClr val="tx1"/>
                 </a:solidFill>
-                <a:latin typeface="Arial" charset="0"/>
+                <a:latin typeface="Arial" panose="020B0604020202020204" pitchFamily="34" charset="0"/>
                 <a:ea typeface="Arial" charset="0"/>
-                <a:cs typeface="Arial" charset="0"/>
+                <a:cs typeface="Arial" panose="020B0604020202020204" pitchFamily="34" charset="0"/>
               </a:rPr>
-              <a:t>внимание.</a:t>
+              <a:t>заимодействия </a:t>
+            </a:r>
+            <a:r>
+              <a:rPr lang="ru-RU" sz="3600" dirty="0">
+                <a:solidFill>
+                  <a:schemeClr val="tx1"/>
+                </a:solidFill>
+                <a:latin typeface="Arial" panose="020B0604020202020204" pitchFamily="34" charset="0"/>
+                <a:ea typeface="Arial" charset="0"/>
+                <a:cs typeface="Arial" panose="020B0604020202020204" pitchFamily="34" charset="0"/>
+              </a:rPr>
+              <a:t>и отношения между оригинальными </a:t>
+            </a:r>
+            <a:r>
+              <a:rPr lang="ru-RU" sz="3600" dirty="0" smtClean="0">
+                <a:solidFill>
+                  <a:schemeClr val="tx1"/>
+                </a:solidFill>
+                <a:latin typeface="Arial" panose="020B0604020202020204" pitchFamily="34" charset="0"/>
+                <a:ea typeface="Arial" charset="0"/>
+                <a:cs typeface="Arial" panose="020B0604020202020204" pitchFamily="34" charset="0"/>
+              </a:rPr>
+              <a:t>признаками должны учитываться для успешной классификации.</a:t>
             </a:r>
             <a:endParaRPr lang="ru-RU" sz="3600" dirty="0">
-              <a:latin typeface="Arial" charset="0"/>
+              <a:latin typeface="Arial" panose="020B0604020202020204" pitchFamily="34" charset="0"/>
               <a:ea typeface="Arial" charset="0"/>
-              <a:cs typeface="Arial" charset="0"/>
+              <a:cs typeface="Arial" panose="020B0604020202020204" pitchFamily="34" charset="0"/>
             </a:endParaRPr>
           </a:p>
         </p:txBody>
@@ -12820,11 +13125,25 @@
           <a:p>
             <a:pPr algn="just"/>
             <a:r>
-              <a:rPr lang="ru-RU" sz="3200" dirty="0" smtClean="0">
+              <a:rPr lang="ru-RU" sz="4400" dirty="0">
                 <a:latin typeface="Arial" panose="020B0604020202020204" pitchFamily="34" charset="0"/>
                 <a:cs typeface="Arial" panose="020B0604020202020204" pitchFamily="34" charset="0"/>
               </a:rPr>
-              <a:t>Проблема исследования: Как улучшить производительность классификатора для разделения объектов на классы?</a:t>
+              <a:t>Проблема исследования: </a:t>
+            </a:r>
+            <a:r>
+              <a:rPr lang="ru-RU" sz="4400" dirty="0" smtClean="0">
+                <a:latin typeface="Arial" panose="020B0604020202020204" pitchFamily="34" charset="0"/>
+                <a:cs typeface="Arial" panose="020B0604020202020204" pitchFamily="34" charset="0"/>
+              </a:rPr>
+              <a:t>Как </a:t>
+            </a:r>
+            <a:r>
+              <a:rPr lang="ru-RU" sz="4400" dirty="0">
+                <a:latin typeface="Arial" panose="020B0604020202020204" pitchFamily="34" charset="0"/>
+                <a:cs typeface="Arial" panose="020B0604020202020204" pitchFamily="34" charset="0"/>
+              </a:rPr>
+              <a:t>выбрать оптимальное множество признаков для классификатора? </a:t>
             </a:r>
           </a:p>
         </p:txBody>
@@ -13291,8 +13610,8 @@
         </p:nvSpPr>
         <p:spPr>
           <a:xfrm>
-            <a:off x="1259632" y="22776"/>
-            <a:ext cx="6781800" cy="1600200"/>
+            <a:off x="1318592" y="404664"/>
+            <a:ext cx="6781800" cy="1312168"/>
           </a:xfrm>
         </p:spPr>
         <p:txBody>
@@ -13302,7 +13621,7 @@
             <a:pPr algn="ctr"/>
             <a:r>
               <a:rPr lang="ru-RU" dirty="0" smtClean="0"/>
-              <a:t>Аналоги</a:t>
+              <a:t>Основные принципы</a:t>
             </a:r>
             <a:endParaRPr lang="ru-RU" dirty="0"/>
           </a:p>
@@ -13320,8 +13639,8 @@
         </p:nvSpPr>
         <p:spPr>
           <a:xfrm>
-            <a:off x="323528" y="1916832"/>
-            <a:ext cx="8640960" cy="3886200"/>
+            <a:off x="755576" y="1919064"/>
+            <a:ext cx="7543800" cy="3886200"/>
           </a:xfrm>
         </p:spPr>
         <p:txBody>
@@ -13330,25 +13649,32 @@
           </a:bodyPr>
           <a:lstStyle/>
           <a:p>
-            <a:pPr algn="just"/>
-            <a:r>
-              <a:rPr lang="ru-RU" sz="3600" dirty="0" smtClean="0">
+            <a:r>
+              <a:rPr lang="ru-RU" sz="4800" dirty="0" smtClean="0">
                 <a:latin typeface="Arial" panose="020B0604020202020204" pitchFamily="34" charset="0"/>
                 <a:cs typeface="Arial" panose="020B0604020202020204" pitchFamily="34" charset="0"/>
               </a:rPr>
-              <a:t>Применение преобразований для обработки исходных признаков.</a:t>
-            </a:r>
-          </a:p>
-          <a:p>
-            <a:pPr algn="just"/>
-            <a:r>
-              <a:rPr lang="ru-RU" sz="3600" dirty="0" smtClean="0">
+              <a:t>Естественный отбор</a:t>
+            </a:r>
+          </a:p>
+          <a:p>
+            <a:r>
+              <a:rPr lang="ru-RU" sz="4800" dirty="0" smtClean="0">
                 <a:latin typeface="Arial" panose="020B0604020202020204" pitchFamily="34" charset="0"/>
                 <a:cs typeface="Arial" panose="020B0604020202020204" pitchFamily="34" charset="0"/>
               </a:rPr>
-              <a:t>Сокращение пространства признаков.</a:t>
-            </a:r>
-            <a:endParaRPr lang="ru-RU" sz="3600" dirty="0">
+              <a:t>Скрещивание</a:t>
+            </a:r>
+          </a:p>
+          <a:p>
+            <a:r>
+              <a:rPr lang="ru-RU" sz="4800" dirty="0" smtClean="0">
+                <a:latin typeface="Arial" panose="020B0604020202020204" pitchFamily="34" charset="0"/>
+                <a:cs typeface="Arial" panose="020B0604020202020204" pitchFamily="34" charset="0"/>
+              </a:rPr>
+              <a:t>Мутация</a:t>
+            </a:r>
+            <a:endParaRPr lang="ru-RU" sz="4800" dirty="0">
               <a:latin typeface="Arial" panose="020B0604020202020204" pitchFamily="34" charset="0"/>
               <a:cs typeface="Arial" panose="020B0604020202020204" pitchFamily="34" charset="0"/>
             </a:endParaRPr>
@@ -13358,7 +13684,7 @@
     </p:spTree>
     <p:extLst>
       <p:ext uri="{BB962C8B-B14F-4D97-AF65-F5344CB8AC3E}">
-        <p14:creationId xmlns:p14="http://schemas.microsoft.com/office/powerpoint/2010/main" val="30600482"/>
+        <p14:creationId xmlns:p14="http://schemas.microsoft.com/office/powerpoint/2010/main" val="3347199953"/>
       </p:ext>
     </p:extLst>
   </p:cSld>

--- a/Диплом/Магистратура.pptx
+++ b/Диплом/Магистратура.pptx
@@ -10,23 +10,23 @@
   <p:sldIdLst>
     <p:sldId id="256" r:id="rId2"/>
     <p:sldId id="272" r:id="rId3"/>
-    <p:sldId id="279" r:id="rId4"/>
-    <p:sldId id="278" r:id="rId5"/>
-    <p:sldId id="274" r:id="rId6"/>
-    <p:sldId id="283" r:id="rId7"/>
-    <p:sldId id="257" r:id="rId8"/>
-    <p:sldId id="271" r:id="rId9"/>
-    <p:sldId id="259" r:id="rId10"/>
-    <p:sldId id="260" r:id="rId11"/>
-    <p:sldId id="261" r:id="rId12"/>
-    <p:sldId id="270" r:id="rId13"/>
-    <p:sldId id="262" r:id="rId14"/>
-    <p:sldId id="263" r:id="rId15"/>
-    <p:sldId id="276" r:id="rId16"/>
-    <p:sldId id="264" r:id="rId17"/>
-    <p:sldId id="267" r:id="rId18"/>
-    <p:sldId id="268" r:id="rId19"/>
-    <p:sldId id="266" r:id="rId20"/>
+    <p:sldId id="284" r:id="rId4"/>
+    <p:sldId id="279" r:id="rId5"/>
+    <p:sldId id="278" r:id="rId6"/>
+    <p:sldId id="274" r:id="rId7"/>
+    <p:sldId id="283" r:id="rId8"/>
+    <p:sldId id="257" r:id="rId9"/>
+    <p:sldId id="271" r:id="rId10"/>
+    <p:sldId id="285" r:id="rId11"/>
+    <p:sldId id="286" r:id="rId12"/>
+    <p:sldId id="259" r:id="rId13"/>
+    <p:sldId id="261" r:id="rId14"/>
+    <p:sldId id="288" r:id="rId15"/>
+    <p:sldId id="270" r:id="rId16"/>
+    <p:sldId id="260" r:id="rId17"/>
+    <p:sldId id="262" r:id="rId18"/>
+    <p:sldId id="276" r:id="rId19"/>
+    <p:sldId id="264" r:id="rId20"/>
     <p:sldId id="282" r:id="rId21"/>
     <p:sldId id="280" r:id="rId22"/>
     <p:sldId id="277" r:id="rId23"/>
@@ -135,23 +135,23 @@
           <p14:sldIdLst>
             <p14:sldId id="256"/>
             <p14:sldId id="272"/>
+            <p14:sldId id="284"/>
             <p14:sldId id="279"/>
             <p14:sldId id="278"/>
             <p14:sldId id="274"/>
             <p14:sldId id="283"/>
             <p14:sldId id="257"/>
             <p14:sldId id="271"/>
+            <p14:sldId id="285"/>
+            <p14:sldId id="286"/>
             <p14:sldId id="259"/>
+            <p14:sldId id="261"/>
+            <p14:sldId id="288"/>
+            <p14:sldId id="270"/>
             <p14:sldId id="260"/>
-            <p14:sldId id="261"/>
-            <p14:sldId id="270"/>
             <p14:sldId id="262"/>
-            <p14:sldId id="263"/>
             <p14:sldId id="276"/>
             <p14:sldId id="264"/>
-            <p14:sldId id="267"/>
-            <p14:sldId id="268"/>
-            <p14:sldId id="266"/>
             <p14:sldId id="282"/>
             <p14:sldId id="280"/>
             <p14:sldId id="277"/>
@@ -259,7 +259,7 @@
           <a:p>
             <a:fld id="{7B7B9815-AEE5-4F4C-8445-8ECE3DD7735C}" type="datetimeFigureOut">
               <a:rPr lang="ru-RU" smtClean="0"/>
-              <a:t>05.06.2017</a:t>
+              <a:t>06.06.2017</a:t>
             </a:fld>
             <a:endParaRPr lang="ru-RU"/>
           </a:p>
@@ -623,6 +623,166 @@
 </p:notes>
 </file>
 
+<file path=ppt/notesSlides/notesSlide10.xml><?xml version="1.0" encoding="utf-8"?>
+<p:notes xmlns:a="http://schemas.openxmlformats.org/drawingml/2006/main" xmlns:r="http://schemas.openxmlformats.org/officeDocument/2006/relationships" xmlns:p="http://schemas.openxmlformats.org/presentationml/2006/main">
+  <p:cSld>
+    <p:spTree>
+      <p:nvGrpSpPr>
+        <p:cNvPr id="1" name=""/>
+        <p:cNvGrpSpPr/>
+        <p:nvPr/>
+      </p:nvGrpSpPr>
+      <p:grpSpPr>
+        <a:xfrm>
+          <a:off x="0" y="0"/>
+          <a:ext cx="0" cy="0"/>
+          <a:chOff x="0" y="0"/>
+          <a:chExt cx="0" cy="0"/>
+        </a:xfrm>
+      </p:grpSpPr>
+      <p:sp>
+        <p:nvSpPr>
+          <p:cNvPr id="2" name="Образ слайда 1"/>
+          <p:cNvSpPr>
+            <a:spLocks noGrp="1" noRot="1" noChangeAspect="1"/>
+          </p:cNvSpPr>
+          <p:nvPr>
+            <p:ph type="sldImg"/>
+          </p:nvPr>
+        </p:nvSpPr>
+        <p:spPr/>
+      </p:sp>
+      <p:sp>
+        <p:nvSpPr>
+          <p:cNvPr id="3" name="Заметки 2"/>
+          <p:cNvSpPr>
+            <a:spLocks noGrp="1"/>
+          </p:cNvSpPr>
+          <p:nvPr>
+            <p:ph type="body" idx="1"/>
+          </p:nvPr>
+        </p:nvSpPr>
+        <p:spPr/>
+        <p:txBody>
+          <a:bodyPr/>
+          <a:lstStyle/>
+          <a:p>
+            <a:pPr marL="0" marR="0" lvl="0" indent="0" algn="l" defTabSz="914400" rtl="0" eaLnBrk="1" fontAlgn="auto" latinLnBrk="0" hangingPunct="1">
+              <a:lnSpc>
+                <a:spcPct val="100000"/>
+              </a:lnSpc>
+              <a:spcBef>
+                <a:spcPts val="0"/>
+              </a:spcBef>
+              <a:spcAft>
+                <a:spcPts val="0"/>
+              </a:spcAft>
+              <a:buClrTx/>
+              <a:buSzTx/>
+              <a:buFontTx/>
+              <a:buNone/>
+              <a:tabLst/>
+              <a:defRPr/>
+            </a:pPr>
+            <a:r>
+              <a:rPr lang="ru-RU" sz="1200" kern="1200" dirty="0" smtClean="0">
+                <a:solidFill>
+                  <a:schemeClr val="tx1"/>
+                </a:solidFill>
+                <a:effectLst/>
+                <a:latin typeface="+mn-lt"/>
+                <a:ea typeface="+mn-ea"/>
+                <a:cs typeface="+mn-cs"/>
+              </a:rPr>
+              <a:t>Оценивать приспособленность особей будем через ошибку классификации. Подаем классификатору набор сконструированных признаков и вычисляем процентное соотношение неправильно предсказанных </a:t>
+            </a:r>
+            <a:r>
+              <a:rPr lang="ru-RU" sz="1200" kern="1200" smtClean="0">
+                <a:solidFill>
+                  <a:schemeClr val="tx1"/>
+                </a:solidFill>
+                <a:effectLst/>
+                <a:latin typeface="+mn-lt"/>
+                <a:ea typeface="+mn-ea"/>
+                <a:cs typeface="+mn-cs"/>
+              </a:rPr>
+              <a:t>значений класса</a:t>
+            </a:r>
+            <a:r>
+              <a:rPr lang="ru-RU" sz="1200" kern="1200" baseline="0" smtClean="0">
+                <a:solidFill>
+                  <a:schemeClr val="tx1"/>
+                </a:solidFill>
+                <a:effectLst/>
+                <a:latin typeface="+mn-lt"/>
+                <a:ea typeface="+mn-ea"/>
+                <a:cs typeface="+mn-cs"/>
+              </a:rPr>
+              <a:t> </a:t>
+            </a:r>
+            <a:r>
+              <a:rPr lang="ru-RU" sz="1200" kern="1200" smtClean="0">
+                <a:solidFill>
+                  <a:schemeClr val="tx1"/>
+                </a:solidFill>
+                <a:effectLst/>
+                <a:latin typeface="+mn-lt"/>
+                <a:ea typeface="+mn-ea"/>
+                <a:cs typeface="+mn-cs"/>
+              </a:rPr>
+              <a:t>к числу всех объектов.</a:t>
+            </a:r>
+            <a:endParaRPr lang="ru-RU" sz="1200" kern="1200" dirty="0" smtClean="0">
+              <a:solidFill>
+                <a:schemeClr val="tx1"/>
+              </a:solidFill>
+              <a:effectLst/>
+              <a:latin typeface="+mn-lt"/>
+              <a:ea typeface="+mn-ea"/>
+              <a:cs typeface="+mn-cs"/>
+            </a:endParaRPr>
+          </a:p>
+          <a:p>
+            <a:endParaRPr lang="ru-RU" dirty="0"/>
+          </a:p>
+        </p:txBody>
+      </p:sp>
+      <p:sp>
+        <p:nvSpPr>
+          <p:cNvPr id="4" name="Номер слайда 3"/>
+          <p:cNvSpPr>
+            <a:spLocks noGrp="1"/>
+          </p:cNvSpPr>
+          <p:nvPr>
+            <p:ph type="sldNum" sz="quarter" idx="10"/>
+          </p:nvPr>
+        </p:nvSpPr>
+        <p:spPr/>
+        <p:txBody>
+          <a:bodyPr/>
+          <a:lstStyle/>
+          <a:p>
+            <a:fld id="{067F537F-45F3-8142-965F-E742B23B0064}" type="slidenum">
+              <a:rPr lang="ru-RU" smtClean="0"/>
+              <a:t>15</a:t>
+            </a:fld>
+            <a:endParaRPr lang="ru-RU"/>
+          </a:p>
+        </p:txBody>
+      </p:sp>
+    </p:spTree>
+    <p:extLst>
+      <p:ext uri="{BB962C8B-B14F-4D97-AF65-F5344CB8AC3E}">
+        <p14:creationId xmlns:p14="http://schemas.microsoft.com/office/powerpoint/2010/main" val="2133192863"/>
+      </p:ext>
+    </p:extLst>
+  </p:cSld>
+  <p:clrMapOvr>
+    <a:masterClrMapping/>
+  </p:clrMapOvr>
+</p:notes>
+</file>
+
 <file path=ppt/notesSlides/notesSlide2.xml><?xml version="1.0" encoding="utf-8"?>
 <p:notes xmlns:a="http://schemas.openxmlformats.org/drawingml/2006/main" xmlns:r="http://schemas.openxmlformats.org/officeDocument/2006/relationships" xmlns:p="http://schemas.openxmlformats.org/presentationml/2006/main">
   <p:cSld>
@@ -708,7 +868,7 @@
           <a:p>
             <a:fld id="{067F537F-45F3-8142-965F-E742B23B0064}" type="slidenum">
               <a:rPr lang="ru-RU" smtClean="0"/>
-              <a:t>4</a:t>
+              <a:t>5</a:t>
             </a:fld>
             <a:endParaRPr lang="ru-RU"/>
           </a:p>
@@ -803,7 +963,7 @@
           <a:p>
             <a:fld id="{067F537F-45F3-8142-965F-E742B23B0064}" type="slidenum">
               <a:rPr lang="ru-RU" smtClean="0"/>
-              <a:t>5</a:t>
+              <a:t>6</a:t>
             </a:fld>
             <a:endParaRPr lang="ru-RU"/>
           </a:p>
@@ -887,7 +1047,7 @@
           <a:p>
             <a:fld id="{067F537F-45F3-8142-965F-E742B23B0064}" type="slidenum">
               <a:rPr lang="ru-RU" smtClean="0"/>
-              <a:t>7</a:t>
+              <a:t>8</a:t>
             </a:fld>
             <a:endParaRPr lang="ru-RU"/>
           </a:p>
@@ -897,6 +1057,760 @@
     <p:extLst>
       <p:ext uri="{BB962C8B-B14F-4D97-AF65-F5344CB8AC3E}">
         <p14:creationId xmlns:p14="http://schemas.microsoft.com/office/powerpoint/2010/main" val="4073162046"/>
+      </p:ext>
+    </p:extLst>
+  </p:cSld>
+  <p:clrMapOvr>
+    <a:masterClrMapping/>
+  </p:clrMapOvr>
+</p:notes>
+</file>
+
+<file path=ppt/notesSlides/notesSlide5.xml><?xml version="1.0" encoding="utf-8"?>
+<p:notes xmlns:a="http://schemas.openxmlformats.org/drawingml/2006/main" xmlns:r="http://schemas.openxmlformats.org/officeDocument/2006/relationships" xmlns:p="http://schemas.openxmlformats.org/presentationml/2006/main">
+  <p:cSld>
+    <p:spTree>
+      <p:nvGrpSpPr>
+        <p:cNvPr id="1" name=""/>
+        <p:cNvGrpSpPr/>
+        <p:nvPr/>
+      </p:nvGrpSpPr>
+      <p:grpSpPr>
+        <a:xfrm>
+          <a:off x="0" y="0"/>
+          <a:ext cx="0" cy="0"/>
+          <a:chOff x="0" y="0"/>
+          <a:chExt cx="0" cy="0"/>
+        </a:xfrm>
+      </p:grpSpPr>
+      <p:sp>
+        <p:nvSpPr>
+          <p:cNvPr id="2" name="Образ слайда 1"/>
+          <p:cNvSpPr>
+            <a:spLocks noGrp="1" noRot="1" noChangeAspect="1"/>
+          </p:cNvSpPr>
+          <p:nvPr>
+            <p:ph type="sldImg"/>
+          </p:nvPr>
+        </p:nvSpPr>
+        <p:spPr/>
+      </p:sp>
+      <p:sp>
+        <p:nvSpPr>
+          <p:cNvPr id="3" name="Заметки 2"/>
+          <p:cNvSpPr>
+            <a:spLocks noGrp="1"/>
+          </p:cNvSpPr>
+          <p:nvPr>
+            <p:ph type="body" idx="1"/>
+          </p:nvPr>
+        </p:nvSpPr>
+        <p:spPr/>
+        <p:txBody>
+          <a:bodyPr/>
+          <a:lstStyle/>
+          <a:p>
+            <a:pPr marL="0" marR="0" lvl="0" indent="0" algn="l" defTabSz="914400" rtl="0" eaLnBrk="1" fontAlgn="auto" latinLnBrk="0" hangingPunct="1">
+              <a:lnSpc>
+                <a:spcPct val="100000"/>
+              </a:lnSpc>
+              <a:spcBef>
+                <a:spcPts val="0"/>
+              </a:spcBef>
+              <a:spcAft>
+                <a:spcPts val="0"/>
+              </a:spcAft>
+              <a:buClrTx/>
+              <a:buSzTx/>
+              <a:buFontTx/>
+              <a:buNone/>
+              <a:tabLst/>
+              <a:defRPr/>
+            </a:pPr>
+            <a:r>
+              <a:rPr lang="ru-RU" sz="1200" kern="1200" dirty="0" smtClean="0">
+                <a:solidFill>
+                  <a:schemeClr val="tx1"/>
+                </a:solidFill>
+                <a:effectLst/>
+                <a:latin typeface="+mn-lt"/>
+                <a:ea typeface="+mn-ea"/>
+                <a:cs typeface="+mn-cs"/>
+              </a:rPr>
+              <a:t>Классификация заключается в прогнозировании значения категориального атрибута (класса) на основе значений признаков объекта при известном множестве обучающих примеров.</a:t>
+            </a:r>
+          </a:p>
+          <a:p>
+            <a:endParaRPr lang="ru-RU" dirty="0"/>
+          </a:p>
+        </p:txBody>
+      </p:sp>
+      <p:sp>
+        <p:nvSpPr>
+          <p:cNvPr id="4" name="Номер слайда 3"/>
+          <p:cNvSpPr>
+            <a:spLocks noGrp="1"/>
+          </p:cNvSpPr>
+          <p:nvPr>
+            <p:ph type="sldNum" sz="quarter" idx="10"/>
+          </p:nvPr>
+        </p:nvSpPr>
+        <p:spPr/>
+        <p:txBody>
+          <a:bodyPr/>
+          <a:lstStyle/>
+          <a:p>
+            <a:fld id="{067F537F-45F3-8142-965F-E742B23B0064}" type="slidenum">
+              <a:rPr lang="ru-RU" smtClean="0"/>
+              <a:t>10</a:t>
+            </a:fld>
+            <a:endParaRPr lang="ru-RU"/>
+          </a:p>
+        </p:txBody>
+      </p:sp>
+    </p:spTree>
+    <p:extLst>
+      <p:ext uri="{BB962C8B-B14F-4D97-AF65-F5344CB8AC3E}">
+        <p14:creationId xmlns:p14="http://schemas.microsoft.com/office/powerpoint/2010/main" val="3309953773"/>
+      </p:ext>
+    </p:extLst>
+  </p:cSld>
+  <p:clrMapOvr>
+    <a:masterClrMapping/>
+  </p:clrMapOvr>
+</p:notes>
+</file>
+
+<file path=ppt/notesSlides/notesSlide6.xml><?xml version="1.0" encoding="utf-8"?>
+<p:notes xmlns:a="http://schemas.openxmlformats.org/drawingml/2006/main" xmlns:r="http://schemas.openxmlformats.org/officeDocument/2006/relationships" xmlns:p="http://schemas.openxmlformats.org/presentationml/2006/main">
+  <p:cSld>
+    <p:spTree>
+      <p:nvGrpSpPr>
+        <p:cNvPr id="1" name=""/>
+        <p:cNvGrpSpPr/>
+        <p:nvPr/>
+      </p:nvGrpSpPr>
+      <p:grpSpPr>
+        <a:xfrm>
+          <a:off x="0" y="0"/>
+          <a:ext cx="0" cy="0"/>
+          <a:chOff x="0" y="0"/>
+          <a:chExt cx="0" cy="0"/>
+        </a:xfrm>
+      </p:grpSpPr>
+      <p:sp>
+        <p:nvSpPr>
+          <p:cNvPr id="2" name="Образ слайда 1"/>
+          <p:cNvSpPr>
+            <a:spLocks noGrp="1" noRot="1" noChangeAspect="1"/>
+          </p:cNvSpPr>
+          <p:nvPr>
+            <p:ph type="sldImg"/>
+          </p:nvPr>
+        </p:nvSpPr>
+        <p:spPr/>
+      </p:sp>
+      <p:sp>
+        <p:nvSpPr>
+          <p:cNvPr id="3" name="Заметки 2"/>
+          <p:cNvSpPr>
+            <a:spLocks noGrp="1"/>
+          </p:cNvSpPr>
+          <p:nvPr>
+            <p:ph type="body" idx="1"/>
+          </p:nvPr>
+        </p:nvSpPr>
+        <p:spPr/>
+        <p:txBody>
+          <a:bodyPr/>
+          <a:lstStyle/>
+          <a:p>
+            <a:r>
+              <a:rPr lang="ru-RU" sz="1200" kern="1200" dirty="0" smtClean="0">
+                <a:solidFill>
+                  <a:schemeClr val="tx1"/>
+                </a:solidFill>
+                <a:effectLst/>
+                <a:latin typeface="+mn-lt"/>
+                <a:ea typeface="+mn-ea"/>
+                <a:cs typeface="+mn-cs"/>
+              </a:rPr>
+              <a:t>Концептуально любой метод построения признака можно рассматривать как выполнение следующих действий:</a:t>
+            </a:r>
+          </a:p>
+          <a:p>
+            <a:r>
+              <a:rPr lang="ru-RU" sz="1200" kern="1200" dirty="0" smtClean="0">
+                <a:solidFill>
+                  <a:schemeClr val="tx1"/>
+                </a:solidFill>
+                <a:effectLst/>
+                <a:latin typeface="+mn-lt"/>
+                <a:ea typeface="+mn-ea"/>
+                <a:cs typeface="+mn-cs"/>
+              </a:rPr>
+              <a:t>1) Выбор начального пространства признаков F0 (ручное построение признаков).</a:t>
+            </a:r>
+          </a:p>
+          <a:p>
+            <a:r>
+              <a:rPr lang="ru-RU" sz="1200" kern="1200" dirty="0" smtClean="0">
+                <a:solidFill>
+                  <a:schemeClr val="tx1"/>
+                </a:solidFill>
+                <a:effectLst/>
+                <a:latin typeface="+mn-lt"/>
+                <a:ea typeface="+mn-ea"/>
+                <a:cs typeface="+mn-cs"/>
+              </a:rPr>
+              <a:t>2) Преобразование F0 для построения нового пространства признаков FN (преобразование признаков).</a:t>
+            </a:r>
+          </a:p>
+          <a:p>
+            <a:r>
+              <a:rPr lang="ru-RU" sz="1200" kern="1200" dirty="0" smtClean="0">
+                <a:solidFill>
+                  <a:schemeClr val="tx1"/>
+                </a:solidFill>
+                <a:effectLst/>
+                <a:latin typeface="+mn-lt"/>
+                <a:ea typeface="+mn-ea"/>
+                <a:cs typeface="+mn-cs"/>
+              </a:rPr>
+              <a:t>3) Выбор подмножества признаков </a:t>
+            </a:r>
+            <a:r>
+              <a:rPr lang="ru-RU" sz="1200" kern="1200" dirty="0" err="1" smtClean="0">
+                <a:solidFill>
+                  <a:schemeClr val="tx1"/>
+                </a:solidFill>
+                <a:effectLst/>
+                <a:latin typeface="+mn-lt"/>
+                <a:ea typeface="+mn-ea"/>
+                <a:cs typeface="+mn-cs"/>
+              </a:rPr>
+              <a:t>Fi</a:t>
+            </a:r>
+            <a:r>
+              <a:rPr lang="ru-RU" sz="1200" kern="1200" dirty="0" smtClean="0">
+                <a:solidFill>
+                  <a:schemeClr val="tx1"/>
+                </a:solidFill>
+                <a:effectLst/>
+                <a:latin typeface="+mn-lt"/>
+                <a:ea typeface="+mn-ea"/>
+                <a:cs typeface="+mn-cs"/>
+              </a:rPr>
+              <a:t> из FN (выбор признака)</a:t>
+            </a:r>
+            <a:r>
+              <a:rPr lang="en-US" sz="1200" kern="1200" baseline="0" dirty="0" smtClean="0">
+                <a:solidFill>
+                  <a:schemeClr val="tx1"/>
+                </a:solidFill>
+                <a:effectLst/>
+                <a:latin typeface="+mn-lt"/>
+                <a:ea typeface="+mn-ea"/>
+                <a:cs typeface="+mn-cs"/>
+              </a:rPr>
+              <a:t> </a:t>
+            </a:r>
+            <a:r>
+              <a:rPr lang="ru-RU" sz="1200" kern="1200" baseline="0" dirty="0" smtClean="0">
+                <a:solidFill>
+                  <a:schemeClr val="tx1"/>
+                </a:solidFill>
+                <a:effectLst/>
+                <a:latin typeface="+mn-lt"/>
+                <a:ea typeface="+mn-ea"/>
+                <a:cs typeface="+mn-cs"/>
+              </a:rPr>
+              <a:t>на основании</a:t>
+            </a:r>
+            <a:r>
+              <a:rPr lang="ru-RU" sz="1200" kern="1200" dirty="0" smtClean="0">
+                <a:solidFill>
+                  <a:schemeClr val="tx1"/>
+                </a:solidFill>
+                <a:effectLst/>
+                <a:latin typeface="+mn-lt"/>
+                <a:ea typeface="+mn-ea"/>
+                <a:cs typeface="+mn-cs"/>
+              </a:rPr>
+              <a:t> определения полезности </a:t>
+            </a:r>
+            <a:r>
+              <a:rPr lang="ru-RU" sz="1200" kern="1200" dirty="0" err="1" smtClean="0">
+                <a:solidFill>
+                  <a:schemeClr val="tx1"/>
+                </a:solidFill>
+                <a:effectLst/>
+                <a:latin typeface="+mn-lt"/>
+                <a:ea typeface="+mn-ea"/>
+                <a:cs typeface="+mn-cs"/>
+              </a:rPr>
+              <a:t>Fi</a:t>
+            </a:r>
+            <a:r>
+              <a:rPr lang="ru-RU" sz="1200" kern="1200" dirty="0" smtClean="0">
+                <a:solidFill>
+                  <a:schemeClr val="tx1"/>
+                </a:solidFill>
+                <a:effectLst/>
+                <a:latin typeface="+mn-lt"/>
+                <a:ea typeface="+mn-ea"/>
+                <a:cs typeface="+mn-cs"/>
+              </a:rPr>
+              <a:t> для задачи классификации.</a:t>
+            </a:r>
+          </a:p>
+          <a:p>
+            <a:r>
+              <a:rPr lang="ru-RU" sz="1200" kern="1200" dirty="0" smtClean="0">
+                <a:solidFill>
+                  <a:schemeClr val="tx1"/>
+                </a:solidFill>
+                <a:effectLst/>
+                <a:latin typeface="+mn-lt"/>
+                <a:ea typeface="+mn-ea"/>
+                <a:cs typeface="+mn-cs"/>
+              </a:rPr>
+              <a:t>b. Если некоторые критерии завершения не достигнуты,</a:t>
+            </a:r>
+            <a:r>
+              <a:rPr lang="ru-RU" sz="1200" kern="1200" baseline="0" dirty="0" smtClean="0">
+                <a:solidFill>
+                  <a:schemeClr val="tx1"/>
+                </a:solidFill>
+                <a:effectLst/>
+                <a:latin typeface="+mn-lt"/>
+                <a:ea typeface="+mn-ea"/>
+                <a:cs typeface="+mn-cs"/>
+              </a:rPr>
+              <a:t> то возвращаемся</a:t>
+            </a:r>
+            <a:r>
+              <a:rPr lang="ru-RU" sz="1200" kern="1200" dirty="0" smtClean="0">
+                <a:solidFill>
+                  <a:schemeClr val="tx1"/>
+                </a:solidFill>
+                <a:effectLst/>
+                <a:latin typeface="+mn-lt"/>
+                <a:ea typeface="+mn-ea"/>
+                <a:cs typeface="+mn-cs"/>
+              </a:rPr>
+              <a:t> к шагу 3.</a:t>
+            </a:r>
+          </a:p>
+          <a:p>
+            <a:r>
+              <a:rPr lang="ru-RU" sz="1200" kern="1200" dirty="0" smtClean="0">
+                <a:solidFill>
+                  <a:schemeClr val="tx1"/>
+                </a:solidFill>
+                <a:effectLst/>
+                <a:latin typeface="+mn-lt"/>
+                <a:ea typeface="+mn-ea"/>
+                <a:cs typeface="+mn-cs"/>
+              </a:rPr>
+              <a:t>c. Иначе множество FT = </a:t>
+            </a:r>
+            <a:r>
+              <a:rPr lang="ru-RU" sz="1200" kern="1200" dirty="0" err="1" smtClean="0">
+                <a:solidFill>
+                  <a:schemeClr val="tx1"/>
+                </a:solidFill>
+                <a:effectLst/>
+                <a:latin typeface="+mn-lt"/>
+                <a:ea typeface="+mn-ea"/>
+                <a:cs typeface="+mn-cs"/>
+              </a:rPr>
+              <a:t>Fi</a:t>
+            </a:r>
+            <a:r>
+              <a:rPr lang="ru-RU" sz="1200" kern="1200" dirty="0" smtClean="0">
+                <a:solidFill>
+                  <a:schemeClr val="tx1"/>
+                </a:solidFill>
+                <a:effectLst/>
+                <a:latin typeface="+mn-lt"/>
+                <a:ea typeface="+mn-ea"/>
+                <a:cs typeface="+mn-cs"/>
+              </a:rPr>
+              <a:t>.</a:t>
+            </a:r>
+          </a:p>
+          <a:p>
+            <a:r>
+              <a:rPr lang="ru-RU" sz="1200" kern="1200" dirty="0" smtClean="0">
+                <a:solidFill>
+                  <a:schemeClr val="tx1"/>
+                </a:solidFill>
+                <a:effectLst/>
+                <a:latin typeface="+mn-lt"/>
+                <a:ea typeface="+mn-ea"/>
+                <a:cs typeface="+mn-cs"/>
+              </a:rPr>
+              <a:t>4) FT – это сконструированное пространство признаков.</a:t>
+            </a:r>
+          </a:p>
+          <a:p>
+            <a:endParaRPr lang="ru-RU" dirty="0"/>
+          </a:p>
+        </p:txBody>
+      </p:sp>
+      <p:sp>
+        <p:nvSpPr>
+          <p:cNvPr id="4" name="Номер слайда 3"/>
+          <p:cNvSpPr>
+            <a:spLocks noGrp="1"/>
+          </p:cNvSpPr>
+          <p:nvPr>
+            <p:ph type="sldNum" sz="quarter" idx="10"/>
+          </p:nvPr>
+        </p:nvSpPr>
+        <p:spPr/>
+        <p:txBody>
+          <a:bodyPr/>
+          <a:lstStyle/>
+          <a:p>
+            <a:fld id="{067F537F-45F3-8142-965F-E742B23B0064}" type="slidenum">
+              <a:rPr lang="ru-RU" smtClean="0"/>
+              <a:t>11</a:t>
+            </a:fld>
+            <a:endParaRPr lang="ru-RU"/>
+          </a:p>
+        </p:txBody>
+      </p:sp>
+    </p:spTree>
+    <p:extLst>
+      <p:ext uri="{BB962C8B-B14F-4D97-AF65-F5344CB8AC3E}">
+        <p14:creationId xmlns:p14="http://schemas.microsoft.com/office/powerpoint/2010/main" val="3324260502"/>
+      </p:ext>
+    </p:extLst>
+  </p:cSld>
+  <p:clrMapOvr>
+    <a:masterClrMapping/>
+  </p:clrMapOvr>
+</p:notes>
+</file>
+
+<file path=ppt/notesSlides/notesSlide7.xml><?xml version="1.0" encoding="utf-8"?>
+<p:notes xmlns:a="http://schemas.openxmlformats.org/drawingml/2006/main" xmlns:r="http://schemas.openxmlformats.org/officeDocument/2006/relationships" xmlns:p="http://schemas.openxmlformats.org/presentationml/2006/main">
+  <p:cSld>
+    <p:spTree>
+      <p:nvGrpSpPr>
+        <p:cNvPr id="1" name=""/>
+        <p:cNvGrpSpPr/>
+        <p:nvPr/>
+      </p:nvGrpSpPr>
+      <p:grpSpPr>
+        <a:xfrm>
+          <a:off x="0" y="0"/>
+          <a:ext cx="0" cy="0"/>
+          <a:chOff x="0" y="0"/>
+          <a:chExt cx="0" cy="0"/>
+        </a:xfrm>
+      </p:grpSpPr>
+      <p:sp>
+        <p:nvSpPr>
+          <p:cNvPr id="2" name="Образ слайда 1"/>
+          <p:cNvSpPr>
+            <a:spLocks noGrp="1" noRot="1" noChangeAspect="1"/>
+          </p:cNvSpPr>
+          <p:nvPr>
+            <p:ph type="sldImg"/>
+          </p:nvPr>
+        </p:nvSpPr>
+        <p:spPr/>
+      </p:sp>
+      <p:sp>
+        <p:nvSpPr>
+          <p:cNvPr id="3" name="Заметки 2"/>
+          <p:cNvSpPr>
+            <a:spLocks noGrp="1"/>
+          </p:cNvSpPr>
+          <p:nvPr>
+            <p:ph type="body" idx="1"/>
+          </p:nvPr>
+        </p:nvSpPr>
+        <p:spPr/>
+        <p:txBody>
+          <a:bodyPr/>
+          <a:lstStyle/>
+          <a:p>
+            <a:r>
+              <a:rPr lang="ru-RU" sz="1200" kern="1200" dirty="0" smtClean="0">
+                <a:solidFill>
+                  <a:schemeClr val="tx1"/>
+                </a:solidFill>
+                <a:effectLst/>
+                <a:latin typeface="+mn-lt"/>
+                <a:ea typeface="+mn-ea"/>
+                <a:cs typeface="+mn-cs"/>
+              </a:rPr>
+              <a:t>Для решения задачи автоматического построения признаков будет использоваться генетическое программирование.</a:t>
+            </a:r>
+          </a:p>
+          <a:p>
+            <a:r>
+              <a:rPr lang="ru-RU" sz="1200" kern="1200" dirty="0" smtClean="0">
+                <a:solidFill>
+                  <a:schemeClr val="tx1"/>
+                </a:solidFill>
+                <a:effectLst/>
+                <a:latin typeface="+mn-lt"/>
+                <a:ea typeface="+mn-ea"/>
+                <a:cs typeface="+mn-cs"/>
+              </a:rPr>
+              <a:t>Данный метод основывается на принципах биологической эволюции: естественный отбор, скрещивание и мутация.</a:t>
+            </a:r>
+          </a:p>
+          <a:p>
+            <a:endParaRPr lang="ru-RU" dirty="0"/>
+          </a:p>
+        </p:txBody>
+      </p:sp>
+      <p:sp>
+        <p:nvSpPr>
+          <p:cNvPr id="4" name="Номер слайда 3"/>
+          <p:cNvSpPr>
+            <a:spLocks noGrp="1"/>
+          </p:cNvSpPr>
+          <p:nvPr>
+            <p:ph type="sldNum" sz="quarter" idx="10"/>
+          </p:nvPr>
+        </p:nvSpPr>
+        <p:spPr/>
+        <p:txBody>
+          <a:bodyPr/>
+          <a:lstStyle/>
+          <a:p>
+            <a:fld id="{067F537F-45F3-8142-965F-E742B23B0064}" type="slidenum">
+              <a:rPr lang="ru-RU" smtClean="0"/>
+              <a:t>12</a:t>
+            </a:fld>
+            <a:endParaRPr lang="ru-RU"/>
+          </a:p>
+        </p:txBody>
+      </p:sp>
+    </p:spTree>
+    <p:extLst>
+      <p:ext uri="{BB962C8B-B14F-4D97-AF65-F5344CB8AC3E}">
+        <p14:creationId xmlns:p14="http://schemas.microsoft.com/office/powerpoint/2010/main" val="1850196944"/>
+      </p:ext>
+    </p:extLst>
+  </p:cSld>
+  <p:clrMapOvr>
+    <a:masterClrMapping/>
+  </p:clrMapOvr>
+</p:notes>
+</file>
+
+<file path=ppt/notesSlides/notesSlide8.xml><?xml version="1.0" encoding="utf-8"?>
+<p:notes xmlns:a="http://schemas.openxmlformats.org/drawingml/2006/main" xmlns:r="http://schemas.openxmlformats.org/officeDocument/2006/relationships" xmlns:p="http://schemas.openxmlformats.org/presentationml/2006/main">
+  <p:cSld>
+    <p:spTree>
+      <p:nvGrpSpPr>
+        <p:cNvPr id="1" name=""/>
+        <p:cNvGrpSpPr/>
+        <p:nvPr/>
+      </p:nvGrpSpPr>
+      <p:grpSpPr>
+        <a:xfrm>
+          <a:off x="0" y="0"/>
+          <a:ext cx="0" cy="0"/>
+          <a:chOff x="0" y="0"/>
+          <a:chExt cx="0" cy="0"/>
+        </a:xfrm>
+      </p:grpSpPr>
+      <p:sp>
+        <p:nvSpPr>
+          <p:cNvPr id="2" name="Образ слайда 1"/>
+          <p:cNvSpPr>
+            <a:spLocks noGrp="1" noRot="1" noChangeAspect="1"/>
+          </p:cNvSpPr>
+          <p:nvPr>
+            <p:ph type="sldImg"/>
+          </p:nvPr>
+        </p:nvSpPr>
+        <p:spPr/>
+      </p:sp>
+      <p:sp>
+        <p:nvSpPr>
+          <p:cNvPr id="3" name="Заметки 2"/>
+          <p:cNvSpPr>
+            <a:spLocks noGrp="1"/>
+          </p:cNvSpPr>
+          <p:nvPr>
+            <p:ph type="body" idx="1"/>
+          </p:nvPr>
+        </p:nvSpPr>
+        <p:spPr/>
+        <p:txBody>
+          <a:bodyPr/>
+          <a:lstStyle/>
+          <a:p>
+            <a:pPr marL="0" marR="0" lvl="0" indent="0" algn="l" defTabSz="914400" rtl="0" eaLnBrk="1" fontAlgn="auto" latinLnBrk="0" hangingPunct="1">
+              <a:lnSpc>
+                <a:spcPct val="100000"/>
+              </a:lnSpc>
+              <a:spcBef>
+                <a:spcPts val="0"/>
+              </a:spcBef>
+              <a:spcAft>
+                <a:spcPts val="0"/>
+              </a:spcAft>
+              <a:buClrTx/>
+              <a:buSzTx/>
+              <a:buFontTx/>
+              <a:buNone/>
+              <a:tabLst/>
+              <a:defRPr/>
+            </a:pPr>
+            <a:r>
+              <a:rPr lang="ru-RU" sz="1200" kern="1200" dirty="0" smtClean="0">
+                <a:solidFill>
+                  <a:schemeClr val="tx1"/>
+                </a:solidFill>
+                <a:effectLst/>
+                <a:latin typeface="+mn-lt"/>
+                <a:ea typeface="+mn-ea"/>
+                <a:cs typeface="+mn-cs"/>
+              </a:rPr>
+              <a:t>В качестве популяции будут выступать леса – наборы признаков. Каждое дерево леса представляет собой один сконструированный признак, состоящий из функций, исходных признаков и констант.</a:t>
+            </a:r>
+          </a:p>
+          <a:p>
+            <a:endParaRPr lang="ru-RU" dirty="0"/>
+          </a:p>
+        </p:txBody>
+      </p:sp>
+      <p:sp>
+        <p:nvSpPr>
+          <p:cNvPr id="4" name="Номер слайда 3"/>
+          <p:cNvSpPr>
+            <a:spLocks noGrp="1"/>
+          </p:cNvSpPr>
+          <p:nvPr>
+            <p:ph type="sldNum" sz="quarter" idx="10"/>
+          </p:nvPr>
+        </p:nvSpPr>
+        <p:spPr/>
+        <p:txBody>
+          <a:bodyPr/>
+          <a:lstStyle/>
+          <a:p>
+            <a:fld id="{067F537F-45F3-8142-965F-E742B23B0064}" type="slidenum">
+              <a:rPr lang="ru-RU" smtClean="0"/>
+              <a:t>13</a:t>
+            </a:fld>
+            <a:endParaRPr lang="ru-RU"/>
+          </a:p>
+        </p:txBody>
+      </p:sp>
+    </p:spTree>
+    <p:extLst>
+      <p:ext uri="{BB962C8B-B14F-4D97-AF65-F5344CB8AC3E}">
+        <p14:creationId xmlns:p14="http://schemas.microsoft.com/office/powerpoint/2010/main" val="1075396099"/>
+      </p:ext>
+    </p:extLst>
+  </p:cSld>
+  <p:clrMapOvr>
+    <a:masterClrMapping/>
+  </p:clrMapOvr>
+</p:notes>
+</file>
+
+<file path=ppt/notesSlides/notesSlide9.xml><?xml version="1.0" encoding="utf-8"?>
+<p:notes xmlns:a="http://schemas.openxmlformats.org/drawingml/2006/main" xmlns:r="http://schemas.openxmlformats.org/officeDocument/2006/relationships" xmlns:p="http://schemas.openxmlformats.org/presentationml/2006/main">
+  <p:cSld>
+    <p:spTree>
+      <p:nvGrpSpPr>
+        <p:cNvPr id="1" name=""/>
+        <p:cNvGrpSpPr/>
+        <p:nvPr/>
+      </p:nvGrpSpPr>
+      <p:grpSpPr>
+        <a:xfrm>
+          <a:off x="0" y="0"/>
+          <a:ext cx="0" cy="0"/>
+          <a:chOff x="0" y="0"/>
+          <a:chExt cx="0" cy="0"/>
+        </a:xfrm>
+      </p:grpSpPr>
+      <p:sp>
+        <p:nvSpPr>
+          <p:cNvPr id="2" name="Образ слайда 1"/>
+          <p:cNvSpPr>
+            <a:spLocks noGrp="1" noRot="1" noChangeAspect="1"/>
+          </p:cNvSpPr>
+          <p:nvPr>
+            <p:ph type="sldImg"/>
+          </p:nvPr>
+        </p:nvSpPr>
+        <p:spPr/>
+      </p:sp>
+      <p:sp>
+        <p:nvSpPr>
+          <p:cNvPr id="3" name="Заметки 2"/>
+          <p:cNvSpPr>
+            <a:spLocks noGrp="1"/>
+          </p:cNvSpPr>
+          <p:nvPr>
+            <p:ph type="body" idx="1"/>
+          </p:nvPr>
+        </p:nvSpPr>
+        <p:spPr/>
+        <p:txBody>
+          <a:bodyPr/>
+          <a:lstStyle/>
+          <a:p>
+            <a:r>
+              <a:rPr lang="ru-RU" sz="1200" kern="1200" dirty="0" smtClean="0">
+                <a:solidFill>
+                  <a:schemeClr val="tx1"/>
+                </a:solidFill>
+                <a:effectLst/>
+                <a:latin typeface="+mn-lt"/>
+                <a:ea typeface="+mn-ea"/>
+                <a:cs typeface="+mn-cs"/>
+              </a:rPr>
+              <a:t>Будем параллельно развивать несколько наборов лесов. Каждому такому набору назначим свой уникальный классификатор, с помощью которого будем оценивать пригодность данного набора признаков.</a:t>
+            </a:r>
+          </a:p>
+          <a:p>
+            <a:endParaRPr lang="ru-RU" dirty="0"/>
+          </a:p>
+        </p:txBody>
+      </p:sp>
+      <p:sp>
+        <p:nvSpPr>
+          <p:cNvPr id="4" name="Номер слайда 3"/>
+          <p:cNvSpPr>
+            <a:spLocks noGrp="1"/>
+          </p:cNvSpPr>
+          <p:nvPr>
+            <p:ph type="sldNum" sz="quarter" idx="10"/>
+          </p:nvPr>
+        </p:nvSpPr>
+        <p:spPr/>
+        <p:txBody>
+          <a:bodyPr/>
+          <a:lstStyle/>
+          <a:p>
+            <a:fld id="{067F537F-45F3-8142-965F-E742B23B0064}" type="slidenum">
+              <a:rPr lang="ru-RU" smtClean="0"/>
+              <a:t>14</a:t>
+            </a:fld>
+            <a:endParaRPr lang="ru-RU"/>
+          </a:p>
+        </p:txBody>
+      </p:sp>
+    </p:spTree>
+    <p:extLst>
+      <p:ext uri="{BB962C8B-B14F-4D97-AF65-F5344CB8AC3E}">
+        <p14:creationId xmlns:p14="http://schemas.microsoft.com/office/powerpoint/2010/main" val="2236421988"/>
       </p:ext>
     </p:extLst>
   </p:cSld>
@@ -1136,7 +2050,7 @@
           <a:p>
             <a:fld id="{3A437E1B-BF00-41EC-9089-A3D2CF1C3BF5}" type="datetimeFigureOut">
               <a:rPr lang="ru-RU" smtClean="0"/>
-              <a:t>05.06.2017</a:t>
+              <a:t>06.06.2017</a:t>
             </a:fld>
             <a:endParaRPr lang="ru-RU" dirty="0"/>
           </a:p>
@@ -1349,7 +2263,7 @@
           <a:p>
             <a:fld id="{3A437E1B-BF00-41EC-9089-A3D2CF1C3BF5}" type="datetimeFigureOut">
               <a:rPr lang="ru-RU" smtClean="0"/>
-              <a:t>05.06.2017</a:t>
+              <a:t>06.06.2017</a:t>
             </a:fld>
             <a:endParaRPr lang="ru-RU" dirty="0"/>
           </a:p>
@@ -1524,7 +2438,7 @@
           <a:p>
             <a:fld id="{3A437E1B-BF00-41EC-9089-A3D2CF1C3BF5}" type="datetimeFigureOut">
               <a:rPr lang="ru-RU" smtClean="0"/>
-              <a:t>05.06.2017</a:t>
+              <a:t>06.06.2017</a:t>
             </a:fld>
             <a:endParaRPr lang="ru-RU" dirty="0"/>
           </a:p>
@@ -1689,7 +2603,7 @@
           <a:p>
             <a:fld id="{3A437E1B-BF00-41EC-9089-A3D2CF1C3BF5}" type="datetimeFigureOut">
               <a:rPr lang="ru-RU" smtClean="0"/>
-              <a:t>05.06.2017</a:t>
+              <a:t>06.06.2017</a:t>
             </a:fld>
             <a:endParaRPr lang="ru-RU" dirty="0"/>
           </a:p>
@@ -1973,7 +2887,7 @@
           <a:p>
             <a:fld id="{3A437E1B-BF00-41EC-9089-A3D2CF1C3BF5}" type="datetimeFigureOut">
               <a:rPr lang="ru-RU" smtClean="0"/>
-              <a:t>05.06.2017</a:t>
+              <a:t>06.06.2017</a:t>
             </a:fld>
             <a:endParaRPr lang="ru-RU" dirty="0"/>
           </a:p>
@@ -2299,7 +3213,7 @@
           <a:p>
             <a:fld id="{3A437E1B-BF00-41EC-9089-A3D2CF1C3BF5}" type="datetimeFigureOut">
               <a:rPr lang="ru-RU" smtClean="0"/>
-              <a:t>05.06.2017</a:t>
+              <a:t>06.06.2017</a:t>
             </a:fld>
             <a:endParaRPr lang="ru-RU" dirty="0"/>
           </a:p>
@@ -2724,7 +3638,7 @@
           <a:p>
             <a:fld id="{3A437E1B-BF00-41EC-9089-A3D2CF1C3BF5}" type="datetimeFigureOut">
               <a:rPr lang="ru-RU" smtClean="0"/>
-              <a:t>05.06.2017</a:t>
+              <a:t>06.06.2017</a:t>
             </a:fld>
             <a:endParaRPr lang="ru-RU" dirty="0"/>
           </a:p>
@@ -2897,7 +3811,7 @@
           <a:p>
             <a:fld id="{3A437E1B-BF00-41EC-9089-A3D2CF1C3BF5}" type="datetimeFigureOut">
               <a:rPr lang="ru-RU" smtClean="0"/>
-              <a:t>05.06.2017</a:t>
+              <a:t>06.06.2017</a:t>
             </a:fld>
             <a:endParaRPr lang="ru-RU" dirty="0"/>
           </a:p>
@@ -2987,7 +3901,7 @@
           <a:p>
             <a:fld id="{3A437E1B-BF00-41EC-9089-A3D2CF1C3BF5}" type="datetimeFigureOut">
               <a:rPr lang="ru-RU" smtClean="0"/>
-              <a:t>05.06.2017</a:t>
+              <a:t>06.06.2017</a:t>
             </a:fld>
             <a:endParaRPr lang="ru-RU" dirty="0"/>
           </a:p>
@@ -3267,7 +4181,7 @@
           <a:p>
             <a:fld id="{3A437E1B-BF00-41EC-9089-A3D2CF1C3BF5}" type="datetimeFigureOut">
               <a:rPr lang="ru-RU" smtClean="0"/>
-              <a:t>05.06.2017</a:t>
+              <a:t>06.06.2017</a:t>
             </a:fld>
             <a:endParaRPr lang="ru-RU" dirty="0"/>
           </a:p>
@@ -3566,7 +4480,7 @@
           <a:p>
             <a:fld id="{3A437E1B-BF00-41EC-9089-A3D2CF1C3BF5}" type="datetimeFigureOut">
               <a:rPr lang="ru-RU" smtClean="0"/>
-              <a:t>05.06.2017</a:t>
+              <a:t>06.06.2017</a:t>
             </a:fld>
             <a:endParaRPr lang="ru-RU" dirty="0"/>
           </a:p>
@@ -3776,7 +4690,7 @@
           <a:p>
             <a:fld id="{3A437E1B-BF00-41EC-9089-A3D2CF1C3BF5}" type="datetimeFigureOut">
               <a:rPr lang="ru-RU" smtClean="0"/>
-              <a:t>05.06.2017</a:t>
+              <a:t>06.06.2017</a:t>
             </a:fld>
             <a:endParaRPr lang="ru-RU" dirty="0"/>
           </a:p>
@@ -4485,6 +5399,2955 @@
       </p:grpSpPr>
       <p:sp>
         <p:nvSpPr>
+          <p:cNvPr id="2" name="Заголовок 1"/>
+          <p:cNvSpPr>
+            <a:spLocks noGrp="1"/>
+          </p:cNvSpPr>
+          <p:nvPr>
+            <p:ph type="title"/>
+          </p:nvPr>
+        </p:nvSpPr>
+        <p:spPr>
+          <a:xfrm>
+            <a:off x="790802" y="0"/>
+            <a:ext cx="7514997" cy="1600200"/>
+          </a:xfrm>
+        </p:spPr>
+        <p:txBody>
+          <a:bodyPr/>
+          <a:lstStyle/>
+          <a:p>
+            <a:pPr algn="ctr"/>
+            <a:r>
+              <a:rPr lang="ru-RU" dirty="0" smtClean="0"/>
+              <a:t>Классификация</a:t>
+            </a:r>
+            <a:endParaRPr lang="ru-RU" dirty="0"/>
+          </a:p>
+        </p:txBody>
+      </p:sp>
+      <mc:AlternateContent xmlns:mc="http://schemas.openxmlformats.org/markup-compatibility/2006">
+        <mc:Choice xmlns:a14="http://schemas.microsoft.com/office/drawing/2010/main" Requires="a14">
+          <p:sp>
+            <p:nvSpPr>
+              <p:cNvPr id="3" name="Объект 2"/>
+              <p:cNvSpPr>
+                <a:spLocks noGrp="1"/>
+              </p:cNvSpPr>
+              <p:nvPr>
+                <p:ph idx="1"/>
+              </p:nvPr>
+            </p:nvSpPr>
+            <p:spPr>
+              <a:xfrm>
+                <a:off x="814737" y="2060848"/>
+                <a:ext cx="7543800" cy="3886200"/>
+              </a:xfrm>
+            </p:spPr>
+            <p:txBody>
+              <a:bodyPr>
+                <a:normAutofit/>
+              </a:bodyPr>
+              <a:lstStyle/>
+              <a:p>
+                <a:r>
+                  <a:rPr lang="en-US" sz="3600" i="1" dirty="0" smtClean="0">
+                    <a:latin typeface="Cambria Math" panose="02040503050406030204" pitchFamily="18" charset="0"/>
+                    <a:ea typeface="Cambria Math" panose="02040503050406030204" pitchFamily="18" charset="0"/>
+                    <a:cs typeface="Arial" panose="020B0604020202020204" pitchFamily="34" charset="0"/>
+                  </a:rPr>
+                  <a:t>X</a:t>
+                </a:r>
+                <a:r>
+                  <a:rPr lang="en-US" sz="3600" dirty="0" smtClean="0">
+                    <a:latin typeface="Arial" panose="020B0604020202020204" pitchFamily="34" charset="0"/>
+                    <a:cs typeface="Arial" panose="020B0604020202020204" pitchFamily="34" charset="0"/>
+                  </a:rPr>
+                  <a:t> – </a:t>
+                </a:r>
+                <a:r>
+                  <a:rPr lang="ru-RU" sz="3600" dirty="0" smtClean="0">
+                    <a:latin typeface="Arial" panose="020B0604020202020204" pitchFamily="34" charset="0"/>
+                    <a:cs typeface="Arial" panose="020B0604020202020204" pitchFamily="34" charset="0"/>
+                  </a:rPr>
+                  <a:t>множество признаков;</a:t>
+                </a:r>
+              </a:p>
+              <a:p>
+                <a:r>
+                  <a:rPr lang="en-US" sz="3600" i="1" dirty="0" smtClean="0">
+                    <a:latin typeface="Cambria Math" panose="02040503050406030204" pitchFamily="18" charset="0"/>
+                    <a:ea typeface="Cambria Math" panose="02040503050406030204" pitchFamily="18" charset="0"/>
+                    <a:cs typeface="Arial" panose="020B0604020202020204" pitchFamily="34" charset="0"/>
+                  </a:rPr>
+                  <a:t>Y</a:t>
+                </a:r>
+                <a:r>
+                  <a:rPr lang="en-US" sz="3600" dirty="0" smtClean="0">
+                    <a:latin typeface="Arial" panose="020B0604020202020204" pitchFamily="34" charset="0"/>
+                    <a:cs typeface="Arial" panose="020B0604020202020204" pitchFamily="34" charset="0"/>
+                  </a:rPr>
+                  <a:t> – </a:t>
+                </a:r>
+                <a:r>
+                  <a:rPr lang="ru-RU" sz="3600" dirty="0" smtClean="0">
+                    <a:latin typeface="Arial" panose="020B0604020202020204" pitchFamily="34" charset="0"/>
+                    <a:cs typeface="Arial" panose="020B0604020202020204" pitchFamily="34" charset="0"/>
+                  </a:rPr>
+                  <a:t>множество классов;</a:t>
+                </a:r>
+              </a:p>
+              <a:p>
+                <a14:m>
+                  <m:oMath xmlns:m="http://schemas.openxmlformats.org/officeDocument/2006/math">
+                    <m:sSup>
+                      <m:sSupPr>
+                        <m:ctrlPr>
+                          <a:rPr lang="en-US" sz="3600" i="1" smtClean="0">
+                            <a:latin typeface="Cambria Math" panose="02040503050406030204" pitchFamily="18" charset="0"/>
+                          </a:rPr>
+                        </m:ctrlPr>
+                      </m:sSupPr>
+                      <m:e>
+                        <m:r>
+                          <a:rPr lang="en-US" sz="3600" b="0" i="1" smtClean="0">
+                            <a:latin typeface="Cambria Math" panose="02040503050406030204" pitchFamily="18" charset="0"/>
+                          </a:rPr>
+                          <m:t>𝑋</m:t>
+                        </m:r>
+                      </m:e>
+                      <m:sup>
+                        <m:r>
+                          <a:rPr lang="en-US" sz="3600" b="0" i="1" smtClean="0">
+                            <a:latin typeface="Cambria Math" panose="02040503050406030204" pitchFamily="18" charset="0"/>
+                          </a:rPr>
+                          <m:t>𝑚</m:t>
+                        </m:r>
+                      </m:sup>
+                    </m:sSup>
+                    <m:r>
+                      <a:rPr lang="en-US" sz="3600" b="0" i="1" smtClean="0">
+                        <a:latin typeface="Cambria Math" panose="02040503050406030204" pitchFamily="18" charset="0"/>
+                      </a:rPr>
+                      <m:t>={</m:t>
+                    </m:r>
+                    <m:d>
+                      <m:dPr>
+                        <m:ctrlPr>
+                          <a:rPr lang="en-US" sz="3600" b="0" i="1" smtClean="0">
+                            <a:latin typeface="Cambria Math" panose="02040503050406030204" pitchFamily="18" charset="0"/>
+                          </a:rPr>
+                        </m:ctrlPr>
+                      </m:dPr>
+                      <m:e>
+                        <m:sSub>
+                          <m:sSubPr>
+                            <m:ctrlPr>
+                              <a:rPr lang="en-US" sz="3600" b="0" i="1" smtClean="0">
+                                <a:latin typeface="Cambria Math" panose="02040503050406030204" pitchFamily="18" charset="0"/>
+                              </a:rPr>
+                            </m:ctrlPr>
+                          </m:sSubPr>
+                          <m:e>
+                            <m:r>
+                              <a:rPr lang="en-US" sz="3600" b="0" i="1" smtClean="0">
+                                <a:latin typeface="Cambria Math" panose="02040503050406030204" pitchFamily="18" charset="0"/>
+                              </a:rPr>
+                              <m:t>𝑥</m:t>
+                            </m:r>
+                          </m:e>
+                          <m:sub>
+                            <m:r>
+                              <a:rPr lang="en-US" sz="3600" b="0" i="1" smtClean="0">
+                                <a:latin typeface="Cambria Math" panose="02040503050406030204" pitchFamily="18" charset="0"/>
+                              </a:rPr>
+                              <m:t>1</m:t>
+                            </m:r>
+                          </m:sub>
+                        </m:sSub>
+                        <m:r>
+                          <a:rPr lang="en-US" sz="3600" b="0" i="1" smtClean="0">
+                            <a:latin typeface="Cambria Math" panose="02040503050406030204" pitchFamily="18" charset="0"/>
+                          </a:rPr>
+                          <m:t>,</m:t>
+                        </m:r>
+                        <m:sSub>
+                          <m:sSubPr>
+                            <m:ctrlPr>
+                              <a:rPr lang="en-US" sz="3600" b="0" i="1" smtClean="0">
+                                <a:latin typeface="Cambria Math" panose="02040503050406030204" pitchFamily="18" charset="0"/>
+                              </a:rPr>
+                            </m:ctrlPr>
+                          </m:sSubPr>
+                          <m:e>
+                            <m:r>
+                              <a:rPr lang="en-US" sz="3600" b="0" i="1" smtClean="0">
+                                <a:latin typeface="Cambria Math" panose="02040503050406030204" pitchFamily="18" charset="0"/>
+                              </a:rPr>
+                              <m:t>𝑦</m:t>
+                            </m:r>
+                          </m:e>
+                          <m:sub>
+                            <m:r>
+                              <a:rPr lang="en-US" sz="3600" b="0" i="1" smtClean="0">
+                                <a:latin typeface="Cambria Math" panose="02040503050406030204" pitchFamily="18" charset="0"/>
+                              </a:rPr>
+                              <m:t>1</m:t>
+                            </m:r>
+                          </m:sub>
+                        </m:sSub>
+                      </m:e>
+                    </m:d>
+                    <m:r>
+                      <a:rPr lang="en-US" sz="3600" b="0" i="1" smtClean="0">
+                        <a:latin typeface="Cambria Math" panose="02040503050406030204" pitchFamily="18" charset="0"/>
+                      </a:rPr>
+                      <m:t>,…,(</m:t>
+                    </m:r>
+                    <m:sSub>
+                      <m:sSubPr>
+                        <m:ctrlPr>
+                          <a:rPr lang="en-US" sz="3600" b="0" i="1" smtClean="0">
+                            <a:latin typeface="Cambria Math" panose="02040503050406030204" pitchFamily="18" charset="0"/>
+                          </a:rPr>
+                        </m:ctrlPr>
+                      </m:sSubPr>
+                      <m:e>
+                        <m:r>
+                          <a:rPr lang="en-US" sz="3600" b="0" i="1" smtClean="0">
+                            <a:latin typeface="Cambria Math" panose="02040503050406030204" pitchFamily="18" charset="0"/>
+                          </a:rPr>
+                          <m:t>𝑥</m:t>
+                        </m:r>
+                      </m:e>
+                      <m:sub>
+                        <m:r>
+                          <a:rPr lang="en-US" sz="3600" b="0" i="1" smtClean="0">
+                            <a:latin typeface="Cambria Math" panose="02040503050406030204" pitchFamily="18" charset="0"/>
+                          </a:rPr>
+                          <m:t>𝑚</m:t>
+                        </m:r>
+                      </m:sub>
+                    </m:sSub>
+                    <m:r>
+                      <a:rPr lang="en-US" sz="3600" b="0" i="1" smtClean="0">
+                        <a:latin typeface="Cambria Math" panose="02040503050406030204" pitchFamily="18" charset="0"/>
+                      </a:rPr>
+                      <m:t>,</m:t>
+                    </m:r>
+                    <m:sSub>
+                      <m:sSubPr>
+                        <m:ctrlPr>
+                          <a:rPr lang="en-US" sz="3600" b="0" i="1" smtClean="0">
+                            <a:latin typeface="Cambria Math" panose="02040503050406030204" pitchFamily="18" charset="0"/>
+                          </a:rPr>
+                        </m:ctrlPr>
+                      </m:sSubPr>
+                      <m:e>
+                        <m:r>
+                          <a:rPr lang="en-US" sz="3600" b="0" i="1" smtClean="0">
+                            <a:latin typeface="Cambria Math" panose="02040503050406030204" pitchFamily="18" charset="0"/>
+                          </a:rPr>
+                          <m:t>𝑦</m:t>
+                        </m:r>
+                      </m:e>
+                      <m:sub>
+                        <m:r>
+                          <a:rPr lang="en-US" sz="3600" b="0" i="1" smtClean="0">
+                            <a:latin typeface="Cambria Math" panose="02040503050406030204" pitchFamily="18" charset="0"/>
+                          </a:rPr>
+                          <m:t>𝑚</m:t>
+                        </m:r>
+                      </m:sub>
+                    </m:sSub>
+                    <m:r>
+                      <a:rPr lang="en-US" sz="3600" b="0" i="1" smtClean="0">
+                        <a:latin typeface="Cambria Math" panose="02040503050406030204" pitchFamily="18" charset="0"/>
+                      </a:rPr>
+                      <m:t>)}</m:t>
+                    </m:r>
+                  </m:oMath>
+                </a14:m>
+                <a:r>
+                  <a:rPr lang="en-US" sz="3600" dirty="0" smtClean="0">
+                    <a:latin typeface="Arial" panose="020B0604020202020204" pitchFamily="34" charset="0"/>
+                    <a:cs typeface="Arial" panose="020B0604020202020204" pitchFamily="34" charset="0"/>
+                  </a:rPr>
+                  <a:t> </a:t>
+                </a:r>
+                <a:r>
+                  <a:rPr lang="ru-RU" sz="3600" dirty="0" smtClean="0">
+                    <a:latin typeface="Arial" panose="020B0604020202020204" pitchFamily="34" charset="0"/>
+                    <a:cs typeface="Arial" panose="020B0604020202020204" pitchFamily="34" charset="0"/>
+                  </a:rPr>
+                  <a:t>– обучающая выборка;</a:t>
+                </a:r>
+              </a:p>
+              <a:p>
+                <a:r>
+                  <a:rPr lang="ru-RU" sz="3600" dirty="0" smtClean="0">
+                    <a:latin typeface="Arial" panose="020B0604020202020204" pitchFamily="34" charset="0"/>
+                    <a:cs typeface="Arial" panose="020B0604020202020204" pitchFamily="34" charset="0"/>
+                  </a:rPr>
+                  <a:t>Найти </a:t>
+                </a:r>
+                <a14:m>
+                  <m:oMath xmlns:m="http://schemas.openxmlformats.org/officeDocument/2006/math">
+                    <m:r>
+                      <a:rPr lang="en-US" sz="3600" b="0" i="1" smtClean="0">
+                        <a:latin typeface="Cambria Math" panose="02040503050406030204" pitchFamily="18" charset="0"/>
+                      </a:rPr>
+                      <m:t>𝑎</m:t>
+                    </m:r>
+                    <m:r>
+                      <a:rPr lang="en-US" sz="3600" b="0" i="1" smtClean="0">
+                        <a:latin typeface="Cambria Math" panose="02040503050406030204" pitchFamily="18" charset="0"/>
+                      </a:rPr>
+                      <m:t>:</m:t>
+                    </m:r>
+                    <m:r>
+                      <a:rPr lang="en-US" sz="3600" b="0" i="1" smtClean="0">
+                        <a:latin typeface="Cambria Math" panose="02040503050406030204" pitchFamily="18" charset="0"/>
+                      </a:rPr>
+                      <m:t>𝑋</m:t>
+                    </m:r>
+                    <m:r>
+                      <a:rPr lang="en-US" sz="3600" b="0" i="1" smtClean="0">
+                        <a:latin typeface="Cambria Math" panose="02040503050406030204" pitchFamily="18" charset="0"/>
+                        <a:ea typeface="Cambria Math" panose="02040503050406030204" pitchFamily="18" charset="0"/>
+                      </a:rPr>
+                      <m:t>→</m:t>
+                    </m:r>
+                    <m:r>
+                      <a:rPr lang="en-US" sz="3600" b="0" i="1" smtClean="0">
+                        <a:latin typeface="Cambria Math" panose="02040503050406030204" pitchFamily="18" charset="0"/>
+                        <a:ea typeface="Cambria Math" panose="02040503050406030204" pitchFamily="18" charset="0"/>
+                      </a:rPr>
+                      <m:t>𝑌</m:t>
+                    </m:r>
+                    <m:r>
+                      <a:rPr lang="en-US" sz="3600" b="0" i="1" smtClean="0">
+                        <a:latin typeface="Cambria Math" panose="02040503050406030204" pitchFamily="18" charset="0"/>
+                        <a:ea typeface="Cambria Math" panose="02040503050406030204" pitchFamily="18" charset="0"/>
+                      </a:rPr>
+                      <m:t> ∀</m:t>
+                    </m:r>
+                    <m:r>
+                      <a:rPr lang="en-US" sz="3600" b="0" i="1" smtClean="0">
+                        <a:latin typeface="Cambria Math" panose="02040503050406030204" pitchFamily="18" charset="0"/>
+                        <a:ea typeface="Cambria Math" panose="02040503050406030204" pitchFamily="18" charset="0"/>
+                      </a:rPr>
+                      <m:t>𝑥</m:t>
+                    </m:r>
+                    <m:r>
+                      <a:rPr lang="en-US" sz="3600" b="0" i="1" smtClean="0">
+                        <a:latin typeface="Cambria Math" panose="02040503050406030204" pitchFamily="18" charset="0"/>
+                        <a:ea typeface="Cambria Math" panose="02040503050406030204" pitchFamily="18" charset="0"/>
+                      </a:rPr>
+                      <m:t>∈</m:t>
+                    </m:r>
+                    <m:r>
+                      <a:rPr lang="en-US" sz="3600" b="0" i="1" smtClean="0">
+                        <a:latin typeface="Cambria Math" panose="02040503050406030204" pitchFamily="18" charset="0"/>
+                        <a:ea typeface="Cambria Math" panose="02040503050406030204" pitchFamily="18" charset="0"/>
+                      </a:rPr>
+                      <m:t>𝑋</m:t>
+                    </m:r>
+                  </m:oMath>
+                </a14:m>
+                <a:r>
+                  <a:rPr lang="en-US" sz="3600" dirty="0" smtClean="0">
+                    <a:latin typeface="Arial" panose="020B0604020202020204" pitchFamily="34" charset="0"/>
+                    <a:cs typeface="Arial" panose="020B0604020202020204" pitchFamily="34" charset="0"/>
+                  </a:rPr>
+                  <a:t>.</a:t>
+                </a:r>
+                <a:endParaRPr lang="ru-RU" sz="3600" dirty="0">
+                  <a:latin typeface="Arial" panose="020B0604020202020204" pitchFamily="34" charset="0"/>
+                  <a:cs typeface="Arial" panose="020B0604020202020204" pitchFamily="34" charset="0"/>
+                </a:endParaRPr>
+              </a:p>
+            </p:txBody>
+          </p:sp>
+        </mc:Choice>
+        <mc:Fallback>
+          <p:sp>
+            <p:nvSpPr>
+              <p:cNvPr id="3" name="Объект 2"/>
+              <p:cNvSpPr>
+                <a:spLocks noGrp="1" noRot="1" noChangeAspect="1" noMove="1" noResize="1" noEditPoints="1" noAdjustHandles="1" noChangeArrowheads="1" noChangeShapeType="1" noTextEdit="1"/>
+              </p:cNvSpPr>
+              <p:nvPr>
+                <p:ph idx="1"/>
+              </p:nvPr>
+            </p:nvSpPr>
+            <p:spPr>
+              <a:xfrm>
+                <a:off x="814737" y="2060848"/>
+                <a:ext cx="7543800" cy="3886200"/>
+              </a:xfrm>
+              <a:blipFill rotWithShape="0">
+                <a:blip r:embed="rId3"/>
+                <a:stretch>
+                  <a:fillRect l="-2264"/>
+                </a:stretch>
+              </a:blipFill>
+            </p:spPr>
+            <p:txBody>
+              <a:bodyPr/>
+              <a:lstStyle/>
+              <a:p>
+                <a:r>
+                  <a:rPr lang="ru-RU">
+                    <a:noFill/>
+                  </a:rPr>
+                  <a:t> </a:t>
+                </a:r>
+              </a:p>
+            </p:txBody>
+          </p:sp>
+        </mc:Fallback>
+      </mc:AlternateContent>
+    </p:spTree>
+    <p:extLst>
+      <p:ext uri="{BB962C8B-B14F-4D97-AF65-F5344CB8AC3E}">
+        <p14:creationId xmlns:p14="http://schemas.microsoft.com/office/powerpoint/2010/main" val="965383775"/>
+      </p:ext>
+    </p:extLst>
+  </p:cSld>
+  <p:clrMapOvr>
+    <a:masterClrMapping/>
+  </p:clrMapOvr>
+</p:sld>
+</file>
+
+<file path=ppt/slides/slide11.xml><?xml version="1.0" encoding="utf-8"?>
+<p:sld xmlns:a="http://schemas.openxmlformats.org/drawingml/2006/main" xmlns:r="http://schemas.openxmlformats.org/officeDocument/2006/relationships" xmlns:p="http://schemas.openxmlformats.org/presentationml/2006/main">
+  <p:cSld>
+    <p:spTree>
+      <p:nvGrpSpPr>
+        <p:cNvPr id="1" name=""/>
+        <p:cNvGrpSpPr/>
+        <p:nvPr/>
+      </p:nvGrpSpPr>
+      <p:grpSpPr>
+        <a:xfrm>
+          <a:off x="0" y="0"/>
+          <a:ext cx="0" cy="0"/>
+          <a:chOff x="0" y="0"/>
+          <a:chExt cx="0" cy="0"/>
+        </a:xfrm>
+      </p:grpSpPr>
+      <p:sp>
+        <p:nvSpPr>
+          <p:cNvPr id="2" name="Заголовок 1"/>
+          <p:cNvSpPr>
+            <a:spLocks noGrp="1"/>
+          </p:cNvSpPr>
+          <p:nvPr>
+            <p:ph type="title"/>
+          </p:nvPr>
+        </p:nvSpPr>
+        <p:spPr>
+          <a:xfrm>
+            <a:off x="790802" y="0"/>
+            <a:ext cx="7514997" cy="1600200"/>
+          </a:xfrm>
+        </p:spPr>
+        <p:txBody>
+          <a:bodyPr/>
+          <a:lstStyle/>
+          <a:p>
+            <a:pPr algn="ctr"/>
+            <a:r>
+              <a:rPr lang="ru-RU" dirty="0" smtClean="0"/>
+              <a:t>Построение признаков</a:t>
+            </a:r>
+            <a:endParaRPr lang="ru-RU" dirty="0"/>
+          </a:p>
+        </p:txBody>
+      </p:sp>
+      <mc:AlternateContent xmlns:mc="http://schemas.openxmlformats.org/markup-compatibility/2006">
+        <mc:Choice xmlns:a14="http://schemas.microsoft.com/office/drawing/2010/main" Requires="a14">
+          <p:sp>
+            <p:nvSpPr>
+              <p:cNvPr id="3" name="Объект 2"/>
+              <p:cNvSpPr>
+                <a:spLocks noGrp="1"/>
+              </p:cNvSpPr>
+              <p:nvPr>
+                <p:ph idx="1"/>
+              </p:nvPr>
+            </p:nvSpPr>
+            <p:spPr>
+              <a:xfrm>
+                <a:off x="814737" y="2060848"/>
+                <a:ext cx="7543800" cy="4176464"/>
+              </a:xfrm>
+            </p:spPr>
+            <p:txBody>
+              <a:bodyPr>
+                <a:normAutofit lnSpcReduction="10000"/>
+              </a:bodyPr>
+              <a:lstStyle/>
+              <a:p>
+                <a:pPr marL="742950" indent="-742950">
+                  <a:buFont typeface="+mj-lt"/>
+                  <a:buAutoNum type="arabicParenR"/>
+                </a:pPr>
+                <a:r>
+                  <a:rPr lang="ru-RU" sz="3600" dirty="0" smtClean="0">
+                    <a:latin typeface="Arial" panose="020B0604020202020204" pitchFamily="34" charset="0"/>
+                    <a:cs typeface="Arial" panose="020B0604020202020204" pitchFamily="34" charset="0"/>
+                  </a:rPr>
+                  <a:t>Ручное построение признаков –</a:t>
+                </a:r>
+                <a:r>
+                  <a:rPr lang="en-US" sz="3600" dirty="0" smtClean="0">
+                    <a:latin typeface="Arial" panose="020B0604020202020204" pitchFamily="34" charset="0"/>
+                    <a:cs typeface="Arial" panose="020B0604020202020204" pitchFamily="34" charset="0"/>
+                  </a:rPr>
+                  <a:t> </a:t>
+                </a:r>
+                <a:r>
+                  <a:rPr lang="ru-RU" sz="3600" dirty="0">
+                    <a:latin typeface="Arial" panose="020B0604020202020204" pitchFamily="34" charset="0"/>
+                    <a:cs typeface="Arial" panose="020B0604020202020204" pitchFamily="34" charset="0"/>
+                  </a:rPr>
+                  <a:t>в</a:t>
+                </a:r>
+                <a:r>
+                  <a:rPr lang="ru-RU" sz="3600" dirty="0" smtClean="0">
+                    <a:latin typeface="Arial" panose="020B0604020202020204" pitchFamily="34" charset="0"/>
+                    <a:cs typeface="Arial" panose="020B0604020202020204" pitchFamily="34" charset="0"/>
+                  </a:rPr>
+                  <a:t>ыбор </a:t>
+                </a:r>
+                <a14:m>
+                  <m:oMath xmlns:m="http://schemas.openxmlformats.org/officeDocument/2006/math">
+                    <m:sSub>
+                      <m:sSubPr>
+                        <m:ctrlPr>
+                          <a:rPr lang="ru-RU" sz="3600" i="1" smtClean="0">
+                            <a:latin typeface="Cambria Math" panose="02040503050406030204" pitchFamily="18" charset="0"/>
+                            <a:cs typeface="Arial" panose="020B0604020202020204" pitchFamily="34" charset="0"/>
+                          </a:rPr>
+                        </m:ctrlPr>
+                      </m:sSubPr>
+                      <m:e>
+                        <m:r>
+                          <a:rPr lang="en-US" sz="3600" b="0" i="1" smtClean="0">
+                            <a:latin typeface="Cambria Math" panose="02040503050406030204" pitchFamily="18" charset="0"/>
+                            <a:cs typeface="Arial" panose="020B0604020202020204" pitchFamily="34" charset="0"/>
+                          </a:rPr>
+                          <m:t>𝐹</m:t>
+                        </m:r>
+                      </m:e>
+                      <m:sub>
+                        <m:r>
+                          <a:rPr lang="en-US" sz="3600" b="0" i="1" smtClean="0">
+                            <a:latin typeface="Cambria Math" panose="02040503050406030204" pitchFamily="18" charset="0"/>
+                            <a:cs typeface="Arial" panose="020B0604020202020204" pitchFamily="34" charset="0"/>
+                          </a:rPr>
+                          <m:t>0</m:t>
+                        </m:r>
+                      </m:sub>
+                    </m:sSub>
+                  </m:oMath>
+                </a14:m>
+                <a:r>
+                  <a:rPr lang="ru-RU" sz="3600" dirty="0" smtClean="0">
+                    <a:latin typeface="Arial" panose="020B0604020202020204" pitchFamily="34" charset="0"/>
+                    <a:cs typeface="Arial" panose="020B0604020202020204" pitchFamily="34" charset="0"/>
+                  </a:rPr>
+                  <a:t>.</a:t>
+                </a:r>
+              </a:p>
+              <a:p>
+                <a:pPr marL="742950" indent="-742950">
+                  <a:buFont typeface="+mj-lt"/>
+                  <a:buAutoNum type="arabicParenR"/>
+                </a:pPr>
+                <a:r>
+                  <a:rPr lang="ru-RU" sz="3600" b="0" dirty="0" smtClean="0">
+                    <a:latin typeface="Arial" panose="020B0604020202020204" pitchFamily="34" charset="0"/>
+                    <a:cs typeface="Arial" panose="020B0604020202020204" pitchFamily="34" charset="0"/>
+                  </a:rPr>
+                  <a:t>Преобразование признаков</a:t>
+                </a:r>
+                <a14:m>
+                  <m:oMath xmlns:m="http://schemas.openxmlformats.org/officeDocument/2006/math">
+                    <m:r>
+                      <a:rPr lang="ru-RU" sz="3600" b="0" i="1" smtClean="0">
+                        <a:latin typeface="Cambria Math" panose="02040503050406030204" pitchFamily="18" charset="0"/>
+                        <a:cs typeface="Arial" panose="020B0604020202020204" pitchFamily="34" charset="0"/>
+                      </a:rPr>
+                      <m:t> </m:t>
+                    </m:r>
+                    <m:r>
+                      <a:rPr lang="en-US" sz="3600" b="0" i="1" smtClean="0">
+                        <a:latin typeface="Cambria Math" panose="02040503050406030204" pitchFamily="18" charset="0"/>
+                        <a:cs typeface="Arial" panose="020B0604020202020204" pitchFamily="34" charset="0"/>
+                      </a:rPr>
+                      <m:t>𝐺</m:t>
+                    </m:r>
+                    <m:r>
+                      <a:rPr lang="en-US" sz="3600" b="0" i="1" smtClean="0">
+                        <a:latin typeface="Cambria Math" panose="02040503050406030204" pitchFamily="18" charset="0"/>
+                        <a:cs typeface="Arial" panose="020B0604020202020204" pitchFamily="34" charset="0"/>
+                      </a:rPr>
+                      <m:t>:</m:t>
+                    </m:r>
+                    <m:sSub>
+                      <m:sSubPr>
+                        <m:ctrlPr>
+                          <a:rPr lang="en-US" sz="3600" b="0" i="1" smtClean="0">
+                            <a:latin typeface="Cambria Math" panose="02040503050406030204" pitchFamily="18" charset="0"/>
+                            <a:cs typeface="Arial" panose="020B0604020202020204" pitchFamily="34" charset="0"/>
+                          </a:rPr>
+                        </m:ctrlPr>
+                      </m:sSubPr>
+                      <m:e>
+                        <m:r>
+                          <a:rPr lang="en-US" sz="3600" b="0" i="1" smtClean="0">
+                            <a:latin typeface="Cambria Math" panose="02040503050406030204" pitchFamily="18" charset="0"/>
+                            <a:cs typeface="Arial" panose="020B0604020202020204" pitchFamily="34" charset="0"/>
+                          </a:rPr>
+                          <m:t>𝐹</m:t>
+                        </m:r>
+                      </m:e>
+                      <m:sub>
+                        <m:r>
+                          <a:rPr lang="en-US" sz="3600" b="0" i="1" smtClean="0">
+                            <a:latin typeface="Cambria Math" panose="02040503050406030204" pitchFamily="18" charset="0"/>
+                            <a:cs typeface="Arial" panose="020B0604020202020204" pitchFamily="34" charset="0"/>
+                          </a:rPr>
+                          <m:t>0</m:t>
+                        </m:r>
+                      </m:sub>
+                    </m:sSub>
+                    <m:r>
+                      <a:rPr lang="en-US" sz="3600" b="0" i="1" smtClean="0">
+                        <a:latin typeface="Cambria Math" panose="02040503050406030204" pitchFamily="18" charset="0"/>
+                        <a:ea typeface="Cambria Math" panose="02040503050406030204" pitchFamily="18" charset="0"/>
+                        <a:cs typeface="Arial" panose="020B0604020202020204" pitchFamily="34" charset="0"/>
+                      </a:rPr>
+                      <m:t>→</m:t>
+                    </m:r>
+                    <m:sSub>
+                      <m:sSubPr>
+                        <m:ctrlPr>
+                          <a:rPr lang="en-US" sz="3600" b="0" i="1" smtClean="0">
+                            <a:latin typeface="Cambria Math" panose="02040503050406030204" pitchFamily="18" charset="0"/>
+                            <a:ea typeface="Cambria Math" panose="02040503050406030204" pitchFamily="18" charset="0"/>
+                            <a:cs typeface="Arial" panose="020B0604020202020204" pitchFamily="34" charset="0"/>
+                          </a:rPr>
+                        </m:ctrlPr>
+                      </m:sSubPr>
+                      <m:e>
+                        <m:r>
+                          <a:rPr lang="en-US" sz="3600" b="0" i="1" smtClean="0">
+                            <a:latin typeface="Cambria Math" panose="02040503050406030204" pitchFamily="18" charset="0"/>
+                            <a:ea typeface="Cambria Math" panose="02040503050406030204" pitchFamily="18" charset="0"/>
+                            <a:cs typeface="Arial" panose="020B0604020202020204" pitchFamily="34" charset="0"/>
+                          </a:rPr>
+                          <m:t>𝐹</m:t>
+                        </m:r>
+                      </m:e>
+                      <m:sub>
+                        <m:r>
+                          <a:rPr lang="en-US" sz="3600" b="0" i="1" smtClean="0">
+                            <a:latin typeface="Cambria Math" panose="02040503050406030204" pitchFamily="18" charset="0"/>
+                            <a:ea typeface="Cambria Math" panose="02040503050406030204" pitchFamily="18" charset="0"/>
+                            <a:cs typeface="Arial" panose="020B0604020202020204" pitchFamily="34" charset="0"/>
+                          </a:rPr>
+                          <m:t>𝑁</m:t>
+                        </m:r>
+                      </m:sub>
+                    </m:sSub>
+                    <m:r>
+                      <a:rPr lang="en-US" sz="3600" b="0" i="1" smtClean="0">
+                        <a:latin typeface="Cambria Math" panose="02040503050406030204" pitchFamily="18" charset="0"/>
+                        <a:ea typeface="Cambria Math" panose="02040503050406030204" pitchFamily="18" charset="0"/>
+                        <a:cs typeface="Arial" panose="020B0604020202020204" pitchFamily="34" charset="0"/>
+                      </a:rPr>
+                      <m:t>.</m:t>
+                    </m:r>
+                  </m:oMath>
+                </a14:m>
+                <a:endParaRPr lang="ru-RU" sz="3600" dirty="0" smtClean="0">
+                  <a:latin typeface="Arial" panose="020B0604020202020204" pitchFamily="34" charset="0"/>
+                  <a:cs typeface="Arial" panose="020B0604020202020204" pitchFamily="34" charset="0"/>
+                </a:endParaRPr>
+              </a:p>
+              <a:p>
+                <a:pPr marL="742950" indent="-742950">
+                  <a:buFont typeface="+mj-lt"/>
+                  <a:buAutoNum type="arabicParenR"/>
+                </a:pPr>
+                <a:r>
+                  <a:rPr lang="ru-RU" sz="3600" dirty="0" smtClean="0">
+                    <a:latin typeface="Arial" panose="020B0604020202020204" pitchFamily="34" charset="0"/>
+                    <a:cs typeface="Arial" panose="020B0604020202020204" pitchFamily="34" charset="0"/>
+                  </a:rPr>
+                  <a:t>Выбор признаков </a:t>
+                </a:r>
+                <a14:m>
+                  <m:oMath xmlns:m="http://schemas.openxmlformats.org/officeDocument/2006/math">
+                    <m:sSub>
+                      <m:sSubPr>
+                        <m:ctrlPr>
+                          <a:rPr lang="ru-RU" sz="3600" i="1" smtClean="0">
+                            <a:latin typeface="Cambria Math" panose="02040503050406030204" pitchFamily="18" charset="0"/>
+                            <a:cs typeface="Arial" panose="020B0604020202020204" pitchFamily="34" charset="0"/>
+                          </a:rPr>
+                        </m:ctrlPr>
+                      </m:sSubPr>
+                      <m:e>
+                        <m:r>
+                          <a:rPr lang="en-US" sz="3600" b="0" i="1" smtClean="0">
+                            <a:latin typeface="Cambria Math" panose="02040503050406030204" pitchFamily="18" charset="0"/>
+                            <a:cs typeface="Arial" panose="020B0604020202020204" pitchFamily="34" charset="0"/>
+                          </a:rPr>
+                          <m:t>𝐹</m:t>
+                        </m:r>
+                      </m:e>
+                      <m:sub>
+                        <m:r>
+                          <a:rPr lang="en-US" sz="3600" b="0" i="1" smtClean="0">
+                            <a:latin typeface="Cambria Math" panose="02040503050406030204" pitchFamily="18" charset="0"/>
+                            <a:cs typeface="Arial" panose="020B0604020202020204" pitchFamily="34" charset="0"/>
+                          </a:rPr>
+                          <m:t>𝑖</m:t>
+                        </m:r>
+                      </m:sub>
+                    </m:sSub>
+                    <m:r>
+                      <a:rPr lang="ru-RU" sz="3600" i="1" smtClean="0">
+                        <a:latin typeface="Cambria Math" panose="02040503050406030204" pitchFamily="18" charset="0"/>
+                        <a:ea typeface="Cambria Math" panose="02040503050406030204" pitchFamily="18" charset="0"/>
+                        <a:cs typeface="Arial" panose="020B0604020202020204" pitchFamily="34" charset="0"/>
+                      </a:rPr>
+                      <m:t>⊆</m:t>
+                    </m:r>
+                    <m:sSub>
+                      <m:sSubPr>
+                        <m:ctrlPr>
+                          <a:rPr lang="ru-RU" sz="3600" i="1" smtClean="0">
+                            <a:latin typeface="Cambria Math" panose="02040503050406030204" pitchFamily="18" charset="0"/>
+                            <a:ea typeface="Cambria Math" panose="02040503050406030204" pitchFamily="18" charset="0"/>
+                            <a:cs typeface="Arial" panose="020B0604020202020204" pitchFamily="34" charset="0"/>
+                          </a:rPr>
+                        </m:ctrlPr>
+                      </m:sSubPr>
+                      <m:e>
+                        <m:r>
+                          <a:rPr lang="en-US" sz="3600" b="0" i="1" smtClean="0">
+                            <a:latin typeface="Cambria Math" panose="02040503050406030204" pitchFamily="18" charset="0"/>
+                            <a:ea typeface="Cambria Math" panose="02040503050406030204" pitchFamily="18" charset="0"/>
+                            <a:cs typeface="Arial" panose="020B0604020202020204" pitchFamily="34" charset="0"/>
+                          </a:rPr>
+                          <m:t>𝐹</m:t>
+                        </m:r>
+                      </m:e>
+                      <m:sub>
+                        <m:r>
+                          <a:rPr lang="en-US" sz="3600" b="0" i="1" smtClean="0">
+                            <a:latin typeface="Cambria Math" panose="02040503050406030204" pitchFamily="18" charset="0"/>
+                            <a:ea typeface="Cambria Math" panose="02040503050406030204" pitchFamily="18" charset="0"/>
+                            <a:cs typeface="Arial" panose="020B0604020202020204" pitchFamily="34" charset="0"/>
+                          </a:rPr>
+                          <m:t>𝑁</m:t>
+                        </m:r>
+                      </m:sub>
+                    </m:sSub>
+                    <m:r>
+                      <a:rPr lang="en-US" sz="3600" b="0" i="1" smtClean="0">
+                        <a:latin typeface="Cambria Math" panose="02040503050406030204" pitchFamily="18" charset="0"/>
+                        <a:ea typeface="Cambria Math" panose="02040503050406030204" pitchFamily="18" charset="0"/>
+                        <a:cs typeface="Arial" panose="020B0604020202020204" pitchFamily="34" charset="0"/>
+                      </a:rPr>
+                      <m:t>.</m:t>
+                    </m:r>
+                  </m:oMath>
+                </a14:m>
+                <a:endParaRPr lang="en-US" sz="3600" b="0" dirty="0" smtClean="0">
+                  <a:latin typeface="Arial" panose="020B0604020202020204" pitchFamily="34" charset="0"/>
+                  <a:ea typeface="Cambria Math" panose="02040503050406030204" pitchFamily="18" charset="0"/>
+                  <a:cs typeface="Arial" panose="020B0604020202020204" pitchFamily="34" charset="0"/>
+                </a:endParaRPr>
+              </a:p>
+              <a:p>
+                <a:pPr marL="742950" indent="-742950">
+                  <a:buFont typeface="+mj-lt"/>
+                  <a:buAutoNum type="arabicParenR"/>
+                </a:pPr>
+                <a:r>
+                  <a:rPr lang="ru-RU" sz="3600" dirty="0" smtClean="0">
+                    <a:latin typeface="Arial" panose="020B0604020202020204" pitchFamily="34" charset="0"/>
+                    <a:cs typeface="Arial" panose="020B0604020202020204" pitchFamily="34" charset="0"/>
+                  </a:rPr>
+                  <a:t>Если решение не найдено, то (3), иначе </a:t>
+                </a:r>
+                <a14:m>
+                  <m:oMath xmlns:m="http://schemas.openxmlformats.org/officeDocument/2006/math">
+                    <m:sSub>
+                      <m:sSubPr>
+                        <m:ctrlPr>
+                          <a:rPr lang="ru-RU" sz="3600" i="1" smtClean="0">
+                            <a:latin typeface="Cambria Math" panose="02040503050406030204" pitchFamily="18" charset="0"/>
+                            <a:cs typeface="Arial" panose="020B0604020202020204" pitchFamily="34" charset="0"/>
+                          </a:rPr>
+                        </m:ctrlPr>
+                      </m:sSubPr>
+                      <m:e>
+                        <m:r>
+                          <a:rPr lang="en-US" sz="3600" b="0" i="1" smtClean="0">
+                            <a:latin typeface="Cambria Math" panose="02040503050406030204" pitchFamily="18" charset="0"/>
+                            <a:cs typeface="Arial" panose="020B0604020202020204" pitchFamily="34" charset="0"/>
+                          </a:rPr>
+                          <m:t>𝐹</m:t>
+                        </m:r>
+                      </m:e>
+                      <m:sub>
+                        <m:r>
+                          <a:rPr lang="en-US" sz="3600" b="0" i="1" smtClean="0">
+                            <a:latin typeface="Cambria Math" panose="02040503050406030204" pitchFamily="18" charset="0"/>
+                            <a:cs typeface="Arial" panose="020B0604020202020204" pitchFamily="34" charset="0"/>
+                          </a:rPr>
+                          <m:t>𝑇</m:t>
+                        </m:r>
+                      </m:sub>
+                    </m:sSub>
+                    <m:r>
+                      <a:rPr lang="en-US" sz="3600" b="0" i="1" smtClean="0">
+                        <a:latin typeface="Cambria Math" panose="02040503050406030204" pitchFamily="18" charset="0"/>
+                        <a:cs typeface="Arial" panose="020B0604020202020204" pitchFamily="34" charset="0"/>
+                      </a:rPr>
+                      <m:t>=</m:t>
+                    </m:r>
+                    <m:sSub>
+                      <m:sSubPr>
+                        <m:ctrlPr>
+                          <a:rPr lang="en-US" sz="3600" b="0" i="1" smtClean="0">
+                            <a:latin typeface="Cambria Math" panose="02040503050406030204" pitchFamily="18" charset="0"/>
+                            <a:cs typeface="Arial" panose="020B0604020202020204" pitchFamily="34" charset="0"/>
+                          </a:rPr>
+                        </m:ctrlPr>
+                      </m:sSubPr>
+                      <m:e>
+                        <m:r>
+                          <a:rPr lang="en-US" sz="3600" b="0" i="1" smtClean="0">
+                            <a:latin typeface="Cambria Math" panose="02040503050406030204" pitchFamily="18" charset="0"/>
+                            <a:cs typeface="Arial" panose="020B0604020202020204" pitchFamily="34" charset="0"/>
+                          </a:rPr>
+                          <m:t>𝐹</m:t>
+                        </m:r>
+                      </m:e>
+                      <m:sub>
+                        <m:r>
+                          <a:rPr lang="en-US" sz="3600" b="0" i="1" smtClean="0">
+                            <a:latin typeface="Cambria Math" panose="02040503050406030204" pitchFamily="18" charset="0"/>
+                            <a:cs typeface="Arial" panose="020B0604020202020204" pitchFamily="34" charset="0"/>
+                          </a:rPr>
+                          <m:t>𝑖</m:t>
+                        </m:r>
+                      </m:sub>
+                    </m:sSub>
+                    <m:r>
+                      <a:rPr lang="ru-RU" sz="3600" b="0" i="0" smtClean="0">
+                        <a:latin typeface="Cambria Math" panose="02040503050406030204" pitchFamily="18" charset="0"/>
+                        <a:cs typeface="Arial" panose="020B0604020202020204" pitchFamily="34" charset="0"/>
+                      </a:rPr>
+                      <m:t>.</m:t>
+                    </m:r>
+                  </m:oMath>
+                </a14:m>
+                <a:endParaRPr lang="ru-RU" sz="3600" dirty="0" smtClean="0">
+                  <a:latin typeface="Arial" panose="020B0604020202020204" pitchFamily="34" charset="0"/>
+                  <a:cs typeface="Arial" panose="020B0604020202020204" pitchFamily="34" charset="0"/>
+                </a:endParaRPr>
+              </a:p>
+              <a:p>
+                <a:pPr marL="742950" indent="-742950">
+                  <a:buFont typeface="+mj-lt"/>
+                  <a:buAutoNum type="arabicParenR"/>
+                </a:pPr>
+                <a:endParaRPr lang="ru-RU" sz="3600" dirty="0">
+                  <a:latin typeface="Arial" panose="020B0604020202020204" pitchFamily="34" charset="0"/>
+                  <a:cs typeface="Arial" panose="020B0604020202020204" pitchFamily="34" charset="0"/>
+                </a:endParaRPr>
+              </a:p>
+            </p:txBody>
+          </p:sp>
+        </mc:Choice>
+        <mc:Fallback>
+          <p:sp>
+            <p:nvSpPr>
+              <p:cNvPr id="3" name="Объект 2"/>
+              <p:cNvSpPr>
+                <a:spLocks noGrp="1" noRot="1" noChangeAspect="1" noMove="1" noResize="1" noEditPoints="1" noAdjustHandles="1" noChangeArrowheads="1" noChangeShapeType="1" noTextEdit="1"/>
+              </p:cNvSpPr>
+              <p:nvPr>
+                <p:ph idx="1"/>
+              </p:nvPr>
+            </p:nvSpPr>
+            <p:spPr>
+              <a:xfrm>
+                <a:off x="814737" y="2060848"/>
+                <a:ext cx="7543800" cy="4176464"/>
+              </a:xfrm>
+              <a:blipFill rotWithShape="0">
+                <a:blip r:embed="rId3"/>
+                <a:stretch>
+                  <a:fillRect l="-2264" t="-7153" r="-1617"/>
+                </a:stretch>
+              </a:blipFill>
+            </p:spPr>
+            <p:txBody>
+              <a:bodyPr/>
+              <a:lstStyle/>
+              <a:p>
+                <a:r>
+                  <a:rPr lang="ru-RU">
+                    <a:noFill/>
+                  </a:rPr>
+                  <a:t> </a:t>
+                </a:r>
+              </a:p>
+            </p:txBody>
+          </p:sp>
+        </mc:Fallback>
+      </mc:AlternateContent>
+    </p:spTree>
+    <p:extLst>
+      <p:ext uri="{BB962C8B-B14F-4D97-AF65-F5344CB8AC3E}">
+        <p14:creationId xmlns:p14="http://schemas.microsoft.com/office/powerpoint/2010/main" val="1168519745"/>
+      </p:ext>
+    </p:extLst>
+  </p:cSld>
+  <p:clrMapOvr>
+    <a:masterClrMapping/>
+  </p:clrMapOvr>
+</p:sld>
+</file>
+
+<file path=ppt/slides/slide12.xml><?xml version="1.0" encoding="utf-8"?>
+<p:sld xmlns:a="http://schemas.openxmlformats.org/drawingml/2006/main" xmlns:r="http://schemas.openxmlformats.org/officeDocument/2006/relationships" xmlns:p="http://schemas.openxmlformats.org/presentationml/2006/main">
+  <p:cSld>
+    <p:spTree>
+      <p:nvGrpSpPr>
+        <p:cNvPr id="1" name=""/>
+        <p:cNvGrpSpPr/>
+        <p:nvPr/>
+      </p:nvGrpSpPr>
+      <p:grpSpPr>
+        <a:xfrm>
+          <a:off x="0" y="0"/>
+          <a:ext cx="0" cy="0"/>
+          <a:chOff x="0" y="0"/>
+          <a:chExt cx="0" cy="0"/>
+        </a:xfrm>
+      </p:grpSpPr>
+      <p:sp>
+        <p:nvSpPr>
+          <p:cNvPr id="2" name="Заголовок 1"/>
+          <p:cNvSpPr>
+            <a:spLocks noGrp="1"/>
+          </p:cNvSpPr>
+          <p:nvPr>
+            <p:ph type="title"/>
+          </p:nvPr>
+        </p:nvSpPr>
+        <p:spPr>
+          <a:xfrm>
+            <a:off x="1318592" y="404664"/>
+            <a:ext cx="6781800" cy="1514400"/>
+          </a:xfrm>
+        </p:spPr>
+        <p:txBody>
+          <a:bodyPr>
+            <a:normAutofit fontScale="90000"/>
+          </a:bodyPr>
+          <a:lstStyle/>
+          <a:p>
+            <a:pPr algn="ctr"/>
+            <a:r>
+              <a:rPr lang="ru-RU" dirty="0" smtClean="0"/>
+              <a:t>Генетическое программирование</a:t>
+            </a:r>
+            <a:endParaRPr lang="ru-RU" dirty="0"/>
+          </a:p>
+        </p:txBody>
+      </p:sp>
+      <p:sp>
+        <p:nvSpPr>
+          <p:cNvPr id="3" name="Объект 2"/>
+          <p:cNvSpPr>
+            <a:spLocks noGrp="1"/>
+          </p:cNvSpPr>
+          <p:nvPr>
+            <p:ph idx="1"/>
+          </p:nvPr>
+        </p:nvSpPr>
+        <p:spPr>
+          <a:xfrm>
+            <a:off x="755576" y="1919064"/>
+            <a:ext cx="7543800" cy="3886200"/>
+          </a:xfrm>
+        </p:spPr>
+        <p:txBody>
+          <a:bodyPr>
+            <a:normAutofit/>
+          </a:bodyPr>
+          <a:lstStyle/>
+          <a:p>
+            <a:r>
+              <a:rPr lang="ru-RU" sz="4800" dirty="0" smtClean="0">
+                <a:latin typeface="Arial" panose="020B0604020202020204" pitchFamily="34" charset="0"/>
+                <a:cs typeface="Arial" panose="020B0604020202020204" pitchFamily="34" charset="0"/>
+              </a:rPr>
+              <a:t>Естественный отбор</a:t>
+            </a:r>
+          </a:p>
+          <a:p>
+            <a:r>
+              <a:rPr lang="ru-RU" sz="4800" dirty="0" smtClean="0">
+                <a:latin typeface="Arial" panose="020B0604020202020204" pitchFamily="34" charset="0"/>
+                <a:cs typeface="Arial" panose="020B0604020202020204" pitchFamily="34" charset="0"/>
+              </a:rPr>
+              <a:t>Скрещивание</a:t>
+            </a:r>
+          </a:p>
+          <a:p>
+            <a:r>
+              <a:rPr lang="ru-RU" sz="4800" dirty="0" smtClean="0">
+                <a:latin typeface="Arial" panose="020B0604020202020204" pitchFamily="34" charset="0"/>
+                <a:cs typeface="Arial" panose="020B0604020202020204" pitchFamily="34" charset="0"/>
+              </a:rPr>
+              <a:t>Мутация</a:t>
+            </a:r>
+            <a:endParaRPr lang="ru-RU" sz="4800" dirty="0">
+              <a:latin typeface="Arial" panose="020B0604020202020204" pitchFamily="34" charset="0"/>
+              <a:cs typeface="Arial" panose="020B0604020202020204" pitchFamily="34" charset="0"/>
+            </a:endParaRPr>
+          </a:p>
+        </p:txBody>
+      </p:sp>
+    </p:spTree>
+    <p:extLst>
+      <p:ext uri="{BB962C8B-B14F-4D97-AF65-F5344CB8AC3E}">
+        <p14:creationId xmlns:p14="http://schemas.microsoft.com/office/powerpoint/2010/main" val="3347199953"/>
+      </p:ext>
+    </p:extLst>
+  </p:cSld>
+  <p:clrMapOvr>
+    <a:masterClrMapping/>
+  </p:clrMapOvr>
+  <p:timing>
+    <p:tnLst>
+      <p:par>
+        <p:cTn id="1" dur="indefinite" restart="never" nodeType="tmRoot"/>
+      </p:par>
+    </p:tnLst>
+  </p:timing>
+</p:sld>
+</file>
+
+<file path=ppt/slides/slide13.xml><?xml version="1.0" encoding="utf-8"?>
+<p:sld xmlns:a="http://schemas.openxmlformats.org/drawingml/2006/main" xmlns:r="http://schemas.openxmlformats.org/officeDocument/2006/relationships" xmlns:p="http://schemas.openxmlformats.org/presentationml/2006/main">
+  <p:cSld>
+    <p:spTree>
+      <p:nvGrpSpPr>
+        <p:cNvPr id="1" name=""/>
+        <p:cNvGrpSpPr/>
+        <p:nvPr/>
+      </p:nvGrpSpPr>
+      <p:grpSpPr>
+        <a:xfrm>
+          <a:off x="0" y="0"/>
+          <a:ext cx="0" cy="0"/>
+          <a:chOff x="0" y="0"/>
+          <a:chExt cx="0" cy="0"/>
+        </a:xfrm>
+      </p:grpSpPr>
+      <p:sp>
+        <p:nvSpPr>
+          <p:cNvPr id="2" name="Заголовок 1"/>
+          <p:cNvSpPr>
+            <a:spLocks noGrp="1"/>
+          </p:cNvSpPr>
+          <p:nvPr>
+            <p:ph type="title"/>
+          </p:nvPr>
+        </p:nvSpPr>
+        <p:spPr>
+          <a:xfrm>
+            <a:off x="908923" y="332656"/>
+            <a:ext cx="7342149" cy="1168152"/>
+          </a:xfrm>
+        </p:spPr>
+        <p:txBody>
+          <a:bodyPr>
+            <a:normAutofit/>
+          </a:bodyPr>
+          <a:lstStyle/>
+          <a:p>
+            <a:pPr algn="ctr"/>
+            <a:r>
+              <a:rPr lang="ru-RU" dirty="0" smtClean="0"/>
+              <a:t>Лес – набор признаков</a:t>
+            </a:r>
+            <a:endParaRPr lang="ru-RU" dirty="0"/>
+          </a:p>
+        </p:txBody>
+      </p:sp>
+      <p:sp>
+        <p:nvSpPr>
+          <p:cNvPr id="4" name="Овал 3"/>
+          <p:cNvSpPr/>
+          <p:nvPr/>
+        </p:nvSpPr>
+        <p:spPr>
+          <a:xfrm>
+            <a:off x="1091920" y="2996952"/>
+            <a:ext cx="888386" cy="767659"/>
+          </a:xfrm>
+          <a:prstGeom prst="ellipse">
+            <a:avLst/>
+          </a:prstGeom>
+        </p:spPr>
+        <p:style>
+          <a:lnRef idx="2">
+            <a:schemeClr val="accent1">
+              <a:shade val="50000"/>
+            </a:schemeClr>
+          </a:lnRef>
+          <a:fillRef idx="1">
+            <a:schemeClr val="accent1"/>
+          </a:fillRef>
+          <a:effectRef idx="0">
+            <a:schemeClr val="accent1"/>
+          </a:effectRef>
+          <a:fontRef idx="minor">
+            <a:schemeClr val="lt1"/>
+          </a:fontRef>
+        </p:style>
+        <p:txBody>
+          <a:bodyPr rtlCol="0" anchor="ctr"/>
+          <a:lstStyle/>
+          <a:p>
+            <a:pPr algn="ctr"/>
+            <a:r>
+              <a:rPr lang="ru-RU" sz="3200" dirty="0" smtClean="0"/>
+              <a:t>+</a:t>
+            </a:r>
+            <a:endParaRPr lang="ru-RU" sz="3200" dirty="0"/>
+          </a:p>
+        </p:txBody>
+      </p:sp>
+      <p:sp>
+        <p:nvSpPr>
+          <p:cNvPr id="5" name="Овал 4"/>
+          <p:cNvSpPr/>
+          <p:nvPr/>
+        </p:nvSpPr>
+        <p:spPr>
+          <a:xfrm>
+            <a:off x="179512" y="3792848"/>
+            <a:ext cx="1074166" cy="784291"/>
+          </a:xfrm>
+          <a:prstGeom prst="ellipse">
+            <a:avLst/>
+          </a:prstGeom>
+        </p:spPr>
+        <p:style>
+          <a:lnRef idx="2">
+            <a:schemeClr val="accent1">
+              <a:shade val="50000"/>
+            </a:schemeClr>
+          </a:lnRef>
+          <a:fillRef idx="1">
+            <a:schemeClr val="accent1"/>
+          </a:fillRef>
+          <a:effectRef idx="0">
+            <a:schemeClr val="accent1"/>
+          </a:effectRef>
+          <a:fontRef idx="minor">
+            <a:schemeClr val="lt1"/>
+          </a:fontRef>
+        </p:style>
+        <p:txBody>
+          <a:bodyPr rtlCol="0" anchor="ctr"/>
+          <a:lstStyle/>
+          <a:p>
+            <a:pPr algn="ctr"/>
+            <a:r>
+              <a:rPr lang="en-US" sz="3200" dirty="0" smtClean="0"/>
+              <a:t>sin</a:t>
+            </a:r>
+            <a:endParaRPr lang="ru-RU" sz="3200" dirty="0"/>
+          </a:p>
+        </p:txBody>
+      </p:sp>
+      <p:sp>
+        <p:nvSpPr>
+          <p:cNvPr id="6" name="Овал 5"/>
+          <p:cNvSpPr/>
+          <p:nvPr/>
+        </p:nvSpPr>
+        <p:spPr>
+          <a:xfrm>
+            <a:off x="2007047" y="3792848"/>
+            <a:ext cx="1058892" cy="784291"/>
+          </a:xfrm>
+          <a:prstGeom prst="ellipse">
+            <a:avLst/>
+          </a:prstGeom>
+        </p:spPr>
+        <p:style>
+          <a:lnRef idx="2">
+            <a:schemeClr val="accent1">
+              <a:shade val="50000"/>
+            </a:schemeClr>
+          </a:lnRef>
+          <a:fillRef idx="1">
+            <a:schemeClr val="accent1"/>
+          </a:fillRef>
+          <a:effectRef idx="0">
+            <a:schemeClr val="accent1"/>
+          </a:effectRef>
+          <a:fontRef idx="minor">
+            <a:schemeClr val="lt1"/>
+          </a:fontRef>
+        </p:style>
+        <p:txBody>
+          <a:bodyPr rtlCol="0" anchor="ctr"/>
+          <a:lstStyle/>
+          <a:p>
+            <a:pPr algn="ctr"/>
+            <a:r>
+              <a:rPr lang="en-US" sz="3200" dirty="0" smtClean="0"/>
+              <a:t>abs</a:t>
+            </a:r>
+            <a:endParaRPr lang="ru-RU" sz="3200" dirty="0"/>
+          </a:p>
+        </p:txBody>
+      </p:sp>
+      <p:sp>
+        <p:nvSpPr>
+          <p:cNvPr id="7" name="Овал 6"/>
+          <p:cNvSpPr/>
+          <p:nvPr/>
+        </p:nvSpPr>
+        <p:spPr>
+          <a:xfrm>
+            <a:off x="248543" y="5103822"/>
+            <a:ext cx="936104" cy="841553"/>
+          </a:xfrm>
+          <a:prstGeom prst="ellipse">
+            <a:avLst/>
+          </a:prstGeom>
+        </p:spPr>
+        <p:style>
+          <a:lnRef idx="2">
+            <a:schemeClr val="accent1">
+              <a:shade val="50000"/>
+            </a:schemeClr>
+          </a:lnRef>
+          <a:fillRef idx="1">
+            <a:schemeClr val="accent1"/>
+          </a:fillRef>
+          <a:effectRef idx="0">
+            <a:schemeClr val="accent1"/>
+          </a:effectRef>
+          <a:fontRef idx="minor">
+            <a:schemeClr val="lt1"/>
+          </a:fontRef>
+        </p:style>
+        <p:txBody>
+          <a:bodyPr rtlCol="0" anchor="ctr"/>
+          <a:lstStyle/>
+          <a:p>
+            <a:pPr algn="ctr"/>
+            <a:r>
+              <a:rPr lang="en-US" sz="3200" dirty="0" smtClean="0"/>
+              <a:t>x1</a:t>
+            </a:r>
+            <a:endParaRPr lang="ru-RU" sz="3200" dirty="0"/>
+          </a:p>
+        </p:txBody>
+      </p:sp>
+      <p:sp>
+        <p:nvSpPr>
+          <p:cNvPr id="8" name="Овал 7"/>
+          <p:cNvSpPr/>
+          <p:nvPr/>
+        </p:nvSpPr>
+        <p:spPr>
+          <a:xfrm>
+            <a:off x="2046104" y="5103822"/>
+            <a:ext cx="980777" cy="841553"/>
+          </a:xfrm>
+          <a:prstGeom prst="ellipse">
+            <a:avLst/>
+          </a:prstGeom>
+        </p:spPr>
+        <p:style>
+          <a:lnRef idx="2">
+            <a:schemeClr val="accent1">
+              <a:shade val="50000"/>
+            </a:schemeClr>
+          </a:lnRef>
+          <a:fillRef idx="1">
+            <a:schemeClr val="accent1"/>
+          </a:fillRef>
+          <a:effectRef idx="0">
+            <a:schemeClr val="accent1"/>
+          </a:effectRef>
+          <a:fontRef idx="minor">
+            <a:schemeClr val="lt1"/>
+          </a:fontRef>
+        </p:style>
+        <p:txBody>
+          <a:bodyPr rtlCol="0" anchor="ctr"/>
+          <a:lstStyle/>
+          <a:p>
+            <a:pPr algn="ctr"/>
+            <a:r>
+              <a:rPr lang="en-US" sz="3200" dirty="0" smtClean="0"/>
+              <a:t>x2</a:t>
+            </a:r>
+            <a:endParaRPr lang="ru-RU" sz="3200" dirty="0"/>
+          </a:p>
+        </p:txBody>
+      </p:sp>
+      <p:cxnSp>
+        <p:nvCxnSpPr>
+          <p:cNvPr id="10" name="Прямая соединительная линия 9"/>
+          <p:cNvCxnSpPr>
+            <a:endCxn id="4" idx="3"/>
+          </p:cNvCxnSpPr>
+          <p:nvPr/>
+        </p:nvCxnSpPr>
+        <p:spPr>
+          <a:xfrm flipV="1">
+            <a:off x="683568" y="3652190"/>
+            <a:ext cx="538453" cy="140658"/>
+          </a:xfrm>
+          <a:prstGeom prst="line">
+            <a:avLst/>
+          </a:prstGeom>
+        </p:spPr>
+        <p:style>
+          <a:lnRef idx="1">
+            <a:schemeClr val="accent1"/>
+          </a:lnRef>
+          <a:fillRef idx="0">
+            <a:schemeClr val="accent1"/>
+          </a:fillRef>
+          <a:effectRef idx="0">
+            <a:schemeClr val="accent1"/>
+          </a:effectRef>
+          <a:fontRef idx="minor">
+            <a:schemeClr val="tx1"/>
+          </a:fontRef>
+        </p:style>
+      </p:cxnSp>
+      <p:cxnSp>
+        <p:nvCxnSpPr>
+          <p:cNvPr id="12" name="Прямая соединительная линия 11"/>
+          <p:cNvCxnSpPr>
+            <a:stCxn id="4" idx="5"/>
+          </p:cNvCxnSpPr>
+          <p:nvPr/>
+        </p:nvCxnSpPr>
+        <p:spPr>
+          <a:xfrm>
+            <a:off x="1850205" y="3652190"/>
+            <a:ext cx="653261" cy="140658"/>
+          </a:xfrm>
+          <a:prstGeom prst="line">
+            <a:avLst/>
+          </a:prstGeom>
+        </p:spPr>
+        <p:style>
+          <a:lnRef idx="1">
+            <a:schemeClr val="accent1"/>
+          </a:lnRef>
+          <a:fillRef idx="0">
+            <a:schemeClr val="accent1"/>
+          </a:fillRef>
+          <a:effectRef idx="0">
+            <a:schemeClr val="accent1"/>
+          </a:effectRef>
+          <a:fontRef idx="minor">
+            <a:schemeClr val="tx1"/>
+          </a:fontRef>
+        </p:style>
+      </p:cxnSp>
+      <p:cxnSp>
+        <p:nvCxnSpPr>
+          <p:cNvPr id="18" name="Прямая соединительная линия 17"/>
+          <p:cNvCxnSpPr/>
+          <p:nvPr/>
+        </p:nvCxnSpPr>
+        <p:spPr>
+          <a:xfrm>
+            <a:off x="683568" y="4577139"/>
+            <a:ext cx="0" cy="526683"/>
+          </a:xfrm>
+          <a:prstGeom prst="line">
+            <a:avLst/>
+          </a:prstGeom>
+        </p:spPr>
+        <p:style>
+          <a:lnRef idx="1">
+            <a:schemeClr val="accent1"/>
+          </a:lnRef>
+          <a:fillRef idx="0">
+            <a:schemeClr val="accent1"/>
+          </a:fillRef>
+          <a:effectRef idx="0">
+            <a:schemeClr val="accent1"/>
+          </a:effectRef>
+          <a:fontRef idx="minor">
+            <a:schemeClr val="tx1"/>
+          </a:fontRef>
+        </p:style>
+      </p:cxnSp>
+      <p:cxnSp>
+        <p:nvCxnSpPr>
+          <p:cNvPr id="20" name="Прямая соединительная линия 19"/>
+          <p:cNvCxnSpPr/>
+          <p:nvPr/>
+        </p:nvCxnSpPr>
+        <p:spPr>
+          <a:xfrm>
+            <a:off x="2503466" y="4577139"/>
+            <a:ext cx="0" cy="526683"/>
+          </a:xfrm>
+          <a:prstGeom prst="line">
+            <a:avLst/>
+          </a:prstGeom>
+        </p:spPr>
+        <p:style>
+          <a:lnRef idx="1">
+            <a:schemeClr val="accent1"/>
+          </a:lnRef>
+          <a:fillRef idx="0">
+            <a:schemeClr val="accent1"/>
+          </a:fillRef>
+          <a:effectRef idx="0">
+            <a:schemeClr val="accent1"/>
+          </a:effectRef>
+          <a:fontRef idx="minor">
+            <a:schemeClr val="tx1"/>
+          </a:fontRef>
+        </p:style>
+      </p:cxnSp>
+      <p:sp>
+        <p:nvSpPr>
+          <p:cNvPr id="45" name="Овал 44"/>
+          <p:cNvSpPr/>
+          <p:nvPr/>
+        </p:nvSpPr>
+        <p:spPr>
+          <a:xfrm>
+            <a:off x="6799572" y="3064548"/>
+            <a:ext cx="888386" cy="767659"/>
+          </a:xfrm>
+          <a:prstGeom prst="ellipse">
+            <a:avLst/>
+          </a:prstGeom>
+        </p:spPr>
+        <p:style>
+          <a:lnRef idx="2">
+            <a:schemeClr val="accent1">
+              <a:shade val="50000"/>
+            </a:schemeClr>
+          </a:lnRef>
+          <a:fillRef idx="1">
+            <a:schemeClr val="accent1"/>
+          </a:fillRef>
+          <a:effectRef idx="0">
+            <a:schemeClr val="accent1"/>
+          </a:effectRef>
+          <a:fontRef idx="minor">
+            <a:schemeClr val="lt1"/>
+          </a:fontRef>
+        </p:style>
+        <p:txBody>
+          <a:bodyPr rtlCol="0" anchor="ctr"/>
+          <a:lstStyle/>
+          <a:p>
+            <a:pPr algn="ctr"/>
+            <a:r>
+              <a:rPr lang="en-US" sz="3200" dirty="0"/>
+              <a:t>*</a:t>
+            </a:r>
+            <a:endParaRPr lang="ru-RU" sz="3200" dirty="0"/>
+          </a:p>
+        </p:txBody>
+      </p:sp>
+      <p:sp>
+        <p:nvSpPr>
+          <p:cNvPr id="46" name="Овал 45"/>
+          <p:cNvSpPr/>
+          <p:nvPr/>
+        </p:nvSpPr>
+        <p:spPr>
+          <a:xfrm>
+            <a:off x="5640827" y="3860444"/>
+            <a:ext cx="947397" cy="784291"/>
+          </a:xfrm>
+          <a:prstGeom prst="ellipse">
+            <a:avLst/>
+          </a:prstGeom>
+        </p:spPr>
+        <p:style>
+          <a:lnRef idx="2">
+            <a:schemeClr val="accent1">
+              <a:shade val="50000"/>
+            </a:schemeClr>
+          </a:lnRef>
+          <a:fillRef idx="1">
+            <a:schemeClr val="accent1"/>
+          </a:fillRef>
+          <a:effectRef idx="0">
+            <a:schemeClr val="accent1"/>
+          </a:effectRef>
+          <a:fontRef idx="minor">
+            <a:schemeClr val="lt1"/>
+          </a:fontRef>
+        </p:style>
+        <p:txBody>
+          <a:bodyPr rtlCol="0" anchor="ctr"/>
+          <a:lstStyle/>
+          <a:p>
+            <a:pPr algn="ctr"/>
+            <a:r>
+              <a:rPr lang="en-US" sz="3200" dirty="0"/>
+              <a:t>+</a:t>
+            </a:r>
+            <a:endParaRPr lang="ru-RU" sz="3200" dirty="0"/>
+          </a:p>
+        </p:txBody>
+      </p:sp>
+      <p:sp>
+        <p:nvSpPr>
+          <p:cNvPr id="47" name="Овал 46"/>
+          <p:cNvSpPr/>
+          <p:nvPr/>
+        </p:nvSpPr>
+        <p:spPr>
+          <a:xfrm>
+            <a:off x="7681672" y="3860444"/>
+            <a:ext cx="1138800" cy="784291"/>
+          </a:xfrm>
+          <a:prstGeom prst="ellipse">
+            <a:avLst/>
+          </a:prstGeom>
+        </p:spPr>
+        <p:style>
+          <a:lnRef idx="2">
+            <a:schemeClr val="accent1">
+              <a:shade val="50000"/>
+            </a:schemeClr>
+          </a:lnRef>
+          <a:fillRef idx="1">
+            <a:schemeClr val="accent1"/>
+          </a:fillRef>
+          <a:effectRef idx="0">
+            <a:schemeClr val="accent1"/>
+          </a:effectRef>
+          <a:fontRef idx="minor">
+            <a:schemeClr val="lt1"/>
+          </a:fontRef>
+        </p:style>
+        <p:txBody>
+          <a:bodyPr rtlCol="0" anchor="ctr"/>
+          <a:lstStyle/>
+          <a:p>
+            <a:pPr algn="ctr"/>
+            <a:r>
+              <a:rPr lang="en-US" sz="3200" dirty="0" err="1" smtClean="0"/>
+              <a:t>sqrt</a:t>
+            </a:r>
+            <a:endParaRPr lang="ru-RU" sz="3200" dirty="0"/>
+          </a:p>
+        </p:txBody>
+      </p:sp>
+      <p:sp>
+        <p:nvSpPr>
+          <p:cNvPr id="48" name="Овал 47"/>
+          <p:cNvSpPr/>
+          <p:nvPr/>
+        </p:nvSpPr>
+        <p:spPr>
+          <a:xfrm>
+            <a:off x="4740080" y="5059806"/>
+            <a:ext cx="936104" cy="841553"/>
+          </a:xfrm>
+          <a:prstGeom prst="ellipse">
+            <a:avLst/>
+          </a:prstGeom>
+        </p:spPr>
+        <p:style>
+          <a:lnRef idx="2">
+            <a:schemeClr val="accent1">
+              <a:shade val="50000"/>
+            </a:schemeClr>
+          </a:lnRef>
+          <a:fillRef idx="1">
+            <a:schemeClr val="accent1"/>
+          </a:fillRef>
+          <a:effectRef idx="0">
+            <a:schemeClr val="accent1"/>
+          </a:effectRef>
+          <a:fontRef idx="minor">
+            <a:schemeClr val="lt1"/>
+          </a:fontRef>
+        </p:style>
+        <p:txBody>
+          <a:bodyPr rtlCol="0" anchor="ctr"/>
+          <a:lstStyle/>
+          <a:p>
+            <a:pPr algn="ctr"/>
+            <a:r>
+              <a:rPr lang="en-US" sz="3200" dirty="0" smtClean="0"/>
+              <a:t>x4</a:t>
+            </a:r>
+            <a:endParaRPr lang="ru-RU" sz="3200" dirty="0"/>
+          </a:p>
+        </p:txBody>
+      </p:sp>
+      <p:sp>
+        <p:nvSpPr>
+          <p:cNvPr id="49" name="Овал 48"/>
+          <p:cNvSpPr/>
+          <p:nvPr/>
+        </p:nvSpPr>
+        <p:spPr>
+          <a:xfrm>
+            <a:off x="7784377" y="5091093"/>
+            <a:ext cx="933390" cy="829103"/>
+          </a:xfrm>
+          <a:prstGeom prst="ellipse">
+            <a:avLst/>
+          </a:prstGeom>
+        </p:spPr>
+        <p:style>
+          <a:lnRef idx="2">
+            <a:schemeClr val="accent1">
+              <a:shade val="50000"/>
+            </a:schemeClr>
+          </a:lnRef>
+          <a:fillRef idx="1">
+            <a:schemeClr val="accent1"/>
+          </a:fillRef>
+          <a:effectRef idx="0">
+            <a:schemeClr val="accent1"/>
+          </a:effectRef>
+          <a:fontRef idx="minor">
+            <a:schemeClr val="lt1"/>
+          </a:fontRef>
+        </p:style>
+        <p:txBody>
+          <a:bodyPr rtlCol="0" anchor="ctr"/>
+          <a:lstStyle/>
+          <a:p>
+            <a:pPr algn="ctr"/>
+            <a:r>
+              <a:rPr lang="en-US" sz="3200" dirty="0" smtClean="0"/>
+              <a:t>x2</a:t>
+            </a:r>
+            <a:endParaRPr lang="ru-RU" sz="3200" dirty="0"/>
+          </a:p>
+        </p:txBody>
+      </p:sp>
+      <p:cxnSp>
+        <p:nvCxnSpPr>
+          <p:cNvPr id="50" name="Прямая соединительная линия 49"/>
+          <p:cNvCxnSpPr>
+            <a:stCxn id="46" idx="0"/>
+            <a:endCxn id="45" idx="3"/>
+          </p:cNvCxnSpPr>
+          <p:nvPr/>
+        </p:nvCxnSpPr>
+        <p:spPr>
+          <a:xfrm flipV="1">
+            <a:off x="6114526" y="3719786"/>
+            <a:ext cx="815147" cy="140658"/>
+          </a:xfrm>
+          <a:prstGeom prst="line">
+            <a:avLst/>
+          </a:prstGeom>
+        </p:spPr>
+        <p:style>
+          <a:lnRef idx="1">
+            <a:schemeClr val="accent1"/>
+          </a:lnRef>
+          <a:fillRef idx="0">
+            <a:schemeClr val="accent1"/>
+          </a:fillRef>
+          <a:effectRef idx="0">
+            <a:schemeClr val="accent1"/>
+          </a:effectRef>
+          <a:fontRef idx="minor">
+            <a:schemeClr val="tx1"/>
+          </a:fontRef>
+        </p:style>
+      </p:cxnSp>
+      <p:cxnSp>
+        <p:nvCxnSpPr>
+          <p:cNvPr id="51" name="Прямая соединительная линия 50"/>
+          <p:cNvCxnSpPr>
+            <a:stCxn id="45" idx="5"/>
+            <a:endCxn id="47" idx="0"/>
+          </p:cNvCxnSpPr>
+          <p:nvPr/>
+        </p:nvCxnSpPr>
+        <p:spPr>
+          <a:xfrm>
+            <a:off x="7557857" y="3719786"/>
+            <a:ext cx="693215" cy="140658"/>
+          </a:xfrm>
+          <a:prstGeom prst="line">
+            <a:avLst/>
+          </a:prstGeom>
+        </p:spPr>
+        <p:style>
+          <a:lnRef idx="1">
+            <a:schemeClr val="accent1"/>
+          </a:lnRef>
+          <a:fillRef idx="0">
+            <a:schemeClr val="accent1"/>
+          </a:fillRef>
+          <a:effectRef idx="0">
+            <a:schemeClr val="accent1"/>
+          </a:effectRef>
+          <a:fontRef idx="minor">
+            <a:schemeClr val="tx1"/>
+          </a:fontRef>
+        </p:style>
+      </p:cxnSp>
+      <p:cxnSp>
+        <p:nvCxnSpPr>
+          <p:cNvPr id="52" name="Прямая соединительная линия 51"/>
+          <p:cNvCxnSpPr>
+            <a:stCxn id="46" idx="3"/>
+            <a:endCxn id="48" idx="0"/>
+          </p:cNvCxnSpPr>
+          <p:nvPr/>
+        </p:nvCxnSpPr>
+        <p:spPr>
+          <a:xfrm flipH="1">
+            <a:off x="5208132" y="4529878"/>
+            <a:ext cx="571438" cy="529928"/>
+          </a:xfrm>
+          <a:prstGeom prst="line">
+            <a:avLst/>
+          </a:prstGeom>
+        </p:spPr>
+        <p:style>
+          <a:lnRef idx="1">
+            <a:schemeClr val="accent1"/>
+          </a:lnRef>
+          <a:fillRef idx="0">
+            <a:schemeClr val="accent1"/>
+          </a:fillRef>
+          <a:effectRef idx="0">
+            <a:schemeClr val="accent1"/>
+          </a:effectRef>
+          <a:fontRef idx="minor">
+            <a:schemeClr val="tx1"/>
+          </a:fontRef>
+        </p:style>
+      </p:cxnSp>
+      <p:cxnSp>
+        <p:nvCxnSpPr>
+          <p:cNvPr id="53" name="Прямая соединительная линия 52"/>
+          <p:cNvCxnSpPr>
+            <a:stCxn id="47" idx="4"/>
+            <a:endCxn id="49" idx="0"/>
+          </p:cNvCxnSpPr>
+          <p:nvPr/>
+        </p:nvCxnSpPr>
+        <p:spPr>
+          <a:xfrm>
+            <a:off x="8251072" y="4644735"/>
+            <a:ext cx="0" cy="446358"/>
+          </a:xfrm>
+          <a:prstGeom prst="line">
+            <a:avLst/>
+          </a:prstGeom>
+        </p:spPr>
+        <p:style>
+          <a:lnRef idx="1">
+            <a:schemeClr val="accent1"/>
+          </a:lnRef>
+          <a:fillRef idx="0">
+            <a:schemeClr val="accent1"/>
+          </a:fillRef>
+          <a:effectRef idx="0">
+            <a:schemeClr val="accent1"/>
+          </a:effectRef>
+          <a:fontRef idx="minor">
+            <a:schemeClr val="tx1"/>
+          </a:fontRef>
+        </p:style>
+      </p:cxnSp>
+      <p:sp>
+        <p:nvSpPr>
+          <p:cNvPr id="63" name="Овал 62"/>
+          <p:cNvSpPr/>
+          <p:nvPr/>
+        </p:nvSpPr>
+        <p:spPr>
+          <a:xfrm>
+            <a:off x="3717235" y="1776805"/>
+            <a:ext cx="888386" cy="767659"/>
+          </a:xfrm>
+          <a:prstGeom prst="ellipse">
+            <a:avLst/>
+          </a:prstGeom>
+        </p:spPr>
+        <p:style>
+          <a:lnRef idx="2">
+            <a:schemeClr val="accent1">
+              <a:shade val="50000"/>
+            </a:schemeClr>
+          </a:lnRef>
+          <a:fillRef idx="1">
+            <a:schemeClr val="accent1"/>
+          </a:fillRef>
+          <a:effectRef idx="0">
+            <a:schemeClr val="accent1"/>
+          </a:effectRef>
+          <a:fontRef idx="minor">
+            <a:schemeClr val="lt1"/>
+          </a:fontRef>
+        </p:style>
+        <p:txBody>
+          <a:bodyPr rtlCol="0" anchor="ctr"/>
+          <a:lstStyle/>
+          <a:p>
+            <a:pPr algn="ctr"/>
+            <a:r>
+              <a:rPr lang="ru-RU" sz="3200" dirty="0" smtClean="0"/>
+              <a:t>-</a:t>
+            </a:r>
+            <a:endParaRPr lang="ru-RU" sz="3200" dirty="0"/>
+          </a:p>
+        </p:txBody>
+      </p:sp>
+      <p:sp>
+        <p:nvSpPr>
+          <p:cNvPr id="64" name="Овал 63"/>
+          <p:cNvSpPr/>
+          <p:nvPr/>
+        </p:nvSpPr>
+        <p:spPr>
+          <a:xfrm>
+            <a:off x="2771800" y="2568893"/>
+            <a:ext cx="1074166" cy="784291"/>
+          </a:xfrm>
+          <a:prstGeom prst="ellipse">
+            <a:avLst/>
+          </a:prstGeom>
+        </p:spPr>
+        <p:style>
+          <a:lnRef idx="2">
+            <a:schemeClr val="accent1">
+              <a:shade val="50000"/>
+            </a:schemeClr>
+          </a:lnRef>
+          <a:fillRef idx="1">
+            <a:schemeClr val="accent1"/>
+          </a:fillRef>
+          <a:effectRef idx="0">
+            <a:schemeClr val="accent1"/>
+          </a:effectRef>
+          <a:fontRef idx="minor">
+            <a:schemeClr val="lt1"/>
+          </a:fontRef>
+        </p:style>
+        <p:txBody>
+          <a:bodyPr rtlCol="0" anchor="ctr"/>
+          <a:lstStyle/>
+          <a:p>
+            <a:pPr algn="ctr"/>
+            <a:r>
+              <a:rPr lang="en-US" sz="3200" dirty="0" smtClean="0"/>
+              <a:t>x2</a:t>
+            </a:r>
+            <a:endParaRPr lang="ru-RU" sz="3200" dirty="0"/>
+          </a:p>
+        </p:txBody>
+      </p:sp>
+      <p:sp>
+        <p:nvSpPr>
+          <p:cNvPr id="65" name="Овал 64"/>
+          <p:cNvSpPr/>
+          <p:nvPr/>
+        </p:nvSpPr>
+        <p:spPr>
+          <a:xfrm>
+            <a:off x="4599335" y="2572701"/>
+            <a:ext cx="1058892" cy="784291"/>
+          </a:xfrm>
+          <a:prstGeom prst="ellipse">
+            <a:avLst/>
+          </a:prstGeom>
+        </p:spPr>
+        <p:style>
+          <a:lnRef idx="2">
+            <a:schemeClr val="accent1">
+              <a:shade val="50000"/>
+            </a:schemeClr>
+          </a:lnRef>
+          <a:fillRef idx="1">
+            <a:schemeClr val="accent1"/>
+          </a:fillRef>
+          <a:effectRef idx="0">
+            <a:schemeClr val="accent1"/>
+          </a:effectRef>
+          <a:fontRef idx="minor">
+            <a:schemeClr val="lt1"/>
+          </a:fontRef>
+        </p:style>
+        <p:txBody>
+          <a:bodyPr rtlCol="0" anchor="ctr"/>
+          <a:lstStyle/>
+          <a:p>
+            <a:pPr algn="ctr"/>
+            <a:r>
+              <a:rPr lang="en-US" sz="3200" dirty="0" smtClean="0"/>
+              <a:t>x3</a:t>
+            </a:r>
+            <a:endParaRPr lang="ru-RU" sz="3200" dirty="0"/>
+          </a:p>
+        </p:txBody>
+      </p:sp>
+      <p:cxnSp>
+        <p:nvCxnSpPr>
+          <p:cNvPr id="68" name="Прямая соединительная линия 67"/>
+          <p:cNvCxnSpPr>
+            <a:stCxn id="64" idx="0"/>
+            <a:endCxn id="63" idx="3"/>
+          </p:cNvCxnSpPr>
+          <p:nvPr/>
+        </p:nvCxnSpPr>
+        <p:spPr>
+          <a:xfrm flipV="1">
+            <a:off x="3308883" y="2432043"/>
+            <a:ext cx="538453" cy="136850"/>
+          </a:xfrm>
+          <a:prstGeom prst="line">
+            <a:avLst/>
+          </a:prstGeom>
+        </p:spPr>
+        <p:style>
+          <a:lnRef idx="1">
+            <a:schemeClr val="accent1"/>
+          </a:lnRef>
+          <a:fillRef idx="0">
+            <a:schemeClr val="accent1"/>
+          </a:fillRef>
+          <a:effectRef idx="0">
+            <a:schemeClr val="accent1"/>
+          </a:effectRef>
+          <a:fontRef idx="minor">
+            <a:schemeClr val="tx1"/>
+          </a:fontRef>
+        </p:style>
+      </p:cxnSp>
+      <p:cxnSp>
+        <p:nvCxnSpPr>
+          <p:cNvPr id="69" name="Прямая соединительная линия 68"/>
+          <p:cNvCxnSpPr>
+            <a:stCxn id="63" idx="5"/>
+            <a:endCxn id="65" idx="0"/>
+          </p:cNvCxnSpPr>
+          <p:nvPr/>
+        </p:nvCxnSpPr>
+        <p:spPr>
+          <a:xfrm>
+            <a:off x="4475520" y="2432043"/>
+            <a:ext cx="653261" cy="140658"/>
+          </a:xfrm>
+          <a:prstGeom prst="line">
+            <a:avLst/>
+          </a:prstGeom>
+        </p:spPr>
+        <p:style>
+          <a:lnRef idx="1">
+            <a:schemeClr val="accent1"/>
+          </a:lnRef>
+          <a:fillRef idx="0">
+            <a:schemeClr val="accent1"/>
+          </a:fillRef>
+          <a:effectRef idx="0">
+            <a:schemeClr val="accent1"/>
+          </a:effectRef>
+          <a:fontRef idx="minor">
+            <a:schemeClr val="tx1"/>
+          </a:fontRef>
+        </p:style>
+      </p:cxnSp>
+      <p:sp>
+        <p:nvSpPr>
+          <p:cNvPr id="80" name="Овал 79"/>
+          <p:cNvSpPr/>
+          <p:nvPr/>
+        </p:nvSpPr>
+        <p:spPr>
+          <a:xfrm>
+            <a:off x="6245584" y="5078643"/>
+            <a:ext cx="1120797" cy="841553"/>
+          </a:xfrm>
+          <a:prstGeom prst="ellipse">
+            <a:avLst/>
+          </a:prstGeom>
+        </p:spPr>
+        <p:style>
+          <a:lnRef idx="2">
+            <a:schemeClr val="accent1">
+              <a:shade val="50000"/>
+            </a:schemeClr>
+          </a:lnRef>
+          <a:fillRef idx="1">
+            <a:schemeClr val="accent1"/>
+          </a:fillRef>
+          <a:effectRef idx="0">
+            <a:schemeClr val="accent1"/>
+          </a:effectRef>
+          <a:fontRef idx="minor">
+            <a:schemeClr val="lt1"/>
+          </a:fontRef>
+        </p:style>
+        <p:txBody>
+          <a:bodyPr rtlCol="0" anchor="ctr"/>
+          <a:lstStyle/>
+          <a:p>
+            <a:pPr algn="ctr"/>
+            <a:r>
+              <a:rPr lang="ru-RU" sz="3200" dirty="0" smtClean="0"/>
+              <a:t>3.4</a:t>
+            </a:r>
+            <a:endParaRPr lang="ru-RU" sz="3200" dirty="0"/>
+          </a:p>
+        </p:txBody>
+      </p:sp>
+      <p:cxnSp>
+        <p:nvCxnSpPr>
+          <p:cNvPr id="81" name="Прямая соединительная линия 80"/>
+          <p:cNvCxnSpPr>
+            <a:stCxn id="46" idx="5"/>
+            <a:endCxn id="80" idx="0"/>
+          </p:cNvCxnSpPr>
+          <p:nvPr/>
+        </p:nvCxnSpPr>
+        <p:spPr>
+          <a:xfrm>
+            <a:off x="6449481" y="4529878"/>
+            <a:ext cx="356502" cy="548765"/>
+          </a:xfrm>
+          <a:prstGeom prst="line">
+            <a:avLst/>
+          </a:prstGeom>
+        </p:spPr>
+        <p:style>
+          <a:lnRef idx="1">
+            <a:schemeClr val="accent1"/>
+          </a:lnRef>
+          <a:fillRef idx="0">
+            <a:schemeClr val="accent1"/>
+          </a:fillRef>
+          <a:effectRef idx="0">
+            <a:schemeClr val="accent1"/>
+          </a:effectRef>
+          <a:fontRef idx="minor">
+            <a:schemeClr val="tx1"/>
+          </a:fontRef>
+        </p:style>
+      </p:cxnSp>
+      <p:sp>
+        <p:nvSpPr>
+          <p:cNvPr id="107" name="TextBox 106"/>
+          <p:cNvSpPr txBox="1"/>
+          <p:nvPr/>
+        </p:nvSpPr>
+        <p:spPr>
+          <a:xfrm>
+            <a:off x="683569" y="6232692"/>
+            <a:ext cx="7567504" cy="523220"/>
+          </a:xfrm>
+          <a:prstGeom prst="rect">
+            <a:avLst/>
+          </a:prstGeom>
+          <a:noFill/>
+        </p:spPr>
+        <p:txBody>
+          <a:bodyPr wrap="square" rtlCol="0">
+            <a:spAutoFit/>
+          </a:bodyPr>
+          <a:lstStyle/>
+          <a:p>
+            <a:pPr algn="ctr"/>
+            <a:r>
+              <a:rPr lang="en-US" sz="2800" dirty="0" smtClean="0">
+                <a:latin typeface="Arial" panose="020B0604020202020204" pitchFamily="34" charset="0"/>
+                <a:cs typeface="Arial" panose="020B0604020202020204" pitchFamily="34" charset="0"/>
+              </a:rPr>
+              <a:t>x – </a:t>
+            </a:r>
+            <a:r>
+              <a:rPr lang="ru-RU" sz="2800" dirty="0" smtClean="0">
+                <a:latin typeface="Arial" panose="020B0604020202020204" pitchFamily="34" charset="0"/>
+                <a:cs typeface="Arial" panose="020B0604020202020204" pitchFamily="34" charset="0"/>
+              </a:rPr>
+              <a:t>признак из исходного набора признаков</a:t>
+            </a:r>
+            <a:endParaRPr lang="ru-RU" sz="2800" dirty="0">
+              <a:latin typeface="Arial" panose="020B0604020202020204" pitchFamily="34" charset="0"/>
+              <a:cs typeface="Arial" panose="020B0604020202020204" pitchFamily="34" charset="0"/>
+            </a:endParaRPr>
+          </a:p>
+        </p:txBody>
+      </p:sp>
+    </p:spTree>
+    <p:extLst>
+      <p:ext uri="{BB962C8B-B14F-4D97-AF65-F5344CB8AC3E}">
+        <p14:creationId xmlns:p14="http://schemas.microsoft.com/office/powerpoint/2010/main" val="2508133276"/>
+      </p:ext>
+    </p:extLst>
+  </p:cSld>
+  <p:clrMapOvr>
+    <a:masterClrMapping/>
+  </p:clrMapOvr>
+  <p:timing>
+    <p:tnLst>
+      <p:par>
+        <p:cTn id="1" dur="indefinite" restart="never" nodeType="tmRoot"/>
+      </p:par>
+    </p:tnLst>
+  </p:timing>
+</p:sld>
+</file>
+
+<file path=ppt/slides/slide14.xml><?xml version="1.0" encoding="utf-8"?>
+<p:sld xmlns:a="http://schemas.openxmlformats.org/drawingml/2006/main" xmlns:r="http://schemas.openxmlformats.org/officeDocument/2006/relationships" xmlns:p="http://schemas.openxmlformats.org/presentationml/2006/main">
+  <p:cSld>
+    <p:spTree>
+      <p:nvGrpSpPr>
+        <p:cNvPr id="1" name=""/>
+        <p:cNvGrpSpPr/>
+        <p:nvPr/>
+      </p:nvGrpSpPr>
+      <p:grpSpPr>
+        <a:xfrm>
+          <a:off x="0" y="0"/>
+          <a:ext cx="0" cy="0"/>
+          <a:chOff x="0" y="0"/>
+          <a:chExt cx="0" cy="0"/>
+        </a:xfrm>
+      </p:grpSpPr>
+      <p:sp>
+        <p:nvSpPr>
+          <p:cNvPr id="2" name="Заголовок 1"/>
+          <p:cNvSpPr>
+            <a:spLocks noGrp="1"/>
+          </p:cNvSpPr>
+          <p:nvPr>
+            <p:ph type="title"/>
+          </p:nvPr>
+        </p:nvSpPr>
+        <p:spPr>
+          <a:xfrm>
+            <a:off x="1318592" y="404664"/>
+            <a:ext cx="6781800" cy="1514400"/>
+          </a:xfrm>
+        </p:spPr>
+        <p:txBody>
+          <a:bodyPr>
+            <a:normAutofit/>
+          </a:bodyPr>
+          <a:lstStyle/>
+          <a:p>
+            <a:pPr algn="ctr"/>
+            <a:r>
+              <a:rPr lang="ru-RU" dirty="0" err="1" smtClean="0"/>
+              <a:t>Коэволюция</a:t>
+            </a:r>
+            <a:endParaRPr lang="ru-RU" dirty="0"/>
+          </a:p>
+        </p:txBody>
+      </p:sp>
+      <mc:AlternateContent xmlns:mc="http://schemas.openxmlformats.org/markup-compatibility/2006">
+        <mc:Choice xmlns:a14="http://schemas.microsoft.com/office/drawing/2010/main" Requires="a14">
+          <p:sp>
+            <p:nvSpPr>
+              <p:cNvPr id="3" name="Объект 2"/>
+              <p:cNvSpPr>
+                <a:spLocks noGrp="1"/>
+              </p:cNvSpPr>
+              <p:nvPr>
+                <p:ph idx="1"/>
+              </p:nvPr>
+            </p:nvSpPr>
+            <p:spPr>
+              <a:xfrm>
+                <a:off x="755576" y="1919064"/>
+                <a:ext cx="7992888" cy="4318248"/>
+              </a:xfrm>
+            </p:spPr>
+            <p:txBody>
+              <a:bodyPr>
+                <a:normAutofit/>
+              </a:bodyPr>
+              <a:lstStyle/>
+              <a:p>
+                <a:pPr algn="just"/>
+                <a14:m>
+                  <m:oMath xmlns:m="http://schemas.openxmlformats.org/officeDocument/2006/math">
+                    <m:sSub>
+                      <m:sSubPr>
+                        <m:ctrlPr>
+                          <a:rPr lang="en-US" sz="4800" i="1" smtClean="0">
+                            <a:latin typeface="Cambria Math" panose="02040503050406030204" pitchFamily="18" charset="0"/>
+                            <a:cs typeface="Arial" panose="020B0604020202020204" pitchFamily="34" charset="0"/>
+                          </a:rPr>
+                        </m:ctrlPr>
+                      </m:sSubPr>
+                      <m:e>
+                        <m:r>
+                          <a:rPr lang="en-US" sz="4800" b="0" i="1" smtClean="0">
+                            <a:latin typeface="Cambria Math" panose="02040503050406030204" pitchFamily="18" charset="0"/>
+                            <a:cs typeface="Arial" panose="020B0604020202020204" pitchFamily="34" charset="0"/>
+                          </a:rPr>
+                          <m:t>𝐴</m:t>
+                        </m:r>
+                      </m:e>
+                      <m:sub>
+                        <m:r>
+                          <a:rPr lang="en-US" sz="4800" b="0" i="1" smtClean="0">
+                            <a:latin typeface="Cambria Math" panose="02040503050406030204" pitchFamily="18" charset="0"/>
+                            <a:cs typeface="Arial" panose="020B0604020202020204" pitchFamily="34" charset="0"/>
+                          </a:rPr>
+                          <m:t>𝑖𝑗</m:t>
+                        </m:r>
+                      </m:sub>
+                    </m:sSub>
+                  </m:oMath>
+                </a14:m>
+                <a:r>
+                  <a:rPr lang="ru-RU" sz="4800" dirty="0">
+                    <a:latin typeface="Arial" panose="020B0604020202020204" pitchFamily="34" charset="0"/>
+                    <a:cs typeface="Arial" panose="020B0604020202020204" pitchFamily="34" charset="0"/>
+                  </a:rPr>
+                  <a:t> – </a:t>
+                </a:r>
+                <a:r>
+                  <a:rPr lang="ru-RU" sz="4800" dirty="0" smtClean="0">
+                    <a:latin typeface="Arial" panose="020B0604020202020204" pitchFamily="34" charset="0"/>
+                    <a:cs typeface="Arial" panose="020B0604020202020204" pitchFamily="34" charset="0"/>
+                  </a:rPr>
+                  <a:t>лес;</a:t>
+                </a:r>
+              </a:p>
+              <a:p>
+                <a:pPr algn="just"/>
+                <a14:m>
+                  <m:oMath xmlns:m="http://schemas.openxmlformats.org/officeDocument/2006/math">
+                    <m:sSub>
+                      <m:sSubPr>
+                        <m:ctrlPr>
+                          <a:rPr lang="ru-RU" sz="4800" i="1" smtClean="0">
+                            <a:latin typeface="Cambria Math" panose="02040503050406030204" pitchFamily="18" charset="0"/>
+                            <a:cs typeface="Arial" panose="020B0604020202020204" pitchFamily="34" charset="0"/>
+                          </a:rPr>
+                        </m:ctrlPr>
+                      </m:sSubPr>
+                      <m:e>
+                        <m:r>
+                          <a:rPr lang="en-US" sz="4800" b="0" i="1" smtClean="0">
+                            <a:latin typeface="Cambria Math" panose="02040503050406030204" pitchFamily="18" charset="0"/>
+                            <a:cs typeface="Arial" panose="020B0604020202020204" pitchFamily="34" charset="0"/>
+                          </a:rPr>
+                          <m:t>𝑘</m:t>
+                        </m:r>
+                      </m:e>
+                      <m:sub>
+                        <m:r>
+                          <a:rPr lang="en-US" sz="4800" b="0" i="1" smtClean="0">
+                            <a:latin typeface="Cambria Math" panose="02040503050406030204" pitchFamily="18" charset="0"/>
+                            <a:cs typeface="Arial" panose="020B0604020202020204" pitchFamily="34" charset="0"/>
+                          </a:rPr>
+                          <m:t>𝑖</m:t>
+                        </m:r>
+                      </m:sub>
+                    </m:sSub>
+                  </m:oMath>
+                </a14:m>
+                <a:r>
+                  <a:rPr lang="en-US" sz="4800" dirty="0" smtClean="0">
+                    <a:latin typeface="Arial" panose="020B0604020202020204" pitchFamily="34" charset="0"/>
+                    <a:cs typeface="Arial" panose="020B0604020202020204" pitchFamily="34" charset="0"/>
+                  </a:rPr>
+                  <a:t> </a:t>
+                </a:r>
+                <a:r>
+                  <a:rPr lang="ru-RU" sz="4800" dirty="0">
+                    <a:latin typeface="Arial" panose="020B0604020202020204" pitchFamily="34" charset="0"/>
+                    <a:cs typeface="Arial" panose="020B0604020202020204" pitchFamily="34" charset="0"/>
+                  </a:rPr>
+                  <a:t>–</a:t>
+                </a:r>
+                <a:r>
+                  <a:rPr lang="en-US" sz="4800" dirty="0" smtClean="0">
+                    <a:latin typeface="Arial" panose="020B0604020202020204" pitchFamily="34" charset="0"/>
+                    <a:cs typeface="Arial" panose="020B0604020202020204" pitchFamily="34" charset="0"/>
+                  </a:rPr>
+                  <a:t> </a:t>
+                </a:r>
+                <a:r>
+                  <a:rPr lang="ru-RU" sz="4800" dirty="0" smtClean="0">
+                    <a:latin typeface="Arial" panose="020B0604020202020204" pitchFamily="34" charset="0"/>
+                    <a:cs typeface="Arial" panose="020B0604020202020204" pitchFamily="34" charset="0"/>
+                  </a:rPr>
+                  <a:t>классификатор;</a:t>
+                </a:r>
+                <a:endParaRPr lang="en-US" sz="4800" dirty="0" smtClean="0">
+                  <a:latin typeface="Arial" panose="020B0604020202020204" pitchFamily="34" charset="0"/>
+                  <a:cs typeface="Arial" panose="020B0604020202020204" pitchFamily="34" charset="0"/>
+                </a:endParaRPr>
+              </a:p>
+              <a:p>
+                <a:pPr marL="0" indent="0" algn="just">
+                  <a:buNone/>
+                </a:pPr>
+                <a14:m>
+                  <m:oMathPara xmlns:m="http://schemas.openxmlformats.org/officeDocument/2006/math">
+                    <m:oMathParaPr>
+                      <m:jc m:val="centerGroup"/>
+                    </m:oMathParaPr>
+                    <m:oMath xmlns:m="http://schemas.openxmlformats.org/officeDocument/2006/math">
+                      <m:m>
+                        <m:mPr>
+                          <m:mcs>
+                            <m:mc>
+                              <m:mcPr>
+                                <m:count m:val="1"/>
+                                <m:mcJc m:val="center"/>
+                              </m:mcPr>
+                            </m:mc>
+                          </m:mcs>
+                          <m:ctrlPr>
+                            <a:rPr lang="ru-RU" sz="4800" i="1">
+                              <a:latin typeface="Cambria Math" panose="02040503050406030204" pitchFamily="18" charset="0"/>
+                              <a:cs typeface="Arial" panose="020B0604020202020204" pitchFamily="34" charset="0"/>
+                            </a:rPr>
+                          </m:ctrlPr>
+                        </m:mPr>
+                        <m:mr>
+                          <m:e>
+                            <m:r>
+                              <m:rPr>
+                                <m:brk m:alnAt="7"/>
+                              </m:rPr>
+                              <a:rPr lang="ru-RU" sz="4800" i="1">
+                                <a:latin typeface="Cambria Math" panose="02040503050406030204" pitchFamily="18" charset="0"/>
+                                <a:cs typeface="Arial" panose="020B0604020202020204" pitchFamily="34" charset="0"/>
+                              </a:rPr>
+                              <m:t>(</m:t>
+                            </m:r>
+                            <m:sSub>
+                              <m:sSubPr>
+                                <m:ctrlPr>
+                                  <a:rPr lang="ru-RU" sz="4800" i="1">
+                                    <a:latin typeface="Cambria Math" panose="02040503050406030204" pitchFamily="18" charset="0"/>
+                                    <a:cs typeface="Arial" panose="020B0604020202020204" pitchFamily="34" charset="0"/>
+                                  </a:rPr>
+                                </m:ctrlPr>
+                              </m:sSubPr>
+                              <m:e>
+                                <m:r>
+                                  <a:rPr lang="en-US" sz="4800" i="1">
+                                    <a:latin typeface="Cambria Math" panose="02040503050406030204" pitchFamily="18" charset="0"/>
+                                    <a:cs typeface="Arial" panose="020B0604020202020204" pitchFamily="34" charset="0"/>
+                                  </a:rPr>
+                                  <m:t>𝐴</m:t>
+                                </m:r>
+                              </m:e>
+                              <m:sub>
+                                <m:r>
+                                  <a:rPr lang="en-US" sz="4800" i="1">
+                                    <a:latin typeface="Cambria Math" panose="02040503050406030204" pitchFamily="18" charset="0"/>
+                                    <a:cs typeface="Arial" panose="020B0604020202020204" pitchFamily="34" charset="0"/>
+                                  </a:rPr>
+                                  <m:t>11</m:t>
+                                </m:r>
+                              </m:sub>
+                            </m:sSub>
+                            <m:r>
+                              <m:rPr>
+                                <m:brk m:alnAt="7"/>
+                              </m:rPr>
+                              <a:rPr lang="en-US" sz="4800" i="1">
+                                <a:latin typeface="Cambria Math" panose="02040503050406030204" pitchFamily="18" charset="0"/>
+                                <a:cs typeface="Arial" panose="020B0604020202020204" pitchFamily="34" charset="0"/>
+                              </a:rPr>
+                              <m:t>,</m:t>
+                            </m:r>
+                            <m:sSub>
+                              <m:sSubPr>
+                                <m:ctrlPr>
+                                  <a:rPr lang="en-US" sz="4800" i="1">
+                                    <a:latin typeface="Cambria Math" panose="02040503050406030204" pitchFamily="18" charset="0"/>
+                                    <a:cs typeface="Arial" panose="020B0604020202020204" pitchFamily="34" charset="0"/>
+                                  </a:rPr>
+                                </m:ctrlPr>
+                              </m:sSubPr>
+                              <m:e>
+                                <m:r>
+                                  <a:rPr lang="en-US" sz="4800" i="1">
+                                    <a:latin typeface="Cambria Math" panose="02040503050406030204" pitchFamily="18" charset="0"/>
+                                    <a:cs typeface="Arial" panose="020B0604020202020204" pitchFamily="34" charset="0"/>
+                                  </a:rPr>
+                                  <m:t>𝐴</m:t>
+                                </m:r>
+                              </m:e>
+                              <m:sub>
+                                <m:r>
+                                  <a:rPr lang="en-US" sz="4800" i="1">
+                                    <a:latin typeface="Cambria Math" panose="02040503050406030204" pitchFamily="18" charset="0"/>
+                                    <a:cs typeface="Arial" panose="020B0604020202020204" pitchFamily="34" charset="0"/>
+                                  </a:rPr>
+                                  <m:t>12</m:t>
+                                </m:r>
+                              </m:sub>
+                            </m:sSub>
+                            <m:r>
+                              <m:rPr>
+                                <m:brk m:alnAt="7"/>
+                              </m:rPr>
+                              <a:rPr lang="en-US" sz="4800" i="1">
+                                <a:latin typeface="Cambria Math" panose="02040503050406030204" pitchFamily="18" charset="0"/>
+                                <a:cs typeface="Arial" panose="020B0604020202020204" pitchFamily="34" charset="0"/>
+                              </a:rPr>
+                              <m:t>,</m:t>
+                            </m:r>
+                            <m:r>
+                              <a:rPr lang="en-US" sz="4800" i="1">
+                                <a:latin typeface="Cambria Math" panose="02040503050406030204" pitchFamily="18" charset="0"/>
+                                <a:cs typeface="Arial" panose="020B0604020202020204" pitchFamily="34" charset="0"/>
+                              </a:rPr>
+                              <m:t> …,</m:t>
+                            </m:r>
+                            <m:sSub>
+                              <m:sSubPr>
+                                <m:ctrlPr>
+                                  <a:rPr lang="en-US" sz="4800" i="1">
+                                    <a:latin typeface="Cambria Math" panose="02040503050406030204" pitchFamily="18" charset="0"/>
+                                    <a:cs typeface="Arial" panose="020B0604020202020204" pitchFamily="34" charset="0"/>
+                                  </a:rPr>
+                                </m:ctrlPr>
+                              </m:sSubPr>
+                              <m:e>
+                                <m:r>
+                                  <a:rPr lang="en-US" sz="4800" i="1">
+                                    <a:latin typeface="Cambria Math" panose="02040503050406030204" pitchFamily="18" charset="0"/>
+                                    <a:cs typeface="Arial" panose="020B0604020202020204" pitchFamily="34" charset="0"/>
+                                  </a:rPr>
+                                  <m:t>𝐴</m:t>
+                                </m:r>
+                              </m:e>
+                              <m:sub>
+                                <m:r>
+                                  <a:rPr lang="en-US" sz="4800" i="1">
+                                    <a:latin typeface="Cambria Math" panose="02040503050406030204" pitchFamily="18" charset="0"/>
+                                    <a:cs typeface="Arial" panose="020B0604020202020204" pitchFamily="34" charset="0"/>
+                                  </a:rPr>
+                                  <m:t>1</m:t>
+                                </m:r>
+                                <m:r>
+                                  <a:rPr lang="en-US" sz="4800" i="1">
+                                    <a:latin typeface="Cambria Math" panose="02040503050406030204" pitchFamily="18" charset="0"/>
+                                    <a:cs typeface="Arial" panose="020B0604020202020204" pitchFamily="34" charset="0"/>
+                                  </a:rPr>
+                                  <m:t>𝑛</m:t>
+                                </m:r>
+                              </m:sub>
+                            </m:sSub>
+                            <m:r>
+                              <m:rPr>
+                                <m:brk m:alnAt="7"/>
+                              </m:rPr>
+                              <a:rPr lang="en-US" sz="4800" i="1">
+                                <a:latin typeface="Cambria Math" panose="02040503050406030204" pitchFamily="18" charset="0"/>
+                                <a:cs typeface="Arial" panose="020B0604020202020204" pitchFamily="34" charset="0"/>
+                              </a:rPr>
+                              <m:t>|</m:t>
+                            </m:r>
+                            <m:sSub>
+                              <m:sSubPr>
+                                <m:ctrlPr>
+                                  <a:rPr lang="en-US" sz="4800" i="1">
+                                    <a:latin typeface="Cambria Math" panose="02040503050406030204" pitchFamily="18" charset="0"/>
+                                    <a:cs typeface="Arial" panose="020B0604020202020204" pitchFamily="34" charset="0"/>
+                                  </a:rPr>
+                                </m:ctrlPr>
+                              </m:sSubPr>
+                              <m:e>
+                                <m:r>
+                                  <a:rPr lang="en-US" sz="4800" i="1">
+                                    <a:latin typeface="Cambria Math" panose="02040503050406030204" pitchFamily="18" charset="0"/>
+                                    <a:cs typeface="Arial" panose="020B0604020202020204" pitchFamily="34" charset="0"/>
+                                  </a:rPr>
+                                  <m:t>𝑘</m:t>
+                                </m:r>
+                              </m:e>
+                              <m:sub>
+                                <m:r>
+                                  <a:rPr lang="en-US" sz="4800" i="1">
+                                    <a:latin typeface="Cambria Math" panose="02040503050406030204" pitchFamily="18" charset="0"/>
+                                    <a:cs typeface="Arial" panose="020B0604020202020204" pitchFamily="34" charset="0"/>
+                                  </a:rPr>
+                                  <m:t>1</m:t>
+                                </m:r>
+                              </m:sub>
+                            </m:sSub>
+                            <m:r>
+                              <m:rPr>
+                                <m:brk m:alnAt="7"/>
+                              </m:rPr>
+                              <a:rPr lang="ru-RU" sz="4800" i="1">
+                                <a:latin typeface="Cambria Math" panose="02040503050406030204" pitchFamily="18" charset="0"/>
+                                <a:cs typeface="Arial" panose="020B0604020202020204" pitchFamily="34" charset="0"/>
+                              </a:rPr>
+                              <m:t>)</m:t>
+                            </m:r>
+                          </m:e>
+                        </m:mr>
+                        <m:mr>
+                          <m:e>
+                            <m:r>
+                              <a:rPr lang="en-US" sz="4800" i="1">
+                                <a:latin typeface="Cambria Math" panose="02040503050406030204" pitchFamily="18" charset="0"/>
+                                <a:cs typeface="Arial" panose="020B0604020202020204" pitchFamily="34" charset="0"/>
+                              </a:rPr>
+                              <m:t>…</m:t>
+                            </m:r>
+                          </m:e>
+                        </m:mr>
+                        <m:mr>
+                          <m:e>
+                            <m:r>
+                              <a:rPr lang="en-US" sz="4800" i="1">
+                                <a:latin typeface="Cambria Math" panose="02040503050406030204" pitchFamily="18" charset="0"/>
+                                <a:cs typeface="Arial" panose="020B0604020202020204" pitchFamily="34" charset="0"/>
+                              </a:rPr>
+                              <m:t>(</m:t>
+                            </m:r>
+                            <m:sSub>
+                              <m:sSubPr>
+                                <m:ctrlPr>
+                                  <a:rPr lang="ru-RU" sz="4800" i="1">
+                                    <a:latin typeface="Cambria Math" panose="02040503050406030204" pitchFamily="18" charset="0"/>
+                                    <a:cs typeface="Arial" panose="020B0604020202020204" pitchFamily="34" charset="0"/>
+                                  </a:rPr>
+                                </m:ctrlPr>
+                              </m:sSubPr>
+                              <m:e>
+                                <m:r>
+                                  <a:rPr lang="en-US" sz="4800" i="1">
+                                    <a:latin typeface="Cambria Math" panose="02040503050406030204" pitchFamily="18" charset="0"/>
+                                    <a:cs typeface="Arial" panose="020B0604020202020204" pitchFamily="34" charset="0"/>
+                                  </a:rPr>
+                                  <m:t>𝐴</m:t>
+                                </m:r>
+                              </m:e>
+                              <m:sub>
+                                <m:r>
+                                  <a:rPr lang="en-US" sz="4800" i="1">
+                                    <a:latin typeface="Cambria Math" panose="02040503050406030204" pitchFamily="18" charset="0"/>
+                                    <a:cs typeface="Arial" panose="020B0604020202020204" pitchFamily="34" charset="0"/>
+                                  </a:rPr>
+                                  <m:t>𝑚</m:t>
+                                </m:r>
+                                <m:r>
+                                  <a:rPr lang="en-US" sz="4800" i="1">
+                                    <a:latin typeface="Cambria Math" panose="02040503050406030204" pitchFamily="18" charset="0"/>
+                                    <a:cs typeface="Arial" panose="020B0604020202020204" pitchFamily="34" charset="0"/>
+                                  </a:rPr>
+                                  <m:t>1</m:t>
+                                </m:r>
+                              </m:sub>
+                            </m:sSub>
+                            <m:r>
+                              <m:rPr>
+                                <m:brk m:alnAt="7"/>
+                              </m:rPr>
+                              <a:rPr lang="en-US" sz="4800" i="1">
+                                <a:latin typeface="Cambria Math" panose="02040503050406030204" pitchFamily="18" charset="0"/>
+                                <a:cs typeface="Arial" panose="020B0604020202020204" pitchFamily="34" charset="0"/>
+                              </a:rPr>
+                              <m:t>,</m:t>
+                            </m:r>
+                            <m:sSub>
+                              <m:sSubPr>
+                                <m:ctrlPr>
+                                  <a:rPr lang="en-US" sz="4800" i="1">
+                                    <a:latin typeface="Cambria Math" panose="02040503050406030204" pitchFamily="18" charset="0"/>
+                                    <a:cs typeface="Arial" panose="020B0604020202020204" pitchFamily="34" charset="0"/>
+                                  </a:rPr>
+                                </m:ctrlPr>
+                              </m:sSubPr>
+                              <m:e>
+                                <m:r>
+                                  <a:rPr lang="en-US" sz="4800" i="1">
+                                    <a:latin typeface="Cambria Math" panose="02040503050406030204" pitchFamily="18" charset="0"/>
+                                    <a:cs typeface="Arial" panose="020B0604020202020204" pitchFamily="34" charset="0"/>
+                                  </a:rPr>
+                                  <m:t>𝐴</m:t>
+                                </m:r>
+                              </m:e>
+                              <m:sub>
+                                <m:r>
+                                  <a:rPr lang="en-US" sz="4800" i="1">
+                                    <a:latin typeface="Cambria Math" panose="02040503050406030204" pitchFamily="18" charset="0"/>
+                                    <a:cs typeface="Arial" panose="020B0604020202020204" pitchFamily="34" charset="0"/>
+                                  </a:rPr>
+                                  <m:t>𝑚</m:t>
+                                </m:r>
+                                <m:r>
+                                  <a:rPr lang="en-US" sz="4800" i="1">
+                                    <a:latin typeface="Cambria Math" panose="02040503050406030204" pitchFamily="18" charset="0"/>
+                                    <a:cs typeface="Arial" panose="020B0604020202020204" pitchFamily="34" charset="0"/>
+                                  </a:rPr>
+                                  <m:t>2</m:t>
+                                </m:r>
+                              </m:sub>
+                            </m:sSub>
+                            <m:r>
+                              <m:rPr>
+                                <m:brk m:alnAt="7"/>
+                              </m:rPr>
+                              <a:rPr lang="en-US" sz="4800" i="1">
+                                <a:latin typeface="Cambria Math" panose="02040503050406030204" pitchFamily="18" charset="0"/>
+                                <a:cs typeface="Arial" panose="020B0604020202020204" pitchFamily="34" charset="0"/>
+                              </a:rPr>
+                              <m:t>,</m:t>
+                            </m:r>
+                            <m:r>
+                              <a:rPr lang="en-US" sz="4800" i="1">
+                                <a:latin typeface="Cambria Math" panose="02040503050406030204" pitchFamily="18" charset="0"/>
+                                <a:cs typeface="Arial" panose="020B0604020202020204" pitchFamily="34" charset="0"/>
+                              </a:rPr>
+                              <m:t> …,</m:t>
+                            </m:r>
+                            <m:sSub>
+                              <m:sSubPr>
+                                <m:ctrlPr>
+                                  <a:rPr lang="en-US" sz="4800" i="1">
+                                    <a:latin typeface="Cambria Math" panose="02040503050406030204" pitchFamily="18" charset="0"/>
+                                    <a:cs typeface="Arial" panose="020B0604020202020204" pitchFamily="34" charset="0"/>
+                                  </a:rPr>
+                                </m:ctrlPr>
+                              </m:sSubPr>
+                              <m:e>
+                                <m:r>
+                                  <a:rPr lang="en-US" sz="4800" i="1">
+                                    <a:latin typeface="Cambria Math" panose="02040503050406030204" pitchFamily="18" charset="0"/>
+                                    <a:cs typeface="Arial" panose="020B0604020202020204" pitchFamily="34" charset="0"/>
+                                  </a:rPr>
+                                  <m:t>𝐴</m:t>
+                                </m:r>
+                              </m:e>
+                              <m:sub>
+                                <m:r>
+                                  <a:rPr lang="en-US" sz="4800" i="1">
+                                    <a:latin typeface="Cambria Math" panose="02040503050406030204" pitchFamily="18" charset="0"/>
+                                    <a:cs typeface="Arial" panose="020B0604020202020204" pitchFamily="34" charset="0"/>
+                                  </a:rPr>
+                                  <m:t>𝑚</m:t>
+                                </m:r>
+                                <m:r>
+                                  <a:rPr lang="en-US" sz="4800" i="1">
+                                    <a:latin typeface="Cambria Math" panose="02040503050406030204" pitchFamily="18" charset="0"/>
+                                    <a:cs typeface="Arial" panose="020B0604020202020204" pitchFamily="34" charset="0"/>
+                                  </a:rPr>
+                                  <m:t>𝑛</m:t>
+                                </m:r>
+                              </m:sub>
+                            </m:sSub>
+                            <m:r>
+                              <m:rPr>
+                                <m:brk m:alnAt="7"/>
+                              </m:rPr>
+                              <a:rPr lang="en-US" sz="4800" i="1">
+                                <a:latin typeface="Cambria Math" panose="02040503050406030204" pitchFamily="18" charset="0"/>
+                                <a:cs typeface="Arial" panose="020B0604020202020204" pitchFamily="34" charset="0"/>
+                              </a:rPr>
+                              <m:t>|</m:t>
+                            </m:r>
+                            <m:sSub>
+                              <m:sSubPr>
+                                <m:ctrlPr>
+                                  <a:rPr lang="en-US" sz="4800" i="1">
+                                    <a:latin typeface="Cambria Math" panose="02040503050406030204" pitchFamily="18" charset="0"/>
+                                    <a:cs typeface="Arial" panose="020B0604020202020204" pitchFamily="34" charset="0"/>
+                                  </a:rPr>
+                                </m:ctrlPr>
+                              </m:sSubPr>
+                              <m:e>
+                                <m:r>
+                                  <a:rPr lang="en-US" sz="4800" i="1">
+                                    <a:latin typeface="Cambria Math" panose="02040503050406030204" pitchFamily="18" charset="0"/>
+                                    <a:cs typeface="Arial" panose="020B0604020202020204" pitchFamily="34" charset="0"/>
+                                  </a:rPr>
+                                  <m:t>𝑘</m:t>
+                                </m:r>
+                              </m:e>
+                              <m:sub>
+                                <m:r>
+                                  <a:rPr lang="en-US" sz="4800" i="1">
+                                    <a:latin typeface="Cambria Math" panose="02040503050406030204" pitchFamily="18" charset="0"/>
+                                    <a:cs typeface="Arial" panose="020B0604020202020204" pitchFamily="34" charset="0"/>
+                                  </a:rPr>
+                                  <m:t>𝑚</m:t>
+                                </m:r>
+                              </m:sub>
+                            </m:sSub>
+                            <m:r>
+                              <a:rPr lang="en-US" sz="4800" i="1">
+                                <a:latin typeface="Cambria Math" panose="02040503050406030204" pitchFamily="18" charset="0"/>
+                                <a:cs typeface="Arial" panose="020B0604020202020204" pitchFamily="34" charset="0"/>
+                              </a:rPr>
+                              <m:t>)</m:t>
+                            </m:r>
+                          </m:e>
+                        </m:mr>
+                      </m:m>
+                    </m:oMath>
+                  </m:oMathPara>
+                </a14:m>
+                <a:endParaRPr lang="ru-RU" sz="4800" dirty="0">
+                  <a:latin typeface="Arial" panose="020B0604020202020204" pitchFamily="34" charset="0"/>
+                  <a:cs typeface="Arial" panose="020B0604020202020204" pitchFamily="34" charset="0"/>
+                </a:endParaRPr>
+              </a:p>
+            </p:txBody>
+          </p:sp>
+        </mc:Choice>
+        <mc:Fallback>
+          <p:sp>
+            <p:nvSpPr>
+              <p:cNvPr id="3" name="Объект 2"/>
+              <p:cNvSpPr>
+                <a:spLocks noGrp="1" noRot="1" noChangeAspect="1" noMove="1" noResize="1" noEditPoints="1" noAdjustHandles="1" noChangeArrowheads="1" noChangeShapeType="1" noTextEdit="1"/>
+              </p:cNvSpPr>
+              <p:nvPr>
+                <p:ph idx="1"/>
+              </p:nvPr>
+            </p:nvSpPr>
+            <p:spPr>
+              <a:xfrm>
+                <a:off x="755576" y="1919064"/>
+                <a:ext cx="7992888" cy="4318248"/>
+              </a:xfrm>
+              <a:blipFill rotWithShape="0">
+                <a:blip r:embed="rId3"/>
+                <a:stretch>
+                  <a:fillRect/>
+                </a:stretch>
+              </a:blipFill>
+            </p:spPr>
+            <p:txBody>
+              <a:bodyPr/>
+              <a:lstStyle/>
+              <a:p>
+                <a:r>
+                  <a:rPr lang="ru-RU">
+                    <a:noFill/>
+                  </a:rPr>
+                  <a:t> </a:t>
+                </a:r>
+              </a:p>
+            </p:txBody>
+          </p:sp>
+        </mc:Fallback>
+      </mc:AlternateContent>
+    </p:spTree>
+    <p:extLst>
+      <p:ext uri="{BB962C8B-B14F-4D97-AF65-F5344CB8AC3E}">
+        <p14:creationId xmlns:p14="http://schemas.microsoft.com/office/powerpoint/2010/main" val="1567805041"/>
+      </p:ext>
+    </p:extLst>
+  </p:cSld>
+  <p:clrMapOvr>
+    <a:masterClrMapping/>
+  </p:clrMapOvr>
+  <p:timing>
+    <p:tnLst>
+      <p:par>
+        <p:cTn id="1" dur="indefinite" restart="never" nodeType="tmRoot"/>
+      </p:par>
+    </p:tnLst>
+  </p:timing>
+</p:sld>
+</file>
+
+<file path=ppt/slides/slide15.xml><?xml version="1.0" encoding="utf-8"?>
+<p:sld xmlns:a="http://schemas.openxmlformats.org/drawingml/2006/main" xmlns:r="http://schemas.openxmlformats.org/officeDocument/2006/relationships" xmlns:p="http://schemas.openxmlformats.org/presentationml/2006/main">
+  <p:cSld>
+    <p:spTree>
+      <p:nvGrpSpPr>
+        <p:cNvPr id="1" name=""/>
+        <p:cNvGrpSpPr/>
+        <p:nvPr/>
+      </p:nvGrpSpPr>
+      <p:grpSpPr>
+        <a:xfrm>
+          <a:off x="0" y="0"/>
+          <a:ext cx="0" cy="0"/>
+          <a:chOff x="0" y="0"/>
+          <a:chExt cx="0" cy="0"/>
+        </a:xfrm>
+      </p:grpSpPr>
+      <p:sp>
+        <p:nvSpPr>
+          <p:cNvPr id="2" name="Заголовок 1"/>
+          <p:cNvSpPr>
+            <a:spLocks noGrp="1"/>
+          </p:cNvSpPr>
+          <p:nvPr>
+            <p:ph type="title"/>
+          </p:nvPr>
+        </p:nvSpPr>
+        <p:spPr>
+          <a:xfrm>
+            <a:off x="1335206" y="109182"/>
+            <a:ext cx="6781800" cy="1600200"/>
+          </a:xfrm>
+        </p:spPr>
+        <p:txBody>
+          <a:bodyPr>
+            <a:normAutofit/>
+          </a:bodyPr>
+          <a:lstStyle/>
+          <a:p>
+            <a:pPr algn="ctr"/>
+            <a:r>
+              <a:rPr lang="ru-RU" dirty="0" smtClean="0"/>
+              <a:t>Репродукция</a:t>
+            </a:r>
+            <a:endParaRPr lang="ru-RU" dirty="0"/>
+          </a:p>
+        </p:txBody>
+      </p:sp>
+      <p:sp>
+        <p:nvSpPr>
+          <p:cNvPr id="3" name="Объект 2"/>
+          <p:cNvSpPr>
+            <a:spLocks noGrp="1"/>
+          </p:cNvSpPr>
+          <p:nvPr>
+            <p:ph idx="1"/>
+          </p:nvPr>
+        </p:nvSpPr>
+        <p:spPr>
+          <a:xfrm>
+            <a:off x="827584" y="1700808"/>
+            <a:ext cx="7543800" cy="4320480"/>
+          </a:xfrm>
+        </p:spPr>
+        <p:txBody>
+          <a:bodyPr>
+            <a:normAutofit/>
+          </a:bodyPr>
+          <a:lstStyle/>
+          <a:p>
+            <a:r>
+              <a:rPr lang="ru-RU" sz="3200" dirty="0" smtClean="0">
+                <a:latin typeface="Arial" panose="020B0604020202020204" pitchFamily="34" charset="0"/>
+                <a:cs typeface="Arial" panose="020B0604020202020204" pitchFamily="34" charset="0"/>
+              </a:rPr>
+              <a:t>Приспособленность – </a:t>
+            </a:r>
+            <a:r>
+              <a:rPr lang="ru-RU" sz="3200" dirty="0" smtClean="0">
+                <a:latin typeface="Arial" panose="020B0604020202020204" pitchFamily="34" charset="0"/>
+                <a:cs typeface="Arial" panose="020B0604020202020204" pitchFamily="34" charset="0"/>
+              </a:rPr>
+              <a:t>ошибка классификации.</a:t>
+            </a:r>
+          </a:p>
+          <a:p>
+            <a:r>
+              <a:rPr lang="ru-RU" sz="3200" dirty="0" smtClean="0">
+                <a:latin typeface="Arial" panose="020B0604020202020204" pitchFamily="34" charset="0"/>
+                <a:cs typeface="Arial" panose="020B0604020202020204" pitchFamily="34" charset="0"/>
+              </a:rPr>
+              <a:t>Классификатор предсказывает значение класса для всех объектов обучающей выборки.</a:t>
+            </a:r>
+          </a:p>
+          <a:p>
+            <a:r>
+              <a:rPr lang="ru-RU" sz="3200" dirty="0" smtClean="0">
+                <a:latin typeface="Arial" panose="020B0604020202020204" pitchFamily="34" charset="0"/>
+                <a:cs typeface="Arial" panose="020B0604020202020204" pitchFamily="34" charset="0"/>
+              </a:rPr>
+              <a:t>Вычисляем отношение неправильно классифицированных объектов.</a:t>
+            </a:r>
+            <a:endParaRPr lang="ru-RU" sz="3200" dirty="0" smtClean="0">
+              <a:latin typeface="Arial" panose="020B0604020202020204" pitchFamily="34" charset="0"/>
+              <a:cs typeface="Arial" panose="020B0604020202020204" pitchFamily="34" charset="0"/>
+            </a:endParaRPr>
+          </a:p>
+        </p:txBody>
+      </p:sp>
+    </p:spTree>
+    <p:extLst>
+      <p:ext uri="{BB962C8B-B14F-4D97-AF65-F5344CB8AC3E}">
+        <p14:creationId xmlns:p14="http://schemas.microsoft.com/office/powerpoint/2010/main" val="3436671575"/>
+      </p:ext>
+    </p:extLst>
+  </p:cSld>
+  <p:clrMapOvr>
+    <a:masterClrMapping/>
+  </p:clrMapOvr>
+  <p:timing>
+    <p:tnLst>
+      <p:par>
+        <p:cTn id="1" dur="indefinite" restart="never" nodeType="tmRoot"/>
+      </p:par>
+    </p:tnLst>
+  </p:timing>
+</p:sld>
+</file>
+
+<file path=ppt/slides/slide16.xml><?xml version="1.0" encoding="utf-8"?>
+<p:sld xmlns:a="http://schemas.openxmlformats.org/drawingml/2006/main" xmlns:r="http://schemas.openxmlformats.org/officeDocument/2006/relationships" xmlns:p="http://schemas.openxmlformats.org/presentationml/2006/main">
+  <p:cSld>
+    <p:spTree>
+      <p:nvGrpSpPr>
+        <p:cNvPr id="1" name=""/>
+        <p:cNvGrpSpPr/>
+        <p:nvPr/>
+      </p:nvGrpSpPr>
+      <p:grpSpPr>
+        <a:xfrm>
+          <a:off x="0" y="0"/>
+          <a:ext cx="0" cy="0"/>
+          <a:chOff x="0" y="0"/>
+          <a:chExt cx="0" cy="0"/>
+        </a:xfrm>
+      </p:grpSpPr>
+      <p:sp>
+        <p:nvSpPr>
           <p:cNvPr id="13" name="Блок-схема: знак завершения 12"/>
           <p:cNvSpPr/>
           <p:nvPr/>
@@ -5240,600 +9103,7 @@
 </p:sld>
 </file>
 
-<file path=ppt/slides/slide11.xml><?xml version="1.0" encoding="utf-8"?>
-<p:sld xmlns:a="http://schemas.openxmlformats.org/drawingml/2006/main" xmlns:r="http://schemas.openxmlformats.org/officeDocument/2006/relationships" xmlns:p="http://schemas.openxmlformats.org/presentationml/2006/main">
-  <p:cSld>
-    <p:spTree>
-      <p:nvGrpSpPr>
-        <p:cNvPr id="1" name=""/>
-        <p:cNvGrpSpPr/>
-        <p:nvPr/>
-      </p:nvGrpSpPr>
-      <p:grpSpPr>
-        <a:xfrm>
-          <a:off x="0" y="0"/>
-          <a:ext cx="0" cy="0"/>
-          <a:chOff x="0" y="0"/>
-          <a:chExt cx="0" cy="0"/>
-        </a:xfrm>
-      </p:grpSpPr>
-      <p:sp>
-        <p:nvSpPr>
-          <p:cNvPr id="2" name="Заголовок 1"/>
-          <p:cNvSpPr>
-            <a:spLocks noGrp="1"/>
-          </p:cNvSpPr>
-          <p:nvPr>
-            <p:ph type="title"/>
-          </p:nvPr>
-        </p:nvSpPr>
-        <p:spPr>
-          <a:xfrm>
-            <a:off x="1259632" y="332656"/>
-            <a:ext cx="6781800" cy="1168152"/>
-          </a:xfrm>
-        </p:spPr>
-        <p:txBody>
-          <a:bodyPr/>
-          <a:lstStyle/>
-          <a:p>
-            <a:pPr algn="ctr"/>
-            <a:r>
-              <a:rPr lang="ru-RU" dirty="0" smtClean="0"/>
-              <a:t>Особь популяции</a:t>
-            </a:r>
-            <a:endParaRPr lang="ru-RU" dirty="0"/>
-          </a:p>
-        </p:txBody>
-      </p:sp>
-      <p:sp>
-        <p:nvSpPr>
-          <p:cNvPr id="4" name="Овал 3"/>
-          <p:cNvSpPr/>
-          <p:nvPr/>
-        </p:nvSpPr>
-        <p:spPr>
-          <a:xfrm>
-            <a:off x="3779912" y="1688453"/>
-            <a:ext cx="1512168" cy="1152128"/>
-          </a:xfrm>
-          <a:prstGeom prst="ellipse">
-            <a:avLst/>
-          </a:prstGeom>
-        </p:spPr>
-        <p:style>
-          <a:lnRef idx="2">
-            <a:schemeClr val="accent1">
-              <a:shade val="50000"/>
-            </a:schemeClr>
-          </a:lnRef>
-          <a:fillRef idx="1">
-            <a:schemeClr val="accent1"/>
-          </a:fillRef>
-          <a:effectRef idx="0">
-            <a:schemeClr val="accent1"/>
-          </a:effectRef>
-          <a:fontRef idx="minor">
-            <a:schemeClr val="lt1"/>
-          </a:fontRef>
-        </p:style>
-        <p:txBody>
-          <a:bodyPr rtlCol="0" anchor="ctr"/>
-          <a:lstStyle/>
-          <a:p>
-            <a:pPr algn="ctr"/>
-            <a:r>
-              <a:rPr lang="ru-RU" sz="3200" dirty="0" smtClean="0"/>
-              <a:t>+</a:t>
-            </a:r>
-            <a:endParaRPr lang="ru-RU" sz="3200" dirty="0"/>
-          </a:p>
-        </p:txBody>
-      </p:sp>
-      <p:sp>
-        <p:nvSpPr>
-          <p:cNvPr id="5" name="Овал 4"/>
-          <p:cNvSpPr/>
-          <p:nvPr/>
-        </p:nvSpPr>
-        <p:spPr>
-          <a:xfrm>
-            <a:off x="1907704" y="2996952"/>
-            <a:ext cx="1512168" cy="1152128"/>
-          </a:xfrm>
-          <a:prstGeom prst="ellipse">
-            <a:avLst/>
-          </a:prstGeom>
-        </p:spPr>
-        <p:style>
-          <a:lnRef idx="2">
-            <a:schemeClr val="accent1">
-              <a:shade val="50000"/>
-            </a:schemeClr>
-          </a:lnRef>
-          <a:fillRef idx="1">
-            <a:schemeClr val="accent1"/>
-          </a:fillRef>
-          <a:effectRef idx="0">
-            <a:schemeClr val="accent1"/>
-          </a:effectRef>
-          <a:fontRef idx="minor">
-            <a:schemeClr val="lt1"/>
-          </a:fontRef>
-        </p:style>
-        <p:txBody>
-          <a:bodyPr rtlCol="0" anchor="ctr"/>
-          <a:lstStyle/>
-          <a:p>
-            <a:pPr algn="ctr"/>
-            <a:r>
-              <a:rPr lang="en-US" sz="3200" dirty="0" smtClean="0"/>
-              <a:t>sin</a:t>
-            </a:r>
-            <a:endParaRPr lang="ru-RU" sz="3200" dirty="0"/>
-          </a:p>
-        </p:txBody>
-      </p:sp>
-      <p:sp>
-        <p:nvSpPr>
-          <p:cNvPr id="6" name="Овал 5"/>
-          <p:cNvSpPr/>
-          <p:nvPr/>
-        </p:nvSpPr>
-        <p:spPr>
-          <a:xfrm>
-            <a:off x="5945580" y="2924944"/>
-            <a:ext cx="1512168" cy="1152128"/>
-          </a:xfrm>
-          <a:prstGeom prst="ellipse">
-            <a:avLst/>
-          </a:prstGeom>
-        </p:spPr>
-        <p:style>
-          <a:lnRef idx="2">
-            <a:schemeClr val="accent1">
-              <a:shade val="50000"/>
-            </a:schemeClr>
-          </a:lnRef>
-          <a:fillRef idx="1">
-            <a:schemeClr val="accent1"/>
-          </a:fillRef>
-          <a:effectRef idx="0">
-            <a:schemeClr val="accent1"/>
-          </a:effectRef>
-          <a:fontRef idx="minor">
-            <a:schemeClr val="lt1"/>
-          </a:fontRef>
-        </p:style>
-        <p:txBody>
-          <a:bodyPr rtlCol="0" anchor="ctr"/>
-          <a:lstStyle/>
-          <a:p>
-            <a:pPr algn="ctr"/>
-            <a:r>
-              <a:rPr lang="en-US" sz="3200" dirty="0" smtClean="0"/>
-              <a:t>abs</a:t>
-            </a:r>
-            <a:endParaRPr lang="ru-RU" sz="3200" dirty="0"/>
-          </a:p>
-        </p:txBody>
-      </p:sp>
-      <p:sp>
-        <p:nvSpPr>
-          <p:cNvPr id="7" name="Овал 6"/>
-          <p:cNvSpPr/>
-          <p:nvPr/>
-        </p:nvSpPr>
-        <p:spPr>
-          <a:xfrm>
-            <a:off x="1907704" y="4675679"/>
-            <a:ext cx="1512168" cy="1152128"/>
-          </a:xfrm>
-          <a:prstGeom prst="ellipse">
-            <a:avLst/>
-          </a:prstGeom>
-        </p:spPr>
-        <p:style>
-          <a:lnRef idx="2">
-            <a:schemeClr val="accent1">
-              <a:shade val="50000"/>
-            </a:schemeClr>
-          </a:lnRef>
-          <a:fillRef idx="1">
-            <a:schemeClr val="accent1"/>
-          </a:fillRef>
-          <a:effectRef idx="0">
-            <a:schemeClr val="accent1"/>
-          </a:effectRef>
-          <a:fontRef idx="minor">
-            <a:schemeClr val="lt1"/>
-          </a:fontRef>
-        </p:style>
-        <p:txBody>
-          <a:bodyPr rtlCol="0" anchor="ctr"/>
-          <a:lstStyle/>
-          <a:p>
-            <a:pPr algn="ctr"/>
-            <a:r>
-              <a:rPr lang="en-US" sz="3200" dirty="0" smtClean="0"/>
-              <a:t>x</a:t>
-            </a:r>
-            <a:endParaRPr lang="ru-RU" sz="3200" dirty="0"/>
-          </a:p>
-        </p:txBody>
-      </p:sp>
-      <p:sp>
-        <p:nvSpPr>
-          <p:cNvPr id="8" name="Овал 7"/>
-          <p:cNvSpPr/>
-          <p:nvPr/>
-        </p:nvSpPr>
-        <p:spPr>
-          <a:xfrm>
-            <a:off x="5945580" y="4603671"/>
-            <a:ext cx="1512168" cy="1152128"/>
-          </a:xfrm>
-          <a:prstGeom prst="ellipse">
-            <a:avLst/>
-          </a:prstGeom>
-        </p:spPr>
-        <p:style>
-          <a:lnRef idx="2">
-            <a:schemeClr val="accent1">
-              <a:shade val="50000"/>
-            </a:schemeClr>
-          </a:lnRef>
-          <a:fillRef idx="1">
-            <a:schemeClr val="accent1"/>
-          </a:fillRef>
-          <a:effectRef idx="0">
-            <a:schemeClr val="accent1"/>
-          </a:effectRef>
-          <a:fontRef idx="minor">
-            <a:schemeClr val="lt1"/>
-          </a:fontRef>
-        </p:style>
-        <p:txBody>
-          <a:bodyPr rtlCol="0" anchor="ctr"/>
-          <a:lstStyle/>
-          <a:p>
-            <a:pPr algn="ctr"/>
-            <a:r>
-              <a:rPr lang="en-US" sz="3200" dirty="0" smtClean="0"/>
-              <a:t>-3.56</a:t>
-            </a:r>
-            <a:endParaRPr lang="ru-RU" sz="3200" dirty="0"/>
-          </a:p>
-        </p:txBody>
-      </p:sp>
-      <p:cxnSp>
-        <p:nvCxnSpPr>
-          <p:cNvPr id="10" name="Прямая соединительная линия 9"/>
-          <p:cNvCxnSpPr>
-            <a:stCxn id="5" idx="0"/>
-            <a:endCxn id="4" idx="3"/>
-          </p:cNvCxnSpPr>
-          <p:nvPr/>
-        </p:nvCxnSpPr>
-        <p:spPr>
-          <a:xfrm flipV="1">
-            <a:off x="2663788" y="2671856"/>
-            <a:ext cx="1337576" cy="325096"/>
-          </a:xfrm>
-          <a:prstGeom prst="line">
-            <a:avLst/>
-          </a:prstGeom>
-        </p:spPr>
-        <p:style>
-          <a:lnRef idx="1">
-            <a:schemeClr val="accent1"/>
-          </a:lnRef>
-          <a:fillRef idx="0">
-            <a:schemeClr val="accent1"/>
-          </a:fillRef>
-          <a:effectRef idx="0">
-            <a:schemeClr val="accent1"/>
-          </a:effectRef>
-          <a:fontRef idx="minor">
-            <a:schemeClr val="tx1"/>
-          </a:fontRef>
-        </p:style>
-      </p:cxnSp>
-      <p:cxnSp>
-        <p:nvCxnSpPr>
-          <p:cNvPr id="12" name="Прямая соединительная линия 11"/>
-          <p:cNvCxnSpPr>
-            <a:stCxn id="4" idx="5"/>
-            <a:endCxn id="6" idx="1"/>
-          </p:cNvCxnSpPr>
-          <p:nvPr/>
-        </p:nvCxnSpPr>
-        <p:spPr>
-          <a:xfrm>
-            <a:off x="5070628" y="2671856"/>
-            <a:ext cx="1096404" cy="421813"/>
-          </a:xfrm>
-          <a:prstGeom prst="line">
-            <a:avLst/>
-          </a:prstGeom>
-        </p:spPr>
-        <p:style>
-          <a:lnRef idx="1">
-            <a:schemeClr val="accent1"/>
-          </a:lnRef>
-          <a:fillRef idx="0">
-            <a:schemeClr val="accent1"/>
-          </a:fillRef>
-          <a:effectRef idx="0">
-            <a:schemeClr val="accent1"/>
-          </a:effectRef>
-          <a:fontRef idx="minor">
-            <a:schemeClr val="tx1"/>
-          </a:fontRef>
-        </p:style>
-      </p:cxnSp>
-      <p:cxnSp>
-        <p:nvCxnSpPr>
-          <p:cNvPr id="18" name="Прямая соединительная линия 17"/>
-          <p:cNvCxnSpPr>
-            <a:stCxn id="5" idx="4"/>
-          </p:cNvCxnSpPr>
-          <p:nvPr/>
-        </p:nvCxnSpPr>
-        <p:spPr>
-          <a:xfrm>
-            <a:off x="2663788" y="4149080"/>
-            <a:ext cx="0" cy="648072"/>
-          </a:xfrm>
-          <a:prstGeom prst="line">
-            <a:avLst/>
-          </a:prstGeom>
-        </p:spPr>
-        <p:style>
-          <a:lnRef idx="1">
-            <a:schemeClr val="accent1"/>
-          </a:lnRef>
-          <a:fillRef idx="0">
-            <a:schemeClr val="accent1"/>
-          </a:fillRef>
-          <a:effectRef idx="0">
-            <a:schemeClr val="accent1"/>
-          </a:effectRef>
-          <a:fontRef idx="minor">
-            <a:schemeClr val="tx1"/>
-          </a:fontRef>
-        </p:style>
-      </p:cxnSp>
-      <p:cxnSp>
-        <p:nvCxnSpPr>
-          <p:cNvPr id="20" name="Прямая соединительная линия 19"/>
-          <p:cNvCxnSpPr>
-            <a:stCxn id="6" idx="4"/>
-          </p:cNvCxnSpPr>
-          <p:nvPr/>
-        </p:nvCxnSpPr>
-        <p:spPr>
-          <a:xfrm>
-            <a:off x="6701664" y="4077072"/>
-            <a:ext cx="0" cy="1102663"/>
-          </a:xfrm>
-          <a:prstGeom prst="line">
-            <a:avLst/>
-          </a:prstGeom>
-        </p:spPr>
-        <p:style>
-          <a:lnRef idx="1">
-            <a:schemeClr val="accent1"/>
-          </a:lnRef>
-          <a:fillRef idx="0">
-            <a:schemeClr val="accent1"/>
-          </a:fillRef>
-          <a:effectRef idx="0">
-            <a:schemeClr val="accent1"/>
-          </a:effectRef>
-          <a:fontRef idx="minor">
-            <a:schemeClr val="tx1"/>
-          </a:fontRef>
-        </p:style>
-      </p:cxnSp>
-      <p:sp>
-        <p:nvSpPr>
-          <p:cNvPr id="21" name="TextBox 20"/>
-          <p:cNvSpPr txBox="1"/>
-          <p:nvPr/>
-        </p:nvSpPr>
-        <p:spPr>
-          <a:xfrm>
-            <a:off x="2699793" y="6156593"/>
-            <a:ext cx="3960439" cy="584775"/>
-          </a:xfrm>
-          <a:prstGeom prst="rect">
-            <a:avLst/>
-          </a:prstGeom>
-          <a:noFill/>
-        </p:spPr>
-        <p:txBody>
-          <a:bodyPr wrap="square" rtlCol="0">
-            <a:spAutoFit/>
-          </a:bodyPr>
-          <a:lstStyle/>
-          <a:p>
-            <a:pPr algn="ctr"/>
-            <a:r>
-              <a:rPr lang="en-US" sz="3200" dirty="0" smtClean="0">
-                <a:latin typeface="Arial" panose="020B0604020202020204" pitchFamily="34" charset="0"/>
-                <a:cs typeface="Arial" panose="020B0604020202020204" pitchFamily="34" charset="0"/>
-              </a:rPr>
-              <a:t>sin(x) + |-3.56|</a:t>
-            </a:r>
-            <a:endParaRPr lang="ru-RU" sz="3200" dirty="0">
-              <a:latin typeface="Arial" panose="020B0604020202020204" pitchFamily="34" charset="0"/>
-              <a:cs typeface="Arial" panose="020B0604020202020204" pitchFamily="34" charset="0"/>
-            </a:endParaRPr>
-          </a:p>
-        </p:txBody>
-      </p:sp>
-    </p:spTree>
-    <p:extLst>
-      <p:ext uri="{BB962C8B-B14F-4D97-AF65-F5344CB8AC3E}">
-        <p14:creationId xmlns:p14="http://schemas.microsoft.com/office/powerpoint/2010/main" val="2508133276"/>
-      </p:ext>
-    </p:extLst>
-  </p:cSld>
-  <p:clrMapOvr>
-    <a:masterClrMapping/>
-  </p:clrMapOvr>
-  <p:timing>
-    <p:tnLst>
-      <p:par>
-        <p:cTn id="1" dur="indefinite" restart="never" nodeType="tmRoot"/>
-      </p:par>
-    </p:tnLst>
-  </p:timing>
-</p:sld>
-</file>
-
-<file path=ppt/slides/slide12.xml><?xml version="1.0" encoding="utf-8"?>
-<p:sld xmlns:a="http://schemas.openxmlformats.org/drawingml/2006/main" xmlns:r="http://schemas.openxmlformats.org/officeDocument/2006/relationships" xmlns:p="http://schemas.openxmlformats.org/presentationml/2006/main">
-  <p:cSld>
-    <p:spTree>
-      <p:nvGrpSpPr>
-        <p:cNvPr id="1" name=""/>
-        <p:cNvGrpSpPr/>
-        <p:nvPr/>
-      </p:nvGrpSpPr>
-      <p:grpSpPr>
-        <a:xfrm>
-          <a:off x="0" y="0"/>
-          <a:ext cx="0" cy="0"/>
-          <a:chOff x="0" y="0"/>
-          <a:chExt cx="0" cy="0"/>
-        </a:xfrm>
-      </p:grpSpPr>
-      <p:sp>
-        <p:nvSpPr>
-          <p:cNvPr id="2" name="Заголовок 1"/>
-          <p:cNvSpPr>
-            <a:spLocks noGrp="1"/>
-          </p:cNvSpPr>
-          <p:nvPr>
-            <p:ph type="title"/>
-          </p:nvPr>
-        </p:nvSpPr>
-        <p:spPr>
-          <a:xfrm>
-            <a:off x="1335206" y="109182"/>
-            <a:ext cx="6781800" cy="1600200"/>
-          </a:xfrm>
-        </p:spPr>
-        <p:txBody>
-          <a:bodyPr>
-            <a:normAutofit/>
-          </a:bodyPr>
-          <a:lstStyle/>
-          <a:p>
-            <a:pPr algn="ctr"/>
-            <a:r>
-              <a:rPr lang="ru-RU" dirty="0" smtClean="0"/>
-              <a:t>Репродукция</a:t>
-            </a:r>
-            <a:endParaRPr lang="ru-RU" dirty="0"/>
-          </a:p>
-        </p:txBody>
-      </p:sp>
-      <p:sp>
-        <p:nvSpPr>
-          <p:cNvPr id="3" name="Объект 2"/>
-          <p:cNvSpPr>
-            <a:spLocks noGrp="1"/>
-          </p:cNvSpPr>
-          <p:nvPr>
-            <p:ph idx="1"/>
-          </p:nvPr>
-        </p:nvSpPr>
-        <p:spPr>
-          <a:xfrm>
-            <a:off x="827584" y="1700808"/>
-            <a:ext cx="7543800" cy="4320480"/>
-          </a:xfrm>
-        </p:spPr>
-        <p:txBody>
-          <a:bodyPr>
-            <a:normAutofit/>
-          </a:bodyPr>
-          <a:lstStyle/>
-          <a:p>
-            <a:r>
-              <a:rPr lang="ru-RU" sz="3200" dirty="0" smtClean="0">
-                <a:latin typeface="Arial" panose="020B0604020202020204" pitchFamily="34" charset="0"/>
-                <a:cs typeface="Arial" panose="020B0604020202020204" pitchFamily="34" charset="0"/>
-              </a:rPr>
-              <a:t>Приспособленность – квадратичная ошибка.</a:t>
-            </a:r>
-          </a:p>
-          <a:p>
-            <a:r>
-              <a:rPr lang="ru-RU" sz="3200" dirty="0" smtClean="0">
-                <a:latin typeface="Arial" panose="020B0604020202020204" pitchFamily="34" charset="0"/>
-                <a:cs typeface="Arial" panose="020B0604020202020204" pitchFamily="34" charset="0"/>
-              </a:rPr>
-              <a:t>Вычисление приспособленности и ее нормализация.</a:t>
-            </a:r>
-            <a:endParaRPr lang="en-US" sz="3200" dirty="0" smtClean="0">
-              <a:latin typeface="Arial" panose="020B0604020202020204" pitchFamily="34" charset="0"/>
-              <a:cs typeface="Arial" panose="020B0604020202020204" pitchFamily="34" charset="0"/>
-            </a:endParaRPr>
-          </a:p>
-          <a:p>
-            <a:r>
-              <a:rPr lang="ru-RU" sz="3200" dirty="0" smtClean="0">
-                <a:latin typeface="Arial" panose="020B0604020202020204" pitchFamily="34" charset="0"/>
-                <a:cs typeface="Arial" panose="020B0604020202020204" pitchFamily="34" charset="0"/>
-              </a:rPr>
-              <a:t>Выбор деревьев пропорционально</a:t>
-            </a:r>
-            <a:r>
-              <a:rPr lang="en-US" sz="3200" dirty="0" smtClean="0">
-                <a:latin typeface="Arial" panose="020B0604020202020204" pitchFamily="34" charset="0"/>
-                <a:cs typeface="Arial" panose="020B0604020202020204" pitchFamily="34" charset="0"/>
-              </a:rPr>
-              <a:t> </a:t>
-            </a:r>
-            <a:r>
-              <a:rPr lang="ru-RU" sz="3200" dirty="0" smtClean="0">
-                <a:latin typeface="Arial" panose="020B0604020202020204" pitchFamily="34" charset="0"/>
-                <a:cs typeface="Arial" panose="020B0604020202020204" pitchFamily="34" charset="0"/>
-              </a:rPr>
-              <a:t>нормализованным значениям приспособленности.</a:t>
-            </a:r>
-            <a:endParaRPr lang="ru-RU" sz="3200" dirty="0">
-              <a:latin typeface="Arial" panose="020B0604020202020204" pitchFamily="34" charset="0"/>
-              <a:cs typeface="Arial" panose="020B0604020202020204" pitchFamily="34" charset="0"/>
-            </a:endParaRPr>
-          </a:p>
-        </p:txBody>
-      </p:sp>
-    </p:spTree>
-    <p:extLst>
-      <p:ext uri="{BB962C8B-B14F-4D97-AF65-F5344CB8AC3E}">
-        <p14:creationId xmlns:p14="http://schemas.microsoft.com/office/powerpoint/2010/main" val="3436671575"/>
-      </p:ext>
-    </p:extLst>
-  </p:cSld>
-  <p:clrMapOvr>
-    <a:masterClrMapping/>
-  </p:clrMapOvr>
-  <p:timing>
-    <p:tnLst>
-      <p:par>
-        <p:cTn id="1" dur="indefinite" restart="never" nodeType="tmRoot"/>
-      </p:par>
-    </p:tnLst>
-  </p:timing>
-</p:sld>
-</file>
-
-<file path=ppt/slides/slide13.xml><?xml version="1.0" encoding="utf-8"?>
+<file path=ppt/slides/slide17.xml><?xml version="1.0" encoding="utf-8"?>
 <p:sld xmlns:a="http://schemas.openxmlformats.org/drawingml/2006/main" xmlns:r="http://schemas.openxmlformats.org/officeDocument/2006/relationships" xmlns:p="http://schemas.openxmlformats.org/presentationml/2006/main">
   <p:cSld>
     <p:spTree>
@@ -6776,778 +10046,7 @@
 </p:sld>
 </file>
 
-<file path=ppt/slides/slide14.xml><?xml version="1.0" encoding="utf-8"?>
-<p:sld xmlns:a="http://schemas.openxmlformats.org/drawingml/2006/main" xmlns:r="http://schemas.openxmlformats.org/officeDocument/2006/relationships" xmlns:p="http://schemas.openxmlformats.org/presentationml/2006/main">
-  <p:cSld>
-    <p:spTree>
-      <p:nvGrpSpPr>
-        <p:cNvPr id="1" name=""/>
-        <p:cNvGrpSpPr/>
-        <p:nvPr/>
-      </p:nvGrpSpPr>
-      <p:grpSpPr>
-        <a:xfrm>
-          <a:off x="0" y="0"/>
-          <a:ext cx="0" cy="0"/>
-          <a:chOff x="0" y="0"/>
-          <a:chExt cx="0" cy="0"/>
-        </a:xfrm>
-      </p:grpSpPr>
-      <p:sp>
-        <p:nvSpPr>
-          <p:cNvPr id="2" name="Заголовок 1"/>
-          <p:cNvSpPr>
-            <a:spLocks noGrp="1"/>
-          </p:cNvSpPr>
-          <p:nvPr>
-            <p:ph type="title"/>
-          </p:nvPr>
-        </p:nvSpPr>
-        <p:spPr>
-          <a:xfrm>
-            <a:off x="1187624" y="-187424"/>
-            <a:ext cx="6781800" cy="1600200"/>
-          </a:xfrm>
-        </p:spPr>
-        <p:txBody>
-          <a:bodyPr>
-            <a:normAutofit/>
-          </a:bodyPr>
-          <a:lstStyle/>
-          <a:p>
-            <a:pPr algn="ctr"/>
-            <a:r>
-              <a:rPr lang="ru-RU" sz="4400" dirty="0" smtClean="0"/>
-              <a:t>Скрещивание</a:t>
-            </a:r>
-            <a:endParaRPr lang="ru-RU" sz="4400" dirty="0"/>
-          </a:p>
-        </p:txBody>
-      </p:sp>
-      <p:sp>
-        <p:nvSpPr>
-          <p:cNvPr id="4" name="Овал 3"/>
-          <p:cNvSpPr/>
-          <p:nvPr/>
-        </p:nvSpPr>
-        <p:spPr>
-          <a:xfrm>
-            <a:off x="1475656" y="3140968"/>
-            <a:ext cx="1512168" cy="1152128"/>
-          </a:xfrm>
-          <a:prstGeom prst="ellipse">
-            <a:avLst/>
-          </a:prstGeom>
-        </p:spPr>
-        <p:style>
-          <a:lnRef idx="2">
-            <a:schemeClr val="accent1">
-              <a:shade val="50000"/>
-            </a:schemeClr>
-          </a:lnRef>
-          <a:fillRef idx="1">
-            <a:schemeClr val="accent1"/>
-          </a:fillRef>
-          <a:effectRef idx="0">
-            <a:schemeClr val="accent1"/>
-          </a:effectRef>
-          <a:fontRef idx="minor">
-            <a:schemeClr val="lt1"/>
-          </a:fontRef>
-        </p:style>
-        <p:txBody>
-          <a:bodyPr rtlCol="0" anchor="ctr"/>
-          <a:lstStyle/>
-          <a:p>
-            <a:pPr algn="ctr"/>
-            <a:r>
-              <a:rPr lang="ru-RU" sz="3200" dirty="0"/>
-              <a:t>*</a:t>
-            </a:r>
-          </a:p>
-        </p:txBody>
-      </p:sp>
-      <p:sp>
-        <p:nvSpPr>
-          <p:cNvPr id="5" name="Овал 4"/>
-          <p:cNvSpPr/>
-          <p:nvPr/>
-        </p:nvSpPr>
-        <p:spPr>
-          <a:xfrm>
-            <a:off x="323528" y="4449467"/>
-            <a:ext cx="1512168" cy="1152128"/>
-          </a:xfrm>
-          <a:prstGeom prst="ellipse">
-            <a:avLst/>
-          </a:prstGeom>
-        </p:spPr>
-        <p:style>
-          <a:lnRef idx="2">
-            <a:schemeClr val="accent1">
-              <a:shade val="50000"/>
-            </a:schemeClr>
-          </a:lnRef>
-          <a:fillRef idx="1">
-            <a:schemeClr val="accent1"/>
-          </a:fillRef>
-          <a:effectRef idx="0">
-            <a:schemeClr val="accent1"/>
-          </a:effectRef>
-          <a:fontRef idx="minor">
-            <a:schemeClr val="lt1"/>
-          </a:fontRef>
-        </p:style>
-        <p:txBody>
-          <a:bodyPr rtlCol="0" anchor="ctr"/>
-          <a:lstStyle/>
-          <a:p>
-            <a:pPr algn="ctr"/>
-            <a:r>
-              <a:rPr lang="en-US" sz="3200" dirty="0" smtClean="0"/>
-              <a:t>x</a:t>
-            </a:r>
-            <a:endParaRPr lang="ru-RU" sz="3200" dirty="0"/>
-          </a:p>
-        </p:txBody>
-      </p:sp>
-      <p:sp>
-        <p:nvSpPr>
-          <p:cNvPr id="6" name="Овал 5"/>
-          <p:cNvSpPr/>
-          <p:nvPr/>
-        </p:nvSpPr>
-        <p:spPr>
-          <a:xfrm>
-            <a:off x="3059832" y="4377459"/>
-            <a:ext cx="1512168" cy="1152128"/>
-          </a:xfrm>
-          <a:prstGeom prst="ellipse">
-            <a:avLst/>
-          </a:prstGeom>
-        </p:spPr>
-        <p:style>
-          <a:lnRef idx="2">
-            <a:schemeClr val="accent1">
-              <a:shade val="50000"/>
-            </a:schemeClr>
-          </a:lnRef>
-          <a:fillRef idx="1">
-            <a:schemeClr val="accent1"/>
-          </a:fillRef>
-          <a:effectRef idx="0">
-            <a:schemeClr val="accent1"/>
-          </a:effectRef>
-          <a:fontRef idx="minor">
-            <a:schemeClr val="lt1"/>
-          </a:fontRef>
-        </p:style>
-        <p:txBody>
-          <a:bodyPr rtlCol="0" anchor="ctr"/>
-          <a:lstStyle/>
-          <a:p>
-            <a:pPr algn="ctr"/>
-            <a:r>
-              <a:rPr lang="en-US" sz="3200" dirty="0" smtClean="0"/>
-              <a:t>5.2</a:t>
-            </a:r>
-            <a:endParaRPr lang="ru-RU" sz="3200" dirty="0"/>
-          </a:p>
-        </p:txBody>
-      </p:sp>
-      <p:cxnSp>
-        <p:nvCxnSpPr>
-          <p:cNvPr id="9" name="Прямая соединительная линия 8"/>
-          <p:cNvCxnSpPr>
-            <a:stCxn id="5" idx="0"/>
-            <a:endCxn id="4" idx="3"/>
-          </p:cNvCxnSpPr>
-          <p:nvPr/>
-        </p:nvCxnSpPr>
-        <p:spPr>
-          <a:xfrm flipV="1">
-            <a:off x="1079612" y="4124371"/>
-            <a:ext cx="617496" cy="325096"/>
-          </a:xfrm>
-          <a:prstGeom prst="line">
-            <a:avLst/>
-          </a:prstGeom>
-        </p:spPr>
-        <p:style>
-          <a:lnRef idx="1">
-            <a:schemeClr val="accent1"/>
-          </a:lnRef>
-          <a:fillRef idx="0">
-            <a:schemeClr val="accent1"/>
-          </a:fillRef>
-          <a:effectRef idx="0">
-            <a:schemeClr val="accent1"/>
-          </a:effectRef>
-          <a:fontRef idx="minor">
-            <a:schemeClr val="tx1"/>
-          </a:fontRef>
-        </p:style>
-      </p:cxnSp>
-      <p:cxnSp>
-        <p:nvCxnSpPr>
-          <p:cNvPr id="10" name="Прямая соединительная линия 9"/>
-          <p:cNvCxnSpPr>
-            <a:stCxn id="4" idx="5"/>
-            <a:endCxn id="6" idx="1"/>
-          </p:cNvCxnSpPr>
-          <p:nvPr/>
-        </p:nvCxnSpPr>
-        <p:spPr>
-          <a:xfrm>
-            <a:off x="2766372" y="4124371"/>
-            <a:ext cx="514912" cy="421813"/>
-          </a:xfrm>
-          <a:prstGeom prst="line">
-            <a:avLst/>
-          </a:prstGeom>
-        </p:spPr>
-        <p:style>
-          <a:lnRef idx="1">
-            <a:schemeClr val="accent1"/>
-          </a:lnRef>
-          <a:fillRef idx="0">
-            <a:schemeClr val="accent1"/>
-          </a:fillRef>
-          <a:effectRef idx="0">
-            <a:schemeClr val="accent1"/>
-          </a:effectRef>
-          <a:fontRef idx="minor">
-            <a:schemeClr val="tx1"/>
-          </a:fontRef>
-        </p:style>
-      </p:cxnSp>
-      <p:sp>
-        <p:nvSpPr>
-          <p:cNvPr id="13" name="Овал 12"/>
-          <p:cNvSpPr/>
-          <p:nvPr/>
-        </p:nvSpPr>
-        <p:spPr>
-          <a:xfrm>
-            <a:off x="5868144" y="1484784"/>
-            <a:ext cx="1512168" cy="1152128"/>
-          </a:xfrm>
-          <a:prstGeom prst="ellipse">
-            <a:avLst/>
-          </a:prstGeom>
-        </p:spPr>
-        <p:style>
-          <a:lnRef idx="2">
-            <a:schemeClr val="accent1">
-              <a:shade val="50000"/>
-            </a:schemeClr>
-          </a:lnRef>
-          <a:fillRef idx="1">
-            <a:schemeClr val="accent1"/>
-          </a:fillRef>
-          <a:effectRef idx="0">
-            <a:schemeClr val="accent1"/>
-          </a:effectRef>
-          <a:fontRef idx="minor">
-            <a:schemeClr val="lt1"/>
-          </a:fontRef>
-        </p:style>
-        <p:txBody>
-          <a:bodyPr rtlCol="0" anchor="ctr"/>
-          <a:lstStyle/>
-          <a:p>
-            <a:pPr algn="ctr"/>
-            <a:r>
-              <a:rPr lang="en-US" sz="3200" dirty="0" smtClean="0"/>
-              <a:t>log</a:t>
-            </a:r>
-            <a:endParaRPr lang="ru-RU" sz="3200" dirty="0"/>
-          </a:p>
-        </p:txBody>
-      </p:sp>
-      <p:sp>
-        <p:nvSpPr>
-          <p:cNvPr id="14" name="Овал 13"/>
-          <p:cNvSpPr/>
-          <p:nvPr/>
-        </p:nvSpPr>
-        <p:spPr>
-          <a:xfrm>
-            <a:off x="5868144" y="2852936"/>
-            <a:ext cx="1512168" cy="1152128"/>
-          </a:xfrm>
-          <a:prstGeom prst="ellipse">
-            <a:avLst/>
-          </a:prstGeom>
-        </p:spPr>
-        <p:style>
-          <a:lnRef idx="2">
-            <a:schemeClr val="accent1">
-              <a:shade val="50000"/>
-            </a:schemeClr>
-          </a:lnRef>
-          <a:fillRef idx="1">
-            <a:schemeClr val="accent1"/>
-          </a:fillRef>
-          <a:effectRef idx="0">
-            <a:schemeClr val="accent1"/>
-          </a:effectRef>
-          <a:fontRef idx="minor">
-            <a:schemeClr val="lt1"/>
-          </a:fontRef>
-        </p:style>
-        <p:txBody>
-          <a:bodyPr rtlCol="0" anchor="ctr"/>
-          <a:lstStyle/>
-          <a:p>
-            <a:pPr algn="ctr"/>
-            <a:r>
-              <a:rPr lang="en-US" sz="3200" dirty="0" smtClean="0"/>
-              <a:t>+</a:t>
-            </a:r>
-            <a:endParaRPr lang="ru-RU" sz="3200" dirty="0"/>
-          </a:p>
-        </p:txBody>
-      </p:sp>
-      <p:sp>
-        <p:nvSpPr>
-          <p:cNvPr id="15" name="Овал 14"/>
-          <p:cNvSpPr/>
-          <p:nvPr/>
-        </p:nvSpPr>
-        <p:spPr>
-          <a:xfrm>
-            <a:off x="4932040" y="4149080"/>
-            <a:ext cx="1512168" cy="1152128"/>
-          </a:xfrm>
-          <a:prstGeom prst="ellipse">
-            <a:avLst/>
-          </a:prstGeom>
-        </p:spPr>
-        <p:style>
-          <a:lnRef idx="2">
-            <a:schemeClr val="accent1">
-              <a:shade val="50000"/>
-            </a:schemeClr>
-          </a:lnRef>
-          <a:fillRef idx="1">
-            <a:schemeClr val="accent1"/>
-          </a:fillRef>
-          <a:effectRef idx="0">
-            <a:schemeClr val="accent1"/>
-          </a:effectRef>
-          <a:fontRef idx="minor">
-            <a:schemeClr val="lt1"/>
-          </a:fontRef>
-        </p:style>
-        <p:txBody>
-          <a:bodyPr rtlCol="0" anchor="ctr"/>
-          <a:lstStyle/>
-          <a:p>
-            <a:pPr algn="ctr"/>
-            <a:r>
-              <a:rPr lang="en-US" sz="3200" dirty="0" smtClean="0"/>
-              <a:t>sin</a:t>
-            </a:r>
-            <a:endParaRPr lang="ru-RU" sz="3200" dirty="0"/>
-          </a:p>
-        </p:txBody>
-      </p:sp>
-      <p:sp>
-        <p:nvSpPr>
-          <p:cNvPr id="16" name="Овал 15"/>
-          <p:cNvSpPr/>
-          <p:nvPr/>
-        </p:nvSpPr>
-        <p:spPr>
-          <a:xfrm>
-            <a:off x="6804248" y="4221088"/>
-            <a:ext cx="1512168" cy="1152128"/>
-          </a:xfrm>
-          <a:prstGeom prst="ellipse">
-            <a:avLst/>
-          </a:prstGeom>
-        </p:spPr>
-        <p:style>
-          <a:lnRef idx="2">
-            <a:schemeClr val="accent1">
-              <a:shade val="50000"/>
-            </a:schemeClr>
-          </a:lnRef>
-          <a:fillRef idx="1">
-            <a:schemeClr val="accent1"/>
-          </a:fillRef>
-          <a:effectRef idx="0">
-            <a:schemeClr val="accent1"/>
-          </a:effectRef>
-          <a:fontRef idx="minor">
-            <a:schemeClr val="lt1"/>
-          </a:fontRef>
-        </p:style>
-        <p:txBody>
-          <a:bodyPr rtlCol="0" anchor="ctr"/>
-          <a:lstStyle/>
-          <a:p>
-            <a:pPr algn="ctr"/>
-            <a:r>
-              <a:rPr lang="en-US" sz="3200" dirty="0" smtClean="0"/>
-              <a:t>abs</a:t>
-            </a:r>
-            <a:endParaRPr lang="ru-RU" sz="3200" dirty="0"/>
-          </a:p>
-        </p:txBody>
-      </p:sp>
-      <p:cxnSp>
-        <p:nvCxnSpPr>
-          <p:cNvPr id="17" name="Прямая соединительная линия 16"/>
-          <p:cNvCxnSpPr>
-            <a:stCxn id="14" idx="0"/>
-            <a:endCxn id="13" idx="4"/>
-          </p:cNvCxnSpPr>
-          <p:nvPr/>
-        </p:nvCxnSpPr>
-        <p:spPr>
-          <a:xfrm flipV="1">
-            <a:off x="6624228" y="2636912"/>
-            <a:ext cx="0" cy="216024"/>
-          </a:xfrm>
-          <a:prstGeom prst="line">
-            <a:avLst/>
-          </a:prstGeom>
-        </p:spPr>
-        <p:style>
-          <a:lnRef idx="1">
-            <a:schemeClr val="accent1"/>
-          </a:lnRef>
-          <a:fillRef idx="0">
-            <a:schemeClr val="accent1"/>
-          </a:fillRef>
-          <a:effectRef idx="0">
-            <a:schemeClr val="accent1"/>
-          </a:effectRef>
-          <a:fontRef idx="minor">
-            <a:schemeClr val="tx1"/>
-          </a:fontRef>
-        </p:style>
-      </p:cxnSp>
-      <p:cxnSp>
-        <p:nvCxnSpPr>
-          <p:cNvPr id="18" name="Прямая соединительная линия 17"/>
-          <p:cNvCxnSpPr>
-            <a:stCxn id="14" idx="3"/>
-            <a:endCxn id="15" idx="0"/>
-          </p:cNvCxnSpPr>
-          <p:nvPr/>
-        </p:nvCxnSpPr>
-        <p:spPr>
-          <a:xfrm flipH="1">
-            <a:off x="5688124" y="3836339"/>
-            <a:ext cx="401472" cy="312741"/>
-          </a:xfrm>
-          <a:prstGeom prst="line">
-            <a:avLst/>
-          </a:prstGeom>
-        </p:spPr>
-        <p:style>
-          <a:lnRef idx="1">
-            <a:schemeClr val="accent1"/>
-          </a:lnRef>
-          <a:fillRef idx="0">
-            <a:schemeClr val="accent1"/>
-          </a:fillRef>
-          <a:effectRef idx="0">
-            <a:schemeClr val="accent1"/>
-          </a:effectRef>
-          <a:fontRef idx="minor">
-            <a:schemeClr val="tx1"/>
-          </a:fontRef>
-        </p:style>
-      </p:cxnSp>
-      <p:cxnSp>
-        <p:nvCxnSpPr>
-          <p:cNvPr id="19" name="Прямая соединительная линия 18"/>
-          <p:cNvCxnSpPr>
-            <a:stCxn id="14" idx="5"/>
-            <a:endCxn id="16" idx="0"/>
-          </p:cNvCxnSpPr>
-          <p:nvPr/>
-        </p:nvCxnSpPr>
-        <p:spPr>
-          <a:xfrm>
-            <a:off x="7158860" y="3836339"/>
-            <a:ext cx="401472" cy="384749"/>
-          </a:xfrm>
-          <a:prstGeom prst="line">
-            <a:avLst/>
-          </a:prstGeom>
-        </p:spPr>
-        <p:style>
-          <a:lnRef idx="1">
-            <a:schemeClr val="accent1"/>
-          </a:lnRef>
-          <a:fillRef idx="0">
-            <a:schemeClr val="accent1"/>
-          </a:fillRef>
-          <a:effectRef idx="0">
-            <a:schemeClr val="accent1"/>
-          </a:effectRef>
-          <a:fontRef idx="minor">
-            <a:schemeClr val="tx1"/>
-          </a:fontRef>
-        </p:style>
-      </p:cxnSp>
-      <p:sp>
-        <p:nvSpPr>
-          <p:cNvPr id="20" name="Овал 19"/>
-          <p:cNvSpPr/>
-          <p:nvPr/>
-        </p:nvSpPr>
-        <p:spPr>
-          <a:xfrm>
-            <a:off x="4427984" y="5589240"/>
-            <a:ext cx="1512168" cy="1152128"/>
-          </a:xfrm>
-          <a:prstGeom prst="ellipse">
-            <a:avLst/>
-          </a:prstGeom>
-        </p:spPr>
-        <p:style>
-          <a:lnRef idx="2">
-            <a:schemeClr val="accent1">
-              <a:shade val="50000"/>
-            </a:schemeClr>
-          </a:lnRef>
-          <a:fillRef idx="1">
-            <a:schemeClr val="accent1"/>
-          </a:fillRef>
-          <a:effectRef idx="0">
-            <a:schemeClr val="accent1"/>
-          </a:effectRef>
-          <a:fontRef idx="minor">
-            <a:schemeClr val="lt1"/>
-          </a:fontRef>
-        </p:style>
-        <p:txBody>
-          <a:bodyPr rtlCol="0" anchor="ctr"/>
-          <a:lstStyle/>
-          <a:p>
-            <a:pPr algn="ctr"/>
-            <a:r>
-              <a:rPr lang="en-US" sz="3200" dirty="0" smtClean="0"/>
-              <a:t>x</a:t>
-            </a:r>
-            <a:endParaRPr lang="ru-RU" sz="3200" dirty="0"/>
-          </a:p>
-        </p:txBody>
-      </p:sp>
-      <p:sp>
-        <p:nvSpPr>
-          <p:cNvPr id="21" name="Овал 20"/>
-          <p:cNvSpPr/>
-          <p:nvPr/>
-        </p:nvSpPr>
-        <p:spPr>
-          <a:xfrm>
-            <a:off x="7308304" y="5589240"/>
-            <a:ext cx="1512168" cy="1152128"/>
-          </a:xfrm>
-          <a:prstGeom prst="ellipse">
-            <a:avLst/>
-          </a:prstGeom>
-        </p:spPr>
-        <p:style>
-          <a:lnRef idx="2">
-            <a:schemeClr val="accent1">
-              <a:shade val="50000"/>
-            </a:schemeClr>
-          </a:lnRef>
-          <a:fillRef idx="1">
-            <a:schemeClr val="accent1"/>
-          </a:fillRef>
-          <a:effectRef idx="0">
-            <a:schemeClr val="accent1"/>
-          </a:effectRef>
-          <a:fontRef idx="minor">
-            <a:schemeClr val="lt1"/>
-          </a:fontRef>
-        </p:style>
-        <p:txBody>
-          <a:bodyPr rtlCol="0" anchor="ctr"/>
-          <a:lstStyle/>
-          <a:p>
-            <a:pPr algn="ctr"/>
-            <a:r>
-              <a:rPr lang="en-US" sz="3200" dirty="0" smtClean="0"/>
-              <a:t>-3.56</a:t>
-            </a:r>
-            <a:endParaRPr lang="ru-RU" sz="3200" dirty="0"/>
-          </a:p>
-        </p:txBody>
-      </p:sp>
-      <p:cxnSp>
-        <p:nvCxnSpPr>
-          <p:cNvPr id="22" name="Прямая соединительная линия 21"/>
-          <p:cNvCxnSpPr>
-            <a:stCxn id="15" idx="4"/>
-            <a:endCxn id="20" idx="0"/>
-          </p:cNvCxnSpPr>
-          <p:nvPr/>
-        </p:nvCxnSpPr>
-        <p:spPr>
-          <a:xfrm flipH="1">
-            <a:off x="5184068" y="5301208"/>
-            <a:ext cx="504056" cy="288032"/>
-          </a:xfrm>
-          <a:prstGeom prst="line">
-            <a:avLst/>
-          </a:prstGeom>
-        </p:spPr>
-        <p:style>
-          <a:lnRef idx="1">
-            <a:schemeClr val="accent1"/>
-          </a:lnRef>
-          <a:fillRef idx="0">
-            <a:schemeClr val="accent1"/>
-          </a:fillRef>
-          <a:effectRef idx="0">
-            <a:schemeClr val="accent1"/>
-          </a:effectRef>
-          <a:fontRef idx="minor">
-            <a:schemeClr val="tx1"/>
-          </a:fontRef>
-        </p:style>
-      </p:cxnSp>
-      <p:cxnSp>
-        <p:nvCxnSpPr>
-          <p:cNvPr id="25" name="Прямая соединительная линия 24"/>
-          <p:cNvCxnSpPr>
-            <a:stCxn id="16" idx="4"/>
-            <a:endCxn id="21" idx="0"/>
-          </p:cNvCxnSpPr>
-          <p:nvPr/>
-        </p:nvCxnSpPr>
-        <p:spPr>
-          <a:xfrm>
-            <a:off x="7560332" y="5373216"/>
-            <a:ext cx="504056" cy="216024"/>
-          </a:xfrm>
-          <a:prstGeom prst="line">
-            <a:avLst/>
-          </a:prstGeom>
-        </p:spPr>
-        <p:style>
-          <a:lnRef idx="1">
-            <a:schemeClr val="accent1"/>
-          </a:lnRef>
-          <a:fillRef idx="0">
-            <a:schemeClr val="accent1"/>
-          </a:fillRef>
-          <a:effectRef idx="0">
-            <a:schemeClr val="accent1"/>
-          </a:effectRef>
-          <a:fontRef idx="minor">
-            <a:schemeClr val="tx1"/>
-          </a:fontRef>
-        </p:style>
-      </p:cxnSp>
-      <p:sp>
-        <p:nvSpPr>
-          <p:cNvPr id="28" name="Овал 27"/>
-          <p:cNvSpPr/>
-          <p:nvPr/>
-        </p:nvSpPr>
-        <p:spPr>
-          <a:xfrm>
-            <a:off x="1475656" y="1484784"/>
-            <a:ext cx="1512168" cy="1152128"/>
-          </a:xfrm>
-          <a:prstGeom prst="ellipse">
-            <a:avLst/>
-          </a:prstGeom>
-        </p:spPr>
-        <p:style>
-          <a:lnRef idx="2">
-            <a:schemeClr val="accent1">
-              <a:shade val="50000"/>
-            </a:schemeClr>
-          </a:lnRef>
-          <a:fillRef idx="1">
-            <a:schemeClr val="accent1"/>
-          </a:fillRef>
-          <a:effectRef idx="0">
-            <a:schemeClr val="accent1"/>
-          </a:effectRef>
-          <a:fontRef idx="minor">
-            <a:schemeClr val="lt1"/>
-          </a:fontRef>
-        </p:style>
-        <p:txBody>
-          <a:bodyPr rtlCol="0" anchor="ctr"/>
-          <a:lstStyle/>
-          <a:p>
-            <a:pPr algn="ctr"/>
-            <a:r>
-              <a:rPr lang="en-US" sz="3200" dirty="0" err="1" smtClean="0"/>
-              <a:t>cos</a:t>
-            </a:r>
-            <a:endParaRPr lang="ru-RU" sz="3200" dirty="0"/>
-          </a:p>
-        </p:txBody>
-      </p:sp>
-      <p:cxnSp>
-        <p:nvCxnSpPr>
-          <p:cNvPr id="30" name="Прямая соединительная линия 29"/>
-          <p:cNvCxnSpPr>
-            <a:stCxn id="28" idx="4"/>
-            <a:endCxn id="4" idx="0"/>
-          </p:cNvCxnSpPr>
-          <p:nvPr/>
-        </p:nvCxnSpPr>
-        <p:spPr>
-          <a:xfrm>
-            <a:off x="2231740" y="2636912"/>
-            <a:ext cx="0" cy="504056"/>
-          </a:xfrm>
-          <a:prstGeom prst="line">
-            <a:avLst/>
-          </a:prstGeom>
-        </p:spPr>
-        <p:style>
-          <a:lnRef idx="1">
-            <a:schemeClr val="accent1"/>
-          </a:lnRef>
-          <a:fillRef idx="0">
-            <a:schemeClr val="accent1"/>
-          </a:fillRef>
-          <a:effectRef idx="0">
-            <a:schemeClr val="accent1"/>
-          </a:effectRef>
-          <a:fontRef idx="minor">
-            <a:schemeClr val="tx1"/>
-          </a:fontRef>
-        </p:style>
-      </p:cxnSp>
-    </p:spTree>
-    <p:extLst>
-      <p:ext uri="{BB962C8B-B14F-4D97-AF65-F5344CB8AC3E}">
-        <p14:creationId xmlns:p14="http://schemas.microsoft.com/office/powerpoint/2010/main" val="3276274243"/>
-      </p:ext>
-    </p:extLst>
-  </p:cSld>
-  <p:clrMapOvr>
-    <a:masterClrMapping/>
-  </p:clrMapOvr>
-  <p:timing>
-    <p:tnLst>
-      <p:par>
-        <p:cTn id="1" dur="indefinite" restart="never" nodeType="tmRoot"/>
-      </p:par>
-    </p:tnLst>
-  </p:timing>
-</p:sld>
-</file>
-
-<file path=ppt/slides/slide15.xml><?xml version="1.0" encoding="utf-8"?>
+<file path=ppt/slides/slide18.xml><?xml version="1.0" encoding="utf-8"?>
 <p:sld xmlns:a="http://schemas.openxmlformats.org/drawingml/2006/main" xmlns:r="http://schemas.openxmlformats.org/officeDocument/2006/relationships" xmlns:p="http://schemas.openxmlformats.org/presentationml/2006/main">
   <p:cSld>
     <p:spTree>
@@ -7679,7 +10178,7 @@
 </p:sld>
 </file>
 
-<file path=ppt/slides/slide16.xml><?xml version="1.0" encoding="utf-8"?>
+<file path=ppt/slides/slide19.xml><?xml version="1.0" encoding="utf-8"?>
 <p:sld xmlns:a="http://schemas.openxmlformats.org/drawingml/2006/main" xmlns:r="http://schemas.openxmlformats.org/officeDocument/2006/relationships" xmlns:p="http://schemas.openxmlformats.org/presentationml/2006/main">
   <p:cSld>
     <p:spTree>
@@ -8556,2693 +11055,6 @@
 </p:sld>
 </file>
 
-<file path=ppt/slides/slide17.xml><?xml version="1.0" encoding="utf-8"?>
-<p:sld xmlns:a="http://schemas.openxmlformats.org/drawingml/2006/main" xmlns:r="http://schemas.openxmlformats.org/officeDocument/2006/relationships" xmlns:p="http://schemas.openxmlformats.org/presentationml/2006/main">
-  <p:cSld>
-    <p:spTree>
-      <p:nvGrpSpPr>
-        <p:cNvPr id="1" name=""/>
-        <p:cNvGrpSpPr/>
-        <p:nvPr/>
-      </p:nvGrpSpPr>
-      <p:grpSpPr>
-        <a:xfrm>
-          <a:off x="0" y="0"/>
-          <a:ext cx="0" cy="0"/>
-          <a:chOff x="0" y="0"/>
-          <a:chExt cx="0" cy="0"/>
-        </a:xfrm>
-      </p:grpSpPr>
-      <p:sp>
-        <p:nvSpPr>
-          <p:cNvPr id="2" name="Заголовок 1"/>
-          <p:cNvSpPr>
-            <a:spLocks noGrp="1"/>
-          </p:cNvSpPr>
-          <p:nvPr>
-            <p:ph type="title"/>
-          </p:nvPr>
-        </p:nvSpPr>
-        <p:spPr>
-          <a:xfrm>
-            <a:off x="611560" y="-187424"/>
-            <a:ext cx="8208912" cy="1600200"/>
-          </a:xfrm>
-        </p:spPr>
-        <p:txBody>
-          <a:bodyPr>
-            <a:normAutofit/>
-          </a:bodyPr>
-          <a:lstStyle/>
-          <a:p>
-            <a:pPr algn="ctr"/>
-            <a:r>
-              <a:rPr lang="ru-RU" sz="4400" dirty="0" smtClean="0"/>
-              <a:t>Узловая. Функция на функцию</a:t>
-            </a:r>
-            <a:endParaRPr lang="ru-RU" sz="4400" dirty="0"/>
-          </a:p>
-        </p:txBody>
-      </p:sp>
-      <p:sp>
-        <p:nvSpPr>
-          <p:cNvPr id="4" name="Овал 3"/>
-          <p:cNvSpPr/>
-          <p:nvPr/>
-        </p:nvSpPr>
-        <p:spPr>
-          <a:xfrm>
-            <a:off x="1403648" y="1688453"/>
-            <a:ext cx="1512168" cy="1152128"/>
-          </a:xfrm>
-          <a:prstGeom prst="ellipse">
-            <a:avLst/>
-          </a:prstGeom>
-        </p:spPr>
-        <p:style>
-          <a:lnRef idx="2">
-            <a:schemeClr val="accent1">
-              <a:shade val="50000"/>
-            </a:schemeClr>
-          </a:lnRef>
-          <a:fillRef idx="1">
-            <a:schemeClr val="accent1"/>
-          </a:fillRef>
-          <a:effectRef idx="0">
-            <a:schemeClr val="accent1"/>
-          </a:effectRef>
-          <a:fontRef idx="minor">
-            <a:schemeClr val="lt1"/>
-          </a:fontRef>
-        </p:style>
-        <p:txBody>
-          <a:bodyPr rtlCol="0" anchor="ctr"/>
-          <a:lstStyle/>
-          <a:p>
-            <a:pPr algn="ctr"/>
-            <a:r>
-              <a:rPr lang="en-US" sz="3200" dirty="0" smtClean="0"/>
-              <a:t>/</a:t>
-            </a:r>
-            <a:endParaRPr lang="ru-RU" sz="3200" dirty="0"/>
-          </a:p>
-        </p:txBody>
-      </p:sp>
-      <p:sp>
-        <p:nvSpPr>
-          <p:cNvPr id="5" name="Овал 4"/>
-          <p:cNvSpPr/>
-          <p:nvPr/>
-        </p:nvSpPr>
-        <p:spPr>
-          <a:xfrm>
-            <a:off x="179512" y="2996952"/>
-            <a:ext cx="1512168" cy="1152128"/>
-          </a:xfrm>
-          <a:prstGeom prst="ellipse">
-            <a:avLst/>
-          </a:prstGeom>
-        </p:spPr>
-        <p:style>
-          <a:lnRef idx="2">
-            <a:schemeClr val="accent1">
-              <a:shade val="50000"/>
-            </a:schemeClr>
-          </a:lnRef>
-          <a:fillRef idx="1">
-            <a:schemeClr val="accent1"/>
-          </a:fillRef>
-          <a:effectRef idx="0">
-            <a:schemeClr val="accent1"/>
-          </a:effectRef>
-          <a:fontRef idx="minor">
-            <a:schemeClr val="lt1"/>
-          </a:fontRef>
-        </p:style>
-        <p:txBody>
-          <a:bodyPr rtlCol="0" anchor="ctr"/>
-          <a:lstStyle/>
-          <a:p>
-            <a:pPr algn="ctr"/>
-            <a:r>
-              <a:rPr lang="en-US" sz="3200" dirty="0" err="1" smtClean="0"/>
-              <a:t>exp</a:t>
-            </a:r>
-            <a:endParaRPr lang="ru-RU" sz="3200" dirty="0"/>
-          </a:p>
-        </p:txBody>
-      </p:sp>
-      <p:sp>
-        <p:nvSpPr>
-          <p:cNvPr id="6" name="Овал 5"/>
-          <p:cNvSpPr/>
-          <p:nvPr/>
-        </p:nvSpPr>
-        <p:spPr>
-          <a:xfrm>
-            <a:off x="2987824" y="2924944"/>
-            <a:ext cx="1512168" cy="1152128"/>
-          </a:xfrm>
-          <a:prstGeom prst="ellipse">
-            <a:avLst/>
-          </a:prstGeom>
-        </p:spPr>
-        <p:style>
-          <a:lnRef idx="2">
-            <a:schemeClr val="accent1">
-              <a:shade val="50000"/>
-            </a:schemeClr>
-          </a:lnRef>
-          <a:fillRef idx="1">
-            <a:schemeClr val="accent1"/>
-          </a:fillRef>
-          <a:effectRef idx="0">
-            <a:schemeClr val="accent1"/>
-          </a:effectRef>
-          <a:fontRef idx="minor">
-            <a:schemeClr val="lt1"/>
-          </a:fontRef>
-        </p:style>
-        <p:txBody>
-          <a:bodyPr rtlCol="0" anchor="ctr"/>
-          <a:lstStyle/>
-          <a:p>
-            <a:pPr algn="ctr"/>
-            <a:r>
-              <a:rPr lang="en-US" sz="3200" dirty="0" smtClean="0"/>
-              <a:t>abs</a:t>
-            </a:r>
-            <a:endParaRPr lang="ru-RU" sz="3200" dirty="0"/>
-          </a:p>
-        </p:txBody>
-      </p:sp>
-      <p:sp>
-        <p:nvSpPr>
-          <p:cNvPr id="7" name="Овал 6"/>
-          <p:cNvSpPr/>
-          <p:nvPr/>
-        </p:nvSpPr>
-        <p:spPr>
-          <a:xfrm>
-            <a:off x="179512" y="4675679"/>
-            <a:ext cx="1512168" cy="1152128"/>
-          </a:xfrm>
-          <a:prstGeom prst="ellipse">
-            <a:avLst/>
-          </a:prstGeom>
-        </p:spPr>
-        <p:style>
-          <a:lnRef idx="2">
-            <a:schemeClr val="accent1">
-              <a:shade val="50000"/>
-            </a:schemeClr>
-          </a:lnRef>
-          <a:fillRef idx="1">
-            <a:schemeClr val="accent1"/>
-          </a:fillRef>
-          <a:effectRef idx="0">
-            <a:schemeClr val="accent1"/>
-          </a:effectRef>
-          <a:fontRef idx="minor">
-            <a:schemeClr val="lt1"/>
-          </a:fontRef>
-        </p:style>
-        <p:txBody>
-          <a:bodyPr rtlCol="0" anchor="ctr"/>
-          <a:lstStyle/>
-          <a:p>
-            <a:pPr algn="ctr"/>
-            <a:r>
-              <a:rPr lang="en-US" sz="3200" dirty="0" smtClean="0"/>
-              <a:t>x</a:t>
-            </a:r>
-            <a:endParaRPr lang="ru-RU" sz="3200" dirty="0"/>
-          </a:p>
-        </p:txBody>
-      </p:sp>
-      <p:sp>
-        <p:nvSpPr>
-          <p:cNvPr id="8" name="Овал 7"/>
-          <p:cNvSpPr/>
-          <p:nvPr/>
-        </p:nvSpPr>
-        <p:spPr>
-          <a:xfrm>
-            <a:off x="2987824" y="4603671"/>
-            <a:ext cx="1512168" cy="1152128"/>
-          </a:xfrm>
-          <a:prstGeom prst="ellipse">
-            <a:avLst/>
-          </a:prstGeom>
-        </p:spPr>
-        <p:style>
-          <a:lnRef idx="2">
-            <a:schemeClr val="accent1">
-              <a:shade val="50000"/>
-            </a:schemeClr>
-          </a:lnRef>
-          <a:fillRef idx="1">
-            <a:schemeClr val="accent1"/>
-          </a:fillRef>
-          <a:effectRef idx="0">
-            <a:schemeClr val="accent1"/>
-          </a:effectRef>
-          <a:fontRef idx="minor">
-            <a:schemeClr val="lt1"/>
-          </a:fontRef>
-        </p:style>
-        <p:txBody>
-          <a:bodyPr rtlCol="0" anchor="ctr"/>
-          <a:lstStyle/>
-          <a:p>
-            <a:pPr algn="ctr"/>
-            <a:r>
-              <a:rPr lang="en-US" sz="3200" dirty="0" smtClean="0"/>
-              <a:t>-3.56</a:t>
-            </a:r>
-            <a:endParaRPr lang="ru-RU" sz="3200" dirty="0"/>
-          </a:p>
-        </p:txBody>
-      </p:sp>
-      <p:cxnSp>
-        <p:nvCxnSpPr>
-          <p:cNvPr id="9" name="Прямая соединительная линия 8"/>
-          <p:cNvCxnSpPr>
-            <a:stCxn id="5" idx="0"/>
-            <a:endCxn id="4" idx="3"/>
-          </p:cNvCxnSpPr>
-          <p:nvPr/>
-        </p:nvCxnSpPr>
-        <p:spPr>
-          <a:xfrm flipV="1">
-            <a:off x="935596" y="2671856"/>
-            <a:ext cx="689504" cy="325096"/>
-          </a:xfrm>
-          <a:prstGeom prst="line">
-            <a:avLst/>
-          </a:prstGeom>
-        </p:spPr>
-        <p:style>
-          <a:lnRef idx="1">
-            <a:schemeClr val="accent1"/>
-          </a:lnRef>
-          <a:fillRef idx="0">
-            <a:schemeClr val="accent1"/>
-          </a:fillRef>
-          <a:effectRef idx="0">
-            <a:schemeClr val="accent1"/>
-          </a:effectRef>
-          <a:fontRef idx="minor">
-            <a:schemeClr val="tx1"/>
-          </a:fontRef>
-        </p:style>
-      </p:cxnSp>
-      <p:cxnSp>
-        <p:nvCxnSpPr>
-          <p:cNvPr id="10" name="Прямая соединительная линия 9"/>
-          <p:cNvCxnSpPr>
-            <a:stCxn id="4" idx="5"/>
-            <a:endCxn id="6" idx="1"/>
-          </p:cNvCxnSpPr>
-          <p:nvPr/>
-        </p:nvCxnSpPr>
-        <p:spPr>
-          <a:xfrm>
-            <a:off x="2694364" y="2671856"/>
-            <a:ext cx="514912" cy="421813"/>
-          </a:xfrm>
-          <a:prstGeom prst="line">
-            <a:avLst/>
-          </a:prstGeom>
-        </p:spPr>
-        <p:style>
-          <a:lnRef idx="1">
-            <a:schemeClr val="accent1"/>
-          </a:lnRef>
-          <a:fillRef idx="0">
-            <a:schemeClr val="accent1"/>
-          </a:fillRef>
-          <a:effectRef idx="0">
-            <a:schemeClr val="accent1"/>
-          </a:effectRef>
-          <a:fontRef idx="minor">
-            <a:schemeClr val="tx1"/>
-          </a:fontRef>
-        </p:style>
-      </p:cxnSp>
-      <p:cxnSp>
-        <p:nvCxnSpPr>
-          <p:cNvPr id="11" name="Прямая соединительная линия 10"/>
-          <p:cNvCxnSpPr>
-            <a:stCxn id="5" idx="4"/>
-          </p:cNvCxnSpPr>
-          <p:nvPr/>
-        </p:nvCxnSpPr>
-        <p:spPr>
-          <a:xfrm>
-            <a:off x="935596" y="4149080"/>
-            <a:ext cx="0" cy="648072"/>
-          </a:xfrm>
-          <a:prstGeom prst="line">
-            <a:avLst/>
-          </a:prstGeom>
-        </p:spPr>
-        <p:style>
-          <a:lnRef idx="1">
-            <a:schemeClr val="accent1"/>
-          </a:lnRef>
-          <a:fillRef idx="0">
-            <a:schemeClr val="accent1"/>
-          </a:fillRef>
-          <a:effectRef idx="0">
-            <a:schemeClr val="accent1"/>
-          </a:effectRef>
-          <a:fontRef idx="minor">
-            <a:schemeClr val="tx1"/>
-          </a:fontRef>
-        </p:style>
-      </p:cxnSp>
-      <p:cxnSp>
-        <p:nvCxnSpPr>
-          <p:cNvPr id="12" name="Прямая соединительная линия 11"/>
-          <p:cNvCxnSpPr>
-            <a:stCxn id="6" idx="4"/>
-            <a:endCxn id="8" idx="0"/>
-          </p:cNvCxnSpPr>
-          <p:nvPr/>
-        </p:nvCxnSpPr>
-        <p:spPr>
-          <a:xfrm>
-            <a:off x="3743908" y="4077072"/>
-            <a:ext cx="0" cy="526599"/>
-          </a:xfrm>
-          <a:prstGeom prst="line">
-            <a:avLst/>
-          </a:prstGeom>
-        </p:spPr>
-        <p:style>
-          <a:lnRef idx="1">
-            <a:schemeClr val="accent1"/>
-          </a:lnRef>
-          <a:fillRef idx="0">
-            <a:schemeClr val="accent1"/>
-          </a:fillRef>
-          <a:effectRef idx="0">
-            <a:schemeClr val="accent1"/>
-          </a:effectRef>
-          <a:fontRef idx="minor">
-            <a:schemeClr val="tx1"/>
-          </a:fontRef>
-        </p:style>
-      </p:cxnSp>
-      <p:sp>
-        <p:nvSpPr>
-          <p:cNvPr id="13" name="Овал 12"/>
-          <p:cNvSpPr/>
-          <p:nvPr/>
-        </p:nvSpPr>
-        <p:spPr>
-          <a:xfrm>
-            <a:off x="5940152" y="1628800"/>
-            <a:ext cx="1512168" cy="1152128"/>
-          </a:xfrm>
-          <a:prstGeom prst="ellipse">
-            <a:avLst/>
-          </a:prstGeom>
-        </p:spPr>
-        <p:style>
-          <a:lnRef idx="2">
-            <a:schemeClr val="accent1">
-              <a:shade val="50000"/>
-            </a:schemeClr>
-          </a:lnRef>
-          <a:fillRef idx="1">
-            <a:schemeClr val="accent1"/>
-          </a:fillRef>
-          <a:effectRef idx="0">
-            <a:schemeClr val="accent1"/>
-          </a:effectRef>
-          <a:fontRef idx="minor">
-            <a:schemeClr val="lt1"/>
-          </a:fontRef>
-        </p:style>
-        <p:txBody>
-          <a:bodyPr rtlCol="0" anchor="ctr"/>
-          <a:lstStyle/>
-          <a:p>
-            <a:pPr algn="ctr"/>
-            <a:r>
-              <a:rPr lang="en-US" sz="3200" dirty="0" smtClean="0"/>
-              <a:t>/</a:t>
-            </a:r>
-            <a:endParaRPr lang="ru-RU" sz="3200" dirty="0"/>
-          </a:p>
-        </p:txBody>
-      </p:sp>
-      <p:sp>
-        <p:nvSpPr>
-          <p:cNvPr id="14" name="Овал 13"/>
-          <p:cNvSpPr/>
-          <p:nvPr/>
-        </p:nvSpPr>
-        <p:spPr>
-          <a:xfrm>
-            <a:off x="4716016" y="2937299"/>
-            <a:ext cx="1512168" cy="1152128"/>
-          </a:xfrm>
-          <a:prstGeom prst="ellipse">
-            <a:avLst/>
-          </a:prstGeom>
-        </p:spPr>
-        <p:style>
-          <a:lnRef idx="2">
-            <a:schemeClr val="accent1">
-              <a:shade val="50000"/>
-            </a:schemeClr>
-          </a:lnRef>
-          <a:fillRef idx="1">
-            <a:schemeClr val="accent1"/>
-          </a:fillRef>
-          <a:effectRef idx="0">
-            <a:schemeClr val="accent1"/>
-          </a:effectRef>
-          <a:fontRef idx="minor">
-            <a:schemeClr val="lt1"/>
-          </a:fontRef>
-        </p:style>
-        <p:txBody>
-          <a:bodyPr rtlCol="0" anchor="ctr"/>
-          <a:lstStyle/>
-          <a:p>
-            <a:pPr algn="ctr"/>
-            <a:r>
-              <a:rPr lang="en-US" sz="3200" dirty="0" smtClean="0"/>
-              <a:t>sin</a:t>
-            </a:r>
-            <a:endParaRPr lang="ru-RU" sz="3200" dirty="0"/>
-          </a:p>
-        </p:txBody>
-      </p:sp>
-      <p:sp>
-        <p:nvSpPr>
-          <p:cNvPr id="15" name="Овал 14"/>
-          <p:cNvSpPr/>
-          <p:nvPr/>
-        </p:nvSpPr>
-        <p:spPr>
-          <a:xfrm>
-            <a:off x="7524328" y="2865291"/>
-            <a:ext cx="1512168" cy="1152128"/>
-          </a:xfrm>
-          <a:prstGeom prst="ellipse">
-            <a:avLst/>
-          </a:prstGeom>
-        </p:spPr>
-        <p:style>
-          <a:lnRef idx="2">
-            <a:schemeClr val="accent1">
-              <a:shade val="50000"/>
-            </a:schemeClr>
-          </a:lnRef>
-          <a:fillRef idx="1">
-            <a:schemeClr val="accent1"/>
-          </a:fillRef>
-          <a:effectRef idx="0">
-            <a:schemeClr val="accent1"/>
-          </a:effectRef>
-          <a:fontRef idx="minor">
-            <a:schemeClr val="lt1"/>
-          </a:fontRef>
-        </p:style>
-        <p:txBody>
-          <a:bodyPr rtlCol="0" anchor="ctr"/>
-          <a:lstStyle/>
-          <a:p>
-            <a:pPr algn="ctr"/>
-            <a:r>
-              <a:rPr lang="en-US" sz="3200" dirty="0" smtClean="0"/>
-              <a:t>abs</a:t>
-            </a:r>
-            <a:endParaRPr lang="ru-RU" sz="3200" dirty="0"/>
-          </a:p>
-        </p:txBody>
-      </p:sp>
-      <p:sp>
-        <p:nvSpPr>
-          <p:cNvPr id="16" name="Овал 15"/>
-          <p:cNvSpPr/>
-          <p:nvPr/>
-        </p:nvSpPr>
-        <p:spPr>
-          <a:xfrm>
-            <a:off x="4716016" y="4616026"/>
-            <a:ext cx="1512168" cy="1152128"/>
-          </a:xfrm>
-          <a:prstGeom prst="ellipse">
-            <a:avLst/>
-          </a:prstGeom>
-        </p:spPr>
-        <p:style>
-          <a:lnRef idx="2">
-            <a:schemeClr val="accent1">
-              <a:shade val="50000"/>
-            </a:schemeClr>
-          </a:lnRef>
-          <a:fillRef idx="1">
-            <a:schemeClr val="accent1"/>
-          </a:fillRef>
-          <a:effectRef idx="0">
-            <a:schemeClr val="accent1"/>
-          </a:effectRef>
-          <a:fontRef idx="minor">
-            <a:schemeClr val="lt1"/>
-          </a:fontRef>
-        </p:style>
-        <p:txBody>
-          <a:bodyPr rtlCol="0" anchor="ctr"/>
-          <a:lstStyle/>
-          <a:p>
-            <a:pPr algn="ctr"/>
-            <a:r>
-              <a:rPr lang="en-US" sz="3200" dirty="0" smtClean="0"/>
-              <a:t>x</a:t>
-            </a:r>
-            <a:endParaRPr lang="ru-RU" sz="3200" dirty="0"/>
-          </a:p>
-        </p:txBody>
-      </p:sp>
-      <p:sp>
-        <p:nvSpPr>
-          <p:cNvPr id="17" name="Овал 16"/>
-          <p:cNvSpPr/>
-          <p:nvPr/>
-        </p:nvSpPr>
-        <p:spPr>
-          <a:xfrm>
-            <a:off x="7524328" y="4544018"/>
-            <a:ext cx="1512168" cy="1152128"/>
-          </a:xfrm>
-          <a:prstGeom prst="ellipse">
-            <a:avLst/>
-          </a:prstGeom>
-        </p:spPr>
-        <p:style>
-          <a:lnRef idx="2">
-            <a:schemeClr val="accent1">
-              <a:shade val="50000"/>
-            </a:schemeClr>
-          </a:lnRef>
-          <a:fillRef idx="1">
-            <a:schemeClr val="accent1"/>
-          </a:fillRef>
-          <a:effectRef idx="0">
-            <a:schemeClr val="accent1"/>
-          </a:effectRef>
-          <a:fontRef idx="minor">
-            <a:schemeClr val="lt1"/>
-          </a:fontRef>
-        </p:style>
-        <p:txBody>
-          <a:bodyPr rtlCol="0" anchor="ctr"/>
-          <a:lstStyle/>
-          <a:p>
-            <a:pPr algn="ctr"/>
-            <a:r>
-              <a:rPr lang="ru-RU" sz="3200" dirty="0" smtClean="0"/>
-              <a:t>-3.56</a:t>
-            </a:r>
-            <a:endParaRPr lang="ru-RU" sz="3200" dirty="0"/>
-          </a:p>
-        </p:txBody>
-      </p:sp>
-      <p:cxnSp>
-        <p:nvCxnSpPr>
-          <p:cNvPr id="18" name="Прямая соединительная линия 17"/>
-          <p:cNvCxnSpPr>
-            <a:stCxn id="14" idx="0"/>
-            <a:endCxn id="13" idx="3"/>
-          </p:cNvCxnSpPr>
-          <p:nvPr/>
-        </p:nvCxnSpPr>
-        <p:spPr>
-          <a:xfrm flipV="1">
-            <a:off x="5472100" y="2612203"/>
-            <a:ext cx="689504" cy="325096"/>
-          </a:xfrm>
-          <a:prstGeom prst="line">
-            <a:avLst/>
-          </a:prstGeom>
-        </p:spPr>
-        <p:style>
-          <a:lnRef idx="1">
-            <a:schemeClr val="accent1"/>
-          </a:lnRef>
-          <a:fillRef idx="0">
-            <a:schemeClr val="accent1"/>
-          </a:fillRef>
-          <a:effectRef idx="0">
-            <a:schemeClr val="accent1"/>
-          </a:effectRef>
-          <a:fontRef idx="minor">
-            <a:schemeClr val="tx1"/>
-          </a:fontRef>
-        </p:style>
-      </p:cxnSp>
-      <p:cxnSp>
-        <p:nvCxnSpPr>
-          <p:cNvPr id="19" name="Прямая соединительная линия 18"/>
-          <p:cNvCxnSpPr>
-            <a:stCxn id="13" idx="5"/>
-            <a:endCxn id="15" idx="1"/>
-          </p:cNvCxnSpPr>
-          <p:nvPr/>
-        </p:nvCxnSpPr>
-        <p:spPr>
-          <a:xfrm>
-            <a:off x="7230868" y="2612203"/>
-            <a:ext cx="514912" cy="421813"/>
-          </a:xfrm>
-          <a:prstGeom prst="line">
-            <a:avLst/>
-          </a:prstGeom>
-        </p:spPr>
-        <p:style>
-          <a:lnRef idx="1">
-            <a:schemeClr val="accent1"/>
-          </a:lnRef>
-          <a:fillRef idx="0">
-            <a:schemeClr val="accent1"/>
-          </a:fillRef>
-          <a:effectRef idx="0">
-            <a:schemeClr val="accent1"/>
-          </a:effectRef>
-          <a:fontRef idx="minor">
-            <a:schemeClr val="tx1"/>
-          </a:fontRef>
-        </p:style>
-      </p:cxnSp>
-      <p:cxnSp>
-        <p:nvCxnSpPr>
-          <p:cNvPr id="20" name="Прямая соединительная линия 19"/>
-          <p:cNvCxnSpPr>
-            <a:stCxn id="14" idx="4"/>
-            <a:endCxn id="16" idx="0"/>
-          </p:cNvCxnSpPr>
-          <p:nvPr/>
-        </p:nvCxnSpPr>
-        <p:spPr>
-          <a:xfrm>
-            <a:off x="5472100" y="4089427"/>
-            <a:ext cx="0" cy="526599"/>
-          </a:xfrm>
-          <a:prstGeom prst="line">
-            <a:avLst/>
-          </a:prstGeom>
-        </p:spPr>
-        <p:style>
-          <a:lnRef idx="1">
-            <a:schemeClr val="accent1"/>
-          </a:lnRef>
-          <a:fillRef idx="0">
-            <a:schemeClr val="accent1"/>
-          </a:fillRef>
-          <a:effectRef idx="0">
-            <a:schemeClr val="accent1"/>
-          </a:effectRef>
-          <a:fontRef idx="minor">
-            <a:schemeClr val="tx1"/>
-          </a:fontRef>
-        </p:style>
-      </p:cxnSp>
-      <p:cxnSp>
-        <p:nvCxnSpPr>
-          <p:cNvPr id="21" name="Прямая соединительная линия 20"/>
-          <p:cNvCxnSpPr>
-            <a:stCxn id="15" idx="4"/>
-            <a:endCxn id="17" idx="0"/>
-          </p:cNvCxnSpPr>
-          <p:nvPr/>
-        </p:nvCxnSpPr>
-        <p:spPr>
-          <a:xfrm>
-            <a:off x="8280412" y="4017419"/>
-            <a:ext cx="0" cy="526599"/>
-          </a:xfrm>
-          <a:prstGeom prst="line">
-            <a:avLst/>
-          </a:prstGeom>
-        </p:spPr>
-        <p:style>
-          <a:lnRef idx="1">
-            <a:schemeClr val="accent1"/>
-          </a:lnRef>
-          <a:fillRef idx="0">
-            <a:schemeClr val="accent1"/>
-          </a:fillRef>
-          <a:effectRef idx="0">
-            <a:schemeClr val="accent1"/>
-          </a:effectRef>
-          <a:fontRef idx="minor">
-            <a:schemeClr val="tx1"/>
-          </a:fontRef>
-        </p:style>
-      </p:cxnSp>
-    </p:spTree>
-    <p:extLst>
-      <p:ext uri="{BB962C8B-B14F-4D97-AF65-F5344CB8AC3E}">
-        <p14:creationId xmlns:p14="http://schemas.microsoft.com/office/powerpoint/2010/main" val="1477867708"/>
-      </p:ext>
-    </p:extLst>
-  </p:cSld>
-  <p:clrMapOvr>
-    <a:masterClrMapping/>
-  </p:clrMapOvr>
-  <p:timing>
-    <p:tnLst>
-      <p:par>
-        <p:cTn id="1" dur="indefinite" restart="never" nodeType="tmRoot">
-          <p:childTnLst>
-            <p:seq concurrent="1" nextAc="seek">
-              <p:cTn id="2" dur="indefinite" nodeType="mainSeq">
-                <p:childTnLst>
-                  <p:par>
-                    <p:cTn id="3" fill="hold">
-                      <p:stCondLst>
-                        <p:cond delay="indefinite"/>
-                      </p:stCondLst>
-                      <p:childTnLst>
-                        <p:par>
-                          <p:cTn id="4" fill="hold">
-                            <p:stCondLst>
-                              <p:cond delay="0"/>
-                            </p:stCondLst>
-                            <p:childTnLst>
-                              <p:par>
-                                <p:cTn id="5" presetID="26" presetClass="emph" presetSubtype="0" fill="hold" grpId="0" nodeType="clickEffect">
-                                  <p:stCondLst>
-                                    <p:cond delay="0"/>
-                                  </p:stCondLst>
-                                  <p:childTnLst>
-                                    <p:animEffect transition="out" filter="fade">
-                                      <p:cBhvr>
-                                        <p:cTn id="6" dur="750" tmFilter="0, 0; .2, .5; .8, .5; 1, 0"/>
-                                        <p:tgtEl>
-                                          <p:spTgt spid="5"/>
-                                        </p:tgtEl>
-                                      </p:cBhvr>
-                                    </p:animEffect>
-                                    <p:animScale>
-                                      <p:cBhvr>
-                                        <p:cTn id="7" dur="375" autoRev="1" fill="hold"/>
-                                        <p:tgtEl>
-                                          <p:spTgt spid="5"/>
-                                        </p:tgtEl>
-                                      </p:cBhvr>
-                                      <p:by x="105000" y="105000"/>
-                                    </p:animScale>
-                                  </p:childTnLst>
-                                </p:cTn>
-                              </p:par>
-                            </p:childTnLst>
-                          </p:cTn>
-                        </p:par>
-                        <p:par>
-                          <p:cTn id="8" fill="hold">
-                            <p:stCondLst>
-                              <p:cond delay="750"/>
-                            </p:stCondLst>
-                            <p:childTnLst>
-                              <p:par>
-                                <p:cTn id="9" presetID="26" presetClass="emph" presetSubtype="0" fill="hold" grpId="0" nodeType="afterEffect">
-                                  <p:stCondLst>
-                                    <p:cond delay="0"/>
-                                  </p:stCondLst>
-                                  <p:childTnLst>
-                                    <p:animEffect transition="out" filter="fade">
-                                      <p:cBhvr>
-                                        <p:cTn id="10" dur="750" tmFilter="0, 0; .2, .5; .8, .5; 1, 0"/>
-                                        <p:tgtEl>
-                                          <p:spTgt spid="14"/>
-                                        </p:tgtEl>
-                                      </p:cBhvr>
-                                    </p:animEffect>
-                                    <p:animScale>
-                                      <p:cBhvr>
-                                        <p:cTn id="11" dur="375" autoRev="1" fill="hold"/>
-                                        <p:tgtEl>
-                                          <p:spTgt spid="14"/>
-                                        </p:tgtEl>
-                                      </p:cBhvr>
-                                      <p:by x="105000" y="105000"/>
-                                    </p:animScale>
-                                  </p:childTnLst>
-                                </p:cTn>
-                              </p:par>
-                            </p:childTnLst>
-                          </p:cTn>
-                        </p:par>
-                      </p:childTnLst>
-                    </p:cTn>
-                  </p:par>
-                </p:childTnLst>
-              </p:cTn>
-              <p:prevCondLst>
-                <p:cond evt="onPrev" delay="0">
-                  <p:tgtEl>
-                    <p:sldTgt/>
-                  </p:tgtEl>
-                </p:cond>
-              </p:prevCondLst>
-              <p:nextCondLst>
-                <p:cond evt="onNext" delay="0">
-                  <p:tgtEl>
-                    <p:sldTgt/>
-                  </p:tgtEl>
-                </p:cond>
-              </p:nextCondLst>
-            </p:seq>
-          </p:childTnLst>
-        </p:cTn>
-      </p:par>
-    </p:tnLst>
-    <p:bldLst>
-      <p:bldP spid="5" grpId="0" animBg="1"/>
-      <p:bldP spid="14" grpId="0" animBg="1"/>
-    </p:bldLst>
-  </p:timing>
-</p:sld>
-</file>
-
-<file path=ppt/slides/slide18.xml><?xml version="1.0" encoding="utf-8"?>
-<p:sld xmlns:a="http://schemas.openxmlformats.org/drawingml/2006/main" xmlns:r="http://schemas.openxmlformats.org/officeDocument/2006/relationships" xmlns:p="http://schemas.openxmlformats.org/presentationml/2006/main">
-  <p:cSld>
-    <p:spTree>
-      <p:nvGrpSpPr>
-        <p:cNvPr id="1" name=""/>
-        <p:cNvGrpSpPr/>
-        <p:nvPr/>
-      </p:nvGrpSpPr>
-      <p:grpSpPr>
-        <a:xfrm>
-          <a:off x="0" y="0"/>
-          <a:ext cx="0" cy="0"/>
-          <a:chOff x="0" y="0"/>
-          <a:chExt cx="0" cy="0"/>
-        </a:xfrm>
-      </p:grpSpPr>
-      <p:sp>
-        <p:nvSpPr>
-          <p:cNvPr id="2" name="Заголовок 1"/>
-          <p:cNvSpPr>
-            <a:spLocks noGrp="1"/>
-          </p:cNvSpPr>
-          <p:nvPr>
-            <p:ph type="title"/>
-          </p:nvPr>
-        </p:nvSpPr>
-        <p:spPr>
-          <a:xfrm>
-            <a:off x="971600" y="-171400"/>
-            <a:ext cx="7560840" cy="1600200"/>
-          </a:xfrm>
-        </p:spPr>
-        <p:txBody>
-          <a:bodyPr>
-            <a:normAutofit/>
-          </a:bodyPr>
-          <a:lstStyle/>
-          <a:p>
-            <a:pPr algn="ctr"/>
-            <a:r>
-              <a:rPr lang="ru-RU" sz="4400" dirty="0" smtClean="0"/>
-              <a:t>Усекающая. Функция на терм</a:t>
-            </a:r>
-            <a:endParaRPr lang="ru-RU" sz="4400" dirty="0"/>
-          </a:p>
-        </p:txBody>
-      </p:sp>
-      <p:sp>
-        <p:nvSpPr>
-          <p:cNvPr id="4" name="Овал 3"/>
-          <p:cNvSpPr/>
-          <p:nvPr/>
-        </p:nvSpPr>
-        <p:spPr>
-          <a:xfrm>
-            <a:off x="1403648" y="1688453"/>
-            <a:ext cx="1512168" cy="1152128"/>
-          </a:xfrm>
-          <a:prstGeom prst="ellipse">
-            <a:avLst/>
-          </a:prstGeom>
-        </p:spPr>
-        <p:style>
-          <a:lnRef idx="2">
-            <a:schemeClr val="accent1">
-              <a:shade val="50000"/>
-            </a:schemeClr>
-          </a:lnRef>
-          <a:fillRef idx="1">
-            <a:schemeClr val="accent1"/>
-          </a:fillRef>
-          <a:effectRef idx="0">
-            <a:schemeClr val="accent1"/>
-          </a:effectRef>
-          <a:fontRef idx="minor">
-            <a:schemeClr val="lt1"/>
-          </a:fontRef>
-        </p:style>
-        <p:txBody>
-          <a:bodyPr rtlCol="0" anchor="ctr"/>
-          <a:lstStyle/>
-          <a:p>
-            <a:pPr algn="ctr"/>
-            <a:r>
-              <a:rPr lang="en-US" sz="3200" dirty="0" smtClean="0"/>
-              <a:t>/</a:t>
-            </a:r>
-            <a:endParaRPr lang="ru-RU" sz="3200" dirty="0"/>
-          </a:p>
-        </p:txBody>
-      </p:sp>
-      <p:sp>
-        <p:nvSpPr>
-          <p:cNvPr id="5" name="Овал 4"/>
-          <p:cNvSpPr/>
-          <p:nvPr/>
-        </p:nvSpPr>
-        <p:spPr>
-          <a:xfrm>
-            <a:off x="179512" y="2996952"/>
-            <a:ext cx="1512168" cy="1152128"/>
-          </a:xfrm>
-          <a:prstGeom prst="ellipse">
-            <a:avLst/>
-          </a:prstGeom>
-        </p:spPr>
-        <p:style>
-          <a:lnRef idx="2">
-            <a:schemeClr val="accent1">
-              <a:shade val="50000"/>
-            </a:schemeClr>
-          </a:lnRef>
-          <a:fillRef idx="1">
-            <a:schemeClr val="accent1"/>
-          </a:fillRef>
-          <a:effectRef idx="0">
-            <a:schemeClr val="accent1"/>
-          </a:effectRef>
-          <a:fontRef idx="minor">
-            <a:schemeClr val="lt1"/>
-          </a:fontRef>
-        </p:style>
-        <p:txBody>
-          <a:bodyPr rtlCol="0" anchor="ctr"/>
-          <a:lstStyle/>
-          <a:p>
-            <a:pPr algn="ctr"/>
-            <a:r>
-              <a:rPr lang="en-US" sz="3200" dirty="0" err="1" smtClean="0"/>
-              <a:t>exp</a:t>
-            </a:r>
-            <a:endParaRPr lang="ru-RU" sz="3200" dirty="0"/>
-          </a:p>
-        </p:txBody>
-      </p:sp>
-      <p:sp>
-        <p:nvSpPr>
-          <p:cNvPr id="6" name="Овал 5"/>
-          <p:cNvSpPr/>
-          <p:nvPr/>
-        </p:nvSpPr>
-        <p:spPr>
-          <a:xfrm>
-            <a:off x="2987824" y="2924944"/>
-            <a:ext cx="1512168" cy="1152128"/>
-          </a:xfrm>
-          <a:prstGeom prst="ellipse">
-            <a:avLst/>
-          </a:prstGeom>
-        </p:spPr>
-        <p:style>
-          <a:lnRef idx="2">
-            <a:schemeClr val="accent1">
-              <a:shade val="50000"/>
-            </a:schemeClr>
-          </a:lnRef>
-          <a:fillRef idx="1">
-            <a:schemeClr val="accent1"/>
-          </a:fillRef>
-          <a:effectRef idx="0">
-            <a:schemeClr val="accent1"/>
-          </a:effectRef>
-          <a:fontRef idx="minor">
-            <a:schemeClr val="lt1"/>
-          </a:fontRef>
-        </p:style>
-        <p:txBody>
-          <a:bodyPr rtlCol="0" anchor="ctr"/>
-          <a:lstStyle/>
-          <a:p>
-            <a:pPr algn="ctr"/>
-            <a:r>
-              <a:rPr lang="en-US" sz="3200" dirty="0" smtClean="0"/>
-              <a:t>abs</a:t>
-            </a:r>
-            <a:endParaRPr lang="ru-RU" sz="3200" dirty="0"/>
-          </a:p>
-        </p:txBody>
-      </p:sp>
-      <p:sp>
-        <p:nvSpPr>
-          <p:cNvPr id="7" name="Овал 6"/>
-          <p:cNvSpPr/>
-          <p:nvPr/>
-        </p:nvSpPr>
-        <p:spPr>
-          <a:xfrm>
-            <a:off x="179512" y="4675679"/>
-            <a:ext cx="1512168" cy="1152128"/>
-          </a:xfrm>
-          <a:prstGeom prst="ellipse">
-            <a:avLst/>
-          </a:prstGeom>
-        </p:spPr>
-        <p:style>
-          <a:lnRef idx="2">
-            <a:schemeClr val="accent1">
-              <a:shade val="50000"/>
-            </a:schemeClr>
-          </a:lnRef>
-          <a:fillRef idx="1">
-            <a:schemeClr val="accent1"/>
-          </a:fillRef>
-          <a:effectRef idx="0">
-            <a:schemeClr val="accent1"/>
-          </a:effectRef>
-          <a:fontRef idx="minor">
-            <a:schemeClr val="lt1"/>
-          </a:fontRef>
-        </p:style>
-        <p:txBody>
-          <a:bodyPr rtlCol="0" anchor="ctr"/>
-          <a:lstStyle/>
-          <a:p>
-            <a:pPr algn="ctr"/>
-            <a:r>
-              <a:rPr lang="en-US" sz="3200" dirty="0" smtClean="0"/>
-              <a:t>x</a:t>
-            </a:r>
-            <a:endParaRPr lang="ru-RU" sz="3200" dirty="0"/>
-          </a:p>
-        </p:txBody>
-      </p:sp>
-      <p:sp>
-        <p:nvSpPr>
-          <p:cNvPr id="8" name="Овал 7"/>
-          <p:cNvSpPr/>
-          <p:nvPr/>
-        </p:nvSpPr>
-        <p:spPr>
-          <a:xfrm>
-            <a:off x="2987824" y="4603671"/>
-            <a:ext cx="1512168" cy="1152128"/>
-          </a:xfrm>
-          <a:prstGeom prst="ellipse">
-            <a:avLst/>
-          </a:prstGeom>
-        </p:spPr>
-        <p:style>
-          <a:lnRef idx="2">
-            <a:schemeClr val="accent1">
-              <a:shade val="50000"/>
-            </a:schemeClr>
-          </a:lnRef>
-          <a:fillRef idx="1">
-            <a:schemeClr val="accent1"/>
-          </a:fillRef>
-          <a:effectRef idx="0">
-            <a:schemeClr val="accent1"/>
-          </a:effectRef>
-          <a:fontRef idx="minor">
-            <a:schemeClr val="lt1"/>
-          </a:fontRef>
-        </p:style>
-        <p:txBody>
-          <a:bodyPr rtlCol="0" anchor="ctr"/>
-          <a:lstStyle/>
-          <a:p>
-            <a:pPr algn="ctr"/>
-            <a:r>
-              <a:rPr lang="en-US" sz="3200" dirty="0" smtClean="0"/>
-              <a:t>-3.56</a:t>
-            </a:r>
-            <a:endParaRPr lang="ru-RU" sz="3200" dirty="0"/>
-          </a:p>
-        </p:txBody>
-      </p:sp>
-      <p:cxnSp>
-        <p:nvCxnSpPr>
-          <p:cNvPr id="9" name="Прямая соединительная линия 8"/>
-          <p:cNvCxnSpPr>
-            <a:stCxn id="5" idx="0"/>
-            <a:endCxn id="4" idx="3"/>
-          </p:cNvCxnSpPr>
-          <p:nvPr/>
-        </p:nvCxnSpPr>
-        <p:spPr>
-          <a:xfrm flipV="1">
-            <a:off x="935596" y="2671856"/>
-            <a:ext cx="689504" cy="325096"/>
-          </a:xfrm>
-          <a:prstGeom prst="line">
-            <a:avLst/>
-          </a:prstGeom>
-        </p:spPr>
-        <p:style>
-          <a:lnRef idx="1">
-            <a:schemeClr val="accent1"/>
-          </a:lnRef>
-          <a:fillRef idx="0">
-            <a:schemeClr val="accent1"/>
-          </a:fillRef>
-          <a:effectRef idx="0">
-            <a:schemeClr val="accent1"/>
-          </a:effectRef>
-          <a:fontRef idx="minor">
-            <a:schemeClr val="tx1"/>
-          </a:fontRef>
-        </p:style>
-      </p:cxnSp>
-      <p:cxnSp>
-        <p:nvCxnSpPr>
-          <p:cNvPr id="10" name="Прямая соединительная линия 9"/>
-          <p:cNvCxnSpPr>
-            <a:stCxn id="4" idx="5"/>
-            <a:endCxn id="6" idx="1"/>
-          </p:cNvCxnSpPr>
-          <p:nvPr/>
-        </p:nvCxnSpPr>
-        <p:spPr>
-          <a:xfrm>
-            <a:off x="2694364" y="2671856"/>
-            <a:ext cx="514912" cy="421813"/>
-          </a:xfrm>
-          <a:prstGeom prst="line">
-            <a:avLst/>
-          </a:prstGeom>
-        </p:spPr>
-        <p:style>
-          <a:lnRef idx="1">
-            <a:schemeClr val="accent1"/>
-          </a:lnRef>
-          <a:fillRef idx="0">
-            <a:schemeClr val="accent1"/>
-          </a:fillRef>
-          <a:effectRef idx="0">
-            <a:schemeClr val="accent1"/>
-          </a:effectRef>
-          <a:fontRef idx="minor">
-            <a:schemeClr val="tx1"/>
-          </a:fontRef>
-        </p:style>
-      </p:cxnSp>
-      <p:cxnSp>
-        <p:nvCxnSpPr>
-          <p:cNvPr id="11" name="Прямая соединительная линия 10"/>
-          <p:cNvCxnSpPr>
-            <a:stCxn id="5" idx="4"/>
-          </p:cNvCxnSpPr>
-          <p:nvPr/>
-        </p:nvCxnSpPr>
-        <p:spPr>
-          <a:xfrm>
-            <a:off x="935596" y="4149080"/>
-            <a:ext cx="0" cy="648072"/>
-          </a:xfrm>
-          <a:prstGeom prst="line">
-            <a:avLst/>
-          </a:prstGeom>
-        </p:spPr>
-        <p:style>
-          <a:lnRef idx="1">
-            <a:schemeClr val="accent1"/>
-          </a:lnRef>
-          <a:fillRef idx="0">
-            <a:schemeClr val="accent1"/>
-          </a:fillRef>
-          <a:effectRef idx="0">
-            <a:schemeClr val="accent1"/>
-          </a:effectRef>
-          <a:fontRef idx="minor">
-            <a:schemeClr val="tx1"/>
-          </a:fontRef>
-        </p:style>
-      </p:cxnSp>
-      <p:cxnSp>
-        <p:nvCxnSpPr>
-          <p:cNvPr id="12" name="Прямая соединительная линия 11"/>
-          <p:cNvCxnSpPr>
-            <a:stCxn id="6" idx="4"/>
-            <a:endCxn id="8" idx="0"/>
-          </p:cNvCxnSpPr>
-          <p:nvPr/>
-        </p:nvCxnSpPr>
-        <p:spPr>
-          <a:xfrm>
-            <a:off x="3743908" y="4077072"/>
-            <a:ext cx="0" cy="526599"/>
-          </a:xfrm>
-          <a:prstGeom prst="line">
-            <a:avLst/>
-          </a:prstGeom>
-        </p:spPr>
-        <p:style>
-          <a:lnRef idx="1">
-            <a:schemeClr val="accent1"/>
-          </a:lnRef>
-          <a:fillRef idx="0">
-            <a:schemeClr val="accent1"/>
-          </a:fillRef>
-          <a:effectRef idx="0">
-            <a:schemeClr val="accent1"/>
-          </a:effectRef>
-          <a:fontRef idx="minor">
-            <a:schemeClr val="tx1"/>
-          </a:fontRef>
-        </p:style>
-      </p:cxnSp>
-      <p:sp>
-        <p:nvSpPr>
-          <p:cNvPr id="13" name="Овал 12"/>
-          <p:cNvSpPr/>
-          <p:nvPr/>
-        </p:nvSpPr>
-        <p:spPr>
-          <a:xfrm>
-            <a:off x="5940152" y="1628800"/>
-            <a:ext cx="1512168" cy="1152128"/>
-          </a:xfrm>
-          <a:prstGeom prst="ellipse">
-            <a:avLst/>
-          </a:prstGeom>
-        </p:spPr>
-        <p:style>
-          <a:lnRef idx="2">
-            <a:schemeClr val="accent1">
-              <a:shade val="50000"/>
-            </a:schemeClr>
-          </a:lnRef>
-          <a:fillRef idx="1">
-            <a:schemeClr val="accent1"/>
-          </a:fillRef>
-          <a:effectRef idx="0">
-            <a:schemeClr val="accent1"/>
-          </a:effectRef>
-          <a:fontRef idx="minor">
-            <a:schemeClr val="lt1"/>
-          </a:fontRef>
-        </p:style>
-        <p:txBody>
-          <a:bodyPr rtlCol="0" anchor="ctr"/>
-          <a:lstStyle/>
-          <a:p>
-            <a:pPr algn="ctr"/>
-            <a:r>
-              <a:rPr lang="en-US" sz="3200" dirty="0" smtClean="0"/>
-              <a:t>/</a:t>
-            </a:r>
-            <a:endParaRPr lang="ru-RU" sz="3200" dirty="0"/>
-          </a:p>
-        </p:txBody>
-      </p:sp>
-      <p:sp>
-        <p:nvSpPr>
-          <p:cNvPr id="14" name="Овал 13"/>
-          <p:cNvSpPr/>
-          <p:nvPr/>
-        </p:nvSpPr>
-        <p:spPr>
-          <a:xfrm>
-            <a:off x="4716016" y="2937299"/>
-            <a:ext cx="1512168" cy="1152128"/>
-          </a:xfrm>
-          <a:prstGeom prst="ellipse">
-            <a:avLst/>
-          </a:prstGeom>
-        </p:spPr>
-        <p:style>
-          <a:lnRef idx="2">
-            <a:schemeClr val="accent1">
-              <a:shade val="50000"/>
-            </a:schemeClr>
-          </a:lnRef>
-          <a:fillRef idx="1">
-            <a:schemeClr val="accent1"/>
-          </a:fillRef>
-          <a:effectRef idx="0">
-            <a:schemeClr val="accent1"/>
-          </a:effectRef>
-          <a:fontRef idx="minor">
-            <a:schemeClr val="lt1"/>
-          </a:fontRef>
-        </p:style>
-        <p:txBody>
-          <a:bodyPr rtlCol="0" anchor="ctr"/>
-          <a:lstStyle/>
-          <a:p>
-            <a:pPr algn="ctr"/>
-            <a:r>
-              <a:rPr lang="en-US" sz="3200" dirty="0" err="1" smtClean="0"/>
-              <a:t>exp</a:t>
-            </a:r>
-            <a:endParaRPr lang="ru-RU" sz="3200" dirty="0"/>
-          </a:p>
-        </p:txBody>
-      </p:sp>
-      <p:sp>
-        <p:nvSpPr>
-          <p:cNvPr id="15" name="Овал 14"/>
-          <p:cNvSpPr/>
-          <p:nvPr/>
-        </p:nvSpPr>
-        <p:spPr>
-          <a:xfrm>
-            <a:off x="7524328" y="2865291"/>
-            <a:ext cx="1512168" cy="1152128"/>
-          </a:xfrm>
-          <a:prstGeom prst="ellipse">
-            <a:avLst/>
-          </a:prstGeom>
-        </p:spPr>
-        <p:style>
-          <a:lnRef idx="2">
-            <a:schemeClr val="accent1">
-              <a:shade val="50000"/>
-            </a:schemeClr>
-          </a:lnRef>
-          <a:fillRef idx="1">
-            <a:schemeClr val="accent1"/>
-          </a:fillRef>
-          <a:effectRef idx="0">
-            <a:schemeClr val="accent1"/>
-          </a:effectRef>
-          <a:fontRef idx="minor">
-            <a:schemeClr val="lt1"/>
-          </a:fontRef>
-        </p:style>
-        <p:txBody>
-          <a:bodyPr rtlCol="0" anchor="ctr"/>
-          <a:lstStyle/>
-          <a:p>
-            <a:pPr algn="ctr"/>
-            <a:r>
-              <a:rPr lang="en-US" sz="3200" dirty="0" smtClean="0"/>
-              <a:t>2.9</a:t>
-            </a:r>
-            <a:endParaRPr lang="ru-RU" sz="3200" dirty="0"/>
-          </a:p>
-        </p:txBody>
-      </p:sp>
-      <p:sp>
-        <p:nvSpPr>
-          <p:cNvPr id="16" name="Овал 15"/>
-          <p:cNvSpPr/>
-          <p:nvPr/>
-        </p:nvSpPr>
-        <p:spPr>
-          <a:xfrm>
-            <a:off x="4716016" y="4616026"/>
-            <a:ext cx="1512168" cy="1152128"/>
-          </a:xfrm>
-          <a:prstGeom prst="ellipse">
-            <a:avLst/>
-          </a:prstGeom>
-        </p:spPr>
-        <p:style>
-          <a:lnRef idx="2">
-            <a:schemeClr val="accent1">
-              <a:shade val="50000"/>
-            </a:schemeClr>
-          </a:lnRef>
-          <a:fillRef idx="1">
-            <a:schemeClr val="accent1"/>
-          </a:fillRef>
-          <a:effectRef idx="0">
-            <a:schemeClr val="accent1"/>
-          </a:effectRef>
-          <a:fontRef idx="minor">
-            <a:schemeClr val="lt1"/>
-          </a:fontRef>
-        </p:style>
-        <p:txBody>
-          <a:bodyPr rtlCol="0" anchor="ctr"/>
-          <a:lstStyle/>
-          <a:p>
-            <a:pPr algn="ctr"/>
-            <a:r>
-              <a:rPr lang="en-US" sz="3200" dirty="0" smtClean="0"/>
-              <a:t>x</a:t>
-            </a:r>
-            <a:endParaRPr lang="ru-RU" sz="3200" dirty="0"/>
-          </a:p>
-        </p:txBody>
-      </p:sp>
-      <p:cxnSp>
-        <p:nvCxnSpPr>
-          <p:cNvPr id="18" name="Прямая соединительная линия 17"/>
-          <p:cNvCxnSpPr>
-            <a:stCxn id="14" idx="0"/>
-            <a:endCxn id="13" idx="3"/>
-          </p:cNvCxnSpPr>
-          <p:nvPr/>
-        </p:nvCxnSpPr>
-        <p:spPr>
-          <a:xfrm flipV="1">
-            <a:off x="5472100" y="2612203"/>
-            <a:ext cx="689504" cy="325096"/>
-          </a:xfrm>
-          <a:prstGeom prst="line">
-            <a:avLst/>
-          </a:prstGeom>
-        </p:spPr>
-        <p:style>
-          <a:lnRef idx="1">
-            <a:schemeClr val="accent1"/>
-          </a:lnRef>
-          <a:fillRef idx="0">
-            <a:schemeClr val="accent1"/>
-          </a:fillRef>
-          <a:effectRef idx="0">
-            <a:schemeClr val="accent1"/>
-          </a:effectRef>
-          <a:fontRef idx="minor">
-            <a:schemeClr val="tx1"/>
-          </a:fontRef>
-        </p:style>
-      </p:cxnSp>
-      <p:cxnSp>
-        <p:nvCxnSpPr>
-          <p:cNvPr id="19" name="Прямая соединительная линия 18"/>
-          <p:cNvCxnSpPr>
-            <a:stCxn id="13" idx="5"/>
-            <a:endCxn id="15" idx="1"/>
-          </p:cNvCxnSpPr>
-          <p:nvPr/>
-        </p:nvCxnSpPr>
-        <p:spPr>
-          <a:xfrm>
-            <a:off x="7230868" y="2612203"/>
-            <a:ext cx="514912" cy="421813"/>
-          </a:xfrm>
-          <a:prstGeom prst="line">
-            <a:avLst/>
-          </a:prstGeom>
-        </p:spPr>
-        <p:style>
-          <a:lnRef idx="1">
-            <a:schemeClr val="accent1"/>
-          </a:lnRef>
-          <a:fillRef idx="0">
-            <a:schemeClr val="accent1"/>
-          </a:fillRef>
-          <a:effectRef idx="0">
-            <a:schemeClr val="accent1"/>
-          </a:effectRef>
-          <a:fontRef idx="minor">
-            <a:schemeClr val="tx1"/>
-          </a:fontRef>
-        </p:style>
-      </p:cxnSp>
-      <p:cxnSp>
-        <p:nvCxnSpPr>
-          <p:cNvPr id="20" name="Прямая соединительная линия 19"/>
-          <p:cNvCxnSpPr>
-            <a:stCxn id="14" idx="4"/>
-            <a:endCxn id="16" idx="0"/>
-          </p:cNvCxnSpPr>
-          <p:nvPr/>
-        </p:nvCxnSpPr>
-        <p:spPr>
-          <a:xfrm>
-            <a:off x="5472100" y="4089427"/>
-            <a:ext cx="0" cy="526599"/>
-          </a:xfrm>
-          <a:prstGeom prst="line">
-            <a:avLst/>
-          </a:prstGeom>
-        </p:spPr>
-        <p:style>
-          <a:lnRef idx="1">
-            <a:schemeClr val="accent1"/>
-          </a:lnRef>
-          <a:fillRef idx="0">
-            <a:schemeClr val="accent1"/>
-          </a:fillRef>
-          <a:effectRef idx="0">
-            <a:schemeClr val="accent1"/>
-          </a:effectRef>
-          <a:fontRef idx="minor">
-            <a:schemeClr val="tx1"/>
-          </a:fontRef>
-        </p:style>
-      </p:cxnSp>
-    </p:spTree>
-    <p:extLst>
-      <p:ext uri="{BB962C8B-B14F-4D97-AF65-F5344CB8AC3E}">
-        <p14:creationId xmlns:p14="http://schemas.microsoft.com/office/powerpoint/2010/main" val="1477867708"/>
-      </p:ext>
-    </p:extLst>
-  </p:cSld>
-  <p:clrMapOvr>
-    <a:masterClrMapping/>
-  </p:clrMapOvr>
-  <p:timing>
-    <p:tnLst>
-      <p:par>
-        <p:cTn id="1" dur="indefinite" restart="never" nodeType="tmRoot">
-          <p:childTnLst>
-            <p:seq concurrent="1" nextAc="seek">
-              <p:cTn id="2" dur="indefinite" nodeType="mainSeq">
-                <p:childTnLst>
-                  <p:par>
-                    <p:cTn id="3" fill="hold">
-                      <p:stCondLst>
-                        <p:cond delay="indefinite"/>
-                      </p:stCondLst>
-                      <p:childTnLst>
-                        <p:par>
-                          <p:cTn id="4" fill="hold">
-                            <p:stCondLst>
-                              <p:cond delay="0"/>
-                            </p:stCondLst>
-                            <p:childTnLst>
-                              <p:par>
-                                <p:cTn id="5" presetID="26" presetClass="emph" presetSubtype="0" fill="hold" grpId="0" nodeType="clickEffect">
-                                  <p:stCondLst>
-                                    <p:cond delay="0"/>
-                                  </p:stCondLst>
-                                  <p:childTnLst>
-                                    <p:animEffect transition="out" filter="fade">
-                                      <p:cBhvr>
-                                        <p:cTn id="6" dur="750" tmFilter="0, 0; .2, .5; .8, .5; 1, 0"/>
-                                        <p:tgtEl>
-                                          <p:spTgt spid="6"/>
-                                        </p:tgtEl>
-                                      </p:cBhvr>
-                                    </p:animEffect>
-                                    <p:animScale>
-                                      <p:cBhvr>
-                                        <p:cTn id="7" dur="375" autoRev="1" fill="hold"/>
-                                        <p:tgtEl>
-                                          <p:spTgt spid="6"/>
-                                        </p:tgtEl>
-                                      </p:cBhvr>
-                                      <p:by x="105000" y="105000"/>
-                                    </p:animScale>
-                                  </p:childTnLst>
-                                </p:cTn>
-                              </p:par>
-                            </p:childTnLst>
-                          </p:cTn>
-                        </p:par>
-                        <p:par>
-                          <p:cTn id="8" fill="hold">
-                            <p:stCondLst>
-                              <p:cond delay="750"/>
-                            </p:stCondLst>
-                            <p:childTnLst>
-                              <p:par>
-                                <p:cTn id="9" presetID="26" presetClass="emph" presetSubtype="0" fill="hold" grpId="0" nodeType="afterEffect">
-                                  <p:stCondLst>
-                                    <p:cond delay="0"/>
-                                  </p:stCondLst>
-                                  <p:childTnLst>
-                                    <p:animEffect transition="out" filter="fade">
-                                      <p:cBhvr>
-                                        <p:cTn id="10" dur="750" tmFilter="0, 0; .2, .5; .8, .5; 1, 0"/>
-                                        <p:tgtEl>
-                                          <p:spTgt spid="15"/>
-                                        </p:tgtEl>
-                                      </p:cBhvr>
-                                    </p:animEffect>
-                                    <p:animScale>
-                                      <p:cBhvr>
-                                        <p:cTn id="11" dur="375" autoRev="1" fill="hold"/>
-                                        <p:tgtEl>
-                                          <p:spTgt spid="15"/>
-                                        </p:tgtEl>
-                                      </p:cBhvr>
-                                      <p:by x="105000" y="105000"/>
-                                    </p:animScale>
-                                  </p:childTnLst>
-                                </p:cTn>
-                              </p:par>
-                            </p:childTnLst>
-                          </p:cTn>
-                        </p:par>
-                      </p:childTnLst>
-                    </p:cTn>
-                  </p:par>
-                </p:childTnLst>
-              </p:cTn>
-              <p:prevCondLst>
-                <p:cond evt="onPrev" delay="0">
-                  <p:tgtEl>
-                    <p:sldTgt/>
-                  </p:tgtEl>
-                </p:cond>
-              </p:prevCondLst>
-              <p:nextCondLst>
-                <p:cond evt="onNext" delay="0">
-                  <p:tgtEl>
-                    <p:sldTgt/>
-                  </p:tgtEl>
-                </p:cond>
-              </p:nextCondLst>
-            </p:seq>
-          </p:childTnLst>
-        </p:cTn>
-      </p:par>
-    </p:tnLst>
-    <p:bldLst>
-      <p:bldP spid="6" grpId="0" animBg="1"/>
-      <p:bldP spid="15" grpId="0" animBg="1"/>
-    </p:bldLst>
-  </p:timing>
-</p:sld>
-</file>
-
-<file path=ppt/slides/slide19.xml><?xml version="1.0" encoding="utf-8"?>
-<p:sld xmlns:a="http://schemas.openxmlformats.org/drawingml/2006/main" xmlns:r="http://schemas.openxmlformats.org/officeDocument/2006/relationships" xmlns:p="http://schemas.openxmlformats.org/presentationml/2006/main">
-  <p:cSld>
-    <p:spTree>
-      <p:nvGrpSpPr>
-        <p:cNvPr id="1" name=""/>
-        <p:cNvGrpSpPr/>
-        <p:nvPr/>
-      </p:nvGrpSpPr>
-      <p:grpSpPr>
-        <a:xfrm>
-          <a:off x="0" y="0"/>
-          <a:ext cx="0" cy="0"/>
-          <a:chOff x="0" y="0"/>
-          <a:chExt cx="0" cy="0"/>
-        </a:xfrm>
-      </p:grpSpPr>
-      <p:sp>
-        <p:nvSpPr>
-          <p:cNvPr id="2" name="Заголовок 1"/>
-          <p:cNvSpPr>
-            <a:spLocks noGrp="1"/>
-          </p:cNvSpPr>
-          <p:nvPr>
-            <p:ph type="title"/>
-          </p:nvPr>
-        </p:nvSpPr>
-        <p:spPr>
-          <a:xfrm>
-            <a:off x="323528" y="-187424"/>
-            <a:ext cx="8280920" cy="1600200"/>
-          </a:xfrm>
-        </p:spPr>
-        <p:txBody>
-          <a:bodyPr>
-            <a:normAutofit/>
-          </a:bodyPr>
-          <a:lstStyle/>
-          <a:p>
-            <a:pPr algn="ctr"/>
-            <a:r>
-              <a:rPr lang="ru-RU" sz="4400" dirty="0" smtClean="0"/>
-              <a:t>Растущая. Терм на функци</a:t>
-            </a:r>
-            <a:r>
-              <a:rPr lang="ru-RU" sz="4400" dirty="0"/>
-              <a:t>ю</a:t>
-            </a:r>
-          </a:p>
-        </p:txBody>
-      </p:sp>
-      <p:sp>
-        <p:nvSpPr>
-          <p:cNvPr id="4" name="Овал 3"/>
-          <p:cNvSpPr/>
-          <p:nvPr/>
-        </p:nvSpPr>
-        <p:spPr>
-          <a:xfrm>
-            <a:off x="1403648" y="1688453"/>
-            <a:ext cx="1512168" cy="1152128"/>
-          </a:xfrm>
-          <a:prstGeom prst="ellipse">
-            <a:avLst/>
-          </a:prstGeom>
-        </p:spPr>
-        <p:style>
-          <a:lnRef idx="2">
-            <a:schemeClr val="accent1">
-              <a:shade val="50000"/>
-            </a:schemeClr>
-          </a:lnRef>
-          <a:fillRef idx="1">
-            <a:schemeClr val="accent1"/>
-          </a:fillRef>
-          <a:effectRef idx="0">
-            <a:schemeClr val="accent1"/>
-          </a:effectRef>
-          <a:fontRef idx="minor">
-            <a:schemeClr val="lt1"/>
-          </a:fontRef>
-        </p:style>
-        <p:txBody>
-          <a:bodyPr rtlCol="0" anchor="ctr"/>
-          <a:lstStyle/>
-          <a:p>
-            <a:pPr algn="ctr"/>
-            <a:r>
-              <a:rPr lang="en-US" sz="3200" dirty="0" smtClean="0"/>
-              <a:t>/</a:t>
-            </a:r>
-            <a:endParaRPr lang="ru-RU" sz="3200" dirty="0"/>
-          </a:p>
-        </p:txBody>
-      </p:sp>
-      <p:sp>
-        <p:nvSpPr>
-          <p:cNvPr id="5" name="Овал 4"/>
-          <p:cNvSpPr/>
-          <p:nvPr/>
-        </p:nvSpPr>
-        <p:spPr>
-          <a:xfrm>
-            <a:off x="179512" y="2996952"/>
-            <a:ext cx="1512168" cy="1152128"/>
-          </a:xfrm>
-          <a:prstGeom prst="ellipse">
-            <a:avLst/>
-          </a:prstGeom>
-        </p:spPr>
-        <p:style>
-          <a:lnRef idx="2">
-            <a:schemeClr val="accent1">
-              <a:shade val="50000"/>
-            </a:schemeClr>
-          </a:lnRef>
-          <a:fillRef idx="1">
-            <a:schemeClr val="accent1"/>
-          </a:fillRef>
-          <a:effectRef idx="0">
-            <a:schemeClr val="accent1"/>
-          </a:effectRef>
-          <a:fontRef idx="minor">
-            <a:schemeClr val="lt1"/>
-          </a:fontRef>
-        </p:style>
-        <p:txBody>
-          <a:bodyPr rtlCol="0" anchor="ctr"/>
-          <a:lstStyle/>
-          <a:p>
-            <a:pPr algn="ctr"/>
-            <a:r>
-              <a:rPr lang="en-US" sz="3200" dirty="0" err="1" smtClean="0"/>
-              <a:t>exp</a:t>
-            </a:r>
-            <a:endParaRPr lang="ru-RU" sz="3200" dirty="0"/>
-          </a:p>
-        </p:txBody>
-      </p:sp>
-      <p:sp>
-        <p:nvSpPr>
-          <p:cNvPr id="6" name="Овал 5"/>
-          <p:cNvSpPr/>
-          <p:nvPr/>
-        </p:nvSpPr>
-        <p:spPr>
-          <a:xfrm>
-            <a:off x="2987824" y="2924944"/>
-            <a:ext cx="1512168" cy="1152128"/>
-          </a:xfrm>
-          <a:prstGeom prst="ellipse">
-            <a:avLst/>
-          </a:prstGeom>
-        </p:spPr>
-        <p:style>
-          <a:lnRef idx="2">
-            <a:schemeClr val="accent1">
-              <a:shade val="50000"/>
-            </a:schemeClr>
-          </a:lnRef>
-          <a:fillRef idx="1">
-            <a:schemeClr val="accent1"/>
-          </a:fillRef>
-          <a:effectRef idx="0">
-            <a:schemeClr val="accent1"/>
-          </a:effectRef>
-          <a:fontRef idx="minor">
-            <a:schemeClr val="lt1"/>
-          </a:fontRef>
-        </p:style>
-        <p:txBody>
-          <a:bodyPr rtlCol="0" anchor="ctr"/>
-          <a:lstStyle/>
-          <a:p>
-            <a:pPr algn="ctr"/>
-            <a:r>
-              <a:rPr lang="en-US" sz="3200" dirty="0" smtClean="0"/>
-              <a:t>abs</a:t>
-            </a:r>
-            <a:endParaRPr lang="ru-RU" sz="3200" dirty="0"/>
-          </a:p>
-        </p:txBody>
-      </p:sp>
-      <p:sp>
-        <p:nvSpPr>
-          <p:cNvPr id="7" name="Овал 6"/>
-          <p:cNvSpPr/>
-          <p:nvPr/>
-        </p:nvSpPr>
-        <p:spPr>
-          <a:xfrm>
-            <a:off x="179512" y="4675679"/>
-            <a:ext cx="1512168" cy="1152128"/>
-          </a:xfrm>
-          <a:prstGeom prst="ellipse">
-            <a:avLst/>
-          </a:prstGeom>
-        </p:spPr>
-        <p:style>
-          <a:lnRef idx="2">
-            <a:schemeClr val="accent1">
-              <a:shade val="50000"/>
-            </a:schemeClr>
-          </a:lnRef>
-          <a:fillRef idx="1">
-            <a:schemeClr val="accent1"/>
-          </a:fillRef>
-          <a:effectRef idx="0">
-            <a:schemeClr val="accent1"/>
-          </a:effectRef>
-          <a:fontRef idx="minor">
-            <a:schemeClr val="lt1"/>
-          </a:fontRef>
-        </p:style>
-        <p:txBody>
-          <a:bodyPr rtlCol="0" anchor="ctr"/>
-          <a:lstStyle/>
-          <a:p>
-            <a:pPr algn="ctr"/>
-            <a:r>
-              <a:rPr lang="en-US" sz="3200" dirty="0" smtClean="0"/>
-              <a:t>x</a:t>
-            </a:r>
-            <a:endParaRPr lang="ru-RU" sz="3200" dirty="0"/>
-          </a:p>
-        </p:txBody>
-      </p:sp>
-      <p:sp>
-        <p:nvSpPr>
-          <p:cNvPr id="8" name="Овал 7"/>
-          <p:cNvSpPr/>
-          <p:nvPr/>
-        </p:nvSpPr>
-        <p:spPr>
-          <a:xfrm>
-            <a:off x="2987824" y="4603671"/>
-            <a:ext cx="1512168" cy="1152128"/>
-          </a:xfrm>
-          <a:prstGeom prst="ellipse">
-            <a:avLst/>
-          </a:prstGeom>
-        </p:spPr>
-        <p:style>
-          <a:lnRef idx="2">
-            <a:schemeClr val="accent1">
-              <a:shade val="50000"/>
-            </a:schemeClr>
-          </a:lnRef>
-          <a:fillRef idx="1">
-            <a:schemeClr val="accent1"/>
-          </a:fillRef>
-          <a:effectRef idx="0">
-            <a:schemeClr val="accent1"/>
-          </a:effectRef>
-          <a:fontRef idx="minor">
-            <a:schemeClr val="lt1"/>
-          </a:fontRef>
-        </p:style>
-        <p:txBody>
-          <a:bodyPr rtlCol="0" anchor="ctr"/>
-          <a:lstStyle/>
-          <a:p>
-            <a:pPr algn="ctr"/>
-            <a:r>
-              <a:rPr lang="en-US" sz="3200" dirty="0" smtClean="0"/>
-              <a:t>-3.56</a:t>
-            </a:r>
-            <a:endParaRPr lang="ru-RU" sz="3200" dirty="0"/>
-          </a:p>
-        </p:txBody>
-      </p:sp>
-      <p:cxnSp>
-        <p:nvCxnSpPr>
-          <p:cNvPr id="9" name="Прямая соединительная линия 8"/>
-          <p:cNvCxnSpPr>
-            <a:stCxn id="5" idx="0"/>
-            <a:endCxn id="4" idx="3"/>
-          </p:cNvCxnSpPr>
-          <p:nvPr/>
-        </p:nvCxnSpPr>
-        <p:spPr>
-          <a:xfrm flipV="1">
-            <a:off x="935596" y="2671856"/>
-            <a:ext cx="689504" cy="325096"/>
-          </a:xfrm>
-          <a:prstGeom prst="line">
-            <a:avLst/>
-          </a:prstGeom>
-        </p:spPr>
-        <p:style>
-          <a:lnRef idx="1">
-            <a:schemeClr val="accent1"/>
-          </a:lnRef>
-          <a:fillRef idx="0">
-            <a:schemeClr val="accent1"/>
-          </a:fillRef>
-          <a:effectRef idx="0">
-            <a:schemeClr val="accent1"/>
-          </a:effectRef>
-          <a:fontRef idx="minor">
-            <a:schemeClr val="tx1"/>
-          </a:fontRef>
-        </p:style>
-      </p:cxnSp>
-      <p:cxnSp>
-        <p:nvCxnSpPr>
-          <p:cNvPr id="10" name="Прямая соединительная линия 9"/>
-          <p:cNvCxnSpPr>
-            <a:stCxn id="4" idx="5"/>
-            <a:endCxn id="6" idx="1"/>
-          </p:cNvCxnSpPr>
-          <p:nvPr/>
-        </p:nvCxnSpPr>
-        <p:spPr>
-          <a:xfrm>
-            <a:off x="2694364" y="2671856"/>
-            <a:ext cx="514912" cy="421813"/>
-          </a:xfrm>
-          <a:prstGeom prst="line">
-            <a:avLst/>
-          </a:prstGeom>
-        </p:spPr>
-        <p:style>
-          <a:lnRef idx="1">
-            <a:schemeClr val="accent1"/>
-          </a:lnRef>
-          <a:fillRef idx="0">
-            <a:schemeClr val="accent1"/>
-          </a:fillRef>
-          <a:effectRef idx="0">
-            <a:schemeClr val="accent1"/>
-          </a:effectRef>
-          <a:fontRef idx="minor">
-            <a:schemeClr val="tx1"/>
-          </a:fontRef>
-        </p:style>
-      </p:cxnSp>
-      <p:cxnSp>
-        <p:nvCxnSpPr>
-          <p:cNvPr id="11" name="Прямая соединительная линия 10"/>
-          <p:cNvCxnSpPr>
-            <a:stCxn id="5" idx="4"/>
-          </p:cNvCxnSpPr>
-          <p:nvPr/>
-        </p:nvCxnSpPr>
-        <p:spPr>
-          <a:xfrm>
-            <a:off x="935596" y="4149080"/>
-            <a:ext cx="0" cy="648072"/>
-          </a:xfrm>
-          <a:prstGeom prst="line">
-            <a:avLst/>
-          </a:prstGeom>
-        </p:spPr>
-        <p:style>
-          <a:lnRef idx="1">
-            <a:schemeClr val="accent1"/>
-          </a:lnRef>
-          <a:fillRef idx="0">
-            <a:schemeClr val="accent1"/>
-          </a:fillRef>
-          <a:effectRef idx="0">
-            <a:schemeClr val="accent1"/>
-          </a:effectRef>
-          <a:fontRef idx="minor">
-            <a:schemeClr val="tx1"/>
-          </a:fontRef>
-        </p:style>
-      </p:cxnSp>
-      <p:cxnSp>
-        <p:nvCxnSpPr>
-          <p:cNvPr id="12" name="Прямая соединительная линия 11"/>
-          <p:cNvCxnSpPr>
-            <a:stCxn id="6" idx="4"/>
-            <a:endCxn id="8" idx="0"/>
-          </p:cNvCxnSpPr>
-          <p:nvPr/>
-        </p:nvCxnSpPr>
-        <p:spPr>
-          <a:xfrm>
-            <a:off x="3743908" y="4077072"/>
-            <a:ext cx="0" cy="526599"/>
-          </a:xfrm>
-          <a:prstGeom prst="line">
-            <a:avLst/>
-          </a:prstGeom>
-        </p:spPr>
-        <p:style>
-          <a:lnRef idx="1">
-            <a:schemeClr val="accent1"/>
-          </a:lnRef>
-          <a:fillRef idx="0">
-            <a:schemeClr val="accent1"/>
-          </a:fillRef>
-          <a:effectRef idx="0">
-            <a:schemeClr val="accent1"/>
-          </a:effectRef>
-          <a:fontRef idx="minor">
-            <a:schemeClr val="tx1"/>
-          </a:fontRef>
-        </p:style>
-      </p:cxnSp>
-      <p:sp>
-        <p:nvSpPr>
-          <p:cNvPr id="13" name="Овал 12"/>
-          <p:cNvSpPr/>
-          <p:nvPr/>
-        </p:nvSpPr>
-        <p:spPr>
-          <a:xfrm>
-            <a:off x="5940152" y="1628800"/>
-            <a:ext cx="1512168" cy="1152128"/>
-          </a:xfrm>
-          <a:prstGeom prst="ellipse">
-            <a:avLst/>
-          </a:prstGeom>
-        </p:spPr>
-        <p:style>
-          <a:lnRef idx="2">
-            <a:schemeClr val="accent1">
-              <a:shade val="50000"/>
-            </a:schemeClr>
-          </a:lnRef>
-          <a:fillRef idx="1">
-            <a:schemeClr val="accent1"/>
-          </a:fillRef>
-          <a:effectRef idx="0">
-            <a:schemeClr val="accent1"/>
-          </a:effectRef>
-          <a:fontRef idx="minor">
-            <a:schemeClr val="lt1"/>
-          </a:fontRef>
-        </p:style>
-        <p:txBody>
-          <a:bodyPr rtlCol="0" anchor="ctr"/>
-          <a:lstStyle/>
-          <a:p>
-            <a:pPr algn="ctr"/>
-            <a:r>
-              <a:rPr lang="en-US" sz="3200" dirty="0" smtClean="0"/>
-              <a:t>/</a:t>
-            </a:r>
-            <a:endParaRPr lang="ru-RU" sz="3200" dirty="0"/>
-          </a:p>
-        </p:txBody>
-      </p:sp>
-      <p:sp>
-        <p:nvSpPr>
-          <p:cNvPr id="14" name="Овал 13"/>
-          <p:cNvSpPr/>
-          <p:nvPr/>
-        </p:nvSpPr>
-        <p:spPr>
-          <a:xfrm>
-            <a:off x="4716016" y="2937299"/>
-            <a:ext cx="1512168" cy="1152128"/>
-          </a:xfrm>
-          <a:prstGeom prst="ellipse">
-            <a:avLst/>
-          </a:prstGeom>
-        </p:spPr>
-        <p:style>
-          <a:lnRef idx="2">
-            <a:schemeClr val="accent1">
-              <a:shade val="50000"/>
-            </a:schemeClr>
-          </a:lnRef>
-          <a:fillRef idx="1">
-            <a:schemeClr val="accent1"/>
-          </a:fillRef>
-          <a:effectRef idx="0">
-            <a:schemeClr val="accent1"/>
-          </a:effectRef>
-          <a:fontRef idx="minor">
-            <a:schemeClr val="lt1"/>
-          </a:fontRef>
-        </p:style>
-        <p:txBody>
-          <a:bodyPr rtlCol="0" anchor="ctr"/>
-          <a:lstStyle/>
-          <a:p>
-            <a:pPr algn="ctr"/>
-            <a:r>
-              <a:rPr lang="en-US" sz="3200" dirty="0" err="1" smtClean="0"/>
-              <a:t>exp</a:t>
-            </a:r>
-            <a:endParaRPr lang="ru-RU" sz="3200" dirty="0"/>
-          </a:p>
-        </p:txBody>
-      </p:sp>
-      <p:sp>
-        <p:nvSpPr>
-          <p:cNvPr id="15" name="Овал 14"/>
-          <p:cNvSpPr/>
-          <p:nvPr/>
-        </p:nvSpPr>
-        <p:spPr>
-          <a:xfrm>
-            <a:off x="7524328" y="2865291"/>
-            <a:ext cx="1512168" cy="1152128"/>
-          </a:xfrm>
-          <a:prstGeom prst="ellipse">
-            <a:avLst/>
-          </a:prstGeom>
-        </p:spPr>
-        <p:style>
-          <a:lnRef idx="2">
-            <a:schemeClr val="accent1">
-              <a:shade val="50000"/>
-            </a:schemeClr>
-          </a:lnRef>
-          <a:fillRef idx="1">
-            <a:schemeClr val="accent1"/>
-          </a:fillRef>
-          <a:effectRef idx="0">
-            <a:schemeClr val="accent1"/>
-          </a:effectRef>
-          <a:fontRef idx="minor">
-            <a:schemeClr val="lt1"/>
-          </a:fontRef>
-        </p:style>
-        <p:txBody>
-          <a:bodyPr rtlCol="0" anchor="ctr"/>
-          <a:lstStyle/>
-          <a:p>
-            <a:pPr algn="ctr"/>
-            <a:r>
-              <a:rPr lang="en-US" sz="3200" dirty="0" smtClean="0"/>
-              <a:t>abs</a:t>
-            </a:r>
-            <a:endParaRPr lang="ru-RU" sz="3200" dirty="0"/>
-          </a:p>
-        </p:txBody>
-      </p:sp>
-      <p:sp>
-        <p:nvSpPr>
-          <p:cNvPr id="16" name="Овал 15"/>
-          <p:cNvSpPr/>
-          <p:nvPr/>
-        </p:nvSpPr>
-        <p:spPr>
-          <a:xfrm>
-            <a:off x="4716016" y="4365104"/>
-            <a:ext cx="1512168" cy="1152128"/>
-          </a:xfrm>
-          <a:prstGeom prst="ellipse">
-            <a:avLst/>
-          </a:prstGeom>
-        </p:spPr>
-        <p:style>
-          <a:lnRef idx="2">
-            <a:schemeClr val="accent1">
-              <a:shade val="50000"/>
-            </a:schemeClr>
-          </a:lnRef>
-          <a:fillRef idx="1">
-            <a:schemeClr val="accent1"/>
-          </a:fillRef>
-          <a:effectRef idx="0">
-            <a:schemeClr val="accent1"/>
-          </a:effectRef>
-          <a:fontRef idx="minor">
-            <a:schemeClr val="lt1"/>
-          </a:fontRef>
-        </p:style>
-        <p:txBody>
-          <a:bodyPr rtlCol="0" anchor="ctr"/>
-          <a:lstStyle/>
-          <a:p>
-            <a:pPr algn="ctr"/>
-            <a:r>
-              <a:rPr lang="en-US" sz="3200" dirty="0" smtClean="0"/>
-              <a:t>x</a:t>
-            </a:r>
-            <a:endParaRPr lang="ru-RU" sz="3200" dirty="0"/>
-          </a:p>
-        </p:txBody>
-      </p:sp>
-      <p:sp>
-        <p:nvSpPr>
-          <p:cNvPr id="17" name="Овал 16"/>
-          <p:cNvSpPr/>
-          <p:nvPr/>
-        </p:nvSpPr>
-        <p:spPr>
-          <a:xfrm>
-            <a:off x="7524328" y="4293096"/>
-            <a:ext cx="1512168" cy="1152128"/>
-          </a:xfrm>
-          <a:prstGeom prst="ellipse">
-            <a:avLst/>
-          </a:prstGeom>
-        </p:spPr>
-        <p:style>
-          <a:lnRef idx="2">
-            <a:schemeClr val="accent1">
-              <a:shade val="50000"/>
-            </a:schemeClr>
-          </a:lnRef>
-          <a:fillRef idx="1">
-            <a:schemeClr val="accent1"/>
-          </a:fillRef>
-          <a:effectRef idx="0">
-            <a:schemeClr val="accent1"/>
-          </a:effectRef>
-          <a:fontRef idx="minor">
-            <a:schemeClr val="lt1"/>
-          </a:fontRef>
-        </p:style>
-        <p:txBody>
-          <a:bodyPr rtlCol="0" anchor="ctr"/>
-          <a:lstStyle/>
-          <a:p>
-            <a:pPr algn="ctr"/>
-            <a:r>
-              <a:rPr lang="en-US" sz="3200" dirty="0" smtClean="0"/>
-              <a:t>sin</a:t>
-            </a:r>
-            <a:endParaRPr lang="ru-RU" sz="3200" dirty="0"/>
-          </a:p>
-        </p:txBody>
-      </p:sp>
-      <p:cxnSp>
-        <p:nvCxnSpPr>
-          <p:cNvPr id="18" name="Прямая соединительная линия 17"/>
-          <p:cNvCxnSpPr>
-            <a:stCxn id="14" idx="0"/>
-            <a:endCxn id="13" idx="3"/>
-          </p:cNvCxnSpPr>
-          <p:nvPr/>
-        </p:nvCxnSpPr>
-        <p:spPr>
-          <a:xfrm flipV="1">
-            <a:off x="5472100" y="2612203"/>
-            <a:ext cx="689504" cy="325096"/>
-          </a:xfrm>
-          <a:prstGeom prst="line">
-            <a:avLst/>
-          </a:prstGeom>
-        </p:spPr>
-        <p:style>
-          <a:lnRef idx="1">
-            <a:schemeClr val="accent1"/>
-          </a:lnRef>
-          <a:fillRef idx="0">
-            <a:schemeClr val="accent1"/>
-          </a:fillRef>
-          <a:effectRef idx="0">
-            <a:schemeClr val="accent1"/>
-          </a:effectRef>
-          <a:fontRef idx="minor">
-            <a:schemeClr val="tx1"/>
-          </a:fontRef>
-        </p:style>
-      </p:cxnSp>
-      <p:cxnSp>
-        <p:nvCxnSpPr>
-          <p:cNvPr id="19" name="Прямая соединительная линия 18"/>
-          <p:cNvCxnSpPr>
-            <a:stCxn id="13" idx="5"/>
-            <a:endCxn id="15" idx="1"/>
-          </p:cNvCxnSpPr>
-          <p:nvPr/>
-        </p:nvCxnSpPr>
-        <p:spPr>
-          <a:xfrm>
-            <a:off x="7230868" y="2612203"/>
-            <a:ext cx="514912" cy="421813"/>
-          </a:xfrm>
-          <a:prstGeom prst="line">
-            <a:avLst/>
-          </a:prstGeom>
-        </p:spPr>
-        <p:style>
-          <a:lnRef idx="1">
-            <a:schemeClr val="accent1"/>
-          </a:lnRef>
-          <a:fillRef idx="0">
-            <a:schemeClr val="accent1"/>
-          </a:fillRef>
-          <a:effectRef idx="0">
-            <a:schemeClr val="accent1"/>
-          </a:effectRef>
-          <a:fontRef idx="minor">
-            <a:schemeClr val="tx1"/>
-          </a:fontRef>
-        </p:style>
-      </p:cxnSp>
-      <p:cxnSp>
-        <p:nvCxnSpPr>
-          <p:cNvPr id="20" name="Прямая соединительная линия 19"/>
-          <p:cNvCxnSpPr>
-            <a:stCxn id="14" idx="4"/>
-            <a:endCxn id="16" idx="0"/>
-          </p:cNvCxnSpPr>
-          <p:nvPr/>
-        </p:nvCxnSpPr>
-        <p:spPr>
-          <a:xfrm>
-            <a:off x="5472100" y="4089427"/>
-            <a:ext cx="0" cy="275677"/>
-          </a:xfrm>
-          <a:prstGeom prst="line">
-            <a:avLst/>
-          </a:prstGeom>
-        </p:spPr>
-        <p:style>
-          <a:lnRef idx="1">
-            <a:schemeClr val="accent1"/>
-          </a:lnRef>
-          <a:fillRef idx="0">
-            <a:schemeClr val="accent1"/>
-          </a:fillRef>
-          <a:effectRef idx="0">
-            <a:schemeClr val="accent1"/>
-          </a:effectRef>
-          <a:fontRef idx="minor">
-            <a:schemeClr val="tx1"/>
-          </a:fontRef>
-        </p:style>
-      </p:cxnSp>
-      <p:cxnSp>
-        <p:nvCxnSpPr>
-          <p:cNvPr id="21" name="Прямая соединительная линия 20"/>
-          <p:cNvCxnSpPr>
-            <a:stCxn id="15" idx="4"/>
-            <a:endCxn id="17" idx="0"/>
-          </p:cNvCxnSpPr>
-          <p:nvPr/>
-        </p:nvCxnSpPr>
-        <p:spPr>
-          <a:xfrm>
-            <a:off x="8280412" y="4017419"/>
-            <a:ext cx="0" cy="275677"/>
-          </a:xfrm>
-          <a:prstGeom prst="line">
-            <a:avLst/>
-          </a:prstGeom>
-        </p:spPr>
-        <p:style>
-          <a:lnRef idx="1">
-            <a:schemeClr val="accent1"/>
-          </a:lnRef>
-          <a:fillRef idx="0">
-            <a:schemeClr val="accent1"/>
-          </a:fillRef>
-          <a:effectRef idx="0">
-            <a:schemeClr val="accent1"/>
-          </a:effectRef>
-          <a:fontRef idx="minor">
-            <a:schemeClr val="tx1"/>
-          </a:fontRef>
-        </p:style>
-      </p:cxnSp>
-      <p:sp>
-        <p:nvSpPr>
-          <p:cNvPr id="22" name="Овал 21"/>
-          <p:cNvSpPr/>
-          <p:nvPr/>
-        </p:nvSpPr>
-        <p:spPr>
-          <a:xfrm>
-            <a:off x="7524328" y="5679255"/>
-            <a:ext cx="1512168" cy="1152128"/>
-          </a:xfrm>
-          <a:prstGeom prst="ellipse">
-            <a:avLst/>
-          </a:prstGeom>
-        </p:spPr>
-        <p:style>
-          <a:lnRef idx="2">
-            <a:schemeClr val="accent1">
-              <a:shade val="50000"/>
-            </a:schemeClr>
-          </a:lnRef>
-          <a:fillRef idx="1">
-            <a:schemeClr val="accent1"/>
-          </a:fillRef>
-          <a:effectRef idx="0">
-            <a:schemeClr val="accent1"/>
-          </a:effectRef>
-          <a:fontRef idx="minor">
-            <a:schemeClr val="lt1"/>
-          </a:fontRef>
-        </p:style>
-        <p:txBody>
-          <a:bodyPr rtlCol="0" anchor="ctr"/>
-          <a:lstStyle/>
-          <a:p>
-            <a:pPr algn="ctr"/>
-            <a:r>
-              <a:rPr lang="en-US" sz="3200" dirty="0" smtClean="0"/>
-              <a:t>0.2</a:t>
-            </a:r>
-            <a:endParaRPr lang="ru-RU" sz="3200" dirty="0"/>
-          </a:p>
-        </p:txBody>
-      </p:sp>
-      <p:cxnSp>
-        <p:nvCxnSpPr>
-          <p:cNvPr id="23" name="Прямая соединительная линия 22"/>
-          <p:cNvCxnSpPr>
-            <a:stCxn id="17" idx="4"/>
-            <a:endCxn id="22" idx="0"/>
-          </p:cNvCxnSpPr>
-          <p:nvPr/>
-        </p:nvCxnSpPr>
-        <p:spPr>
-          <a:xfrm>
-            <a:off x="8280412" y="5445224"/>
-            <a:ext cx="0" cy="234031"/>
-          </a:xfrm>
-          <a:prstGeom prst="line">
-            <a:avLst/>
-          </a:prstGeom>
-        </p:spPr>
-        <p:style>
-          <a:lnRef idx="1">
-            <a:schemeClr val="accent1"/>
-          </a:lnRef>
-          <a:fillRef idx="0">
-            <a:schemeClr val="accent1"/>
-          </a:fillRef>
-          <a:effectRef idx="0">
-            <a:schemeClr val="accent1"/>
-          </a:effectRef>
-          <a:fontRef idx="minor">
-            <a:schemeClr val="tx1"/>
-          </a:fontRef>
-        </p:style>
-      </p:cxnSp>
-    </p:spTree>
-    <p:extLst>
-      <p:ext uri="{BB962C8B-B14F-4D97-AF65-F5344CB8AC3E}">
-        <p14:creationId xmlns:p14="http://schemas.microsoft.com/office/powerpoint/2010/main" val="1477867708"/>
-      </p:ext>
-    </p:extLst>
-  </p:cSld>
-  <p:clrMapOvr>
-    <a:masterClrMapping/>
-  </p:clrMapOvr>
-  <p:timing>
-    <p:tnLst>
-      <p:par>
-        <p:cTn id="1" dur="indefinite" restart="never" nodeType="tmRoot">
-          <p:childTnLst>
-            <p:seq concurrent="1" nextAc="seek">
-              <p:cTn id="2" dur="indefinite" nodeType="mainSeq">
-                <p:childTnLst>
-                  <p:par>
-                    <p:cTn id="3" fill="hold">
-                      <p:stCondLst>
-                        <p:cond delay="indefinite"/>
-                      </p:stCondLst>
-                      <p:childTnLst>
-                        <p:par>
-                          <p:cTn id="4" fill="hold">
-                            <p:stCondLst>
-                              <p:cond delay="0"/>
-                            </p:stCondLst>
-                            <p:childTnLst>
-                              <p:par>
-                                <p:cTn id="5" presetID="26" presetClass="emph" presetSubtype="0" fill="hold" grpId="0" nodeType="clickEffect">
-                                  <p:stCondLst>
-                                    <p:cond delay="0"/>
-                                  </p:stCondLst>
-                                  <p:childTnLst>
-                                    <p:animEffect transition="out" filter="fade">
-                                      <p:cBhvr>
-                                        <p:cTn id="6" dur="750" tmFilter="0, 0; .2, .5; .8, .5; 1, 0"/>
-                                        <p:tgtEl>
-                                          <p:spTgt spid="8"/>
-                                        </p:tgtEl>
-                                      </p:cBhvr>
-                                    </p:animEffect>
-                                    <p:animScale>
-                                      <p:cBhvr>
-                                        <p:cTn id="7" dur="375" autoRev="1" fill="hold"/>
-                                        <p:tgtEl>
-                                          <p:spTgt spid="8"/>
-                                        </p:tgtEl>
-                                      </p:cBhvr>
-                                      <p:by x="105000" y="105000"/>
-                                    </p:animScale>
-                                  </p:childTnLst>
-                                </p:cTn>
-                              </p:par>
-                            </p:childTnLst>
-                          </p:cTn>
-                        </p:par>
-                        <p:par>
-                          <p:cTn id="8" fill="hold">
-                            <p:stCondLst>
-                              <p:cond delay="750"/>
-                            </p:stCondLst>
-                            <p:childTnLst>
-                              <p:par>
-                                <p:cTn id="9" presetID="26" presetClass="emph" presetSubtype="0" fill="hold" grpId="0" nodeType="afterEffect">
-                                  <p:stCondLst>
-                                    <p:cond delay="0"/>
-                                  </p:stCondLst>
-                                  <p:childTnLst>
-                                    <p:animEffect transition="out" filter="fade">
-                                      <p:cBhvr>
-                                        <p:cTn id="10" dur="750" tmFilter="0, 0; .2, .5; .8, .5; 1, 0"/>
-                                        <p:tgtEl>
-                                          <p:spTgt spid="17"/>
-                                        </p:tgtEl>
-                                      </p:cBhvr>
-                                    </p:animEffect>
-                                    <p:animScale>
-                                      <p:cBhvr>
-                                        <p:cTn id="11" dur="375" autoRev="1" fill="hold"/>
-                                        <p:tgtEl>
-                                          <p:spTgt spid="17"/>
-                                        </p:tgtEl>
-                                      </p:cBhvr>
-                                      <p:by x="105000" y="105000"/>
-                                    </p:animScale>
-                                  </p:childTnLst>
-                                </p:cTn>
-                              </p:par>
-                              <p:par>
-                                <p:cTn id="12" presetID="26" presetClass="emph" presetSubtype="0" fill="hold" grpId="0" nodeType="withEffect">
-                                  <p:stCondLst>
-                                    <p:cond delay="0"/>
-                                  </p:stCondLst>
-                                  <p:childTnLst>
-                                    <p:animEffect transition="out" filter="fade">
-                                      <p:cBhvr>
-                                        <p:cTn id="13" dur="750" tmFilter="0, 0; .2, .5; .8, .5; 1, 0"/>
-                                        <p:tgtEl>
-                                          <p:spTgt spid="22"/>
-                                        </p:tgtEl>
-                                      </p:cBhvr>
-                                    </p:animEffect>
-                                    <p:animScale>
-                                      <p:cBhvr>
-                                        <p:cTn id="14" dur="375" autoRev="1" fill="hold"/>
-                                        <p:tgtEl>
-                                          <p:spTgt spid="22"/>
-                                        </p:tgtEl>
-                                      </p:cBhvr>
-                                      <p:by x="105000" y="105000"/>
-                                    </p:animScale>
-                                  </p:childTnLst>
-                                </p:cTn>
-                              </p:par>
-                              <p:par>
-                                <p:cTn id="15" presetID="26" presetClass="emph" presetSubtype="0" fill="hold" nodeType="withEffect">
-                                  <p:stCondLst>
-                                    <p:cond delay="0"/>
-                                  </p:stCondLst>
-                                  <p:childTnLst>
-                                    <p:animEffect transition="out" filter="fade">
-                                      <p:cBhvr>
-                                        <p:cTn id="16" dur="750" tmFilter="0, 0; .2, .5; .8, .5; 1, 0"/>
-                                        <p:tgtEl>
-                                          <p:spTgt spid="23"/>
-                                        </p:tgtEl>
-                                      </p:cBhvr>
-                                    </p:animEffect>
-                                    <p:animScale>
-                                      <p:cBhvr>
-                                        <p:cTn id="17" dur="375" autoRev="1" fill="hold"/>
-                                        <p:tgtEl>
-                                          <p:spTgt spid="23"/>
-                                        </p:tgtEl>
-                                      </p:cBhvr>
-                                      <p:by x="105000" y="105000"/>
-                                    </p:animScale>
-                                  </p:childTnLst>
-                                </p:cTn>
-                              </p:par>
-                            </p:childTnLst>
-                          </p:cTn>
-                        </p:par>
-                      </p:childTnLst>
-                    </p:cTn>
-                  </p:par>
-                </p:childTnLst>
-              </p:cTn>
-              <p:prevCondLst>
-                <p:cond evt="onPrev" delay="0">
-                  <p:tgtEl>
-                    <p:sldTgt/>
-                  </p:tgtEl>
-                </p:cond>
-              </p:prevCondLst>
-              <p:nextCondLst>
-                <p:cond evt="onNext" delay="0">
-                  <p:tgtEl>
-                    <p:sldTgt/>
-                  </p:tgtEl>
-                </p:cond>
-              </p:nextCondLst>
-            </p:seq>
-          </p:childTnLst>
-        </p:cTn>
-      </p:par>
-    </p:tnLst>
-    <p:bldLst>
-      <p:bldP spid="8" grpId="0" animBg="1"/>
-      <p:bldP spid="17" grpId="0" animBg="1"/>
-      <p:bldP spid="22" grpId="0" animBg="1"/>
-    </p:bldLst>
-  </p:timing>
-</p:sld>
-</file>
-
 <file path=ppt/slides/slide2.xml><?xml version="1.0" encoding="utf-8"?>
 <p:sld xmlns:a="http://schemas.openxmlformats.org/drawingml/2006/main" xmlns:r="http://schemas.openxmlformats.org/officeDocument/2006/relationships" xmlns:p="http://schemas.openxmlformats.org/presentationml/2006/main">
   <p:cSld>
@@ -12475,6 +12287,89 @@
 </file>
 
 <file path=ppt/slides/slide3.xml><?xml version="1.0" encoding="utf-8"?>
+<p:sld xmlns:a="http://schemas.openxmlformats.org/drawingml/2006/main" xmlns:r="http://schemas.openxmlformats.org/officeDocument/2006/relationships" xmlns:p="http://schemas.openxmlformats.org/presentationml/2006/main">
+  <p:cSld>
+    <p:spTree>
+      <p:nvGrpSpPr>
+        <p:cNvPr id="1" name=""/>
+        <p:cNvGrpSpPr/>
+        <p:nvPr/>
+      </p:nvGrpSpPr>
+      <p:grpSpPr>
+        <a:xfrm>
+          <a:off x="0" y="0"/>
+          <a:ext cx="0" cy="0"/>
+          <a:chOff x="0" y="0"/>
+          <a:chExt cx="0" cy="0"/>
+        </a:xfrm>
+      </p:grpSpPr>
+      <p:sp>
+        <p:nvSpPr>
+          <p:cNvPr id="2" name="Заголовок 1"/>
+          <p:cNvSpPr>
+            <a:spLocks noGrp="1"/>
+          </p:cNvSpPr>
+          <p:nvPr>
+            <p:ph type="title"/>
+          </p:nvPr>
+        </p:nvSpPr>
+        <p:spPr>
+          <a:xfrm>
+            <a:off x="762000" y="7100"/>
+            <a:ext cx="7543800" cy="1600200"/>
+          </a:xfrm>
+        </p:spPr>
+        <p:txBody>
+          <a:bodyPr/>
+          <a:lstStyle/>
+          <a:p>
+            <a:pPr algn="ctr"/>
+            <a:r>
+              <a:rPr lang="ru-RU" dirty="0" smtClean="0"/>
+              <a:t>Классификация</a:t>
+            </a:r>
+            <a:endParaRPr lang="ru-RU" dirty="0"/>
+          </a:p>
+        </p:txBody>
+      </p:sp>
+      <p:sp>
+        <p:nvSpPr>
+          <p:cNvPr id="3" name="Объект 2"/>
+          <p:cNvSpPr>
+            <a:spLocks noGrp="1"/>
+          </p:cNvSpPr>
+          <p:nvPr>
+            <p:ph idx="1"/>
+          </p:nvPr>
+        </p:nvSpPr>
+        <p:spPr>
+          <a:xfrm>
+            <a:off x="762000" y="2276872"/>
+            <a:ext cx="7543800" cy="3886200"/>
+          </a:xfrm>
+        </p:spPr>
+        <p:txBody>
+          <a:bodyPr/>
+          <a:lstStyle/>
+          <a:p>
+            <a:endParaRPr lang="ru-RU" dirty="0"/>
+          </a:p>
+        </p:txBody>
+      </p:sp>
+    </p:spTree>
+    <p:extLst>
+      <p:ext uri="{BB962C8B-B14F-4D97-AF65-F5344CB8AC3E}">
+        <p14:creationId xmlns:p14="http://schemas.microsoft.com/office/powerpoint/2010/main" val="2451439744"/>
+      </p:ext>
+    </p:extLst>
+  </p:cSld>
+  <p:clrMapOvr>
+    <a:masterClrMapping/>
+  </p:clrMapOvr>
+</p:sld>
+</file>
+
+<file path=ppt/slides/slide4.xml><?xml version="1.0" encoding="utf-8"?>
 <p:sld xmlns:a="http://schemas.openxmlformats.org/drawingml/2006/main" xmlns:r="http://schemas.openxmlformats.org/officeDocument/2006/relationships" xmlns:p="http://schemas.openxmlformats.org/presentationml/2006/main">
   <p:cSld>
     <p:spTree>
@@ -12900,161 +12795,6 @@
 </p:sld>
 </file>
 
-<file path=ppt/slides/slide4.xml><?xml version="1.0" encoding="utf-8"?>
-<p:sld xmlns:a="http://schemas.openxmlformats.org/drawingml/2006/main" xmlns:r="http://schemas.openxmlformats.org/officeDocument/2006/relationships" xmlns:p="http://schemas.openxmlformats.org/presentationml/2006/main">
-  <p:cSld>
-    <p:spTree>
-      <p:nvGrpSpPr>
-        <p:cNvPr id="1" name=""/>
-        <p:cNvGrpSpPr/>
-        <p:nvPr/>
-      </p:nvGrpSpPr>
-      <p:grpSpPr>
-        <a:xfrm>
-          <a:off x="0" y="0"/>
-          <a:ext cx="0" cy="0"/>
-          <a:chOff x="0" y="0"/>
-          <a:chExt cx="0" cy="0"/>
-        </a:xfrm>
-      </p:grpSpPr>
-      <p:sp>
-        <p:nvSpPr>
-          <p:cNvPr id="2" name="Заголовок 1"/>
-          <p:cNvSpPr>
-            <a:spLocks noGrp="1"/>
-          </p:cNvSpPr>
-          <p:nvPr>
-            <p:ph type="title"/>
-          </p:nvPr>
-        </p:nvSpPr>
-        <p:spPr>
-          <a:xfrm>
-            <a:off x="1259632" y="27581"/>
-            <a:ext cx="6781800" cy="1600200"/>
-          </a:xfrm>
-        </p:spPr>
-        <p:txBody>
-          <a:bodyPr/>
-          <a:lstStyle/>
-          <a:p>
-            <a:pPr algn="ctr"/>
-            <a:r>
-              <a:rPr lang="ru-RU" dirty="0" smtClean="0"/>
-              <a:t>Актуальность</a:t>
-            </a:r>
-            <a:endParaRPr lang="ru-RU" dirty="0"/>
-          </a:p>
-        </p:txBody>
-      </p:sp>
-      <p:sp>
-        <p:nvSpPr>
-          <p:cNvPr id="3" name="Объект 2"/>
-          <p:cNvSpPr>
-            <a:spLocks noGrp="1"/>
-          </p:cNvSpPr>
-          <p:nvPr>
-            <p:ph idx="1"/>
-          </p:nvPr>
-        </p:nvSpPr>
-        <p:spPr>
-          <a:xfrm>
-            <a:off x="683568" y="1772816"/>
-            <a:ext cx="7776864" cy="4174232"/>
-          </a:xfrm>
-        </p:spPr>
-        <p:txBody>
-          <a:bodyPr>
-            <a:noAutofit/>
-          </a:bodyPr>
-          <a:lstStyle/>
-          <a:p>
-            <a:pPr algn="just"/>
-            <a:r>
-              <a:rPr lang="ru-RU" sz="3600" dirty="0" smtClean="0">
-                <a:solidFill>
-                  <a:schemeClr val="tx1"/>
-                </a:solidFill>
-                <a:latin typeface="Arial" panose="020B0604020202020204" pitchFamily="34" charset="0"/>
-                <a:ea typeface="Arial" charset="0"/>
-                <a:cs typeface="Arial" panose="020B0604020202020204" pitchFamily="34" charset="0"/>
-              </a:rPr>
-              <a:t>Распознавание патологий приведет к своевременному лечению.</a:t>
-            </a:r>
-          </a:p>
-          <a:p>
-            <a:pPr algn="just"/>
-            <a:r>
-              <a:rPr lang="ru-RU" sz="3600" dirty="0">
-                <a:solidFill>
-                  <a:schemeClr val="tx1"/>
-                </a:solidFill>
-                <a:latin typeface="Arial" panose="020B0604020202020204" pitchFamily="34" charset="0"/>
-                <a:ea typeface="Arial" charset="0"/>
-                <a:cs typeface="Arial" panose="020B0604020202020204" pitchFamily="34" charset="0"/>
-              </a:rPr>
-              <a:t>В</a:t>
-            </a:r>
-            <a:r>
-              <a:rPr lang="ru-RU" sz="3600" dirty="0" smtClean="0">
-                <a:solidFill>
-                  <a:schemeClr val="tx1"/>
-                </a:solidFill>
-                <a:latin typeface="Arial" panose="020B0604020202020204" pitchFamily="34" charset="0"/>
-                <a:ea typeface="Arial" charset="0"/>
-                <a:cs typeface="Arial" panose="020B0604020202020204" pitchFamily="34" charset="0"/>
-              </a:rPr>
-              <a:t>заимодействия </a:t>
-            </a:r>
-            <a:r>
-              <a:rPr lang="ru-RU" sz="3600" dirty="0">
-                <a:solidFill>
-                  <a:schemeClr val="tx1"/>
-                </a:solidFill>
-                <a:latin typeface="Arial" panose="020B0604020202020204" pitchFamily="34" charset="0"/>
-                <a:ea typeface="Arial" charset="0"/>
-                <a:cs typeface="Arial" panose="020B0604020202020204" pitchFamily="34" charset="0"/>
-              </a:rPr>
-              <a:t>и отношения между оригинальными </a:t>
-            </a:r>
-            <a:r>
-              <a:rPr lang="ru-RU" sz="3600" dirty="0" smtClean="0">
-                <a:solidFill>
-                  <a:schemeClr val="tx1"/>
-                </a:solidFill>
-                <a:latin typeface="Arial" panose="020B0604020202020204" pitchFamily="34" charset="0"/>
-                <a:ea typeface="Arial" charset="0"/>
-                <a:cs typeface="Arial" panose="020B0604020202020204" pitchFamily="34" charset="0"/>
-              </a:rPr>
-              <a:t>признаками должны учитываться для успешной классификации.</a:t>
-            </a:r>
-            <a:endParaRPr lang="ru-RU" sz="3600" dirty="0">
-              <a:latin typeface="Arial" panose="020B0604020202020204" pitchFamily="34" charset="0"/>
-              <a:ea typeface="Arial" charset="0"/>
-              <a:cs typeface="Arial" panose="020B0604020202020204" pitchFamily="34" charset="0"/>
-            </a:endParaRPr>
-          </a:p>
-        </p:txBody>
-      </p:sp>
-    </p:spTree>
-    <p:extLst>
-      <p:ext uri="{BB962C8B-B14F-4D97-AF65-F5344CB8AC3E}">
-        <p14:creationId xmlns:p14="http://schemas.microsoft.com/office/powerpoint/2010/main" val="2881067731"/>
-      </p:ext>
-    </p:extLst>
-  </p:cSld>
-  <p:clrMapOvr>
-    <a:masterClrMapping/>
-  </p:clrMapOvr>
-  <p:timing>
-    <p:tnLst>
-      <p:par>
-        <p:cTn id="1" dur="indefinite" restart="never" nodeType="tmRoot"/>
-      </p:par>
-    </p:tnLst>
-  </p:timing>
-</p:sld>
-</file>
-
 <file path=ppt/slides/slide5.xml><?xml version="1.0" encoding="utf-8"?>
 <p:sld xmlns:a="http://schemas.openxmlformats.org/drawingml/2006/main" xmlns:r="http://schemas.openxmlformats.org/officeDocument/2006/relationships" xmlns:p="http://schemas.openxmlformats.org/presentationml/2006/main">
   <p:cSld>
@@ -13084,7 +12824,7 @@
         </p:nvSpPr>
         <p:spPr>
           <a:xfrm>
-            <a:off x="1187624" y="0"/>
+            <a:off x="1259632" y="27581"/>
             <a:ext cx="6781800" cy="1600200"/>
           </a:xfrm>
         </p:spPr>
@@ -13094,8 +12834,8 @@
           <a:p>
             <a:pPr algn="ctr"/>
             <a:r>
-              <a:rPr lang="ru-RU" smtClean="0"/>
-              <a:t>Проблема</a:t>
+              <a:rPr lang="ru-RU" dirty="0" smtClean="0"/>
+              <a:t>Актуальность</a:t>
             </a:r>
             <a:endParaRPr lang="ru-RU" dirty="0"/>
           </a:p>
@@ -13113,8 +12853,8 @@
         </p:nvSpPr>
         <p:spPr>
           <a:xfrm>
-            <a:off x="395536" y="1628800"/>
-            <a:ext cx="8496944" cy="4392488"/>
+            <a:off x="683568" y="1772816"/>
+            <a:ext cx="7776864" cy="4174232"/>
           </a:xfrm>
         </p:spPr>
         <p:txBody>
@@ -13125,33 +12865,75 @@
           <a:p>
             <a:pPr algn="just"/>
             <a:r>
-              <a:rPr lang="ru-RU" sz="4400" dirty="0">
+              <a:rPr lang="ru-RU" sz="3600" dirty="0" smtClean="0">
+                <a:solidFill>
+                  <a:schemeClr val="tx1"/>
+                </a:solidFill>
                 <a:latin typeface="Arial" panose="020B0604020202020204" pitchFamily="34" charset="0"/>
+                <a:ea typeface="Arial" charset="0"/>
                 <a:cs typeface="Arial" panose="020B0604020202020204" pitchFamily="34" charset="0"/>
               </a:rPr>
-              <a:t>Проблема исследования: </a:t>
-            </a:r>
-            <a:r>
-              <a:rPr lang="ru-RU" sz="4400" dirty="0" smtClean="0">
+              <a:t>Распознавание патологий приведет к своевременному лечению.</a:t>
+            </a:r>
+          </a:p>
+          <a:p>
+            <a:pPr algn="just"/>
+            <a:r>
+              <a:rPr lang="ru-RU" sz="3600" dirty="0">
+                <a:solidFill>
+                  <a:schemeClr val="tx1"/>
+                </a:solidFill>
                 <a:latin typeface="Arial" panose="020B0604020202020204" pitchFamily="34" charset="0"/>
+                <a:ea typeface="Arial" charset="0"/>
                 <a:cs typeface="Arial" panose="020B0604020202020204" pitchFamily="34" charset="0"/>
               </a:rPr>
-              <a:t>Как </a:t>
-            </a:r>
-            <a:r>
-              <a:rPr lang="ru-RU" sz="4400" dirty="0">
+              <a:t>В</a:t>
+            </a:r>
+            <a:r>
+              <a:rPr lang="ru-RU" sz="3600" dirty="0" smtClean="0">
+                <a:solidFill>
+                  <a:schemeClr val="tx1"/>
+                </a:solidFill>
                 <a:latin typeface="Arial" panose="020B0604020202020204" pitchFamily="34" charset="0"/>
+                <a:ea typeface="Arial" charset="0"/>
                 <a:cs typeface="Arial" panose="020B0604020202020204" pitchFamily="34" charset="0"/>
               </a:rPr>
-              <a:t>выбрать оптимальное множество признаков для классификатора? </a:t>
-            </a:r>
+              <a:t>заимодействия </a:t>
+            </a:r>
+            <a:r>
+              <a:rPr lang="ru-RU" sz="3600" dirty="0">
+                <a:solidFill>
+                  <a:schemeClr val="tx1"/>
+                </a:solidFill>
+                <a:latin typeface="Arial" panose="020B0604020202020204" pitchFamily="34" charset="0"/>
+                <a:ea typeface="Arial" charset="0"/>
+                <a:cs typeface="Arial" panose="020B0604020202020204" pitchFamily="34" charset="0"/>
+              </a:rPr>
+              <a:t>и отношения между оригинальными </a:t>
+            </a:r>
+            <a:r>
+              <a:rPr lang="ru-RU" sz="3600" dirty="0" smtClean="0">
+                <a:solidFill>
+                  <a:schemeClr val="tx1"/>
+                </a:solidFill>
+                <a:latin typeface="Arial" panose="020B0604020202020204" pitchFamily="34" charset="0"/>
+                <a:ea typeface="Arial" charset="0"/>
+                <a:cs typeface="Arial" panose="020B0604020202020204" pitchFamily="34" charset="0"/>
+              </a:rPr>
+              <a:t>признаками должны учитываться для успешной классификации.</a:t>
+            </a:r>
+            <a:endParaRPr lang="ru-RU" sz="3600" dirty="0">
+              <a:latin typeface="Arial" panose="020B0604020202020204" pitchFamily="34" charset="0"/>
+              <a:ea typeface="Arial" charset="0"/>
+              <a:cs typeface="Arial" panose="020B0604020202020204" pitchFamily="34" charset="0"/>
+            </a:endParaRPr>
           </a:p>
         </p:txBody>
       </p:sp>
     </p:spTree>
     <p:extLst>
       <p:ext uri="{BB962C8B-B14F-4D97-AF65-F5344CB8AC3E}">
-        <p14:creationId xmlns:p14="http://schemas.microsoft.com/office/powerpoint/2010/main" val="1305685532"/>
+        <p14:creationId xmlns:p14="http://schemas.microsoft.com/office/powerpoint/2010/main" val="2881067731"/>
       </p:ext>
     </p:extLst>
   </p:cSld>
@@ -13197,8 +12979,8 @@
         </p:nvSpPr>
         <p:spPr>
           <a:xfrm>
-            <a:off x="762000" y="685800"/>
-            <a:ext cx="7543800" cy="1015008"/>
+            <a:off x="1187624" y="0"/>
+            <a:ext cx="6781800" cy="1600200"/>
           </a:xfrm>
         </p:spPr>
         <p:txBody>
@@ -13207,8 +12989,8 @@
           <a:p>
             <a:pPr algn="ctr"/>
             <a:r>
-              <a:rPr lang="ru-RU" dirty="0" smtClean="0"/>
-              <a:t>Объект и предмет</a:t>
+              <a:rPr lang="ru-RU" smtClean="0"/>
+              <a:t>Проблема</a:t>
             </a:r>
             <a:endParaRPr lang="ru-RU" dirty="0"/>
           </a:p>
@@ -13226,94 +13008,58 @@
         </p:nvSpPr>
         <p:spPr>
           <a:xfrm>
-            <a:off x="762000" y="2258552"/>
-            <a:ext cx="7543800" cy="3886200"/>
-          </a:xfrm>
-        </p:spPr>
-        <p:txBody>
-          <a:bodyPr/>
+            <a:off x="395536" y="1628800"/>
+            <a:ext cx="8496944" cy="4392488"/>
+          </a:xfrm>
+        </p:spPr>
+        <p:txBody>
+          <a:bodyPr>
+            <a:noAutofit/>
+          </a:bodyPr>
           <a:lstStyle/>
           <a:p>
             <a:pPr algn="just"/>
             <a:r>
-              <a:rPr lang="ru-RU" sz="3600" dirty="0" smtClean="0">
+              <a:rPr lang="ru-RU" sz="4400" dirty="0">
                 <a:latin typeface="Arial" panose="020B0604020202020204" pitchFamily="34" charset="0"/>
                 <a:cs typeface="Arial" panose="020B0604020202020204" pitchFamily="34" charset="0"/>
               </a:rPr>
-              <a:t>Объект исследования </a:t>
-            </a:r>
-            <a:r>
-              <a:rPr lang="mr-IN" sz="3600" dirty="0" smtClean="0">
+              <a:t>Проблема исследования: </a:t>
+            </a:r>
+            <a:r>
+              <a:rPr lang="ru-RU" sz="4400" dirty="0" smtClean="0">
                 <a:latin typeface="Arial" panose="020B0604020202020204" pitchFamily="34" charset="0"/>
                 <a:cs typeface="Arial" panose="020B0604020202020204" pitchFamily="34" charset="0"/>
               </a:rPr>
-              <a:t>–</a:t>
-            </a:r>
-            <a:r>
-              <a:rPr lang="ru-RU" sz="3600" dirty="0" smtClean="0">
+              <a:t>Как </a:t>
+            </a:r>
+            <a:r>
+              <a:rPr lang="ru-RU" sz="4400" dirty="0">
                 <a:latin typeface="Arial" panose="020B0604020202020204" pitchFamily="34" charset="0"/>
                 <a:cs typeface="Arial" panose="020B0604020202020204" pitchFamily="34" charset="0"/>
               </a:rPr>
-              <a:t> классификация изображений.</a:t>
-            </a:r>
-          </a:p>
-          <a:p>
-            <a:pPr algn="just"/>
-            <a:r>
-              <a:rPr lang="ru-RU" sz="3600" dirty="0" smtClean="0">
-                <a:latin typeface="Arial" panose="020B0604020202020204" pitchFamily="34" charset="0"/>
-                <a:cs typeface="Arial" panose="020B0604020202020204" pitchFamily="34" charset="0"/>
-              </a:rPr>
-              <a:t>Предмет исследования </a:t>
-            </a:r>
-            <a:r>
-              <a:rPr lang="mr-IN" sz="3600" dirty="0" smtClean="0">
-                <a:latin typeface="Arial" panose="020B0604020202020204" pitchFamily="34" charset="0"/>
-                <a:cs typeface="Arial" panose="020B0604020202020204" pitchFamily="34" charset="0"/>
-              </a:rPr>
-              <a:t>–</a:t>
-            </a:r>
-            <a:r>
-              <a:rPr lang="ru-RU" sz="3600" dirty="0" smtClean="0">
-                <a:latin typeface="Arial" panose="020B0604020202020204" pitchFamily="34" charset="0"/>
-                <a:cs typeface="Arial" panose="020B0604020202020204" pitchFamily="34" charset="0"/>
-              </a:rPr>
-              <a:t> алгоритм </a:t>
-            </a:r>
-            <a:r>
-              <a:rPr lang="ru-RU" sz="3600" dirty="0">
-                <a:latin typeface="Arial" panose="020B0604020202020204" pitchFamily="34" charset="0"/>
-                <a:cs typeface="Arial" panose="020B0604020202020204" pitchFamily="34" charset="0"/>
-              </a:rPr>
-              <a:t>построения признаков для </a:t>
-            </a:r>
-            <a:r>
-              <a:rPr lang="ru-RU" sz="3600" dirty="0" smtClean="0">
-                <a:latin typeface="Arial" panose="020B0604020202020204" pitchFamily="34" charset="0"/>
-                <a:cs typeface="Arial" panose="020B0604020202020204" pitchFamily="34" charset="0"/>
-              </a:rPr>
-              <a:t>классификации.</a:t>
-            </a:r>
-            <a:endParaRPr lang="ru-RU" sz="3600" dirty="0">
-              <a:latin typeface="Arial" panose="020B0604020202020204" pitchFamily="34" charset="0"/>
-              <a:cs typeface="Arial" panose="020B0604020202020204" pitchFamily="34" charset="0"/>
-            </a:endParaRPr>
-          </a:p>
-          <a:p>
-            <a:endParaRPr lang="ru-RU" dirty="0"/>
+              <a:t>выбрать оптимальное множество признаков для классификатора? </a:t>
+            </a:r>
           </a:p>
         </p:txBody>
       </p:sp>
     </p:spTree>
     <p:extLst>
       <p:ext uri="{BB962C8B-B14F-4D97-AF65-F5344CB8AC3E}">
-        <p14:creationId xmlns:p14="http://schemas.microsoft.com/office/powerpoint/2010/main" val="554496113"/>
+        <p14:creationId xmlns:p14="http://schemas.microsoft.com/office/powerpoint/2010/main" val="1305685532"/>
       </p:ext>
     </p:extLst>
   </p:cSld>
   <p:clrMapOvr>
     <a:masterClrMapping/>
   </p:clrMapOvr>
+  <p:timing>
+    <p:tnLst>
+      <p:par>
+        <p:cTn id="1" dur="indefinite" restart="never" nodeType="tmRoot"/>
+      </p:par>
+    </p:tnLst>
+  </p:timing>
 </p:sld>
 </file>
 
@@ -13346,8 +13092,8 @@
         </p:nvSpPr>
         <p:spPr>
           <a:xfrm>
-            <a:off x="1043608" y="188640"/>
-            <a:ext cx="6781800" cy="1600200"/>
+            <a:off x="762000" y="685800"/>
+            <a:ext cx="7543800" cy="1015008"/>
           </a:xfrm>
         </p:spPr>
         <p:txBody>
@@ -13357,7 +13103,7 @@
             <a:pPr algn="ctr"/>
             <a:r>
               <a:rPr lang="ru-RU" dirty="0" smtClean="0"/>
-              <a:t>Цель</a:t>
+              <a:t>Объект и предмет</a:t>
             </a:r>
             <a:endParaRPr lang="ru-RU" dirty="0"/>
           </a:p>
@@ -13375,58 +13121,94 @@
         </p:nvSpPr>
         <p:spPr>
           <a:xfrm>
-            <a:off x="755576" y="1772816"/>
-            <a:ext cx="7560840" cy="3886200"/>
-          </a:xfrm>
-        </p:spPr>
-        <p:txBody>
-          <a:bodyPr>
-            <a:normAutofit/>
-          </a:bodyPr>
+            <a:off x="762000" y="2258552"/>
+            <a:ext cx="7543800" cy="3886200"/>
+          </a:xfrm>
+        </p:spPr>
+        <p:txBody>
+          <a:bodyPr/>
           <a:lstStyle/>
           <a:p>
             <a:pPr algn="just"/>
             <a:r>
-              <a:rPr lang="ru-RU" sz="4000" dirty="0" smtClean="0">
+              <a:rPr lang="ru-RU" sz="3600" dirty="0" smtClean="0">
                 <a:latin typeface="Arial" panose="020B0604020202020204" pitchFamily="34" charset="0"/>
                 <a:cs typeface="Arial" panose="020B0604020202020204" pitchFamily="34" charset="0"/>
               </a:rPr>
-              <a:t>Нахождение </a:t>
-            </a:r>
-            <a:r>
-              <a:rPr lang="ru-RU" sz="4000" dirty="0">
+              <a:t>Объект исследования </a:t>
+            </a:r>
+            <a:r>
+              <a:rPr lang="mr-IN" sz="3600" dirty="0" smtClean="0">
                 <a:latin typeface="Arial" panose="020B0604020202020204" pitchFamily="34" charset="0"/>
                 <a:cs typeface="Arial" panose="020B0604020202020204" pitchFamily="34" charset="0"/>
               </a:rPr>
-              <a:t>и отработка методики </a:t>
-            </a:r>
-            <a:r>
-              <a:rPr lang="ru-RU" sz="4000" dirty="0" smtClean="0">
+              <a:t>–</a:t>
+            </a:r>
+            <a:r>
+              <a:rPr lang="ru-RU" sz="3600" dirty="0" smtClean="0">
                 <a:latin typeface="Arial" panose="020B0604020202020204" pitchFamily="34" charset="0"/>
                 <a:cs typeface="Arial" panose="020B0604020202020204" pitchFamily="34" charset="0"/>
               </a:rPr>
-              <a:t>построение признаков для решения задачи классификации.</a:t>
-            </a:r>
+              <a:t> классификация изображений.</a:t>
+            </a:r>
+          </a:p>
+          <a:p>
+            <a:pPr algn="just"/>
+            <a:r>
+              <a:rPr lang="ru-RU" sz="3600" dirty="0" smtClean="0">
+                <a:latin typeface="Arial" panose="020B0604020202020204" pitchFamily="34" charset="0"/>
+                <a:cs typeface="Arial" panose="020B0604020202020204" pitchFamily="34" charset="0"/>
+              </a:rPr>
+              <a:t>Предмет исследования </a:t>
+            </a:r>
+            <a:r>
+              <a:rPr lang="mr-IN" sz="3600" dirty="0" smtClean="0">
+                <a:latin typeface="Arial" panose="020B0604020202020204" pitchFamily="34" charset="0"/>
+                <a:cs typeface="Arial" panose="020B0604020202020204" pitchFamily="34" charset="0"/>
+              </a:rPr>
+              <a:t>–</a:t>
+            </a:r>
+            <a:r>
+              <a:rPr lang="ru-RU" sz="3600" dirty="0" smtClean="0">
+                <a:latin typeface="Arial" panose="020B0604020202020204" pitchFamily="34" charset="0"/>
+                <a:cs typeface="Arial" panose="020B0604020202020204" pitchFamily="34" charset="0"/>
+              </a:rPr>
+              <a:t> алгоритм </a:t>
+            </a:r>
+            <a:r>
+              <a:rPr lang="ru-RU" sz="3600" dirty="0">
+                <a:latin typeface="Arial" panose="020B0604020202020204" pitchFamily="34" charset="0"/>
+                <a:cs typeface="Arial" panose="020B0604020202020204" pitchFamily="34" charset="0"/>
+              </a:rPr>
+              <a:t>построения признаков для </a:t>
+            </a:r>
+            <a:r>
+              <a:rPr lang="ru-RU" sz="3600" dirty="0" smtClean="0">
+                <a:latin typeface="Arial" panose="020B0604020202020204" pitchFamily="34" charset="0"/>
+                <a:cs typeface="Arial" panose="020B0604020202020204" pitchFamily="34" charset="0"/>
+              </a:rPr>
+              <a:t>классификации.</a:t>
+            </a:r>
+            <a:endParaRPr lang="ru-RU" sz="3600" dirty="0">
+              <a:latin typeface="Arial" panose="020B0604020202020204" pitchFamily="34" charset="0"/>
+              <a:cs typeface="Arial" panose="020B0604020202020204" pitchFamily="34" charset="0"/>
+            </a:endParaRPr>
+          </a:p>
+          <a:p>
+            <a:endParaRPr lang="ru-RU" dirty="0"/>
           </a:p>
         </p:txBody>
       </p:sp>
     </p:spTree>
     <p:extLst>
       <p:ext uri="{BB962C8B-B14F-4D97-AF65-F5344CB8AC3E}">
-        <p14:creationId xmlns:p14="http://schemas.microsoft.com/office/powerpoint/2010/main" val="648323079"/>
+        <p14:creationId xmlns:p14="http://schemas.microsoft.com/office/powerpoint/2010/main" val="554496113"/>
       </p:ext>
     </p:extLst>
   </p:cSld>
   <p:clrMapOvr>
     <a:masterClrMapping/>
   </p:clrMapOvr>
-  <p:timing>
-    <p:tnLst>
-      <p:par>
-        <p:cTn id="1" dur="indefinite" restart="never" nodeType="tmRoot"/>
-      </p:par>
-    </p:tnLst>
-  </p:timing>
 </p:sld>
 </file>
 
@@ -13459,7 +13241,7 @@
         </p:nvSpPr>
         <p:spPr>
           <a:xfrm>
-            <a:off x="1043608" y="-27384"/>
+            <a:off x="1043608" y="188640"/>
             <a:ext cx="6781800" cy="1600200"/>
           </a:xfrm>
         </p:spPr>
@@ -13470,7 +13252,7 @@
             <a:pPr algn="ctr"/>
             <a:r>
               <a:rPr lang="ru-RU" dirty="0" smtClean="0"/>
-              <a:t>Задачи</a:t>
+              <a:t>Цель</a:t>
             </a:r>
             <a:endParaRPr lang="ru-RU" dirty="0"/>
           </a:p>
@@ -13488,83 +13270,45 @@
         </p:nvSpPr>
         <p:spPr>
           <a:xfrm>
-            <a:off x="539552" y="1772816"/>
-            <a:ext cx="8280920" cy="4536504"/>
+            <a:off x="755576" y="1772816"/>
+            <a:ext cx="7560840" cy="3886200"/>
           </a:xfrm>
         </p:spPr>
         <p:txBody>
           <a:bodyPr>
-            <a:normAutofit fontScale="92500" lnSpcReduction="10000"/>
+            <a:normAutofit/>
           </a:bodyPr>
           <a:lstStyle/>
           <a:p>
-            <a:pPr lvl="0"/>
-            <a:r>
-              <a:rPr lang="ru-RU" sz="3500" dirty="0" smtClean="0">
+            <a:pPr algn="just"/>
+            <a:r>
+              <a:rPr lang="ru-RU" sz="4000" dirty="0" smtClean="0">
                 <a:latin typeface="Arial" panose="020B0604020202020204" pitchFamily="34" charset="0"/>
                 <a:cs typeface="Arial" panose="020B0604020202020204" pitchFamily="34" charset="0"/>
               </a:rPr>
-              <a:t>Изучить </a:t>
-            </a:r>
-            <a:r>
-              <a:rPr lang="ru-RU" sz="3500" dirty="0">
+              <a:t>Нахождение </a:t>
+            </a:r>
+            <a:r>
+              <a:rPr lang="ru-RU" sz="4000" dirty="0">
                 <a:latin typeface="Arial" panose="020B0604020202020204" pitchFamily="34" charset="0"/>
                 <a:cs typeface="Arial" panose="020B0604020202020204" pitchFamily="34" charset="0"/>
               </a:rPr>
-              <a:t>соответствующую литературу.</a:t>
-            </a:r>
-          </a:p>
-          <a:p>
-            <a:pPr lvl="0"/>
-            <a:r>
-              <a:rPr lang="ru-RU" sz="3500" dirty="0" smtClean="0">
+              <a:t>и отработка методики </a:t>
+            </a:r>
+            <a:r>
+              <a:rPr lang="ru-RU" sz="4000" dirty="0" smtClean="0">
                 <a:latin typeface="Arial" panose="020B0604020202020204" pitchFamily="34" charset="0"/>
                 <a:cs typeface="Arial" panose="020B0604020202020204" pitchFamily="34" charset="0"/>
               </a:rPr>
-              <a:t>Разработать и реализовать алгоритм построения признаков.</a:t>
-            </a:r>
-            <a:endParaRPr lang="ru-RU" sz="3500" dirty="0">
-              <a:latin typeface="Arial" panose="020B0604020202020204" pitchFamily="34" charset="0"/>
-              <a:cs typeface="Arial" panose="020B0604020202020204" pitchFamily="34" charset="0"/>
-            </a:endParaRPr>
-          </a:p>
-          <a:p>
-            <a:pPr lvl="0"/>
-            <a:r>
-              <a:rPr lang="ru-RU" sz="3500" dirty="0" smtClean="0">
-                <a:latin typeface="Arial" panose="020B0604020202020204" pitchFamily="34" charset="0"/>
-                <a:cs typeface="Arial" panose="020B0604020202020204" pitchFamily="34" charset="0"/>
-              </a:rPr>
-              <a:t>Оценить эффективность работы алгоритма и сравнить результаты с классификацией без построения признаков.</a:t>
-            </a:r>
-            <a:endParaRPr lang="ru-RU" sz="3500" dirty="0">
-              <a:latin typeface="Arial" panose="020B0604020202020204" pitchFamily="34" charset="0"/>
-              <a:cs typeface="Arial" panose="020B0604020202020204" pitchFamily="34" charset="0"/>
-            </a:endParaRPr>
-          </a:p>
-          <a:p>
-            <a:pPr lvl="0">
-              <a:lnSpc>
-                <a:spcPct val="110000"/>
-              </a:lnSpc>
-            </a:pPr>
-            <a:r>
-              <a:rPr lang="ru-RU" sz="3500" dirty="0">
-                <a:latin typeface="Arial" panose="020B0604020202020204" pitchFamily="34" charset="0"/>
-                <a:cs typeface="Arial" panose="020B0604020202020204" pitchFamily="34" charset="0"/>
-              </a:rPr>
-              <a:t>Обобщить полученные результаты и сделать соответствующие выводы.</a:t>
-            </a:r>
-          </a:p>
-          <a:p>
-            <a:endParaRPr lang="ru-RU" dirty="0"/>
+              <a:t>построение признаков для решения задачи классификации.</a:t>
+            </a:r>
           </a:p>
         </p:txBody>
       </p:sp>
     </p:spTree>
     <p:extLst>
       <p:ext uri="{BB962C8B-B14F-4D97-AF65-F5344CB8AC3E}">
-        <p14:creationId xmlns:p14="http://schemas.microsoft.com/office/powerpoint/2010/main" val="1538788640"/>
+        <p14:creationId xmlns:p14="http://schemas.microsoft.com/office/powerpoint/2010/main" val="648323079"/>
       </p:ext>
     </p:extLst>
   </p:cSld>
@@ -13610,8 +13354,8 @@
         </p:nvSpPr>
         <p:spPr>
           <a:xfrm>
-            <a:off x="1318592" y="404664"/>
-            <a:ext cx="6781800" cy="1312168"/>
+            <a:off x="1043608" y="-27384"/>
+            <a:ext cx="6781800" cy="1600200"/>
           </a:xfrm>
         </p:spPr>
         <p:txBody>
@@ -13621,7 +13365,7 @@
             <a:pPr algn="ctr"/>
             <a:r>
               <a:rPr lang="ru-RU" dirty="0" smtClean="0"/>
-              <a:t>Основные принципы</a:t>
+              <a:t>Задачи</a:t>
             </a:r>
             <a:endParaRPr lang="ru-RU" dirty="0"/>
           </a:p>
@@ -13639,52 +13383,83 @@
         </p:nvSpPr>
         <p:spPr>
           <a:xfrm>
-            <a:off x="755576" y="1919064"/>
-            <a:ext cx="7543800" cy="3886200"/>
+            <a:off x="539552" y="1772816"/>
+            <a:ext cx="8280920" cy="4536504"/>
           </a:xfrm>
         </p:spPr>
         <p:txBody>
           <a:bodyPr>
-            <a:normAutofit/>
+            <a:normAutofit fontScale="92500" lnSpcReduction="10000"/>
           </a:bodyPr>
           <a:lstStyle/>
           <a:p>
-            <a:r>
-              <a:rPr lang="ru-RU" sz="4800" dirty="0" smtClean="0">
+            <a:pPr lvl="0"/>
+            <a:r>
+              <a:rPr lang="ru-RU" sz="3500" dirty="0" smtClean="0">
                 <a:latin typeface="Arial" panose="020B0604020202020204" pitchFamily="34" charset="0"/>
                 <a:cs typeface="Arial" panose="020B0604020202020204" pitchFamily="34" charset="0"/>
               </a:rPr>
-              <a:t>Естественный отбор</a:t>
-            </a:r>
-          </a:p>
-          <a:p>
-            <a:r>
-              <a:rPr lang="ru-RU" sz="4800" dirty="0" smtClean="0">
+              <a:t>Изучить </a:t>
+            </a:r>
+            <a:r>
+              <a:rPr lang="ru-RU" sz="3500" dirty="0">
                 <a:latin typeface="Arial" panose="020B0604020202020204" pitchFamily="34" charset="0"/>
                 <a:cs typeface="Arial" panose="020B0604020202020204" pitchFamily="34" charset="0"/>
               </a:rPr>
-              <a:t>Скрещивание</a:t>
-            </a:r>
-          </a:p>
-          <a:p>
-            <a:r>
-              <a:rPr lang="ru-RU" sz="4800" dirty="0" smtClean="0">
+              <a:t>соответствующую литературу.</a:t>
+            </a:r>
+          </a:p>
+          <a:p>
+            <a:pPr lvl="0"/>
+            <a:r>
+              <a:rPr lang="ru-RU" sz="3500" dirty="0" smtClean="0">
                 <a:latin typeface="Arial" panose="020B0604020202020204" pitchFamily="34" charset="0"/>
                 <a:cs typeface="Arial" panose="020B0604020202020204" pitchFamily="34" charset="0"/>
               </a:rPr>
-              <a:t>Мутация</a:t>
-            </a:r>
-            <a:endParaRPr lang="ru-RU" sz="4800" dirty="0">
+              <a:t>Разработать и реализовать алгоритм построения признаков.</a:t>
+            </a:r>
+            <a:endParaRPr lang="ru-RU" sz="3500" dirty="0">
               <a:latin typeface="Arial" panose="020B0604020202020204" pitchFamily="34" charset="0"/>
               <a:cs typeface="Arial" panose="020B0604020202020204" pitchFamily="34" charset="0"/>
             </a:endParaRPr>
           </a:p>
+          <a:p>
+            <a:pPr lvl="0"/>
+            <a:r>
+              <a:rPr lang="ru-RU" sz="3500" dirty="0" smtClean="0">
+                <a:latin typeface="Arial" panose="020B0604020202020204" pitchFamily="34" charset="0"/>
+                <a:cs typeface="Arial" panose="020B0604020202020204" pitchFamily="34" charset="0"/>
+              </a:rPr>
+              <a:t>Оценить эффективность работы алгоритма и сравнить результаты с классификацией без построения признаков.</a:t>
+            </a:r>
+            <a:endParaRPr lang="ru-RU" sz="3500" dirty="0">
+              <a:latin typeface="Arial" panose="020B0604020202020204" pitchFamily="34" charset="0"/>
+              <a:cs typeface="Arial" panose="020B0604020202020204" pitchFamily="34" charset="0"/>
+            </a:endParaRPr>
+          </a:p>
+          <a:p>
+            <a:pPr lvl="0">
+              <a:lnSpc>
+                <a:spcPct val="110000"/>
+              </a:lnSpc>
+            </a:pPr>
+            <a:r>
+              <a:rPr lang="ru-RU" sz="3500" dirty="0">
+                <a:latin typeface="Arial" panose="020B0604020202020204" pitchFamily="34" charset="0"/>
+                <a:cs typeface="Arial" panose="020B0604020202020204" pitchFamily="34" charset="0"/>
+              </a:rPr>
+              <a:t>Обобщить полученные результаты и сделать соответствующие выводы.</a:t>
+            </a:r>
+          </a:p>
+          <a:p>
+            <a:endParaRPr lang="ru-RU" dirty="0"/>
+          </a:p>
         </p:txBody>
       </p:sp>
     </p:spTree>
     <p:extLst>
       <p:ext uri="{BB962C8B-B14F-4D97-AF65-F5344CB8AC3E}">
-        <p14:creationId xmlns:p14="http://schemas.microsoft.com/office/powerpoint/2010/main" val="3347199953"/>
+        <p14:creationId xmlns:p14="http://schemas.microsoft.com/office/powerpoint/2010/main" val="1538788640"/>
       </p:ext>
     </p:extLst>
   </p:cSld>

--- a/Диплом/Магистратура.pptx
+++ b/Диплом/Магистратура.pptx
@@ -5,31 +5,27 @@
     <p:sldMasterId id="2147484260" r:id="rId1"/>
   </p:sldMasterIdLst>
   <p:notesMasterIdLst>
-    <p:notesMasterId r:id="rId24"/>
+    <p:notesMasterId r:id="rId20"/>
   </p:notesMasterIdLst>
   <p:sldIdLst>
     <p:sldId id="256" r:id="rId2"/>
     <p:sldId id="272" r:id="rId3"/>
-    <p:sldId id="284" r:id="rId4"/>
-    <p:sldId id="279" r:id="rId5"/>
-    <p:sldId id="278" r:id="rId6"/>
-    <p:sldId id="274" r:id="rId7"/>
-    <p:sldId id="283" r:id="rId8"/>
-    <p:sldId id="257" r:id="rId9"/>
-    <p:sldId id="271" r:id="rId10"/>
-    <p:sldId id="285" r:id="rId11"/>
-    <p:sldId id="286" r:id="rId12"/>
-    <p:sldId id="259" r:id="rId13"/>
-    <p:sldId id="261" r:id="rId14"/>
-    <p:sldId id="288" r:id="rId15"/>
-    <p:sldId id="270" r:id="rId16"/>
-    <p:sldId id="260" r:id="rId17"/>
-    <p:sldId id="262" r:id="rId18"/>
-    <p:sldId id="276" r:id="rId19"/>
-    <p:sldId id="264" r:id="rId20"/>
-    <p:sldId id="282" r:id="rId21"/>
-    <p:sldId id="280" r:id="rId22"/>
-    <p:sldId id="277" r:id="rId23"/>
+    <p:sldId id="278" r:id="rId4"/>
+    <p:sldId id="274" r:id="rId5"/>
+    <p:sldId id="283" r:id="rId6"/>
+    <p:sldId id="257" r:id="rId7"/>
+    <p:sldId id="271" r:id="rId8"/>
+    <p:sldId id="285" r:id="rId9"/>
+    <p:sldId id="286" r:id="rId10"/>
+    <p:sldId id="279" r:id="rId11"/>
+    <p:sldId id="259" r:id="rId12"/>
+    <p:sldId id="261" r:id="rId13"/>
+    <p:sldId id="288" r:id="rId14"/>
+    <p:sldId id="270" r:id="rId15"/>
+    <p:sldId id="282" r:id="rId16"/>
+    <p:sldId id="289" r:id="rId17"/>
+    <p:sldId id="290" r:id="rId18"/>
+    <p:sldId id="277" r:id="rId19"/>
   </p:sldIdLst>
   <p:sldSz cx="9144000" cy="6858000" type="screen4x3"/>
   <p:notesSz cx="6858000" cy="9144000"/>
@@ -135,8 +131,6 @@
           <p14:sldIdLst>
             <p14:sldId id="256"/>
             <p14:sldId id="272"/>
-            <p14:sldId id="284"/>
-            <p14:sldId id="279"/>
             <p14:sldId id="278"/>
             <p14:sldId id="274"/>
             <p14:sldId id="283"/>
@@ -144,16 +138,14 @@
             <p14:sldId id="271"/>
             <p14:sldId id="285"/>
             <p14:sldId id="286"/>
+            <p14:sldId id="279"/>
             <p14:sldId id="259"/>
             <p14:sldId id="261"/>
             <p14:sldId id="288"/>
             <p14:sldId id="270"/>
-            <p14:sldId id="260"/>
-            <p14:sldId id="262"/>
-            <p14:sldId id="276"/>
-            <p14:sldId id="264"/>
             <p14:sldId id="282"/>
-            <p14:sldId id="280"/>
+            <p14:sldId id="289"/>
+            <p14:sldId id="290"/>
             <p14:sldId id="277"/>
           </p14:sldIdLst>
         </p14:section>
@@ -581,9 +573,17 @@
                 <a:ea typeface="+mn-ea"/>
                 <a:cs typeface="+mn-cs"/>
               </a:rPr>
-              <a:t>Медицинские изображения – это структурно-функциональный образ органов человека, предназначенный для диагностики заболеваний и изучения анатомо-физиологической картины организма.</a:t>
-            </a:r>
-            <a:endParaRPr lang="ru-RU" dirty="0"/>
+              <a:t>Медицинское изображение – это структурно-функциональный образ органов человека. Врачи используют его для диагностики заболеваний и изучения анатомо-физиологической картины организма. </a:t>
+            </a:r>
+            <a:endParaRPr lang="ru-RU" sz="1200" kern="1200" dirty="0">
+              <a:solidFill>
+                <a:schemeClr val="tx1"/>
+              </a:solidFill>
+              <a:effectLst/>
+              <a:latin typeface="+mn-lt"/>
+              <a:ea typeface="+mn-ea"/>
+              <a:cs typeface="+mn-cs"/>
+            </a:endParaRPr>
           </a:p>
         </p:txBody>
       </p:sp>
@@ -667,6 +667,104 @@
           <a:bodyPr/>
           <a:lstStyle/>
           <a:p>
+            <a:r>
+              <a:rPr lang="ru-RU" sz="1200" kern="1200" dirty="0" smtClean="0">
+                <a:solidFill>
+                  <a:schemeClr val="tx1"/>
+                </a:solidFill>
+                <a:effectLst/>
+                <a:latin typeface="+mn-lt"/>
+                <a:ea typeface="+mn-ea"/>
+                <a:cs typeface="+mn-cs"/>
+              </a:rPr>
+              <a:t>Будем параллельно развивать несколько наборов лесов. Каждому такому набору назначим свой уникальный классификатор, с помощью которого будем оценивать пригодность данного набора признаков.</a:t>
+            </a:r>
+          </a:p>
+          <a:p>
+            <a:endParaRPr lang="ru-RU" dirty="0"/>
+          </a:p>
+        </p:txBody>
+      </p:sp>
+      <p:sp>
+        <p:nvSpPr>
+          <p:cNvPr id="4" name="Номер слайда 3"/>
+          <p:cNvSpPr>
+            <a:spLocks noGrp="1"/>
+          </p:cNvSpPr>
+          <p:nvPr>
+            <p:ph type="sldNum" sz="quarter" idx="10"/>
+          </p:nvPr>
+        </p:nvSpPr>
+        <p:spPr/>
+        <p:txBody>
+          <a:bodyPr/>
+          <a:lstStyle/>
+          <a:p>
+            <a:fld id="{067F537F-45F3-8142-965F-E742B23B0064}" type="slidenum">
+              <a:rPr lang="ru-RU" smtClean="0"/>
+              <a:t>13</a:t>
+            </a:fld>
+            <a:endParaRPr lang="ru-RU"/>
+          </a:p>
+        </p:txBody>
+      </p:sp>
+    </p:spTree>
+    <p:extLst>
+      <p:ext uri="{BB962C8B-B14F-4D97-AF65-F5344CB8AC3E}">
+        <p14:creationId xmlns:p14="http://schemas.microsoft.com/office/powerpoint/2010/main" val="2236421988"/>
+      </p:ext>
+    </p:extLst>
+  </p:cSld>
+  <p:clrMapOvr>
+    <a:masterClrMapping/>
+  </p:clrMapOvr>
+</p:notes>
+</file>
+
+<file path=ppt/notesSlides/notesSlide11.xml><?xml version="1.0" encoding="utf-8"?>
+<p:notes xmlns:a="http://schemas.openxmlformats.org/drawingml/2006/main" xmlns:r="http://schemas.openxmlformats.org/officeDocument/2006/relationships" xmlns:p="http://schemas.openxmlformats.org/presentationml/2006/main">
+  <p:cSld>
+    <p:spTree>
+      <p:nvGrpSpPr>
+        <p:cNvPr id="1" name=""/>
+        <p:cNvGrpSpPr/>
+        <p:nvPr/>
+      </p:nvGrpSpPr>
+      <p:grpSpPr>
+        <a:xfrm>
+          <a:off x="0" y="0"/>
+          <a:ext cx="0" cy="0"/>
+          <a:chOff x="0" y="0"/>
+          <a:chExt cx="0" cy="0"/>
+        </a:xfrm>
+      </p:grpSpPr>
+      <p:sp>
+        <p:nvSpPr>
+          <p:cNvPr id="2" name="Образ слайда 1"/>
+          <p:cNvSpPr>
+            <a:spLocks noGrp="1" noRot="1" noChangeAspect="1"/>
+          </p:cNvSpPr>
+          <p:nvPr>
+            <p:ph type="sldImg"/>
+          </p:nvPr>
+        </p:nvSpPr>
+        <p:spPr/>
+      </p:sp>
+      <p:sp>
+        <p:nvSpPr>
+          <p:cNvPr id="3" name="Заметки 2"/>
+          <p:cNvSpPr>
+            <a:spLocks noGrp="1"/>
+          </p:cNvSpPr>
+          <p:nvPr>
+            <p:ph type="body" idx="1"/>
+          </p:nvPr>
+        </p:nvSpPr>
+        <p:spPr/>
+        <p:txBody>
+          <a:bodyPr/>
+          <a:lstStyle/>
+          <a:p>
             <a:pPr marL="0" marR="0" lvl="0" indent="0" algn="l" defTabSz="914400" rtl="0" eaLnBrk="1" fontAlgn="auto" latinLnBrk="0" hangingPunct="1">
               <a:lnSpc>
                 <a:spcPct val="100000"/>
@@ -764,7 +862,7 @@
           <a:p>
             <a:fld id="{067F537F-45F3-8142-965F-E742B23B0064}" type="slidenum">
               <a:rPr lang="ru-RU" smtClean="0"/>
-              <a:t>15</a:t>
+              <a:t>14</a:t>
             </a:fld>
             <a:endParaRPr lang="ru-RU"/>
           </a:p>
@@ -774,6 +872,352 @@
     <p:extLst>
       <p:ext uri="{BB962C8B-B14F-4D97-AF65-F5344CB8AC3E}">
         <p14:creationId xmlns:p14="http://schemas.microsoft.com/office/powerpoint/2010/main" val="2133192863"/>
+      </p:ext>
+    </p:extLst>
+  </p:cSld>
+  <p:clrMapOvr>
+    <a:masterClrMapping/>
+  </p:clrMapOvr>
+</p:notes>
+</file>
+
+<file path=ppt/notesSlides/notesSlide12.xml><?xml version="1.0" encoding="utf-8"?>
+<p:notes xmlns:a="http://schemas.openxmlformats.org/drawingml/2006/main" xmlns:r="http://schemas.openxmlformats.org/officeDocument/2006/relationships" xmlns:p="http://schemas.openxmlformats.org/presentationml/2006/main">
+  <p:cSld>
+    <p:spTree>
+      <p:nvGrpSpPr>
+        <p:cNvPr id="1" name=""/>
+        <p:cNvGrpSpPr/>
+        <p:nvPr/>
+      </p:nvGrpSpPr>
+      <p:grpSpPr>
+        <a:xfrm>
+          <a:off x="0" y="0"/>
+          <a:ext cx="0" cy="0"/>
+          <a:chOff x="0" y="0"/>
+          <a:chExt cx="0" cy="0"/>
+        </a:xfrm>
+      </p:grpSpPr>
+      <p:sp>
+        <p:nvSpPr>
+          <p:cNvPr id="2" name="Образ слайда 1"/>
+          <p:cNvSpPr>
+            <a:spLocks noGrp="1" noRot="1" noChangeAspect="1"/>
+          </p:cNvSpPr>
+          <p:nvPr>
+            <p:ph type="sldImg"/>
+          </p:nvPr>
+        </p:nvSpPr>
+        <p:spPr/>
+      </p:sp>
+      <p:sp>
+        <p:nvSpPr>
+          <p:cNvPr id="3" name="Заметки 2"/>
+          <p:cNvSpPr>
+            <a:spLocks noGrp="1"/>
+          </p:cNvSpPr>
+          <p:nvPr>
+            <p:ph type="body" idx="1"/>
+          </p:nvPr>
+        </p:nvSpPr>
+        <p:spPr/>
+        <p:txBody>
+          <a:bodyPr/>
+          <a:lstStyle/>
+          <a:p>
+            <a:r>
+              <a:rPr lang="ru-RU" sz="1200" kern="1200" dirty="0" smtClean="0">
+                <a:solidFill>
+                  <a:schemeClr val="tx1"/>
+                </a:solidFill>
+                <a:effectLst/>
+                <a:latin typeface="+mn-lt"/>
+                <a:ea typeface="+mn-ea"/>
+                <a:cs typeface="+mn-cs"/>
+              </a:rPr>
+              <a:t>Результаты. Была разработана программа, которая позволяет получить набор построенных признаков данных посредством генетического программирования. Для проверки ее работы был проведен эксперимент. </a:t>
+            </a:r>
+          </a:p>
+          <a:p>
+            <a:r>
+              <a:rPr lang="ru-RU" sz="1200" kern="1200" dirty="0" smtClean="0">
+                <a:solidFill>
+                  <a:schemeClr val="tx1"/>
+                </a:solidFill>
+                <a:effectLst/>
+                <a:latin typeface="+mn-lt"/>
+                <a:ea typeface="+mn-ea"/>
+                <a:cs typeface="+mn-cs"/>
+              </a:rPr>
+              <a:t>Заданы обучающая и тестовая выборки медицинских изображений. Они были получены из доступного в интернете ресурса LIDC-IDRI и представляют собой КТ снимки легких с отмеченными областями поражения.</a:t>
+            </a:r>
+          </a:p>
+          <a:p>
+            <a:endParaRPr lang="ru-RU" dirty="0"/>
+          </a:p>
+        </p:txBody>
+      </p:sp>
+      <p:sp>
+        <p:nvSpPr>
+          <p:cNvPr id="4" name="Номер слайда 3"/>
+          <p:cNvSpPr>
+            <a:spLocks noGrp="1"/>
+          </p:cNvSpPr>
+          <p:nvPr>
+            <p:ph type="sldNum" sz="quarter" idx="10"/>
+          </p:nvPr>
+        </p:nvSpPr>
+        <p:spPr/>
+        <p:txBody>
+          <a:bodyPr/>
+          <a:lstStyle/>
+          <a:p>
+            <a:fld id="{067F537F-45F3-8142-965F-E742B23B0064}" type="slidenum">
+              <a:rPr lang="ru-RU" smtClean="0"/>
+              <a:t>15</a:t>
+            </a:fld>
+            <a:endParaRPr lang="ru-RU"/>
+          </a:p>
+        </p:txBody>
+      </p:sp>
+    </p:spTree>
+    <p:extLst>
+      <p:ext uri="{BB962C8B-B14F-4D97-AF65-F5344CB8AC3E}">
+        <p14:creationId xmlns:p14="http://schemas.microsoft.com/office/powerpoint/2010/main" val="2685789095"/>
+      </p:ext>
+    </p:extLst>
+  </p:cSld>
+  <p:clrMapOvr>
+    <a:masterClrMapping/>
+  </p:clrMapOvr>
+</p:notes>
+</file>
+
+<file path=ppt/notesSlides/notesSlide13.xml><?xml version="1.0" encoding="utf-8"?>
+<p:notes xmlns:a="http://schemas.openxmlformats.org/drawingml/2006/main" xmlns:r="http://schemas.openxmlformats.org/officeDocument/2006/relationships" xmlns:p="http://schemas.openxmlformats.org/presentationml/2006/main">
+  <p:cSld>
+    <p:spTree>
+      <p:nvGrpSpPr>
+        <p:cNvPr id="1" name=""/>
+        <p:cNvGrpSpPr/>
+        <p:nvPr/>
+      </p:nvGrpSpPr>
+      <p:grpSpPr>
+        <a:xfrm>
+          <a:off x="0" y="0"/>
+          <a:ext cx="0" cy="0"/>
+          <a:chOff x="0" y="0"/>
+          <a:chExt cx="0" cy="0"/>
+        </a:xfrm>
+      </p:grpSpPr>
+      <p:sp>
+        <p:nvSpPr>
+          <p:cNvPr id="2" name="Образ слайда 1"/>
+          <p:cNvSpPr>
+            <a:spLocks noGrp="1" noRot="1" noChangeAspect="1"/>
+          </p:cNvSpPr>
+          <p:nvPr>
+            <p:ph type="sldImg"/>
+          </p:nvPr>
+        </p:nvSpPr>
+        <p:spPr/>
+      </p:sp>
+      <p:sp>
+        <p:nvSpPr>
+          <p:cNvPr id="3" name="Заметки 2"/>
+          <p:cNvSpPr>
+            <a:spLocks noGrp="1"/>
+          </p:cNvSpPr>
+          <p:nvPr>
+            <p:ph type="body" idx="1"/>
+          </p:nvPr>
+        </p:nvSpPr>
+        <p:spPr/>
+        <p:txBody>
+          <a:bodyPr/>
+          <a:lstStyle/>
+          <a:p>
+            <a:r>
+              <a:rPr lang="ru-RU" sz="1200" kern="1200" dirty="0" smtClean="0">
+                <a:solidFill>
+                  <a:schemeClr val="tx1"/>
+                </a:solidFill>
+                <a:effectLst/>
+                <a:latin typeface="+mn-lt"/>
+                <a:ea typeface="+mn-ea"/>
+                <a:cs typeface="+mn-cs"/>
+              </a:rPr>
+              <a:t>Определен набор классификаторов: классификатор ближайшего соседа, метод опорных векторов, алгоритм </a:t>
+            </a:r>
+            <a:r>
+              <a:rPr lang="en-US" sz="1200" kern="1200" dirty="0" smtClean="0">
+                <a:solidFill>
+                  <a:schemeClr val="tx1"/>
+                </a:solidFill>
+                <a:effectLst/>
+                <a:latin typeface="+mn-lt"/>
+                <a:ea typeface="+mn-ea"/>
+                <a:cs typeface="+mn-cs"/>
+              </a:rPr>
+              <a:t>C</a:t>
+            </a:r>
+            <a:r>
+              <a:rPr lang="ru-RU" sz="1200" kern="1200" dirty="0" smtClean="0">
+                <a:solidFill>
+                  <a:schemeClr val="tx1"/>
+                </a:solidFill>
+                <a:effectLst/>
+                <a:latin typeface="+mn-lt"/>
+                <a:ea typeface="+mn-ea"/>
+                <a:cs typeface="+mn-cs"/>
+              </a:rPr>
+              <a:t>4.5 деревьев решений, наивный байесовский классификатор, искусственная нейронная сеть. И задано множество исходных признаков. Максимальная ошибка классификации для прекращения работы программы была выбрана равной 0.1.</a:t>
+            </a:r>
+          </a:p>
+          <a:p>
+            <a:endParaRPr lang="ru-RU" dirty="0"/>
+          </a:p>
+        </p:txBody>
+      </p:sp>
+      <p:sp>
+        <p:nvSpPr>
+          <p:cNvPr id="4" name="Номер слайда 3"/>
+          <p:cNvSpPr>
+            <a:spLocks noGrp="1"/>
+          </p:cNvSpPr>
+          <p:nvPr>
+            <p:ph type="sldNum" sz="quarter" idx="10"/>
+          </p:nvPr>
+        </p:nvSpPr>
+        <p:spPr/>
+        <p:txBody>
+          <a:bodyPr/>
+          <a:lstStyle/>
+          <a:p>
+            <a:fld id="{067F537F-45F3-8142-965F-E742B23B0064}" type="slidenum">
+              <a:rPr lang="ru-RU" smtClean="0"/>
+              <a:t>16</a:t>
+            </a:fld>
+            <a:endParaRPr lang="ru-RU"/>
+          </a:p>
+        </p:txBody>
+      </p:sp>
+    </p:spTree>
+    <p:extLst>
+      <p:ext uri="{BB962C8B-B14F-4D97-AF65-F5344CB8AC3E}">
+        <p14:creationId xmlns:p14="http://schemas.microsoft.com/office/powerpoint/2010/main" val="3681463401"/>
+      </p:ext>
+    </p:extLst>
+  </p:cSld>
+  <p:clrMapOvr>
+    <a:masterClrMapping/>
+  </p:clrMapOvr>
+</p:notes>
+</file>
+
+<file path=ppt/notesSlides/notesSlide14.xml><?xml version="1.0" encoding="utf-8"?>
+<p:notes xmlns:a="http://schemas.openxmlformats.org/drawingml/2006/main" xmlns:r="http://schemas.openxmlformats.org/officeDocument/2006/relationships" xmlns:p="http://schemas.openxmlformats.org/presentationml/2006/main">
+  <p:cSld>
+    <p:spTree>
+      <p:nvGrpSpPr>
+        <p:cNvPr id="1" name=""/>
+        <p:cNvGrpSpPr/>
+        <p:nvPr/>
+      </p:nvGrpSpPr>
+      <p:grpSpPr>
+        <a:xfrm>
+          <a:off x="0" y="0"/>
+          <a:ext cx="0" cy="0"/>
+          <a:chOff x="0" y="0"/>
+          <a:chExt cx="0" cy="0"/>
+        </a:xfrm>
+      </p:grpSpPr>
+      <p:sp>
+        <p:nvSpPr>
+          <p:cNvPr id="2" name="Образ слайда 1"/>
+          <p:cNvSpPr>
+            <a:spLocks noGrp="1" noRot="1" noChangeAspect="1"/>
+          </p:cNvSpPr>
+          <p:nvPr>
+            <p:ph type="sldImg"/>
+          </p:nvPr>
+        </p:nvSpPr>
+        <p:spPr/>
+      </p:sp>
+      <p:sp>
+        <p:nvSpPr>
+          <p:cNvPr id="3" name="Заметки 2"/>
+          <p:cNvSpPr>
+            <a:spLocks noGrp="1"/>
+          </p:cNvSpPr>
+          <p:nvPr>
+            <p:ph type="body" idx="1"/>
+          </p:nvPr>
+        </p:nvSpPr>
+        <p:spPr/>
+        <p:txBody>
+          <a:bodyPr/>
+          <a:lstStyle/>
+          <a:p>
+            <a:pPr marL="0" marR="0" lvl="0" indent="0" algn="l" defTabSz="914400" rtl="0" eaLnBrk="1" fontAlgn="auto" latinLnBrk="0" hangingPunct="1">
+              <a:lnSpc>
+                <a:spcPct val="100000"/>
+              </a:lnSpc>
+              <a:spcBef>
+                <a:spcPts val="0"/>
+              </a:spcBef>
+              <a:spcAft>
+                <a:spcPts val="0"/>
+              </a:spcAft>
+              <a:buClrTx/>
+              <a:buSzTx/>
+              <a:buFontTx/>
+              <a:buNone/>
+              <a:tabLst/>
+              <a:defRPr/>
+            </a:pPr>
+            <a:r>
+              <a:rPr lang="ru-RU" sz="1200" kern="1200" dirty="0" smtClean="0">
+                <a:solidFill>
+                  <a:schemeClr val="tx1"/>
+                </a:solidFill>
+                <a:effectLst/>
+                <a:latin typeface="+mn-lt"/>
+                <a:ea typeface="+mn-ea"/>
+                <a:cs typeface="+mn-cs"/>
+              </a:rPr>
+              <a:t>Результаты работы программы можно продемонстрировать в виде таблицы. Каждый классификатор сначала предсказывал значение класса по оригинальному набору признаков. Видно, что точность предсказания равна приблизительно 80%. Затем классификаторы использовали свой лучший набор построенных признаков для прогнозирования класса. Можно увидеть, что средняя точность предсказания стала более 90%. Следовательно, цель работы – увеличение точности классификации – была достигнута.</a:t>
+            </a:r>
+          </a:p>
+        </p:txBody>
+      </p:sp>
+      <p:sp>
+        <p:nvSpPr>
+          <p:cNvPr id="4" name="Номер слайда 3"/>
+          <p:cNvSpPr>
+            <a:spLocks noGrp="1"/>
+          </p:cNvSpPr>
+          <p:nvPr>
+            <p:ph type="sldNum" sz="quarter" idx="10"/>
+          </p:nvPr>
+        </p:nvSpPr>
+        <p:spPr/>
+        <p:txBody>
+          <a:bodyPr/>
+          <a:lstStyle/>
+          <a:p>
+            <a:fld id="{067F537F-45F3-8142-965F-E742B23B0064}" type="slidenum">
+              <a:rPr lang="ru-RU" smtClean="0"/>
+              <a:t>17</a:t>
+            </a:fld>
+            <a:endParaRPr lang="ru-RU"/>
+          </a:p>
+        </p:txBody>
+      </p:sp>
+    </p:spTree>
+    <p:extLst>
+      <p:ext uri="{BB962C8B-B14F-4D97-AF65-F5344CB8AC3E}">
+        <p14:creationId xmlns:p14="http://schemas.microsoft.com/office/powerpoint/2010/main" val="2366140943"/>
       </p:ext>
     </p:extLst>
   </p:cSld>
@@ -868,7 +1312,7 @@
           <a:p>
             <a:fld id="{067F537F-45F3-8142-965F-E742B23B0064}" type="slidenum">
               <a:rPr lang="ru-RU" smtClean="0"/>
-              <a:t>5</a:t>
+              <a:t>3</a:t>
             </a:fld>
             <a:endParaRPr lang="ru-RU"/>
           </a:p>
@@ -940,7 +1384,18 @@
                 <a:ea typeface="+mn-ea"/>
                 <a:cs typeface="+mn-cs"/>
               </a:rPr>
-              <a:t>Проблема. Эффективность работы классификатора сильно зависит от входного множества признаков. Как выбрать оптимальное множество признаков для классификатора? </a:t>
+              <a:t>Эффективность </a:t>
+            </a:r>
+            <a:r>
+              <a:rPr lang="ru-RU" sz="1200" b="0" i="0" u="none" strike="noStrike" kern="1200" baseline="0" dirty="0" smtClean="0">
+                <a:solidFill>
+                  <a:schemeClr val="tx1"/>
+                </a:solidFill>
+                <a:latin typeface="+mn-lt"/>
+                <a:ea typeface="+mn-ea"/>
+                <a:cs typeface="+mn-cs"/>
+              </a:rPr>
+              <a:t>работы классификатора сильно зависит от входного множества признаков. Как выбрать оптимальное множество признаков для классификатора? </a:t>
             </a:r>
             <a:endParaRPr lang="ru-RU" dirty="0"/>
           </a:p>
@@ -963,7 +1418,7 @@
           <a:p>
             <a:fld id="{067F537F-45F3-8142-965F-E742B23B0064}" type="slidenum">
               <a:rPr lang="ru-RU" smtClean="0"/>
-              <a:t>6</a:t>
+              <a:t>4</a:t>
             </a:fld>
             <a:endParaRPr lang="ru-RU"/>
           </a:p>
@@ -1047,7 +1502,7 @@
           <a:p>
             <a:fld id="{067F537F-45F3-8142-965F-E742B23B0064}" type="slidenum">
               <a:rPr lang="ru-RU" smtClean="0"/>
-              <a:t>8</a:t>
+              <a:t>6</a:t>
             </a:fld>
             <a:endParaRPr lang="ru-RU"/>
           </a:p>
@@ -1162,7 +1617,7 @@
           <a:p>
             <a:fld id="{067F537F-45F3-8142-965F-E742B23B0064}" type="slidenum">
               <a:rPr lang="ru-RU" smtClean="0"/>
-              <a:t>10</a:t>
+              <a:t>8</a:t>
             </a:fld>
             <a:endParaRPr lang="ru-RU"/>
           </a:p>
@@ -1249,10 +1704,8 @@
                 <a:ea typeface="+mn-ea"/>
                 <a:cs typeface="+mn-cs"/>
               </a:rPr>
-              <a:t>1) Выбор начального пространства признаков F0 (ручное построение признаков).</a:t>
-            </a:r>
-          </a:p>
-          <a:p>
+              <a:t>1) Выбор начального пространства признаков </a:t>
+            </a:r>
             <a:r>
               <a:rPr lang="ru-RU" sz="1200" kern="1200" dirty="0" smtClean="0">
                 <a:solidFill>
@@ -1263,8 +1716,17 @@
                 <a:ea typeface="+mn-ea"/>
                 <a:cs typeface="+mn-cs"/>
               </a:rPr>
-              <a:t>2) Преобразование F0 для построения нового пространства признаков FN (преобразование признаков).</a:t>
-            </a:r>
+              <a:t>F0.</a:t>
+            </a:r>
+            <a:endParaRPr lang="ru-RU" sz="1200" kern="1200" dirty="0" smtClean="0">
+              <a:solidFill>
+                <a:schemeClr val="tx1"/>
+              </a:solidFill>
+              <a:effectLst/>
+              <a:latin typeface="+mn-lt"/>
+              <a:ea typeface="+mn-ea"/>
+              <a:cs typeface="+mn-cs"/>
+            </a:endParaRPr>
           </a:p>
           <a:p>
             <a:r>
@@ -1277,7 +1739,42 @@
                 <a:ea typeface="+mn-ea"/>
                 <a:cs typeface="+mn-cs"/>
               </a:rPr>
-              <a:t>3) Выбор подмножества признаков </a:t>
+              <a:t>2) Преобразование F0 для построения нового пространства признаков FN </a:t>
+            </a:r>
+            <a:endParaRPr lang="ru-RU" sz="1200" kern="1200" dirty="0" smtClean="0">
+              <a:solidFill>
+                <a:schemeClr val="tx1"/>
+              </a:solidFill>
+              <a:effectLst/>
+              <a:latin typeface="+mn-lt"/>
+              <a:ea typeface="+mn-ea"/>
+              <a:cs typeface="+mn-cs"/>
+            </a:endParaRPr>
+          </a:p>
+          <a:p>
+            <a:r>
+              <a:rPr lang="ru-RU" sz="1200" kern="1200" dirty="0" smtClean="0">
+                <a:solidFill>
+                  <a:schemeClr val="tx1"/>
+                </a:solidFill>
+                <a:effectLst/>
+                <a:latin typeface="+mn-lt"/>
+                <a:ea typeface="+mn-ea"/>
+                <a:cs typeface="+mn-cs"/>
+              </a:rPr>
+              <a:t>3</a:t>
+            </a:r>
+            <a:r>
+              <a:rPr lang="ru-RU" sz="1200" kern="1200" dirty="0" smtClean="0">
+                <a:solidFill>
+                  <a:schemeClr val="tx1"/>
+                </a:solidFill>
+                <a:effectLst/>
+                <a:latin typeface="+mn-lt"/>
+                <a:ea typeface="+mn-ea"/>
+                <a:cs typeface="+mn-cs"/>
+              </a:rPr>
+              <a:t>) Выбор подмножества признаков </a:t>
             </a:r>
             <a:r>
               <a:rPr lang="ru-RU" sz="1200" kern="1200" dirty="0" err="1" smtClean="0">
@@ -1301,19 +1798,7 @@
                 <a:ea typeface="+mn-ea"/>
                 <a:cs typeface="+mn-cs"/>
               </a:rPr>
-              <a:t> из FN (выбор признака)</a:t>
-            </a:r>
-            <a:r>
-              <a:rPr lang="en-US" sz="1200" kern="1200" baseline="0" dirty="0" smtClean="0">
-                <a:solidFill>
-                  <a:schemeClr val="tx1"/>
-                </a:solidFill>
-                <a:effectLst/>
-                <a:latin typeface="+mn-lt"/>
-                <a:ea typeface="+mn-ea"/>
-                <a:cs typeface="+mn-cs"/>
-              </a:rPr>
-              <a:t> </a:t>
+              <a:t> из FN </a:t>
             </a:r>
             <a:r>
               <a:rPr lang="ru-RU" sz="1200" kern="1200" baseline="0" dirty="0" smtClean="0">
@@ -1325,7 +1810,19 @@
                 <a:ea typeface="+mn-ea"/>
                 <a:cs typeface="+mn-cs"/>
               </a:rPr>
-              <a:t>на основании</a:t>
+              <a:t>на </a:t>
+            </a:r>
+            <a:r>
+              <a:rPr lang="ru-RU" sz="1200" kern="1200" baseline="0" dirty="0" smtClean="0">
+                <a:solidFill>
+                  <a:schemeClr val="tx1"/>
+                </a:solidFill>
+                <a:effectLst/>
+                <a:latin typeface="+mn-lt"/>
+                <a:ea typeface="+mn-ea"/>
+                <a:cs typeface="+mn-cs"/>
+              </a:rPr>
+              <a:t>основании</a:t>
             </a:r>
             <a:r>
               <a:rPr lang="ru-RU" sz="1200" kern="1200" dirty="0" smtClean="0">
@@ -1476,7 +1973,7 @@
           <a:p>
             <a:fld id="{067F537F-45F3-8142-965F-E742B23B0064}" type="slidenum">
               <a:rPr lang="ru-RU" smtClean="0"/>
-              <a:t>11</a:t>
+              <a:t>9</a:t>
             </a:fld>
             <a:endParaRPr lang="ru-RU"/>
           </a:p>
@@ -1549,12 +2046,10 @@
                 <a:ea typeface="+mn-ea"/>
                 <a:cs typeface="+mn-cs"/>
               </a:rPr>
-              <a:t>Для решения задачи автоматического построения признаков будет использоваться генетическое программирование.</a:t>
-            </a:r>
-          </a:p>
-          <a:p>
-            <a:r>
-              <a:rPr lang="ru-RU" sz="1200" kern="1200" dirty="0" smtClean="0">
+              <a:t>Аналоги. Для автоматического построение признаков можно использовать деревья решений, индуктивное логическое программирование, аннотации и генетическое программирование. Деревья решений обладают гибкой настройкой операторов, но не учитывают взаимодействия и отношения признаков, а также не имеют возможности добавления дополнительных знаний. В то же время ИЛП и аннотации удовлетворяют последним двум критериям, но не позволяют настраивать свои операторы. </a:t>
+            </a:r>
+            <a:r>
+              <a:rPr lang="ru-RU" sz="1200" kern="1200" smtClean="0">
                 <a:solidFill>
                   <a:schemeClr val="tx1"/>
                 </a:solidFill>
@@ -1563,11 +2058,17 @@
                 <a:ea typeface="+mn-ea"/>
                 <a:cs typeface="+mn-cs"/>
               </a:rPr>
-              <a:t>Данный метод основывается на принципах биологической эволюции: естественный отбор, скрещивание и мутация.</a:t>
-            </a:r>
-          </a:p>
-          <a:p>
-            <a:endParaRPr lang="ru-RU" dirty="0"/>
+              <a:t>Поэтому было выбрано генетическое программирование.</a:t>
+            </a:r>
+            <a:endParaRPr lang="ru-RU" sz="1200" kern="1200">
+              <a:solidFill>
+                <a:schemeClr val="tx1"/>
+              </a:solidFill>
+              <a:effectLst/>
+              <a:latin typeface="+mn-lt"/>
+              <a:ea typeface="+mn-ea"/>
+              <a:cs typeface="+mn-cs"/>
+            </a:endParaRPr>
           </a:p>
         </p:txBody>
       </p:sp>
@@ -1588,7 +2089,7 @@
           <a:p>
             <a:fld id="{067F537F-45F3-8142-965F-E742B23B0064}" type="slidenum">
               <a:rPr lang="ru-RU" smtClean="0"/>
-              <a:t>12</a:t>
+              <a:t>10</a:t>
             </a:fld>
             <a:endParaRPr lang="ru-RU"/>
           </a:p>
@@ -1597,7 +2098,7 @@
     </p:spTree>
     <p:extLst>
       <p:ext uri="{BB962C8B-B14F-4D97-AF65-F5344CB8AC3E}">
-        <p14:creationId xmlns:p14="http://schemas.microsoft.com/office/powerpoint/2010/main" val="1850196944"/>
+        <p14:creationId xmlns:p14="http://schemas.microsoft.com/office/powerpoint/2010/main" val="1128376069"/>
       </p:ext>
     </p:extLst>
   </p:cSld>
@@ -1651,23 +2152,6 @@
           <a:bodyPr/>
           <a:lstStyle/>
           <a:p>
-            <a:pPr marL="0" marR="0" lvl="0" indent="0" algn="l" defTabSz="914400" rtl="0" eaLnBrk="1" fontAlgn="auto" latinLnBrk="0" hangingPunct="1">
-              <a:lnSpc>
-                <a:spcPct val="100000"/>
-              </a:lnSpc>
-              <a:spcBef>
-                <a:spcPts val="0"/>
-              </a:spcBef>
-              <a:spcAft>
-                <a:spcPts val="0"/>
-              </a:spcAft>
-              <a:buClrTx/>
-              <a:buSzTx/>
-              <a:buFontTx/>
-              <a:buNone/>
-              <a:tabLst/>
-              <a:defRPr/>
-            </a:pPr>
             <a:r>
               <a:rPr lang="ru-RU" sz="1200" kern="1200" dirty="0" smtClean="0">
                 <a:solidFill>
@@ -1678,7 +2162,19 @@
                 <a:ea typeface="+mn-ea"/>
                 <a:cs typeface="+mn-cs"/>
               </a:rPr>
-              <a:t>В качестве популяции будут выступать леса – наборы признаков. Каждое дерево леса представляет собой один сконструированный признак, состоящий из функций, исходных признаков и констант.</a:t>
+              <a:t>Данный </a:t>
+            </a:r>
+            <a:r>
+              <a:rPr lang="ru-RU" sz="1200" kern="1200" dirty="0" smtClean="0">
+                <a:solidFill>
+                  <a:schemeClr val="tx1"/>
+                </a:solidFill>
+                <a:effectLst/>
+                <a:latin typeface="+mn-lt"/>
+                <a:ea typeface="+mn-ea"/>
+                <a:cs typeface="+mn-cs"/>
+              </a:rPr>
+              <a:t>метод основывается на принципах биологической эволюции: естественный отбор, скрещивание и мутация.</a:t>
             </a:r>
           </a:p>
           <a:p>
@@ -1703,7 +2199,7 @@
           <a:p>
             <a:fld id="{067F537F-45F3-8142-965F-E742B23B0064}" type="slidenum">
               <a:rPr lang="ru-RU" smtClean="0"/>
-              <a:t>13</a:t>
+              <a:t>11</a:t>
             </a:fld>
             <a:endParaRPr lang="ru-RU"/>
           </a:p>
@@ -1712,7 +2208,7 @@
     </p:spTree>
     <p:extLst>
       <p:ext uri="{BB962C8B-B14F-4D97-AF65-F5344CB8AC3E}">
-        <p14:creationId xmlns:p14="http://schemas.microsoft.com/office/powerpoint/2010/main" val="1075396099"/>
+        <p14:creationId xmlns:p14="http://schemas.microsoft.com/office/powerpoint/2010/main" val="1850196944"/>
       </p:ext>
     </p:extLst>
   </p:cSld>
@@ -1766,6 +2262,23 @@
           <a:bodyPr/>
           <a:lstStyle/>
           <a:p>
+            <a:pPr marL="0" marR="0" lvl="0" indent="0" algn="l" defTabSz="914400" rtl="0" eaLnBrk="1" fontAlgn="auto" latinLnBrk="0" hangingPunct="1">
+              <a:lnSpc>
+                <a:spcPct val="100000"/>
+              </a:lnSpc>
+              <a:spcBef>
+                <a:spcPts val="0"/>
+              </a:spcBef>
+              <a:spcAft>
+                <a:spcPts val="0"/>
+              </a:spcAft>
+              <a:buClrTx/>
+              <a:buSzTx/>
+              <a:buFontTx/>
+              <a:buNone/>
+              <a:tabLst/>
+              <a:defRPr/>
+            </a:pPr>
             <a:r>
               <a:rPr lang="ru-RU" sz="1200" kern="1200" dirty="0" smtClean="0">
                 <a:solidFill>
@@ -1776,7 +2289,7 @@
                 <a:ea typeface="+mn-ea"/>
                 <a:cs typeface="+mn-cs"/>
               </a:rPr>
-              <a:t>Будем параллельно развивать несколько наборов лесов. Каждому такому набору назначим свой уникальный классификатор, с помощью которого будем оценивать пригодность данного набора признаков.</a:t>
+              <a:t>В качестве популяции будут выступать леса – наборы признаков. Каждое дерево леса представляет собой один сконструированный признак, состоящий из функций, исходных признаков и констант.</a:t>
             </a:r>
           </a:p>
           <a:p>
@@ -1801,7 +2314,7 @@
           <a:p>
             <a:fld id="{067F537F-45F3-8142-965F-E742B23B0064}" type="slidenum">
               <a:rPr lang="ru-RU" smtClean="0"/>
-              <a:t>14</a:t>
+              <a:t>12</a:t>
             </a:fld>
             <a:endParaRPr lang="ru-RU"/>
           </a:p>
@@ -1810,7 +2323,7 @@
     </p:spTree>
     <p:extLst>
       <p:ext uri="{BB962C8B-B14F-4D97-AF65-F5344CB8AC3E}">
-        <p14:creationId xmlns:p14="http://schemas.microsoft.com/office/powerpoint/2010/main" val="2236421988"/>
+        <p14:creationId xmlns:p14="http://schemas.microsoft.com/office/powerpoint/2010/main" val="1075396099"/>
       </p:ext>
     </p:extLst>
   </p:cSld>
@@ -5409,8 +5922,8 @@
         </p:nvSpPr>
         <p:spPr>
           <a:xfrm>
-            <a:off x="790802" y="0"/>
-            <a:ext cx="7514997" cy="1600200"/>
+            <a:off x="1259632" y="22776"/>
+            <a:ext cx="6781800" cy="1600200"/>
           </a:xfrm>
         </p:spPr>
         <p:txBody>
@@ -5420,404 +5933,501 @@
             <a:pPr algn="ctr"/>
             <a:r>
               <a:rPr lang="ru-RU" dirty="0" smtClean="0"/>
-              <a:t>Классификация</a:t>
+              <a:t>Аналоги</a:t>
             </a:r>
             <a:endParaRPr lang="ru-RU" dirty="0"/>
           </a:p>
         </p:txBody>
       </p:sp>
-      <mc:AlternateContent xmlns:mc="http://schemas.openxmlformats.org/markup-compatibility/2006">
-        <mc:Choice xmlns:a14="http://schemas.microsoft.com/office/drawing/2010/main" Requires="a14">
-          <p:sp>
-            <p:nvSpPr>
-              <p:cNvPr id="3" name="Объект 2"/>
-              <p:cNvSpPr>
-                <a:spLocks noGrp="1"/>
-              </p:cNvSpPr>
-              <p:nvPr>
-                <p:ph idx="1"/>
-              </p:nvPr>
-            </p:nvSpPr>
-            <p:spPr>
-              <a:xfrm>
-                <a:off x="814737" y="2060848"/>
-                <a:ext cx="7543800" cy="3886200"/>
-              </a:xfrm>
-            </p:spPr>
-            <p:txBody>
-              <a:bodyPr>
-                <a:normAutofit/>
-              </a:bodyPr>
-              <a:lstStyle/>
-              <a:p>
-                <a:r>
-                  <a:rPr lang="en-US" sz="3600" i="1" dirty="0" smtClean="0">
-                    <a:latin typeface="Cambria Math" panose="02040503050406030204" pitchFamily="18" charset="0"/>
-                    <a:ea typeface="Cambria Math" panose="02040503050406030204" pitchFamily="18" charset="0"/>
-                    <a:cs typeface="Arial" panose="020B0604020202020204" pitchFamily="34" charset="0"/>
-                  </a:rPr>
-                  <a:t>X</a:t>
-                </a:r>
-                <a:r>
-                  <a:rPr lang="en-US" sz="3600" dirty="0" smtClean="0">
-                    <a:latin typeface="Arial" panose="020B0604020202020204" pitchFamily="34" charset="0"/>
-                    <a:cs typeface="Arial" panose="020B0604020202020204" pitchFamily="34" charset="0"/>
-                  </a:rPr>
-                  <a:t> – </a:t>
-                </a:r>
-                <a:r>
-                  <a:rPr lang="ru-RU" sz="3600" dirty="0" smtClean="0">
-                    <a:latin typeface="Arial" panose="020B0604020202020204" pitchFamily="34" charset="0"/>
-                    <a:cs typeface="Arial" panose="020B0604020202020204" pitchFamily="34" charset="0"/>
-                  </a:rPr>
-                  <a:t>множество признаков;</a:t>
-                </a:r>
-              </a:p>
-              <a:p>
-                <a:r>
-                  <a:rPr lang="en-US" sz="3600" i="1" dirty="0" smtClean="0">
-                    <a:latin typeface="Cambria Math" panose="02040503050406030204" pitchFamily="18" charset="0"/>
-                    <a:ea typeface="Cambria Math" panose="02040503050406030204" pitchFamily="18" charset="0"/>
-                    <a:cs typeface="Arial" panose="020B0604020202020204" pitchFamily="34" charset="0"/>
-                  </a:rPr>
-                  <a:t>Y</a:t>
-                </a:r>
-                <a:r>
-                  <a:rPr lang="en-US" sz="3600" dirty="0" smtClean="0">
-                    <a:latin typeface="Arial" panose="020B0604020202020204" pitchFamily="34" charset="0"/>
-                    <a:cs typeface="Arial" panose="020B0604020202020204" pitchFamily="34" charset="0"/>
-                  </a:rPr>
-                  <a:t> – </a:t>
-                </a:r>
-                <a:r>
-                  <a:rPr lang="ru-RU" sz="3600" dirty="0" smtClean="0">
-                    <a:latin typeface="Arial" panose="020B0604020202020204" pitchFamily="34" charset="0"/>
-                    <a:cs typeface="Arial" panose="020B0604020202020204" pitchFamily="34" charset="0"/>
-                  </a:rPr>
-                  <a:t>множество классов;</a:t>
-                </a:r>
-              </a:p>
-              <a:p>
-                <a14:m>
-                  <m:oMath xmlns:m="http://schemas.openxmlformats.org/officeDocument/2006/math">
-                    <m:sSup>
-                      <m:sSupPr>
-                        <m:ctrlPr>
-                          <a:rPr lang="en-US" sz="3600" i="1" smtClean="0">
-                            <a:latin typeface="Cambria Math" panose="02040503050406030204" pitchFamily="18" charset="0"/>
-                          </a:rPr>
-                        </m:ctrlPr>
-                      </m:sSupPr>
-                      <m:e>
-                        <m:r>
-                          <a:rPr lang="en-US" sz="3600" b="0" i="1" smtClean="0">
-                            <a:latin typeface="Cambria Math" panose="02040503050406030204" pitchFamily="18" charset="0"/>
-                          </a:rPr>
-                          <m:t>𝑋</m:t>
-                        </m:r>
-                      </m:e>
-                      <m:sup>
-                        <m:r>
-                          <a:rPr lang="en-US" sz="3600" b="0" i="1" smtClean="0">
-                            <a:latin typeface="Cambria Math" panose="02040503050406030204" pitchFamily="18" charset="0"/>
-                          </a:rPr>
-                          <m:t>𝑚</m:t>
-                        </m:r>
-                      </m:sup>
-                    </m:sSup>
-                    <m:r>
-                      <a:rPr lang="en-US" sz="3600" b="0" i="1" smtClean="0">
-                        <a:latin typeface="Cambria Math" panose="02040503050406030204" pitchFamily="18" charset="0"/>
-                      </a:rPr>
-                      <m:t>={</m:t>
-                    </m:r>
-                    <m:d>
-                      <m:dPr>
-                        <m:ctrlPr>
-                          <a:rPr lang="en-US" sz="3600" b="0" i="1" smtClean="0">
-                            <a:latin typeface="Cambria Math" panose="02040503050406030204" pitchFamily="18" charset="0"/>
-                          </a:rPr>
-                        </m:ctrlPr>
-                      </m:dPr>
-                      <m:e>
-                        <m:sSub>
-                          <m:sSubPr>
-                            <m:ctrlPr>
-                              <a:rPr lang="en-US" sz="3600" b="0" i="1" smtClean="0">
-                                <a:latin typeface="Cambria Math" panose="02040503050406030204" pitchFamily="18" charset="0"/>
-                              </a:rPr>
-                            </m:ctrlPr>
-                          </m:sSubPr>
-                          <m:e>
-                            <m:r>
-                              <a:rPr lang="en-US" sz="3600" b="0" i="1" smtClean="0">
-                                <a:latin typeface="Cambria Math" panose="02040503050406030204" pitchFamily="18" charset="0"/>
-                              </a:rPr>
-                              <m:t>𝑥</m:t>
-                            </m:r>
-                          </m:e>
-                          <m:sub>
-                            <m:r>
-                              <a:rPr lang="en-US" sz="3600" b="0" i="1" smtClean="0">
-                                <a:latin typeface="Cambria Math" panose="02040503050406030204" pitchFamily="18" charset="0"/>
-                              </a:rPr>
-                              <m:t>1</m:t>
-                            </m:r>
-                          </m:sub>
-                        </m:sSub>
-                        <m:r>
-                          <a:rPr lang="en-US" sz="3600" b="0" i="1" smtClean="0">
-                            <a:latin typeface="Cambria Math" panose="02040503050406030204" pitchFamily="18" charset="0"/>
-                          </a:rPr>
-                          <m:t>,</m:t>
-                        </m:r>
-                        <m:sSub>
-                          <m:sSubPr>
-                            <m:ctrlPr>
-                              <a:rPr lang="en-US" sz="3600" b="0" i="1" smtClean="0">
-                                <a:latin typeface="Cambria Math" panose="02040503050406030204" pitchFamily="18" charset="0"/>
-                              </a:rPr>
-                            </m:ctrlPr>
-                          </m:sSubPr>
-                          <m:e>
-                            <m:r>
-                              <a:rPr lang="en-US" sz="3600" b="0" i="1" smtClean="0">
-                                <a:latin typeface="Cambria Math" panose="02040503050406030204" pitchFamily="18" charset="0"/>
-                              </a:rPr>
-                              <m:t>𝑦</m:t>
-                            </m:r>
-                          </m:e>
-                          <m:sub>
-                            <m:r>
-                              <a:rPr lang="en-US" sz="3600" b="0" i="1" smtClean="0">
-                                <a:latin typeface="Cambria Math" panose="02040503050406030204" pitchFamily="18" charset="0"/>
-                              </a:rPr>
-                              <m:t>1</m:t>
-                            </m:r>
-                          </m:sub>
-                        </m:sSub>
-                      </m:e>
-                    </m:d>
-                    <m:r>
-                      <a:rPr lang="en-US" sz="3600" b="0" i="1" smtClean="0">
-                        <a:latin typeface="Cambria Math" panose="02040503050406030204" pitchFamily="18" charset="0"/>
-                      </a:rPr>
-                      <m:t>,…,(</m:t>
-                    </m:r>
-                    <m:sSub>
-                      <m:sSubPr>
-                        <m:ctrlPr>
-                          <a:rPr lang="en-US" sz="3600" b="0" i="1" smtClean="0">
-                            <a:latin typeface="Cambria Math" panose="02040503050406030204" pitchFamily="18" charset="0"/>
-                          </a:rPr>
-                        </m:ctrlPr>
-                      </m:sSubPr>
-                      <m:e>
-                        <m:r>
-                          <a:rPr lang="en-US" sz="3600" b="0" i="1" smtClean="0">
-                            <a:latin typeface="Cambria Math" panose="02040503050406030204" pitchFamily="18" charset="0"/>
-                          </a:rPr>
-                          <m:t>𝑥</m:t>
-                        </m:r>
-                      </m:e>
-                      <m:sub>
-                        <m:r>
-                          <a:rPr lang="en-US" sz="3600" b="0" i="1" smtClean="0">
-                            <a:latin typeface="Cambria Math" panose="02040503050406030204" pitchFamily="18" charset="0"/>
-                          </a:rPr>
-                          <m:t>𝑚</m:t>
-                        </m:r>
-                      </m:sub>
-                    </m:sSub>
-                    <m:r>
-                      <a:rPr lang="en-US" sz="3600" b="0" i="1" smtClean="0">
-                        <a:latin typeface="Cambria Math" panose="02040503050406030204" pitchFamily="18" charset="0"/>
-                      </a:rPr>
-                      <m:t>,</m:t>
-                    </m:r>
-                    <m:sSub>
-                      <m:sSubPr>
-                        <m:ctrlPr>
-                          <a:rPr lang="en-US" sz="3600" b="0" i="1" smtClean="0">
-                            <a:latin typeface="Cambria Math" panose="02040503050406030204" pitchFamily="18" charset="0"/>
-                          </a:rPr>
-                        </m:ctrlPr>
-                      </m:sSubPr>
-                      <m:e>
-                        <m:r>
-                          <a:rPr lang="en-US" sz="3600" b="0" i="1" smtClean="0">
-                            <a:latin typeface="Cambria Math" panose="02040503050406030204" pitchFamily="18" charset="0"/>
-                          </a:rPr>
-                          <m:t>𝑦</m:t>
-                        </m:r>
-                      </m:e>
-                      <m:sub>
-                        <m:r>
-                          <a:rPr lang="en-US" sz="3600" b="0" i="1" smtClean="0">
-                            <a:latin typeface="Cambria Math" panose="02040503050406030204" pitchFamily="18" charset="0"/>
-                          </a:rPr>
-                          <m:t>𝑚</m:t>
-                        </m:r>
-                      </m:sub>
-                    </m:sSub>
-                    <m:r>
-                      <a:rPr lang="en-US" sz="3600" b="0" i="1" smtClean="0">
-                        <a:latin typeface="Cambria Math" panose="02040503050406030204" pitchFamily="18" charset="0"/>
-                      </a:rPr>
-                      <m:t>)}</m:t>
-                    </m:r>
-                  </m:oMath>
-                </a14:m>
-                <a:r>
-                  <a:rPr lang="en-US" sz="3600" dirty="0" smtClean="0">
-                    <a:latin typeface="Arial" panose="020B0604020202020204" pitchFamily="34" charset="0"/>
-                    <a:cs typeface="Arial" panose="020B0604020202020204" pitchFamily="34" charset="0"/>
-                  </a:rPr>
-                  <a:t> </a:t>
-                </a:r>
-                <a:r>
-                  <a:rPr lang="ru-RU" sz="3600" dirty="0" smtClean="0">
-                    <a:latin typeface="Arial" panose="020B0604020202020204" pitchFamily="34" charset="0"/>
-                    <a:cs typeface="Arial" panose="020B0604020202020204" pitchFamily="34" charset="0"/>
-                  </a:rPr>
-                  <a:t>– обучающая выборка;</a:t>
-                </a:r>
-              </a:p>
-              <a:p>
-                <a:r>
-                  <a:rPr lang="ru-RU" sz="3600" dirty="0" smtClean="0">
-                    <a:latin typeface="Arial" panose="020B0604020202020204" pitchFamily="34" charset="0"/>
-                    <a:cs typeface="Arial" panose="020B0604020202020204" pitchFamily="34" charset="0"/>
-                  </a:rPr>
-                  <a:t>Найти </a:t>
-                </a:r>
-                <a14:m>
-                  <m:oMath xmlns:m="http://schemas.openxmlformats.org/officeDocument/2006/math">
-                    <m:r>
-                      <a:rPr lang="en-US" sz="3600" b="0" i="1" smtClean="0">
-                        <a:latin typeface="Cambria Math" panose="02040503050406030204" pitchFamily="18" charset="0"/>
-                      </a:rPr>
-                      <m:t>𝑎</m:t>
-                    </m:r>
-                    <m:r>
-                      <a:rPr lang="en-US" sz="3600" b="0" i="1" smtClean="0">
-                        <a:latin typeface="Cambria Math" panose="02040503050406030204" pitchFamily="18" charset="0"/>
-                      </a:rPr>
-                      <m:t>:</m:t>
-                    </m:r>
-                    <m:r>
-                      <a:rPr lang="en-US" sz="3600" b="0" i="1" smtClean="0">
-                        <a:latin typeface="Cambria Math" panose="02040503050406030204" pitchFamily="18" charset="0"/>
-                      </a:rPr>
-                      <m:t>𝑋</m:t>
-                    </m:r>
-                    <m:r>
-                      <a:rPr lang="en-US" sz="3600" b="0" i="1" smtClean="0">
-                        <a:latin typeface="Cambria Math" panose="02040503050406030204" pitchFamily="18" charset="0"/>
-                        <a:ea typeface="Cambria Math" panose="02040503050406030204" pitchFamily="18" charset="0"/>
-                      </a:rPr>
-                      <m:t>→</m:t>
-                    </m:r>
-                    <m:r>
-                      <a:rPr lang="en-US" sz="3600" b="0" i="1" smtClean="0">
-                        <a:latin typeface="Cambria Math" panose="02040503050406030204" pitchFamily="18" charset="0"/>
-                        <a:ea typeface="Cambria Math" panose="02040503050406030204" pitchFamily="18" charset="0"/>
-                      </a:rPr>
-                      <m:t>𝑌</m:t>
-                    </m:r>
-                    <m:r>
-                      <a:rPr lang="en-US" sz="3600" b="0" i="1" smtClean="0">
-                        <a:latin typeface="Cambria Math" panose="02040503050406030204" pitchFamily="18" charset="0"/>
-                        <a:ea typeface="Cambria Math" panose="02040503050406030204" pitchFamily="18" charset="0"/>
-                      </a:rPr>
-                      <m:t> ∀</m:t>
-                    </m:r>
-                    <m:r>
-                      <a:rPr lang="en-US" sz="3600" b="0" i="1" smtClean="0">
-                        <a:latin typeface="Cambria Math" panose="02040503050406030204" pitchFamily="18" charset="0"/>
-                        <a:ea typeface="Cambria Math" panose="02040503050406030204" pitchFamily="18" charset="0"/>
-                      </a:rPr>
-                      <m:t>𝑥</m:t>
-                    </m:r>
-                    <m:r>
-                      <a:rPr lang="en-US" sz="3600" b="0" i="1" smtClean="0">
-                        <a:latin typeface="Cambria Math" panose="02040503050406030204" pitchFamily="18" charset="0"/>
-                        <a:ea typeface="Cambria Math" panose="02040503050406030204" pitchFamily="18" charset="0"/>
-                      </a:rPr>
-                      <m:t>∈</m:t>
-                    </m:r>
-                    <m:r>
-                      <a:rPr lang="en-US" sz="3600" b="0" i="1" smtClean="0">
-                        <a:latin typeface="Cambria Math" panose="02040503050406030204" pitchFamily="18" charset="0"/>
-                        <a:ea typeface="Cambria Math" panose="02040503050406030204" pitchFamily="18" charset="0"/>
-                      </a:rPr>
-                      <m:t>𝑋</m:t>
-                    </m:r>
-                  </m:oMath>
-                </a14:m>
-                <a:r>
-                  <a:rPr lang="en-US" sz="3600" dirty="0" smtClean="0">
-                    <a:latin typeface="Arial" panose="020B0604020202020204" pitchFamily="34" charset="0"/>
-                    <a:cs typeface="Arial" panose="020B0604020202020204" pitchFamily="34" charset="0"/>
-                  </a:rPr>
-                  <a:t>.</a:t>
-                </a:r>
-                <a:endParaRPr lang="ru-RU" sz="3600" dirty="0">
-                  <a:latin typeface="Arial" panose="020B0604020202020204" pitchFamily="34" charset="0"/>
-                  <a:cs typeface="Arial" panose="020B0604020202020204" pitchFamily="34" charset="0"/>
-                </a:endParaRPr>
-              </a:p>
-            </p:txBody>
-          </p:sp>
-        </mc:Choice>
-        <mc:Fallback>
-          <p:sp>
-            <p:nvSpPr>
-              <p:cNvPr id="3" name="Объект 2"/>
-              <p:cNvSpPr>
-                <a:spLocks noGrp="1" noRot="1" noChangeAspect="1" noMove="1" noResize="1" noEditPoints="1" noAdjustHandles="1" noChangeArrowheads="1" noChangeShapeType="1" noTextEdit="1"/>
-              </p:cNvSpPr>
-              <p:nvPr>
-                <p:ph idx="1"/>
-              </p:nvPr>
-            </p:nvSpPr>
-            <p:spPr>
-              <a:xfrm>
-                <a:off x="814737" y="2060848"/>
-                <a:ext cx="7543800" cy="3886200"/>
-              </a:xfrm>
-              <a:blipFill rotWithShape="0">
-                <a:blip r:embed="rId3"/>
-                <a:stretch>
-                  <a:fillRect l="-2264"/>
-                </a:stretch>
-              </a:blipFill>
-            </p:spPr>
-            <p:txBody>
-              <a:bodyPr/>
-              <a:lstStyle/>
-              <a:p>
-                <a:r>
-                  <a:rPr lang="ru-RU">
-                    <a:noFill/>
-                  </a:rPr>
-                  <a:t> </a:t>
-                </a:r>
-              </a:p>
-            </p:txBody>
-          </p:sp>
-        </mc:Fallback>
-      </mc:AlternateContent>
+      <p:graphicFrame>
+        <p:nvGraphicFramePr>
+          <p:cNvPr id="5" name="Объект 4"/>
+          <p:cNvGraphicFramePr>
+            <a:graphicFrameLocks noGrp="1"/>
+          </p:cNvGraphicFramePr>
+          <p:nvPr>
+            <p:ph idx="1"/>
+            <p:extLst>
+              <p:ext uri="{D42A27DB-BD31-4B8C-83A1-F6EECF244321}">
+                <p14:modId xmlns:p14="http://schemas.microsoft.com/office/powerpoint/2010/main" val="3311230309"/>
+              </p:ext>
+            </p:extLst>
+          </p:nvPr>
+        </p:nvGraphicFramePr>
+        <p:xfrm>
+          <a:off x="-1" y="1622976"/>
+          <a:ext cx="9144000" cy="5658285"/>
+        </p:xfrm>
+        <a:graphic>
+          <a:graphicData uri="http://schemas.openxmlformats.org/drawingml/2006/table">
+            <a:tbl>
+              <a:tblPr bandRow="1">
+                <a:tableStyleId>{5C22544A-7EE6-4342-B048-85BDC9FD1C3A}</a:tableStyleId>
+              </a:tblPr>
+              <a:tblGrid>
+                <a:gridCol w="2286000"/>
+                <a:gridCol w="2358009"/>
+                <a:gridCol w="2160240"/>
+                <a:gridCol w="2339751"/>
+              </a:tblGrid>
+              <a:tr h="1085944">
+                <a:tc>
+                  <a:txBody>
+                    <a:bodyPr/>
+                    <a:lstStyle/>
+                    <a:p>
+                      <a:pPr algn="ctr"/>
+                      <a:endParaRPr lang="ru-RU" sz="3200" dirty="0">
+                        <a:latin typeface="Arial" panose="020B0604020202020204" pitchFamily="34" charset="0"/>
+                        <a:cs typeface="Arial" panose="020B0604020202020204" pitchFamily="34" charset="0"/>
+                      </a:endParaRPr>
+                    </a:p>
+                  </a:txBody>
+                  <a:tcPr anchor="ctr"/>
+                </a:tc>
+                <a:tc>
+                  <a:txBody>
+                    <a:bodyPr/>
+                    <a:lstStyle/>
+                    <a:p>
+                      <a:pPr algn="ctr"/>
+                      <a:r>
+                        <a:rPr lang="ru-RU" sz="3200" dirty="0" smtClean="0">
+                          <a:latin typeface="Arial" panose="020B0604020202020204" pitchFamily="34" charset="0"/>
+                          <a:cs typeface="Arial" panose="020B0604020202020204" pitchFamily="34" charset="0"/>
+                        </a:rPr>
+                        <a:t>Гибкость в операторах</a:t>
+                      </a:r>
+                      <a:endParaRPr lang="ru-RU" sz="3200" dirty="0">
+                        <a:latin typeface="Arial" panose="020B0604020202020204" pitchFamily="34" charset="0"/>
+                        <a:cs typeface="Arial" panose="020B0604020202020204" pitchFamily="34" charset="0"/>
+                      </a:endParaRPr>
+                    </a:p>
+                  </a:txBody>
+                  <a:tcPr anchor="ctr"/>
+                </a:tc>
+                <a:tc>
+                  <a:txBody>
+                    <a:bodyPr/>
+                    <a:lstStyle/>
+                    <a:p>
+                      <a:pPr algn="ctr"/>
+                      <a:r>
+                        <a:rPr lang="ru-RU" sz="3200" dirty="0" smtClean="0">
+                          <a:latin typeface="Arial" panose="020B0604020202020204" pitchFamily="34" charset="0"/>
+                          <a:cs typeface="Arial" panose="020B0604020202020204" pitchFamily="34" charset="0"/>
+                        </a:rPr>
+                        <a:t>Взаимодействие признаков</a:t>
+                      </a:r>
+                      <a:endParaRPr lang="ru-RU" sz="3200" dirty="0">
+                        <a:latin typeface="Arial" panose="020B0604020202020204" pitchFamily="34" charset="0"/>
+                        <a:cs typeface="Arial" panose="020B0604020202020204" pitchFamily="34" charset="0"/>
+                      </a:endParaRPr>
+                    </a:p>
+                  </a:txBody>
+                  <a:tcPr anchor="ctr"/>
+                </a:tc>
+                <a:tc>
+                  <a:txBody>
+                    <a:bodyPr/>
+                    <a:lstStyle/>
+                    <a:p>
+                      <a:pPr algn="ctr"/>
+                      <a:r>
+                        <a:rPr lang="ru-RU" sz="3200" dirty="0" smtClean="0">
+                          <a:latin typeface="Arial" panose="020B0604020202020204" pitchFamily="34" charset="0"/>
+                          <a:cs typeface="Arial" panose="020B0604020202020204" pitchFamily="34" charset="0"/>
+                        </a:rPr>
+                        <a:t>Включение</a:t>
+                      </a:r>
+                      <a:r>
+                        <a:rPr lang="ru-RU" sz="3200" baseline="0" dirty="0" smtClean="0">
+                          <a:latin typeface="Arial" panose="020B0604020202020204" pitchFamily="34" charset="0"/>
+                          <a:cs typeface="Arial" panose="020B0604020202020204" pitchFamily="34" charset="0"/>
+                        </a:rPr>
+                        <a:t> знаний</a:t>
+                      </a:r>
+                      <a:endParaRPr lang="ru-RU" sz="3200" dirty="0">
+                        <a:latin typeface="Arial" panose="020B0604020202020204" pitchFamily="34" charset="0"/>
+                        <a:cs typeface="Arial" panose="020B0604020202020204" pitchFamily="34" charset="0"/>
+                      </a:endParaRPr>
+                    </a:p>
+                  </a:txBody>
+                  <a:tcPr anchor="ctr"/>
+                </a:tc>
+              </a:tr>
+              <a:tr h="1144602">
+                <a:tc>
+                  <a:txBody>
+                    <a:bodyPr/>
+                    <a:lstStyle/>
+                    <a:p>
+                      <a:pPr algn="ctr"/>
+                      <a:r>
+                        <a:rPr lang="ru-RU" sz="3200" dirty="0" smtClean="0">
+                          <a:latin typeface="Arial" panose="020B0604020202020204" pitchFamily="34" charset="0"/>
+                          <a:cs typeface="Arial" panose="020B0604020202020204" pitchFamily="34" charset="0"/>
+                        </a:rPr>
+                        <a:t>Деревья</a:t>
+                      </a:r>
+                      <a:r>
+                        <a:rPr lang="ru-RU" sz="3200" baseline="0" dirty="0" smtClean="0">
+                          <a:latin typeface="Arial" panose="020B0604020202020204" pitchFamily="34" charset="0"/>
+                          <a:cs typeface="Arial" panose="020B0604020202020204" pitchFamily="34" charset="0"/>
+                        </a:rPr>
+                        <a:t> решений</a:t>
+                      </a:r>
+                      <a:endParaRPr lang="ru-RU" sz="3200" dirty="0">
+                        <a:latin typeface="Arial" panose="020B0604020202020204" pitchFamily="34" charset="0"/>
+                        <a:cs typeface="Arial" panose="020B0604020202020204" pitchFamily="34" charset="0"/>
+                      </a:endParaRPr>
+                    </a:p>
+                  </a:txBody>
+                  <a:tcPr anchor="ctr"/>
+                </a:tc>
+                <a:tc>
+                  <a:txBody>
+                    <a:bodyPr/>
+                    <a:lstStyle/>
+                    <a:p>
+                      <a:pPr algn="ctr"/>
+                      <a:r>
+                        <a:rPr lang="ru-RU" sz="4800" dirty="0" smtClean="0">
+                          <a:latin typeface="Arial" panose="020B0604020202020204" pitchFamily="34" charset="0"/>
+                          <a:cs typeface="Arial" panose="020B0604020202020204" pitchFamily="34" charset="0"/>
+                        </a:rPr>
+                        <a:t>+</a:t>
+                      </a:r>
+                      <a:endParaRPr lang="ru-RU" sz="4800" dirty="0">
+                        <a:latin typeface="Arial" panose="020B0604020202020204" pitchFamily="34" charset="0"/>
+                        <a:cs typeface="Arial" panose="020B0604020202020204" pitchFamily="34" charset="0"/>
+                      </a:endParaRPr>
+                    </a:p>
+                  </a:txBody>
+                  <a:tcPr anchor="ctr"/>
+                </a:tc>
+                <a:tc>
+                  <a:txBody>
+                    <a:bodyPr/>
+                    <a:lstStyle/>
+                    <a:p>
+                      <a:pPr algn="ctr"/>
+                      <a:r>
+                        <a:rPr lang="en-US" sz="4800" dirty="0" smtClean="0">
+                          <a:latin typeface="Arial" panose="020B0604020202020204" pitchFamily="34" charset="0"/>
+                          <a:cs typeface="Arial" panose="020B0604020202020204" pitchFamily="34" charset="0"/>
+                        </a:rPr>
+                        <a:t>–</a:t>
+                      </a:r>
+                      <a:endParaRPr lang="ru-RU" sz="4800" dirty="0">
+                        <a:latin typeface="Arial" panose="020B0604020202020204" pitchFamily="34" charset="0"/>
+                        <a:cs typeface="Arial" panose="020B0604020202020204" pitchFamily="34" charset="0"/>
+                      </a:endParaRPr>
+                    </a:p>
+                  </a:txBody>
+                  <a:tcPr anchor="ctr"/>
+                </a:tc>
+                <a:tc>
+                  <a:txBody>
+                    <a:bodyPr/>
+                    <a:lstStyle/>
+                    <a:p>
+                      <a:pPr algn="ctr"/>
+                      <a:r>
+                        <a:rPr lang="en-US" sz="4800" dirty="0" smtClean="0">
+                          <a:latin typeface="Arial" panose="020B0604020202020204" pitchFamily="34" charset="0"/>
+                          <a:cs typeface="Arial" panose="020B0604020202020204" pitchFamily="34" charset="0"/>
+                        </a:rPr>
+                        <a:t>–</a:t>
+                      </a:r>
+                      <a:endParaRPr lang="ru-RU" sz="4800" dirty="0">
+                        <a:latin typeface="Arial" panose="020B0604020202020204" pitchFamily="34" charset="0"/>
+                        <a:cs typeface="Arial" panose="020B0604020202020204" pitchFamily="34" charset="0"/>
+                      </a:endParaRPr>
+                    </a:p>
+                  </a:txBody>
+                  <a:tcPr anchor="ctr"/>
+                </a:tc>
+              </a:tr>
+              <a:tr h="986401">
+                <a:tc>
+                  <a:txBody>
+                    <a:bodyPr/>
+                    <a:lstStyle/>
+                    <a:p>
+                      <a:pPr algn="ctr"/>
+                      <a:r>
+                        <a:rPr lang="ru-RU" sz="3200" dirty="0" smtClean="0">
+                          <a:latin typeface="Arial" panose="020B0604020202020204" pitchFamily="34" charset="0"/>
+                          <a:cs typeface="Arial" panose="020B0604020202020204" pitchFamily="34" charset="0"/>
+                        </a:rPr>
+                        <a:t>ИЛП</a:t>
+                      </a:r>
+                      <a:endParaRPr lang="ru-RU" sz="3200" dirty="0">
+                        <a:latin typeface="Arial" panose="020B0604020202020204" pitchFamily="34" charset="0"/>
+                        <a:cs typeface="Arial" panose="020B0604020202020204" pitchFamily="34" charset="0"/>
+                      </a:endParaRPr>
+                    </a:p>
+                  </a:txBody>
+                  <a:tcPr anchor="ctr"/>
+                </a:tc>
+                <a:tc>
+                  <a:txBody>
+                    <a:bodyPr/>
+                    <a:lstStyle/>
+                    <a:p>
+                      <a:pPr algn="ctr"/>
+                      <a:r>
+                        <a:rPr lang="en-US" sz="4800" dirty="0" smtClean="0">
+                          <a:latin typeface="Arial" panose="020B0604020202020204" pitchFamily="34" charset="0"/>
+                          <a:cs typeface="Arial" panose="020B0604020202020204" pitchFamily="34" charset="0"/>
+                        </a:rPr>
+                        <a:t>–</a:t>
+                      </a:r>
+                      <a:endParaRPr lang="ru-RU" sz="4800" dirty="0">
+                        <a:latin typeface="Arial" panose="020B0604020202020204" pitchFamily="34" charset="0"/>
+                        <a:cs typeface="Arial" panose="020B0604020202020204" pitchFamily="34" charset="0"/>
+                      </a:endParaRPr>
+                    </a:p>
+                  </a:txBody>
+                  <a:tcPr anchor="ctr"/>
+                </a:tc>
+                <a:tc>
+                  <a:txBody>
+                    <a:bodyPr/>
+                    <a:lstStyle/>
+                    <a:p>
+                      <a:pPr algn="ctr"/>
+                      <a:r>
+                        <a:rPr lang="ru-RU" sz="4800" dirty="0" smtClean="0">
+                          <a:latin typeface="Arial" panose="020B0604020202020204" pitchFamily="34" charset="0"/>
+                          <a:cs typeface="Arial" panose="020B0604020202020204" pitchFamily="34" charset="0"/>
+                        </a:rPr>
+                        <a:t>+</a:t>
+                      </a:r>
+                      <a:endParaRPr lang="ru-RU" sz="4800" dirty="0">
+                        <a:latin typeface="Arial" panose="020B0604020202020204" pitchFamily="34" charset="0"/>
+                        <a:cs typeface="Arial" panose="020B0604020202020204" pitchFamily="34" charset="0"/>
+                      </a:endParaRPr>
+                    </a:p>
+                  </a:txBody>
+                  <a:tcPr anchor="ctr"/>
+                </a:tc>
+                <a:tc>
+                  <a:txBody>
+                    <a:bodyPr/>
+                    <a:lstStyle/>
+                    <a:p>
+                      <a:pPr algn="ctr"/>
+                      <a:r>
+                        <a:rPr lang="ru-RU" sz="4800" dirty="0" smtClean="0">
+                          <a:latin typeface="Arial" panose="020B0604020202020204" pitchFamily="34" charset="0"/>
+                          <a:cs typeface="Arial" panose="020B0604020202020204" pitchFamily="34" charset="0"/>
+                        </a:rPr>
+                        <a:t>+</a:t>
+                      </a:r>
+                      <a:endParaRPr lang="ru-RU" sz="4800" dirty="0">
+                        <a:latin typeface="Arial" panose="020B0604020202020204" pitchFamily="34" charset="0"/>
+                        <a:cs typeface="Arial" panose="020B0604020202020204" pitchFamily="34" charset="0"/>
+                      </a:endParaRPr>
+                    </a:p>
+                  </a:txBody>
+                  <a:tcPr anchor="ctr"/>
+                </a:tc>
+              </a:tr>
+              <a:tr h="986401">
+                <a:tc>
+                  <a:txBody>
+                    <a:bodyPr/>
+                    <a:lstStyle/>
+                    <a:p>
+                      <a:pPr algn="ctr"/>
+                      <a:r>
+                        <a:rPr lang="ru-RU" sz="3200" dirty="0" smtClean="0">
+                          <a:latin typeface="Arial" panose="020B0604020202020204" pitchFamily="34" charset="0"/>
+                          <a:cs typeface="Arial" panose="020B0604020202020204" pitchFamily="34" charset="0"/>
+                        </a:rPr>
+                        <a:t>Аннотации</a:t>
+                      </a:r>
+                      <a:endParaRPr lang="ru-RU" sz="3200" dirty="0">
+                        <a:latin typeface="Arial" panose="020B0604020202020204" pitchFamily="34" charset="0"/>
+                        <a:cs typeface="Arial" panose="020B0604020202020204" pitchFamily="34" charset="0"/>
+                      </a:endParaRPr>
+                    </a:p>
+                  </a:txBody>
+                  <a:tcPr anchor="ctr"/>
+                </a:tc>
+                <a:tc>
+                  <a:txBody>
+                    <a:bodyPr/>
+                    <a:lstStyle/>
+                    <a:p>
+                      <a:pPr algn="ctr"/>
+                      <a:r>
+                        <a:rPr lang="en-US" sz="4800" dirty="0" smtClean="0">
+                          <a:latin typeface="Arial" panose="020B0604020202020204" pitchFamily="34" charset="0"/>
+                          <a:cs typeface="Arial" panose="020B0604020202020204" pitchFamily="34" charset="0"/>
+                        </a:rPr>
+                        <a:t>–</a:t>
+                      </a:r>
+                      <a:endParaRPr lang="ru-RU" sz="4800" dirty="0">
+                        <a:latin typeface="Arial" panose="020B0604020202020204" pitchFamily="34" charset="0"/>
+                        <a:cs typeface="Arial" panose="020B0604020202020204" pitchFamily="34" charset="0"/>
+                      </a:endParaRPr>
+                    </a:p>
+                  </a:txBody>
+                  <a:tcPr anchor="ctr"/>
+                </a:tc>
+                <a:tc>
+                  <a:txBody>
+                    <a:bodyPr/>
+                    <a:lstStyle/>
+                    <a:p>
+                      <a:pPr algn="ctr"/>
+                      <a:r>
+                        <a:rPr lang="ru-RU" sz="4800" dirty="0" smtClean="0">
+                          <a:latin typeface="Arial" panose="020B0604020202020204" pitchFamily="34" charset="0"/>
+                          <a:cs typeface="Arial" panose="020B0604020202020204" pitchFamily="34" charset="0"/>
+                        </a:rPr>
+                        <a:t>+</a:t>
+                      </a:r>
+                      <a:endParaRPr lang="ru-RU" sz="4800" dirty="0">
+                        <a:latin typeface="Arial" panose="020B0604020202020204" pitchFamily="34" charset="0"/>
+                        <a:cs typeface="Arial" panose="020B0604020202020204" pitchFamily="34" charset="0"/>
+                      </a:endParaRPr>
+                    </a:p>
+                  </a:txBody>
+                  <a:tcPr anchor="ctr"/>
+                </a:tc>
+                <a:tc>
+                  <a:txBody>
+                    <a:bodyPr/>
+                    <a:lstStyle/>
+                    <a:p>
+                      <a:pPr algn="ctr"/>
+                      <a:r>
+                        <a:rPr lang="ru-RU" sz="4800" dirty="0" smtClean="0">
+                          <a:latin typeface="Arial" panose="020B0604020202020204" pitchFamily="34" charset="0"/>
+                          <a:cs typeface="Arial" panose="020B0604020202020204" pitchFamily="34" charset="0"/>
+                        </a:rPr>
+                        <a:t>+</a:t>
+                      </a:r>
+                      <a:endParaRPr lang="ru-RU" sz="4800" dirty="0">
+                        <a:latin typeface="Arial" panose="020B0604020202020204" pitchFamily="34" charset="0"/>
+                        <a:cs typeface="Arial" panose="020B0604020202020204" pitchFamily="34" charset="0"/>
+                      </a:endParaRPr>
+                    </a:p>
+                  </a:txBody>
+                  <a:tcPr anchor="ctr"/>
+                </a:tc>
+              </a:tr>
+              <a:tr h="986401">
+                <a:tc>
+                  <a:txBody>
+                    <a:bodyPr/>
+                    <a:lstStyle/>
+                    <a:p>
+                      <a:pPr algn="ctr"/>
+                      <a:r>
+                        <a:rPr lang="ru-RU" sz="3200" dirty="0" smtClean="0">
+                          <a:latin typeface="Arial" panose="020B0604020202020204" pitchFamily="34" charset="0"/>
+                          <a:cs typeface="Arial" panose="020B0604020202020204" pitchFamily="34" charset="0"/>
+                        </a:rPr>
+                        <a:t>ГП</a:t>
+                      </a:r>
+                      <a:endParaRPr lang="ru-RU" sz="3200" dirty="0">
+                        <a:latin typeface="Arial" panose="020B0604020202020204" pitchFamily="34" charset="0"/>
+                        <a:cs typeface="Arial" panose="020B0604020202020204" pitchFamily="34" charset="0"/>
+                      </a:endParaRPr>
+                    </a:p>
+                  </a:txBody>
+                  <a:tcPr anchor="ctr"/>
+                </a:tc>
+                <a:tc>
+                  <a:txBody>
+                    <a:bodyPr/>
+                    <a:lstStyle/>
+                    <a:p>
+                      <a:pPr algn="ctr"/>
+                      <a:r>
+                        <a:rPr lang="ru-RU" sz="4800" dirty="0" smtClean="0">
+                          <a:latin typeface="Arial" panose="020B0604020202020204" pitchFamily="34" charset="0"/>
+                          <a:cs typeface="Arial" panose="020B0604020202020204" pitchFamily="34" charset="0"/>
+                        </a:rPr>
+                        <a:t>+</a:t>
+                      </a:r>
+                      <a:endParaRPr lang="ru-RU" sz="4800" dirty="0">
+                        <a:latin typeface="Arial" panose="020B0604020202020204" pitchFamily="34" charset="0"/>
+                        <a:cs typeface="Arial" panose="020B0604020202020204" pitchFamily="34" charset="0"/>
+                      </a:endParaRPr>
+                    </a:p>
+                  </a:txBody>
+                  <a:tcPr anchor="ctr"/>
+                </a:tc>
+                <a:tc>
+                  <a:txBody>
+                    <a:bodyPr/>
+                    <a:lstStyle/>
+                    <a:p>
+                      <a:pPr algn="ctr"/>
+                      <a:r>
+                        <a:rPr lang="ru-RU" sz="4800" dirty="0" smtClean="0">
+                          <a:latin typeface="Arial" panose="020B0604020202020204" pitchFamily="34" charset="0"/>
+                          <a:cs typeface="Arial" panose="020B0604020202020204" pitchFamily="34" charset="0"/>
+                        </a:rPr>
+                        <a:t>+</a:t>
+                      </a:r>
+                      <a:endParaRPr lang="ru-RU" sz="4800" dirty="0">
+                        <a:latin typeface="Arial" panose="020B0604020202020204" pitchFamily="34" charset="0"/>
+                        <a:cs typeface="Arial" panose="020B0604020202020204" pitchFamily="34" charset="0"/>
+                      </a:endParaRPr>
+                    </a:p>
+                  </a:txBody>
+                  <a:tcPr anchor="ctr"/>
+                </a:tc>
+                <a:tc>
+                  <a:txBody>
+                    <a:bodyPr/>
+                    <a:lstStyle/>
+                    <a:p>
+                      <a:pPr algn="ctr"/>
+                      <a:r>
+                        <a:rPr lang="ru-RU" sz="4800" dirty="0" smtClean="0">
+                          <a:latin typeface="Arial" panose="020B0604020202020204" pitchFamily="34" charset="0"/>
+                          <a:cs typeface="Arial" panose="020B0604020202020204" pitchFamily="34" charset="0"/>
+                        </a:rPr>
+                        <a:t>+</a:t>
+                      </a:r>
+                      <a:endParaRPr lang="ru-RU" sz="4800" dirty="0">
+                        <a:latin typeface="Arial" panose="020B0604020202020204" pitchFamily="34" charset="0"/>
+                        <a:cs typeface="Arial" panose="020B0604020202020204" pitchFamily="34" charset="0"/>
+                      </a:endParaRPr>
+                    </a:p>
+                  </a:txBody>
+                  <a:tcPr anchor="ctr"/>
+                </a:tc>
+              </a:tr>
+            </a:tbl>
+          </a:graphicData>
+        </a:graphic>
+      </p:graphicFrame>
     </p:spTree>
     <p:extLst>
       <p:ext uri="{BB962C8B-B14F-4D97-AF65-F5344CB8AC3E}">
-        <p14:creationId xmlns:p14="http://schemas.microsoft.com/office/powerpoint/2010/main" val="965383775"/>
+        <p14:creationId xmlns:p14="http://schemas.microsoft.com/office/powerpoint/2010/main" val="30600482"/>
       </p:ext>
     </p:extLst>
   </p:cSld>
   <p:clrMapOvr>
     <a:masterClrMapping/>
   </p:clrMapOvr>
+  <p:timing>
+    <p:tnLst>
+      <p:par>
+        <p:cTn id="1" dur="indefinite" restart="never" nodeType="tmRoot"/>
+      </p:par>
+    </p:tnLst>
+  </p:timing>
 </p:sld>
 </file>
 
@@ -5850,524 +6460,13 @@
         </p:nvSpPr>
         <p:spPr>
           <a:xfrm>
-            <a:off x="790802" y="0"/>
-            <a:ext cx="7514997" cy="1600200"/>
+            <a:off x="1318592" y="404664"/>
+            <a:ext cx="6781800" cy="1872208"/>
           </a:xfrm>
         </p:spPr>
         <p:txBody>
-          <a:bodyPr/>
-          <a:lstStyle/>
-          <a:p>
-            <a:pPr algn="ctr"/>
-            <a:r>
-              <a:rPr lang="ru-RU" dirty="0" smtClean="0"/>
-              <a:t>Построение признаков</a:t>
-            </a:r>
-            <a:endParaRPr lang="ru-RU" dirty="0"/>
-          </a:p>
-        </p:txBody>
-      </p:sp>
-      <mc:AlternateContent xmlns:mc="http://schemas.openxmlformats.org/markup-compatibility/2006">
-        <mc:Choice xmlns:a14="http://schemas.microsoft.com/office/drawing/2010/main" Requires="a14">
-          <p:sp>
-            <p:nvSpPr>
-              <p:cNvPr id="3" name="Объект 2"/>
-              <p:cNvSpPr>
-                <a:spLocks noGrp="1"/>
-              </p:cNvSpPr>
-              <p:nvPr>
-                <p:ph idx="1"/>
-              </p:nvPr>
-            </p:nvSpPr>
-            <p:spPr>
-              <a:xfrm>
-                <a:off x="814737" y="2060848"/>
-                <a:ext cx="7543800" cy="4176464"/>
-              </a:xfrm>
-            </p:spPr>
-            <p:txBody>
-              <a:bodyPr>
-                <a:normAutofit lnSpcReduction="10000"/>
-              </a:bodyPr>
-              <a:lstStyle/>
-              <a:p>
-                <a:pPr marL="742950" indent="-742950">
-                  <a:buFont typeface="+mj-lt"/>
-                  <a:buAutoNum type="arabicParenR"/>
-                </a:pPr>
-                <a:r>
-                  <a:rPr lang="ru-RU" sz="3600" dirty="0" smtClean="0">
-                    <a:latin typeface="Arial" panose="020B0604020202020204" pitchFamily="34" charset="0"/>
-                    <a:cs typeface="Arial" panose="020B0604020202020204" pitchFamily="34" charset="0"/>
-                  </a:rPr>
-                  <a:t>Ручное построение признаков –</a:t>
-                </a:r>
-                <a:r>
-                  <a:rPr lang="en-US" sz="3600" dirty="0" smtClean="0">
-                    <a:latin typeface="Arial" panose="020B0604020202020204" pitchFamily="34" charset="0"/>
-                    <a:cs typeface="Arial" panose="020B0604020202020204" pitchFamily="34" charset="0"/>
-                  </a:rPr>
-                  <a:t> </a:t>
-                </a:r>
-                <a:r>
-                  <a:rPr lang="ru-RU" sz="3600" dirty="0">
-                    <a:latin typeface="Arial" panose="020B0604020202020204" pitchFamily="34" charset="0"/>
-                    <a:cs typeface="Arial" panose="020B0604020202020204" pitchFamily="34" charset="0"/>
-                  </a:rPr>
-                  <a:t>в</a:t>
-                </a:r>
-                <a:r>
-                  <a:rPr lang="ru-RU" sz="3600" dirty="0" smtClean="0">
-                    <a:latin typeface="Arial" panose="020B0604020202020204" pitchFamily="34" charset="0"/>
-                    <a:cs typeface="Arial" panose="020B0604020202020204" pitchFamily="34" charset="0"/>
-                  </a:rPr>
-                  <a:t>ыбор </a:t>
-                </a:r>
-                <a14:m>
-                  <m:oMath xmlns:m="http://schemas.openxmlformats.org/officeDocument/2006/math">
-                    <m:sSub>
-                      <m:sSubPr>
-                        <m:ctrlPr>
-                          <a:rPr lang="ru-RU" sz="3600" i="1" smtClean="0">
-                            <a:latin typeface="Cambria Math" panose="02040503050406030204" pitchFamily="18" charset="0"/>
-                            <a:cs typeface="Arial" panose="020B0604020202020204" pitchFamily="34" charset="0"/>
-                          </a:rPr>
-                        </m:ctrlPr>
-                      </m:sSubPr>
-                      <m:e>
-                        <m:r>
-                          <a:rPr lang="en-US" sz="3600" b="0" i="1" smtClean="0">
-                            <a:latin typeface="Cambria Math" panose="02040503050406030204" pitchFamily="18" charset="0"/>
-                            <a:cs typeface="Arial" panose="020B0604020202020204" pitchFamily="34" charset="0"/>
-                          </a:rPr>
-                          <m:t>𝐹</m:t>
-                        </m:r>
-                      </m:e>
-                      <m:sub>
-                        <m:r>
-                          <a:rPr lang="en-US" sz="3600" b="0" i="1" smtClean="0">
-                            <a:latin typeface="Cambria Math" panose="02040503050406030204" pitchFamily="18" charset="0"/>
-                            <a:cs typeface="Arial" panose="020B0604020202020204" pitchFamily="34" charset="0"/>
-                          </a:rPr>
-                          <m:t>0</m:t>
-                        </m:r>
-                      </m:sub>
-                    </m:sSub>
-                  </m:oMath>
-                </a14:m>
-                <a:r>
-                  <a:rPr lang="ru-RU" sz="3600" dirty="0" smtClean="0">
-                    <a:latin typeface="Arial" panose="020B0604020202020204" pitchFamily="34" charset="0"/>
-                    <a:cs typeface="Arial" panose="020B0604020202020204" pitchFamily="34" charset="0"/>
-                  </a:rPr>
-                  <a:t>.</a:t>
-                </a:r>
-              </a:p>
-              <a:p>
-                <a:pPr marL="742950" indent="-742950">
-                  <a:buFont typeface="+mj-lt"/>
-                  <a:buAutoNum type="arabicParenR"/>
-                </a:pPr>
-                <a:r>
-                  <a:rPr lang="ru-RU" sz="3600" b="0" dirty="0" smtClean="0">
-                    <a:latin typeface="Arial" panose="020B0604020202020204" pitchFamily="34" charset="0"/>
-                    <a:cs typeface="Arial" panose="020B0604020202020204" pitchFamily="34" charset="0"/>
-                  </a:rPr>
-                  <a:t>Преобразование признаков</a:t>
-                </a:r>
-                <a14:m>
-                  <m:oMath xmlns:m="http://schemas.openxmlformats.org/officeDocument/2006/math">
-                    <m:r>
-                      <a:rPr lang="ru-RU" sz="3600" b="0" i="1" smtClean="0">
-                        <a:latin typeface="Cambria Math" panose="02040503050406030204" pitchFamily="18" charset="0"/>
-                        <a:cs typeface="Arial" panose="020B0604020202020204" pitchFamily="34" charset="0"/>
-                      </a:rPr>
-                      <m:t> </m:t>
-                    </m:r>
-                    <m:r>
-                      <a:rPr lang="en-US" sz="3600" b="0" i="1" smtClean="0">
-                        <a:latin typeface="Cambria Math" panose="02040503050406030204" pitchFamily="18" charset="0"/>
-                        <a:cs typeface="Arial" panose="020B0604020202020204" pitchFamily="34" charset="0"/>
-                      </a:rPr>
-                      <m:t>𝐺</m:t>
-                    </m:r>
-                    <m:r>
-                      <a:rPr lang="en-US" sz="3600" b="0" i="1" smtClean="0">
-                        <a:latin typeface="Cambria Math" panose="02040503050406030204" pitchFamily="18" charset="0"/>
-                        <a:cs typeface="Arial" panose="020B0604020202020204" pitchFamily="34" charset="0"/>
-                      </a:rPr>
-                      <m:t>:</m:t>
-                    </m:r>
-                    <m:sSub>
-                      <m:sSubPr>
-                        <m:ctrlPr>
-                          <a:rPr lang="en-US" sz="3600" b="0" i="1" smtClean="0">
-                            <a:latin typeface="Cambria Math" panose="02040503050406030204" pitchFamily="18" charset="0"/>
-                            <a:cs typeface="Arial" panose="020B0604020202020204" pitchFamily="34" charset="0"/>
-                          </a:rPr>
-                        </m:ctrlPr>
-                      </m:sSubPr>
-                      <m:e>
-                        <m:r>
-                          <a:rPr lang="en-US" sz="3600" b="0" i="1" smtClean="0">
-                            <a:latin typeface="Cambria Math" panose="02040503050406030204" pitchFamily="18" charset="0"/>
-                            <a:cs typeface="Arial" panose="020B0604020202020204" pitchFamily="34" charset="0"/>
-                          </a:rPr>
-                          <m:t>𝐹</m:t>
-                        </m:r>
-                      </m:e>
-                      <m:sub>
-                        <m:r>
-                          <a:rPr lang="en-US" sz="3600" b="0" i="1" smtClean="0">
-                            <a:latin typeface="Cambria Math" panose="02040503050406030204" pitchFamily="18" charset="0"/>
-                            <a:cs typeface="Arial" panose="020B0604020202020204" pitchFamily="34" charset="0"/>
-                          </a:rPr>
-                          <m:t>0</m:t>
-                        </m:r>
-                      </m:sub>
-                    </m:sSub>
-                    <m:r>
-                      <a:rPr lang="en-US" sz="3600" b="0" i="1" smtClean="0">
-                        <a:latin typeface="Cambria Math" panose="02040503050406030204" pitchFamily="18" charset="0"/>
-                        <a:ea typeface="Cambria Math" panose="02040503050406030204" pitchFamily="18" charset="0"/>
-                        <a:cs typeface="Arial" panose="020B0604020202020204" pitchFamily="34" charset="0"/>
-                      </a:rPr>
-                      <m:t>→</m:t>
-                    </m:r>
-                    <m:sSub>
-                      <m:sSubPr>
-                        <m:ctrlPr>
-                          <a:rPr lang="en-US" sz="3600" b="0" i="1" smtClean="0">
-                            <a:latin typeface="Cambria Math" panose="02040503050406030204" pitchFamily="18" charset="0"/>
-                            <a:ea typeface="Cambria Math" panose="02040503050406030204" pitchFamily="18" charset="0"/>
-                            <a:cs typeface="Arial" panose="020B0604020202020204" pitchFamily="34" charset="0"/>
-                          </a:rPr>
-                        </m:ctrlPr>
-                      </m:sSubPr>
-                      <m:e>
-                        <m:r>
-                          <a:rPr lang="en-US" sz="3600" b="0" i="1" smtClean="0">
-                            <a:latin typeface="Cambria Math" panose="02040503050406030204" pitchFamily="18" charset="0"/>
-                            <a:ea typeface="Cambria Math" panose="02040503050406030204" pitchFamily="18" charset="0"/>
-                            <a:cs typeface="Arial" panose="020B0604020202020204" pitchFamily="34" charset="0"/>
-                          </a:rPr>
-                          <m:t>𝐹</m:t>
-                        </m:r>
-                      </m:e>
-                      <m:sub>
-                        <m:r>
-                          <a:rPr lang="en-US" sz="3600" b="0" i="1" smtClean="0">
-                            <a:latin typeface="Cambria Math" panose="02040503050406030204" pitchFamily="18" charset="0"/>
-                            <a:ea typeface="Cambria Math" panose="02040503050406030204" pitchFamily="18" charset="0"/>
-                            <a:cs typeface="Arial" panose="020B0604020202020204" pitchFamily="34" charset="0"/>
-                          </a:rPr>
-                          <m:t>𝑁</m:t>
-                        </m:r>
-                      </m:sub>
-                    </m:sSub>
-                    <m:r>
-                      <a:rPr lang="en-US" sz="3600" b="0" i="1" smtClean="0">
-                        <a:latin typeface="Cambria Math" panose="02040503050406030204" pitchFamily="18" charset="0"/>
-                        <a:ea typeface="Cambria Math" panose="02040503050406030204" pitchFamily="18" charset="0"/>
-                        <a:cs typeface="Arial" panose="020B0604020202020204" pitchFamily="34" charset="0"/>
-                      </a:rPr>
-                      <m:t>.</m:t>
-                    </m:r>
-                  </m:oMath>
-                </a14:m>
-                <a:endParaRPr lang="ru-RU" sz="3600" dirty="0" smtClean="0">
-                  <a:latin typeface="Arial" panose="020B0604020202020204" pitchFamily="34" charset="0"/>
-                  <a:cs typeface="Arial" panose="020B0604020202020204" pitchFamily="34" charset="0"/>
-                </a:endParaRPr>
-              </a:p>
-              <a:p>
-                <a:pPr marL="742950" indent="-742950">
-                  <a:buFont typeface="+mj-lt"/>
-                  <a:buAutoNum type="arabicParenR"/>
-                </a:pPr>
-                <a:r>
-                  <a:rPr lang="ru-RU" sz="3600" dirty="0" smtClean="0">
-                    <a:latin typeface="Arial" panose="020B0604020202020204" pitchFamily="34" charset="0"/>
-                    <a:cs typeface="Arial" panose="020B0604020202020204" pitchFamily="34" charset="0"/>
-                  </a:rPr>
-                  <a:t>Выбор признаков </a:t>
-                </a:r>
-                <a14:m>
-                  <m:oMath xmlns:m="http://schemas.openxmlformats.org/officeDocument/2006/math">
-                    <m:sSub>
-                      <m:sSubPr>
-                        <m:ctrlPr>
-                          <a:rPr lang="ru-RU" sz="3600" i="1" smtClean="0">
-                            <a:latin typeface="Cambria Math" panose="02040503050406030204" pitchFamily="18" charset="0"/>
-                            <a:cs typeface="Arial" panose="020B0604020202020204" pitchFamily="34" charset="0"/>
-                          </a:rPr>
-                        </m:ctrlPr>
-                      </m:sSubPr>
-                      <m:e>
-                        <m:r>
-                          <a:rPr lang="en-US" sz="3600" b="0" i="1" smtClean="0">
-                            <a:latin typeface="Cambria Math" panose="02040503050406030204" pitchFamily="18" charset="0"/>
-                            <a:cs typeface="Arial" panose="020B0604020202020204" pitchFamily="34" charset="0"/>
-                          </a:rPr>
-                          <m:t>𝐹</m:t>
-                        </m:r>
-                      </m:e>
-                      <m:sub>
-                        <m:r>
-                          <a:rPr lang="en-US" sz="3600" b="0" i="1" smtClean="0">
-                            <a:latin typeface="Cambria Math" panose="02040503050406030204" pitchFamily="18" charset="0"/>
-                            <a:cs typeface="Arial" panose="020B0604020202020204" pitchFamily="34" charset="0"/>
-                          </a:rPr>
-                          <m:t>𝑖</m:t>
-                        </m:r>
-                      </m:sub>
-                    </m:sSub>
-                    <m:r>
-                      <a:rPr lang="ru-RU" sz="3600" i="1" smtClean="0">
-                        <a:latin typeface="Cambria Math" panose="02040503050406030204" pitchFamily="18" charset="0"/>
-                        <a:ea typeface="Cambria Math" panose="02040503050406030204" pitchFamily="18" charset="0"/>
-                        <a:cs typeface="Arial" panose="020B0604020202020204" pitchFamily="34" charset="0"/>
-                      </a:rPr>
-                      <m:t>⊆</m:t>
-                    </m:r>
-                    <m:sSub>
-                      <m:sSubPr>
-                        <m:ctrlPr>
-                          <a:rPr lang="ru-RU" sz="3600" i="1" smtClean="0">
-                            <a:latin typeface="Cambria Math" panose="02040503050406030204" pitchFamily="18" charset="0"/>
-                            <a:ea typeface="Cambria Math" panose="02040503050406030204" pitchFamily="18" charset="0"/>
-                            <a:cs typeface="Arial" panose="020B0604020202020204" pitchFamily="34" charset="0"/>
-                          </a:rPr>
-                        </m:ctrlPr>
-                      </m:sSubPr>
-                      <m:e>
-                        <m:r>
-                          <a:rPr lang="en-US" sz="3600" b="0" i="1" smtClean="0">
-                            <a:latin typeface="Cambria Math" panose="02040503050406030204" pitchFamily="18" charset="0"/>
-                            <a:ea typeface="Cambria Math" panose="02040503050406030204" pitchFamily="18" charset="0"/>
-                            <a:cs typeface="Arial" panose="020B0604020202020204" pitchFamily="34" charset="0"/>
-                          </a:rPr>
-                          <m:t>𝐹</m:t>
-                        </m:r>
-                      </m:e>
-                      <m:sub>
-                        <m:r>
-                          <a:rPr lang="en-US" sz="3600" b="0" i="1" smtClean="0">
-                            <a:latin typeface="Cambria Math" panose="02040503050406030204" pitchFamily="18" charset="0"/>
-                            <a:ea typeface="Cambria Math" panose="02040503050406030204" pitchFamily="18" charset="0"/>
-                            <a:cs typeface="Arial" panose="020B0604020202020204" pitchFamily="34" charset="0"/>
-                          </a:rPr>
-                          <m:t>𝑁</m:t>
-                        </m:r>
-                      </m:sub>
-                    </m:sSub>
-                    <m:r>
-                      <a:rPr lang="en-US" sz="3600" b="0" i="1" smtClean="0">
-                        <a:latin typeface="Cambria Math" panose="02040503050406030204" pitchFamily="18" charset="0"/>
-                        <a:ea typeface="Cambria Math" panose="02040503050406030204" pitchFamily="18" charset="0"/>
-                        <a:cs typeface="Arial" panose="020B0604020202020204" pitchFamily="34" charset="0"/>
-                      </a:rPr>
-                      <m:t>.</m:t>
-                    </m:r>
-                  </m:oMath>
-                </a14:m>
-                <a:endParaRPr lang="en-US" sz="3600" b="0" dirty="0" smtClean="0">
-                  <a:latin typeface="Arial" panose="020B0604020202020204" pitchFamily="34" charset="0"/>
-                  <a:ea typeface="Cambria Math" panose="02040503050406030204" pitchFamily="18" charset="0"/>
-                  <a:cs typeface="Arial" panose="020B0604020202020204" pitchFamily="34" charset="0"/>
-                </a:endParaRPr>
-              </a:p>
-              <a:p>
-                <a:pPr marL="742950" indent="-742950">
-                  <a:buFont typeface="+mj-lt"/>
-                  <a:buAutoNum type="arabicParenR"/>
-                </a:pPr>
-                <a:r>
-                  <a:rPr lang="ru-RU" sz="3600" dirty="0" smtClean="0">
-                    <a:latin typeface="Arial" panose="020B0604020202020204" pitchFamily="34" charset="0"/>
-                    <a:cs typeface="Arial" panose="020B0604020202020204" pitchFamily="34" charset="0"/>
-                  </a:rPr>
-                  <a:t>Если решение не найдено, то (3), иначе </a:t>
-                </a:r>
-                <a14:m>
-                  <m:oMath xmlns:m="http://schemas.openxmlformats.org/officeDocument/2006/math">
-                    <m:sSub>
-                      <m:sSubPr>
-                        <m:ctrlPr>
-                          <a:rPr lang="ru-RU" sz="3600" i="1" smtClean="0">
-                            <a:latin typeface="Cambria Math" panose="02040503050406030204" pitchFamily="18" charset="0"/>
-                            <a:cs typeface="Arial" panose="020B0604020202020204" pitchFamily="34" charset="0"/>
-                          </a:rPr>
-                        </m:ctrlPr>
-                      </m:sSubPr>
-                      <m:e>
-                        <m:r>
-                          <a:rPr lang="en-US" sz="3600" b="0" i="1" smtClean="0">
-                            <a:latin typeface="Cambria Math" panose="02040503050406030204" pitchFamily="18" charset="0"/>
-                            <a:cs typeface="Arial" panose="020B0604020202020204" pitchFamily="34" charset="0"/>
-                          </a:rPr>
-                          <m:t>𝐹</m:t>
-                        </m:r>
-                      </m:e>
-                      <m:sub>
-                        <m:r>
-                          <a:rPr lang="en-US" sz="3600" b="0" i="1" smtClean="0">
-                            <a:latin typeface="Cambria Math" panose="02040503050406030204" pitchFamily="18" charset="0"/>
-                            <a:cs typeface="Arial" panose="020B0604020202020204" pitchFamily="34" charset="0"/>
-                          </a:rPr>
-                          <m:t>𝑇</m:t>
-                        </m:r>
-                      </m:sub>
-                    </m:sSub>
-                    <m:r>
-                      <a:rPr lang="en-US" sz="3600" b="0" i="1" smtClean="0">
-                        <a:latin typeface="Cambria Math" panose="02040503050406030204" pitchFamily="18" charset="0"/>
-                        <a:cs typeface="Arial" panose="020B0604020202020204" pitchFamily="34" charset="0"/>
-                      </a:rPr>
-                      <m:t>=</m:t>
-                    </m:r>
-                    <m:sSub>
-                      <m:sSubPr>
-                        <m:ctrlPr>
-                          <a:rPr lang="en-US" sz="3600" b="0" i="1" smtClean="0">
-                            <a:latin typeface="Cambria Math" panose="02040503050406030204" pitchFamily="18" charset="0"/>
-                            <a:cs typeface="Arial" panose="020B0604020202020204" pitchFamily="34" charset="0"/>
-                          </a:rPr>
-                        </m:ctrlPr>
-                      </m:sSubPr>
-                      <m:e>
-                        <m:r>
-                          <a:rPr lang="en-US" sz="3600" b="0" i="1" smtClean="0">
-                            <a:latin typeface="Cambria Math" panose="02040503050406030204" pitchFamily="18" charset="0"/>
-                            <a:cs typeface="Arial" panose="020B0604020202020204" pitchFamily="34" charset="0"/>
-                          </a:rPr>
-                          <m:t>𝐹</m:t>
-                        </m:r>
-                      </m:e>
-                      <m:sub>
-                        <m:r>
-                          <a:rPr lang="en-US" sz="3600" b="0" i="1" smtClean="0">
-                            <a:latin typeface="Cambria Math" panose="02040503050406030204" pitchFamily="18" charset="0"/>
-                            <a:cs typeface="Arial" panose="020B0604020202020204" pitchFamily="34" charset="0"/>
-                          </a:rPr>
-                          <m:t>𝑖</m:t>
-                        </m:r>
-                      </m:sub>
-                    </m:sSub>
-                    <m:r>
-                      <a:rPr lang="ru-RU" sz="3600" b="0" i="0" smtClean="0">
-                        <a:latin typeface="Cambria Math" panose="02040503050406030204" pitchFamily="18" charset="0"/>
-                        <a:cs typeface="Arial" panose="020B0604020202020204" pitchFamily="34" charset="0"/>
-                      </a:rPr>
-                      <m:t>.</m:t>
-                    </m:r>
-                  </m:oMath>
-                </a14:m>
-                <a:endParaRPr lang="ru-RU" sz="3600" dirty="0" smtClean="0">
-                  <a:latin typeface="Arial" panose="020B0604020202020204" pitchFamily="34" charset="0"/>
-                  <a:cs typeface="Arial" panose="020B0604020202020204" pitchFamily="34" charset="0"/>
-                </a:endParaRPr>
-              </a:p>
-              <a:p>
-                <a:pPr marL="742950" indent="-742950">
-                  <a:buFont typeface="+mj-lt"/>
-                  <a:buAutoNum type="arabicParenR"/>
-                </a:pPr>
-                <a:endParaRPr lang="ru-RU" sz="3600" dirty="0">
-                  <a:latin typeface="Arial" panose="020B0604020202020204" pitchFamily="34" charset="0"/>
-                  <a:cs typeface="Arial" panose="020B0604020202020204" pitchFamily="34" charset="0"/>
-                </a:endParaRPr>
-              </a:p>
-            </p:txBody>
-          </p:sp>
-        </mc:Choice>
-        <mc:Fallback>
-          <p:sp>
-            <p:nvSpPr>
-              <p:cNvPr id="3" name="Объект 2"/>
-              <p:cNvSpPr>
-                <a:spLocks noGrp="1" noRot="1" noChangeAspect="1" noMove="1" noResize="1" noEditPoints="1" noAdjustHandles="1" noChangeArrowheads="1" noChangeShapeType="1" noTextEdit="1"/>
-              </p:cNvSpPr>
-              <p:nvPr>
-                <p:ph idx="1"/>
-              </p:nvPr>
-            </p:nvSpPr>
-            <p:spPr>
-              <a:xfrm>
-                <a:off x="814737" y="2060848"/>
-                <a:ext cx="7543800" cy="4176464"/>
-              </a:xfrm>
-              <a:blipFill rotWithShape="0">
-                <a:blip r:embed="rId3"/>
-                <a:stretch>
-                  <a:fillRect l="-2264" t="-7153" r="-1617"/>
-                </a:stretch>
-              </a:blipFill>
-            </p:spPr>
-            <p:txBody>
-              <a:bodyPr/>
-              <a:lstStyle/>
-              <a:p>
-                <a:r>
-                  <a:rPr lang="ru-RU">
-                    <a:noFill/>
-                  </a:rPr>
-                  <a:t> </a:t>
-                </a:r>
-              </a:p>
-            </p:txBody>
-          </p:sp>
-        </mc:Fallback>
-      </mc:AlternateContent>
-    </p:spTree>
-    <p:extLst>
-      <p:ext uri="{BB962C8B-B14F-4D97-AF65-F5344CB8AC3E}">
-        <p14:creationId xmlns:p14="http://schemas.microsoft.com/office/powerpoint/2010/main" val="1168519745"/>
-      </p:ext>
-    </p:extLst>
-  </p:cSld>
-  <p:clrMapOvr>
-    <a:masterClrMapping/>
-  </p:clrMapOvr>
-</p:sld>
-</file>
-
-<file path=ppt/slides/slide12.xml><?xml version="1.0" encoding="utf-8"?>
-<p:sld xmlns:a="http://schemas.openxmlformats.org/drawingml/2006/main" xmlns:r="http://schemas.openxmlformats.org/officeDocument/2006/relationships" xmlns:p="http://schemas.openxmlformats.org/presentationml/2006/main">
-  <p:cSld>
-    <p:spTree>
-      <p:nvGrpSpPr>
-        <p:cNvPr id="1" name=""/>
-        <p:cNvGrpSpPr/>
-        <p:nvPr/>
-      </p:nvGrpSpPr>
-      <p:grpSpPr>
-        <a:xfrm>
-          <a:off x="0" y="0"/>
-          <a:ext cx="0" cy="0"/>
-          <a:chOff x="0" y="0"/>
-          <a:chExt cx="0" cy="0"/>
-        </a:xfrm>
-      </p:grpSpPr>
-      <p:sp>
-        <p:nvSpPr>
-          <p:cNvPr id="2" name="Заголовок 1"/>
-          <p:cNvSpPr>
-            <a:spLocks noGrp="1"/>
-          </p:cNvSpPr>
-          <p:nvPr>
-            <p:ph type="title"/>
-          </p:nvPr>
-        </p:nvSpPr>
-        <p:spPr>
-          <a:xfrm>
-            <a:off x="1318592" y="404664"/>
-            <a:ext cx="6781800" cy="1514400"/>
-          </a:xfrm>
-        </p:spPr>
-        <p:txBody>
           <a:bodyPr>
-            <a:normAutofit fontScale="90000"/>
+            <a:normAutofit/>
           </a:bodyPr>
           <a:lstStyle/>
           <a:p>
@@ -6454,7 +6553,7 @@
 </p:sld>
 </file>
 
-<file path=ppt/slides/slide13.xml><?xml version="1.0" encoding="utf-8"?>
+<file path=ppt/slides/slide12.xml><?xml version="1.0" encoding="utf-8"?>
 <p:sld xmlns:a="http://schemas.openxmlformats.org/drawingml/2006/main" xmlns:r="http://schemas.openxmlformats.org/officeDocument/2006/relationships" xmlns:p="http://schemas.openxmlformats.org/presentationml/2006/main">
   <p:cSld>
     <p:spTree>
@@ -7537,7 +7636,7 @@
 </p:sld>
 </file>
 
-<file path=ppt/slides/slide14.xml><?xml version="1.0" encoding="utf-8"?>
+<file path=ppt/slides/slide13.xml><?xml version="1.0" encoding="utf-8"?>
 <p:sld xmlns:a="http://schemas.openxmlformats.org/drawingml/2006/main" xmlns:r="http://schemas.openxmlformats.org/officeDocument/2006/relationships" xmlns:p="http://schemas.openxmlformats.org/presentationml/2006/main">
   <p:cSld>
     <p:spTree>
@@ -7585,8 +7684,8 @@
           </a:p>
         </p:txBody>
       </p:sp>
-      <mc:AlternateContent xmlns:mc="http://schemas.openxmlformats.org/markup-compatibility/2006">
-        <mc:Choice xmlns:a14="http://schemas.microsoft.com/office/drawing/2010/main" Requires="a14">
+      <mc:AlternateContent xmlns:mc="http://schemas.openxmlformats.org/markup-compatibility/2006" xmlns:a14="http://schemas.microsoft.com/office/drawing/2010/main">
+        <mc:Choice Requires="a14">
           <p:sp>
             <p:nvSpPr>
               <p:cNvPr id="3" name="Объект 2"/>
@@ -8072,14 +8171,7 @@
                                     <a:latin typeface="Cambria Math" panose="02040503050406030204" pitchFamily="18" charset="0"/>
                                     <a:cs typeface="Arial" panose="020B0604020202020204" pitchFamily="34" charset="0"/>
                                   </a:rPr>
-                                  <m:t>𝑚</m:t>
-                                </m:r>
-                                <m:r>
-                                  <a:rPr lang="en-US" sz="4800" i="1">
-                                    <a:latin typeface="Cambria Math" panose="02040503050406030204" pitchFamily="18" charset="0"/>
-                                    <a:cs typeface="Arial" panose="020B0604020202020204" pitchFamily="34" charset="0"/>
-                                  </a:rPr>
-                                  <m:t>𝑛</m:t>
+                                  <m:t>𝑚𝑛</m:t>
                                 </m:r>
                               </m:sub>
                             </m:sSub>
@@ -8142,7 +8234,7 @@
             </p:txBody>
           </p:sp>
         </mc:Choice>
-        <mc:Fallback>
+        <mc:Fallback xmlns="">
           <p:sp>
             <p:nvSpPr>
               <p:cNvPr id="3" name="Объект 2"/>
@@ -8200,6 +8292,124 @@
 </p:sld>
 </file>
 
+<file path=ppt/slides/slide14.xml><?xml version="1.0" encoding="utf-8"?>
+<p:sld xmlns:a="http://schemas.openxmlformats.org/drawingml/2006/main" xmlns:r="http://schemas.openxmlformats.org/officeDocument/2006/relationships" xmlns:p="http://schemas.openxmlformats.org/presentationml/2006/main">
+  <p:cSld>
+    <p:spTree>
+      <p:nvGrpSpPr>
+        <p:cNvPr id="1" name=""/>
+        <p:cNvGrpSpPr/>
+        <p:nvPr/>
+      </p:nvGrpSpPr>
+      <p:grpSpPr>
+        <a:xfrm>
+          <a:off x="0" y="0"/>
+          <a:ext cx="0" cy="0"/>
+          <a:chOff x="0" y="0"/>
+          <a:chExt cx="0" cy="0"/>
+        </a:xfrm>
+      </p:grpSpPr>
+      <p:sp>
+        <p:nvSpPr>
+          <p:cNvPr id="2" name="Заголовок 1"/>
+          <p:cNvSpPr>
+            <a:spLocks noGrp="1"/>
+          </p:cNvSpPr>
+          <p:nvPr>
+            <p:ph type="title"/>
+          </p:nvPr>
+        </p:nvSpPr>
+        <p:spPr>
+          <a:xfrm>
+            <a:off x="1335206" y="109182"/>
+            <a:ext cx="6781800" cy="1600200"/>
+          </a:xfrm>
+        </p:spPr>
+        <p:txBody>
+          <a:bodyPr>
+            <a:normAutofit/>
+          </a:bodyPr>
+          <a:lstStyle/>
+          <a:p>
+            <a:pPr algn="ctr"/>
+            <a:r>
+              <a:rPr lang="ru-RU" dirty="0" smtClean="0"/>
+              <a:t>Репродукция</a:t>
+            </a:r>
+            <a:endParaRPr lang="ru-RU" dirty="0"/>
+          </a:p>
+        </p:txBody>
+      </p:sp>
+      <p:sp>
+        <p:nvSpPr>
+          <p:cNvPr id="3" name="Объект 2"/>
+          <p:cNvSpPr>
+            <a:spLocks noGrp="1"/>
+          </p:cNvSpPr>
+          <p:nvPr>
+            <p:ph idx="1"/>
+          </p:nvPr>
+        </p:nvSpPr>
+        <p:spPr>
+          <a:xfrm>
+            <a:off x="827584" y="1700808"/>
+            <a:ext cx="7848872" cy="4320480"/>
+          </a:xfrm>
+        </p:spPr>
+        <p:txBody>
+          <a:bodyPr>
+            <a:normAutofit/>
+          </a:bodyPr>
+          <a:lstStyle/>
+          <a:p>
+            <a:r>
+              <a:rPr lang="ru-RU" sz="3200" dirty="0" smtClean="0">
+                <a:latin typeface="Arial" panose="020B0604020202020204" pitchFamily="34" charset="0"/>
+                <a:cs typeface="Arial" panose="020B0604020202020204" pitchFamily="34" charset="0"/>
+              </a:rPr>
+              <a:t>Приспособленность – ошибка классификации.</a:t>
+            </a:r>
+          </a:p>
+          <a:p>
+            <a:r>
+              <a:rPr lang="ru-RU" sz="3200" dirty="0" smtClean="0">
+                <a:latin typeface="Arial" panose="020B0604020202020204" pitchFamily="34" charset="0"/>
+                <a:cs typeface="Arial" panose="020B0604020202020204" pitchFamily="34" charset="0"/>
+              </a:rPr>
+              <a:t>Классификатор предсказывает значение класса для всех объектов обучающей выборки.</a:t>
+            </a:r>
+          </a:p>
+          <a:p>
+            <a:r>
+              <a:rPr lang="ru-RU" sz="3200" dirty="0" smtClean="0">
+                <a:latin typeface="Arial" panose="020B0604020202020204" pitchFamily="34" charset="0"/>
+                <a:cs typeface="Arial" panose="020B0604020202020204" pitchFamily="34" charset="0"/>
+              </a:rPr>
+              <a:t>Вычисляем отношение неправильно классифицированных объектов.</a:t>
+            </a:r>
+          </a:p>
+        </p:txBody>
+      </p:sp>
+    </p:spTree>
+    <p:extLst>
+      <p:ext uri="{BB962C8B-B14F-4D97-AF65-F5344CB8AC3E}">
+        <p14:creationId xmlns:p14="http://schemas.microsoft.com/office/powerpoint/2010/main" val="3436671575"/>
+      </p:ext>
+    </p:extLst>
+  </p:cSld>
+  <p:clrMapOvr>
+    <a:masterClrMapping/>
+  </p:clrMapOvr>
+  <p:timing>
+    <p:tnLst>
+      <p:par>
+        <p:cTn id="1" dur="indefinite" restart="never" nodeType="tmRoot"/>
+      </p:par>
+    </p:tnLst>
+  </p:timing>
+</p:sld>
+</file>
+
 <file path=ppt/slides/slide15.xml><?xml version="1.0" encoding="utf-8"?>
 <p:sld xmlns:a="http://schemas.openxmlformats.org/drawingml/2006/main" xmlns:r="http://schemas.openxmlformats.org/officeDocument/2006/relationships" xmlns:p="http://schemas.openxmlformats.org/presentationml/2006/main">
   <p:cSld>
@@ -8229,8 +8439,8 @@
         </p:nvSpPr>
         <p:spPr>
           <a:xfrm>
-            <a:off x="1335206" y="109182"/>
-            <a:ext cx="6781800" cy="1600200"/>
+            <a:off x="827584" y="22776"/>
+            <a:ext cx="7488832" cy="1600200"/>
           </a:xfrm>
         </p:spPr>
         <p:txBody>
@@ -8242,7 +8452,7 @@
             <a:pPr algn="ctr"/>
             <a:r>
               <a:rPr lang="ru-RU" dirty="0" smtClean="0"/>
-              <a:t>Репродукция</a:t>
+              <a:t>Данные эксперимента</a:t>
             </a:r>
             <a:endParaRPr lang="ru-RU" dirty="0"/>
           </a:p>
@@ -8260,59 +8470,89 @@
         </p:nvSpPr>
         <p:spPr>
           <a:xfrm>
-            <a:off x="827584" y="1700808"/>
-            <a:ext cx="7543800" cy="4320480"/>
+            <a:off x="395536" y="2564904"/>
+            <a:ext cx="4813592" cy="3670176"/>
           </a:xfrm>
         </p:spPr>
         <p:txBody>
           <a:bodyPr>
-            <a:normAutofit/>
+            <a:noAutofit/>
           </a:bodyPr>
           <a:lstStyle/>
           <a:p>
             <a:r>
-              <a:rPr lang="ru-RU" sz="3200" dirty="0" smtClean="0">
+              <a:rPr lang="ru-RU" sz="3600" dirty="0" smtClean="0">
                 <a:latin typeface="Arial" panose="020B0604020202020204" pitchFamily="34" charset="0"/>
+                <a:ea typeface="Cambria Math" panose="02040503050406030204" pitchFamily="18" charset="0"/>
                 <a:cs typeface="Arial" panose="020B0604020202020204" pitchFamily="34" charset="0"/>
               </a:rPr>
-              <a:t>Приспособленность – </a:t>
-            </a:r>
-            <a:r>
-              <a:rPr lang="ru-RU" sz="3200" dirty="0" smtClean="0">
+              <a:t>Обучающая и тестовая выборки медицинских изображений.</a:t>
+            </a:r>
+          </a:p>
+          <a:p>
+            <a:r>
+              <a:rPr lang="ru-RU" sz="3600" dirty="0" smtClean="0">
                 <a:latin typeface="Arial" panose="020B0604020202020204" pitchFamily="34" charset="0"/>
+                <a:ea typeface="Cambria Math" panose="02040503050406030204" pitchFamily="18" charset="0"/>
                 <a:cs typeface="Arial" panose="020B0604020202020204" pitchFamily="34" charset="0"/>
               </a:rPr>
-              <a:t>ошибка классификации.</a:t>
-            </a:r>
-          </a:p>
-          <a:p>
-            <a:r>
-              <a:rPr lang="ru-RU" sz="3200" dirty="0" smtClean="0">
-                <a:latin typeface="Arial" panose="020B0604020202020204" pitchFamily="34" charset="0"/>
-                <a:cs typeface="Arial" panose="020B0604020202020204" pitchFamily="34" charset="0"/>
-              </a:rPr>
-              <a:t>Классификатор предсказывает значение класса для всех объектов обучающей выборки.</a:t>
-            </a:r>
-          </a:p>
-          <a:p>
-            <a:r>
-              <a:rPr lang="ru-RU" sz="3200" dirty="0" smtClean="0">
-                <a:latin typeface="Arial" panose="020B0604020202020204" pitchFamily="34" charset="0"/>
-                <a:cs typeface="Arial" panose="020B0604020202020204" pitchFamily="34" charset="0"/>
-              </a:rPr>
-              <a:t>Вычисляем отношение неправильно классифицированных объектов.</a:t>
-            </a:r>
-            <a:endParaRPr lang="ru-RU" sz="3200" dirty="0" smtClean="0">
+              <a:t>КТ снимки легких с отмеченными поражениями.</a:t>
+            </a:r>
+          </a:p>
+          <a:p>
+            <a:pPr>
+              <a:lnSpc>
+                <a:spcPct val="150000"/>
+              </a:lnSpc>
+            </a:pPr>
+            <a:endParaRPr lang="en-US" sz="3200" dirty="0">
               <a:latin typeface="Arial" panose="020B0604020202020204" pitchFamily="34" charset="0"/>
+              <a:ea typeface="Cambria Math" panose="02040503050406030204" pitchFamily="18" charset="0"/>
               <a:cs typeface="Arial" panose="020B0604020202020204" pitchFamily="34" charset="0"/>
             </a:endParaRPr>
           </a:p>
-        </p:txBody>
-      </p:sp>
+          <a:p>
+            <a:endParaRPr lang="ru-RU" sz="2800" dirty="0">
+              <a:latin typeface="Cambria Math" panose="02040503050406030204" pitchFamily="18" charset="0"/>
+              <a:ea typeface="Cambria Math" panose="02040503050406030204" pitchFamily="18" charset="0"/>
+            </a:endParaRPr>
+          </a:p>
+        </p:txBody>
+      </p:sp>
+      <p:pic>
+        <p:nvPicPr>
+          <p:cNvPr id="4" name="Рисунок 3"/>
+          <p:cNvPicPr>
+            <a:picLocks noChangeAspect="1"/>
+          </p:cNvPicPr>
+          <p:nvPr/>
+        </p:nvPicPr>
+        <p:blipFill>
+          <a:blip r:embed="rId3">
+            <a:extLst>
+              <a:ext uri="{28A0092B-C50C-407E-A947-70E740481C1C}">
+                <a14:useLocalDpi xmlns:a14="http://schemas.microsoft.com/office/drawing/2010/main" val="0"/>
+              </a:ext>
+            </a:extLst>
+          </a:blip>
+          <a:stretch>
+            <a:fillRect/>
+          </a:stretch>
+        </p:blipFill>
+        <p:spPr>
+          <a:xfrm>
+            <a:off x="5209128" y="1988840"/>
+            <a:ext cx="3934872" cy="3934872"/>
+          </a:xfrm>
+          <a:prstGeom prst="rect">
+            <a:avLst/>
+          </a:prstGeom>
+        </p:spPr>
+      </p:pic>
     </p:spTree>
     <p:extLst>
       <p:ext uri="{BB962C8B-B14F-4D97-AF65-F5344CB8AC3E}">
-        <p14:creationId xmlns:p14="http://schemas.microsoft.com/office/powerpoint/2010/main" val="3436671575"/>
+        <p14:creationId xmlns:p14="http://schemas.microsoft.com/office/powerpoint/2010/main" val="4275642513"/>
       </p:ext>
     </p:extLst>
   </p:cSld>
@@ -8348,737 +8588,130 @@
       </p:grpSpPr>
       <p:sp>
         <p:nvSpPr>
-          <p:cNvPr id="13" name="Блок-схема: знак завершения 12"/>
-          <p:cNvSpPr/>
-          <p:nvPr/>
+          <p:cNvPr id="2" name="Заголовок 1"/>
+          <p:cNvSpPr>
+            <a:spLocks noGrp="1"/>
+          </p:cNvSpPr>
+          <p:nvPr>
+            <p:ph type="title"/>
+          </p:nvPr>
         </p:nvSpPr>
         <p:spPr>
           <a:xfrm>
-            <a:off x="1262215" y="404664"/>
-            <a:ext cx="6624735" cy="936104"/>
+            <a:off x="1187624" y="22776"/>
+            <a:ext cx="6781800" cy="1600200"/>
           </a:xfrm>
-          <a:prstGeom prst="flowChartTerminator">
-            <a:avLst/>
-          </a:prstGeom>
-          <a:noFill/>
         </p:spPr>
-        <p:style>
-          <a:lnRef idx="2">
-            <a:schemeClr val="accent1">
-              <a:shade val="50000"/>
-            </a:schemeClr>
-          </a:lnRef>
-          <a:fillRef idx="1">
-            <a:schemeClr val="accent1"/>
-          </a:fillRef>
-          <a:effectRef idx="0">
-            <a:schemeClr val="accent1"/>
-          </a:effectRef>
-          <a:fontRef idx="minor">
-            <a:schemeClr val="lt1"/>
-          </a:fontRef>
-        </p:style>
-        <p:txBody>
-          <a:bodyPr rtlCol="0" anchor="ctr"/>
+        <p:txBody>
+          <a:bodyPr>
+            <a:normAutofit fontScale="90000"/>
+          </a:bodyPr>
           <a:lstStyle/>
           <a:p>
             <a:pPr algn="ctr"/>
             <a:r>
-              <a:rPr lang="ru-RU" sz="2800" dirty="0" smtClean="0">
-                <a:solidFill>
-                  <a:schemeClr val="tx1"/>
-                </a:solidFill>
+              <a:rPr lang="ru-RU" dirty="0"/>
+              <a:t>Данные эксперимента</a:t>
+            </a:r>
+            <a:endParaRPr lang="ru-RU" dirty="0"/>
+          </a:p>
+        </p:txBody>
+      </p:sp>
+      <p:sp>
+        <p:nvSpPr>
+          <p:cNvPr id="3" name="Объект 2"/>
+          <p:cNvSpPr>
+            <a:spLocks noGrp="1"/>
+          </p:cNvSpPr>
+          <p:nvPr>
+            <p:ph idx="1"/>
+          </p:nvPr>
+        </p:nvSpPr>
+        <p:spPr>
+          <a:xfrm>
+            <a:off x="395536" y="1844824"/>
+            <a:ext cx="8352928" cy="3886200"/>
+          </a:xfrm>
+        </p:spPr>
+        <p:txBody>
+          <a:bodyPr>
+            <a:noAutofit/>
+          </a:bodyPr>
+          <a:lstStyle/>
+          <a:p>
+            <a:pPr algn="just"/>
+            <a:r>
+              <a:rPr lang="ru-RU" sz="3600" dirty="0" smtClean="0">
                 <a:latin typeface="Arial" panose="020B0604020202020204" pitchFamily="34" charset="0"/>
+                <a:ea typeface="Cambria Math" panose="02040503050406030204" pitchFamily="18" charset="0"/>
                 <a:cs typeface="Arial" panose="020B0604020202020204" pitchFamily="34" charset="0"/>
               </a:rPr>
-              <a:t>Создание исходной популяции</a:t>
-            </a:r>
-            <a:endParaRPr lang="ru-RU" sz="2800" dirty="0">
-              <a:solidFill>
-                <a:schemeClr val="tx1"/>
-              </a:solidFill>
+              <a:t>Классификаторы: </a:t>
+            </a:r>
+            <a:r>
+              <a:rPr lang="en-US" sz="3600" dirty="0" err="1">
+                <a:latin typeface="Arial" panose="020B0604020202020204" pitchFamily="34" charset="0"/>
+                <a:ea typeface="Cambria Math" panose="02040503050406030204" pitchFamily="18" charset="0"/>
+                <a:cs typeface="Arial" panose="020B0604020202020204" pitchFamily="34" charset="0"/>
+              </a:rPr>
+              <a:t>kNN</a:t>
+            </a:r>
+            <a:r>
+              <a:rPr lang="en-US" sz="3600" dirty="0">
+                <a:latin typeface="Arial" panose="020B0604020202020204" pitchFamily="34" charset="0"/>
+                <a:ea typeface="Cambria Math" panose="02040503050406030204" pitchFamily="18" charset="0"/>
+                <a:cs typeface="Arial" panose="020B0604020202020204" pitchFamily="34" charset="0"/>
+              </a:rPr>
+              <a:t>, SVM, C4.5, Naive Bayes, </a:t>
+            </a:r>
+            <a:r>
+              <a:rPr lang="en-US" sz="3600" dirty="0" smtClean="0">
+                <a:latin typeface="Arial" panose="020B0604020202020204" pitchFamily="34" charset="0"/>
+                <a:ea typeface="Cambria Math" panose="02040503050406030204" pitchFamily="18" charset="0"/>
+                <a:cs typeface="Arial" panose="020B0604020202020204" pitchFamily="34" charset="0"/>
+              </a:rPr>
+              <a:t>ANN</a:t>
+            </a:r>
+            <a:r>
+              <a:rPr lang="ru-RU" sz="3600" dirty="0" smtClean="0">
+                <a:latin typeface="Arial" panose="020B0604020202020204" pitchFamily="34" charset="0"/>
+                <a:ea typeface="Cambria Math" panose="02040503050406030204" pitchFamily="18" charset="0"/>
+                <a:cs typeface="Arial" panose="020B0604020202020204" pitchFamily="34" charset="0"/>
+              </a:rPr>
+              <a:t>.</a:t>
+            </a:r>
+          </a:p>
+          <a:p>
+            <a:pPr algn="just"/>
+            <a:r>
+              <a:rPr lang="ru-RU" sz="3600" dirty="0" smtClean="0">
+                <a:latin typeface="Arial" panose="020B0604020202020204" pitchFamily="34" charset="0"/>
+                <a:ea typeface="Cambria Math" panose="02040503050406030204" pitchFamily="18" charset="0"/>
+                <a:cs typeface="Arial" panose="020B0604020202020204" pitchFamily="34" charset="0"/>
+              </a:rPr>
+              <a:t>Множество исходных признаков.</a:t>
+            </a:r>
+          </a:p>
+          <a:p>
+            <a:pPr algn="just"/>
+            <a:r>
+              <a:rPr lang="ru-RU" sz="3600" dirty="0" smtClean="0">
+                <a:latin typeface="Arial" panose="020B0604020202020204" pitchFamily="34" charset="0"/>
+                <a:ea typeface="Cambria Math" panose="02040503050406030204" pitchFamily="18" charset="0"/>
+                <a:cs typeface="Arial" panose="020B0604020202020204" pitchFamily="34" charset="0"/>
+              </a:rPr>
+              <a:t>Максимальная ошибка классификации = 0.1.</a:t>
+            </a:r>
+            <a:endParaRPr lang="en-US" sz="3600" dirty="0">
               <a:latin typeface="Arial" panose="020B0604020202020204" pitchFamily="34" charset="0"/>
+              <a:ea typeface="Cambria Math" panose="02040503050406030204" pitchFamily="18" charset="0"/>
               <a:cs typeface="Arial" panose="020B0604020202020204" pitchFamily="34" charset="0"/>
             </a:endParaRPr>
           </a:p>
-        </p:txBody>
-      </p:sp>
-      <p:sp>
-        <p:nvSpPr>
-          <p:cNvPr id="14" name="Прямоугольник 13"/>
-          <p:cNvSpPr/>
-          <p:nvPr/>
-        </p:nvSpPr>
-        <p:spPr>
-          <a:xfrm>
-            <a:off x="1239724" y="1556792"/>
-            <a:ext cx="6647227" cy="1080120"/>
-          </a:xfrm>
-          <a:prstGeom prst="rect">
-            <a:avLst/>
-          </a:prstGeom>
-          <a:noFill/>
-        </p:spPr>
-        <p:style>
-          <a:lnRef idx="2">
-            <a:schemeClr val="accent1">
-              <a:shade val="50000"/>
-            </a:schemeClr>
-          </a:lnRef>
-          <a:fillRef idx="1">
-            <a:schemeClr val="accent1"/>
-          </a:fillRef>
-          <a:effectRef idx="0">
-            <a:schemeClr val="accent1"/>
-          </a:effectRef>
-          <a:fontRef idx="minor">
-            <a:schemeClr val="lt1"/>
-          </a:fontRef>
-        </p:style>
-        <p:txBody>
-          <a:bodyPr rtlCol="0" anchor="ctr"/>
-          <a:lstStyle/>
-          <a:p>
-            <a:pPr algn="ctr"/>
-            <a:r>
-              <a:rPr lang="ru-RU" sz="2800" dirty="0" smtClean="0">
-                <a:solidFill>
-                  <a:schemeClr val="tx1"/>
-                </a:solidFill>
-                <a:latin typeface="Arial" panose="020B0604020202020204" pitchFamily="34" charset="0"/>
-                <a:cs typeface="Arial" panose="020B0604020202020204" pitchFamily="34" charset="0"/>
-              </a:rPr>
-              <a:t>Отбор родителей на основе значений приспособленности</a:t>
-            </a:r>
+          <a:p>
             <a:endParaRPr lang="ru-RU" sz="2800" dirty="0">
-              <a:solidFill>
-                <a:schemeClr val="tx1"/>
-              </a:solidFill>
-              <a:latin typeface="Arial" panose="020B0604020202020204" pitchFamily="34" charset="0"/>
-              <a:cs typeface="Arial" panose="020B0604020202020204" pitchFamily="34" charset="0"/>
-            </a:endParaRPr>
-          </a:p>
-        </p:txBody>
-      </p:sp>
-      <p:sp>
-        <p:nvSpPr>
-          <p:cNvPr id="15" name="Прямоугольник 14"/>
-          <p:cNvSpPr/>
-          <p:nvPr/>
-        </p:nvSpPr>
-        <p:spPr>
-          <a:xfrm>
-            <a:off x="1239724" y="2852936"/>
-            <a:ext cx="6647228" cy="864096"/>
-          </a:xfrm>
-          <a:prstGeom prst="rect">
-            <a:avLst/>
-          </a:prstGeom>
-          <a:noFill/>
-        </p:spPr>
-        <p:style>
-          <a:lnRef idx="2">
-            <a:schemeClr val="accent1">
-              <a:shade val="50000"/>
-            </a:schemeClr>
-          </a:lnRef>
-          <a:fillRef idx="1">
-            <a:schemeClr val="accent1"/>
-          </a:fillRef>
-          <a:effectRef idx="0">
-            <a:schemeClr val="accent1"/>
-          </a:effectRef>
-          <a:fontRef idx="minor">
-            <a:schemeClr val="lt1"/>
-          </a:fontRef>
-        </p:style>
-        <p:txBody>
-          <a:bodyPr rtlCol="0" anchor="ctr"/>
-          <a:lstStyle/>
-          <a:p>
-            <a:pPr algn="ctr"/>
-            <a:r>
-              <a:rPr lang="ru-RU" sz="2800" dirty="0" smtClean="0">
-                <a:solidFill>
-                  <a:schemeClr val="tx1"/>
-                </a:solidFill>
-                <a:latin typeface="Arial" panose="020B0604020202020204" pitchFamily="34" charset="0"/>
-                <a:cs typeface="Arial" panose="020B0604020202020204" pitchFamily="34" charset="0"/>
-              </a:rPr>
-              <a:t>Создание потомков выбранных родителей</a:t>
-            </a:r>
-            <a:endParaRPr lang="ru-RU" sz="2800" dirty="0">
-              <a:solidFill>
-                <a:schemeClr val="tx1"/>
-              </a:solidFill>
-              <a:latin typeface="Arial" panose="020B0604020202020204" pitchFamily="34" charset="0"/>
-              <a:cs typeface="Arial" panose="020B0604020202020204" pitchFamily="34" charset="0"/>
-            </a:endParaRPr>
-          </a:p>
-        </p:txBody>
-      </p:sp>
-      <p:sp>
-        <p:nvSpPr>
-          <p:cNvPr id="16" name="Прямоугольник 15"/>
-          <p:cNvSpPr/>
-          <p:nvPr/>
-        </p:nvSpPr>
-        <p:spPr>
-          <a:xfrm>
-            <a:off x="1239724" y="3933056"/>
-            <a:ext cx="6647225" cy="720080"/>
-          </a:xfrm>
-          <a:prstGeom prst="rect">
-            <a:avLst/>
-          </a:prstGeom>
-          <a:noFill/>
-        </p:spPr>
-        <p:style>
-          <a:lnRef idx="2">
-            <a:schemeClr val="accent1">
-              <a:shade val="50000"/>
-            </a:schemeClr>
-          </a:lnRef>
-          <a:fillRef idx="1">
-            <a:schemeClr val="accent1"/>
-          </a:fillRef>
-          <a:effectRef idx="0">
-            <a:schemeClr val="accent1"/>
-          </a:effectRef>
-          <a:fontRef idx="minor">
-            <a:schemeClr val="lt1"/>
-          </a:fontRef>
-        </p:style>
-        <p:txBody>
-          <a:bodyPr rtlCol="0" anchor="ctr"/>
-          <a:lstStyle/>
-          <a:p>
-            <a:pPr algn="ctr"/>
-            <a:r>
-              <a:rPr lang="ru-RU" sz="2800" dirty="0" smtClean="0">
-                <a:solidFill>
-                  <a:schemeClr val="tx1"/>
-                </a:solidFill>
-                <a:latin typeface="Arial" panose="020B0604020202020204" pitchFamily="34" charset="0"/>
-                <a:cs typeface="Arial" panose="020B0604020202020204" pitchFamily="34" charset="0"/>
-              </a:rPr>
-              <a:t>Мутация особей</a:t>
-            </a:r>
-            <a:endParaRPr lang="ru-RU" sz="2800" dirty="0">
-              <a:solidFill>
-                <a:schemeClr val="tx1"/>
-              </a:solidFill>
-              <a:latin typeface="Arial" panose="020B0604020202020204" pitchFamily="34" charset="0"/>
-              <a:cs typeface="Arial" panose="020B0604020202020204" pitchFamily="34" charset="0"/>
-            </a:endParaRPr>
-          </a:p>
-        </p:txBody>
-      </p:sp>
-      <p:sp>
-        <p:nvSpPr>
-          <p:cNvPr id="27" name="Выгнутая влево стрелка 26"/>
-          <p:cNvSpPr/>
-          <p:nvPr/>
-        </p:nvSpPr>
-        <p:spPr>
-          <a:xfrm>
-            <a:off x="614144" y="728700"/>
-            <a:ext cx="625580" cy="1368152"/>
-          </a:xfrm>
-          <a:prstGeom prst="curvedRightArrow">
-            <a:avLst/>
-          </a:prstGeom>
-        </p:spPr>
-        <p:style>
-          <a:lnRef idx="2">
-            <a:schemeClr val="accent1">
-              <a:shade val="50000"/>
-            </a:schemeClr>
-          </a:lnRef>
-          <a:fillRef idx="1">
-            <a:schemeClr val="accent1"/>
-          </a:fillRef>
-          <a:effectRef idx="0">
-            <a:schemeClr val="accent1"/>
-          </a:effectRef>
-          <a:fontRef idx="minor">
-            <a:schemeClr val="lt1"/>
-          </a:fontRef>
-        </p:style>
-        <p:txBody>
-          <a:bodyPr rtlCol="0" anchor="ctr"/>
-          <a:lstStyle/>
-          <a:p>
-            <a:pPr algn="ctr"/>
-            <a:endParaRPr lang="ru-RU" dirty="0">
-              <a:solidFill>
-                <a:schemeClr val="tx1"/>
-              </a:solidFill>
-              <a:latin typeface="Arial" panose="020B0604020202020204" pitchFamily="34" charset="0"/>
-              <a:cs typeface="Arial" panose="020B0604020202020204" pitchFamily="34" charset="0"/>
-            </a:endParaRPr>
-          </a:p>
-        </p:txBody>
-      </p:sp>
-      <p:sp>
-        <p:nvSpPr>
-          <p:cNvPr id="28" name="Выгнутая влево стрелка 27"/>
-          <p:cNvSpPr/>
-          <p:nvPr/>
-        </p:nvSpPr>
-        <p:spPr>
-          <a:xfrm>
-            <a:off x="611560" y="4293096"/>
-            <a:ext cx="625580" cy="1188132"/>
-          </a:xfrm>
-          <a:prstGeom prst="curvedRightArrow">
-            <a:avLst/>
-          </a:prstGeom>
-        </p:spPr>
-        <p:style>
-          <a:lnRef idx="2">
-            <a:schemeClr val="accent1">
-              <a:shade val="50000"/>
-            </a:schemeClr>
-          </a:lnRef>
-          <a:fillRef idx="1">
-            <a:schemeClr val="accent1"/>
-          </a:fillRef>
-          <a:effectRef idx="0">
-            <a:schemeClr val="accent1"/>
-          </a:effectRef>
-          <a:fontRef idx="minor">
-            <a:schemeClr val="lt1"/>
-          </a:fontRef>
-        </p:style>
-        <p:txBody>
-          <a:bodyPr rtlCol="0" anchor="ctr"/>
-          <a:lstStyle/>
-          <a:p>
-            <a:pPr algn="ctr"/>
-            <a:endParaRPr lang="ru-RU" dirty="0">
-              <a:solidFill>
-                <a:schemeClr val="tx1"/>
-              </a:solidFill>
-              <a:latin typeface="Arial" panose="020B0604020202020204" pitchFamily="34" charset="0"/>
-              <a:cs typeface="Arial" panose="020B0604020202020204" pitchFamily="34" charset="0"/>
-            </a:endParaRPr>
-          </a:p>
-        </p:txBody>
-      </p:sp>
-      <p:sp>
-        <p:nvSpPr>
-          <p:cNvPr id="29" name="Выгнутая влево стрелка 28"/>
-          <p:cNvSpPr/>
-          <p:nvPr/>
-        </p:nvSpPr>
-        <p:spPr>
-          <a:xfrm>
-            <a:off x="611560" y="2096852"/>
-            <a:ext cx="625580" cy="1188132"/>
-          </a:xfrm>
-          <a:prstGeom prst="curvedRightArrow">
-            <a:avLst/>
-          </a:prstGeom>
-        </p:spPr>
-        <p:style>
-          <a:lnRef idx="2">
-            <a:schemeClr val="accent1">
-              <a:shade val="50000"/>
-            </a:schemeClr>
-          </a:lnRef>
-          <a:fillRef idx="1">
-            <a:schemeClr val="accent1"/>
-          </a:fillRef>
-          <a:effectRef idx="0">
-            <a:schemeClr val="accent1"/>
-          </a:effectRef>
-          <a:fontRef idx="minor">
-            <a:schemeClr val="lt1"/>
-          </a:fontRef>
-        </p:style>
-        <p:txBody>
-          <a:bodyPr rtlCol="0" anchor="ctr"/>
-          <a:lstStyle/>
-          <a:p>
-            <a:pPr algn="ctr"/>
-            <a:endParaRPr lang="ru-RU" dirty="0">
-              <a:solidFill>
-                <a:schemeClr val="tx1"/>
-              </a:solidFill>
-              <a:latin typeface="Arial" panose="020B0604020202020204" pitchFamily="34" charset="0"/>
-              <a:cs typeface="Arial" panose="020B0604020202020204" pitchFamily="34" charset="0"/>
-            </a:endParaRPr>
-          </a:p>
-        </p:txBody>
-      </p:sp>
-      <p:sp>
-        <p:nvSpPr>
-          <p:cNvPr id="30" name="Выгнутая влево стрелка 29"/>
-          <p:cNvSpPr/>
-          <p:nvPr/>
-        </p:nvSpPr>
-        <p:spPr>
-          <a:xfrm rot="10800000">
-            <a:off x="7884364" y="1916832"/>
-            <a:ext cx="1080123" cy="3672408"/>
-          </a:xfrm>
-          <a:prstGeom prst="curvedRightArrow">
-            <a:avLst>
-              <a:gd name="adj1" fmla="val 14307"/>
-              <a:gd name="adj2" fmla="val 29258"/>
-              <a:gd name="adj3" fmla="val 25000"/>
-            </a:avLst>
-          </a:prstGeom>
-        </p:spPr>
-        <p:style>
-          <a:lnRef idx="2">
-            <a:schemeClr val="accent1">
-              <a:shade val="50000"/>
-            </a:schemeClr>
-          </a:lnRef>
-          <a:fillRef idx="1">
-            <a:schemeClr val="accent1"/>
-          </a:fillRef>
-          <a:effectRef idx="0">
-            <a:schemeClr val="accent1"/>
-          </a:effectRef>
-          <a:fontRef idx="minor">
-            <a:schemeClr val="lt1"/>
-          </a:fontRef>
-        </p:style>
-        <p:txBody>
-          <a:bodyPr rtlCol="0" anchor="ctr"/>
-          <a:lstStyle/>
-          <a:p>
-            <a:pPr algn="ctr"/>
-            <a:endParaRPr lang="ru-RU" dirty="0">
-              <a:solidFill>
-                <a:schemeClr val="tx1"/>
-              </a:solidFill>
-              <a:latin typeface="Arial" panose="020B0604020202020204" pitchFamily="34" charset="0"/>
-              <a:cs typeface="Arial" panose="020B0604020202020204" pitchFamily="34" charset="0"/>
-            </a:endParaRPr>
-          </a:p>
-        </p:txBody>
-      </p:sp>
-      <p:sp>
-        <p:nvSpPr>
-          <p:cNvPr id="31" name="Ромб 30"/>
-          <p:cNvSpPr/>
-          <p:nvPr/>
-        </p:nvSpPr>
-        <p:spPr>
-          <a:xfrm>
-            <a:off x="1262215" y="4941168"/>
-            <a:ext cx="6624733" cy="1080120"/>
-          </a:xfrm>
-          <a:prstGeom prst="diamond">
-            <a:avLst/>
-          </a:prstGeom>
-          <a:noFill/>
-        </p:spPr>
-        <p:style>
-          <a:lnRef idx="2">
-            <a:schemeClr val="accent1">
-              <a:shade val="50000"/>
-            </a:schemeClr>
-          </a:lnRef>
-          <a:fillRef idx="1">
-            <a:schemeClr val="accent1"/>
-          </a:fillRef>
-          <a:effectRef idx="0">
-            <a:schemeClr val="accent1"/>
-          </a:effectRef>
-          <a:fontRef idx="minor">
-            <a:schemeClr val="lt1"/>
-          </a:fontRef>
-        </p:style>
-        <p:txBody>
-          <a:bodyPr rtlCol="0" anchor="ctr"/>
-          <a:lstStyle/>
-          <a:p>
-            <a:pPr algn="ctr"/>
-            <a:r>
-              <a:rPr lang="ru-RU" sz="2800" dirty="0" smtClean="0">
-                <a:solidFill>
-                  <a:schemeClr val="tx1"/>
-                </a:solidFill>
-                <a:latin typeface="Arial" panose="020B0604020202020204" pitchFamily="34" charset="0"/>
-                <a:cs typeface="Arial" panose="020B0604020202020204" pitchFamily="34" charset="0"/>
-              </a:rPr>
-              <a:t>Решение найдено?</a:t>
-            </a:r>
-            <a:endParaRPr lang="ru-RU" sz="2800" dirty="0">
-              <a:solidFill>
-                <a:schemeClr val="tx1"/>
-              </a:solidFill>
-              <a:latin typeface="Arial" panose="020B0604020202020204" pitchFamily="34" charset="0"/>
-              <a:cs typeface="Arial" panose="020B0604020202020204" pitchFamily="34" charset="0"/>
-            </a:endParaRPr>
-          </a:p>
-        </p:txBody>
-      </p:sp>
-      <p:sp>
-        <p:nvSpPr>
-          <p:cNvPr id="33" name="TextBox 32"/>
-          <p:cNvSpPr txBox="1"/>
-          <p:nvPr/>
-        </p:nvSpPr>
-        <p:spPr>
-          <a:xfrm>
-            <a:off x="7380312" y="4869160"/>
-            <a:ext cx="847463" cy="523220"/>
-          </a:xfrm>
-          <a:prstGeom prst="rect">
-            <a:avLst/>
-          </a:prstGeom>
-          <a:noFill/>
-        </p:spPr>
-        <p:txBody>
-          <a:bodyPr wrap="square" rtlCol="0">
-            <a:spAutoFit/>
-          </a:bodyPr>
-          <a:lstStyle/>
-          <a:p>
-            <a:r>
-              <a:rPr lang="ru-RU" sz="2800" dirty="0" smtClean="0">
-                <a:latin typeface="Arial" panose="020B0604020202020204" pitchFamily="34" charset="0"/>
-                <a:cs typeface="Arial" panose="020B0604020202020204" pitchFamily="34" charset="0"/>
-              </a:rPr>
-              <a:t>нет</a:t>
-            </a:r>
-            <a:endParaRPr lang="ru-RU" sz="2800" dirty="0">
-              <a:latin typeface="Arial" panose="020B0604020202020204" pitchFamily="34" charset="0"/>
-              <a:cs typeface="Arial" panose="020B0604020202020204" pitchFamily="34" charset="0"/>
-            </a:endParaRPr>
-          </a:p>
-        </p:txBody>
-      </p:sp>
-      <p:sp>
-        <p:nvSpPr>
-          <p:cNvPr id="34" name="Блок-схема: знак завершения 33"/>
-          <p:cNvSpPr/>
-          <p:nvPr/>
-        </p:nvSpPr>
-        <p:spPr>
-          <a:xfrm>
-            <a:off x="1262216" y="6192688"/>
-            <a:ext cx="6622149" cy="620688"/>
-          </a:xfrm>
-          <a:prstGeom prst="flowChartTerminator">
-            <a:avLst/>
-          </a:prstGeom>
-          <a:noFill/>
-        </p:spPr>
-        <p:style>
-          <a:lnRef idx="2">
-            <a:schemeClr val="accent1">
-              <a:shade val="50000"/>
-            </a:schemeClr>
-          </a:lnRef>
-          <a:fillRef idx="1">
-            <a:schemeClr val="accent1"/>
-          </a:fillRef>
-          <a:effectRef idx="0">
-            <a:schemeClr val="accent1"/>
-          </a:effectRef>
-          <a:fontRef idx="minor">
-            <a:schemeClr val="lt1"/>
-          </a:fontRef>
-        </p:style>
-        <p:txBody>
-          <a:bodyPr rtlCol="0" anchor="ctr"/>
-          <a:lstStyle/>
-          <a:p>
-            <a:pPr algn="ctr"/>
-            <a:r>
-              <a:rPr lang="ru-RU" sz="2800" dirty="0" smtClean="0">
-                <a:solidFill>
-                  <a:schemeClr val="tx1"/>
-                </a:solidFill>
-                <a:latin typeface="Arial" panose="020B0604020202020204" pitchFamily="34" charset="0"/>
-                <a:cs typeface="Arial" panose="020B0604020202020204" pitchFamily="34" charset="0"/>
-              </a:rPr>
-              <a:t>Выход</a:t>
-            </a:r>
-            <a:endParaRPr lang="ru-RU" sz="2800" dirty="0">
-              <a:solidFill>
-                <a:schemeClr val="tx1"/>
-              </a:solidFill>
-              <a:latin typeface="Arial" panose="020B0604020202020204" pitchFamily="34" charset="0"/>
-              <a:cs typeface="Arial" panose="020B0604020202020204" pitchFamily="34" charset="0"/>
-            </a:endParaRPr>
-          </a:p>
-        </p:txBody>
-      </p:sp>
-      <p:sp>
-        <p:nvSpPr>
-          <p:cNvPr id="36" name="Выгнутая влево стрелка 35"/>
-          <p:cNvSpPr/>
-          <p:nvPr/>
-        </p:nvSpPr>
-        <p:spPr>
-          <a:xfrm>
-            <a:off x="614144" y="5442058"/>
-            <a:ext cx="648072" cy="1155294"/>
-          </a:xfrm>
-          <a:prstGeom prst="curvedRightArrow">
-            <a:avLst/>
-          </a:prstGeom>
-        </p:spPr>
-        <p:style>
-          <a:lnRef idx="2">
-            <a:schemeClr val="accent1">
-              <a:shade val="50000"/>
-            </a:schemeClr>
-          </a:lnRef>
-          <a:fillRef idx="1">
-            <a:schemeClr val="accent1"/>
-          </a:fillRef>
-          <a:effectRef idx="0">
-            <a:schemeClr val="accent1"/>
-          </a:effectRef>
-          <a:fontRef idx="minor">
-            <a:schemeClr val="lt1"/>
-          </a:fontRef>
-        </p:style>
-        <p:txBody>
-          <a:bodyPr rtlCol="0" anchor="ctr"/>
-          <a:lstStyle/>
-          <a:p>
-            <a:pPr algn="ctr"/>
-            <a:endParaRPr lang="ru-RU" dirty="0">
-              <a:solidFill>
-                <a:schemeClr val="tx1"/>
-              </a:solidFill>
-              <a:latin typeface="Arial" panose="020B0604020202020204" pitchFamily="34" charset="0"/>
-              <a:cs typeface="Arial" panose="020B0604020202020204" pitchFamily="34" charset="0"/>
-            </a:endParaRPr>
-          </a:p>
-        </p:txBody>
-      </p:sp>
-      <p:sp>
-        <p:nvSpPr>
-          <p:cNvPr id="37" name="Выгнутая влево стрелка 36"/>
-          <p:cNvSpPr/>
-          <p:nvPr/>
-        </p:nvSpPr>
-        <p:spPr>
-          <a:xfrm>
-            <a:off x="611560" y="3356992"/>
-            <a:ext cx="625580" cy="936104"/>
-          </a:xfrm>
-          <a:prstGeom prst="curvedRightArrow">
-            <a:avLst/>
-          </a:prstGeom>
-        </p:spPr>
-        <p:style>
-          <a:lnRef idx="2">
-            <a:schemeClr val="accent1">
-              <a:shade val="50000"/>
-            </a:schemeClr>
-          </a:lnRef>
-          <a:fillRef idx="1">
-            <a:schemeClr val="accent1"/>
-          </a:fillRef>
-          <a:effectRef idx="0">
-            <a:schemeClr val="accent1"/>
-          </a:effectRef>
-          <a:fontRef idx="minor">
-            <a:schemeClr val="lt1"/>
-          </a:fontRef>
-        </p:style>
-        <p:txBody>
-          <a:bodyPr rtlCol="0" anchor="ctr"/>
-          <a:lstStyle/>
-          <a:p>
-            <a:pPr algn="ctr"/>
-            <a:endParaRPr lang="ru-RU" dirty="0">
-              <a:solidFill>
-                <a:schemeClr val="tx1"/>
-              </a:solidFill>
-              <a:latin typeface="Arial" panose="020B0604020202020204" pitchFamily="34" charset="0"/>
-              <a:cs typeface="Arial" panose="020B0604020202020204" pitchFamily="34" charset="0"/>
-            </a:endParaRPr>
-          </a:p>
-        </p:txBody>
-      </p:sp>
-      <p:sp>
-        <p:nvSpPr>
-          <p:cNvPr id="38" name="TextBox 37"/>
-          <p:cNvSpPr txBox="1"/>
-          <p:nvPr/>
-        </p:nvSpPr>
-        <p:spPr>
-          <a:xfrm flipH="1">
-            <a:off x="1259632" y="4849996"/>
-            <a:ext cx="720079" cy="523220"/>
-          </a:xfrm>
-          <a:prstGeom prst="rect">
-            <a:avLst/>
-          </a:prstGeom>
-          <a:noFill/>
-        </p:spPr>
-        <p:txBody>
-          <a:bodyPr wrap="square" rtlCol="0">
-            <a:spAutoFit/>
-          </a:bodyPr>
-          <a:lstStyle/>
-          <a:p>
-            <a:r>
-              <a:rPr lang="ru-RU" sz="2800" dirty="0" smtClean="0">
-                <a:latin typeface="Arial" panose="020B0604020202020204" pitchFamily="34" charset="0"/>
-                <a:cs typeface="Arial" panose="020B0604020202020204" pitchFamily="34" charset="0"/>
-              </a:rPr>
-              <a:t>да</a:t>
-            </a:r>
-            <a:endParaRPr lang="ru-RU" sz="2800" dirty="0">
-              <a:latin typeface="Arial" panose="020B0604020202020204" pitchFamily="34" charset="0"/>
-              <a:cs typeface="Arial" panose="020B0604020202020204" pitchFamily="34" charset="0"/>
-            </a:endParaRPr>
-          </a:p>
-        </p:txBody>
-      </p:sp>
-      <p:sp>
-        <p:nvSpPr>
-          <p:cNvPr id="2" name="TextBox 1"/>
-          <p:cNvSpPr txBox="1"/>
-          <p:nvPr/>
-        </p:nvSpPr>
-        <p:spPr>
-          <a:xfrm>
-            <a:off x="2051720" y="-27384"/>
-            <a:ext cx="5112568" cy="461665"/>
-          </a:xfrm>
-          <a:prstGeom prst="rect">
-            <a:avLst/>
-          </a:prstGeom>
-          <a:noFill/>
-        </p:spPr>
-        <p:txBody>
-          <a:bodyPr wrap="square" rtlCol="0">
-            <a:spAutoFit/>
-          </a:bodyPr>
-          <a:lstStyle/>
-          <a:p>
-            <a:pPr algn="ctr"/>
-            <a:r>
-              <a:rPr lang="ru-RU" sz="2400" b="1" dirty="0" smtClean="0">
-                <a:solidFill>
-                  <a:schemeClr val="bg1"/>
-                </a:solidFill>
-                <a:latin typeface="Arial" panose="020B0604020202020204" pitchFamily="34" charset="0"/>
-                <a:cs typeface="Arial" panose="020B0604020202020204" pitchFamily="34" charset="0"/>
-              </a:rPr>
-              <a:t>Генетический алгоритм</a:t>
-            </a:r>
-            <a:endParaRPr lang="ru-RU" sz="2400" b="1" dirty="0">
-              <a:solidFill>
-                <a:schemeClr val="bg1"/>
-              </a:solidFill>
-              <a:latin typeface="Arial" panose="020B0604020202020204" pitchFamily="34" charset="0"/>
-              <a:cs typeface="Arial" panose="020B0604020202020204" pitchFamily="34" charset="0"/>
+              <a:latin typeface="Cambria Math" panose="02040503050406030204" pitchFamily="18" charset="0"/>
+              <a:ea typeface="Cambria Math" panose="02040503050406030204" pitchFamily="18" charset="0"/>
             </a:endParaRPr>
           </a:p>
         </p:txBody>
@@ -9086,7 +8719,7 @@
     </p:spTree>
     <p:extLst>
       <p:ext uri="{BB962C8B-B14F-4D97-AF65-F5344CB8AC3E}">
-        <p14:creationId xmlns:p14="http://schemas.microsoft.com/office/powerpoint/2010/main" val="3203943609"/>
+        <p14:creationId xmlns:p14="http://schemas.microsoft.com/office/powerpoint/2010/main" val="65462477"/>
       </p:ext>
     </p:extLst>
   </p:cSld>
@@ -9132,8 +8765,8 @@
         </p:nvSpPr>
         <p:spPr>
           <a:xfrm>
-            <a:off x="1259632" y="-187424"/>
-            <a:ext cx="6781800" cy="1600200"/>
+            <a:off x="764028" y="4463"/>
+            <a:ext cx="7541772" cy="1600200"/>
           </a:xfrm>
         </p:spPr>
         <p:txBody>
@@ -9142,907 +8775,461 @@
           <a:p>
             <a:pPr algn="ctr"/>
             <a:r>
-              <a:rPr lang="ru-RU" sz="4400" dirty="0" smtClean="0"/>
-              <a:t>Скрещивание</a:t>
-            </a:r>
-            <a:endParaRPr lang="ru-RU" sz="4400" dirty="0"/>
-          </a:p>
-        </p:txBody>
-      </p:sp>
-      <p:sp>
-        <p:nvSpPr>
-          <p:cNvPr id="4" name="Овал 3"/>
-          <p:cNvSpPr/>
-          <p:nvPr/>
-        </p:nvSpPr>
-        <p:spPr>
-          <a:xfrm>
-            <a:off x="1475656" y="2890046"/>
-            <a:ext cx="1512168" cy="1152128"/>
-          </a:xfrm>
-          <a:prstGeom prst="ellipse">
-            <a:avLst/>
-          </a:prstGeom>
-        </p:spPr>
-        <p:style>
-          <a:lnRef idx="2">
-            <a:schemeClr val="accent1">
-              <a:shade val="50000"/>
-            </a:schemeClr>
-          </a:lnRef>
-          <a:fillRef idx="1">
-            <a:schemeClr val="accent1"/>
-          </a:fillRef>
-          <a:effectRef idx="0">
-            <a:schemeClr val="accent1"/>
-          </a:effectRef>
-          <a:fontRef idx="minor">
-            <a:schemeClr val="lt1"/>
-          </a:fontRef>
-        </p:style>
-        <p:txBody>
-          <a:bodyPr rtlCol="0" anchor="ctr"/>
-          <a:lstStyle/>
-          <a:p>
-            <a:pPr algn="ctr"/>
-            <a:r>
-              <a:rPr lang="ru-RU" sz="3200" dirty="0" smtClean="0"/>
-              <a:t>+</a:t>
-            </a:r>
-            <a:endParaRPr lang="ru-RU" sz="3200" dirty="0"/>
-          </a:p>
-        </p:txBody>
-      </p:sp>
-      <p:sp>
-        <p:nvSpPr>
-          <p:cNvPr id="5" name="Овал 4"/>
-          <p:cNvSpPr/>
-          <p:nvPr/>
-        </p:nvSpPr>
-        <p:spPr>
-          <a:xfrm>
-            <a:off x="323528" y="4005064"/>
-            <a:ext cx="1512168" cy="1152128"/>
-          </a:xfrm>
-          <a:prstGeom prst="ellipse">
-            <a:avLst/>
-          </a:prstGeom>
-        </p:spPr>
-        <p:style>
-          <a:lnRef idx="2">
-            <a:schemeClr val="accent1">
-              <a:shade val="50000"/>
-            </a:schemeClr>
-          </a:lnRef>
-          <a:fillRef idx="1">
-            <a:schemeClr val="accent1"/>
-          </a:fillRef>
-          <a:effectRef idx="0">
-            <a:schemeClr val="accent1"/>
-          </a:effectRef>
-          <a:fontRef idx="minor">
-            <a:schemeClr val="lt1"/>
-          </a:fontRef>
-        </p:style>
-        <p:txBody>
-          <a:bodyPr rtlCol="0" anchor="ctr"/>
-          <a:lstStyle/>
-          <a:p>
-            <a:pPr algn="ctr"/>
-            <a:r>
-              <a:rPr lang="en-US" sz="3200" dirty="0" smtClean="0"/>
-              <a:t>sin</a:t>
-            </a:r>
-            <a:endParaRPr lang="ru-RU" sz="3200" dirty="0"/>
-          </a:p>
-        </p:txBody>
-      </p:sp>
-      <p:sp>
-        <p:nvSpPr>
-          <p:cNvPr id="6" name="Овал 5"/>
-          <p:cNvSpPr/>
-          <p:nvPr/>
-        </p:nvSpPr>
-        <p:spPr>
-          <a:xfrm>
-            <a:off x="2934403" y="3861048"/>
-            <a:ext cx="1512168" cy="1152128"/>
-          </a:xfrm>
-          <a:prstGeom prst="ellipse">
-            <a:avLst/>
-          </a:prstGeom>
-        </p:spPr>
-        <p:style>
-          <a:lnRef idx="2">
-            <a:schemeClr val="accent1">
-              <a:shade val="50000"/>
-            </a:schemeClr>
-          </a:lnRef>
-          <a:fillRef idx="1">
-            <a:schemeClr val="accent1"/>
-          </a:fillRef>
-          <a:effectRef idx="0">
-            <a:schemeClr val="accent1"/>
-          </a:effectRef>
-          <a:fontRef idx="minor">
-            <a:schemeClr val="lt1"/>
-          </a:fontRef>
-        </p:style>
-        <p:txBody>
-          <a:bodyPr rtlCol="0" anchor="ctr"/>
-          <a:lstStyle/>
-          <a:p>
-            <a:pPr algn="ctr"/>
-            <a:r>
-              <a:rPr lang="en-US" sz="3200" dirty="0" smtClean="0"/>
-              <a:t>abs</a:t>
-            </a:r>
-            <a:endParaRPr lang="ru-RU" sz="3200" dirty="0"/>
-          </a:p>
-        </p:txBody>
-      </p:sp>
-      <p:sp>
-        <p:nvSpPr>
-          <p:cNvPr id="7" name="Овал 6"/>
-          <p:cNvSpPr/>
-          <p:nvPr/>
-        </p:nvSpPr>
-        <p:spPr>
-          <a:xfrm>
-            <a:off x="323528" y="5373216"/>
-            <a:ext cx="1512168" cy="1152128"/>
-          </a:xfrm>
-          <a:prstGeom prst="ellipse">
-            <a:avLst/>
-          </a:prstGeom>
-        </p:spPr>
-        <p:style>
-          <a:lnRef idx="2">
-            <a:schemeClr val="accent1">
-              <a:shade val="50000"/>
-            </a:schemeClr>
-          </a:lnRef>
-          <a:fillRef idx="1">
-            <a:schemeClr val="accent1"/>
-          </a:fillRef>
-          <a:effectRef idx="0">
-            <a:schemeClr val="accent1"/>
-          </a:effectRef>
-          <a:fontRef idx="minor">
-            <a:schemeClr val="lt1"/>
-          </a:fontRef>
-        </p:style>
-        <p:txBody>
-          <a:bodyPr rtlCol="0" anchor="ctr"/>
-          <a:lstStyle/>
-          <a:p>
-            <a:pPr algn="ctr"/>
-            <a:r>
-              <a:rPr lang="en-US" sz="3200" dirty="0" smtClean="0"/>
-              <a:t>x</a:t>
-            </a:r>
-            <a:endParaRPr lang="ru-RU" sz="3200" dirty="0"/>
-          </a:p>
-        </p:txBody>
-      </p:sp>
-      <p:sp>
-        <p:nvSpPr>
-          <p:cNvPr id="8" name="Овал 7"/>
-          <p:cNvSpPr/>
-          <p:nvPr/>
-        </p:nvSpPr>
-        <p:spPr>
-          <a:xfrm>
-            <a:off x="2915816" y="5301208"/>
-            <a:ext cx="1512168" cy="1152128"/>
-          </a:xfrm>
-          <a:prstGeom prst="ellipse">
-            <a:avLst/>
-          </a:prstGeom>
-        </p:spPr>
-        <p:style>
-          <a:lnRef idx="2">
-            <a:schemeClr val="accent1">
-              <a:shade val="50000"/>
-            </a:schemeClr>
-          </a:lnRef>
-          <a:fillRef idx="1">
-            <a:schemeClr val="accent1"/>
-          </a:fillRef>
-          <a:effectRef idx="0">
-            <a:schemeClr val="accent1"/>
-          </a:effectRef>
-          <a:fontRef idx="minor">
-            <a:schemeClr val="lt1"/>
-          </a:fontRef>
-        </p:style>
-        <p:txBody>
-          <a:bodyPr rtlCol="0" anchor="ctr"/>
-          <a:lstStyle/>
-          <a:p>
-            <a:pPr algn="ctr"/>
-            <a:r>
-              <a:rPr lang="en-US" sz="3200" dirty="0" smtClean="0"/>
-              <a:t>-3.56</a:t>
-            </a:r>
-            <a:endParaRPr lang="ru-RU" sz="3200" dirty="0"/>
-          </a:p>
-        </p:txBody>
-      </p:sp>
-      <p:cxnSp>
-        <p:nvCxnSpPr>
-          <p:cNvPr id="9" name="Прямая соединительная линия 8"/>
-          <p:cNvCxnSpPr>
-            <a:stCxn id="5" idx="0"/>
-            <a:endCxn id="4" idx="3"/>
-          </p:cNvCxnSpPr>
-          <p:nvPr/>
-        </p:nvCxnSpPr>
-        <p:spPr>
-          <a:xfrm flipV="1">
-            <a:off x="1079612" y="3873449"/>
-            <a:ext cx="617496" cy="131615"/>
-          </a:xfrm>
-          <a:prstGeom prst="line">
-            <a:avLst/>
-          </a:prstGeom>
-        </p:spPr>
-        <p:style>
-          <a:lnRef idx="1">
-            <a:schemeClr val="accent1"/>
-          </a:lnRef>
-          <a:fillRef idx="0">
-            <a:schemeClr val="accent1"/>
-          </a:fillRef>
-          <a:effectRef idx="0">
-            <a:schemeClr val="accent1"/>
-          </a:effectRef>
-          <a:fontRef idx="minor">
-            <a:schemeClr val="tx1"/>
-          </a:fontRef>
-        </p:style>
-      </p:cxnSp>
-      <p:cxnSp>
-        <p:nvCxnSpPr>
-          <p:cNvPr id="10" name="Прямая соединительная линия 9"/>
-          <p:cNvCxnSpPr>
-            <a:stCxn id="4" idx="5"/>
-            <a:endCxn id="6" idx="1"/>
-          </p:cNvCxnSpPr>
-          <p:nvPr/>
-        </p:nvCxnSpPr>
-        <p:spPr>
-          <a:xfrm>
-            <a:off x="2766372" y="3873449"/>
-            <a:ext cx="389483" cy="156324"/>
-          </a:xfrm>
-          <a:prstGeom prst="line">
-            <a:avLst/>
-          </a:prstGeom>
-        </p:spPr>
-        <p:style>
-          <a:lnRef idx="1">
-            <a:schemeClr val="accent1"/>
-          </a:lnRef>
-          <a:fillRef idx="0">
-            <a:schemeClr val="accent1"/>
-          </a:fillRef>
-          <a:effectRef idx="0">
-            <a:schemeClr val="accent1"/>
-          </a:effectRef>
-          <a:fontRef idx="minor">
-            <a:schemeClr val="tx1"/>
-          </a:fontRef>
-        </p:style>
-      </p:cxnSp>
-      <p:cxnSp>
-        <p:nvCxnSpPr>
-          <p:cNvPr id="11" name="Прямая соединительная линия 10"/>
-          <p:cNvCxnSpPr>
-            <a:stCxn id="5" idx="4"/>
-          </p:cNvCxnSpPr>
-          <p:nvPr/>
-        </p:nvCxnSpPr>
-        <p:spPr>
-          <a:xfrm>
-            <a:off x="1079612" y="5157192"/>
-            <a:ext cx="0" cy="648072"/>
-          </a:xfrm>
-          <a:prstGeom prst="line">
-            <a:avLst/>
-          </a:prstGeom>
-        </p:spPr>
-        <p:style>
-          <a:lnRef idx="1">
-            <a:schemeClr val="accent1"/>
-          </a:lnRef>
-          <a:fillRef idx="0">
-            <a:schemeClr val="accent1"/>
-          </a:fillRef>
-          <a:effectRef idx="0">
-            <a:schemeClr val="accent1"/>
-          </a:effectRef>
-          <a:fontRef idx="minor">
-            <a:schemeClr val="tx1"/>
-          </a:fontRef>
-        </p:style>
-      </p:cxnSp>
-      <p:cxnSp>
-        <p:nvCxnSpPr>
-          <p:cNvPr id="12" name="Прямая соединительная линия 11"/>
-          <p:cNvCxnSpPr>
-            <a:stCxn id="6" idx="4"/>
-          </p:cNvCxnSpPr>
-          <p:nvPr/>
-        </p:nvCxnSpPr>
-        <p:spPr>
-          <a:xfrm>
-            <a:off x="3690487" y="5013176"/>
-            <a:ext cx="0" cy="1102663"/>
-          </a:xfrm>
-          <a:prstGeom prst="line">
-            <a:avLst/>
-          </a:prstGeom>
-        </p:spPr>
-        <p:style>
-          <a:lnRef idx="1">
-            <a:schemeClr val="accent1"/>
-          </a:lnRef>
-          <a:fillRef idx="0">
-            <a:schemeClr val="accent1"/>
-          </a:fillRef>
-          <a:effectRef idx="0">
-            <a:schemeClr val="accent1"/>
-          </a:effectRef>
-          <a:fontRef idx="minor">
-            <a:schemeClr val="tx1"/>
-          </a:fontRef>
-        </p:style>
-      </p:cxnSp>
-      <p:sp>
-        <p:nvSpPr>
-          <p:cNvPr id="13" name="Овал 12"/>
-          <p:cNvSpPr/>
-          <p:nvPr/>
-        </p:nvSpPr>
-        <p:spPr>
-          <a:xfrm>
-            <a:off x="6012160" y="1556792"/>
-            <a:ext cx="1512168" cy="1152128"/>
-          </a:xfrm>
-          <a:prstGeom prst="ellipse">
-            <a:avLst/>
-          </a:prstGeom>
-        </p:spPr>
-        <p:style>
-          <a:lnRef idx="2">
-            <a:schemeClr val="accent1">
-              <a:shade val="50000"/>
-            </a:schemeClr>
-          </a:lnRef>
-          <a:fillRef idx="1">
-            <a:schemeClr val="accent1"/>
-          </a:fillRef>
-          <a:effectRef idx="0">
-            <a:schemeClr val="accent1"/>
-          </a:effectRef>
-          <a:fontRef idx="minor">
-            <a:schemeClr val="lt1"/>
-          </a:fontRef>
-        </p:style>
-        <p:txBody>
-          <a:bodyPr rtlCol="0" anchor="ctr"/>
-          <a:lstStyle/>
-          <a:p>
-            <a:pPr algn="ctr"/>
-            <a:r>
-              <a:rPr lang="en-US" sz="3200" dirty="0" smtClean="0"/>
-              <a:t>log</a:t>
-            </a:r>
-            <a:endParaRPr lang="ru-RU" sz="3200" dirty="0"/>
-          </a:p>
-        </p:txBody>
-      </p:sp>
-      <p:sp>
-        <p:nvSpPr>
-          <p:cNvPr id="14" name="Овал 13"/>
-          <p:cNvSpPr/>
-          <p:nvPr/>
-        </p:nvSpPr>
-        <p:spPr>
-          <a:xfrm>
-            <a:off x="6012160" y="3140968"/>
-            <a:ext cx="1512168" cy="1152128"/>
-          </a:xfrm>
-          <a:prstGeom prst="ellipse">
-            <a:avLst/>
-          </a:prstGeom>
-        </p:spPr>
-        <p:style>
-          <a:lnRef idx="2">
-            <a:schemeClr val="accent1">
-              <a:shade val="50000"/>
-            </a:schemeClr>
-          </a:lnRef>
-          <a:fillRef idx="1">
-            <a:schemeClr val="accent1"/>
-          </a:fillRef>
-          <a:effectRef idx="0">
-            <a:schemeClr val="accent1"/>
-          </a:effectRef>
-          <a:fontRef idx="minor">
-            <a:schemeClr val="lt1"/>
-          </a:fontRef>
-        </p:style>
-        <p:txBody>
-          <a:bodyPr rtlCol="0" anchor="ctr"/>
-          <a:lstStyle/>
-          <a:p>
-            <a:pPr algn="ctr"/>
-            <a:r>
-              <a:rPr lang="en-US" sz="3200" dirty="0"/>
-              <a:t>*</a:t>
-            </a:r>
-            <a:endParaRPr lang="ru-RU" sz="3200" dirty="0"/>
-          </a:p>
-        </p:txBody>
-      </p:sp>
-      <p:sp>
-        <p:nvSpPr>
-          <p:cNvPr id="16" name="Овал 15"/>
-          <p:cNvSpPr/>
-          <p:nvPr/>
-        </p:nvSpPr>
-        <p:spPr>
-          <a:xfrm>
-            <a:off x="5076056" y="4531663"/>
-            <a:ext cx="1512168" cy="1152128"/>
-          </a:xfrm>
-          <a:prstGeom prst="ellipse">
-            <a:avLst/>
-          </a:prstGeom>
-        </p:spPr>
-        <p:style>
-          <a:lnRef idx="2">
-            <a:schemeClr val="accent1">
-              <a:shade val="50000"/>
-            </a:schemeClr>
-          </a:lnRef>
-          <a:fillRef idx="1">
-            <a:schemeClr val="accent1"/>
-          </a:fillRef>
-          <a:effectRef idx="0">
-            <a:schemeClr val="accent1"/>
-          </a:effectRef>
-          <a:fontRef idx="minor">
-            <a:schemeClr val="lt1"/>
-          </a:fontRef>
-        </p:style>
-        <p:txBody>
-          <a:bodyPr rtlCol="0" anchor="ctr"/>
-          <a:lstStyle/>
-          <a:p>
-            <a:pPr algn="ctr"/>
-            <a:r>
-              <a:rPr lang="en-US" sz="3200" dirty="0" smtClean="0"/>
-              <a:t>x</a:t>
-            </a:r>
-            <a:endParaRPr lang="ru-RU" sz="3200" dirty="0"/>
-          </a:p>
-        </p:txBody>
-      </p:sp>
-      <p:sp>
-        <p:nvSpPr>
-          <p:cNvPr id="17" name="Овал 16"/>
-          <p:cNvSpPr/>
-          <p:nvPr/>
-        </p:nvSpPr>
-        <p:spPr>
-          <a:xfrm>
-            <a:off x="6948264" y="4581128"/>
-            <a:ext cx="1512168" cy="1152128"/>
-          </a:xfrm>
-          <a:prstGeom prst="ellipse">
-            <a:avLst/>
-          </a:prstGeom>
-        </p:spPr>
-        <p:style>
-          <a:lnRef idx="2">
-            <a:schemeClr val="accent1">
-              <a:shade val="50000"/>
-            </a:schemeClr>
-          </a:lnRef>
-          <a:fillRef idx="1">
-            <a:schemeClr val="accent1"/>
-          </a:fillRef>
-          <a:effectRef idx="0">
-            <a:schemeClr val="accent1"/>
-          </a:effectRef>
-          <a:fontRef idx="minor">
-            <a:schemeClr val="lt1"/>
-          </a:fontRef>
-        </p:style>
-        <p:txBody>
-          <a:bodyPr rtlCol="0" anchor="ctr"/>
-          <a:lstStyle/>
-          <a:p>
-            <a:pPr algn="ctr"/>
-            <a:r>
-              <a:rPr lang="en-US" sz="3200" dirty="0" smtClean="0"/>
-              <a:t>5.2</a:t>
-            </a:r>
-            <a:endParaRPr lang="ru-RU" sz="3200" dirty="0"/>
-          </a:p>
-        </p:txBody>
-      </p:sp>
-      <p:cxnSp>
-        <p:nvCxnSpPr>
-          <p:cNvPr id="18" name="Прямая соединительная линия 17"/>
-          <p:cNvCxnSpPr>
-            <a:stCxn id="14" idx="0"/>
-            <a:endCxn id="13" idx="4"/>
-          </p:cNvCxnSpPr>
-          <p:nvPr/>
-        </p:nvCxnSpPr>
-        <p:spPr>
-          <a:xfrm flipV="1">
-            <a:off x="6768244" y="2708920"/>
-            <a:ext cx="0" cy="432048"/>
-          </a:xfrm>
-          <a:prstGeom prst="line">
-            <a:avLst/>
-          </a:prstGeom>
-        </p:spPr>
-        <p:style>
-          <a:lnRef idx="1">
-            <a:schemeClr val="accent1"/>
-          </a:lnRef>
-          <a:fillRef idx="0">
-            <a:schemeClr val="accent1"/>
-          </a:fillRef>
-          <a:effectRef idx="0">
-            <a:schemeClr val="accent1"/>
-          </a:effectRef>
-          <a:fontRef idx="minor">
-            <a:schemeClr val="tx1"/>
-          </a:fontRef>
-        </p:style>
-      </p:cxnSp>
-      <p:cxnSp>
-        <p:nvCxnSpPr>
-          <p:cNvPr id="20" name="Прямая соединительная линия 19"/>
-          <p:cNvCxnSpPr>
-            <a:stCxn id="14" idx="3"/>
-            <a:endCxn id="16" idx="0"/>
-          </p:cNvCxnSpPr>
-          <p:nvPr/>
-        </p:nvCxnSpPr>
-        <p:spPr>
-          <a:xfrm flipH="1">
-            <a:off x="5832140" y="4124371"/>
-            <a:ext cx="401472" cy="407292"/>
-          </a:xfrm>
-          <a:prstGeom prst="line">
-            <a:avLst/>
-          </a:prstGeom>
-        </p:spPr>
-        <p:style>
-          <a:lnRef idx="1">
-            <a:schemeClr val="accent1"/>
-          </a:lnRef>
-          <a:fillRef idx="0">
-            <a:schemeClr val="accent1"/>
-          </a:fillRef>
-          <a:effectRef idx="0">
-            <a:schemeClr val="accent1"/>
-          </a:effectRef>
-          <a:fontRef idx="minor">
-            <a:schemeClr val="tx1"/>
-          </a:fontRef>
-        </p:style>
-      </p:cxnSp>
-      <p:cxnSp>
-        <p:nvCxnSpPr>
-          <p:cNvPr id="21" name="Прямая соединительная линия 20"/>
-          <p:cNvCxnSpPr>
-            <a:stCxn id="14" idx="5"/>
-            <a:endCxn id="17" idx="0"/>
-          </p:cNvCxnSpPr>
-          <p:nvPr/>
-        </p:nvCxnSpPr>
-        <p:spPr>
-          <a:xfrm>
-            <a:off x="7302876" y="4124371"/>
-            <a:ext cx="401472" cy="456757"/>
-          </a:xfrm>
-          <a:prstGeom prst="line">
-            <a:avLst/>
-          </a:prstGeom>
-        </p:spPr>
-        <p:style>
-          <a:lnRef idx="1">
-            <a:schemeClr val="accent1"/>
-          </a:lnRef>
-          <a:fillRef idx="0">
-            <a:schemeClr val="accent1"/>
-          </a:fillRef>
-          <a:effectRef idx="0">
-            <a:schemeClr val="accent1"/>
-          </a:effectRef>
-          <a:fontRef idx="minor">
-            <a:schemeClr val="tx1"/>
-          </a:fontRef>
-        </p:style>
-      </p:cxnSp>
-      <p:sp>
-        <p:nvSpPr>
-          <p:cNvPr id="29" name="Овал 28"/>
-          <p:cNvSpPr/>
-          <p:nvPr/>
-        </p:nvSpPr>
-        <p:spPr>
-          <a:xfrm>
-            <a:off x="1475656" y="1484784"/>
-            <a:ext cx="1512168" cy="1152128"/>
-          </a:xfrm>
-          <a:prstGeom prst="ellipse">
-            <a:avLst/>
-          </a:prstGeom>
-        </p:spPr>
-        <p:style>
-          <a:lnRef idx="2">
-            <a:schemeClr val="accent1">
-              <a:shade val="50000"/>
-            </a:schemeClr>
-          </a:lnRef>
-          <a:fillRef idx="1">
-            <a:schemeClr val="accent1"/>
-          </a:fillRef>
-          <a:effectRef idx="0">
-            <a:schemeClr val="accent1"/>
-          </a:effectRef>
-          <a:fontRef idx="minor">
-            <a:schemeClr val="lt1"/>
-          </a:fontRef>
-        </p:style>
-        <p:txBody>
-          <a:bodyPr rtlCol="0" anchor="ctr"/>
-          <a:lstStyle/>
-          <a:p>
-            <a:pPr algn="ctr"/>
-            <a:r>
-              <a:rPr lang="en-US" sz="3200" dirty="0" err="1" smtClean="0"/>
-              <a:t>cos</a:t>
-            </a:r>
-            <a:endParaRPr lang="ru-RU" sz="3200" dirty="0"/>
-          </a:p>
-        </p:txBody>
-      </p:sp>
-      <p:cxnSp>
-        <p:nvCxnSpPr>
-          <p:cNvPr id="31" name="Прямая соединительная линия 30"/>
-          <p:cNvCxnSpPr>
-            <a:stCxn id="29" idx="4"/>
-            <a:endCxn id="4" idx="0"/>
-          </p:cNvCxnSpPr>
-          <p:nvPr/>
-        </p:nvCxnSpPr>
-        <p:spPr>
-          <a:xfrm>
-            <a:off x="2231740" y="2636912"/>
-            <a:ext cx="0" cy="253134"/>
-          </a:xfrm>
-          <a:prstGeom prst="line">
-            <a:avLst/>
-          </a:prstGeom>
-        </p:spPr>
-        <p:style>
-          <a:lnRef idx="1">
-            <a:schemeClr val="accent1"/>
-          </a:lnRef>
-          <a:fillRef idx="0">
-            <a:schemeClr val="accent1"/>
-          </a:fillRef>
-          <a:effectRef idx="0">
-            <a:schemeClr val="accent1"/>
-          </a:effectRef>
-          <a:fontRef idx="minor">
-            <a:schemeClr val="tx1"/>
-          </a:fontRef>
-        </p:style>
-      </p:cxnSp>
+              <a:rPr lang="ru-RU" dirty="0" smtClean="0"/>
+              <a:t>Результаты</a:t>
+            </a:r>
+            <a:endParaRPr lang="ru-RU" dirty="0"/>
+          </a:p>
+        </p:txBody>
+      </p:sp>
+      <p:graphicFrame>
+        <p:nvGraphicFramePr>
+          <p:cNvPr id="4" name="Объект 3"/>
+          <p:cNvGraphicFramePr>
+            <a:graphicFrameLocks noGrp="1"/>
+          </p:cNvGraphicFramePr>
+          <p:nvPr>
+            <p:ph idx="1"/>
+            <p:extLst>
+              <p:ext uri="{D42A27DB-BD31-4B8C-83A1-F6EECF244321}">
+                <p14:modId xmlns:p14="http://schemas.microsoft.com/office/powerpoint/2010/main" val="2243675389"/>
+              </p:ext>
+            </p:extLst>
+          </p:nvPr>
+        </p:nvGraphicFramePr>
+        <p:xfrm>
+          <a:off x="0" y="1772815"/>
+          <a:ext cx="9144000" cy="5040561"/>
+        </p:xfrm>
+        <a:graphic>
+          <a:graphicData uri="http://schemas.openxmlformats.org/drawingml/2006/table">
+            <a:tbl>
+              <a:tblPr bandRow="1">
+                <a:tableStyleId>{5C22544A-7EE6-4342-B048-85BDC9FD1C3A}</a:tableStyleId>
+              </a:tblPr>
+              <a:tblGrid>
+                <a:gridCol w="2915816"/>
+                <a:gridCol w="3240360"/>
+                <a:gridCol w="2987824"/>
+              </a:tblGrid>
+              <a:tr h="1211496">
+                <a:tc>
+                  <a:txBody>
+                    <a:bodyPr/>
+                    <a:lstStyle/>
+                    <a:p>
+                      <a:pPr algn="ctr"/>
+                      <a:endParaRPr lang="ru-RU" sz="3600" dirty="0">
+                        <a:latin typeface="Arial" panose="020B0604020202020204" pitchFamily="34" charset="0"/>
+                        <a:cs typeface="Arial" panose="020B0604020202020204" pitchFamily="34" charset="0"/>
+                      </a:endParaRPr>
+                    </a:p>
+                  </a:txBody>
+                  <a:tcPr anchor="ctr"/>
+                </a:tc>
+                <a:tc>
+                  <a:txBody>
+                    <a:bodyPr/>
+                    <a:lstStyle/>
+                    <a:p>
+                      <a:pPr algn="ctr"/>
+                      <a:r>
+                        <a:rPr lang="ru-RU" sz="3500" dirty="0" smtClean="0">
+                          <a:latin typeface="Arial" panose="020B0604020202020204" pitchFamily="34" charset="0"/>
+                          <a:cs typeface="Arial" panose="020B0604020202020204" pitchFamily="34" charset="0"/>
+                        </a:rPr>
+                        <a:t>Оригинальные</a:t>
+                      </a:r>
+                      <a:r>
+                        <a:rPr lang="ru-RU" sz="3500" baseline="0" dirty="0" smtClean="0">
+                          <a:latin typeface="Arial" panose="020B0604020202020204" pitchFamily="34" charset="0"/>
+                          <a:cs typeface="Arial" panose="020B0604020202020204" pitchFamily="34" charset="0"/>
+                        </a:rPr>
+                        <a:t> признаки</a:t>
+                      </a:r>
+                      <a:endParaRPr lang="ru-RU" sz="3500" dirty="0">
+                        <a:latin typeface="Arial" panose="020B0604020202020204" pitchFamily="34" charset="0"/>
+                        <a:cs typeface="Arial" panose="020B0604020202020204" pitchFamily="34" charset="0"/>
+                      </a:endParaRPr>
+                    </a:p>
+                  </a:txBody>
+                  <a:tcPr anchor="ctr"/>
+                </a:tc>
+                <a:tc>
+                  <a:txBody>
+                    <a:bodyPr/>
+                    <a:lstStyle/>
+                    <a:p>
+                      <a:pPr algn="ctr"/>
+                      <a:r>
+                        <a:rPr lang="ru-RU" sz="3500" dirty="0" smtClean="0">
+                          <a:latin typeface="Arial" panose="020B0604020202020204" pitchFamily="34" charset="0"/>
+                          <a:cs typeface="Arial" panose="020B0604020202020204" pitchFamily="34" charset="0"/>
+                        </a:rPr>
+                        <a:t>Построенные признаки</a:t>
+                      </a:r>
+                      <a:endParaRPr lang="ru-RU" sz="3500" dirty="0">
+                        <a:latin typeface="Arial" panose="020B0604020202020204" pitchFamily="34" charset="0"/>
+                        <a:cs typeface="Arial" panose="020B0604020202020204" pitchFamily="34" charset="0"/>
+                      </a:endParaRPr>
+                    </a:p>
+                  </a:txBody>
+                  <a:tcPr anchor="ctr"/>
+                </a:tc>
+              </a:tr>
+              <a:tr h="765813">
+                <a:tc>
+                  <a:txBody>
+                    <a:bodyPr/>
+                    <a:lstStyle/>
+                    <a:p>
+                      <a:pPr algn="ctr"/>
+                      <a:r>
+                        <a:rPr lang="en-US" sz="3600" dirty="0" err="1" smtClean="0">
+                          <a:latin typeface="Arial" panose="020B0604020202020204" pitchFamily="34" charset="0"/>
+                          <a:cs typeface="Arial" panose="020B0604020202020204" pitchFamily="34" charset="0"/>
+                        </a:rPr>
+                        <a:t>kNN</a:t>
+                      </a:r>
+                      <a:endParaRPr lang="ru-RU" sz="3600" dirty="0">
+                        <a:latin typeface="Arial" panose="020B0604020202020204" pitchFamily="34" charset="0"/>
+                        <a:cs typeface="Arial" panose="020B0604020202020204" pitchFamily="34" charset="0"/>
+                      </a:endParaRPr>
+                    </a:p>
+                  </a:txBody>
+                  <a:tcPr anchor="ctr"/>
+                </a:tc>
+                <a:tc>
+                  <a:txBody>
+                    <a:bodyPr/>
+                    <a:lstStyle/>
+                    <a:p>
+                      <a:pPr algn="ctr"/>
+                      <a:r>
+                        <a:rPr lang="en-US" sz="3600" dirty="0" smtClean="0">
+                          <a:latin typeface="Arial" panose="020B0604020202020204" pitchFamily="34" charset="0"/>
+                          <a:cs typeface="Arial" panose="020B0604020202020204" pitchFamily="34" charset="0"/>
+                        </a:rPr>
+                        <a:t>75%</a:t>
+                      </a:r>
+                      <a:endParaRPr lang="ru-RU" sz="3600" dirty="0">
+                        <a:latin typeface="Arial" panose="020B0604020202020204" pitchFamily="34" charset="0"/>
+                        <a:cs typeface="Arial" panose="020B0604020202020204" pitchFamily="34" charset="0"/>
+                      </a:endParaRPr>
+                    </a:p>
+                  </a:txBody>
+                  <a:tcPr anchor="ctr"/>
+                </a:tc>
+                <a:tc>
+                  <a:txBody>
+                    <a:bodyPr/>
+                    <a:lstStyle/>
+                    <a:p>
+                      <a:pPr algn="ctr"/>
+                      <a:r>
+                        <a:rPr lang="en-US" sz="3600" dirty="0" smtClean="0">
+                          <a:latin typeface="Arial" panose="020B0604020202020204" pitchFamily="34" charset="0"/>
+                          <a:cs typeface="Arial" panose="020B0604020202020204" pitchFamily="34" charset="0"/>
+                        </a:rPr>
+                        <a:t>9</a:t>
+                      </a:r>
+                      <a:r>
+                        <a:rPr lang="ru-RU" sz="3600" dirty="0" smtClean="0">
+                          <a:latin typeface="Arial" panose="020B0604020202020204" pitchFamily="34" charset="0"/>
+                          <a:cs typeface="Arial" panose="020B0604020202020204" pitchFamily="34" charset="0"/>
+                        </a:rPr>
+                        <a:t>2</a:t>
+                      </a:r>
+                      <a:r>
+                        <a:rPr lang="en-US" sz="3600" dirty="0" smtClean="0">
+                          <a:latin typeface="Arial" panose="020B0604020202020204" pitchFamily="34" charset="0"/>
+                          <a:cs typeface="Arial" panose="020B0604020202020204" pitchFamily="34" charset="0"/>
+                        </a:rPr>
+                        <a:t>%</a:t>
+                      </a:r>
+                      <a:endParaRPr lang="ru-RU" sz="3600" dirty="0">
+                        <a:latin typeface="Arial" panose="020B0604020202020204" pitchFamily="34" charset="0"/>
+                        <a:cs typeface="Arial" panose="020B0604020202020204" pitchFamily="34" charset="0"/>
+                      </a:endParaRPr>
+                    </a:p>
+                  </a:txBody>
+                  <a:tcPr anchor="ctr"/>
+                </a:tc>
+              </a:tr>
+              <a:tr h="765813">
+                <a:tc>
+                  <a:txBody>
+                    <a:bodyPr/>
+                    <a:lstStyle/>
+                    <a:p>
+                      <a:pPr algn="ctr"/>
+                      <a:r>
+                        <a:rPr lang="en-US" sz="3600" dirty="0" smtClean="0">
+                          <a:latin typeface="Arial" panose="020B0604020202020204" pitchFamily="34" charset="0"/>
+                          <a:cs typeface="Arial" panose="020B0604020202020204" pitchFamily="34" charset="0"/>
+                        </a:rPr>
+                        <a:t>SVM</a:t>
+                      </a:r>
+                      <a:endParaRPr lang="ru-RU" sz="3600" dirty="0">
+                        <a:latin typeface="Arial" panose="020B0604020202020204" pitchFamily="34" charset="0"/>
+                        <a:cs typeface="Arial" panose="020B0604020202020204" pitchFamily="34" charset="0"/>
+                      </a:endParaRPr>
+                    </a:p>
+                  </a:txBody>
+                  <a:tcPr anchor="ctr"/>
+                </a:tc>
+                <a:tc>
+                  <a:txBody>
+                    <a:bodyPr/>
+                    <a:lstStyle/>
+                    <a:p>
+                      <a:pPr algn="ctr"/>
+                      <a:r>
+                        <a:rPr lang="en-US" sz="3600" dirty="0" smtClean="0">
+                          <a:latin typeface="Arial" panose="020B0604020202020204" pitchFamily="34" charset="0"/>
+                          <a:cs typeface="Arial" panose="020B0604020202020204" pitchFamily="34" charset="0"/>
+                        </a:rPr>
+                        <a:t>82%</a:t>
+                      </a:r>
+                      <a:endParaRPr lang="ru-RU" sz="3600" dirty="0">
+                        <a:latin typeface="Arial" panose="020B0604020202020204" pitchFamily="34" charset="0"/>
+                        <a:cs typeface="Arial" panose="020B0604020202020204" pitchFamily="34" charset="0"/>
+                      </a:endParaRPr>
+                    </a:p>
+                  </a:txBody>
+                  <a:tcPr anchor="ctr"/>
+                </a:tc>
+                <a:tc>
+                  <a:txBody>
+                    <a:bodyPr/>
+                    <a:lstStyle/>
+                    <a:p>
+                      <a:pPr algn="ctr"/>
+                      <a:r>
+                        <a:rPr lang="en-US" sz="3600" dirty="0" smtClean="0">
+                          <a:latin typeface="Arial" panose="020B0604020202020204" pitchFamily="34" charset="0"/>
+                          <a:cs typeface="Arial" panose="020B0604020202020204" pitchFamily="34" charset="0"/>
+                        </a:rPr>
+                        <a:t>90%</a:t>
+                      </a:r>
+                      <a:endParaRPr lang="ru-RU" sz="3600" dirty="0">
+                        <a:latin typeface="Arial" panose="020B0604020202020204" pitchFamily="34" charset="0"/>
+                        <a:cs typeface="Arial" panose="020B0604020202020204" pitchFamily="34" charset="0"/>
+                      </a:endParaRPr>
+                    </a:p>
+                  </a:txBody>
+                  <a:tcPr anchor="ctr"/>
+                </a:tc>
+              </a:tr>
+              <a:tr h="765813">
+                <a:tc>
+                  <a:txBody>
+                    <a:bodyPr/>
+                    <a:lstStyle/>
+                    <a:p>
+                      <a:pPr algn="ctr"/>
+                      <a:r>
+                        <a:rPr lang="en-US" sz="3600" dirty="0" smtClean="0">
+                          <a:latin typeface="Arial" panose="020B0604020202020204" pitchFamily="34" charset="0"/>
+                          <a:cs typeface="Arial" panose="020B0604020202020204" pitchFamily="34" charset="0"/>
+                        </a:rPr>
+                        <a:t>Naive Bayes</a:t>
+                      </a:r>
+                      <a:endParaRPr lang="ru-RU" sz="3600" dirty="0">
+                        <a:latin typeface="Arial" panose="020B0604020202020204" pitchFamily="34" charset="0"/>
+                        <a:cs typeface="Arial" panose="020B0604020202020204" pitchFamily="34" charset="0"/>
+                      </a:endParaRPr>
+                    </a:p>
+                  </a:txBody>
+                  <a:tcPr anchor="ctr"/>
+                </a:tc>
+                <a:tc>
+                  <a:txBody>
+                    <a:bodyPr/>
+                    <a:lstStyle/>
+                    <a:p>
+                      <a:pPr algn="ctr"/>
+                      <a:r>
+                        <a:rPr lang="en-US" sz="3600" dirty="0" smtClean="0">
+                          <a:latin typeface="Arial" panose="020B0604020202020204" pitchFamily="34" charset="0"/>
+                          <a:cs typeface="Arial" panose="020B0604020202020204" pitchFamily="34" charset="0"/>
+                        </a:rPr>
+                        <a:t>80%</a:t>
+                      </a:r>
+                      <a:endParaRPr lang="ru-RU" sz="3600" dirty="0">
+                        <a:latin typeface="Arial" panose="020B0604020202020204" pitchFamily="34" charset="0"/>
+                        <a:cs typeface="Arial" panose="020B0604020202020204" pitchFamily="34" charset="0"/>
+                      </a:endParaRPr>
+                    </a:p>
+                  </a:txBody>
+                  <a:tcPr anchor="ctr"/>
+                </a:tc>
+                <a:tc>
+                  <a:txBody>
+                    <a:bodyPr/>
+                    <a:lstStyle/>
+                    <a:p>
+                      <a:pPr algn="ctr"/>
+                      <a:r>
+                        <a:rPr lang="en-US" sz="3600" dirty="0" smtClean="0">
+                          <a:latin typeface="Arial" panose="020B0604020202020204" pitchFamily="34" charset="0"/>
+                          <a:cs typeface="Arial" panose="020B0604020202020204" pitchFamily="34" charset="0"/>
+                        </a:rPr>
+                        <a:t>91%</a:t>
+                      </a:r>
+                      <a:endParaRPr lang="ru-RU" sz="3600" dirty="0">
+                        <a:latin typeface="Arial" panose="020B0604020202020204" pitchFamily="34" charset="0"/>
+                        <a:cs typeface="Arial" panose="020B0604020202020204" pitchFamily="34" charset="0"/>
+                      </a:endParaRPr>
+                    </a:p>
+                  </a:txBody>
+                  <a:tcPr anchor="ctr"/>
+                </a:tc>
+              </a:tr>
+              <a:tr h="765813">
+                <a:tc>
+                  <a:txBody>
+                    <a:bodyPr/>
+                    <a:lstStyle/>
+                    <a:p>
+                      <a:pPr algn="ctr"/>
+                      <a:r>
+                        <a:rPr lang="en-US" sz="3600" dirty="0" smtClean="0">
+                          <a:latin typeface="Arial" panose="020B0604020202020204" pitchFamily="34" charset="0"/>
+                          <a:cs typeface="Arial" panose="020B0604020202020204" pitchFamily="34" charset="0"/>
+                        </a:rPr>
+                        <a:t>C4.5</a:t>
+                      </a:r>
+                      <a:endParaRPr lang="ru-RU" sz="3600" dirty="0">
+                        <a:latin typeface="Arial" panose="020B0604020202020204" pitchFamily="34" charset="0"/>
+                        <a:cs typeface="Arial" panose="020B0604020202020204" pitchFamily="34" charset="0"/>
+                      </a:endParaRPr>
+                    </a:p>
+                  </a:txBody>
+                  <a:tcPr anchor="ctr"/>
+                </a:tc>
+                <a:tc>
+                  <a:txBody>
+                    <a:bodyPr/>
+                    <a:lstStyle/>
+                    <a:p>
+                      <a:pPr algn="ctr"/>
+                      <a:r>
+                        <a:rPr lang="en-US" sz="3600" dirty="0" smtClean="0">
+                          <a:latin typeface="Arial" panose="020B0604020202020204" pitchFamily="34" charset="0"/>
+                          <a:cs typeface="Arial" panose="020B0604020202020204" pitchFamily="34" charset="0"/>
+                        </a:rPr>
+                        <a:t>78%</a:t>
+                      </a:r>
+                      <a:endParaRPr lang="ru-RU" sz="3600" dirty="0">
+                        <a:latin typeface="Arial" panose="020B0604020202020204" pitchFamily="34" charset="0"/>
+                        <a:cs typeface="Arial" panose="020B0604020202020204" pitchFamily="34" charset="0"/>
+                      </a:endParaRPr>
+                    </a:p>
+                  </a:txBody>
+                  <a:tcPr anchor="ctr"/>
+                </a:tc>
+                <a:tc>
+                  <a:txBody>
+                    <a:bodyPr/>
+                    <a:lstStyle/>
+                    <a:p>
+                      <a:pPr algn="ctr"/>
+                      <a:r>
+                        <a:rPr lang="en-US" sz="3600" dirty="0" smtClean="0">
+                          <a:latin typeface="Arial" panose="020B0604020202020204" pitchFamily="34" charset="0"/>
+                          <a:cs typeface="Arial" panose="020B0604020202020204" pitchFamily="34" charset="0"/>
+                        </a:rPr>
+                        <a:t>90%</a:t>
+                      </a:r>
+                      <a:endParaRPr lang="ru-RU" sz="3600" dirty="0">
+                        <a:latin typeface="Arial" panose="020B0604020202020204" pitchFamily="34" charset="0"/>
+                        <a:cs typeface="Arial" panose="020B0604020202020204" pitchFamily="34" charset="0"/>
+                      </a:endParaRPr>
+                    </a:p>
+                  </a:txBody>
+                  <a:tcPr anchor="ctr"/>
+                </a:tc>
+              </a:tr>
+              <a:tr h="765813">
+                <a:tc>
+                  <a:txBody>
+                    <a:bodyPr/>
+                    <a:lstStyle/>
+                    <a:p>
+                      <a:pPr algn="ctr"/>
+                      <a:r>
+                        <a:rPr lang="en-US" sz="3600" dirty="0" smtClean="0">
+                          <a:latin typeface="Arial" panose="020B0604020202020204" pitchFamily="34" charset="0"/>
+                          <a:cs typeface="Arial" panose="020B0604020202020204" pitchFamily="34" charset="0"/>
+                        </a:rPr>
+                        <a:t>ANN</a:t>
+                      </a:r>
+                      <a:endParaRPr lang="ru-RU" sz="3600" dirty="0">
+                        <a:latin typeface="Arial" panose="020B0604020202020204" pitchFamily="34" charset="0"/>
+                        <a:cs typeface="Arial" panose="020B0604020202020204" pitchFamily="34" charset="0"/>
+                      </a:endParaRPr>
+                    </a:p>
+                  </a:txBody>
+                  <a:tcPr anchor="ctr"/>
+                </a:tc>
+                <a:tc>
+                  <a:txBody>
+                    <a:bodyPr/>
+                    <a:lstStyle/>
+                    <a:p>
+                      <a:pPr algn="ctr"/>
+                      <a:r>
+                        <a:rPr lang="en-US" sz="3600" dirty="0" smtClean="0">
+                          <a:latin typeface="Arial" panose="020B0604020202020204" pitchFamily="34" charset="0"/>
+                          <a:cs typeface="Arial" panose="020B0604020202020204" pitchFamily="34" charset="0"/>
+                        </a:rPr>
+                        <a:t>81%</a:t>
+                      </a:r>
+                      <a:endParaRPr lang="ru-RU" sz="3600" dirty="0">
+                        <a:latin typeface="Arial" panose="020B0604020202020204" pitchFamily="34" charset="0"/>
+                        <a:cs typeface="Arial" panose="020B0604020202020204" pitchFamily="34" charset="0"/>
+                      </a:endParaRPr>
+                    </a:p>
+                  </a:txBody>
+                  <a:tcPr anchor="ctr"/>
+                </a:tc>
+                <a:tc>
+                  <a:txBody>
+                    <a:bodyPr/>
+                    <a:lstStyle/>
+                    <a:p>
+                      <a:pPr algn="ctr"/>
+                      <a:r>
+                        <a:rPr lang="en-US" sz="3600" dirty="0" smtClean="0">
+                          <a:latin typeface="Arial" panose="020B0604020202020204" pitchFamily="34" charset="0"/>
+                          <a:cs typeface="Arial" panose="020B0604020202020204" pitchFamily="34" charset="0"/>
+                        </a:rPr>
+                        <a:t>92%</a:t>
+                      </a:r>
+                      <a:endParaRPr lang="ru-RU" sz="3600" dirty="0">
+                        <a:latin typeface="Arial" panose="020B0604020202020204" pitchFamily="34" charset="0"/>
+                        <a:cs typeface="Arial" panose="020B0604020202020204" pitchFamily="34" charset="0"/>
+                      </a:endParaRPr>
+                    </a:p>
+                  </a:txBody>
+                  <a:tcPr anchor="ctr"/>
+                </a:tc>
+              </a:tr>
+            </a:tbl>
+          </a:graphicData>
+        </a:graphic>
+      </p:graphicFrame>
     </p:spTree>
     <p:extLst>
       <p:ext uri="{BB962C8B-B14F-4D97-AF65-F5344CB8AC3E}">
-        <p14:creationId xmlns:p14="http://schemas.microsoft.com/office/powerpoint/2010/main" val="2651355465"/>
+        <p14:creationId xmlns:p14="http://schemas.microsoft.com/office/powerpoint/2010/main" val="3360134855"/>
       </p:ext>
     </p:extLst>
   </p:cSld>
   <p:clrMapOvr>
     <a:masterClrMapping/>
   </p:clrMapOvr>
-  <p:timing>
-    <p:tnLst>
-      <p:par>
-        <p:cTn id="1" dur="indefinite" restart="never" nodeType="tmRoot">
-          <p:childTnLst>
-            <p:seq concurrent="1" nextAc="seek">
-              <p:cTn id="2" dur="indefinite" nodeType="mainSeq">
-                <p:childTnLst>
-                  <p:par>
-                    <p:cTn id="3" fill="hold">
-                      <p:stCondLst>
-                        <p:cond delay="indefinite"/>
-                      </p:stCondLst>
-                      <p:childTnLst>
-                        <p:par>
-                          <p:cTn id="4" fill="hold">
-                            <p:stCondLst>
-                              <p:cond delay="0"/>
-                            </p:stCondLst>
-                            <p:childTnLst>
-                              <p:par>
-                                <p:cTn id="5" presetID="24" presetClass="emph" presetSubtype="0" fill="hold" grpId="0" nodeType="clickEffect">
-                                  <p:stCondLst>
-                                    <p:cond delay="0"/>
-                                  </p:stCondLst>
-                                  <p:childTnLst>
-                                    <p:animClr clrSpc="hsl" dir="cw">
-                                      <p:cBhvr override="childStyle">
-                                        <p:cTn id="6" dur="750" fill="hold"/>
-                                        <p:tgtEl>
-                                          <p:spTgt spid="14"/>
-                                        </p:tgtEl>
-                                        <p:attrNameLst>
-                                          <p:attrName>style.color</p:attrName>
-                                        </p:attrNameLst>
-                                      </p:cBhvr>
-                                      <p:by>
-                                        <p:hsl h="0" s="-12549" l="-25098"/>
-                                      </p:by>
-                                    </p:animClr>
-                                    <p:animClr clrSpc="hsl" dir="cw">
-                                      <p:cBhvr>
-                                        <p:cTn id="7" dur="750" fill="hold"/>
-                                        <p:tgtEl>
-                                          <p:spTgt spid="14"/>
-                                        </p:tgtEl>
-                                        <p:attrNameLst>
-                                          <p:attrName>fillcolor</p:attrName>
-                                        </p:attrNameLst>
-                                      </p:cBhvr>
-                                      <p:by>
-                                        <p:hsl h="0" s="-12549" l="-25098"/>
-                                      </p:by>
-                                    </p:animClr>
-                                    <p:animClr clrSpc="hsl" dir="cw">
-                                      <p:cBhvr>
-                                        <p:cTn id="8" dur="750" fill="hold"/>
-                                        <p:tgtEl>
-                                          <p:spTgt spid="14"/>
-                                        </p:tgtEl>
-                                        <p:attrNameLst>
-                                          <p:attrName>stroke.color</p:attrName>
-                                        </p:attrNameLst>
-                                      </p:cBhvr>
-                                      <p:by>
-                                        <p:hsl h="0" s="-12549" l="-25098"/>
-                                      </p:by>
-                                    </p:animClr>
-                                    <p:set>
-                                      <p:cBhvr>
-                                        <p:cTn id="9" dur="750" fill="hold"/>
-                                        <p:tgtEl>
-                                          <p:spTgt spid="14"/>
-                                        </p:tgtEl>
-                                        <p:attrNameLst>
-                                          <p:attrName>fill.type</p:attrName>
-                                        </p:attrNameLst>
-                                      </p:cBhvr>
-                                      <p:to>
-                                        <p:strVal val="solid"/>
-                                      </p:to>
-                                    </p:set>
-                                  </p:childTnLst>
-                                </p:cTn>
-                              </p:par>
-                              <p:par>
-                                <p:cTn id="10" presetID="24" presetClass="emph" presetSubtype="0" fill="hold" grpId="0" nodeType="withEffect">
-                                  <p:stCondLst>
-                                    <p:cond delay="0"/>
-                                  </p:stCondLst>
-                                  <p:childTnLst>
-                                    <p:animClr clrSpc="hsl" dir="cw">
-                                      <p:cBhvr override="childStyle">
-                                        <p:cTn id="11" dur="750" fill="hold"/>
-                                        <p:tgtEl>
-                                          <p:spTgt spid="4"/>
-                                        </p:tgtEl>
-                                        <p:attrNameLst>
-                                          <p:attrName>style.color</p:attrName>
-                                        </p:attrNameLst>
-                                      </p:cBhvr>
-                                      <p:by>
-                                        <p:hsl h="0" s="-12549" l="-25098"/>
-                                      </p:by>
-                                    </p:animClr>
-                                    <p:animClr clrSpc="hsl" dir="cw">
-                                      <p:cBhvr>
-                                        <p:cTn id="12" dur="750" fill="hold"/>
-                                        <p:tgtEl>
-                                          <p:spTgt spid="4"/>
-                                        </p:tgtEl>
-                                        <p:attrNameLst>
-                                          <p:attrName>fillcolor</p:attrName>
-                                        </p:attrNameLst>
-                                      </p:cBhvr>
-                                      <p:by>
-                                        <p:hsl h="0" s="-12549" l="-25098"/>
-                                      </p:by>
-                                    </p:animClr>
-                                    <p:animClr clrSpc="hsl" dir="cw">
-                                      <p:cBhvr>
-                                        <p:cTn id="13" dur="750" fill="hold"/>
-                                        <p:tgtEl>
-                                          <p:spTgt spid="4"/>
-                                        </p:tgtEl>
-                                        <p:attrNameLst>
-                                          <p:attrName>stroke.color</p:attrName>
-                                        </p:attrNameLst>
-                                      </p:cBhvr>
-                                      <p:by>
-                                        <p:hsl h="0" s="-12549" l="-25098"/>
-                                      </p:by>
-                                    </p:animClr>
-                                    <p:set>
-                                      <p:cBhvr>
-                                        <p:cTn id="14" dur="750" fill="hold"/>
-                                        <p:tgtEl>
-                                          <p:spTgt spid="4"/>
-                                        </p:tgtEl>
-                                        <p:attrNameLst>
-                                          <p:attrName>fill.type</p:attrName>
-                                        </p:attrNameLst>
-                                      </p:cBhvr>
-                                      <p:to>
-                                        <p:strVal val="solid"/>
-                                      </p:to>
-                                    </p:set>
-                                  </p:childTnLst>
-                                </p:cTn>
-                              </p:par>
-                            </p:childTnLst>
-                          </p:cTn>
-                        </p:par>
-                      </p:childTnLst>
-                    </p:cTn>
-                  </p:par>
-                </p:childTnLst>
-              </p:cTn>
-              <p:prevCondLst>
-                <p:cond evt="onPrev" delay="0">
-                  <p:tgtEl>
-                    <p:sldTgt/>
-                  </p:tgtEl>
-                </p:cond>
-              </p:prevCondLst>
-              <p:nextCondLst>
-                <p:cond evt="onNext" delay="0">
-                  <p:tgtEl>
-                    <p:sldTgt/>
-                  </p:tgtEl>
-                </p:cond>
-              </p:nextCondLst>
-            </p:seq>
-          </p:childTnLst>
-        </p:cTn>
-      </p:par>
-    </p:tnLst>
-    <p:bldLst>
-      <p:bldP spid="4" grpId="0" animBg="1"/>
-      <p:bldP spid="14" grpId="0" animBg="1"/>
-    </p:bldLst>
-  </p:timing>
 </p:sld>
 </file>
 
@@ -10075,93 +9262,29 @@
         </p:nvSpPr>
         <p:spPr>
           <a:xfrm>
-            <a:off x="1187624" y="116632"/>
-            <a:ext cx="6781800" cy="1600200"/>
+            <a:off x="1174576" y="2060848"/>
+            <a:ext cx="7357864" cy="1800200"/>
           </a:xfrm>
         </p:spPr>
         <p:txBody>
-          <a:bodyPr/>
+          <a:bodyPr>
+            <a:noAutofit/>
+          </a:bodyPr>
           <a:lstStyle/>
           <a:p>
             <a:pPr algn="ctr"/>
             <a:r>
               <a:rPr lang="ru-RU" dirty="0" smtClean="0"/>
-              <a:t>Мутация</a:t>
+              <a:t>Спасибо за внимание!</a:t>
             </a:r>
             <a:endParaRPr lang="ru-RU" dirty="0"/>
-          </a:p>
-        </p:txBody>
-      </p:sp>
-      <p:sp>
-        <p:nvSpPr>
-          <p:cNvPr id="3" name="Объект 2"/>
-          <p:cNvSpPr>
-            <a:spLocks noGrp="1"/>
-          </p:cNvSpPr>
-          <p:nvPr>
-            <p:ph idx="1"/>
-          </p:nvPr>
-        </p:nvSpPr>
-        <p:spPr>
-          <a:xfrm>
-            <a:off x="1043608" y="1847056"/>
-            <a:ext cx="7543800" cy="3886200"/>
-          </a:xfrm>
-        </p:spPr>
-        <p:txBody>
-          <a:bodyPr>
-            <a:normAutofit/>
-          </a:bodyPr>
-          <a:lstStyle/>
-          <a:p>
-            <a:pPr marL="0" indent="0">
-              <a:buNone/>
-            </a:pPr>
-            <a:r>
-              <a:rPr lang="ru-RU" sz="4000" dirty="0" smtClean="0">
-                <a:latin typeface="Arial" panose="020B0604020202020204" pitchFamily="34" charset="0"/>
-                <a:cs typeface="Arial" panose="020B0604020202020204" pitchFamily="34" charset="0"/>
-              </a:rPr>
-              <a:t>Существует три вида:</a:t>
-            </a:r>
-          </a:p>
-          <a:p>
-            <a:r>
-              <a:rPr lang="ru-RU" sz="4000" dirty="0" smtClean="0">
-                <a:latin typeface="Arial" panose="020B0604020202020204" pitchFamily="34" charset="0"/>
-                <a:cs typeface="Arial" panose="020B0604020202020204" pitchFamily="34" charset="0"/>
-              </a:rPr>
-              <a:t>Узловая;</a:t>
-            </a:r>
-          </a:p>
-          <a:p>
-            <a:r>
-              <a:rPr lang="ru-RU" sz="4000" dirty="0" smtClean="0">
-                <a:latin typeface="Arial" panose="020B0604020202020204" pitchFamily="34" charset="0"/>
-                <a:cs typeface="Arial" panose="020B0604020202020204" pitchFamily="34" charset="0"/>
-              </a:rPr>
-              <a:t>Усекающая;</a:t>
-            </a:r>
-          </a:p>
-          <a:p>
-            <a:r>
-              <a:rPr lang="ru-RU" sz="4000" dirty="0" smtClean="0">
-                <a:latin typeface="Arial" panose="020B0604020202020204" pitchFamily="34" charset="0"/>
-                <a:cs typeface="Arial" panose="020B0604020202020204" pitchFamily="34" charset="0"/>
-              </a:rPr>
-              <a:t>Растущая.</a:t>
-            </a:r>
-            <a:endParaRPr lang="ru-RU" sz="4000" dirty="0">
-              <a:latin typeface="Arial" panose="020B0604020202020204" pitchFamily="34" charset="0"/>
-              <a:cs typeface="Arial" panose="020B0604020202020204" pitchFamily="34" charset="0"/>
-            </a:endParaRPr>
           </a:p>
         </p:txBody>
       </p:sp>
     </p:spTree>
     <p:extLst>
       <p:ext uri="{BB962C8B-B14F-4D97-AF65-F5344CB8AC3E}">
-        <p14:creationId xmlns:p14="http://schemas.microsoft.com/office/powerpoint/2010/main" val="222166972"/>
+        <p14:creationId xmlns:p14="http://schemas.microsoft.com/office/powerpoint/2010/main" val="450339079"/>
       </p:ext>
     </p:extLst>
   </p:cSld>
@@ -10174,883 +9297,6 @@
         <p:cTn id="1" dur="indefinite" restart="never" nodeType="tmRoot"/>
       </p:par>
     </p:tnLst>
-  </p:timing>
-</p:sld>
-</file>
-
-<file path=ppt/slides/slide19.xml><?xml version="1.0" encoding="utf-8"?>
-<p:sld xmlns:a="http://schemas.openxmlformats.org/drawingml/2006/main" xmlns:r="http://schemas.openxmlformats.org/officeDocument/2006/relationships" xmlns:p="http://schemas.openxmlformats.org/presentationml/2006/main">
-  <p:cSld>
-    <p:spTree>
-      <p:nvGrpSpPr>
-        <p:cNvPr id="1" name=""/>
-        <p:cNvGrpSpPr/>
-        <p:nvPr/>
-      </p:nvGrpSpPr>
-      <p:grpSpPr>
-        <a:xfrm>
-          <a:off x="0" y="0"/>
-          <a:ext cx="0" cy="0"/>
-          <a:chOff x="0" y="0"/>
-          <a:chExt cx="0" cy="0"/>
-        </a:xfrm>
-      </p:grpSpPr>
-      <p:sp>
-        <p:nvSpPr>
-          <p:cNvPr id="2" name="Заголовок 1"/>
-          <p:cNvSpPr>
-            <a:spLocks noGrp="1"/>
-          </p:cNvSpPr>
-          <p:nvPr>
-            <p:ph type="title"/>
-          </p:nvPr>
-        </p:nvSpPr>
-        <p:spPr>
-          <a:xfrm>
-            <a:off x="1331640" y="-171400"/>
-            <a:ext cx="6948772" cy="1600200"/>
-          </a:xfrm>
-        </p:spPr>
-        <p:txBody>
-          <a:bodyPr>
-            <a:normAutofit/>
-          </a:bodyPr>
-          <a:lstStyle/>
-          <a:p>
-            <a:pPr algn="ctr"/>
-            <a:r>
-              <a:rPr lang="ru-RU" sz="4400" dirty="0" smtClean="0"/>
-              <a:t>Узловая. Терм на терм</a:t>
-            </a:r>
-            <a:endParaRPr lang="ru-RU" sz="4400" dirty="0"/>
-          </a:p>
-        </p:txBody>
-      </p:sp>
-      <p:sp>
-        <p:nvSpPr>
-          <p:cNvPr id="4" name="Овал 3"/>
-          <p:cNvSpPr/>
-          <p:nvPr/>
-        </p:nvSpPr>
-        <p:spPr>
-          <a:xfrm>
-            <a:off x="1403648" y="1688453"/>
-            <a:ext cx="1512168" cy="1152128"/>
-          </a:xfrm>
-          <a:prstGeom prst="ellipse">
-            <a:avLst/>
-          </a:prstGeom>
-        </p:spPr>
-        <p:style>
-          <a:lnRef idx="2">
-            <a:schemeClr val="accent1">
-              <a:shade val="50000"/>
-            </a:schemeClr>
-          </a:lnRef>
-          <a:fillRef idx="1">
-            <a:schemeClr val="accent1"/>
-          </a:fillRef>
-          <a:effectRef idx="0">
-            <a:schemeClr val="accent1"/>
-          </a:effectRef>
-          <a:fontRef idx="minor">
-            <a:schemeClr val="lt1"/>
-          </a:fontRef>
-        </p:style>
-        <p:txBody>
-          <a:bodyPr rtlCol="0" anchor="ctr"/>
-          <a:lstStyle/>
-          <a:p>
-            <a:pPr algn="ctr"/>
-            <a:r>
-              <a:rPr lang="en-US" sz="3200" dirty="0" smtClean="0"/>
-              <a:t>/</a:t>
-            </a:r>
-            <a:endParaRPr lang="ru-RU" sz="3200" dirty="0"/>
-          </a:p>
-        </p:txBody>
-      </p:sp>
-      <p:sp>
-        <p:nvSpPr>
-          <p:cNvPr id="5" name="Овал 4"/>
-          <p:cNvSpPr/>
-          <p:nvPr/>
-        </p:nvSpPr>
-        <p:spPr>
-          <a:xfrm>
-            <a:off x="179512" y="2996952"/>
-            <a:ext cx="1512168" cy="1152128"/>
-          </a:xfrm>
-          <a:prstGeom prst="ellipse">
-            <a:avLst/>
-          </a:prstGeom>
-        </p:spPr>
-        <p:style>
-          <a:lnRef idx="2">
-            <a:schemeClr val="accent1">
-              <a:shade val="50000"/>
-            </a:schemeClr>
-          </a:lnRef>
-          <a:fillRef idx="1">
-            <a:schemeClr val="accent1"/>
-          </a:fillRef>
-          <a:effectRef idx="0">
-            <a:schemeClr val="accent1"/>
-          </a:effectRef>
-          <a:fontRef idx="minor">
-            <a:schemeClr val="lt1"/>
-          </a:fontRef>
-        </p:style>
-        <p:txBody>
-          <a:bodyPr rtlCol="0" anchor="ctr"/>
-          <a:lstStyle/>
-          <a:p>
-            <a:pPr algn="ctr"/>
-            <a:r>
-              <a:rPr lang="en-US" sz="3200" dirty="0" err="1" smtClean="0"/>
-              <a:t>exp</a:t>
-            </a:r>
-            <a:endParaRPr lang="ru-RU" sz="3200" dirty="0"/>
-          </a:p>
-        </p:txBody>
-      </p:sp>
-      <p:sp>
-        <p:nvSpPr>
-          <p:cNvPr id="6" name="Овал 5"/>
-          <p:cNvSpPr/>
-          <p:nvPr/>
-        </p:nvSpPr>
-        <p:spPr>
-          <a:xfrm>
-            <a:off x="2987824" y="2924944"/>
-            <a:ext cx="1512168" cy="1152128"/>
-          </a:xfrm>
-          <a:prstGeom prst="ellipse">
-            <a:avLst/>
-          </a:prstGeom>
-        </p:spPr>
-        <p:style>
-          <a:lnRef idx="2">
-            <a:schemeClr val="accent1">
-              <a:shade val="50000"/>
-            </a:schemeClr>
-          </a:lnRef>
-          <a:fillRef idx="1">
-            <a:schemeClr val="accent1"/>
-          </a:fillRef>
-          <a:effectRef idx="0">
-            <a:schemeClr val="accent1"/>
-          </a:effectRef>
-          <a:fontRef idx="minor">
-            <a:schemeClr val="lt1"/>
-          </a:fontRef>
-        </p:style>
-        <p:txBody>
-          <a:bodyPr rtlCol="0" anchor="ctr"/>
-          <a:lstStyle/>
-          <a:p>
-            <a:pPr algn="ctr"/>
-            <a:r>
-              <a:rPr lang="en-US" sz="3200" dirty="0" smtClean="0"/>
-              <a:t>abs</a:t>
-            </a:r>
-            <a:endParaRPr lang="ru-RU" sz="3200" dirty="0"/>
-          </a:p>
-        </p:txBody>
-      </p:sp>
-      <p:sp>
-        <p:nvSpPr>
-          <p:cNvPr id="7" name="Овал 6"/>
-          <p:cNvSpPr/>
-          <p:nvPr/>
-        </p:nvSpPr>
-        <p:spPr>
-          <a:xfrm>
-            <a:off x="179512" y="4675679"/>
-            <a:ext cx="1512168" cy="1152128"/>
-          </a:xfrm>
-          <a:prstGeom prst="ellipse">
-            <a:avLst/>
-          </a:prstGeom>
-        </p:spPr>
-        <p:style>
-          <a:lnRef idx="2">
-            <a:schemeClr val="accent1">
-              <a:shade val="50000"/>
-            </a:schemeClr>
-          </a:lnRef>
-          <a:fillRef idx="1">
-            <a:schemeClr val="accent1"/>
-          </a:fillRef>
-          <a:effectRef idx="0">
-            <a:schemeClr val="accent1"/>
-          </a:effectRef>
-          <a:fontRef idx="minor">
-            <a:schemeClr val="lt1"/>
-          </a:fontRef>
-        </p:style>
-        <p:txBody>
-          <a:bodyPr rtlCol="0" anchor="ctr"/>
-          <a:lstStyle/>
-          <a:p>
-            <a:pPr algn="ctr"/>
-            <a:r>
-              <a:rPr lang="en-US" sz="3200" dirty="0" smtClean="0"/>
-              <a:t>x</a:t>
-            </a:r>
-            <a:endParaRPr lang="ru-RU" sz="3200" dirty="0"/>
-          </a:p>
-        </p:txBody>
-      </p:sp>
-      <p:sp>
-        <p:nvSpPr>
-          <p:cNvPr id="8" name="Овал 7"/>
-          <p:cNvSpPr/>
-          <p:nvPr/>
-        </p:nvSpPr>
-        <p:spPr>
-          <a:xfrm>
-            <a:off x="2987824" y="4603671"/>
-            <a:ext cx="1512168" cy="1152128"/>
-          </a:xfrm>
-          <a:prstGeom prst="ellipse">
-            <a:avLst/>
-          </a:prstGeom>
-        </p:spPr>
-        <p:style>
-          <a:lnRef idx="2">
-            <a:schemeClr val="accent1">
-              <a:shade val="50000"/>
-            </a:schemeClr>
-          </a:lnRef>
-          <a:fillRef idx="1">
-            <a:schemeClr val="accent1"/>
-          </a:fillRef>
-          <a:effectRef idx="0">
-            <a:schemeClr val="accent1"/>
-          </a:effectRef>
-          <a:fontRef idx="minor">
-            <a:schemeClr val="lt1"/>
-          </a:fontRef>
-        </p:style>
-        <p:txBody>
-          <a:bodyPr rtlCol="0" anchor="ctr"/>
-          <a:lstStyle/>
-          <a:p>
-            <a:pPr algn="ctr"/>
-            <a:r>
-              <a:rPr lang="en-US" sz="3200" dirty="0" smtClean="0"/>
-              <a:t>-3.56</a:t>
-            </a:r>
-            <a:endParaRPr lang="ru-RU" sz="3200" dirty="0"/>
-          </a:p>
-        </p:txBody>
-      </p:sp>
-      <p:cxnSp>
-        <p:nvCxnSpPr>
-          <p:cNvPr id="9" name="Прямая соединительная линия 8"/>
-          <p:cNvCxnSpPr>
-            <a:stCxn id="5" idx="0"/>
-            <a:endCxn id="4" idx="3"/>
-          </p:cNvCxnSpPr>
-          <p:nvPr/>
-        </p:nvCxnSpPr>
-        <p:spPr>
-          <a:xfrm flipV="1">
-            <a:off x="935596" y="2671856"/>
-            <a:ext cx="689504" cy="325096"/>
-          </a:xfrm>
-          <a:prstGeom prst="line">
-            <a:avLst/>
-          </a:prstGeom>
-        </p:spPr>
-        <p:style>
-          <a:lnRef idx="1">
-            <a:schemeClr val="accent1"/>
-          </a:lnRef>
-          <a:fillRef idx="0">
-            <a:schemeClr val="accent1"/>
-          </a:fillRef>
-          <a:effectRef idx="0">
-            <a:schemeClr val="accent1"/>
-          </a:effectRef>
-          <a:fontRef idx="minor">
-            <a:schemeClr val="tx1"/>
-          </a:fontRef>
-        </p:style>
-      </p:cxnSp>
-      <p:cxnSp>
-        <p:nvCxnSpPr>
-          <p:cNvPr id="10" name="Прямая соединительная линия 9"/>
-          <p:cNvCxnSpPr>
-            <a:stCxn id="4" idx="5"/>
-            <a:endCxn id="6" idx="1"/>
-          </p:cNvCxnSpPr>
-          <p:nvPr/>
-        </p:nvCxnSpPr>
-        <p:spPr>
-          <a:xfrm>
-            <a:off x="2694364" y="2671856"/>
-            <a:ext cx="514912" cy="421813"/>
-          </a:xfrm>
-          <a:prstGeom prst="line">
-            <a:avLst/>
-          </a:prstGeom>
-        </p:spPr>
-        <p:style>
-          <a:lnRef idx="1">
-            <a:schemeClr val="accent1"/>
-          </a:lnRef>
-          <a:fillRef idx="0">
-            <a:schemeClr val="accent1"/>
-          </a:fillRef>
-          <a:effectRef idx="0">
-            <a:schemeClr val="accent1"/>
-          </a:effectRef>
-          <a:fontRef idx="minor">
-            <a:schemeClr val="tx1"/>
-          </a:fontRef>
-        </p:style>
-      </p:cxnSp>
-      <p:cxnSp>
-        <p:nvCxnSpPr>
-          <p:cNvPr id="11" name="Прямая соединительная линия 10"/>
-          <p:cNvCxnSpPr>
-            <a:stCxn id="5" idx="4"/>
-          </p:cNvCxnSpPr>
-          <p:nvPr/>
-        </p:nvCxnSpPr>
-        <p:spPr>
-          <a:xfrm>
-            <a:off x="935596" y="4149080"/>
-            <a:ext cx="0" cy="648072"/>
-          </a:xfrm>
-          <a:prstGeom prst="line">
-            <a:avLst/>
-          </a:prstGeom>
-        </p:spPr>
-        <p:style>
-          <a:lnRef idx="1">
-            <a:schemeClr val="accent1"/>
-          </a:lnRef>
-          <a:fillRef idx="0">
-            <a:schemeClr val="accent1"/>
-          </a:fillRef>
-          <a:effectRef idx="0">
-            <a:schemeClr val="accent1"/>
-          </a:effectRef>
-          <a:fontRef idx="minor">
-            <a:schemeClr val="tx1"/>
-          </a:fontRef>
-        </p:style>
-      </p:cxnSp>
-      <p:cxnSp>
-        <p:nvCxnSpPr>
-          <p:cNvPr id="12" name="Прямая соединительная линия 11"/>
-          <p:cNvCxnSpPr>
-            <a:stCxn id="6" idx="4"/>
-            <a:endCxn id="8" idx="0"/>
-          </p:cNvCxnSpPr>
-          <p:nvPr/>
-        </p:nvCxnSpPr>
-        <p:spPr>
-          <a:xfrm>
-            <a:off x="3743908" y="4077072"/>
-            <a:ext cx="0" cy="526599"/>
-          </a:xfrm>
-          <a:prstGeom prst="line">
-            <a:avLst/>
-          </a:prstGeom>
-        </p:spPr>
-        <p:style>
-          <a:lnRef idx="1">
-            <a:schemeClr val="accent1"/>
-          </a:lnRef>
-          <a:fillRef idx="0">
-            <a:schemeClr val="accent1"/>
-          </a:fillRef>
-          <a:effectRef idx="0">
-            <a:schemeClr val="accent1"/>
-          </a:effectRef>
-          <a:fontRef idx="minor">
-            <a:schemeClr val="tx1"/>
-          </a:fontRef>
-        </p:style>
-      </p:cxnSp>
-      <p:sp>
-        <p:nvSpPr>
-          <p:cNvPr id="13" name="Овал 12"/>
-          <p:cNvSpPr/>
-          <p:nvPr/>
-        </p:nvSpPr>
-        <p:spPr>
-          <a:xfrm>
-            <a:off x="5940152" y="1628800"/>
-            <a:ext cx="1512168" cy="1152128"/>
-          </a:xfrm>
-          <a:prstGeom prst="ellipse">
-            <a:avLst/>
-          </a:prstGeom>
-        </p:spPr>
-        <p:style>
-          <a:lnRef idx="2">
-            <a:schemeClr val="accent1">
-              <a:shade val="50000"/>
-            </a:schemeClr>
-          </a:lnRef>
-          <a:fillRef idx="1">
-            <a:schemeClr val="accent1"/>
-          </a:fillRef>
-          <a:effectRef idx="0">
-            <a:schemeClr val="accent1"/>
-          </a:effectRef>
-          <a:fontRef idx="minor">
-            <a:schemeClr val="lt1"/>
-          </a:fontRef>
-        </p:style>
-        <p:txBody>
-          <a:bodyPr rtlCol="0" anchor="ctr"/>
-          <a:lstStyle/>
-          <a:p>
-            <a:pPr algn="ctr"/>
-            <a:r>
-              <a:rPr lang="en-US" sz="3200" dirty="0" smtClean="0"/>
-              <a:t>/</a:t>
-            </a:r>
-            <a:endParaRPr lang="ru-RU" sz="3200" dirty="0"/>
-          </a:p>
-        </p:txBody>
-      </p:sp>
-      <p:sp>
-        <p:nvSpPr>
-          <p:cNvPr id="14" name="Овал 13"/>
-          <p:cNvSpPr/>
-          <p:nvPr/>
-        </p:nvSpPr>
-        <p:spPr>
-          <a:xfrm>
-            <a:off x="4716016" y="2937299"/>
-            <a:ext cx="1512168" cy="1152128"/>
-          </a:xfrm>
-          <a:prstGeom prst="ellipse">
-            <a:avLst/>
-          </a:prstGeom>
-        </p:spPr>
-        <p:style>
-          <a:lnRef idx="2">
-            <a:schemeClr val="accent1">
-              <a:shade val="50000"/>
-            </a:schemeClr>
-          </a:lnRef>
-          <a:fillRef idx="1">
-            <a:schemeClr val="accent1"/>
-          </a:fillRef>
-          <a:effectRef idx="0">
-            <a:schemeClr val="accent1"/>
-          </a:effectRef>
-          <a:fontRef idx="minor">
-            <a:schemeClr val="lt1"/>
-          </a:fontRef>
-        </p:style>
-        <p:txBody>
-          <a:bodyPr rtlCol="0" anchor="ctr"/>
-          <a:lstStyle/>
-          <a:p>
-            <a:pPr algn="ctr"/>
-            <a:r>
-              <a:rPr lang="en-US" sz="3200" dirty="0" err="1" smtClean="0"/>
-              <a:t>exp</a:t>
-            </a:r>
-            <a:endParaRPr lang="ru-RU" sz="3200" dirty="0"/>
-          </a:p>
-        </p:txBody>
-      </p:sp>
-      <p:sp>
-        <p:nvSpPr>
-          <p:cNvPr id="15" name="Овал 14"/>
-          <p:cNvSpPr/>
-          <p:nvPr/>
-        </p:nvSpPr>
-        <p:spPr>
-          <a:xfrm>
-            <a:off x="7524328" y="2865291"/>
-            <a:ext cx="1512168" cy="1152128"/>
-          </a:xfrm>
-          <a:prstGeom prst="ellipse">
-            <a:avLst/>
-          </a:prstGeom>
-        </p:spPr>
-        <p:style>
-          <a:lnRef idx="2">
-            <a:schemeClr val="accent1">
-              <a:shade val="50000"/>
-            </a:schemeClr>
-          </a:lnRef>
-          <a:fillRef idx="1">
-            <a:schemeClr val="accent1"/>
-          </a:fillRef>
-          <a:effectRef idx="0">
-            <a:schemeClr val="accent1"/>
-          </a:effectRef>
-          <a:fontRef idx="minor">
-            <a:schemeClr val="lt1"/>
-          </a:fontRef>
-        </p:style>
-        <p:txBody>
-          <a:bodyPr rtlCol="0" anchor="ctr"/>
-          <a:lstStyle/>
-          <a:p>
-            <a:pPr algn="ctr"/>
-            <a:r>
-              <a:rPr lang="en-US" sz="3200" dirty="0" smtClean="0"/>
-              <a:t>abs</a:t>
-            </a:r>
-            <a:endParaRPr lang="ru-RU" sz="3200" dirty="0"/>
-          </a:p>
-        </p:txBody>
-      </p:sp>
-      <p:sp>
-        <p:nvSpPr>
-          <p:cNvPr id="16" name="Овал 15"/>
-          <p:cNvSpPr/>
-          <p:nvPr/>
-        </p:nvSpPr>
-        <p:spPr>
-          <a:xfrm>
-            <a:off x="4716016" y="4616026"/>
-            <a:ext cx="1512168" cy="1152128"/>
-          </a:xfrm>
-          <a:prstGeom prst="ellipse">
-            <a:avLst/>
-          </a:prstGeom>
-        </p:spPr>
-        <p:style>
-          <a:lnRef idx="2">
-            <a:schemeClr val="accent1">
-              <a:shade val="50000"/>
-            </a:schemeClr>
-          </a:lnRef>
-          <a:fillRef idx="1">
-            <a:schemeClr val="accent1"/>
-          </a:fillRef>
-          <a:effectRef idx="0">
-            <a:schemeClr val="accent1"/>
-          </a:effectRef>
-          <a:fontRef idx="minor">
-            <a:schemeClr val="lt1"/>
-          </a:fontRef>
-        </p:style>
-        <p:txBody>
-          <a:bodyPr rtlCol="0" anchor="ctr"/>
-          <a:lstStyle/>
-          <a:p>
-            <a:pPr algn="ctr"/>
-            <a:r>
-              <a:rPr lang="en-US" sz="3200" dirty="0" smtClean="0"/>
-              <a:t>x</a:t>
-            </a:r>
-            <a:endParaRPr lang="ru-RU" sz="3200" dirty="0"/>
-          </a:p>
-        </p:txBody>
-      </p:sp>
-      <p:sp>
-        <p:nvSpPr>
-          <p:cNvPr id="17" name="Овал 16"/>
-          <p:cNvSpPr/>
-          <p:nvPr/>
-        </p:nvSpPr>
-        <p:spPr>
-          <a:xfrm>
-            <a:off x="7524328" y="4544018"/>
-            <a:ext cx="1512168" cy="1152128"/>
-          </a:xfrm>
-          <a:prstGeom prst="ellipse">
-            <a:avLst/>
-          </a:prstGeom>
-        </p:spPr>
-        <p:style>
-          <a:lnRef idx="2">
-            <a:schemeClr val="accent1">
-              <a:shade val="50000"/>
-            </a:schemeClr>
-          </a:lnRef>
-          <a:fillRef idx="1">
-            <a:schemeClr val="accent1"/>
-          </a:fillRef>
-          <a:effectRef idx="0">
-            <a:schemeClr val="accent1"/>
-          </a:effectRef>
-          <a:fontRef idx="minor">
-            <a:schemeClr val="lt1"/>
-          </a:fontRef>
-        </p:style>
-        <p:txBody>
-          <a:bodyPr rtlCol="0" anchor="ctr"/>
-          <a:lstStyle/>
-          <a:p>
-            <a:pPr algn="ctr"/>
-            <a:r>
-              <a:rPr lang="ru-RU" sz="3200" dirty="0" smtClean="0"/>
-              <a:t>10.7</a:t>
-            </a:r>
-            <a:endParaRPr lang="ru-RU" sz="3200" dirty="0"/>
-          </a:p>
-        </p:txBody>
-      </p:sp>
-      <p:cxnSp>
-        <p:nvCxnSpPr>
-          <p:cNvPr id="18" name="Прямая соединительная линия 17"/>
-          <p:cNvCxnSpPr>
-            <a:stCxn id="14" idx="0"/>
-            <a:endCxn id="13" idx="3"/>
-          </p:cNvCxnSpPr>
-          <p:nvPr/>
-        </p:nvCxnSpPr>
-        <p:spPr>
-          <a:xfrm flipV="1">
-            <a:off x="5472100" y="2612203"/>
-            <a:ext cx="689504" cy="325096"/>
-          </a:xfrm>
-          <a:prstGeom prst="line">
-            <a:avLst/>
-          </a:prstGeom>
-        </p:spPr>
-        <p:style>
-          <a:lnRef idx="1">
-            <a:schemeClr val="accent1"/>
-          </a:lnRef>
-          <a:fillRef idx="0">
-            <a:schemeClr val="accent1"/>
-          </a:fillRef>
-          <a:effectRef idx="0">
-            <a:schemeClr val="accent1"/>
-          </a:effectRef>
-          <a:fontRef idx="minor">
-            <a:schemeClr val="tx1"/>
-          </a:fontRef>
-        </p:style>
-      </p:cxnSp>
-      <p:cxnSp>
-        <p:nvCxnSpPr>
-          <p:cNvPr id="19" name="Прямая соединительная линия 18"/>
-          <p:cNvCxnSpPr>
-            <a:stCxn id="13" idx="5"/>
-            <a:endCxn id="15" idx="1"/>
-          </p:cNvCxnSpPr>
-          <p:nvPr/>
-        </p:nvCxnSpPr>
-        <p:spPr>
-          <a:xfrm>
-            <a:off x="7230868" y="2612203"/>
-            <a:ext cx="514912" cy="421813"/>
-          </a:xfrm>
-          <a:prstGeom prst="line">
-            <a:avLst/>
-          </a:prstGeom>
-        </p:spPr>
-        <p:style>
-          <a:lnRef idx="1">
-            <a:schemeClr val="accent1"/>
-          </a:lnRef>
-          <a:fillRef idx="0">
-            <a:schemeClr val="accent1"/>
-          </a:fillRef>
-          <a:effectRef idx="0">
-            <a:schemeClr val="accent1"/>
-          </a:effectRef>
-          <a:fontRef idx="minor">
-            <a:schemeClr val="tx1"/>
-          </a:fontRef>
-        </p:style>
-      </p:cxnSp>
-      <p:cxnSp>
-        <p:nvCxnSpPr>
-          <p:cNvPr id="20" name="Прямая соединительная линия 19"/>
-          <p:cNvCxnSpPr>
-            <a:stCxn id="14" idx="4"/>
-            <a:endCxn id="16" idx="0"/>
-          </p:cNvCxnSpPr>
-          <p:nvPr/>
-        </p:nvCxnSpPr>
-        <p:spPr>
-          <a:xfrm>
-            <a:off x="5472100" y="4089427"/>
-            <a:ext cx="0" cy="526599"/>
-          </a:xfrm>
-          <a:prstGeom prst="line">
-            <a:avLst/>
-          </a:prstGeom>
-        </p:spPr>
-        <p:style>
-          <a:lnRef idx="1">
-            <a:schemeClr val="accent1"/>
-          </a:lnRef>
-          <a:fillRef idx="0">
-            <a:schemeClr val="accent1"/>
-          </a:fillRef>
-          <a:effectRef idx="0">
-            <a:schemeClr val="accent1"/>
-          </a:effectRef>
-          <a:fontRef idx="minor">
-            <a:schemeClr val="tx1"/>
-          </a:fontRef>
-        </p:style>
-      </p:cxnSp>
-      <p:cxnSp>
-        <p:nvCxnSpPr>
-          <p:cNvPr id="21" name="Прямая соединительная линия 20"/>
-          <p:cNvCxnSpPr>
-            <a:stCxn id="15" idx="4"/>
-            <a:endCxn id="17" idx="0"/>
-          </p:cNvCxnSpPr>
-          <p:nvPr/>
-        </p:nvCxnSpPr>
-        <p:spPr>
-          <a:xfrm>
-            <a:off x="8280412" y="4017419"/>
-            <a:ext cx="0" cy="526599"/>
-          </a:xfrm>
-          <a:prstGeom prst="line">
-            <a:avLst/>
-          </a:prstGeom>
-        </p:spPr>
-        <p:style>
-          <a:lnRef idx="1">
-            <a:schemeClr val="accent1"/>
-          </a:lnRef>
-          <a:fillRef idx="0">
-            <a:schemeClr val="accent1"/>
-          </a:fillRef>
-          <a:effectRef idx="0">
-            <a:schemeClr val="accent1"/>
-          </a:effectRef>
-          <a:fontRef idx="minor">
-            <a:schemeClr val="tx1"/>
-          </a:fontRef>
-        </p:style>
-      </p:cxnSp>
-    </p:spTree>
-    <p:extLst>
-      <p:ext uri="{BB962C8B-B14F-4D97-AF65-F5344CB8AC3E}">
-        <p14:creationId xmlns:p14="http://schemas.microsoft.com/office/powerpoint/2010/main" val="1432335857"/>
-      </p:ext>
-    </p:extLst>
-  </p:cSld>
-  <p:clrMapOvr>
-    <a:masterClrMapping/>
-  </p:clrMapOvr>
-  <p:timing>
-    <p:tnLst>
-      <p:par>
-        <p:cTn id="1" dur="indefinite" restart="never" nodeType="tmRoot">
-          <p:childTnLst>
-            <p:seq concurrent="1" nextAc="seek">
-              <p:cTn id="2" dur="indefinite" nodeType="mainSeq">
-                <p:childTnLst>
-                  <p:par>
-                    <p:cTn id="3" fill="hold">
-                      <p:stCondLst>
-                        <p:cond delay="indefinite"/>
-                      </p:stCondLst>
-                      <p:childTnLst>
-                        <p:par>
-                          <p:cTn id="4" fill="hold">
-                            <p:stCondLst>
-                              <p:cond delay="0"/>
-                            </p:stCondLst>
-                            <p:childTnLst>
-                              <p:par>
-                                <p:cTn id="5" presetID="26" presetClass="emph" presetSubtype="0" fill="hold" grpId="0" nodeType="clickEffect">
-                                  <p:stCondLst>
-                                    <p:cond delay="0"/>
-                                  </p:stCondLst>
-                                  <p:childTnLst>
-                                    <p:animEffect transition="out" filter="fade">
-                                      <p:cBhvr>
-                                        <p:cTn id="6" dur="750" tmFilter="0, 0; .2, .5; .8, .5; 1, 0"/>
-                                        <p:tgtEl>
-                                          <p:spTgt spid="8"/>
-                                        </p:tgtEl>
-                                      </p:cBhvr>
-                                    </p:animEffect>
-                                    <p:animScale>
-                                      <p:cBhvr>
-                                        <p:cTn id="7" dur="375" autoRev="1" fill="hold"/>
-                                        <p:tgtEl>
-                                          <p:spTgt spid="8"/>
-                                        </p:tgtEl>
-                                      </p:cBhvr>
-                                      <p:by x="105000" y="105000"/>
-                                    </p:animScale>
-                                  </p:childTnLst>
-                                </p:cTn>
-                              </p:par>
-                            </p:childTnLst>
-                          </p:cTn>
-                        </p:par>
-                        <p:par>
-                          <p:cTn id="8" fill="hold">
-                            <p:stCondLst>
-                              <p:cond delay="750"/>
-                            </p:stCondLst>
-                            <p:childTnLst>
-                              <p:par>
-                                <p:cTn id="9" presetID="26" presetClass="emph" presetSubtype="0" fill="hold" grpId="0" nodeType="afterEffect">
-                                  <p:stCondLst>
-                                    <p:cond delay="0"/>
-                                  </p:stCondLst>
-                                  <p:childTnLst>
-                                    <p:animEffect transition="out" filter="fade">
-                                      <p:cBhvr>
-                                        <p:cTn id="10" dur="750" tmFilter="0, 0; .2, .5; .8, .5; 1, 0"/>
-                                        <p:tgtEl>
-                                          <p:spTgt spid="17"/>
-                                        </p:tgtEl>
-                                      </p:cBhvr>
-                                    </p:animEffect>
-                                    <p:animScale>
-                                      <p:cBhvr>
-                                        <p:cTn id="11" dur="375" autoRev="1" fill="hold"/>
-                                        <p:tgtEl>
-                                          <p:spTgt spid="17"/>
-                                        </p:tgtEl>
-                                      </p:cBhvr>
-                                      <p:by x="105000" y="105000"/>
-                                    </p:animScale>
-                                  </p:childTnLst>
-                                </p:cTn>
-                              </p:par>
-                            </p:childTnLst>
-                          </p:cTn>
-                        </p:par>
-                      </p:childTnLst>
-                    </p:cTn>
-                  </p:par>
-                </p:childTnLst>
-              </p:cTn>
-              <p:prevCondLst>
-                <p:cond evt="onPrev" delay="0">
-                  <p:tgtEl>
-                    <p:sldTgt/>
-                  </p:tgtEl>
-                </p:cond>
-              </p:prevCondLst>
-              <p:nextCondLst>
-                <p:cond evt="onNext" delay="0">
-                  <p:tgtEl>
-                    <p:sldTgt/>
-                  </p:tgtEl>
-                </p:cond>
-              </p:nextCondLst>
-            </p:seq>
-          </p:childTnLst>
-        </p:cTn>
-      </p:par>
-    </p:tnLst>
-    <p:bldLst>
-      <p:bldP spid="8" grpId="0" animBg="1"/>
-      <p:bldP spid="17" grpId="0" animBg="1"/>
-    </p:bldLst>
   </p:timing>
 </p:sld>
 </file>
@@ -11205,1087 +9451,6 @@
 </p:sld>
 </file>
 
-<file path=ppt/slides/slide20.xml><?xml version="1.0" encoding="utf-8"?>
-<p:sld xmlns:a="http://schemas.openxmlformats.org/drawingml/2006/main" xmlns:r="http://schemas.openxmlformats.org/officeDocument/2006/relationships" xmlns:p="http://schemas.openxmlformats.org/presentationml/2006/main">
-  <p:cSld>
-    <p:spTree>
-      <p:nvGrpSpPr>
-        <p:cNvPr id="1" name=""/>
-        <p:cNvGrpSpPr/>
-        <p:nvPr/>
-      </p:nvGrpSpPr>
-      <p:grpSpPr>
-        <a:xfrm>
-          <a:off x="0" y="0"/>
-          <a:ext cx="0" cy="0"/>
-          <a:chOff x="0" y="0"/>
-          <a:chExt cx="0" cy="0"/>
-        </a:xfrm>
-      </p:grpSpPr>
-      <p:sp>
-        <p:nvSpPr>
-          <p:cNvPr id="2" name="Заголовок 1"/>
-          <p:cNvSpPr>
-            <a:spLocks noGrp="1"/>
-          </p:cNvSpPr>
-          <p:nvPr>
-            <p:ph type="title"/>
-          </p:nvPr>
-        </p:nvSpPr>
-        <p:spPr>
-          <a:xfrm>
-            <a:off x="1187624" y="22776"/>
-            <a:ext cx="6781800" cy="1600200"/>
-          </a:xfrm>
-        </p:spPr>
-        <p:txBody>
-          <a:bodyPr/>
-          <a:lstStyle/>
-          <a:p>
-            <a:pPr algn="ctr"/>
-            <a:r>
-              <a:rPr lang="ru-RU" dirty="0" smtClean="0"/>
-              <a:t>Результат</a:t>
-            </a:r>
-            <a:endParaRPr lang="ru-RU" dirty="0"/>
-          </a:p>
-        </p:txBody>
-      </p:sp>
-      <p:sp>
-        <p:nvSpPr>
-          <p:cNvPr id="3" name="Объект 2"/>
-          <p:cNvSpPr>
-            <a:spLocks noGrp="1"/>
-          </p:cNvSpPr>
-          <p:nvPr>
-            <p:ph idx="1"/>
-          </p:nvPr>
-        </p:nvSpPr>
-        <p:spPr>
-          <a:xfrm>
-            <a:off x="395536" y="1844824"/>
-            <a:ext cx="8424936" cy="3886200"/>
-          </a:xfrm>
-        </p:spPr>
-        <p:txBody>
-          <a:bodyPr>
-            <a:noAutofit/>
-          </a:bodyPr>
-          <a:lstStyle/>
-          <a:p>
-            <a:pPr>
-              <a:lnSpc>
-                <a:spcPct val="150000"/>
-              </a:lnSpc>
-            </a:pPr>
-            <a:r>
-              <a:rPr lang="ru-RU" sz="3200" dirty="0" smtClean="0">
-                <a:latin typeface="Arial" panose="020B0604020202020204" pitchFamily="34" charset="0"/>
-                <a:ea typeface="Cambria Math" panose="02040503050406030204" pitchFamily="18" charset="0"/>
-                <a:cs typeface="Arial" panose="020B0604020202020204" pitchFamily="34" charset="0"/>
-              </a:rPr>
-              <a:t>Исходная функция:</a:t>
-            </a:r>
-            <a:r>
-              <a:rPr lang="en-US" sz="3200" dirty="0" smtClean="0">
-                <a:latin typeface="Cambria Math" panose="02040503050406030204" pitchFamily="18" charset="0"/>
-                <a:ea typeface="Cambria Math" panose="02040503050406030204" pitchFamily="18" charset="0"/>
-              </a:rPr>
-              <a:t> </a:t>
-            </a:r>
-            <a:r>
-              <a:rPr lang="en-US" sz="3200" dirty="0" smtClean="0">
-                <a:latin typeface="Arial" panose="020B0604020202020204" pitchFamily="34" charset="0"/>
-                <a:ea typeface="Cambria Math" panose="02040503050406030204" pitchFamily="18" charset="0"/>
-                <a:cs typeface="Arial" panose="020B0604020202020204" pitchFamily="34" charset="0"/>
-              </a:rPr>
-              <a:t>sin⁡</a:t>
-            </a:r>
-            <a:r>
-              <a:rPr lang="ru-RU" sz="3200" dirty="0" smtClean="0">
-                <a:latin typeface="Arial" panose="020B0604020202020204" pitchFamily="34" charset="0"/>
-                <a:ea typeface="Cambria Math" panose="02040503050406030204" pitchFamily="18" charset="0"/>
-                <a:cs typeface="Arial" panose="020B0604020202020204" pitchFamily="34" charset="0"/>
-              </a:rPr>
-              <a:t> </a:t>
-            </a:r>
-            <a:r>
-              <a:rPr lang="en-US" sz="3200" dirty="0" smtClean="0">
-                <a:latin typeface="Arial" panose="020B0604020202020204" pitchFamily="34" charset="0"/>
-                <a:ea typeface="Cambria Math" panose="02040503050406030204" pitchFamily="18" charset="0"/>
-                <a:cs typeface="Arial" panose="020B0604020202020204" pitchFamily="34" charset="0"/>
-              </a:rPr>
-              <a:t>(x</a:t>
-            </a:r>
-            <a:r>
-              <a:rPr lang="ru-RU" sz="3200" dirty="0" smtClean="0">
-                <a:latin typeface="Arial" panose="020B0604020202020204" pitchFamily="34" charset="0"/>
-                <a:ea typeface="Cambria Math" panose="02040503050406030204" pitchFamily="18" charset="0"/>
-                <a:cs typeface="Arial" panose="020B0604020202020204" pitchFamily="34" charset="0"/>
-              </a:rPr>
-              <a:t> </a:t>
-            </a:r>
-            <a:r>
-              <a:rPr lang="en-US" sz="3200" dirty="0" smtClean="0">
-                <a:latin typeface="Arial" panose="020B0604020202020204" pitchFamily="34" charset="0"/>
-                <a:ea typeface="Cambria Math" panose="02040503050406030204" pitchFamily="18" charset="0"/>
-                <a:cs typeface="Arial" panose="020B0604020202020204" pitchFamily="34" charset="0"/>
-              </a:rPr>
-              <a:t>*</a:t>
-            </a:r>
-            <a:r>
-              <a:rPr lang="ru-RU" sz="3200" dirty="0" smtClean="0">
-                <a:latin typeface="Arial" panose="020B0604020202020204" pitchFamily="34" charset="0"/>
-                <a:ea typeface="Cambria Math" panose="02040503050406030204" pitchFamily="18" charset="0"/>
-                <a:cs typeface="Arial" panose="020B0604020202020204" pitchFamily="34" charset="0"/>
-              </a:rPr>
-              <a:t> </a:t>
-            </a:r>
-            <a:r>
-              <a:rPr lang="en-US" sz="3200" dirty="0" smtClean="0">
-                <a:latin typeface="Arial" panose="020B0604020202020204" pitchFamily="34" charset="0"/>
-                <a:ea typeface="Cambria Math" panose="02040503050406030204" pitchFamily="18" charset="0"/>
-                <a:cs typeface="Arial" panose="020B0604020202020204" pitchFamily="34" charset="0"/>
-              </a:rPr>
-              <a:t>x)</a:t>
-            </a:r>
-            <a:r>
-              <a:rPr lang="ru-RU" sz="3200" dirty="0" smtClean="0">
-                <a:latin typeface="Arial" panose="020B0604020202020204" pitchFamily="34" charset="0"/>
-                <a:ea typeface="Cambria Math" panose="02040503050406030204" pitchFamily="18" charset="0"/>
-                <a:cs typeface="Arial" panose="020B0604020202020204" pitchFamily="34" charset="0"/>
-              </a:rPr>
-              <a:t> </a:t>
-            </a:r>
-            <a:r>
-              <a:rPr lang="en-US" sz="3200" dirty="0" smtClean="0">
-                <a:latin typeface="Arial" panose="020B0604020202020204" pitchFamily="34" charset="0"/>
-                <a:ea typeface="Cambria Math" panose="02040503050406030204" pitchFamily="18" charset="0"/>
-                <a:cs typeface="Arial" panose="020B0604020202020204" pitchFamily="34" charset="0"/>
-              </a:rPr>
-              <a:t>*</a:t>
-            </a:r>
-            <a:r>
-              <a:rPr lang="ru-RU" sz="3200" dirty="0" smtClean="0">
-                <a:latin typeface="Arial" panose="020B0604020202020204" pitchFamily="34" charset="0"/>
-                <a:ea typeface="Cambria Math" panose="02040503050406030204" pitchFamily="18" charset="0"/>
-                <a:cs typeface="Arial" panose="020B0604020202020204" pitchFamily="34" charset="0"/>
-              </a:rPr>
-              <a:t> </a:t>
-            </a:r>
-            <a:r>
-              <a:rPr lang="en-US" sz="3200" dirty="0" smtClean="0">
-                <a:latin typeface="Arial" panose="020B0604020202020204" pitchFamily="34" charset="0"/>
-                <a:ea typeface="Cambria Math" panose="02040503050406030204" pitchFamily="18" charset="0"/>
-                <a:cs typeface="Arial" panose="020B0604020202020204" pitchFamily="34" charset="0"/>
-              </a:rPr>
-              <a:t>|</a:t>
-            </a:r>
-            <a:r>
-              <a:rPr lang="en-US" sz="3200" dirty="0">
-                <a:latin typeface="Arial" panose="020B0604020202020204" pitchFamily="34" charset="0"/>
-                <a:ea typeface="Cambria Math" panose="02040503050406030204" pitchFamily="18" charset="0"/>
-                <a:cs typeface="Arial" panose="020B0604020202020204" pitchFamily="34" charset="0"/>
-              </a:rPr>
-              <a:t>x+5.3</a:t>
-            </a:r>
-            <a:r>
-              <a:rPr lang="en-US" sz="3200" dirty="0" smtClean="0">
-                <a:latin typeface="Arial" panose="020B0604020202020204" pitchFamily="34" charset="0"/>
-                <a:ea typeface="Cambria Math" panose="02040503050406030204" pitchFamily="18" charset="0"/>
-                <a:cs typeface="Arial" panose="020B0604020202020204" pitchFamily="34" charset="0"/>
-              </a:rPr>
-              <a:t>|</a:t>
-            </a:r>
-            <a:r>
-              <a:rPr lang="ru-RU" sz="3200" dirty="0" smtClean="0">
-                <a:latin typeface="Arial" panose="020B0604020202020204" pitchFamily="34" charset="0"/>
-                <a:ea typeface="Cambria Math" panose="02040503050406030204" pitchFamily="18" charset="0"/>
-                <a:cs typeface="Arial" panose="020B0604020202020204" pitchFamily="34" charset="0"/>
-              </a:rPr>
-              <a:t> </a:t>
-            </a:r>
-            <a:r>
-              <a:rPr lang="en-US" sz="3200" dirty="0" smtClean="0">
-                <a:latin typeface="Arial" panose="020B0604020202020204" pitchFamily="34" charset="0"/>
-                <a:ea typeface="Cambria Math" panose="02040503050406030204" pitchFamily="18" charset="0"/>
-                <a:cs typeface="Arial" panose="020B0604020202020204" pitchFamily="34" charset="0"/>
-              </a:rPr>
-              <a:t>+</a:t>
-            </a:r>
-            <a:r>
-              <a:rPr lang="ru-RU" sz="3200" dirty="0" smtClean="0">
-                <a:latin typeface="Arial" panose="020B0604020202020204" pitchFamily="34" charset="0"/>
-                <a:ea typeface="Cambria Math" panose="02040503050406030204" pitchFamily="18" charset="0"/>
-                <a:cs typeface="Arial" panose="020B0604020202020204" pitchFamily="34" charset="0"/>
-              </a:rPr>
-              <a:t> </a:t>
-            </a:r>
-            <a:r>
-              <a:rPr lang="en-US" sz="3200" dirty="0" smtClean="0">
-                <a:latin typeface="Arial" panose="020B0604020202020204" pitchFamily="34" charset="0"/>
-                <a:ea typeface="Cambria Math" panose="02040503050406030204" pitchFamily="18" charset="0"/>
-                <a:cs typeface="Arial" panose="020B0604020202020204" pitchFamily="34" charset="0"/>
-              </a:rPr>
-              <a:t>x</a:t>
-            </a:r>
-            <a:endParaRPr lang="ru-RU" sz="3200" dirty="0" smtClean="0">
-              <a:latin typeface="Arial" panose="020B0604020202020204" pitchFamily="34" charset="0"/>
-              <a:ea typeface="Cambria Math" panose="02040503050406030204" pitchFamily="18" charset="0"/>
-              <a:cs typeface="Arial" panose="020B0604020202020204" pitchFamily="34" charset="0"/>
-            </a:endParaRPr>
-          </a:p>
-          <a:p>
-            <a:pPr algn="just"/>
-            <a:r>
-              <a:rPr lang="ru-RU" sz="3200" dirty="0" smtClean="0">
-                <a:latin typeface="Arial" panose="020B0604020202020204" pitchFamily="34" charset="0"/>
-                <a:ea typeface="Cambria Math" panose="02040503050406030204" pitchFamily="18" charset="0"/>
-                <a:cs typeface="Arial" panose="020B0604020202020204" pitchFamily="34" charset="0"/>
-              </a:rPr>
-              <a:t>Полученная функция: </a:t>
-            </a:r>
-            <a:r>
-              <a:rPr lang="en-US" sz="3200" dirty="0" smtClean="0">
-                <a:latin typeface="Arial" panose="020B0604020202020204" pitchFamily="34" charset="0"/>
-                <a:ea typeface="Cambria Math" panose="02040503050406030204" pitchFamily="18" charset="0"/>
-                <a:cs typeface="Arial" panose="020B0604020202020204" pitchFamily="34" charset="0"/>
-              </a:rPr>
-              <a:t>(sin[x]</a:t>
-            </a:r>
-            <a:r>
-              <a:rPr lang="ru-RU" sz="3200" dirty="0" smtClean="0">
-                <a:latin typeface="Arial" panose="020B0604020202020204" pitchFamily="34" charset="0"/>
-                <a:ea typeface="Cambria Math" panose="02040503050406030204" pitchFamily="18" charset="0"/>
-                <a:cs typeface="Arial" panose="020B0604020202020204" pitchFamily="34" charset="0"/>
-              </a:rPr>
-              <a:t> </a:t>
-            </a:r>
-            <a:r>
-              <a:rPr lang="en-US" sz="3200" dirty="0" smtClean="0">
-                <a:latin typeface="Arial" panose="020B0604020202020204" pitchFamily="34" charset="0"/>
-                <a:ea typeface="Cambria Math" panose="02040503050406030204" pitchFamily="18" charset="0"/>
-                <a:cs typeface="Arial" panose="020B0604020202020204" pitchFamily="34" charset="0"/>
-              </a:rPr>
-              <a:t>*</a:t>
-            </a:r>
-            <a:r>
-              <a:rPr lang="ru-RU" sz="3200" dirty="0" smtClean="0">
-                <a:latin typeface="Arial" panose="020B0604020202020204" pitchFamily="34" charset="0"/>
-                <a:ea typeface="Cambria Math" panose="02040503050406030204" pitchFamily="18" charset="0"/>
-                <a:cs typeface="Arial" panose="020B0604020202020204" pitchFamily="34" charset="0"/>
-              </a:rPr>
-              <a:t> </a:t>
-            </a:r>
-            <a:r>
-              <a:rPr lang="en-US" sz="3200" dirty="0" smtClean="0">
-                <a:latin typeface="Arial" panose="020B0604020202020204" pitchFamily="34" charset="0"/>
-                <a:ea typeface="Cambria Math" panose="02040503050406030204" pitchFamily="18" charset="0"/>
-                <a:cs typeface="Arial" panose="020B0604020202020204" pitchFamily="34" charset="0"/>
-              </a:rPr>
-              <a:t>(sin[|x|</a:t>
-            </a:r>
-            <a:r>
-              <a:rPr lang="ru-RU" sz="3200" dirty="0" smtClean="0">
-                <a:latin typeface="Arial" panose="020B0604020202020204" pitchFamily="34" charset="0"/>
-                <a:ea typeface="Cambria Math" panose="02040503050406030204" pitchFamily="18" charset="0"/>
-                <a:cs typeface="Arial" panose="020B0604020202020204" pitchFamily="34" charset="0"/>
-              </a:rPr>
-              <a:t> </a:t>
-            </a:r>
-            <a:r>
-              <a:rPr lang="en-US" sz="3200" dirty="0" smtClean="0">
-                <a:latin typeface="Arial" panose="020B0604020202020204" pitchFamily="34" charset="0"/>
-                <a:ea typeface="Cambria Math" panose="02040503050406030204" pitchFamily="18" charset="0"/>
-                <a:cs typeface="Arial" panose="020B0604020202020204" pitchFamily="34" charset="0"/>
-              </a:rPr>
-              <a:t>*</a:t>
-            </a:r>
-            <a:r>
-              <a:rPr lang="ru-RU" sz="3200" dirty="0" smtClean="0">
-                <a:latin typeface="Arial" panose="020B0604020202020204" pitchFamily="34" charset="0"/>
-                <a:ea typeface="Cambria Math" panose="02040503050406030204" pitchFamily="18" charset="0"/>
-                <a:cs typeface="Arial" panose="020B0604020202020204" pitchFamily="34" charset="0"/>
-              </a:rPr>
-              <a:t> </a:t>
-            </a:r>
-            <a:r>
-              <a:rPr lang="en-US" sz="3200" dirty="0" smtClean="0">
-                <a:latin typeface="Arial" panose="020B0604020202020204" pitchFamily="34" charset="0"/>
-                <a:ea typeface="Cambria Math" panose="02040503050406030204" pitchFamily="18" charset="0"/>
-                <a:cs typeface="Arial" panose="020B0604020202020204" pitchFamily="34" charset="0"/>
-              </a:rPr>
-              <a:t>x]</a:t>
-            </a:r>
-            <a:r>
-              <a:rPr lang="ru-RU" sz="3200" dirty="0" smtClean="0">
-                <a:latin typeface="Arial" panose="020B0604020202020204" pitchFamily="34" charset="0"/>
-                <a:ea typeface="Cambria Math" panose="02040503050406030204" pitchFamily="18" charset="0"/>
-                <a:cs typeface="Arial" panose="020B0604020202020204" pitchFamily="34" charset="0"/>
-              </a:rPr>
-              <a:t> *</a:t>
-            </a:r>
-            <a:endParaRPr lang="en-US" sz="3200" dirty="0" smtClean="0">
-              <a:latin typeface="Arial" panose="020B0604020202020204" pitchFamily="34" charset="0"/>
-              <a:ea typeface="Cambria Math" panose="02040503050406030204" pitchFamily="18" charset="0"/>
-              <a:cs typeface="Arial" panose="020B0604020202020204" pitchFamily="34" charset="0"/>
-            </a:endParaRPr>
-          </a:p>
-          <a:p>
-            <a:pPr marL="0" indent="0">
-              <a:buNone/>
-            </a:pPr>
-            <a:r>
-              <a:rPr lang="en-US" sz="3200" dirty="0" smtClean="0">
-                <a:latin typeface="Arial" panose="020B0604020202020204" pitchFamily="34" charset="0"/>
-                <a:ea typeface="Cambria Math" panose="02040503050406030204" pitchFamily="18" charset="0"/>
-                <a:cs typeface="Arial" panose="020B0604020202020204" pitchFamily="34" charset="0"/>
-              </a:rPr>
-              <a:t>* 6.153042384853204)</a:t>
-            </a:r>
-            <a:r>
-              <a:rPr lang="ru-RU" sz="3200" dirty="0" smtClean="0">
-                <a:latin typeface="Arial" panose="020B0604020202020204" pitchFamily="34" charset="0"/>
-                <a:ea typeface="Cambria Math" panose="02040503050406030204" pitchFamily="18" charset="0"/>
-                <a:cs typeface="Arial" panose="020B0604020202020204" pitchFamily="34" charset="0"/>
-              </a:rPr>
-              <a:t> </a:t>
-            </a:r>
-            <a:r>
-              <a:rPr lang="en-US" sz="3200" dirty="0" smtClean="0">
-                <a:latin typeface="Arial" panose="020B0604020202020204" pitchFamily="34" charset="0"/>
-                <a:ea typeface="Cambria Math" panose="02040503050406030204" pitchFamily="18" charset="0"/>
-                <a:cs typeface="Arial" panose="020B0604020202020204" pitchFamily="34" charset="0"/>
-              </a:rPr>
-              <a:t>+</a:t>
-            </a:r>
-            <a:r>
-              <a:rPr lang="ru-RU" sz="3200" dirty="0" smtClean="0">
-                <a:latin typeface="Arial" panose="020B0604020202020204" pitchFamily="34" charset="0"/>
-                <a:ea typeface="Cambria Math" panose="02040503050406030204" pitchFamily="18" charset="0"/>
-                <a:cs typeface="Arial" panose="020B0604020202020204" pitchFamily="34" charset="0"/>
-              </a:rPr>
-              <a:t> </a:t>
-            </a:r>
-            <a:r>
-              <a:rPr lang="en-US" sz="3200" dirty="0" smtClean="0">
-                <a:latin typeface="Arial" panose="020B0604020202020204" pitchFamily="34" charset="0"/>
-                <a:ea typeface="Cambria Math" panose="02040503050406030204" pitchFamily="18" charset="0"/>
-                <a:cs typeface="Arial" panose="020B0604020202020204" pitchFamily="34" charset="0"/>
-              </a:rPr>
-              <a:t>|x|)</a:t>
-            </a:r>
-            <a:r>
-              <a:rPr lang="ru-RU" sz="3200" dirty="0" smtClean="0">
-                <a:latin typeface="Arial" panose="020B0604020202020204" pitchFamily="34" charset="0"/>
-                <a:ea typeface="Cambria Math" panose="02040503050406030204" pitchFamily="18" charset="0"/>
-                <a:cs typeface="Arial" panose="020B0604020202020204" pitchFamily="34" charset="0"/>
-              </a:rPr>
-              <a:t> </a:t>
-            </a:r>
-            <a:r>
-              <a:rPr lang="en-US" sz="3200" dirty="0" smtClean="0">
-                <a:latin typeface="Arial" panose="020B0604020202020204" pitchFamily="34" charset="0"/>
-                <a:ea typeface="Cambria Math" panose="02040503050406030204" pitchFamily="18" charset="0"/>
-                <a:cs typeface="Arial" panose="020B0604020202020204" pitchFamily="34" charset="0"/>
-              </a:rPr>
-              <a:t>+</a:t>
-            </a:r>
-            <a:r>
-              <a:rPr lang="ru-RU" sz="3200" dirty="0" smtClean="0">
-                <a:latin typeface="Arial" panose="020B0604020202020204" pitchFamily="34" charset="0"/>
-                <a:ea typeface="Cambria Math" panose="02040503050406030204" pitchFamily="18" charset="0"/>
-                <a:cs typeface="Arial" panose="020B0604020202020204" pitchFamily="34" charset="0"/>
-              </a:rPr>
-              <a:t> </a:t>
-            </a:r>
-            <a:r>
-              <a:rPr lang="en-US" sz="3200" dirty="0" smtClean="0">
-                <a:latin typeface="Arial" panose="020B0604020202020204" pitchFamily="34" charset="0"/>
-                <a:ea typeface="Cambria Math" panose="02040503050406030204" pitchFamily="18" charset="0"/>
-                <a:cs typeface="Arial" panose="020B0604020202020204" pitchFamily="34" charset="0"/>
-              </a:rPr>
-              <a:t>sin</a:t>
-            </a:r>
-            <a:r>
-              <a:rPr lang="ru-RU" sz="3200" dirty="0" smtClean="0">
-                <a:latin typeface="Arial" panose="020B0604020202020204" pitchFamily="34" charset="0"/>
-                <a:ea typeface="Cambria Math" panose="02040503050406030204" pitchFamily="18" charset="0"/>
-                <a:cs typeface="Arial" panose="020B0604020202020204" pitchFamily="34" charset="0"/>
-              </a:rPr>
-              <a:t> </a:t>
-            </a:r>
-            <a:r>
-              <a:rPr lang="en-US" sz="3200" dirty="0" smtClean="0">
-                <a:latin typeface="Arial" panose="020B0604020202020204" pitchFamily="34" charset="0"/>
-                <a:ea typeface="Cambria Math" panose="02040503050406030204" pitchFamily="18" charset="0"/>
-                <a:cs typeface="Arial" panose="020B0604020202020204" pitchFamily="34" charset="0"/>
-              </a:rPr>
-              <a:t>[|x</a:t>
-            </a:r>
-            <a:r>
-              <a:rPr lang="en-US" sz="3200" dirty="0">
-                <a:latin typeface="Arial" panose="020B0604020202020204" pitchFamily="34" charset="0"/>
-                <a:ea typeface="Cambria Math" panose="02040503050406030204" pitchFamily="18" charset="0"/>
-                <a:cs typeface="Arial" panose="020B0604020202020204" pitchFamily="34" charset="0"/>
-              </a:rPr>
-              <a:t>|</a:t>
-            </a:r>
-            <a:r>
-              <a:rPr lang="ru-RU" sz="3200" dirty="0" smtClean="0">
-                <a:latin typeface="Arial" panose="020B0604020202020204" pitchFamily="34" charset="0"/>
-                <a:ea typeface="Cambria Math" panose="02040503050406030204" pitchFamily="18" charset="0"/>
-                <a:cs typeface="Arial" panose="020B0604020202020204" pitchFamily="34" charset="0"/>
-              </a:rPr>
-              <a:t> </a:t>
-            </a:r>
-            <a:r>
-              <a:rPr lang="en-US" sz="3200" dirty="0" smtClean="0">
-                <a:latin typeface="Arial" panose="020B0604020202020204" pitchFamily="34" charset="0"/>
-                <a:ea typeface="Cambria Math" panose="02040503050406030204" pitchFamily="18" charset="0"/>
-                <a:cs typeface="Arial" panose="020B0604020202020204" pitchFamily="34" charset="0"/>
-              </a:rPr>
-              <a:t>*</a:t>
-            </a:r>
-            <a:r>
-              <a:rPr lang="ru-RU" sz="3200" dirty="0" smtClean="0">
-                <a:latin typeface="Arial" panose="020B0604020202020204" pitchFamily="34" charset="0"/>
-                <a:ea typeface="Cambria Math" panose="02040503050406030204" pitchFamily="18" charset="0"/>
-                <a:cs typeface="Arial" panose="020B0604020202020204" pitchFamily="34" charset="0"/>
-              </a:rPr>
-              <a:t> </a:t>
-            </a:r>
-            <a:r>
-              <a:rPr lang="en-US" sz="3200" dirty="0" smtClean="0">
-                <a:latin typeface="Arial" panose="020B0604020202020204" pitchFamily="34" charset="0"/>
-                <a:ea typeface="Cambria Math" panose="02040503050406030204" pitchFamily="18" charset="0"/>
-                <a:cs typeface="Arial" panose="020B0604020202020204" pitchFamily="34" charset="0"/>
-              </a:rPr>
-              <a:t>x</a:t>
-            </a:r>
-            <a:r>
-              <a:rPr lang="en-US" sz="3200" dirty="0">
-                <a:latin typeface="Arial" panose="020B0604020202020204" pitchFamily="34" charset="0"/>
-                <a:ea typeface="Cambria Math" panose="02040503050406030204" pitchFamily="18" charset="0"/>
-                <a:cs typeface="Arial" panose="020B0604020202020204" pitchFamily="34" charset="0"/>
-              </a:rPr>
-              <a:t>] </a:t>
-            </a:r>
-          </a:p>
-          <a:p>
-            <a:endParaRPr lang="ru-RU" sz="2800" dirty="0">
-              <a:latin typeface="Cambria Math" panose="02040503050406030204" pitchFamily="18" charset="0"/>
-              <a:ea typeface="Cambria Math" panose="02040503050406030204" pitchFamily="18" charset="0"/>
-            </a:endParaRPr>
-          </a:p>
-        </p:txBody>
-      </p:sp>
-    </p:spTree>
-    <p:extLst>
-      <p:ext uri="{BB962C8B-B14F-4D97-AF65-F5344CB8AC3E}">
-        <p14:creationId xmlns:p14="http://schemas.microsoft.com/office/powerpoint/2010/main" val="4275642513"/>
-      </p:ext>
-    </p:extLst>
-  </p:cSld>
-  <p:clrMapOvr>
-    <a:masterClrMapping/>
-  </p:clrMapOvr>
-  <p:timing>
-    <p:tnLst>
-      <p:par>
-        <p:cTn id="1" dur="indefinite" restart="never" nodeType="tmRoot"/>
-      </p:par>
-    </p:tnLst>
-  </p:timing>
-</p:sld>
-</file>
-
-<file path=ppt/slides/slide21.xml><?xml version="1.0" encoding="utf-8"?>
-<p:sld xmlns:a="http://schemas.openxmlformats.org/drawingml/2006/main" xmlns:r="http://schemas.openxmlformats.org/officeDocument/2006/relationships" xmlns:p="http://schemas.openxmlformats.org/presentationml/2006/main">
-  <p:cSld>
-    <p:spTree>
-      <p:nvGrpSpPr>
-        <p:cNvPr id="1" name=""/>
-        <p:cNvGrpSpPr/>
-        <p:nvPr/>
-      </p:nvGrpSpPr>
-      <p:grpSpPr>
-        <a:xfrm>
-          <a:off x="0" y="0"/>
-          <a:ext cx="0" cy="0"/>
-          <a:chOff x="0" y="0"/>
-          <a:chExt cx="0" cy="0"/>
-        </a:xfrm>
-      </p:grpSpPr>
-      <p:sp>
-        <p:nvSpPr>
-          <p:cNvPr id="2" name="Заголовок 1"/>
-          <p:cNvSpPr>
-            <a:spLocks noGrp="1"/>
-          </p:cNvSpPr>
-          <p:nvPr>
-            <p:ph type="title"/>
-          </p:nvPr>
-        </p:nvSpPr>
-        <p:spPr>
-          <a:xfrm>
-            <a:off x="1187624" y="22776"/>
-            <a:ext cx="6781800" cy="1600200"/>
-          </a:xfrm>
-        </p:spPr>
-        <p:txBody>
-          <a:bodyPr/>
-          <a:lstStyle/>
-          <a:p>
-            <a:pPr algn="ctr"/>
-            <a:r>
-              <a:rPr lang="ru-RU" dirty="0" smtClean="0"/>
-              <a:t>Результат</a:t>
-            </a:r>
-            <a:endParaRPr lang="ru-RU" dirty="0"/>
-          </a:p>
-        </p:txBody>
-      </p:sp>
-      <p:sp>
-        <p:nvSpPr>
-          <p:cNvPr id="3" name="Объект 2"/>
-          <p:cNvSpPr>
-            <a:spLocks noGrp="1"/>
-          </p:cNvSpPr>
-          <p:nvPr>
-            <p:ph idx="1"/>
-          </p:nvPr>
-        </p:nvSpPr>
-        <p:spPr/>
-        <p:txBody>
-          <a:bodyPr/>
-          <a:lstStyle/>
-          <a:p>
-            <a:endParaRPr lang="ru-RU" dirty="0"/>
-          </a:p>
-        </p:txBody>
-      </p:sp>
-      <p:pic>
-        <p:nvPicPr>
-          <p:cNvPr id="6" name="Рисунок 5" descr="C:\Users\Анна\Desktop\Plot.png"/>
-          <p:cNvPicPr/>
-          <p:nvPr/>
-        </p:nvPicPr>
-        <p:blipFill>
-          <a:blip r:embed="rId2">
-            <a:extLst>
-              <a:ext uri="{28A0092B-C50C-407E-A947-70E740481C1C}">
-                <a14:useLocalDpi xmlns:a14="http://schemas.microsoft.com/office/drawing/2010/main" val="0"/>
-              </a:ext>
-            </a:extLst>
-          </a:blip>
-          <a:srcRect/>
-          <a:stretch>
-            <a:fillRect/>
-          </a:stretch>
-        </p:blipFill>
-        <p:spPr bwMode="auto">
-          <a:xfrm>
-            <a:off x="683568" y="1645984"/>
-            <a:ext cx="7992888" cy="4728612"/>
-          </a:xfrm>
-          <a:prstGeom prst="rect">
-            <a:avLst/>
-          </a:prstGeom>
-          <a:noFill/>
-          <a:ln>
-            <a:noFill/>
-          </a:ln>
-        </p:spPr>
-      </p:pic>
-      <p:sp>
-        <p:nvSpPr>
-          <p:cNvPr id="7" name="Овал 6"/>
-          <p:cNvSpPr/>
-          <p:nvPr/>
-        </p:nvSpPr>
-        <p:spPr>
-          <a:xfrm>
-            <a:off x="827584" y="4797152"/>
-            <a:ext cx="72008" cy="72008"/>
-          </a:xfrm>
-          <a:prstGeom prst="ellipse">
-            <a:avLst/>
-          </a:prstGeom>
-        </p:spPr>
-        <p:style>
-          <a:lnRef idx="2">
-            <a:schemeClr val="dk1">
-              <a:shade val="50000"/>
-            </a:schemeClr>
-          </a:lnRef>
-          <a:fillRef idx="1">
-            <a:schemeClr val="dk1"/>
-          </a:fillRef>
-          <a:effectRef idx="0">
-            <a:schemeClr val="dk1"/>
-          </a:effectRef>
-          <a:fontRef idx="minor">
-            <a:schemeClr val="lt1"/>
-          </a:fontRef>
-        </p:style>
-        <p:txBody>
-          <a:bodyPr rtlCol="0" anchor="ctr"/>
-          <a:lstStyle/>
-          <a:p>
-            <a:pPr algn="ctr"/>
-            <a:endParaRPr lang="ru-RU"/>
-          </a:p>
-        </p:txBody>
-      </p:sp>
-      <p:sp>
-        <p:nvSpPr>
-          <p:cNvPr id="8" name="Овал 7"/>
-          <p:cNvSpPr/>
-          <p:nvPr/>
-        </p:nvSpPr>
-        <p:spPr>
-          <a:xfrm>
-            <a:off x="3347864" y="4797152"/>
-            <a:ext cx="72008" cy="72008"/>
-          </a:xfrm>
-          <a:prstGeom prst="ellipse">
-            <a:avLst/>
-          </a:prstGeom>
-        </p:spPr>
-        <p:style>
-          <a:lnRef idx="2">
-            <a:schemeClr val="dk1">
-              <a:shade val="50000"/>
-            </a:schemeClr>
-          </a:lnRef>
-          <a:fillRef idx="1">
-            <a:schemeClr val="dk1"/>
-          </a:fillRef>
-          <a:effectRef idx="0">
-            <a:schemeClr val="dk1"/>
-          </a:effectRef>
-          <a:fontRef idx="minor">
-            <a:schemeClr val="lt1"/>
-          </a:fontRef>
-        </p:style>
-        <p:txBody>
-          <a:bodyPr rtlCol="0" anchor="ctr"/>
-          <a:lstStyle/>
-          <a:p>
-            <a:pPr algn="ctr"/>
-            <a:endParaRPr lang="ru-RU"/>
-          </a:p>
-        </p:txBody>
-      </p:sp>
-      <p:sp>
-        <p:nvSpPr>
-          <p:cNvPr id="9" name="Овал 8"/>
-          <p:cNvSpPr/>
-          <p:nvPr/>
-        </p:nvSpPr>
-        <p:spPr>
-          <a:xfrm>
-            <a:off x="2627784" y="4797152"/>
-            <a:ext cx="72008" cy="72008"/>
-          </a:xfrm>
-          <a:prstGeom prst="ellipse">
-            <a:avLst/>
-          </a:prstGeom>
-        </p:spPr>
-        <p:style>
-          <a:lnRef idx="2">
-            <a:schemeClr val="dk1">
-              <a:shade val="50000"/>
-            </a:schemeClr>
-          </a:lnRef>
-          <a:fillRef idx="1">
-            <a:schemeClr val="dk1"/>
-          </a:fillRef>
-          <a:effectRef idx="0">
-            <a:schemeClr val="dk1"/>
-          </a:effectRef>
-          <a:fontRef idx="minor">
-            <a:schemeClr val="lt1"/>
-          </a:fontRef>
-        </p:style>
-        <p:txBody>
-          <a:bodyPr rtlCol="0" anchor="ctr"/>
-          <a:lstStyle/>
-          <a:p>
-            <a:pPr algn="ctr"/>
-            <a:endParaRPr lang="ru-RU"/>
-          </a:p>
-        </p:txBody>
-      </p:sp>
-      <p:sp>
-        <p:nvSpPr>
-          <p:cNvPr id="10" name="Овал 9"/>
-          <p:cNvSpPr/>
-          <p:nvPr/>
-        </p:nvSpPr>
-        <p:spPr>
-          <a:xfrm>
-            <a:off x="2843808" y="4797152"/>
-            <a:ext cx="72008" cy="72008"/>
-          </a:xfrm>
-          <a:prstGeom prst="ellipse">
-            <a:avLst/>
-          </a:prstGeom>
-        </p:spPr>
-        <p:style>
-          <a:lnRef idx="2">
-            <a:schemeClr val="dk1">
-              <a:shade val="50000"/>
-            </a:schemeClr>
-          </a:lnRef>
-          <a:fillRef idx="1">
-            <a:schemeClr val="dk1"/>
-          </a:fillRef>
-          <a:effectRef idx="0">
-            <a:schemeClr val="dk1"/>
-          </a:effectRef>
-          <a:fontRef idx="minor">
-            <a:schemeClr val="lt1"/>
-          </a:fontRef>
-        </p:style>
-        <p:txBody>
-          <a:bodyPr rtlCol="0" anchor="ctr"/>
-          <a:lstStyle/>
-          <a:p>
-            <a:pPr algn="ctr"/>
-            <a:endParaRPr lang="ru-RU"/>
-          </a:p>
-        </p:txBody>
-      </p:sp>
-      <p:sp>
-        <p:nvSpPr>
-          <p:cNvPr id="11" name="Овал 10"/>
-          <p:cNvSpPr/>
-          <p:nvPr/>
-        </p:nvSpPr>
-        <p:spPr>
-          <a:xfrm>
-            <a:off x="3635896" y="4797152"/>
-            <a:ext cx="72008" cy="72008"/>
-          </a:xfrm>
-          <a:prstGeom prst="ellipse">
-            <a:avLst/>
-          </a:prstGeom>
-        </p:spPr>
-        <p:style>
-          <a:lnRef idx="2">
-            <a:schemeClr val="dk1">
-              <a:shade val="50000"/>
-            </a:schemeClr>
-          </a:lnRef>
-          <a:fillRef idx="1">
-            <a:schemeClr val="dk1"/>
-          </a:fillRef>
-          <a:effectRef idx="0">
-            <a:schemeClr val="dk1"/>
-          </a:effectRef>
-          <a:fontRef idx="minor">
-            <a:schemeClr val="lt1"/>
-          </a:fontRef>
-        </p:style>
-        <p:txBody>
-          <a:bodyPr rtlCol="0" anchor="ctr"/>
-          <a:lstStyle/>
-          <a:p>
-            <a:pPr algn="ctr"/>
-            <a:endParaRPr lang="ru-RU"/>
-          </a:p>
-        </p:txBody>
-      </p:sp>
-      <p:sp>
-        <p:nvSpPr>
-          <p:cNvPr id="12" name="Овал 11"/>
-          <p:cNvSpPr/>
-          <p:nvPr/>
-        </p:nvSpPr>
-        <p:spPr>
-          <a:xfrm>
-            <a:off x="4644008" y="4797152"/>
-            <a:ext cx="72008" cy="72008"/>
-          </a:xfrm>
-          <a:prstGeom prst="ellipse">
-            <a:avLst/>
-          </a:prstGeom>
-        </p:spPr>
-        <p:style>
-          <a:lnRef idx="2">
-            <a:schemeClr val="dk1">
-              <a:shade val="50000"/>
-            </a:schemeClr>
-          </a:lnRef>
-          <a:fillRef idx="1">
-            <a:schemeClr val="dk1"/>
-          </a:fillRef>
-          <a:effectRef idx="0">
-            <a:schemeClr val="dk1"/>
-          </a:effectRef>
-          <a:fontRef idx="minor">
-            <a:schemeClr val="lt1"/>
-          </a:fontRef>
-        </p:style>
-        <p:txBody>
-          <a:bodyPr rtlCol="0" anchor="ctr"/>
-          <a:lstStyle/>
-          <a:p>
-            <a:pPr algn="ctr"/>
-            <a:endParaRPr lang="ru-RU"/>
-          </a:p>
-        </p:txBody>
-      </p:sp>
-      <p:sp>
-        <p:nvSpPr>
-          <p:cNvPr id="13" name="Овал 12"/>
-          <p:cNvSpPr/>
-          <p:nvPr/>
-        </p:nvSpPr>
-        <p:spPr>
-          <a:xfrm>
-            <a:off x="4932040" y="4797152"/>
-            <a:ext cx="72008" cy="72008"/>
-          </a:xfrm>
-          <a:prstGeom prst="ellipse">
-            <a:avLst/>
-          </a:prstGeom>
-        </p:spPr>
-        <p:style>
-          <a:lnRef idx="2">
-            <a:schemeClr val="dk1">
-              <a:shade val="50000"/>
-            </a:schemeClr>
-          </a:lnRef>
-          <a:fillRef idx="1">
-            <a:schemeClr val="dk1"/>
-          </a:fillRef>
-          <a:effectRef idx="0">
-            <a:schemeClr val="dk1"/>
-          </a:effectRef>
-          <a:fontRef idx="minor">
-            <a:schemeClr val="lt1"/>
-          </a:fontRef>
-        </p:style>
-        <p:txBody>
-          <a:bodyPr rtlCol="0" anchor="ctr"/>
-          <a:lstStyle/>
-          <a:p>
-            <a:pPr algn="ctr"/>
-            <a:endParaRPr lang="ru-RU"/>
-          </a:p>
-        </p:txBody>
-      </p:sp>
-      <p:sp>
-        <p:nvSpPr>
-          <p:cNvPr id="14" name="Овал 13"/>
-          <p:cNvSpPr/>
-          <p:nvPr/>
-        </p:nvSpPr>
-        <p:spPr>
-          <a:xfrm>
-            <a:off x="5940152" y="4797152"/>
-            <a:ext cx="72008" cy="72008"/>
-          </a:xfrm>
-          <a:prstGeom prst="ellipse">
-            <a:avLst/>
-          </a:prstGeom>
-        </p:spPr>
-        <p:style>
-          <a:lnRef idx="2">
-            <a:schemeClr val="dk1">
-              <a:shade val="50000"/>
-            </a:schemeClr>
-          </a:lnRef>
-          <a:fillRef idx="1">
-            <a:schemeClr val="dk1"/>
-          </a:fillRef>
-          <a:effectRef idx="0">
-            <a:schemeClr val="dk1"/>
-          </a:effectRef>
-          <a:fontRef idx="minor">
-            <a:schemeClr val="lt1"/>
-          </a:fontRef>
-        </p:style>
-        <p:txBody>
-          <a:bodyPr rtlCol="0" anchor="ctr"/>
-          <a:lstStyle/>
-          <a:p>
-            <a:pPr algn="ctr"/>
-            <a:endParaRPr lang="ru-RU"/>
-          </a:p>
-        </p:txBody>
-      </p:sp>
-      <p:sp>
-        <p:nvSpPr>
-          <p:cNvPr id="15" name="Овал 14"/>
-          <p:cNvSpPr/>
-          <p:nvPr/>
-        </p:nvSpPr>
-        <p:spPr>
-          <a:xfrm>
-            <a:off x="7236296" y="4797152"/>
-            <a:ext cx="72008" cy="72008"/>
-          </a:xfrm>
-          <a:prstGeom prst="ellipse">
-            <a:avLst/>
-          </a:prstGeom>
-        </p:spPr>
-        <p:style>
-          <a:lnRef idx="2">
-            <a:schemeClr val="dk1">
-              <a:shade val="50000"/>
-            </a:schemeClr>
-          </a:lnRef>
-          <a:fillRef idx="1">
-            <a:schemeClr val="dk1"/>
-          </a:fillRef>
-          <a:effectRef idx="0">
-            <a:schemeClr val="dk1"/>
-          </a:effectRef>
-          <a:fontRef idx="minor">
-            <a:schemeClr val="lt1"/>
-          </a:fontRef>
-        </p:style>
-        <p:txBody>
-          <a:bodyPr rtlCol="0" anchor="ctr"/>
-          <a:lstStyle/>
-          <a:p>
-            <a:pPr algn="ctr"/>
-            <a:endParaRPr lang="ru-RU"/>
-          </a:p>
-        </p:txBody>
-      </p:sp>
-      <p:sp>
-        <p:nvSpPr>
-          <p:cNvPr id="16" name="Овал 15"/>
-          <p:cNvSpPr/>
-          <p:nvPr/>
-        </p:nvSpPr>
-        <p:spPr>
-          <a:xfrm>
-            <a:off x="8460432" y="4797152"/>
-            <a:ext cx="72008" cy="72008"/>
-          </a:xfrm>
-          <a:prstGeom prst="ellipse">
-            <a:avLst/>
-          </a:prstGeom>
-        </p:spPr>
-        <p:style>
-          <a:lnRef idx="2">
-            <a:schemeClr val="dk1">
-              <a:shade val="50000"/>
-            </a:schemeClr>
-          </a:lnRef>
-          <a:fillRef idx="1">
-            <a:schemeClr val="dk1"/>
-          </a:fillRef>
-          <a:effectRef idx="0">
-            <a:schemeClr val="dk1"/>
-          </a:effectRef>
-          <a:fontRef idx="minor">
-            <a:schemeClr val="lt1"/>
-          </a:fontRef>
-        </p:style>
-        <p:txBody>
-          <a:bodyPr rtlCol="0" anchor="ctr"/>
-          <a:lstStyle/>
-          <a:p>
-            <a:pPr algn="ctr"/>
-            <a:endParaRPr lang="ru-RU"/>
-          </a:p>
-        </p:txBody>
-      </p:sp>
-    </p:spTree>
-    <p:extLst>
-      <p:ext uri="{BB962C8B-B14F-4D97-AF65-F5344CB8AC3E}">
-        <p14:creationId xmlns:p14="http://schemas.microsoft.com/office/powerpoint/2010/main" val="931503877"/>
-      </p:ext>
-    </p:extLst>
-  </p:cSld>
-  <p:clrMapOvr>
-    <a:masterClrMapping/>
-  </p:clrMapOvr>
-  <p:timing>
-    <p:tnLst>
-      <p:par>
-        <p:cTn id="1" dur="indefinite" restart="never" nodeType="tmRoot"/>
-      </p:par>
-    </p:tnLst>
-  </p:timing>
-</p:sld>
-</file>
-
-<file path=ppt/slides/slide22.xml><?xml version="1.0" encoding="utf-8"?>
-<p:sld xmlns:a="http://schemas.openxmlformats.org/drawingml/2006/main" xmlns:r="http://schemas.openxmlformats.org/officeDocument/2006/relationships" xmlns:p="http://schemas.openxmlformats.org/presentationml/2006/main">
-  <p:cSld>
-    <p:spTree>
-      <p:nvGrpSpPr>
-        <p:cNvPr id="1" name=""/>
-        <p:cNvGrpSpPr/>
-        <p:nvPr/>
-      </p:nvGrpSpPr>
-      <p:grpSpPr>
-        <a:xfrm>
-          <a:off x="0" y="0"/>
-          <a:ext cx="0" cy="0"/>
-          <a:chOff x="0" y="0"/>
-          <a:chExt cx="0" cy="0"/>
-        </a:xfrm>
-      </p:grpSpPr>
-      <p:sp>
-        <p:nvSpPr>
-          <p:cNvPr id="2" name="Заголовок 1"/>
-          <p:cNvSpPr>
-            <a:spLocks noGrp="1"/>
-          </p:cNvSpPr>
-          <p:nvPr>
-            <p:ph type="title"/>
-          </p:nvPr>
-        </p:nvSpPr>
-        <p:spPr>
-          <a:xfrm>
-            <a:off x="1174576" y="2060848"/>
-            <a:ext cx="7357864" cy="1800200"/>
-          </a:xfrm>
-        </p:spPr>
-        <p:txBody>
-          <a:bodyPr>
-            <a:noAutofit/>
-          </a:bodyPr>
-          <a:lstStyle/>
-          <a:p>
-            <a:pPr algn="ctr"/>
-            <a:r>
-              <a:rPr lang="ru-RU" dirty="0" smtClean="0"/>
-              <a:t>Спасибо за внимание!</a:t>
-            </a:r>
-            <a:endParaRPr lang="ru-RU" dirty="0"/>
-          </a:p>
-        </p:txBody>
-      </p:sp>
-    </p:spTree>
-    <p:extLst>
-      <p:ext uri="{BB962C8B-B14F-4D97-AF65-F5344CB8AC3E}">
-        <p14:creationId xmlns:p14="http://schemas.microsoft.com/office/powerpoint/2010/main" val="450339079"/>
-      </p:ext>
-    </p:extLst>
-  </p:cSld>
-  <p:clrMapOvr>
-    <a:masterClrMapping/>
-  </p:clrMapOvr>
-  <p:timing>
-    <p:tnLst>
-      <p:par>
-        <p:cTn id="1" dur="indefinite" restart="never" nodeType="tmRoot"/>
-      </p:par>
-    </p:tnLst>
-  </p:timing>
-</p:sld>
-</file>
-
 <file path=ppt/slides/slide3.xml><?xml version="1.0" encoding="utf-8"?>
 <p:sld xmlns:a="http://schemas.openxmlformats.org/drawingml/2006/main" xmlns:r="http://schemas.openxmlformats.org/officeDocument/2006/relationships" xmlns:p="http://schemas.openxmlformats.org/presentationml/2006/main">
   <p:cSld>
@@ -12315,8 +9480,8 @@
         </p:nvSpPr>
         <p:spPr>
           <a:xfrm>
-            <a:off x="762000" y="7100"/>
-            <a:ext cx="7543800" cy="1600200"/>
+            <a:off x="1259632" y="27581"/>
+            <a:ext cx="6781800" cy="1600200"/>
           </a:xfrm>
         </p:spPr>
         <p:txBody>
@@ -12326,7 +9491,7 @@
             <a:pPr algn="ctr"/>
             <a:r>
               <a:rPr lang="ru-RU" dirty="0" smtClean="0"/>
-              <a:t>Классификация</a:t>
+              <a:t>Актуальность</a:t>
             </a:r>
             <a:endParaRPr lang="ru-RU" dirty="0"/>
           </a:p>
@@ -12344,28 +9509,100 @@
         </p:nvSpPr>
         <p:spPr>
           <a:xfrm>
-            <a:off x="762000" y="2276872"/>
-            <a:ext cx="7543800" cy="3886200"/>
+            <a:off x="683568" y="1772816"/>
+            <a:ext cx="7776864" cy="4174232"/>
           </a:xfrm>
         </p:spPr>
         <p:txBody>
-          <a:bodyPr/>
-          <a:lstStyle/>
-          <a:p>
-            <a:endParaRPr lang="ru-RU" dirty="0"/>
+          <a:bodyPr>
+            <a:noAutofit/>
+          </a:bodyPr>
+          <a:lstStyle/>
+          <a:p>
+            <a:pPr algn="just"/>
+            <a:r>
+              <a:rPr lang="ru-RU" sz="3600" dirty="0" smtClean="0">
+                <a:solidFill>
+                  <a:schemeClr val="tx1"/>
+                </a:solidFill>
+                <a:latin typeface="Arial" panose="020B0604020202020204" pitchFamily="34" charset="0"/>
+                <a:ea typeface="Arial" charset="0"/>
+                <a:cs typeface="Arial" panose="020B0604020202020204" pitchFamily="34" charset="0"/>
+              </a:rPr>
+              <a:t>Распознавание патологий приведет к своевременному лечению.</a:t>
+            </a:r>
+          </a:p>
+          <a:p>
+            <a:pPr algn="just"/>
+            <a:r>
+              <a:rPr lang="ru-RU" sz="3600" dirty="0">
+                <a:solidFill>
+                  <a:schemeClr val="tx1"/>
+                </a:solidFill>
+                <a:latin typeface="Arial" panose="020B0604020202020204" pitchFamily="34" charset="0"/>
+                <a:ea typeface="Arial" charset="0"/>
+                <a:cs typeface="Arial" panose="020B0604020202020204" pitchFamily="34" charset="0"/>
+              </a:rPr>
+              <a:t>В</a:t>
+            </a:r>
+            <a:r>
+              <a:rPr lang="ru-RU" sz="3600" dirty="0" smtClean="0">
+                <a:solidFill>
+                  <a:schemeClr val="tx1"/>
+                </a:solidFill>
+                <a:latin typeface="Arial" panose="020B0604020202020204" pitchFamily="34" charset="0"/>
+                <a:ea typeface="Arial" charset="0"/>
+                <a:cs typeface="Arial" panose="020B0604020202020204" pitchFamily="34" charset="0"/>
+              </a:rPr>
+              <a:t>заимодействия </a:t>
+            </a:r>
+            <a:r>
+              <a:rPr lang="ru-RU" sz="3600" dirty="0">
+                <a:solidFill>
+                  <a:schemeClr val="tx1"/>
+                </a:solidFill>
+                <a:latin typeface="Arial" panose="020B0604020202020204" pitchFamily="34" charset="0"/>
+                <a:ea typeface="Arial" charset="0"/>
+                <a:cs typeface="Arial" panose="020B0604020202020204" pitchFamily="34" charset="0"/>
+              </a:rPr>
+              <a:t>и отношения между оригинальными </a:t>
+            </a:r>
+            <a:r>
+              <a:rPr lang="ru-RU" sz="3600" dirty="0" smtClean="0">
+                <a:solidFill>
+                  <a:schemeClr val="tx1"/>
+                </a:solidFill>
+                <a:latin typeface="Arial" panose="020B0604020202020204" pitchFamily="34" charset="0"/>
+                <a:ea typeface="Arial" charset="0"/>
+                <a:cs typeface="Arial" panose="020B0604020202020204" pitchFamily="34" charset="0"/>
+              </a:rPr>
+              <a:t>признаками должны учитываться для успешной классификации.</a:t>
+            </a:r>
+            <a:endParaRPr lang="ru-RU" sz="3600" dirty="0">
+              <a:latin typeface="Arial" panose="020B0604020202020204" pitchFamily="34" charset="0"/>
+              <a:ea typeface="Arial" charset="0"/>
+              <a:cs typeface="Arial" panose="020B0604020202020204" pitchFamily="34" charset="0"/>
+            </a:endParaRPr>
           </a:p>
         </p:txBody>
       </p:sp>
     </p:spTree>
     <p:extLst>
       <p:ext uri="{BB962C8B-B14F-4D97-AF65-F5344CB8AC3E}">
-        <p14:creationId xmlns:p14="http://schemas.microsoft.com/office/powerpoint/2010/main" val="2451439744"/>
+        <p14:creationId xmlns:p14="http://schemas.microsoft.com/office/powerpoint/2010/main" val="2881067731"/>
       </p:ext>
     </p:extLst>
   </p:cSld>
   <p:clrMapOvr>
     <a:masterClrMapping/>
   </p:clrMapOvr>
+  <p:timing>
+    <p:tnLst>
+      <p:par>
+        <p:cTn id="1" dur="indefinite" restart="never" nodeType="tmRoot"/>
+      </p:par>
+    </p:tnLst>
+  </p:timing>
 </p:sld>
 </file>
 
@@ -12398,7 +9635,7 @@
         </p:nvSpPr>
         <p:spPr>
           <a:xfrm>
-            <a:off x="1259632" y="22776"/>
+            <a:off x="1187624" y="0"/>
             <a:ext cx="6781800" cy="1600200"/>
           </a:xfrm>
         </p:spPr>
@@ -12408,377 +9645,64 @@
           <a:p>
             <a:pPr algn="ctr"/>
             <a:r>
-              <a:rPr lang="ru-RU" dirty="0" smtClean="0"/>
-              <a:t>Аналоги</a:t>
+              <a:rPr lang="ru-RU" smtClean="0"/>
+              <a:t>Проблема</a:t>
             </a:r>
             <a:endParaRPr lang="ru-RU" dirty="0"/>
           </a:p>
         </p:txBody>
       </p:sp>
-      <p:graphicFrame>
-        <p:nvGraphicFramePr>
-          <p:cNvPr id="5" name="Объект 4"/>
-          <p:cNvGraphicFramePr>
-            <a:graphicFrameLocks noGrp="1"/>
-          </p:cNvGraphicFramePr>
+      <p:sp>
+        <p:nvSpPr>
+          <p:cNvPr id="3" name="Объект 2"/>
+          <p:cNvSpPr>
+            <a:spLocks noGrp="1"/>
+          </p:cNvSpPr>
           <p:nvPr>
             <p:ph idx="1"/>
-            <p:extLst>
-              <p:ext uri="{D42A27DB-BD31-4B8C-83A1-F6EECF244321}">
-                <p14:modId xmlns:p14="http://schemas.microsoft.com/office/powerpoint/2010/main" val="2537638981"/>
-              </p:ext>
-            </p:extLst>
-          </p:nvPr>
-        </p:nvGraphicFramePr>
-        <p:xfrm>
-          <a:off x="-1" y="1622976"/>
-          <a:ext cx="9144000" cy="5189749"/>
-        </p:xfrm>
-        <a:graphic>
-          <a:graphicData uri="http://schemas.openxmlformats.org/drawingml/2006/table">
-            <a:tbl>
-              <a:tblPr bandRow="1">
-                <a:tableStyleId>{5C22544A-7EE6-4342-B048-85BDC9FD1C3A}</a:tableStyleId>
-              </a:tblPr>
-              <a:tblGrid>
-                <a:gridCol w="2286000"/>
-                <a:gridCol w="2286000"/>
-                <a:gridCol w="2286000"/>
-                <a:gridCol w="2286000"/>
-              </a:tblGrid>
-              <a:tr h="1085944">
-                <a:tc>
-                  <a:txBody>
-                    <a:bodyPr/>
-                    <a:lstStyle/>
-                    <a:p>
-                      <a:pPr algn="ctr"/>
-                      <a:endParaRPr lang="ru-RU" sz="3200" dirty="0">
-                        <a:latin typeface="Arial" panose="020B0604020202020204" pitchFamily="34" charset="0"/>
-                        <a:cs typeface="Arial" panose="020B0604020202020204" pitchFamily="34" charset="0"/>
-                      </a:endParaRPr>
-                    </a:p>
-                  </a:txBody>
-                  <a:tcPr anchor="ctr"/>
-                </a:tc>
-                <a:tc>
-                  <a:txBody>
-                    <a:bodyPr/>
-                    <a:lstStyle/>
-                    <a:p>
-                      <a:pPr algn="ctr"/>
-                      <a:endParaRPr lang="ru-RU" sz="3200" dirty="0">
-                        <a:latin typeface="Arial" panose="020B0604020202020204" pitchFamily="34" charset="0"/>
-                        <a:cs typeface="Arial" panose="020B0604020202020204" pitchFamily="34" charset="0"/>
-                      </a:endParaRPr>
-                    </a:p>
-                  </a:txBody>
-                  <a:tcPr anchor="ctr"/>
-                </a:tc>
-                <a:tc>
-                  <a:txBody>
-                    <a:bodyPr/>
-                    <a:lstStyle/>
-                    <a:p>
-                      <a:pPr algn="ctr"/>
-                      <a:endParaRPr lang="ru-RU" sz="3200" dirty="0">
-                        <a:latin typeface="Arial" panose="020B0604020202020204" pitchFamily="34" charset="0"/>
-                        <a:cs typeface="Arial" panose="020B0604020202020204" pitchFamily="34" charset="0"/>
-                      </a:endParaRPr>
-                    </a:p>
-                  </a:txBody>
-                  <a:tcPr anchor="ctr"/>
-                </a:tc>
-                <a:tc>
-                  <a:txBody>
-                    <a:bodyPr/>
-                    <a:lstStyle/>
-                    <a:p>
-                      <a:pPr algn="ctr"/>
-                      <a:endParaRPr lang="ru-RU" sz="3200" dirty="0">
-                        <a:latin typeface="Arial" panose="020B0604020202020204" pitchFamily="34" charset="0"/>
-                        <a:cs typeface="Arial" panose="020B0604020202020204" pitchFamily="34" charset="0"/>
-                      </a:endParaRPr>
-                    </a:p>
-                  </a:txBody>
-                  <a:tcPr anchor="ctr"/>
-                </a:tc>
-              </a:tr>
-              <a:tr h="1144602">
-                <a:tc>
-                  <a:txBody>
-                    <a:bodyPr/>
-                    <a:lstStyle/>
-                    <a:p>
-                      <a:pPr algn="ctr"/>
-                      <a:r>
-                        <a:rPr lang="ru-RU" sz="3200" dirty="0" smtClean="0">
-                          <a:latin typeface="Arial" panose="020B0604020202020204" pitchFamily="34" charset="0"/>
-                          <a:cs typeface="Arial" panose="020B0604020202020204" pitchFamily="34" charset="0"/>
-                        </a:rPr>
-                        <a:t>Деревья</a:t>
-                      </a:r>
-                      <a:r>
-                        <a:rPr lang="ru-RU" sz="3200" baseline="0" dirty="0" smtClean="0">
-                          <a:latin typeface="Arial" panose="020B0604020202020204" pitchFamily="34" charset="0"/>
-                          <a:cs typeface="Arial" panose="020B0604020202020204" pitchFamily="34" charset="0"/>
-                        </a:rPr>
-                        <a:t> решений</a:t>
-                      </a:r>
-                      <a:endParaRPr lang="ru-RU" sz="3200" dirty="0">
-                        <a:latin typeface="Arial" panose="020B0604020202020204" pitchFamily="34" charset="0"/>
-                        <a:cs typeface="Arial" panose="020B0604020202020204" pitchFamily="34" charset="0"/>
-                      </a:endParaRPr>
-                    </a:p>
-                  </a:txBody>
-                  <a:tcPr anchor="ctr"/>
-                </a:tc>
-                <a:tc>
-                  <a:txBody>
-                    <a:bodyPr/>
-                    <a:lstStyle/>
-                    <a:p>
-                      <a:pPr algn="ctr"/>
-                      <a:endParaRPr lang="ru-RU" sz="3200" dirty="0">
-                        <a:latin typeface="Arial" panose="020B0604020202020204" pitchFamily="34" charset="0"/>
-                        <a:cs typeface="Arial" panose="020B0604020202020204" pitchFamily="34" charset="0"/>
-                      </a:endParaRPr>
-                    </a:p>
-                  </a:txBody>
-                  <a:tcPr anchor="ctr"/>
-                </a:tc>
-                <a:tc>
-                  <a:txBody>
-                    <a:bodyPr/>
-                    <a:lstStyle/>
-                    <a:p>
-                      <a:pPr algn="ctr"/>
-                      <a:endParaRPr lang="ru-RU" sz="3200" dirty="0">
-                        <a:latin typeface="Arial" panose="020B0604020202020204" pitchFamily="34" charset="0"/>
-                        <a:cs typeface="Arial" panose="020B0604020202020204" pitchFamily="34" charset="0"/>
-                      </a:endParaRPr>
-                    </a:p>
-                  </a:txBody>
-                  <a:tcPr anchor="ctr"/>
-                </a:tc>
-                <a:tc>
-                  <a:txBody>
-                    <a:bodyPr/>
-                    <a:lstStyle/>
-                    <a:p>
-                      <a:pPr algn="ctr"/>
-                      <a:endParaRPr lang="ru-RU" sz="3200" dirty="0">
-                        <a:latin typeface="Arial" panose="020B0604020202020204" pitchFamily="34" charset="0"/>
-                        <a:cs typeface="Arial" panose="020B0604020202020204" pitchFamily="34" charset="0"/>
-                      </a:endParaRPr>
-                    </a:p>
-                  </a:txBody>
-                  <a:tcPr anchor="ctr"/>
-                </a:tc>
-              </a:tr>
-              <a:tr h="986401">
-                <a:tc>
-                  <a:txBody>
-                    <a:bodyPr/>
-                    <a:lstStyle/>
-                    <a:p>
-                      <a:pPr algn="ctr"/>
-                      <a:r>
-                        <a:rPr lang="ru-RU" sz="3200" dirty="0" smtClean="0">
-                          <a:latin typeface="Arial" panose="020B0604020202020204" pitchFamily="34" charset="0"/>
-                          <a:cs typeface="Arial" panose="020B0604020202020204" pitchFamily="34" charset="0"/>
-                        </a:rPr>
-                        <a:t>ИЛП</a:t>
-                      </a:r>
-                      <a:endParaRPr lang="ru-RU" sz="3200" dirty="0">
-                        <a:latin typeface="Arial" panose="020B0604020202020204" pitchFamily="34" charset="0"/>
-                        <a:cs typeface="Arial" panose="020B0604020202020204" pitchFamily="34" charset="0"/>
-                      </a:endParaRPr>
-                    </a:p>
-                  </a:txBody>
-                  <a:tcPr anchor="ctr"/>
-                </a:tc>
-                <a:tc>
-                  <a:txBody>
-                    <a:bodyPr/>
-                    <a:lstStyle/>
-                    <a:p>
-                      <a:pPr algn="ctr"/>
-                      <a:endParaRPr lang="ru-RU" sz="3200">
-                        <a:latin typeface="Arial" panose="020B0604020202020204" pitchFamily="34" charset="0"/>
-                        <a:cs typeface="Arial" panose="020B0604020202020204" pitchFamily="34" charset="0"/>
-                      </a:endParaRPr>
-                    </a:p>
-                  </a:txBody>
-                  <a:tcPr anchor="ctr"/>
-                </a:tc>
-                <a:tc>
-                  <a:txBody>
-                    <a:bodyPr/>
-                    <a:lstStyle/>
-                    <a:p>
-                      <a:pPr algn="ctr"/>
-                      <a:endParaRPr lang="ru-RU" sz="3200" dirty="0">
-                        <a:latin typeface="Arial" panose="020B0604020202020204" pitchFamily="34" charset="0"/>
-                        <a:cs typeface="Arial" panose="020B0604020202020204" pitchFamily="34" charset="0"/>
-                      </a:endParaRPr>
-                    </a:p>
-                  </a:txBody>
-                  <a:tcPr anchor="ctr"/>
-                </a:tc>
-                <a:tc>
-                  <a:txBody>
-                    <a:bodyPr/>
-                    <a:lstStyle/>
-                    <a:p>
-                      <a:pPr algn="ctr"/>
-                      <a:endParaRPr lang="ru-RU" sz="3200" dirty="0">
-                        <a:latin typeface="Arial" panose="020B0604020202020204" pitchFamily="34" charset="0"/>
-                        <a:cs typeface="Arial" panose="020B0604020202020204" pitchFamily="34" charset="0"/>
-                      </a:endParaRPr>
-                    </a:p>
-                  </a:txBody>
-                  <a:tcPr anchor="ctr"/>
-                </a:tc>
-              </a:tr>
-              <a:tr h="986401">
-                <a:tc>
-                  <a:txBody>
-                    <a:bodyPr/>
-                    <a:lstStyle/>
-                    <a:p>
-                      <a:pPr algn="ctr"/>
-                      <a:r>
-                        <a:rPr lang="ru-RU" sz="3200" dirty="0" smtClean="0">
-                          <a:latin typeface="Arial" panose="020B0604020202020204" pitchFamily="34" charset="0"/>
-                          <a:cs typeface="Arial" panose="020B0604020202020204" pitchFamily="34" charset="0"/>
-                        </a:rPr>
-                        <a:t>Аннотации</a:t>
-                      </a:r>
-                      <a:endParaRPr lang="ru-RU" sz="3200" dirty="0">
-                        <a:latin typeface="Arial" panose="020B0604020202020204" pitchFamily="34" charset="0"/>
-                        <a:cs typeface="Arial" panose="020B0604020202020204" pitchFamily="34" charset="0"/>
-                      </a:endParaRPr>
-                    </a:p>
-                  </a:txBody>
-                  <a:tcPr anchor="ctr"/>
-                </a:tc>
-                <a:tc>
-                  <a:txBody>
-                    <a:bodyPr/>
-                    <a:lstStyle/>
-                    <a:p>
-                      <a:pPr algn="ctr"/>
-                      <a:endParaRPr lang="ru-RU" sz="3200" dirty="0">
-                        <a:latin typeface="Arial" panose="020B0604020202020204" pitchFamily="34" charset="0"/>
-                        <a:cs typeface="Arial" panose="020B0604020202020204" pitchFamily="34" charset="0"/>
-                      </a:endParaRPr>
-                    </a:p>
-                  </a:txBody>
-                  <a:tcPr anchor="ctr"/>
-                </a:tc>
-                <a:tc>
-                  <a:txBody>
-                    <a:bodyPr/>
-                    <a:lstStyle/>
-                    <a:p>
-                      <a:pPr algn="ctr"/>
-                      <a:endParaRPr lang="ru-RU" sz="3200">
-                        <a:latin typeface="Arial" panose="020B0604020202020204" pitchFamily="34" charset="0"/>
-                        <a:cs typeface="Arial" panose="020B0604020202020204" pitchFamily="34" charset="0"/>
-                      </a:endParaRPr>
-                    </a:p>
-                  </a:txBody>
-                  <a:tcPr anchor="ctr"/>
-                </a:tc>
-                <a:tc>
-                  <a:txBody>
-                    <a:bodyPr/>
-                    <a:lstStyle/>
-                    <a:p>
-                      <a:pPr algn="ctr"/>
-                      <a:endParaRPr lang="ru-RU" sz="3200">
-                        <a:latin typeface="Arial" panose="020B0604020202020204" pitchFamily="34" charset="0"/>
-                        <a:cs typeface="Arial" panose="020B0604020202020204" pitchFamily="34" charset="0"/>
-                      </a:endParaRPr>
-                    </a:p>
-                  </a:txBody>
-                  <a:tcPr anchor="ctr"/>
-                </a:tc>
-              </a:tr>
-              <a:tr h="986401">
-                <a:tc>
-                  <a:txBody>
-                    <a:bodyPr/>
-                    <a:lstStyle/>
-                    <a:p>
-                      <a:pPr algn="ctr"/>
-                      <a:r>
-                        <a:rPr lang="ru-RU" sz="3200" dirty="0" smtClean="0">
-                          <a:latin typeface="Arial" panose="020B0604020202020204" pitchFamily="34" charset="0"/>
-                          <a:cs typeface="Arial" panose="020B0604020202020204" pitchFamily="34" charset="0"/>
-                        </a:rPr>
-                        <a:t>ГП</a:t>
-                      </a:r>
-                      <a:endParaRPr lang="ru-RU" sz="3200" dirty="0">
-                        <a:latin typeface="Arial" panose="020B0604020202020204" pitchFamily="34" charset="0"/>
-                        <a:cs typeface="Arial" panose="020B0604020202020204" pitchFamily="34" charset="0"/>
-                      </a:endParaRPr>
-                    </a:p>
-                  </a:txBody>
-                  <a:tcPr anchor="ctr"/>
-                </a:tc>
-                <a:tc>
-                  <a:txBody>
-                    <a:bodyPr/>
-                    <a:lstStyle/>
-                    <a:p>
-                      <a:pPr algn="ctr"/>
-                      <a:endParaRPr lang="ru-RU" sz="3200" dirty="0">
-                        <a:latin typeface="Arial" panose="020B0604020202020204" pitchFamily="34" charset="0"/>
-                        <a:cs typeface="Arial" panose="020B0604020202020204" pitchFamily="34" charset="0"/>
-                      </a:endParaRPr>
-                    </a:p>
-                  </a:txBody>
-                  <a:tcPr anchor="ctr"/>
-                </a:tc>
-                <a:tc>
-                  <a:txBody>
-                    <a:bodyPr/>
-                    <a:lstStyle/>
-                    <a:p>
-                      <a:pPr algn="ctr"/>
-                      <a:endParaRPr lang="ru-RU" sz="3200" dirty="0">
-                        <a:latin typeface="Arial" panose="020B0604020202020204" pitchFamily="34" charset="0"/>
-                        <a:cs typeface="Arial" panose="020B0604020202020204" pitchFamily="34" charset="0"/>
-                      </a:endParaRPr>
-                    </a:p>
-                  </a:txBody>
-                  <a:tcPr anchor="ctr"/>
-                </a:tc>
-                <a:tc>
-                  <a:txBody>
-                    <a:bodyPr/>
-                    <a:lstStyle/>
-                    <a:p>
-                      <a:pPr algn="ctr"/>
-                      <a:endParaRPr lang="ru-RU" sz="3200" dirty="0">
-                        <a:latin typeface="Arial" panose="020B0604020202020204" pitchFamily="34" charset="0"/>
-                        <a:cs typeface="Arial" panose="020B0604020202020204" pitchFamily="34" charset="0"/>
-                      </a:endParaRPr>
-                    </a:p>
-                  </a:txBody>
-                  <a:tcPr anchor="ctr"/>
-                </a:tc>
-              </a:tr>
-            </a:tbl>
-          </a:graphicData>
-        </a:graphic>
-      </p:graphicFrame>
+          </p:nvPr>
+        </p:nvSpPr>
+        <p:spPr>
+          <a:xfrm>
+            <a:off x="395536" y="1628800"/>
+            <a:ext cx="8496944" cy="4392488"/>
+          </a:xfrm>
+        </p:spPr>
+        <p:txBody>
+          <a:bodyPr>
+            <a:noAutofit/>
+          </a:bodyPr>
+          <a:lstStyle/>
+          <a:p>
+            <a:pPr algn="just"/>
+            <a:r>
+              <a:rPr lang="ru-RU" sz="4400" dirty="0">
+                <a:latin typeface="Arial" panose="020B0604020202020204" pitchFamily="34" charset="0"/>
+                <a:cs typeface="Arial" panose="020B0604020202020204" pitchFamily="34" charset="0"/>
+              </a:rPr>
+              <a:t>Проблема исследования: </a:t>
+            </a:r>
+            <a:r>
+              <a:rPr lang="ru-RU" sz="4400" dirty="0" smtClean="0">
+                <a:latin typeface="Arial" panose="020B0604020202020204" pitchFamily="34" charset="0"/>
+                <a:cs typeface="Arial" panose="020B0604020202020204" pitchFamily="34" charset="0"/>
+              </a:rPr>
+              <a:t>Как </a:t>
+            </a:r>
+            <a:r>
+              <a:rPr lang="ru-RU" sz="4400" dirty="0">
+                <a:latin typeface="Arial" panose="020B0604020202020204" pitchFamily="34" charset="0"/>
+                <a:cs typeface="Arial" panose="020B0604020202020204" pitchFamily="34" charset="0"/>
+              </a:rPr>
+              <a:t>выбрать оптимальное множество признаков для классификатора? </a:t>
+            </a:r>
+          </a:p>
+        </p:txBody>
+      </p:sp>
     </p:spTree>
     <p:extLst>
       <p:ext uri="{BB962C8B-B14F-4D97-AF65-F5344CB8AC3E}">
-        <p14:creationId xmlns:p14="http://schemas.microsoft.com/office/powerpoint/2010/main" val="30600482"/>
+        <p14:creationId xmlns:p14="http://schemas.microsoft.com/office/powerpoint/2010/main" val="1305685532"/>
       </p:ext>
     </p:extLst>
   </p:cSld>
@@ -12824,8 +9748,8 @@
         </p:nvSpPr>
         <p:spPr>
           <a:xfrm>
-            <a:off x="1259632" y="27581"/>
-            <a:ext cx="6781800" cy="1600200"/>
+            <a:off x="762000" y="685800"/>
+            <a:ext cx="7543800" cy="1015008"/>
           </a:xfrm>
         </p:spPr>
         <p:txBody>
@@ -12835,7 +9759,7 @@
             <a:pPr algn="ctr"/>
             <a:r>
               <a:rPr lang="ru-RU" dirty="0" smtClean="0"/>
-              <a:t>Актуальность</a:t>
+              <a:t>Объект и предмет</a:t>
             </a:r>
             <a:endParaRPr lang="ru-RU" dirty="0"/>
           </a:p>
@@ -12853,100 +9777,94 @@
         </p:nvSpPr>
         <p:spPr>
           <a:xfrm>
-            <a:off x="683568" y="1772816"/>
-            <a:ext cx="7776864" cy="4174232"/>
+            <a:off x="762000" y="2258552"/>
+            <a:ext cx="7543800" cy="3886200"/>
           </a:xfrm>
         </p:spPr>
         <p:txBody>
-          <a:bodyPr>
-            <a:noAutofit/>
-          </a:bodyPr>
+          <a:bodyPr/>
           <a:lstStyle/>
           <a:p>
             <a:pPr algn="just"/>
             <a:r>
               <a:rPr lang="ru-RU" sz="3600" dirty="0" smtClean="0">
-                <a:solidFill>
-                  <a:schemeClr val="tx1"/>
-                </a:solidFill>
                 <a:latin typeface="Arial" panose="020B0604020202020204" pitchFamily="34" charset="0"/>
-                <a:ea typeface="Arial" charset="0"/>
                 <a:cs typeface="Arial" panose="020B0604020202020204" pitchFamily="34" charset="0"/>
               </a:rPr>
-              <a:t>Распознавание патологий приведет к своевременному лечению.</a:t>
-            </a:r>
-          </a:p>
-          <a:p>
-            <a:pPr algn="just"/>
-            <a:r>
-              <a:rPr lang="ru-RU" sz="3600" dirty="0">
-                <a:solidFill>
-                  <a:schemeClr val="tx1"/>
-                </a:solidFill>
+              <a:t>Объект исследования </a:t>
+            </a:r>
+            <a:r>
+              <a:rPr lang="mr-IN" sz="3600" dirty="0" smtClean="0">
                 <a:latin typeface="Arial" panose="020B0604020202020204" pitchFamily="34" charset="0"/>
-                <a:ea typeface="Arial" charset="0"/>
                 <a:cs typeface="Arial" panose="020B0604020202020204" pitchFamily="34" charset="0"/>
               </a:rPr>
-              <a:t>В</a:t>
+              <a:t>–</a:t>
             </a:r>
             <a:r>
               <a:rPr lang="ru-RU" sz="3600" dirty="0" smtClean="0">
-                <a:solidFill>
-                  <a:schemeClr val="tx1"/>
-                </a:solidFill>
                 <a:latin typeface="Arial" panose="020B0604020202020204" pitchFamily="34" charset="0"/>
-                <a:ea typeface="Arial" charset="0"/>
                 <a:cs typeface="Arial" panose="020B0604020202020204" pitchFamily="34" charset="0"/>
               </a:rPr>
-              <a:t>заимодействия </a:t>
-            </a:r>
-            <a:r>
-              <a:rPr lang="ru-RU" sz="3600" dirty="0">
-                <a:solidFill>
-                  <a:schemeClr val="tx1"/>
-                </a:solidFill>
+              <a:t> классификация изображений.</a:t>
+            </a:r>
+          </a:p>
+          <a:p>
+            <a:pPr algn="just"/>
+            <a:r>
+              <a:rPr lang="ru-RU" sz="3600" dirty="0" smtClean="0">
                 <a:latin typeface="Arial" panose="020B0604020202020204" pitchFamily="34" charset="0"/>
-                <a:ea typeface="Arial" charset="0"/>
                 <a:cs typeface="Arial" panose="020B0604020202020204" pitchFamily="34" charset="0"/>
               </a:rPr>
-              <a:t>и отношения между оригинальными </a:t>
-            </a:r>
-            <a:r>
-              <a:rPr lang="ru-RU" sz="3600" dirty="0" smtClean="0">
-                <a:solidFill>
-                  <a:schemeClr val="tx1"/>
-                </a:solidFill>
+              <a:t>Предмет исследования </a:t>
+            </a:r>
+            <a:r>
+              <a:rPr lang="mr-IN" sz="3600" dirty="0" smtClean="0">
                 <a:latin typeface="Arial" panose="020B0604020202020204" pitchFamily="34" charset="0"/>
-                <a:ea typeface="Arial" charset="0"/>
                 <a:cs typeface="Arial" panose="020B0604020202020204" pitchFamily="34" charset="0"/>
               </a:rPr>
-              <a:t>признаками должны учитываться для успешной классификации.</a:t>
+              <a:t>–</a:t>
+            </a:r>
+            <a:r>
+              <a:rPr lang="ru-RU" sz="3600" dirty="0" smtClean="0">
+                <a:latin typeface="Arial" panose="020B0604020202020204" pitchFamily="34" charset="0"/>
+                <a:cs typeface="Arial" panose="020B0604020202020204" pitchFamily="34" charset="0"/>
+              </a:rPr>
+              <a:t> алгоритм </a:t>
+            </a:r>
+            <a:r>
+              <a:rPr lang="ru-RU" sz="3600" dirty="0">
+                <a:latin typeface="Arial" panose="020B0604020202020204" pitchFamily="34" charset="0"/>
+                <a:cs typeface="Arial" panose="020B0604020202020204" pitchFamily="34" charset="0"/>
+              </a:rPr>
+              <a:t>построения признаков для </a:t>
+            </a:r>
+            <a:r>
+              <a:rPr lang="ru-RU" sz="3600" dirty="0" smtClean="0">
+                <a:latin typeface="Arial" panose="020B0604020202020204" pitchFamily="34" charset="0"/>
+                <a:cs typeface="Arial" panose="020B0604020202020204" pitchFamily="34" charset="0"/>
+              </a:rPr>
+              <a:t>классификации.</a:t>
             </a:r>
             <a:endParaRPr lang="ru-RU" sz="3600" dirty="0">
               <a:latin typeface="Arial" panose="020B0604020202020204" pitchFamily="34" charset="0"/>
-              <a:ea typeface="Arial" charset="0"/>
               <a:cs typeface="Arial" panose="020B0604020202020204" pitchFamily="34" charset="0"/>
             </a:endParaRPr>
+          </a:p>
+          <a:p>
+            <a:endParaRPr lang="ru-RU" dirty="0"/>
           </a:p>
         </p:txBody>
       </p:sp>
     </p:spTree>
     <p:extLst>
       <p:ext uri="{BB962C8B-B14F-4D97-AF65-F5344CB8AC3E}">
-        <p14:creationId xmlns:p14="http://schemas.microsoft.com/office/powerpoint/2010/main" val="2881067731"/>
+        <p14:creationId xmlns:p14="http://schemas.microsoft.com/office/powerpoint/2010/main" val="554496113"/>
       </p:ext>
     </p:extLst>
   </p:cSld>
   <p:clrMapOvr>
     <a:masterClrMapping/>
   </p:clrMapOvr>
-  <p:timing>
-    <p:tnLst>
-      <p:par>
-        <p:cTn id="1" dur="indefinite" restart="never" nodeType="tmRoot"/>
-      </p:par>
-    </p:tnLst>
-  </p:timing>
 </p:sld>
 </file>
 
@@ -12979,7 +9897,7 @@
         </p:nvSpPr>
         <p:spPr>
           <a:xfrm>
-            <a:off x="1187624" y="0"/>
+            <a:off x="1043608" y="188640"/>
             <a:ext cx="6781800" cy="1600200"/>
           </a:xfrm>
         </p:spPr>
@@ -12989,8 +9907,8 @@
           <a:p>
             <a:pPr algn="ctr"/>
             <a:r>
-              <a:rPr lang="ru-RU" smtClean="0"/>
-              <a:t>Проблема</a:t>
+              <a:rPr lang="ru-RU" dirty="0" smtClean="0"/>
+              <a:t>Цель</a:t>
             </a:r>
             <a:endParaRPr lang="ru-RU" dirty="0"/>
           </a:p>
@@ -13008,37 +9926,37 @@
         </p:nvSpPr>
         <p:spPr>
           <a:xfrm>
-            <a:off x="395536" y="1628800"/>
-            <a:ext cx="8496944" cy="4392488"/>
+            <a:off x="755576" y="1772816"/>
+            <a:ext cx="7560840" cy="3886200"/>
           </a:xfrm>
         </p:spPr>
         <p:txBody>
           <a:bodyPr>
-            <a:noAutofit/>
+            <a:normAutofit/>
           </a:bodyPr>
           <a:lstStyle/>
           <a:p>
             <a:pPr algn="just"/>
             <a:r>
-              <a:rPr lang="ru-RU" sz="4400" dirty="0">
+              <a:rPr lang="ru-RU" sz="4000" dirty="0" smtClean="0">
                 <a:latin typeface="Arial" panose="020B0604020202020204" pitchFamily="34" charset="0"/>
                 <a:cs typeface="Arial" panose="020B0604020202020204" pitchFamily="34" charset="0"/>
               </a:rPr>
-              <a:t>Проблема исследования: </a:t>
-            </a:r>
-            <a:r>
-              <a:rPr lang="ru-RU" sz="4400" dirty="0" smtClean="0">
+              <a:t>Нахождение </a:t>
+            </a:r>
+            <a:r>
+              <a:rPr lang="ru-RU" sz="4000" dirty="0">
                 <a:latin typeface="Arial" panose="020B0604020202020204" pitchFamily="34" charset="0"/>
                 <a:cs typeface="Arial" panose="020B0604020202020204" pitchFamily="34" charset="0"/>
               </a:rPr>
-              <a:t>Как </a:t>
-            </a:r>
-            <a:r>
-              <a:rPr lang="ru-RU" sz="4400" dirty="0">
+              <a:t>и отработка методики </a:t>
+            </a:r>
+            <a:r>
+              <a:rPr lang="ru-RU" sz="4000" dirty="0" smtClean="0">
                 <a:latin typeface="Arial" panose="020B0604020202020204" pitchFamily="34" charset="0"/>
                 <a:cs typeface="Arial" panose="020B0604020202020204" pitchFamily="34" charset="0"/>
               </a:rPr>
-              <a:t>выбрать оптимальное множество признаков для классификатора? </a:t>
+              <a:t>построение признаков для решения задачи классификации.</a:t>
             </a:r>
           </a:p>
         </p:txBody>
@@ -13046,7 +9964,7 @@
     </p:spTree>
     <p:extLst>
       <p:ext uri="{BB962C8B-B14F-4D97-AF65-F5344CB8AC3E}">
-        <p14:creationId xmlns:p14="http://schemas.microsoft.com/office/powerpoint/2010/main" val="1305685532"/>
+        <p14:creationId xmlns:p14="http://schemas.microsoft.com/office/powerpoint/2010/main" val="648323079"/>
       </p:ext>
     </p:extLst>
   </p:cSld>
@@ -13092,8 +10010,8 @@
         </p:nvSpPr>
         <p:spPr>
           <a:xfrm>
-            <a:off x="762000" y="685800"/>
-            <a:ext cx="7543800" cy="1015008"/>
+            <a:off x="1043608" y="-27384"/>
+            <a:ext cx="6781800" cy="1600200"/>
           </a:xfrm>
         </p:spPr>
         <p:txBody>
@@ -13103,7 +10021,7 @@
             <a:pPr algn="ctr"/>
             <a:r>
               <a:rPr lang="ru-RU" dirty="0" smtClean="0"/>
-              <a:t>Объект и предмет</a:t>
+              <a:t>Задачи</a:t>
             </a:r>
             <a:endParaRPr lang="ru-RU" dirty="0"/>
           </a:p>
@@ -13121,78 +10039,73 @@
         </p:nvSpPr>
         <p:spPr>
           <a:xfrm>
-            <a:off x="762000" y="2258552"/>
-            <a:ext cx="7543800" cy="3886200"/>
+            <a:off x="539552" y="1772816"/>
+            <a:ext cx="8280920" cy="4536504"/>
           </a:xfrm>
         </p:spPr>
         <p:txBody>
-          <a:bodyPr/>
-          <a:lstStyle/>
-          <a:p>
-            <a:pPr algn="just"/>
-            <a:r>
-              <a:rPr lang="ru-RU" sz="3600" dirty="0" smtClean="0">
+          <a:bodyPr>
+            <a:normAutofit fontScale="92500" lnSpcReduction="10000"/>
+          </a:bodyPr>
+          <a:lstStyle/>
+          <a:p>
+            <a:pPr lvl="0"/>
+            <a:r>
+              <a:rPr lang="ru-RU" sz="3500" dirty="0" smtClean="0">
                 <a:latin typeface="Arial" panose="020B0604020202020204" pitchFamily="34" charset="0"/>
                 <a:cs typeface="Arial" panose="020B0604020202020204" pitchFamily="34" charset="0"/>
               </a:rPr>
-              <a:t>Объект исследования </a:t>
-            </a:r>
-            <a:r>
-              <a:rPr lang="mr-IN" sz="3600" dirty="0" smtClean="0">
+              <a:t>Изучить </a:t>
+            </a:r>
+            <a:r>
+              <a:rPr lang="ru-RU" sz="3500" dirty="0">
                 <a:latin typeface="Arial" panose="020B0604020202020204" pitchFamily="34" charset="0"/>
                 <a:cs typeface="Arial" panose="020B0604020202020204" pitchFamily="34" charset="0"/>
               </a:rPr>
-              <a:t>–</a:t>
-            </a:r>
-            <a:r>
-              <a:rPr lang="ru-RU" sz="3600" dirty="0" smtClean="0">
+              <a:t>соответствующую литературу.</a:t>
+            </a:r>
+          </a:p>
+          <a:p>
+            <a:pPr lvl="0"/>
+            <a:r>
+              <a:rPr lang="ru-RU" sz="3500" dirty="0" smtClean="0">
                 <a:latin typeface="Arial" panose="020B0604020202020204" pitchFamily="34" charset="0"/>
                 <a:cs typeface="Arial" panose="020B0604020202020204" pitchFamily="34" charset="0"/>
               </a:rPr>
-              <a:t> классификация изображений.</a:t>
-            </a:r>
-          </a:p>
-          <a:p>
-            <a:pPr algn="just"/>
-            <a:r>
-              <a:rPr lang="ru-RU" sz="3600" dirty="0" smtClean="0">
+              <a:t>Разработать и реализовать алгоритм построения признаков.</a:t>
+            </a:r>
+            <a:endParaRPr lang="ru-RU" sz="3500" dirty="0">
+              <a:latin typeface="Arial" panose="020B0604020202020204" pitchFamily="34" charset="0"/>
+              <a:cs typeface="Arial" panose="020B0604020202020204" pitchFamily="34" charset="0"/>
+            </a:endParaRPr>
+          </a:p>
+          <a:p>
+            <a:pPr lvl="0"/>
+            <a:r>
+              <a:rPr lang="ru-RU" sz="3500" dirty="0" smtClean="0">
                 <a:latin typeface="Arial" panose="020B0604020202020204" pitchFamily="34" charset="0"/>
                 <a:cs typeface="Arial" panose="020B0604020202020204" pitchFamily="34" charset="0"/>
               </a:rPr>
-              <a:t>Предмет исследования </a:t>
-            </a:r>
-            <a:r>
-              <a:rPr lang="mr-IN" sz="3600" dirty="0" smtClean="0">
+              <a:t>Оценить эффективность работы алгоритма и сравнить результаты с классификацией без построения признаков.</a:t>
+            </a:r>
+            <a:endParaRPr lang="ru-RU" sz="3500" dirty="0">
+              <a:latin typeface="Arial" panose="020B0604020202020204" pitchFamily="34" charset="0"/>
+              <a:cs typeface="Arial" panose="020B0604020202020204" pitchFamily="34" charset="0"/>
+            </a:endParaRPr>
+          </a:p>
+          <a:p>
+            <a:pPr lvl="0">
+              <a:lnSpc>
+                <a:spcPct val="110000"/>
+              </a:lnSpc>
+            </a:pPr>
+            <a:r>
+              <a:rPr lang="ru-RU" sz="3500" dirty="0">
                 <a:latin typeface="Arial" panose="020B0604020202020204" pitchFamily="34" charset="0"/>
                 <a:cs typeface="Arial" panose="020B0604020202020204" pitchFamily="34" charset="0"/>
               </a:rPr>
-              <a:t>–</a:t>
-            </a:r>
-            <a:r>
-              <a:rPr lang="ru-RU" sz="3600" dirty="0" smtClean="0">
-                <a:latin typeface="Arial" panose="020B0604020202020204" pitchFamily="34" charset="0"/>
-                <a:cs typeface="Arial" panose="020B0604020202020204" pitchFamily="34" charset="0"/>
-              </a:rPr>
-              <a:t> алгоритм </a:t>
-            </a:r>
-            <a:r>
-              <a:rPr lang="ru-RU" sz="3600" dirty="0">
-                <a:latin typeface="Arial" panose="020B0604020202020204" pitchFamily="34" charset="0"/>
-                <a:cs typeface="Arial" panose="020B0604020202020204" pitchFamily="34" charset="0"/>
-              </a:rPr>
-              <a:t>построения признаков для </a:t>
-            </a:r>
-            <a:r>
-              <a:rPr lang="ru-RU" sz="3600" dirty="0" smtClean="0">
-                <a:latin typeface="Arial" panose="020B0604020202020204" pitchFamily="34" charset="0"/>
-                <a:cs typeface="Arial" panose="020B0604020202020204" pitchFamily="34" charset="0"/>
-              </a:rPr>
-              <a:t>классификации.</a:t>
-            </a:r>
-            <a:endParaRPr lang="ru-RU" sz="3600" dirty="0">
-              <a:latin typeface="Arial" panose="020B0604020202020204" pitchFamily="34" charset="0"/>
-              <a:cs typeface="Arial" panose="020B0604020202020204" pitchFamily="34" charset="0"/>
-            </a:endParaRPr>
+              <a:t>Обобщить полученные результаты и сделать соответствующие выводы.</a:t>
+            </a:r>
           </a:p>
           <a:p>
             <a:endParaRPr lang="ru-RU" dirty="0"/>
@@ -13202,13 +10115,20 @@
     </p:spTree>
     <p:extLst>
       <p:ext uri="{BB962C8B-B14F-4D97-AF65-F5344CB8AC3E}">
-        <p14:creationId xmlns:p14="http://schemas.microsoft.com/office/powerpoint/2010/main" val="554496113"/>
+        <p14:creationId xmlns:p14="http://schemas.microsoft.com/office/powerpoint/2010/main" val="1538788640"/>
       </p:ext>
     </p:extLst>
   </p:cSld>
   <p:clrMapOvr>
     <a:masterClrMapping/>
   </p:clrMapOvr>
+  <p:timing>
+    <p:tnLst>
+      <p:par>
+        <p:cTn id="1" dur="indefinite" restart="never" nodeType="tmRoot"/>
+      </p:par>
+    </p:tnLst>
+  </p:timing>
 </p:sld>
 </file>
 
@@ -13241,8 +10161,8 @@
         </p:nvSpPr>
         <p:spPr>
           <a:xfrm>
-            <a:off x="1043608" y="188640"/>
-            <a:ext cx="6781800" cy="1600200"/>
+            <a:off x="790802" y="0"/>
+            <a:ext cx="7514997" cy="1600200"/>
           </a:xfrm>
         </p:spPr>
         <p:txBody>
@@ -13252,76 +10172,404 @@
             <a:pPr algn="ctr"/>
             <a:r>
               <a:rPr lang="ru-RU" dirty="0" smtClean="0"/>
-              <a:t>Цель</a:t>
+              <a:t>Классификация</a:t>
             </a:r>
             <a:endParaRPr lang="ru-RU" dirty="0"/>
           </a:p>
         </p:txBody>
       </p:sp>
-      <p:sp>
-        <p:nvSpPr>
-          <p:cNvPr id="3" name="Объект 2"/>
-          <p:cNvSpPr>
-            <a:spLocks noGrp="1"/>
-          </p:cNvSpPr>
-          <p:nvPr>
-            <p:ph idx="1"/>
-          </p:nvPr>
-        </p:nvSpPr>
-        <p:spPr>
-          <a:xfrm>
-            <a:off x="755576" y="1772816"/>
-            <a:ext cx="7560840" cy="3886200"/>
-          </a:xfrm>
-        </p:spPr>
-        <p:txBody>
-          <a:bodyPr>
-            <a:normAutofit/>
-          </a:bodyPr>
-          <a:lstStyle/>
-          <a:p>
-            <a:pPr algn="just"/>
-            <a:r>
-              <a:rPr lang="ru-RU" sz="4000" dirty="0" smtClean="0">
-                <a:latin typeface="Arial" panose="020B0604020202020204" pitchFamily="34" charset="0"/>
-                <a:cs typeface="Arial" panose="020B0604020202020204" pitchFamily="34" charset="0"/>
-              </a:rPr>
-              <a:t>Нахождение </a:t>
-            </a:r>
-            <a:r>
-              <a:rPr lang="ru-RU" sz="4000" dirty="0">
-                <a:latin typeface="Arial" panose="020B0604020202020204" pitchFamily="34" charset="0"/>
-                <a:cs typeface="Arial" panose="020B0604020202020204" pitchFamily="34" charset="0"/>
-              </a:rPr>
-              <a:t>и отработка методики </a:t>
-            </a:r>
-            <a:r>
-              <a:rPr lang="ru-RU" sz="4000" dirty="0" smtClean="0">
-                <a:latin typeface="Arial" panose="020B0604020202020204" pitchFamily="34" charset="0"/>
-                <a:cs typeface="Arial" panose="020B0604020202020204" pitchFamily="34" charset="0"/>
-              </a:rPr>
-              <a:t>построение признаков для решения задачи классификации.</a:t>
-            </a:r>
-          </a:p>
-        </p:txBody>
-      </p:sp>
+      <mc:AlternateContent xmlns:mc="http://schemas.openxmlformats.org/markup-compatibility/2006">
+        <mc:Choice xmlns:a14="http://schemas.microsoft.com/office/drawing/2010/main" Requires="a14">
+          <p:sp>
+            <p:nvSpPr>
+              <p:cNvPr id="3" name="Объект 2"/>
+              <p:cNvSpPr>
+                <a:spLocks noGrp="1"/>
+              </p:cNvSpPr>
+              <p:nvPr>
+                <p:ph idx="1"/>
+              </p:nvPr>
+            </p:nvSpPr>
+            <p:spPr>
+              <a:xfrm>
+                <a:off x="814737" y="2060848"/>
+                <a:ext cx="7543800" cy="3886200"/>
+              </a:xfrm>
+            </p:spPr>
+            <p:txBody>
+              <a:bodyPr>
+                <a:normAutofit/>
+              </a:bodyPr>
+              <a:lstStyle/>
+              <a:p>
+                <a:r>
+                  <a:rPr lang="en-US" sz="4000" i="1" dirty="0" smtClean="0">
+                    <a:latin typeface="Cambria Math" panose="02040503050406030204" pitchFamily="18" charset="0"/>
+                    <a:ea typeface="Cambria Math" panose="02040503050406030204" pitchFamily="18" charset="0"/>
+                    <a:cs typeface="Arial" panose="020B0604020202020204" pitchFamily="34" charset="0"/>
+                  </a:rPr>
+                  <a:t>X</a:t>
+                </a:r>
+                <a:r>
+                  <a:rPr lang="en-US" sz="4000" dirty="0" smtClean="0">
+                    <a:latin typeface="Arial" panose="020B0604020202020204" pitchFamily="34" charset="0"/>
+                    <a:cs typeface="Arial" panose="020B0604020202020204" pitchFamily="34" charset="0"/>
+                  </a:rPr>
+                  <a:t> – </a:t>
+                </a:r>
+                <a:r>
+                  <a:rPr lang="ru-RU" sz="4000" dirty="0" smtClean="0">
+                    <a:latin typeface="Arial" panose="020B0604020202020204" pitchFamily="34" charset="0"/>
+                    <a:cs typeface="Arial" panose="020B0604020202020204" pitchFamily="34" charset="0"/>
+                  </a:rPr>
+                  <a:t>множество признаков;</a:t>
+                </a:r>
+              </a:p>
+              <a:p>
+                <a:r>
+                  <a:rPr lang="en-US" sz="4000" i="1" dirty="0" smtClean="0">
+                    <a:latin typeface="Cambria Math" panose="02040503050406030204" pitchFamily="18" charset="0"/>
+                    <a:ea typeface="Cambria Math" panose="02040503050406030204" pitchFamily="18" charset="0"/>
+                    <a:cs typeface="Arial" panose="020B0604020202020204" pitchFamily="34" charset="0"/>
+                  </a:rPr>
+                  <a:t>Y</a:t>
+                </a:r>
+                <a:r>
+                  <a:rPr lang="en-US" sz="4000" dirty="0" smtClean="0">
+                    <a:latin typeface="Arial" panose="020B0604020202020204" pitchFamily="34" charset="0"/>
+                    <a:cs typeface="Arial" panose="020B0604020202020204" pitchFamily="34" charset="0"/>
+                  </a:rPr>
+                  <a:t> – </a:t>
+                </a:r>
+                <a:r>
+                  <a:rPr lang="ru-RU" sz="4000" dirty="0" smtClean="0">
+                    <a:latin typeface="Arial" panose="020B0604020202020204" pitchFamily="34" charset="0"/>
+                    <a:cs typeface="Arial" panose="020B0604020202020204" pitchFamily="34" charset="0"/>
+                  </a:rPr>
+                  <a:t>множество классов;</a:t>
+                </a:r>
+              </a:p>
+              <a:p>
+                <a14:m>
+                  <m:oMath xmlns:m="http://schemas.openxmlformats.org/officeDocument/2006/math">
+                    <m:sSup>
+                      <m:sSupPr>
+                        <m:ctrlPr>
+                          <a:rPr lang="en-US" sz="4000" i="1" smtClean="0">
+                            <a:latin typeface="Cambria Math" panose="02040503050406030204" pitchFamily="18" charset="0"/>
+                          </a:rPr>
+                        </m:ctrlPr>
+                      </m:sSupPr>
+                      <m:e>
+                        <m:r>
+                          <a:rPr lang="en-US" sz="4000" b="0" i="1" smtClean="0">
+                            <a:latin typeface="Cambria Math" panose="02040503050406030204" pitchFamily="18" charset="0"/>
+                          </a:rPr>
+                          <m:t>𝑋</m:t>
+                        </m:r>
+                      </m:e>
+                      <m:sup>
+                        <m:r>
+                          <a:rPr lang="en-US" sz="4000" b="0" i="1" smtClean="0">
+                            <a:latin typeface="Cambria Math" panose="02040503050406030204" pitchFamily="18" charset="0"/>
+                          </a:rPr>
+                          <m:t>𝑚</m:t>
+                        </m:r>
+                      </m:sup>
+                    </m:sSup>
+                    <m:r>
+                      <a:rPr lang="en-US" sz="4000" b="0" i="1" smtClean="0">
+                        <a:latin typeface="Cambria Math" panose="02040503050406030204" pitchFamily="18" charset="0"/>
+                      </a:rPr>
+                      <m:t>={</m:t>
+                    </m:r>
+                    <m:d>
+                      <m:dPr>
+                        <m:ctrlPr>
+                          <a:rPr lang="en-US" sz="4000" b="0" i="1" smtClean="0">
+                            <a:latin typeface="Cambria Math" panose="02040503050406030204" pitchFamily="18" charset="0"/>
+                          </a:rPr>
+                        </m:ctrlPr>
+                      </m:dPr>
+                      <m:e>
+                        <m:sSub>
+                          <m:sSubPr>
+                            <m:ctrlPr>
+                              <a:rPr lang="en-US" sz="4000" b="0" i="1" smtClean="0">
+                                <a:latin typeface="Cambria Math" panose="02040503050406030204" pitchFamily="18" charset="0"/>
+                              </a:rPr>
+                            </m:ctrlPr>
+                          </m:sSubPr>
+                          <m:e>
+                            <m:r>
+                              <a:rPr lang="en-US" sz="4000" b="0" i="1" smtClean="0">
+                                <a:latin typeface="Cambria Math" panose="02040503050406030204" pitchFamily="18" charset="0"/>
+                              </a:rPr>
+                              <m:t>𝑥</m:t>
+                            </m:r>
+                          </m:e>
+                          <m:sub>
+                            <m:r>
+                              <a:rPr lang="en-US" sz="4000" b="0" i="1" smtClean="0">
+                                <a:latin typeface="Cambria Math" panose="02040503050406030204" pitchFamily="18" charset="0"/>
+                              </a:rPr>
+                              <m:t>1</m:t>
+                            </m:r>
+                          </m:sub>
+                        </m:sSub>
+                        <m:r>
+                          <a:rPr lang="en-US" sz="4000" b="0" i="1" smtClean="0">
+                            <a:latin typeface="Cambria Math" panose="02040503050406030204" pitchFamily="18" charset="0"/>
+                          </a:rPr>
+                          <m:t>,</m:t>
+                        </m:r>
+                        <m:sSub>
+                          <m:sSubPr>
+                            <m:ctrlPr>
+                              <a:rPr lang="en-US" sz="4000" b="0" i="1" smtClean="0">
+                                <a:latin typeface="Cambria Math" panose="02040503050406030204" pitchFamily="18" charset="0"/>
+                              </a:rPr>
+                            </m:ctrlPr>
+                          </m:sSubPr>
+                          <m:e>
+                            <m:r>
+                              <a:rPr lang="en-US" sz="4000" b="0" i="1" smtClean="0">
+                                <a:latin typeface="Cambria Math" panose="02040503050406030204" pitchFamily="18" charset="0"/>
+                              </a:rPr>
+                              <m:t>𝑦</m:t>
+                            </m:r>
+                          </m:e>
+                          <m:sub>
+                            <m:r>
+                              <a:rPr lang="en-US" sz="4000" b="0" i="1" smtClean="0">
+                                <a:latin typeface="Cambria Math" panose="02040503050406030204" pitchFamily="18" charset="0"/>
+                              </a:rPr>
+                              <m:t>1</m:t>
+                            </m:r>
+                          </m:sub>
+                        </m:sSub>
+                      </m:e>
+                    </m:d>
+                    <m:r>
+                      <a:rPr lang="en-US" sz="4000" b="0" i="1" smtClean="0">
+                        <a:latin typeface="Cambria Math" panose="02040503050406030204" pitchFamily="18" charset="0"/>
+                      </a:rPr>
+                      <m:t>,…,(</m:t>
+                    </m:r>
+                    <m:sSub>
+                      <m:sSubPr>
+                        <m:ctrlPr>
+                          <a:rPr lang="en-US" sz="4000" b="0" i="1" smtClean="0">
+                            <a:latin typeface="Cambria Math" panose="02040503050406030204" pitchFamily="18" charset="0"/>
+                          </a:rPr>
+                        </m:ctrlPr>
+                      </m:sSubPr>
+                      <m:e>
+                        <m:r>
+                          <a:rPr lang="en-US" sz="4000" b="0" i="1" smtClean="0">
+                            <a:latin typeface="Cambria Math" panose="02040503050406030204" pitchFamily="18" charset="0"/>
+                          </a:rPr>
+                          <m:t>𝑥</m:t>
+                        </m:r>
+                      </m:e>
+                      <m:sub>
+                        <m:r>
+                          <a:rPr lang="en-US" sz="4000" b="0" i="1" smtClean="0">
+                            <a:latin typeface="Cambria Math" panose="02040503050406030204" pitchFamily="18" charset="0"/>
+                          </a:rPr>
+                          <m:t>𝑚</m:t>
+                        </m:r>
+                      </m:sub>
+                    </m:sSub>
+                    <m:r>
+                      <a:rPr lang="en-US" sz="4000" b="0" i="1" smtClean="0">
+                        <a:latin typeface="Cambria Math" panose="02040503050406030204" pitchFamily="18" charset="0"/>
+                      </a:rPr>
+                      <m:t>,</m:t>
+                    </m:r>
+                    <m:sSub>
+                      <m:sSubPr>
+                        <m:ctrlPr>
+                          <a:rPr lang="en-US" sz="4000" b="0" i="1" smtClean="0">
+                            <a:latin typeface="Cambria Math" panose="02040503050406030204" pitchFamily="18" charset="0"/>
+                          </a:rPr>
+                        </m:ctrlPr>
+                      </m:sSubPr>
+                      <m:e>
+                        <m:r>
+                          <a:rPr lang="en-US" sz="4000" b="0" i="1" smtClean="0">
+                            <a:latin typeface="Cambria Math" panose="02040503050406030204" pitchFamily="18" charset="0"/>
+                          </a:rPr>
+                          <m:t>𝑦</m:t>
+                        </m:r>
+                      </m:e>
+                      <m:sub>
+                        <m:r>
+                          <a:rPr lang="en-US" sz="4000" b="0" i="1" smtClean="0">
+                            <a:latin typeface="Cambria Math" panose="02040503050406030204" pitchFamily="18" charset="0"/>
+                          </a:rPr>
+                          <m:t>𝑚</m:t>
+                        </m:r>
+                      </m:sub>
+                    </m:sSub>
+                    <m:r>
+                      <a:rPr lang="en-US" sz="4000" b="0" i="1" smtClean="0">
+                        <a:latin typeface="Cambria Math" panose="02040503050406030204" pitchFamily="18" charset="0"/>
+                      </a:rPr>
+                      <m:t>)}</m:t>
+                    </m:r>
+                  </m:oMath>
+                </a14:m>
+                <a:r>
+                  <a:rPr lang="en-US" sz="4000" dirty="0" smtClean="0">
+                    <a:latin typeface="Arial" panose="020B0604020202020204" pitchFamily="34" charset="0"/>
+                    <a:cs typeface="Arial" panose="020B0604020202020204" pitchFamily="34" charset="0"/>
+                  </a:rPr>
+                  <a:t> </a:t>
+                </a:r>
+                <a:r>
+                  <a:rPr lang="ru-RU" sz="4000" dirty="0" smtClean="0">
+                    <a:latin typeface="Arial" panose="020B0604020202020204" pitchFamily="34" charset="0"/>
+                    <a:cs typeface="Arial" panose="020B0604020202020204" pitchFamily="34" charset="0"/>
+                  </a:rPr>
+                  <a:t>– обучающая выборка;</a:t>
+                </a:r>
+              </a:p>
+              <a:p>
+                <a:r>
+                  <a:rPr lang="ru-RU" sz="4000" dirty="0" smtClean="0">
+                    <a:latin typeface="Arial" panose="020B0604020202020204" pitchFamily="34" charset="0"/>
+                    <a:cs typeface="Arial" panose="020B0604020202020204" pitchFamily="34" charset="0"/>
+                  </a:rPr>
+                  <a:t>Найти </a:t>
+                </a:r>
+                <a14:m>
+                  <m:oMath xmlns:m="http://schemas.openxmlformats.org/officeDocument/2006/math">
+                    <m:r>
+                      <a:rPr lang="en-US" sz="4000" b="0" i="1" smtClean="0">
+                        <a:latin typeface="Cambria Math" panose="02040503050406030204" pitchFamily="18" charset="0"/>
+                      </a:rPr>
+                      <m:t>𝑎</m:t>
+                    </m:r>
+                    <m:r>
+                      <a:rPr lang="en-US" sz="4000" b="0" i="1" smtClean="0">
+                        <a:latin typeface="Cambria Math" panose="02040503050406030204" pitchFamily="18" charset="0"/>
+                      </a:rPr>
+                      <m:t>:</m:t>
+                    </m:r>
+                    <m:r>
+                      <a:rPr lang="en-US" sz="4000" b="0" i="1" smtClean="0">
+                        <a:latin typeface="Cambria Math" panose="02040503050406030204" pitchFamily="18" charset="0"/>
+                      </a:rPr>
+                      <m:t>𝑋</m:t>
+                    </m:r>
+                    <m:r>
+                      <a:rPr lang="en-US" sz="4000" b="0" i="1" smtClean="0">
+                        <a:latin typeface="Cambria Math" panose="02040503050406030204" pitchFamily="18" charset="0"/>
+                        <a:ea typeface="Cambria Math" panose="02040503050406030204" pitchFamily="18" charset="0"/>
+                      </a:rPr>
+                      <m:t>→</m:t>
+                    </m:r>
+                    <m:r>
+                      <a:rPr lang="en-US" sz="4000" b="0" i="1" smtClean="0">
+                        <a:latin typeface="Cambria Math" panose="02040503050406030204" pitchFamily="18" charset="0"/>
+                        <a:ea typeface="Cambria Math" panose="02040503050406030204" pitchFamily="18" charset="0"/>
+                      </a:rPr>
+                      <m:t>𝑌</m:t>
+                    </m:r>
+                    <m:r>
+                      <a:rPr lang="en-US" sz="4000" b="0" i="1" smtClean="0">
+                        <a:latin typeface="Cambria Math" panose="02040503050406030204" pitchFamily="18" charset="0"/>
+                        <a:ea typeface="Cambria Math" panose="02040503050406030204" pitchFamily="18" charset="0"/>
+                      </a:rPr>
+                      <m:t> ∀</m:t>
+                    </m:r>
+                    <m:r>
+                      <a:rPr lang="en-US" sz="4000" b="0" i="1" smtClean="0">
+                        <a:latin typeface="Cambria Math" panose="02040503050406030204" pitchFamily="18" charset="0"/>
+                        <a:ea typeface="Cambria Math" panose="02040503050406030204" pitchFamily="18" charset="0"/>
+                      </a:rPr>
+                      <m:t>𝑥</m:t>
+                    </m:r>
+                    <m:r>
+                      <a:rPr lang="en-US" sz="4000" b="0" i="1" smtClean="0">
+                        <a:latin typeface="Cambria Math" panose="02040503050406030204" pitchFamily="18" charset="0"/>
+                        <a:ea typeface="Cambria Math" panose="02040503050406030204" pitchFamily="18" charset="0"/>
+                      </a:rPr>
+                      <m:t>∈</m:t>
+                    </m:r>
+                    <m:r>
+                      <a:rPr lang="en-US" sz="4000" b="0" i="1" smtClean="0">
+                        <a:latin typeface="Cambria Math" panose="02040503050406030204" pitchFamily="18" charset="0"/>
+                        <a:ea typeface="Cambria Math" panose="02040503050406030204" pitchFamily="18" charset="0"/>
+                      </a:rPr>
+                      <m:t>𝑋</m:t>
+                    </m:r>
+                  </m:oMath>
+                </a14:m>
+                <a:r>
+                  <a:rPr lang="en-US" sz="4000" dirty="0" smtClean="0">
+                    <a:latin typeface="Arial" panose="020B0604020202020204" pitchFamily="34" charset="0"/>
+                    <a:cs typeface="Arial" panose="020B0604020202020204" pitchFamily="34" charset="0"/>
+                  </a:rPr>
+                  <a:t>.</a:t>
+                </a:r>
+                <a:endParaRPr lang="ru-RU" sz="4000" dirty="0">
+                  <a:latin typeface="Arial" panose="020B0604020202020204" pitchFamily="34" charset="0"/>
+                  <a:cs typeface="Arial" panose="020B0604020202020204" pitchFamily="34" charset="0"/>
+                </a:endParaRPr>
+              </a:p>
+            </p:txBody>
+          </p:sp>
+        </mc:Choice>
+        <mc:Fallback>
+          <p:sp>
+            <p:nvSpPr>
+              <p:cNvPr id="3" name="Объект 2"/>
+              <p:cNvSpPr>
+                <a:spLocks noGrp="1" noRot="1" noChangeAspect="1" noMove="1" noResize="1" noEditPoints="1" noAdjustHandles="1" noChangeArrowheads="1" noChangeShapeType="1" noTextEdit="1"/>
+              </p:cNvSpPr>
+              <p:nvPr>
+                <p:ph idx="1"/>
+              </p:nvPr>
+            </p:nvSpPr>
+            <p:spPr>
+              <a:xfrm>
+                <a:off x="814737" y="2060848"/>
+                <a:ext cx="7543800" cy="3886200"/>
+              </a:xfrm>
+              <a:blipFill rotWithShape="0">
+                <a:blip r:embed="rId3"/>
+                <a:stretch>
+                  <a:fillRect l="-2587" b="-1724"/>
+                </a:stretch>
+              </a:blipFill>
+            </p:spPr>
+            <p:txBody>
+              <a:bodyPr/>
+              <a:lstStyle/>
+              <a:p>
+                <a:r>
+                  <a:rPr lang="ru-RU">
+                    <a:noFill/>
+                  </a:rPr>
+                  <a:t> </a:t>
+                </a:r>
+              </a:p>
+            </p:txBody>
+          </p:sp>
+        </mc:Fallback>
+      </mc:AlternateContent>
     </p:spTree>
     <p:extLst>
       <p:ext uri="{BB962C8B-B14F-4D97-AF65-F5344CB8AC3E}">
-        <p14:creationId xmlns:p14="http://schemas.microsoft.com/office/powerpoint/2010/main" val="648323079"/>
+        <p14:creationId xmlns:p14="http://schemas.microsoft.com/office/powerpoint/2010/main" val="965383775"/>
       </p:ext>
     </p:extLst>
   </p:cSld>
   <p:clrMapOvr>
     <a:masterClrMapping/>
   </p:clrMapOvr>
-  <p:timing>
-    <p:tnLst>
-      <p:par>
-        <p:cTn id="1" dur="indefinite" restart="never" nodeType="tmRoot"/>
-      </p:par>
-    </p:tnLst>
-  </p:timing>
 </p:sld>
 </file>
 
@@ -13354,8 +10602,8 @@
         </p:nvSpPr>
         <p:spPr>
           <a:xfrm>
-            <a:off x="1043608" y="-27384"/>
-            <a:ext cx="6781800" cy="1600200"/>
+            <a:off x="790802" y="0"/>
+            <a:ext cx="7514997" cy="1600200"/>
           </a:xfrm>
         </p:spPr>
         <p:txBody>
@@ -13365,114 +10613,474 @@
             <a:pPr algn="ctr"/>
             <a:r>
               <a:rPr lang="ru-RU" dirty="0" smtClean="0"/>
-              <a:t>Задачи</a:t>
+              <a:t>Построение признаков</a:t>
             </a:r>
             <a:endParaRPr lang="ru-RU" dirty="0"/>
           </a:p>
         </p:txBody>
       </p:sp>
-      <p:sp>
-        <p:nvSpPr>
-          <p:cNvPr id="3" name="Объект 2"/>
-          <p:cNvSpPr>
-            <a:spLocks noGrp="1"/>
-          </p:cNvSpPr>
-          <p:nvPr>
-            <p:ph idx="1"/>
-          </p:nvPr>
-        </p:nvSpPr>
-        <p:spPr>
-          <a:xfrm>
-            <a:off x="539552" y="1772816"/>
-            <a:ext cx="8280920" cy="4536504"/>
-          </a:xfrm>
-        </p:spPr>
-        <p:txBody>
-          <a:bodyPr>
-            <a:normAutofit fontScale="92500" lnSpcReduction="10000"/>
-          </a:bodyPr>
-          <a:lstStyle/>
-          <a:p>
-            <a:pPr lvl="0"/>
-            <a:r>
-              <a:rPr lang="ru-RU" sz="3500" dirty="0" smtClean="0">
-                <a:latin typeface="Arial" panose="020B0604020202020204" pitchFamily="34" charset="0"/>
-                <a:cs typeface="Arial" panose="020B0604020202020204" pitchFamily="34" charset="0"/>
-              </a:rPr>
-              <a:t>Изучить </a:t>
-            </a:r>
-            <a:r>
-              <a:rPr lang="ru-RU" sz="3500" dirty="0">
-                <a:latin typeface="Arial" panose="020B0604020202020204" pitchFamily="34" charset="0"/>
-                <a:cs typeface="Arial" panose="020B0604020202020204" pitchFamily="34" charset="0"/>
-              </a:rPr>
-              <a:t>соответствующую литературу.</a:t>
-            </a:r>
-          </a:p>
-          <a:p>
-            <a:pPr lvl="0"/>
-            <a:r>
-              <a:rPr lang="ru-RU" sz="3500" dirty="0" smtClean="0">
-                <a:latin typeface="Arial" panose="020B0604020202020204" pitchFamily="34" charset="0"/>
-                <a:cs typeface="Arial" panose="020B0604020202020204" pitchFamily="34" charset="0"/>
-              </a:rPr>
-              <a:t>Разработать и реализовать алгоритм построения признаков.</a:t>
-            </a:r>
-            <a:endParaRPr lang="ru-RU" sz="3500" dirty="0">
-              <a:latin typeface="Arial" panose="020B0604020202020204" pitchFamily="34" charset="0"/>
-              <a:cs typeface="Arial" panose="020B0604020202020204" pitchFamily="34" charset="0"/>
-            </a:endParaRPr>
-          </a:p>
-          <a:p>
-            <a:pPr lvl="0"/>
-            <a:r>
-              <a:rPr lang="ru-RU" sz="3500" dirty="0" smtClean="0">
-                <a:latin typeface="Arial" panose="020B0604020202020204" pitchFamily="34" charset="0"/>
-                <a:cs typeface="Arial" panose="020B0604020202020204" pitchFamily="34" charset="0"/>
-              </a:rPr>
-              <a:t>Оценить эффективность работы алгоритма и сравнить результаты с классификацией без построения признаков.</a:t>
-            </a:r>
-            <a:endParaRPr lang="ru-RU" sz="3500" dirty="0">
-              <a:latin typeface="Arial" panose="020B0604020202020204" pitchFamily="34" charset="0"/>
-              <a:cs typeface="Arial" panose="020B0604020202020204" pitchFamily="34" charset="0"/>
-            </a:endParaRPr>
-          </a:p>
-          <a:p>
-            <a:pPr lvl="0">
-              <a:lnSpc>
-                <a:spcPct val="110000"/>
-              </a:lnSpc>
-            </a:pPr>
-            <a:r>
-              <a:rPr lang="ru-RU" sz="3500" dirty="0">
-                <a:latin typeface="Arial" panose="020B0604020202020204" pitchFamily="34" charset="0"/>
-                <a:cs typeface="Arial" panose="020B0604020202020204" pitchFamily="34" charset="0"/>
-              </a:rPr>
-              <a:t>Обобщить полученные результаты и сделать соответствующие выводы.</a:t>
-            </a:r>
-          </a:p>
-          <a:p>
-            <a:endParaRPr lang="ru-RU" dirty="0"/>
-          </a:p>
-        </p:txBody>
-      </p:sp>
+      <mc:AlternateContent xmlns:mc="http://schemas.openxmlformats.org/markup-compatibility/2006" xmlns:a14="http://schemas.microsoft.com/office/drawing/2010/main">
+        <mc:Choice Requires="a14">
+          <p:sp>
+            <p:nvSpPr>
+              <p:cNvPr id="3" name="Объект 2"/>
+              <p:cNvSpPr>
+                <a:spLocks noGrp="1"/>
+              </p:cNvSpPr>
+              <p:nvPr>
+                <p:ph idx="1"/>
+              </p:nvPr>
+            </p:nvSpPr>
+            <p:spPr>
+              <a:xfrm>
+                <a:off x="814737" y="2060848"/>
+                <a:ext cx="7543800" cy="4176464"/>
+              </a:xfrm>
+            </p:spPr>
+            <p:txBody>
+              <a:bodyPr>
+                <a:normAutofit lnSpcReduction="10000"/>
+              </a:bodyPr>
+              <a:lstStyle/>
+              <a:p>
+                <a:pPr marL="742950" indent="-742950">
+                  <a:buFont typeface="+mj-lt"/>
+                  <a:buAutoNum type="arabicParenR"/>
+                </a:pPr>
+                <a:r>
+                  <a:rPr lang="ru-RU" sz="3600" dirty="0" smtClean="0">
+                    <a:latin typeface="Arial" panose="020B0604020202020204" pitchFamily="34" charset="0"/>
+                    <a:cs typeface="Arial" panose="020B0604020202020204" pitchFamily="34" charset="0"/>
+                  </a:rPr>
+                  <a:t>Ручное построение признаков –</a:t>
+                </a:r>
+                <a:r>
+                  <a:rPr lang="en-US" sz="3600" dirty="0" smtClean="0">
+                    <a:latin typeface="Arial" panose="020B0604020202020204" pitchFamily="34" charset="0"/>
+                    <a:cs typeface="Arial" panose="020B0604020202020204" pitchFamily="34" charset="0"/>
+                  </a:rPr>
+                  <a:t> </a:t>
+                </a:r>
+                <a:r>
+                  <a:rPr lang="ru-RU" sz="3600" dirty="0">
+                    <a:latin typeface="Arial" panose="020B0604020202020204" pitchFamily="34" charset="0"/>
+                    <a:cs typeface="Arial" panose="020B0604020202020204" pitchFamily="34" charset="0"/>
+                  </a:rPr>
+                  <a:t>в</a:t>
+                </a:r>
+                <a:r>
+                  <a:rPr lang="ru-RU" sz="3600" dirty="0" smtClean="0">
+                    <a:latin typeface="Arial" panose="020B0604020202020204" pitchFamily="34" charset="0"/>
+                    <a:cs typeface="Arial" panose="020B0604020202020204" pitchFamily="34" charset="0"/>
+                  </a:rPr>
+                  <a:t>ыбор </a:t>
+                </a:r>
+                <a14:m>
+                  <m:oMath xmlns:m="http://schemas.openxmlformats.org/officeDocument/2006/math">
+                    <m:sSub>
+                      <m:sSubPr>
+                        <m:ctrlPr>
+                          <a:rPr lang="ru-RU" sz="3600" i="1" smtClean="0">
+                            <a:latin typeface="Cambria Math" panose="02040503050406030204" pitchFamily="18" charset="0"/>
+                            <a:cs typeface="Arial" panose="020B0604020202020204" pitchFamily="34" charset="0"/>
+                          </a:rPr>
+                        </m:ctrlPr>
+                      </m:sSubPr>
+                      <m:e>
+                        <m:r>
+                          <a:rPr lang="en-US" sz="3600" b="0" i="1" smtClean="0">
+                            <a:latin typeface="Cambria Math" panose="02040503050406030204" pitchFamily="18" charset="0"/>
+                            <a:cs typeface="Arial" panose="020B0604020202020204" pitchFamily="34" charset="0"/>
+                          </a:rPr>
+                          <m:t>𝐹</m:t>
+                        </m:r>
+                      </m:e>
+                      <m:sub>
+                        <m:r>
+                          <a:rPr lang="en-US" sz="3600" b="0" i="1" smtClean="0">
+                            <a:latin typeface="Cambria Math" panose="02040503050406030204" pitchFamily="18" charset="0"/>
+                            <a:cs typeface="Arial" panose="020B0604020202020204" pitchFamily="34" charset="0"/>
+                          </a:rPr>
+                          <m:t>0</m:t>
+                        </m:r>
+                      </m:sub>
+                    </m:sSub>
+                  </m:oMath>
+                </a14:m>
+                <a:r>
+                  <a:rPr lang="ru-RU" sz="3600" dirty="0" smtClean="0">
+                    <a:latin typeface="Arial" panose="020B0604020202020204" pitchFamily="34" charset="0"/>
+                    <a:cs typeface="Arial" panose="020B0604020202020204" pitchFamily="34" charset="0"/>
+                  </a:rPr>
+                  <a:t>.</a:t>
+                </a:r>
+              </a:p>
+              <a:p>
+                <a:pPr marL="742950" indent="-742950">
+                  <a:buFont typeface="+mj-lt"/>
+                  <a:buAutoNum type="arabicParenR"/>
+                </a:pPr>
+                <a:r>
+                  <a:rPr lang="ru-RU" sz="3600" b="0" dirty="0" smtClean="0">
+                    <a:latin typeface="Arial" panose="020B0604020202020204" pitchFamily="34" charset="0"/>
+                    <a:cs typeface="Arial" panose="020B0604020202020204" pitchFamily="34" charset="0"/>
+                  </a:rPr>
+                  <a:t>Преобразование признаков</a:t>
+                </a:r>
+                <a14:m>
+                  <m:oMath xmlns:m="http://schemas.openxmlformats.org/officeDocument/2006/math">
+                    <m:r>
+                      <a:rPr lang="ru-RU" sz="3600" b="0" i="1" smtClean="0">
+                        <a:latin typeface="Cambria Math" panose="02040503050406030204" pitchFamily="18" charset="0"/>
+                        <a:cs typeface="Arial" panose="020B0604020202020204" pitchFamily="34" charset="0"/>
+                      </a:rPr>
+                      <m:t> </m:t>
+                    </m:r>
+                    <m:r>
+                      <a:rPr lang="en-US" sz="3600" b="0" i="1" smtClean="0">
+                        <a:latin typeface="Cambria Math" panose="02040503050406030204" pitchFamily="18" charset="0"/>
+                        <a:cs typeface="Arial" panose="020B0604020202020204" pitchFamily="34" charset="0"/>
+                      </a:rPr>
+                      <m:t>𝐺</m:t>
+                    </m:r>
+                    <m:r>
+                      <a:rPr lang="en-US" sz="3600" b="0" i="1" smtClean="0">
+                        <a:latin typeface="Cambria Math" panose="02040503050406030204" pitchFamily="18" charset="0"/>
+                        <a:cs typeface="Arial" panose="020B0604020202020204" pitchFamily="34" charset="0"/>
+                      </a:rPr>
+                      <m:t>:</m:t>
+                    </m:r>
+                    <m:sSub>
+                      <m:sSubPr>
+                        <m:ctrlPr>
+                          <a:rPr lang="en-US" sz="3600" b="0" i="1" smtClean="0">
+                            <a:latin typeface="Cambria Math" panose="02040503050406030204" pitchFamily="18" charset="0"/>
+                            <a:cs typeface="Arial" panose="020B0604020202020204" pitchFamily="34" charset="0"/>
+                          </a:rPr>
+                        </m:ctrlPr>
+                      </m:sSubPr>
+                      <m:e>
+                        <m:r>
+                          <a:rPr lang="en-US" sz="3600" b="0" i="1" smtClean="0">
+                            <a:latin typeface="Cambria Math" panose="02040503050406030204" pitchFamily="18" charset="0"/>
+                            <a:cs typeface="Arial" panose="020B0604020202020204" pitchFamily="34" charset="0"/>
+                          </a:rPr>
+                          <m:t>𝐹</m:t>
+                        </m:r>
+                      </m:e>
+                      <m:sub>
+                        <m:r>
+                          <a:rPr lang="en-US" sz="3600" b="0" i="1" smtClean="0">
+                            <a:latin typeface="Cambria Math" panose="02040503050406030204" pitchFamily="18" charset="0"/>
+                            <a:cs typeface="Arial" panose="020B0604020202020204" pitchFamily="34" charset="0"/>
+                          </a:rPr>
+                          <m:t>0</m:t>
+                        </m:r>
+                      </m:sub>
+                    </m:sSub>
+                    <m:r>
+                      <a:rPr lang="en-US" sz="3600" b="0" i="1" smtClean="0">
+                        <a:latin typeface="Cambria Math" panose="02040503050406030204" pitchFamily="18" charset="0"/>
+                        <a:ea typeface="Cambria Math" panose="02040503050406030204" pitchFamily="18" charset="0"/>
+                        <a:cs typeface="Arial" panose="020B0604020202020204" pitchFamily="34" charset="0"/>
+                      </a:rPr>
+                      <m:t>→</m:t>
+                    </m:r>
+                    <m:sSub>
+                      <m:sSubPr>
+                        <m:ctrlPr>
+                          <a:rPr lang="en-US" sz="3600" b="0" i="1" smtClean="0">
+                            <a:latin typeface="Cambria Math" panose="02040503050406030204" pitchFamily="18" charset="0"/>
+                            <a:ea typeface="Cambria Math" panose="02040503050406030204" pitchFamily="18" charset="0"/>
+                            <a:cs typeface="Arial" panose="020B0604020202020204" pitchFamily="34" charset="0"/>
+                          </a:rPr>
+                        </m:ctrlPr>
+                      </m:sSubPr>
+                      <m:e>
+                        <m:r>
+                          <a:rPr lang="en-US" sz="3600" b="0" i="1" smtClean="0">
+                            <a:latin typeface="Cambria Math" panose="02040503050406030204" pitchFamily="18" charset="0"/>
+                            <a:ea typeface="Cambria Math" panose="02040503050406030204" pitchFamily="18" charset="0"/>
+                            <a:cs typeface="Arial" panose="020B0604020202020204" pitchFamily="34" charset="0"/>
+                          </a:rPr>
+                          <m:t>𝐹</m:t>
+                        </m:r>
+                      </m:e>
+                      <m:sub>
+                        <m:r>
+                          <a:rPr lang="en-US" sz="3600" b="0" i="1" smtClean="0">
+                            <a:latin typeface="Cambria Math" panose="02040503050406030204" pitchFamily="18" charset="0"/>
+                            <a:ea typeface="Cambria Math" panose="02040503050406030204" pitchFamily="18" charset="0"/>
+                            <a:cs typeface="Arial" panose="020B0604020202020204" pitchFamily="34" charset="0"/>
+                          </a:rPr>
+                          <m:t>𝑁</m:t>
+                        </m:r>
+                      </m:sub>
+                    </m:sSub>
+                    <m:r>
+                      <a:rPr lang="en-US" sz="3600" b="0" i="1" smtClean="0">
+                        <a:latin typeface="Cambria Math" panose="02040503050406030204" pitchFamily="18" charset="0"/>
+                        <a:ea typeface="Cambria Math" panose="02040503050406030204" pitchFamily="18" charset="0"/>
+                        <a:cs typeface="Arial" panose="020B0604020202020204" pitchFamily="34" charset="0"/>
+                      </a:rPr>
+                      <m:t>.</m:t>
+                    </m:r>
+                  </m:oMath>
+                </a14:m>
+                <a:endParaRPr lang="ru-RU" sz="3600" dirty="0" smtClean="0">
+                  <a:latin typeface="Arial" panose="020B0604020202020204" pitchFamily="34" charset="0"/>
+                  <a:cs typeface="Arial" panose="020B0604020202020204" pitchFamily="34" charset="0"/>
+                </a:endParaRPr>
+              </a:p>
+              <a:p>
+                <a:pPr marL="742950" indent="-742950">
+                  <a:buFont typeface="+mj-lt"/>
+                  <a:buAutoNum type="arabicParenR"/>
+                </a:pPr>
+                <a:r>
+                  <a:rPr lang="ru-RU" sz="3600" dirty="0" smtClean="0">
+                    <a:latin typeface="Arial" panose="020B0604020202020204" pitchFamily="34" charset="0"/>
+                    <a:cs typeface="Arial" panose="020B0604020202020204" pitchFamily="34" charset="0"/>
+                  </a:rPr>
+                  <a:t>Выбор признаков </a:t>
+                </a:r>
+                <a14:m>
+                  <m:oMath xmlns:m="http://schemas.openxmlformats.org/officeDocument/2006/math">
+                    <m:sSub>
+                      <m:sSubPr>
+                        <m:ctrlPr>
+                          <a:rPr lang="ru-RU" sz="3600" i="1" smtClean="0">
+                            <a:latin typeface="Cambria Math" panose="02040503050406030204" pitchFamily="18" charset="0"/>
+                            <a:cs typeface="Arial" panose="020B0604020202020204" pitchFamily="34" charset="0"/>
+                          </a:rPr>
+                        </m:ctrlPr>
+                      </m:sSubPr>
+                      <m:e>
+                        <m:r>
+                          <a:rPr lang="en-US" sz="3600" b="0" i="1" smtClean="0">
+                            <a:latin typeface="Cambria Math" panose="02040503050406030204" pitchFamily="18" charset="0"/>
+                            <a:cs typeface="Arial" panose="020B0604020202020204" pitchFamily="34" charset="0"/>
+                          </a:rPr>
+                          <m:t>𝐹</m:t>
+                        </m:r>
+                      </m:e>
+                      <m:sub>
+                        <m:r>
+                          <a:rPr lang="en-US" sz="3600" b="0" i="1" smtClean="0">
+                            <a:latin typeface="Cambria Math" panose="02040503050406030204" pitchFamily="18" charset="0"/>
+                            <a:cs typeface="Arial" panose="020B0604020202020204" pitchFamily="34" charset="0"/>
+                          </a:rPr>
+                          <m:t>𝑖</m:t>
+                        </m:r>
+                      </m:sub>
+                    </m:sSub>
+                    <m:r>
+                      <a:rPr lang="ru-RU" sz="3600" i="1" smtClean="0">
+                        <a:latin typeface="Cambria Math" panose="02040503050406030204" pitchFamily="18" charset="0"/>
+                        <a:ea typeface="Cambria Math" panose="02040503050406030204" pitchFamily="18" charset="0"/>
+                        <a:cs typeface="Arial" panose="020B0604020202020204" pitchFamily="34" charset="0"/>
+                      </a:rPr>
+                      <m:t>⊆</m:t>
+                    </m:r>
+                    <m:sSub>
+                      <m:sSubPr>
+                        <m:ctrlPr>
+                          <a:rPr lang="ru-RU" sz="3600" i="1" smtClean="0">
+                            <a:latin typeface="Cambria Math" panose="02040503050406030204" pitchFamily="18" charset="0"/>
+                            <a:ea typeface="Cambria Math" panose="02040503050406030204" pitchFamily="18" charset="0"/>
+                            <a:cs typeface="Arial" panose="020B0604020202020204" pitchFamily="34" charset="0"/>
+                          </a:rPr>
+                        </m:ctrlPr>
+                      </m:sSubPr>
+                      <m:e>
+                        <m:r>
+                          <a:rPr lang="en-US" sz="3600" b="0" i="1" smtClean="0">
+                            <a:latin typeface="Cambria Math" panose="02040503050406030204" pitchFamily="18" charset="0"/>
+                            <a:ea typeface="Cambria Math" panose="02040503050406030204" pitchFamily="18" charset="0"/>
+                            <a:cs typeface="Arial" panose="020B0604020202020204" pitchFamily="34" charset="0"/>
+                          </a:rPr>
+                          <m:t>𝐹</m:t>
+                        </m:r>
+                      </m:e>
+                      <m:sub>
+                        <m:r>
+                          <a:rPr lang="en-US" sz="3600" b="0" i="1" smtClean="0">
+                            <a:latin typeface="Cambria Math" panose="02040503050406030204" pitchFamily="18" charset="0"/>
+                            <a:ea typeface="Cambria Math" panose="02040503050406030204" pitchFamily="18" charset="0"/>
+                            <a:cs typeface="Arial" panose="020B0604020202020204" pitchFamily="34" charset="0"/>
+                          </a:rPr>
+                          <m:t>𝑁</m:t>
+                        </m:r>
+                      </m:sub>
+                    </m:sSub>
+                    <m:r>
+                      <a:rPr lang="en-US" sz="3600" b="0" i="1" smtClean="0">
+                        <a:latin typeface="Cambria Math" panose="02040503050406030204" pitchFamily="18" charset="0"/>
+                        <a:ea typeface="Cambria Math" panose="02040503050406030204" pitchFamily="18" charset="0"/>
+                        <a:cs typeface="Arial" panose="020B0604020202020204" pitchFamily="34" charset="0"/>
+                      </a:rPr>
+                      <m:t>.</m:t>
+                    </m:r>
+                  </m:oMath>
+                </a14:m>
+                <a:endParaRPr lang="en-US" sz="3600" b="0" dirty="0" smtClean="0">
+                  <a:latin typeface="Arial" panose="020B0604020202020204" pitchFamily="34" charset="0"/>
+                  <a:ea typeface="Cambria Math" panose="02040503050406030204" pitchFamily="18" charset="0"/>
+                  <a:cs typeface="Arial" panose="020B0604020202020204" pitchFamily="34" charset="0"/>
+                </a:endParaRPr>
+              </a:p>
+              <a:p>
+                <a:pPr marL="742950" indent="-742950">
+                  <a:buFont typeface="+mj-lt"/>
+                  <a:buAutoNum type="arabicParenR"/>
+                </a:pPr>
+                <a:r>
+                  <a:rPr lang="ru-RU" sz="3600" dirty="0" smtClean="0">
+                    <a:latin typeface="Arial" panose="020B0604020202020204" pitchFamily="34" charset="0"/>
+                    <a:cs typeface="Arial" panose="020B0604020202020204" pitchFamily="34" charset="0"/>
+                  </a:rPr>
+                  <a:t>Если решение не найдено, то (3), иначе </a:t>
+                </a:r>
+                <a14:m>
+                  <m:oMath xmlns:m="http://schemas.openxmlformats.org/officeDocument/2006/math">
+                    <m:sSub>
+                      <m:sSubPr>
+                        <m:ctrlPr>
+                          <a:rPr lang="ru-RU" sz="3600" i="1" smtClean="0">
+                            <a:latin typeface="Cambria Math" panose="02040503050406030204" pitchFamily="18" charset="0"/>
+                            <a:cs typeface="Arial" panose="020B0604020202020204" pitchFamily="34" charset="0"/>
+                          </a:rPr>
+                        </m:ctrlPr>
+                      </m:sSubPr>
+                      <m:e>
+                        <m:r>
+                          <a:rPr lang="en-US" sz="3600" b="0" i="1" smtClean="0">
+                            <a:latin typeface="Cambria Math" panose="02040503050406030204" pitchFamily="18" charset="0"/>
+                            <a:cs typeface="Arial" panose="020B0604020202020204" pitchFamily="34" charset="0"/>
+                          </a:rPr>
+                          <m:t>𝐹</m:t>
+                        </m:r>
+                      </m:e>
+                      <m:sub>
+                        <m:r>
+                          <a:rPr lang="en-US" sz="3600" b="0" i="1" smtClean="0">
+                            <a:latin typeface="Cambria Math" panose="02040503050406030204" pitchFamily="18" charset="0"/>
+                            <a:cs typeface="Arial" panose="020B0604020202020204" pitchFamily="34" charset="0"/>
+                          </a:rPr>
+                          <m:t>𝑇</m:t>
+                        </m:r>
+                      </m:sub>
+                    </m:sSub>
+                    <m:r>
+                      <a:rPr lang="en-US" sz="3600" b="0" i="1" smtClean="0">
+                        <a:latin typeface="Cambria Math" panose="02040503050406030204" pitchFamily="18" charset="0"/>
+                        <a:cs typeface="Arial" panose="020B0604020202020204" pitchFamily="34" charset="0"/>
+                      </a:rPr>
+                      <m:t>=</m:t>
+                    </m:r>
+                    <m:sSub>
+                      <m:sSubPr>
+                        <m:ctrlPr>
+                          <a:rPr lang="en-US" sz="3600" b="0" i="1" smtClean="0">
+                            <a:latin typeface="Cambria Math" panose="02040503050406030204" pitchFamily="18" charset="0"/>
+                            <a:cs typeface="Arial" panose="020B0604020202020204" pitchFamily="34" charset="0"/>
+                          </a:rPr>
+                        </m:ctrlPr>
+                      </m:sSubPr>
+                      <m:e>
+                        <m:r>
+                          <a:rPr lang="en-US" sz="3600" b="0" i="1" smtClean="0">
+                            <a:latin typeface="Cambria Math" panose="02040503050406030204" pitchFamily="18" charset="0"/>
+                            <a:cs typeface="Arial" panose="020B0604020202020204" pitchFamily="34" charset="0"/>
+                          </a:rPr>
+                          <m:t>𝐹</m:t>
+                        </m:r>
+                      </m:e>
+                      <m:sub>
+                        <m:r>
+                          <a:rPr lang="en-US" sz="3600" b="0" i="1" smtClean="0">
+                            <a:latin typeface="Cambria Math" panose="02040503050406030204" pitchFamily="18" charset="0"/>
+                            <a:cs typeface="Arial" panose="020B0604020202020204" pitchFamily="34" charset="0"/>
+                          </a:rPr>
+                          <m:t>𝑖</m:t>
+                        </m:r>
+                      </m:sub>
+                    </m:sSub>
+                    <m:r>
+                      <a:rPr lang="ru-RU" sz="3600" b="0" i="0" smtClean="0">
+                        <a:latin typeface="Cambria Math" panose="02040503050406030204" pitchFamily="18" charset="0"/>
+                        <a:cs typeface="Arial" panose="020B0604020202020204" pitchFamily="34" charset="0"/>
+                      </a:rPr>
+                      <m:t>.</m:t>
+                    </m:r>
+                  </m:oMath>
+                </a14:m>
+                <a:endParaRPr lang="ru-RU" sz="3600" dirty="0" smtClean="0">
+                  <a:latin typeface="Arial" panose="020B0604020202020204" pitchFamily="34" charset="0"/>
+                  <a:cs typeface="Arial" panose="020B0604020202020204" pitchFamily="34" charset="0"/>
+                </a:endParaRPr>
+              </a:p>
+              <a:p>
+                <a:pPr marL="742950" indent="-742950">
+                  <a:buFont typeface="+mj-lt"/>
+                  <a:buAutoNum type="arabicParenR"/>
+                </a:pPr>
+                <a:endParaRPr lang="ru-RU" sz="3600" dirty="0">
+                  <a:latin typeface="Arial" panose="020B0604020202020204" pitchFamily="34" charset="0"/>
+                  <a:cs typeface="Arial" panose="020B0604020202020204" pitchFamily="34" charset="0"/>
+                </a:endParaRPr>
+              </a:p>
+            </p:txBody>
+          </p:sp>
+        </mc:Choice>
+        <mc:Fallback xmlns="">
+          <p:sp>
+            <p:nvSpPr>
+              <p:cNvPr id="3" name="Объект 2"/>
+              <p:cNvSpPr>
+                <a:spLocks noGrp="1" noRot="1" noChangeAspect="1" noMove="1" noResize="1" noEditPoints="1" noAdjustHandles="1" noChangeArrowheads="1" noChangeShapeType="1" noTextEdit="1"/>
+              </p:cNvSpPr>
+              <p:nvPr>
+                <p:ph idx="1"/>
+              </p:nvPr>
+            </p:nvSpPr>
+            <p:spPr>
+              <a:xfrm>
+                <a:off x="814737" y="2060848"/>
+                <a:ext cx="7543800" cy="4176464"/>
+              </a:xfrm>
+              <a:blipFill rotWithShape="0">
+                <a:blip r:embed="rId3"/>
+                <a:stretch>
+                  <a:fillRect l="-2264" t="-7153" r="-1617"/>
+                </a:stretch>
+              </a:blipFill>
+            </p:spPr>
+            <p:txBody>
+              <a:bodyPr/>
+              <a:lstStyle/>
+              <a:p>
+                <a:r>
+                  <a:rPr lang="ru-RU">
+                    <a:noFill/>
+                  </a:rPr>
+                  <a:t> </a:t>
+                </a:r>
+              </a:p>
+            </p:txBody>
+          </p:sp>
+        </mc:Fallback>
+      </mc:AlternateContent>
     </p:spTree>
     <p:extLst>
       <p:ext uri="{BB962C8B-B14F-4D97-AF65-F5344CB8AC3E}">
-        <p14:creationId xmlns:p14="http://schemas.microsoft.com/office/powerpoint/2010/main" val="1538788640"/>
+        <p14:creationId xmlns:p14="http://schemas.microsoft.com/office/powerpoint/2010/main" val="1168519745"/>
       </p:ext>
     </p:extLst>
   </p:cSld>
   <p:clrMapOvr>
     <a:masterClrMapping/>
   </p:clrMapOvr>
-  <p:timing>
-    <p:tnLst>
-      <p:par>
-        <p:cTn id="1" dur="indefinite" restart="never" nodeType="tmRoot"/>
-      </p:par>
-    </p:tnLst>
-  </p:timing>
 </p:sld>
 </file>
 

--- a/Диплом/Магистратура.pptx
+++ b/Диплом/Магистратура.pptx
@@ -251,7 +251,7 @@
           <a:p>
             <a:fld id="{7B7B9815-AEE5-4F4C-8445-8ECE3DD7735C}" type="datetimeFigureOut">
               <a:rPr lang="ru-RU" smtClean="0"/>
-              <a:t>06.06.2017</a:t>
+              <a:t>07.06.17</a:t>
             </a:fld>
             <a:endParaRPr lang="ru-RU"/>
           </a:p>
@@ -564,26 +564,38 @@
           <a:lstStyle/>
           <a:p>
             <a:r>
-              <a:rPr lang="ru-RU" sz="1200" kern="1200" dirty="0" smtClean="0">
-                <a:solidFill>
-                  <a:schemeClr val="tx1"/>
-                </a:solidFill>
-                <a:effectLst/>
-                <a:latin typeface="+mn-lt"/>
-                <a:ea typeface="+mn-ea"/>
-                <a:cs typeface="+mn-cs"/>
-              </a:rPr>
-              <a:t>Медицинское изображение – это структурно-функциональный образ органов человека. Врачи используют его для диагностики заболеваний и изучения анатомо-физиологической картины организма. </a:t>
-            </a:r>
-            <a:endParaRPr lang="ru-RU" sz="1200" kern="1200" dirty="0">
-              <a:solidFill>
-                <a:schemeClr val="tx1"/>
-              </a:solidFill>
-              <a:effectLst/>
-              <a:latin typeface="+mn-lt"/>
-              <a:ea typeface="+mn-ea"/>
-              <a:cs typeface="+mn-cs"/>
-            </a:endParaRPr>
+              <a:rPr lang="ru-RU" dirty="0" smtClean="0"/>
+              <a:t>Здравствуйте, меня зовут </a:t>
+            </a:r>
+            <a:r>
+              <a:rPr lang="ru-RU" dirty="0" err="1" smtClean="0"/>
+              <a:t>Ибакаева</a:t>
+            </a:r>
+            <a:r>
+              <a:rPr lang="ru-RU" dirty="0" smtClean="0"/>
+              <a:t> А.А.. Мой научный</a:t>
+            </a:r>
+            <a:r>
+              <a:rPr lang="ru-RU" baseline="0" dirty="0" smtClean="0"/>
+              <a:t> руководитель </a:t>
+            </a:r>
+            <a:r>
+              <a:rPr lang="ru-RU" baseline="0" dirty="0" err="1" smtClean="0"/>
+              <a:t>Мокрушин</a:t>
+            </a:r>
+            <a:r>
+              <a:rPr lang="ru-RU" baseline="0" dirty="0" smtClean="0"/>
+              <a:t> А.А. Тема моего исследования </a:t>
+            </a:r>
+            <a:r>
+              <a:rPr lang="mr-IN" baseline="0" dirty="0" smtClean="0"/>
+              <a:t>–</a:t>
+            </a:r>
+            <a:r>
+              <a:rPr lang="ru-RU" baseline="0" dirty="0" smtClean="0"/>
+              <a:t> построение признаков для классификации медицинских изображений методом генетического программирования.</a:t>
+            </a:r>
+            <a:endParaRPr lang="ru-RU" dirty="0"/>
           </a:p>
         </p:txBody>
       </p:sp>
@@ -604,7 +616,7 @@
           <a:p>
             <a:fld id="{067F537F-45F3-8142-965F-E742B23B0064}" type="slidenum">
               <a:rPr lang="ru-RU" smtClean="0"/>
-              <a:t>2</a:t>
+              <a:t>1</a:t>
             </a:fld>
             <a:endParaRPr lang="ru-RU"/>
           </a:p>
@@ -613,7 +625,7 @@
     </p:spTree>
     <p:extLst>
       <p:ext uri="{BB962C8B-B14F-4D97-AF65-F5344CB8AC3E}">
-        <p14:creationId xmlns:p14="http://schemas.microsoft.com/office/powerpoint/2010/main" val="3885654255"/>
+        <p14:creationId xmlns:p14="http://schemas.microsoft.com/office/powerpoint/2010/main" val="2141689926"/>
       </p:ext>
     </p:extLst>
   </p:cSld>
@@ -677,11 +689,17 @@
                 <a:ea typeface="+mn-ea"/>
                 <a:cs typeface="+mn-cs"/>
               </a:rPr>
-              <a:t>Будем параллельно развивать несколько наборов лесов. Каждому такому набору назначим свой уникальный классификатор, с помощью которого будем оценивать пригодность данного набора признаков.</a:t>
-            </a:r>
-          </a:p>
-          <a:p>
-            <a:endParaRPr lang="ru-RU" dirty="0"/>
+              <a:t>Для автоматического построения признаков можно использовать деревья решений, индуктивное логическое программирование, аннотации и генетическое программирование. Деревья решений обладают гибкой настройкой операторов, но не учитывают взаимодействия и отношения признаков, а также не имеют возможности добавления дополнительных знаний об области. В то же время индуктивное логическое программирование и аннотации удовлетворяют последним двум критериям, но не позволяют настраивать свои операторы. Генетическое обладает свойствами всех названных критериев, поэтому было выбрано в качестве метода для построения признаков медицинских изображений.</a:t>
+            </a:r>
+            <a:endParaRPr lang="ru-RU" sz="1200" kern="1200" dirty="0">
+              <a:solidFill>
+                <a:schemeClr val="tx1"/>
+              </a:solidFill>
+              <a:effectLst/>
+              <a:latin typeface="+mn-lt"/>
+              <a:ea typeface="+mn-ea"/>
+              <a:cs typeface="+mn-cs"/>
+            </a:endParaRPr>
           </a:p>
         </p:txBody>
       </p:sp>
@@ -702,7 +720,7 @@
           <a:p>
             <a:fld id="{067F537F-45F3-8142-965F-E742B23B0064}" type="slidenum">
               <a:rPr lang="ru-RU" smtClean="0"/>
-              <a:t>13</a:t>
+              <a:t>10</a:t>
             </a:fld>
             <a:endParaRPr lang="ru-RU"/>
           </a:p>
@@ -711,7 +729,7 @@
     </p:spTree>
     <p:extLst>
       <p:ext uri="{BB962C8B-B14F-4D97-AF65-F5344CB8AC3E}">
-        <p14:creationId xmlns:p14="http://schemas.microsoft.com/office/powerpoint/2010/main" val="2236421988"/>
+        <p14:creationId xmlns:p14="http://schemas.microsoft.com/office/powerpoint/2010/main" val="1128376069"/>
       </p:ext>
     </p:extLst>
   </p:cSld>
@@ -765,23 +783,6 @@
           <a:bodyPr/>
           <a:lstStyle/>
           <a:p>
-            <a:pPr marL="0" marR="0" lvl="0" indent="0" algn="l" defTabSz="914400" rtl="0" eaLnBrk="1" fontAlgn="auto" latinLnBrk="0" hangingPunct="1">
-              <a:lnSpc>
-                <a:spcPct val="100000"/>
-              </a:lnSpc>
-              <a:spcBef>
-                <a:spcPts val="0"/>
-              </a:spcBef>
-              <a:spcAft>
-                <a:spcPts val="0"/>
-              </a:spcAft>
-              <a:buClrTx/>
-              <a:buSzTx/>
-              <a:buFontTx/>
-              <a:buNone/>
-              <a:tabLst/>
-              <a:defRPr/>
-            </a:pPr>
             <a:r>
               <a:rPr lang="ru-RU" sz="1200" kern="1200" dirty="0" smtClean="0">
                 <a:solidFill>
@@ -792,56 +793,8 @@
                 <a:ea typeface="+mn-ea"/>
                 <a:cs typeface="+mn-cs"/>
               </a:rPr>
-              <a:t>Оценивать приспособленность особей будем через ошибку классификации. Подаем классификатору набор сконструированных признаков и вычисляем процентное соотношение неправильно предсказанных </a:t>
-            </a:r>
-            <a:r>
-              <a:rPr lang="ru-RU" sz="1200" kern="1200" smtClean="0">
-                <a:solidFill>
-                  <a:schemeClr val="tx1"/>
-                </a:solidFill>
-                <a:effectLst/>
-                <a:latin typeface="+mn-lt"/>
-                <a:ea typeface="+mn-ea"/>
-                <a:cs typeface="+mn-cs"/>
-              </a:rPr>
-              <a:t>значений класса</a:t>
-            </a:r>
-            <a:r>
-              <a:rPr lang="ru-RU" sz="1200" kern="1200" baseline="0" smtClean="0">
-                <a:solidFill>
-                  <a:schemeClr val="tx1"/>
-                </a:solidFill>
-                <a:effectLst/>
-                <a:latin typeface="+mn-lt"/>
-                <a:ea typeface="+mn-ea"/>
-                <a:cs typeface="+mn-cs"/>
-              </a:rPr>
-              <a:t> </a:t>
-            </a:r>
-            <a:r>
-              <a:rPr lang="ru-RU" sz="1200" kern="1200" smtClean="0">
-                <a:solidFill>
-                  <a:schemeClr val="tx1"/>
-                </a:solidFill>
-                <a:effectLst/>
-                <a:latin typeface="+mn-lt"/>
-                <a:ea typeface="+mn-ea"/>
-                <a:cs typeface="+mn-cs"/>
-              </a:rPr>
-              <a:t>к числу всех объектов.</a:t>
-            </a:r>
-            <a:endParaRPr lang="ru-RU" sz="1200" kern="1200" dirty="0" smtClean="0">
-              <a:solidFill>
-                <a:schemeClr val="tx1"/>
-              </a:solidFill>
-              <a:effectLst/>
-              <a:latin typeface="+mn-lt"/>
-              <a:ea typeface="+mn-ea"/>
-              <a:cs typeface="+mn-cs"/>
-            </a:endParaRPr>
-          </a:p>
-          <a:p>
-            <a:endParaRPr lang="ru-RU" dirty="0"/>
+              <a:t>Генетическое программирование основывается на принципах биологической эволюции, таких как: естественный отбор, скрещивание и мутация.</a:t>
+            </a:r>
           </a:p>
         </p:txBody>
       </p:sp>
@@ -862,7 +815,7 @@
           <a:p>
             <a:fld id="{067F537F-45F3-8142-965F-E742B23B0064}" type="slidenum">
               <a:rPr lang="ru-RU" smtClean="0"/>
-              <a:t>14</a:t>
+              <a:t>11</a:t>
             </a:fld>
             <a:endParaRPr lang="ru-RU"/>
           </a:p>
@@ -871,7 +824,7 @@
     </p:spTree>
     <p:extLst>
       <p:ext uri="{BB962C8B-B14F-4D97-AF65-F5344CB8AC3E}">
-        <p14:creationId xmlns:p14="http://schemas.microsoft.com/office/powerpoint/2010/main" val="2133192863"/>
+        <p14:creationId xmlns:p14="http://schemas.microsoft.com/office/powerpoint/2010/main" val="1850196944"/>
       </p:ext>
     </p:extLst>
   </p:cSld>
@@ -925,6 +878,23 @@
           <a:bodyPr/>
           <a:lstStyle/>
           <a:p>
+            <a:pPr marL="0" marR="0" lvl="0" indent="0" algn="l" defTabSz="914400" rtl="0" eaLnBrk="1" fontAlgn="auto" latinLnBrk="0" hangingPunct="1">
+              <a:lnSpc>
+                <a:spcPct val="100000"/>
+              </a:lnSpc>
+              <a:spcBef>
+                <a:spcPts val="0"/>
+              </a:spcBef>
+              <a:spcAft>
+                <a:spcPts val="0"/>
+              </a:spcAft>
+              <a:buClrTx/>
+              <a:buSzTx/>
+              <a:buFontTx/>
+              <a:buNone/>
+              <a:tabLst/>
+              <a:defRPr/>
+            </a:pPr>
             <a:r>
               <a:rPr lang="ru-RU" sz="1200" kern="1200" dirty="0" smtClean="0">
                 <a:solidFill>
@@ -935,21 +905,7 @@
                 <a:ea typeface="+mn-ea"/>
                 <a:cs typeface="+mn-cs"/>
               </a:rPr>
-              <a:t>Результаты. Была разработана программа, которая позволяет получить набор построенных признаков данных посредством генетического программирования. Для проверки ее работы был проведен эксперимент. </a:t>
-            </a:r>
-          </a:p>
-          <a:p>
-            <a:r>
-              <a:rPr lang="ru-RU" sz="1200" kern="1200" dirty="0" smtClean="0">
-                <a:solidFill>
-                  <a:schemeClr val="tx1"/>
-                </a:solidFill>
-                <a:effectLst/>
-                <a:latin typeface="+mn-lt"/>
-                <a:ea typeface="+mn-ea"/>
-                <a:cs typeface="+mn-cs"/>
-              </a:rPr>
-              <a:t>Заданы обучающая и тестовая выборки медицинских изображений. Они были получены из доступного в интернете ресурса LIDC-IDRI и представляют собой КТ снимки легких с отмеченными областями поражения.</a:t>
+              <a:t>В качестве популяции будут выступать леса – наборы признаков. Каждое дерево леса представляет собой один сконструированный признак, состоящий из функций, исходных признаков и констант.</a:t>
             </a:r>
           </a:p>
           <a:p>
@@ -974,7 +930,7 @@
           <a:p>
             <a:fld id="{067F537F-45F3-8142-965F-E742B23B0064}" type="slidenum">
               <a:rPr lang="ru-RU" smtClean="0"/>
-              <a:t>15</a:t>
+              <a:t>12</a:t>
             </a:fld>
             <a:endParaRPr lang="ru-RU"/>
           </a:p>
@@ -983,7 +939,7 @@
     </p:spTree>
     <p:extLst>
       <p:ext uri="{BB962C8B-B14F-4D97-AF65-F5344CB8AC3E}">
-        <p14:creationId xmlns:p14="http://schemas.microsoft.com/office/powerpoint/2010/main" val="2685789095"/>
+        <p14:creationId xmlns:p14="http://schemas.microsoft.com/office/powerpoint/2010/main" val="1075396099"/>
       </p:ext>
     </p:extLst>
   </p:cSld>
@@ -1047,6 +1003,359 @@
                 <a:ea typeface="+mn-ea"/>
                 <a:cs typeface="+mn-cs"/>
               </a:rPr>
+              <a:t>Будем параллельно развивать несколько наборов лесов. Каждому такому набору назначим свой уникальный классификатор, с помощью которого будем оценивать пригодность данного набора признаков.</a:t>
+            </a:r>
+          </a:p>
+          <a:p>
+            <a:endParaRPr lang="ru-RU" dirty="0"/>
+          </a:p>
+        </p:txBody>
+      </p:sp>
+      <p:sp>
+        <p:nvSpPr>
+          <p:cNvPr id="4" name="Номер слайда 3"/>
+          <p:cNvSpPr>
+            <a:spLocks noGrp="1"/>
+          </p:cNvSpPr>
+          <p:nvPr>
+            <p:ph type="sldNum" sz="quarter" idx="10"/>
+          </p:nvPr>
+        </p:nvSpPr>
+        <p:spPr/>
+        <p:txBody>
+          <a:bodyPr/>
+          <a:lstStyle/>
+          <a:p>
+            <a:fld id="{067F537F-45F3-8142-965F-E742B23B0064}" type="slidenum">
+              <a:rPr lang="ru-RU" smtClean="0"/>
+              <a:t>13</a:t>
+            </a:fld>
+            <a:endParaRPr lang="ru-RU"/>
+          </a:p>
+        </p:txBody>
+      </p:sp>
+    </p:spTree>
+    <p:extLst>
+      <p:ext uri="{BB962C8B-B14F-4D97-AF65-F5344CB8AC3E}">
+        <p14:creationId xmlns:p14="http://schemas.microsoft.com/office/powerpoint/2010/main" val="2236421988"/>
+      </p:ext>
+    </p:extLst>
+  </p:cSld>
+  <p:clrMapOvr>
+    <a:masterClrMapping/>
+  </p:clrMapOvr>
+</p:notes>
+</file>
+
+<file path=ppt/notesSlides/notesSlide14.xml><?xml version="1.0" encoding="utf-8"?>
+<p:notes xmlns:a="http://schemas.openxmlformats.org/drawingml/2006/main" xmlns:r="http://schemas.openxmlformats.org/officeDocument/2006/relationships" xmlns:p="http://schemas.openxmlformats.org/presentationml/2006/main">
+  <p:cSld>
+    <p:spTree>
+      <p:nvGrpSpPr>
+        <p:cNvPr id="1" name=""/>
+        <p:cNvGrpSpPr/>
+        <p:nvPr/>
+      </p:nvGrpSpPr>
+      <p:grpSpPr>
+        <a:xfrm>
+          <a:off x="0" y="0"/>
+          <a:ext cx="0" cy="0"/>
+          <a:chOff x="0" y="0"/>
+          <a:chExt cx="0" cy="0"/>
+        </a:xfrm>
+      </p:grpSpPr>
+      <p:sp>
+        <p:nvSpPr>
+          <p:cNvPr id="2" name="Образ слайда 1"/>
+          <p:cNvSpPr>
+            <a:spLocks noGrp="1" noRot="1" noChangeAspect="1"/>
+          </p:cNvSpPr>
+          <p:nvPr>
+            <p:ph type="sldImg"/>
+          </p:nvPr>
+        </p:nvSpPr>
+        <p:spPr/>
+      </p:sp>
+      <p:sp>
+        <p:nvSpPr>
+          <p:cNvPr id="3" name="Заметки 2"/>
+          <p:cNvSpPr>
+            <a:spLocks noGrp="1"/>
+          </p:cNvSpPr>
+          <p:nvPr>
+            <p:ph type="body" idx="1"/>
+          </p:nvPr>
+        </p:nvSpPr>
+        <p:spPr/>
+        <p:txBody>
+          <a:bodyPr/>
+          <a:lstStyle/>
+          <a:p>
+            <a:r>
+              <a:rPr lang="ru-RU" sz="1200" kern="1200" dirty="0" smtClean="0">
+                <a:solidFill>
+                  <a:schemeClr val="tx1"/>
+                </a:solidFill>
+                <a:effectLst/>
+                <a:latin typeface="+mn-lt"/>
+                <a:ea typeface="+mn-ea"/>
+                <a:cs typeface="+mn-cs"/>
+              </a:rPr>
+              <a:t>Оценивать приспособленности особей будем через ошибку классификации. Подаем классификатору набор сконструированных признаков и вычисляем отношение неправильно предсказанных значений класса к числу всех объектов</a:t>
+            </a:r>
+            <a:r>
+              <a:rPr lang="ru-RU" sz="1200" kern="1200" baseline="0" dirty="0" smtClean="0">
+                <a:solidFill>
+                  <a:schemeClr val="tx1"/>
+                </a:solidFill>
+                <a:effectLst/>
+                <a:latin typeface="+mn-lt"/>
+                <a:ea typeface="+mn-ea"/>
+                <a:cs typeface="+mn-cs"/>
+              </a:rPr>
+              <a:t> </a:t>
+            </a:r>
+            <a:r>
+              <a:rPr lang="ru-RU" sz="1200" kern="1200" dirty="0" smtClean="0">
+                <a:solidFill>
+                  <a:schemeClr val="tx1"/>
+                </a:solidFill>
+                <a:effectLst/>
+                <a:latin typeface="+mn-lt"/>
+                <a:ea typeface="+mn-ea"/>
+                <a:cs typeface="+mn-cs"/>
+              </a:rPr>
+              <a:t>и нормализуем его.</a:t>
+            </a:r>
+          </a:p>
+        </p:txBody>
+      </p:sp>
+      <p:sp>
+        <p:nvSpPr>
+          <p:cNvPr id="4" name="Номер слайда 3"/>
+          <p:cNvSpPr>
+            <a:spLocks noGrp="1"/>
+          </p:cNvSpPr>
+          <p:nvPr>
+            <p:ph type="sldNum" sz="quarter" idx="10"/>
+          </p:nvPr>
+        </p:nvSpPr>
+        <p:spPr/>
+        <p:txBody>
+          <a:bodyPr/>
+          <a:lstStyle/>
+          <a:p>
+            <a:fld id="{067F537F-45F3-8142-965F-E742B23B0064}" type="slidenum">
+              <a:rPr lang="ru-RU" smtClean="0"/>
+              <a:t>14</a:t>
+            </a:fld>
+            <a:endParaRPr lang="ru-RU"/>
+          </a:p>
+        </p:txBody>
+      </p:sp>
+    </p:spTree>
+    <p:extLst>
+      <p:ext uri="{BB962C8B-B14F-4D97-AF65-F5344CB8AC3E}">
+        <p14:creationId xmlns:p14="http://schemas.microsoft.com/office/powerpoint/2010/main" val="2133192863"/>
+      </p:ext>
+    </p:extLst>
+  </p:cSld>
+  <p:clrMapOvr>
+    <a:masterClrMapping/>
+  </p:clrMapOvr>
+</p:notes>
+</file>
+
+<file path=ppt/notesSlides/notesSlide15.xml><?xml version="1.0" encoding="utf-8"?>
+<p:notes xmlns:a="http://schemas.openxmlformats.org/drawingml/2006/main" xmlns:r="http://schemas.openxmlformats.org/officeDocument/2006/relationships" xmlns:p="http://schemas.openxmlformats.org/presentationml/2006/main">
+  <p:cSld>
+    <p:spTree>
+      <p:nvGrpSpPr>
+        <p:cNvPr id="1" name=""/>
+        <p:cNvGrpSpPr/>
+        <p:nvPr/>
+      </p:nvGrpSpPr>
+      <p:grpSpPr>
+        <a:xfrm>
+          <a:off x="0" y="0"/>
+          <a:ext cx="0" cy="0"/>
+          <a:chOff x="0" y="0"/>
+          <a:chExt cx="0" cy="0"/>
+        </a:xfrm>
+      </p:grpSpPr>
+      <p:sp>
+        <p:nvSpPr>
+          <p:cNvPr id="2" name="Образ слайда 1"/>
+          <p:cNvSpPr>
+            <a:spLocks noGrp="1" noRot="1" noChangeAspect="1"/>
+          </p:cNvSpPr>
+          <p:nvPr>
+            <p:ph type="sldImg"/>
+          </p:nvPr>
+        </p:nvSpPr>
+        <p:spPr/>
+      </p:sp>
+      <p:sp>
+        <p:nvSpPr>
+          <p:cNvPr id="3" name="Заметки 2"/>
+          <p:cNvSpPr>
+            <a:spLocks noGrp="1"/>
+          </p:cNvSpPr>
+          <p:nvPr>
+            <p:ph type="body" idx="1"/>
+          </p:nvPr>
+        </p:nvSpPr>
+        <p:spPr/>
+        <p:txBody>
+          <a:bodyPr/>
+          <a:lstStyle/>
+          <a:p>
+            <a:r>
+              <a:rPr lang="ru-RU" sz="1200" kern="1200" dirty="0" smtClean="0">
+                <a:solidFill>
+                  <a:schemeClr val="tx1"/>
+                </a:solidFill>
+                <a:effectLst/>
+                <a:latin typeface="+mn-lt"/>
+                <a:ea typeface="+mn-ea"/>
+                <a:cs typeface="+mn-cs"/>
+              </a:rPr>
+              <a:t>Результаты. Была разработана программа, которая позволяет получить набор построенных признаков данных посредством генетического программирования. Для проверки ее работы был проведен эксперимент. </a:t>
+            </a:r>
+          </a:p>
+          <a:p>
+            <a:r>
+              <a:rPr lang="ru-RU" sz="1200" kern="1200" dirty="0" smtClean="0">
+                <a:solidFill>
+                  <a:schemeClr val="tx1"/>
+                </a:solidFill>
+                <a:effectLst/>
+                <a:latin typeface="+mn-lt"/>
+                <a:ea typeface="+mn-ea"/>
+                <a:cs typeface="+mn-cs"/>
+              </a:rPr>
+              <a:t>Заданы обучающая и тестовая выборки медицинских изображений. Они были получены из доступного в интернете ресурса </a:t>
+            </a:r>
+            <a:r>
+              <a:rPr lang="ru-RU" sz="1200" kern="1200" dirty="0" smtClean="0">
+                <a:solidFill>
+                  <a:schemeClr val="tx1"/>
+                </a:solidFill>
+                <a:effectLst/>
+                <a:latin typeface="+mn-lt"/>
+                <a:ea typeface="+mn-ea"/>
+                <a:cs typeface="+mn-cs"/>
+              </a:rPr>
+              <a:t>и </a:t>
+            </a:r>
+            <a:r>
+              <a:rPr lang="ru-RU" sz="1200" kern="1200" dirty="0" smtClean="0">
+                <a:solidFill>
+                  <a:schemeClr val="tx1"/>
+                </a:solidFill>
+                <a:effectLst/>
+                <a:latin typeface="+mn-lt"/>
+                <a:ea typeface="+mn-ea"/>
+                <a:cs typeface="+mn-cs"/>
+              </a:rPr>
+              <a:t>представляют собой КТ снимки легких с отмеченными областями поражения.</a:t>
+            </a:r>
+          </a:p>
+          <a:p>
+            <a:endParaRPr lang="ru-RU" dirty="0"/>
+          </a:p>
+        </p:txBody>
+      </p:sp>
+      <p:sp>
+        <p:nvSpPr>
+          <p:cNvPr id="4" name="Номер слайда 3"/>
+          <p:cNvSpPr>
+            <a:spLocks noGrp="1"/>
+          </p:cNvSpPr>
+          <p:nvPr>
+            <p:ph type="sldNum" sz="quarter" idx="10"/>
+          </p:nvPr>
+        </p:nvSpPr>
+        <p:spPr/>
+        <p:txBody>
+          <a:bodyPr/>
+          <a:lstStyle/>
+          <a:p>
+            <a:fld id="{067F537F-45F3-8142-965F-E742B23B0064}" type="slidenum">
+              <a:rPr lang="ru-RU" smtClean="0"/>
+              <a:t>15</a:t>
+            </a:fld>
+            <a:endParaRPr lang="ru-RU"/>
+          </a:p>
+        </p:txBody>
+      </p:sp>
+    </p:spTree>
+    <p:extLst>
+      <p:ext uri="{BB962C8B-B14F-4D97-AF65-F5344CB8AC3E}">
+        <p14:creationId xmlns:p14="http://schemas.microsoft.com/office/powerpoint/2010/main" val="2685789095"/>
+      </p:ext>
+    </p:extLst>
+  </p:cSld>
+  <p:clrMapOvr>
+    <a:masterClrMapping/>
+  </p:clrMapOvr>
+</p:notes>
+</file>
+
+<file path=ppt/notesSlides/notesSlide16.xml><?xml version="1.0" encoding="utf-8"?>
+<p:notes xmlns:a="http://schemas.openxmlformats.org/drawingml/2006/main" xmlns:r="http://schemas.openxmlformats.org/officeDocument/2006/relationships" xmlns:p="http://schemas.openxmlformats.org/presentationml/2006/main">
+  <p:cSld>
+    <p:spTree>
+      <p:nvGrpSpPr>
+        <p:cNvPr id="1" name=""/>
+        <p:cNvGrpSpPr/>
+        <p:nvPr/>
+      </p:nvGrpSpPr>
+      <p:grpSpPr>
+        <a:xfrm>
+          <a:off x="0" y="0"/>
+          <a:ext cx="0" cy="0"/>
+          <a:chOff x="0" y="0"/>
+          <a:chExt cx="0" cy="0"/>
+        </a:xfrm>
+      </p:grpSpPr>
+      <p:sp>
+        <p:nvSpPr>
+          <p:cNvPr id="2" name="Образ слайда 1"/>
+          <p:cNvSpPr>
+            <a:spLocks noGrp="1" noRot="1" noChangeAspect="1"/>
+          </p:cNvSpPr>
+          <p:nvPr>
+            <p:ph type="sldImg"/>
+          </p:nvPr>
+        </p:nvSpPr>
+        <p:spPr/>
+      </p:sp>
+      <p:sp>
+        <p:nvSpPr>
+          <p:cNvPr id="3" name="Заметки 2"/>
+          <p:cNvSpPr>
+            <a:spLocks noGrp="1"/>
+          </p:cNvSpPr>
+          <p:nvPr>
+            <p:ph type="body" idx="1"/>
+          </p:nvPr>
+        </p:nvSpPr>
+        <p:spPr/>
+        <p:txBody>
+          <a:bodyPr/>
+          <a:lstStyle/>
+          <a:p>
+            <a:r>
+              <a:rPr lang="ru-RU" sz="1200" kern="1200" dirty="0" smtClean="0">
+                <a:solidFill>
+                  <a:schemeClr val="tx1"/>
+                </a:solidFill>
+                <a:effectLst/>
+                <a:latin typeface="+mn-lt"/>
+                <a:ea typeface="+mn-ea"/>
+                <a:cs typeface="+mn-cs"/>
+              </a:rPr>
               <a:t>Определен набор классификаторов: классификатор ближайшего соседа, метод опорных векторов, алгоритм </a:t>
             </a:r>
             <a:r>
@@ -1115,7 +1424,7 @@
 </p:notes>
 </file>
 
-<file path=ppt/notesSlides/notesSlide14.xml><?xml version="1.0" encoding="utf-8"?>
+<file path=ppt/notesSlides/notesSlide17.xml><?xml version="1.0" encoding="utf-8"?>
 <p:notes xmlns:a="http://schemas.openxmlformats.org/drawingml/2006/main" xmlns:r="http://schemas.openxmlformats.org/officeDocument/2006/relationships" xmlns:p="http://schemas.openxmlformats.org/presentationml/2006/main">
   <p:cSld>
     <p:spTree>
@@ -1281,7 +1590,7 @@
                 <a:ea typeface="+mn-ea"/>
                 <a:cs typeface="+mn-cs"/>
               </a:rPr>
-              <a:t>Актуальность выбранной темы обосновывается тем, что своевременное распознавание патологических процессов в организме человека приведет к оказанию необходимой медицинской помощи. Проблема классификации патологических процессов по данным медицинских изображений не может быть правильно решена, если важные взаимодействия и отношения между оригинальными признаками, не принимаются во внимание.</a:t>
+              <a:t>Медицинское изображение – это структурно-функциональный образ органов человека. Врачи используют его для диагностики заболеваний и изучения анатомо-физиологической картины организма. </a:t>
             </a:r>
             <a:endParaRPr lang="ru-RU" sz="1200" kern="1200" dirty="0">
               <a:solidFill>
@@ -1312,7 +1621,7 @@
           <a:p>
             <a:fld id="{067F537F-45F3-8142-965F-E742B23B0064}" type="slidenum">
               <a:rPr lang="ru-RU" smtClean="0"/>
-              <a:t>3</a:t>
+              <a:t>2</a:t>
             </a:fld>
             <a:endParaRPr lang="ru-RU"/>
           </a:p>
@@ -1321,7 +1630,7 @@
     </p:spTree>
     <p:extLst>
       <p:ext uri="{BB962C8B-B14F-4D97-AF65-F5344CB8AC3E}">
-        <p14:creationId xmlns:p14="http://schemas.microsoft.com/office/powerpoint/2010/main" val="1976350138"/>
+        <p14:creationId xmlns:p14="http://schemas.microsoft.com/office/powerpoint/2010/main" val="3885654255"/>
       </p:ext>
     </p:extLst>
   </p:cSld>
@@ -1376,28 +1685,26 @@
           <a:lstStyle/>
           <a:p>
             <a:r>
-              <a:rPr lang="ru-RU" sz="1200" b="0" i="0" u="none" strike="noStrike" kern="1200" baseline="0" dirty="0" smtClean="0">
+              <a:rPr lang="ru-RU" sz="1200" kern="1200" dirty="0" smtClean="0">
                 <a:solidFill>
                   <a:schemeClr val="tx1"/>
                 </a:solidFill>
+                <a:effectLst/>
                 <a:latin typeface="+mn-lt"/>
                 <a:ea typeface="+mn-ea"/>
                 <a:cs typeface="+mn-cs"/>
               </a:rPr>
-              <a:t>Эффективность </a:t>
-            </a:r>
-            <a:r>
-              <a:rPr lang="ru-RU" sz="1200" b="0" i="0" u="none" strike="noStrike" kern="1200" baseline="0" dirty="0" smtClean="0">
-                <a:solidFill>
-                  <a:schemeClr val="tx1"/>
-                </a:solidFill>
-                <a:latin typeface="+mn-lt"/>
-                <a:ea typeface="+mn-ea"/>
-                <a:cs typeface="+mn-cs"/>
-              </a:rPr>
-              <a:t>работы классификатора сильно зависит от входного множества признаков. Как выбрать оптимальное множество признаков для классификатора? </a:t>
-            </a:r>
-            <a:endParaRPr lang="ru-RU" dirty="0"/>
+              <a:t>Актуальность выбранной темы обосновывается тем, что своевременное распознавание патологических процессов в организме человека приведет к оказанию необходимой медицинской помощи. Проблема классификации патологий по данным медицинских изображений не может быть правильно решена, если важные взаимодействия между оригинальными признаками, не принимаются во внимание.</a:t>
+            </a:r>
+            <a:endParaRPr lang="ru-RU" sz="1200" kern="1200" dirty="0">
+              <a:solidFill>
+                <a:schemeClr val="tx1"/>
+              </a:solidFill>
+              <a:effectLst/>
+              <a:latin typeface="+mn-lt"/>
+              <a:ea typeface="+mn-ea"/>
+              <a:cs typeface="+mn-cs"/>
+            </a:endParaRPr>
           </a:p>
         </p:txBody>
       </p:sp>
@@ -1418,7 +1725,7 @@
           <a:p>
             <a:fld id="{067F537F-45F3-8142-965F-E742B23B0064}" type="slidenum">
               <a:rPr lang="ru-RU" smtClean="0"/>
-              <a:t>4</a:t>
+              <a:t>3</a:t>
             </a:fld>
             <a:endParaRPr lang="ru-RU"/>
           </a:p>
@@ -1427,7 +1734,7 @@
     </p:spTree>
     <p:extLst>
       <p:ext uri="{BB962C8B-B14F-4D97-AF65-F5344CB8AC3E}">
-        <p14:creationId xmlns:p14="http://schemas.microsoft.com/office/powerpoint/2010/main" val="1928512890"/>
+        <p14:creationId xmlns:p14="http://schemas.microsoft.com/office/powerpoint/2010/main" val="1976350138"/>
       </p:ext>
     </p:extLst>
   </p:cSld>
@@ -1481,7 +1788,27 @@
           <a:bodyPr/>
           <a:lstStyle/>
           <a:p>
-            <a:endParaRPr lang="ru-RU" dirty="0"/>
+            <a:r>
+              <a:rPr lang="ru-RU" sz="1200" kern="1200" dirty="0" smtClean="0">
+                <a:solidFill>
+                  <a:schemeClr val="tx1"/>
+                </a:solidFill>
+                <a:effectLst/>
+                <a:latin typeface="+mn-lt"/>
+                <a:ea typeface="+mn-ea"/>
+                <a:cs typeface="+mn-cs"/>
+              </a:rPr>
+              <a:t>Проблема исследования. Эффективность работы классификатора сильно зависит от входного множества признаков. Как выбрать оптимальное множество признаков для классификатора?</a:t>
+            </a:r>
+            <a:endParaRPr lang="ru-RU" sz="1200" kern="1200" dirty="0">
+              <a:solidFill>
+                <a:schemeClr val="tx1"/>
+              </a:solidFill>
+              <a:effectLst/>
+              <a:latin typeface="+mn-lt"/>
+              <a:ea typeface="+mn-ea"/>
+              <a:cs typeface="+mn-cs"/>
+            </a:endParaRPr>
           </a:p>
         </p:txBody>
       </p:sp>
@@ -1502,7 +1829,7 @@
           <a:p>
             <a:fld id="{067F537F-45F3-8142-965F-E742B23B0064}" type="slidenum">
               <a:rPr lang="ru-RU" smtClean="0"/>
-              <a:t>6</a:t>
+              <a:t>4</a:t>
             </a:fld>
             <a:endParaRPr lang="ru-RU"/>
           </a:p>
@@ -1511,7 +1838,7 @@
     </p:spTree>
     <p:extLst>
       <p:ext uri="{BB962C8B-B14F-4D97-AF65-F5344CB8AC3E}">
-        <p14:creationId xmlns:p14="http://schemas.microsoft.com/office/powerpoint/2010/main" val="4073162046"/>
+        <p14:creationId xmlns:p14="http://schemas.microsoft.com/office/powerpoint/2010/main" val="1928512890"/>
       </p:ext>
     </p:extLst>
   </p:cSld>
@@ -1565,7 +1892,7 @@
           <a:bodyPr/>
           <a:lstStyle/>
           <a:p>
-            <a:pPr marL="0" marR="0" lvl="0" indent="0" algn="l" defTabSz="914400" rtl="0" eaLnBrk="1" fontAlgn="auto" latinLnBrk="0" hangingPunct="1">
+            <a:pPr marL="0" marR="0" indent="0" algn="l" defTabSz="914400" rtl="0" eaLnBrk="1" fontAlgn="auto" latinLnBrk="0" hangingPunct="1">
               <a:lnSpc>
                 <a:spcPct val="100000"/>
               </a:lnSpc>
@@ -1592,11 +1919,8 @@
                 <a:ea typeface="+mn-ea"/>
                 <a:cs typeface="+mn-cs"/>
               </a:rPr>
-              <a:t>Классификация заключается в прогнозировании значения категориального атрибута (класса) на основе значений признаков объекта при известном множестве обучающих примеров.</a:t>
-            </a:r>
-          </a:p>
-          <a:p>
-            <a:endParaRPr lang="ru-RU" dirty="0"/>
+              <a:t>Объектом исследования выступает классификация изображений. Предметом исследования является алгоритм построения признаков для классификации.</a:t>
+            </a:r>
           </a:p>
         </p:txBody>
       </p:sp>
@@ -1617,7 +1941,7 @@
           <a:p>
             <a:fld id="{067F537F-45F3-8142-965F-E742B23B0064}" type="slidenum">
               <a:rPr lang="ru-RU" smtClean="0"/>
-              <a:t>8</a:t>
+              <a:t>5</a:t>
             </a:fld>
             <a:endParaRPr lang="ru-RU"/>
           </a:p>
@@ -1626,7 +1950,7 @@
     </p:spTree>
     <p:extLst>
       <p:ext uri="{BB962C8B-B14F-4D97-AF65-F5344CB8AC3E}">
-        <p14:creationId xmlns:p14="http://schemas.microsoft.com/office/powerpoint/2010/main" val="3309953773"/>
+        <p14:creationId xmlns:p14="http://schemas.microsoft.com/office/powerpoint/2010/main" val="1471852056"/>
       </p:ext>
     </p:extLst>
   </p:cSld>
@@ -1680,6 +2004,23 @@
           <a:bodyPr/>
           <a:lstStyle/>
           <a:p>
+            <a:pPr marL="0" marR="0" indent="0" algn="l" defTabSz="914400" rtl="0" eaLnBrk="1" fontAlgn="auto" latinLnBrk="0" hangingPunct="1">
+              <a:lnSpc>
+                <a:spcPct val="100000"/>
+              </a:lnSpc>
+              <a:spcBef>
+                <a:spcPts val="0"/>
+              </a:spcBef>
+              <a:spcAft>
+                <a:spcPts val="0"/>
+              </a:spcAft>
+              <a:buClrTx/>
+              <a:buSzTx/>
+              <a:buFontTx/>
+              <a:buNone/>
+              <a:tabLst/>
+              <a:defRPr/>
+            </a:pPr>
             <a:r>
               <a:rPr lang="ru-RU" sz="1200" kern="1200" dirty="0" smtClean="0">
                 <a:solidFill>
@@ -1690,269 +2031,8 @@
                 <a:ea typeface="+mn-ea"/>
                 <a:cs typeface="+mn-cs"/>
               </a:rPr>
-              <a:t>Концептуально любой метод построения признака можно рассматривать как выполнение следующих действий:</a:t>
-            </a:r>
-          </a:p>
-          <a:p>
-            <a:r>
-              <a:rPr lang="ru-RU" sz="1200" kern="1200" dirty="0" smtClean="0">
-                <a:solidFill>
-                  <a:schemeClr val="tx1"/>
-                </a:solidFill>
-                <a:effectLst/>
-                <a:latin typeface="+mn-lt"/>
-                <a:ea typeface="+mn-ea"/>
-                <a:cs typeface="+mn-cs"/>
-              </a:rPr>
-              <a:t>1) Выбор начального пространства признаков </a:t>
-            </a:r>
-            <a:r>
-              <a:rPr lang="ru-RU" sz="1200" kern="1200" dirty="0" smtClean="0">
-                <a:solidFill>
-                  <a:schemeClr val="tx1"/>
-                </a:solidFill>
-                <a:effectLst/>
-                <a:latin typeface="+mn-lt"/>
-                <a:ea typeface="+mn-ea"/>
-                <a:cs typeface="+mn-cs"/>
-              </a:rPr>
-              <a:t>F0.</a:t>
-            </a:r>
-            <a:endParaRPr lang="ru-RU" sz="1200" kern="1200" dirty="0" smtClean="0">
-              <a:solidFill>
-                <a:schemeClr val="tx1"/>
-              </a:solidFill>
-              <a:effectLst/>
-              <a:latin typeface="+mn-lt"/>
-              <a:ea typeface="+mn-ea"/>
-              <a:cs typeface="+mn-cs"/>
-            </a:endParaRPr>
-          </a:p>
-          <a:p>
-            <a:r>
-              <a:rPr lang="ru-RU" sz="1200" kern="1200" dirty="0" smtClean="0">
-                <a:solidFill>
-                  <a:schemeClr val="tx1"/>
-                </a:solidFill>
-                <a:effectLst/>
-                <a:latin typeface="+mn-lt"/>
-                <a:ea typeface="+mn-ea"/>
-                <a:cs typeface="+mn-cs"/>
-              </a:rPr>
-              <a:t>2) Преобразование F0 для построения нового пространства признаков FN </a:t>
-            </a:r>
-            <a:endParaRPr lang="ru-RU" sz="1200" kern="1200" dirty="0" smtClean="0">
-              <a:solidFill>
-                <a:schemeClr val="tx1"/>
-              </a:solidFill>
-              <a:effectLst/>
-              <a:latin typeface="+mn-lt"/>
-              <a:ea typeface="+mn-ea"/>
-              <a:cs typeface="+mn-cs"/>
-            </a:endParaRPr>
-          </a:p>
-          <a:p>
-            <a:r>
-              <a:rPr lang="ru-RU" sz="1200" kern="1200" dirty="0" smtClean="0">
-                <a:solidFill>
-                  <a:schemeClr val="tx1"/>
-                </a:solidFill>
-                <a:effectLst/>
-                <a:latin typeface="+mn-lt"/>
-                <a:ea typeface="+mn-ea"/>
-                <a:cs typeface="+mn-cs"/>
-              </a:rPr>
-              <a:t>3</a:t>
-            </a:r>
-            <a:r>
-              <a:rPr lang="ru-RU" sz="1200" kern="1200" dirty="0" smtClean="0">
-                <a:solidFill>
-                  <a:schemeClr val="tx1"/>
-                </a:solidFill>
-                <a:effectLst/>
-                <a:latin typeface="+mn-lt"/>
-                <a:ea typeface="+mn-ea"/>
-                <a:cs typeface="+mn-cs"/>
-              </a:rPr>
-              <a:t>) Выбор подмножества признаков </a:t>
-            </a:r>
-            <a:r>
-              <a:rPr lang="ru-RU" sz="1200" kern="1200" dirty="0" err="1" smtClean="0">
-                <a:solidFill>
-                  <a:schemeClr val="tx1"/>
-                </a:solidFill>
-                <a:effectLst/>
-                <a:latin typeface="+mn-lt"/>
-                <a:ea typeface="+mn-ea"/>
-                <a:cs typeface="+mn-cs"/>
-              </a:rPr>
-              <a:t>Fi</a:t>
-            </a:r>
-            <a:r>
-              <a:rPr lang="ru-RU" sz="1200" kern="1200" dirty="0" smtClean="0">
-                <a:solidFill>
-                  <a:schemeClr val="tx1"/>
-                </a:solidFill>
-                <a:effectLst/>
-                <a:latin typeface="+mn-lt"/>
-                <a:ea typeface="+mn-ea"/>
-                <a:cs typeface="+mn-cs"/>
-              </a:rPr>
-              <a:t> из FN </a:t>
-            </a:r>
-            <a:r>
-              <a:rPr lang="ru-RU" sz="1200" kern="1200" baseline="0" dirty="0" smtClean="0">
-                <a:solidFill>
-                  <a:schemeClr val="tx1"/>
-                </a:solidFill>
-                <a:effectLst/>
-                <a:latin typeface="+mn-lt"/>
-                <a:ea typeface="+mn-ea"/>
-                <a:cs typeface="+mn-cs"/>
-              </a:rPr>
-              <a:t>на </a:t>
-            </a:r>
-            <a:r>
-              <a:rPr lang="ru-RU" sz="1200" kern="1200" baseline="0" dirty="0" smtClean="0">
-                <a:solidFill>
-                  <a:schemeClr val="tx1"/>
-                </a:solidFill>
-                <a:effectLst/>
-                <a:latin typeface="+mn-lt"/>
-                <a:ea typeface="+mn-ea"/>
-                <a:cs typeface="+mn-cs"/>
-              </a:rPr>
-              <a:t>основании</a:t>
-            </a:r>
-            <a:r>
-              <a:rPr lang="ru-RU" sz="1200" kern="1200" dirty="0" smtClean="0">
-                <a:solidFill>
-                  <a:schemeClr val="tx1"/>
-                </a:solidFill>
-                <a:effectLst/>
-                <a:latin typeface="+mn-lt"/>
-                <a:ea typeface="+mn-ea"/>
-                <a:cs typeface="+mn-cs"/>
-              </a:rPr>
-              <a:t> определения полезности </a:t>
-            </a:r>
-            <a:r>
-              <a:rPr lang="ru-RU" sz="1200" kern="1200" dirty="0" err="1" smtClean="0">
-                <a:solidFill>
-                  <a:schemeClr val="tx1"/>
-                </a:solidFill>
-                <a:effectLst/>
-                <a:latin typeface="+mn-lt"/>
-                <a:ea typeface="+mn-ea"/>
-                <a:cs typeface="+mn-cs"/>
-              </a:rPr>
-              <a:t>Fi</a:t>
-            </a:r>
-            <a:r>
-              <a:rPr lang="ru-RU" sz="1200" kern="1200" dirty="0" smtClean="0">
-                <a:solidFill>
-                  <a:schemeClr val="tx1"/>
-                </a:solidFill>
-                <a:effectLst/>
-                <a:latin typeface="+mn-lt"/>
-                <a:ea typeface="+mn-ea"/>
-                <a:cs typeface="+mn-cs"/>
-              </a:rPr>
-              <a:t> для задачи классификации.</a:t>
-            </a:r>
-          </a:p>
-          <a:p>
-            <a:r>
-              <a:rPr lang="ru-RU" sz="1200" kern="1200" dirty="0" smtClean="0">
-                <a:solidFill>
-                  <a:schemeClr val="tx1"/>
-                </a:solidFill>
-                <a:effectLst/>
-                <a:latin typeface="+mn-lt"/>
-                <a:ea typeface="+mn-ea"/>
-                <a:cs typeface="+mn-cs"/>
-              </a:rPr>
-              <a:t>b. Если некоторые критерии завершения не достигнуты,</a:t>
-            </a:r>
-            <a:r>
-              <a:rPr lang="ru-RU" sz="1200" kern="1200" baseline="0" dirty="0" smtClean="0">
-                <a:solidFill>
-                  <a:schemeClr val="tx1"/>
-                </a:solidFill>
-                <a:effectLst/>
-                <a:latin typeface="+mn-lt"/>
-                <a:ea typeface="+mn-ea"/>
-                <a:cs typeface="+mn-cs"/>
-              </a:rPr>
-              <a:t> то возвращаемся</a:t>
-            </a:r>
-            <a:r>
-              <a:rPr lang="ru-RU" sz="1200" kern="1200" dirty="0" smtClean="0">
-                <a:solidFill>
-                  <a:schemeClr val="tx1"/>
-                </a:solidFill>
-                <a:effectLst/>
-                <a:latin typeface="+mn-lt"/>
-                <a:ea typeface="+mn-ea"/>
-                <a:cs typeface="+mn-cs"/>
-              </a:rPr>
-              <a:t> к шагу 3.</a:t>
-            </a:r>
-          </a:p>
-          <a:p>
-            <a:r>
-              <a:rPr lang="ru-RU" sz="1200" kern="1200" dirty="0" smtClean="0">
-                <a:solidFill>
-                  <a:schemeClr val="tx1"/>
-                </a:solidFill>
-                <a:effectLst/>
-                <a:latin typeface="+mn-lt"/>
-                <a:ea typeface="+mn-ea"/>
-                <a:cs typeface="+mn-cs"/>
-              </a:rPr>
-              <a:t>c. Иначе множество FT = </a:t>
-            </a:r>
-            <a:r>
-              <a:rPr lang="ru-RU" sz="1200" kern="1200" dirty="0" err="1" smtClean="0">
-                <a:solidFill>
-                  <a:schemeClr val="tx1"/>
-                </a:solidFill>
-                <a:effectLst/>
-                <a:latin typeface="+mn-lt"/>
-                <a:ea typeface="+mn-ea"/>
-                <a:cs typeface="+mn-cs"/>
-              </a:rPr>
-              <a:t>Fi</a:t>
-            </a:r>
-            <a:r>
-              <a:rPr lang="ru-RU" sz="1200" kern="1200" dirty="0" smtClean="0">
-                <a:solidFill>
-                  <a:schemeClr val="tx1"/>
-                </a:solidFill>
-                <a:effectLst/>
-                <a:latin typeface="+mn-lt"/>
-                <a:ea typeface="+mn-ea"/>
-                <a:cs typeface="+mn-cs"/>
-              </a:rPr>
-              <a:t>.</a:t>
-            </a:r>
-          </a:p>
-          <a:p>
-            <a:r>
-              <a:rPr lang="ru-RU" sz="1200" kern="1200" dirty="0" smtClean="0">
-                <a:solidFill>
-                  <a:schemeClr val="tx1"/>
-                </a:solidFill>
-                <a:effectLst/>
-                <a:latin typeface="+mn-lt"/>
-                <a:ea typeface="+mn-ea"/>
-                <a:cs typeface="+mn-cs"/>
-              </a:rPr>
-              <a:t>4) FT – это сконструированное пространство признаков.</a:t>
-            </a:r>
-          </a:p>
-          <a:p>
-            <a:endParaRPr lang="ru-RU" dirty="0"/>
+              <a:t>Цель – нахождение и отработка методики построения признаков для решения задачи классификации.</a:t>
+            </a:r>
           </a:p>
         </p:txBody>
       </p:sp>
@@ -1973,7 +2053,7 @@
           <a:p>
             <a:fld id="{067F537F-45F3-8142-965F-E742B23B0064}" type="slidenum">
               <a:rPr lang="ru-RU" smtClean="0"/>
-              <a:t>9</a:t>
+              <a:t>6</a:t>
             </a:fld>
             <a:endParaRPr lang="ru-RU"/>
           </a:p>
@@ -1982,7 +2062,7 @@
     </p:spTree>
     <p:extLst>
       <p:ext uri="{BB962C8B-B14F-4D97-AF65-F5344CB8AC3E}">
-        <p14:creationId xmlns:p14="http://schemas.microsoft.com/office/powerpoint/2010/main" val="3324260502"/>
+        <p14:creationId xmlns:p14="http://schemas.microsoft.com/office/powerpoint/2010/main" val="4073162046"/>
       </p:ext>
     </p:extLst>
   </p:cSld>
@@ -2046,10 +2126,13 @@
                 <a:ea typeface="+mn-ea"/>
                 <a:cs typeface="+mn-cs"/>
               </a:rPr>
-              <a:t>Аналоги. Для автоматического построение признаков можно использовать деревья решений, индуктивное логическое программирование, аннотации и генетическое программирование. Деревья решений обладают гибкой настройкой операторов, но не учитывают взаимодействия и отношения признаков, а также не имеют возможности добавления дополнительных знаний. В то же время ИЛП и аннотации удовлетворяют последним двум критериям, но не позволяют настраивать свои операторы. </a:t>
-            </a:r>
-            <a:r>
-              <a:rPr lang="ru-RU" sz="1200" kern="1200" smtClean="0">
+              <a:t>Для достижения поставленной цели необходимо выполнить следующие задачи:</a:t>
+            </a:r>
+          </a:p>
+          <a:p>
+            <a:pPr lvl="0"/>
+            <a:r>
+              <a:rPr lang="ru-RU" sz="1200" kern="1200" dirty="0" smtClean="0">
                 <a:solidFill>
                   <a:schemeClr val="tx1"/>
                 </a:solidFill>
@@ -2058,17 +2141,71 @@
                 <a:ea typeface="+mn-ea"/>
                 <a:cs typeface="+mn-cs"/>
               </a:rPr>
-              <a:t>Поэтому было выбрано генетическое программирование.</a:t>
-            </a:r>
-            <a:endParaRPr lang="ru-RU" sz="1200" kern="1200">
-              <a:solidFill>
-                <a:schemeClr val="tx1"/>
-              </a:solidFill>
-              <a:effectLst/>
-              <a:latin typeface="+mn-lt"/>
-              <a:ea typeface="+mn-ea"/>
-              <a:cs typeface="+mn-cs"/>
-            </a:endParaRPr>
+              <a:t>изучить соответствующую литературу;</a:t>
+            </a:r>
+          </a:p>
+          <a:p>
+            <a:pPr lvl="0"/>
+            <a:r>
+              <a:rPr lang="ru-RU" sz="1200" kern="1200" dirty="0" smtClean="0">
+                <a:solidFill>
+                  <a:schemeClr val="tx1"/>
+                </a:solidFill>
+                <a:effectLst/>
+                <a:latin typeface="+mn-lt"/>
+                <a:ea typeface="+mn-ea"/>
+                <a:cs typeface="+mn-cs"/>
+              </a:rPr>
+              <a:t>разработать алгоритм построения признаков;</a:t>
+            </a:r>
+          </a:p>
+          <a:p>
+            <a:pPr lvl="0"/>
+            <a:r>
+              <a:rPr lang="ru-RU" sz="1200" kern="1200" dirty="0" smtClean="0">
+                <a:solidFill>
+                  <a:schemeClr val="tx1"/>
+                </a:solidFill>
+                <a:effectLst/>
+                <a:latin typeface="+mn-lt"/>
+                <a:ea typeface="+mn-ea"/>
+                <a:cs typeface="+mn-cs"/>
+              </a:rPr>
+              <a:t>И реализовать программу по данному алгоритму;</a:t>
+            </a:r>
+          </a:p>
+          <a:p>
+            <a:pPr lvl="0"/>
+            <a:r>
+              <a:rPr lang="ru-RU" sz="1200" kern="1200" dirty="0" smtClean="0">
+                <a:solidFill>
+                  <a:schemeClr val="tx1"/>
+                </a:solidFill>
+                <a:effectLst/>
+                <a:latin typeface="+mn-lt"/>
+                <a:ea typeface="+mn-ea"/>
+                <a:cs typeface="+mn-cs"/>
+              </a:rPr>
+              <a:t>оценить эффективность работы алгоритма и сравнить с результатами классификации без построения признаков;</a:t>
+            </a:r>
+          </a:p>
+          <a:p>
+            <a:pPr lvl="0"/>
+            <a:r>
+              <a:rPr lang="ru-RU" sz="1200" kern="1200" dirty="0" smtClean="0">
+                <a:solidFill>
+                  <a:schemeClr val="tx1"/>
+                </a:solidFill>
+                <a:effectLst/>
+                <a:latin typeface="+mn-lt"/>
+                <a:ea typeface="+mn-ea"/>
+                <a:cs typeface="+mn-cs"/>
+              </a:rPr>
+              <a:t>обобщить полученные результаты и сделать соответствующие выводы.</a:t>
+            </a:r>
+          </a:p>
+          <a:p>
+            <a:endParaRPr lang="ru-RU" dirty="0"/>
           </a:p>
         </p:txBody>
       </p:sp>
@@ -2089,7 +2226,7 @@
           <a:p>
             <a:fld id="{067F537F-45F3-8142-965F-E742B23B0064}" type="slidenum">
               <a:rPr lang="ru-RU" smtClean="0"/>
-              <a:t>10</a:t>
+              <a:t>7</a:t>
             </a:fld>
             <a:endParaRPr lang="ru-RU"/>
           </a:p>
@@ -2098,7 +2235,7 @@
     </p:spTree>
     <p:extLst>
       <p:ext uri="{BB962C8B-B14F-4D97-AF65-F5344CB8AC3E}">
-        <p14:creationId xmlns:p14="http://schemas.microsoft.com/office/powerpoint/2010/main" val="1128376069"/>
+        <p14:creationId xmlns:p14="http://schemas.microsoft.com/office/powerpoint/2010/main" val="1185179588"/>
       </p:ext>
     </p:extLst>
   </p:cSld>
@@ -2152,6 +2289,23 @@
           <a:bodyPr/>
           <a:lstStyle/>
           <a:p>
+            <a:pPr marL="0" marR="0" lvl="0" indent="0" algn="l" defTabSz="914400" rtl="0" eaLnBrk="1" fontAlgn="auto" latinLnBrk="0" hangingPunct="1">
+              <a:lnSpc>
+                <a:spcPct val="100000"/>
+              </a:lnSpc>
+              <a:spcBef>
+                <a:spcPts val="0"/>
+              </a:spcBef>
+              <a:spcAft>
+                <a:spcPts val="0"/>
+              </a:spcAft>
+              <a:buClrTx/>
+              <a:buSzTx/>
+              <a:buFontTx/>
+              <a:buNone/>
+              <a:tabLst/>
+              <a:defRPr/>
+            </a:pPr>
             <a:r>
               <a:rPr lang="ru-RU" sz="1200" kern="1200" dirty="0" smtClean="0">
                 <a:solidFill>
@@ -2162,19 +2316,7 @@
                 <a:ea typeface="+mn-ea"/>
                 <a:cs typeface="+mn-cs"/>
               </a:rPr>
-              <a:t>Данный </a:t>
-            </a:r>
-            <a:r>
-              <a:rPr lang="ru-RU" sz="1200" kern="1200" dirty="0" smtClean="0">
-                <a:solidFill>
-                  <a:schemeClr val="tx1"/>
-                </a:solidFill>
-                <a:effectLst/>
-                <a:latin typeface="+mn-lt"/>
-                <a:ea typeface="+mn-ea"/>
-                <a:cs typeface="+mn-cs"/>
-              </a:rPr>
-              <a:t>метод основывается на принципах биологической эволюции: естественный отбор, скрещивание и мутация.</a:t>
+              <a:t>Классификация заключается в прогнозировании значения категориального атрибута (класса) на основе значений признаков объекта при известном множестве обучающих примеров.</a:t>
             </a:r>
           </a:p>
           <a:p>
@@ -2199,7 +2341,7 @@
           <a:p>
             <a:fld id="{067F537F-45F3-8142-965F-E742B23B0064}" type="slidenum">
               <a:rPr lang="ru-RU" smtClean="0"/>
-              <a:t>11</a:t>
+              <a:t>8</a:t>
             </a:fld>
             <a:endParaRPr lang="ru-RU"/>
           </a:p>
@@ -2208,7 +2350,7 @@
     </p:spTree>
     <p:extLst>
       <p:ext uri="{BB962C8B-B14F-4D97-AF65-F5344CB8AC3E}">
-        <p14:creationId xmlns:p14="http://schemas.microsoft.com/office/powerpoint/2010/main" val="1850196944"/>
+        <p14:creationId xmlns:p14="http://schemas.microsoft.com/office/powerpoint/2010/main" val="3309953773"/>
       </p:ext>
     </p:extLst>
   </p:cSld>
@@ -2262,23 +2404,6 @@
           <a:bodyPr/>
           <a:lstStyle/>
           <a:p>
-            <a:pPr marL="0" marR="0" lvl="0" indent="0" algn="l" defTabSz="914400" rtl="0" eaLnBrk="1" fontAlgn="auto" latinLnBrk="0" hangingPunct="1">
-              <a:lnSpc>
-                <a:spcPct val="100000"/>
-              </a:lnSpc>
-              <a:spcBef>
-                <a:spcPts val="0"/>
-              </a:spcBef>
-              <a:spcAft>
-                <a:spcPts val="0"/>
-              </a:spcAft>
-              <a:buClrTx/>
-              <a:buSzTx/>
-              <a:buFontTx/>
-              <a:buNone/>
-              <a:tabLst/>
-              <a:defRPr/>
-            </a:pPr>
             <a:r>
               <a:rPr lang="ru-RU" sz="1200" kern="1200" dirty="0" smtClean="0">
                 <a:solidFill>
@@ -2289,7 +2414,211 @@
                 <a:ea typeface="+mn-ea"/>
                 <a:cs typeface="+mn-cs"/>
               </a:rPr>
-              <a:t>В качестве популяции будут выступать леса – наборы признаков. Каждое дерево леса представляет собой один сконструированный признак, состоящий из функций, исходных признаков и констант.</a:t>
+              <a:t>Концептуально любой метод построения признака можно рассматривать как выполнение следующих действий:</a:t>
+            </a:r>
+          </a:p>
+          <a:p>
+            <a:r>
+              <a:rPr lang="ru-RU" sz="1200" kern="1200" dirty="0" smtClean="0">
+                <a:solidFill>
+                  <a:schemeClr val="tx1"/>
+                </a:solidFill>
+                <a:effectLst/>
+                <a:latin typeface="+mn-lt"/>
+                <a:ea typeface="+mn-ea"/>
+                <a:cs typeface="+mn-cs"/>
+              </a:rPr>
+              <a:t>1) Выбор начального пространства признаков F0.</a:t>
+            </a:r>
+          </a:p>
+          <a:p>
+            <a:r>
+              <a:rPr lang="ru-RU" sz="1200" kern="1200" dirty="0" smtClean="0">
+                <a:solidFill>
+                  <a:schemeClr val="tx1"/>
+                </a:solidFill>
+                <a:effectLst/>
+                <a:latin typeface="+mn-lt"/>
+                <a:ea typeface="+mn-ea"/>
+                <a:cs typeface="+mn-cs"/>
+              </a:rPr>
+              <a:t>2) Преобразование F0 для построения нового пространства признаков FN </a:t>
+            </a:r>
+          </a:p>
+          <a:p>
+            <a:r>
+              <a:rPr lang="ru-RU" sz="1200" kern="1200" dirty="0" smtClean="0">
+                <a:solidFill>
+                  <a:schemeClr val="tx1"/>
+                </a:solidFill>
+                <a:effectLst/>
+                <a:latin typeface="+mn-lt"/>
+                <a:ea typeface="+mn-ea"/>
+                <a:cs typeface="+mn-cs"/>
+              </a:rPr>
+              <a:t>3) Выбор подмножества признаков </a:t>
+            </a:r>
+            <a:r>
+              <a:rPr lang="ru-RU" sz="1200" kern="1200" dirty="0" err="1" smtClean="0">
+                <a:solidFill>
+                  <a:schemeClr val="tx1"/>
+                </a:solidFill>
+                <a:effectLst/>
+                <a:latin typeface="+mn-lt"/>
+                <a:ea typeface="+mn-ea"/>
+                <a:cs typeface="+mn-cs"/>
+              </a:rPr>
+              <a:t>Fi</a:t>
+            </a:r>
+            <a:r>
+              <a:rPr lang="ru-RU" sz="1200" kern="1200" dirty="0" smtClean="0">
+                <a:solidFill>
+                  <a:schemeClr val="tx1"/>
+                </a:solidFill>
+                <a:effectLst/>
+                <a:latin typeface="+mn-lt"/>
+                <a:ea typeface="+mn-ea"/>
+                <a:cs typeface="+mn-cs"/>
+              </a:rPr>
+              <a:t> из FN </a:t>
+            </a:r>
+            <a:r>
+              <a:rPr lang="ru-RU" sz="1200" kern="1200" baseline="0" dirty="0" smtClean="0">
+                <a:solidFill>
+                  <a:schemeClr val="tx1"/>
+                </a:solidFill>
+                <a:effectLst/>
+                <a:latin typeface="+mn-lt"/>
+                <a:ea typeface="+mn-ea"/>
+                <a:cs typeface="+mn-cs"/>
+              </a:rPr>
+              <a:t>на основании</a:t>
+            </a:r>
+            <a:r>
+              <a:rPr lang="ru-RU" sz="1200" kern="1200" dirty="0" smtClean="0">
+                <a:solidFill>
+                  <a:schemeClr val="tx1"/>
+                </a:solidFill>
+                <a:effectLst/>
+                <a:latin typeface="+mn-lt"/>
+                <a:ea typeface="+mn-ea"/>
+                <a:cs typeface="+mn-cs"/>
+              </a:rPr>
+              <a:t> определения полезности </a:t>
+            </a:r>
+            <a:r>
+              <a:rPr lang="ru-RU" sz="1200" kern="1200" dirty="0" err="1" smtClean="0">
+                <a:solidFill>
+                  <a:schemeClr val="tx1"/>
+                </a:solidFill>
+                <a:effectLst/>
+                <a:latin typeface="+mn-lt"/>
+                <a:ea typeface="+mn-ea"/>
+                <a:cs typeface="+mn-cs"/>
+              </a:rPr>
+              <a:t>Fi</a:t>
+            </a:r>
+            <a:r>
+              <a:rPr lang="ru-RU" sz="1200" kern="1200" dirty="0" smtClean="0">
+                <a:solidFill>
+                  <a:schemeClr val="tx1"/>
+                </a:solidFill>
+                <a:effectLst/>
+                <a:latin typeface="+mn-lt"/>
+                <a:ea typeface="+mn-ea"/>
+                <a:cs typeface="+mn-cs"/>
+              </a:rPr>
+              <a:t> для задачи классификации.</a:t>
+            </a:r>
+          </a:p>
+          <a:p>
+            <a:r>
+              <a:rPr lang="ru-RU" sz="1200" kern="1200" dirty="0" smtClean="0">
+                <a:solidFill>
+                  <a:schemeClr val="tx1"/>
+                </a:solidFill>
+                <a:effectLst/>
+                <a:latin typeface="+mn-lt"/>
+                <a:ea typeface="+mn-ea"/>
+                <a:cs typeface="+mn-cs"/>
+              </a:rPr>
+              <a:t>b. Если некоторые критерии завершения не достигнуты,</a:t>
+            </a:r>
+            <a:r>
+              <a:rPr lang="ru-RU" sz="1200" kern="1200" baseline="0" dirty="0" smtClean="0">
+                <a:solidFill>
+                  <a:schemeClr val="tx1"/>
+                </a:solidFill>
+                <a:effectLst/>
+                <a:latin typeface="+mn-lt"/>
+                <a:ea typeface="+mn-ea"/>
+                <a:cs typeface="+mn-cs"/>
+              </a:rPr>
+              <a:t> то возвращаемся</a:t>
+            </a:r>
+            <a:r>
+              <a:rPr lang="ru-RU" sz="1200" kern="1200" dirty="0" smtClean="0">
+                <a:solidFill>
+                  <a:schemeClr val="tx1"/>
+                </a:solidFill>
+                <a:effectLst/>
+                <a:latin typeface="+mn-lt"/>
+                <a:ea typeface="+mn-ea"/>
+                <a:cs typeface="+mn-cs"/>
+              </a:rPr>
+              <a:t> к шагу 3.</a:t>
+            </a:r>
+          </a:p>
+          <a:p>
+            <a:r>
+              <a:rPr lang="ru-RU" sz="1200" kern="1200" dirty="0" smtClean="0">
+                <a:solidFill>
+                  <a:schemeClr val="tx1"/>
+                </a:solidFill>
+                <a:effectLst/>
+                <a:latin typeface="+mn-lt"/>
+                <a:ea typeface="+mn-ea"/>
+                <a:cs typeface="+mn-cs"/>
+              </a:rPr>
+              <a:t>c. Иначе множество FT = </a:t>
+            </a:r>
+            <a:r>
+              <a:rPr lang="ru-RU" sz="1200" kern="1200" dirty="0" err="1" smtClean="0">
+                <a:solidFill>
+                  <a:schemeClr val="tx1"/>
+                </a:solidFill>
+                <a:effectLst/>
+                <a:latin typeface="+mn-lt"/>
+                <a:ea typeface="+mn-ea"/>
+                <a:cs typeface="+mn-cs"/>
+              </a:rPr>
+              <a:t>Fi</a:t>
+            </a:r>
+            <a:r>
+              <a:rPr lang="ru-RU" sz="1200" kern="1200" dirty="0" smtClean="0">
+                <a:solidFill>
+                  <a:schemeClr val="tx1"/>
+                </a:solidFill>
+                <a:effectLst/>
+                <a:latin typeface="+mn-lt"/>
+                <a:ea typeface="+mn-ea"/>
+                <a:cs typeface="+mn-cs"/>
+              </a:rPr>
+              <a:t>.</a:t>
+            </a:r>
+          </a:p>
+          <a:p>
+            <a:r>
+              <a:rPr lang="ru-RU" sz="1200" kern="1200" dirty="0" smtClean="0">
+                <a:solidFill>
+                  <a:schemeClr val="tx1"/>
+                </a:solidFill>
+                <a:effectLst/>
+                <a:latin typeface="+mn-lt"/>
+                <a:ea typeface="+mn-ea"/>
+                <a:cs typeface="+mn-cs"/>
+              </a:rPr>
+              <a:t>4) FT – это сконструированное пространство признаков.</a:t>
             </a:r>
           </a:p>
           <a:p>
@@ -2314,7 +2643,7 @@
           <a:p>
             <a:fld id="{067F537F-45F3-8142-965F-E742B23B0064}" type="slidenum">
               <a:rPr lang="ru-RU" smtClean="0"/>
-              <a:t>12</a:t>
+              <a:t>9</a:t>
             </a:fld>
             <a:endParaRPr lang="ru-RU"/>
           </a:p>
@@ -2323,7 +2652,7 @@
     </p:spTree>
     <p:extLst>
       <p:ext uri="{BB962C8B-B14F-4D97-AF65-F5344CB8AC3E}">
-        <p14:creationId xmlns:p14="http://schemas.microsoft.com/office/powerpoint/2010/main" val="1075396099"/>
+        <p14:creationId xmlns:p14="http://schemas.microsoft.com/office/powerpoint/2010/main" val="3324260502"/>
       </p:ext>
     </p:extLst>
   </p:cSld>
@@ -2563,7 +2892,7 @@
           <a:p>
             <a:fld id="{3A437E1B-BF00-41EC-9089-A3D2CF1C3BF5}" type="datetimeFigureOut">
               <a:rPr lang="ru-RU" smtClean="0"/>
-              <a:t>06.06.2017</a:t>
+              <a:t>07.06.17</a:t>
             </a:fld>
             <a:endParaRPr lang="ru-RU" dirty="0"/>
           </a:p>
@@ -2776,7 +3105,7 @@
           <a:p>
             <a:fld id="{3A437E1B-BF00-41EC-9089-A3D2CF1C3BF5}" type="datetimeFigureOut">
               <a:rPr lang="ru-RU" smtClean="0"/>
-              <a:t>06.06.2017</a:t>
+              <a:t>07.06.17</a:t>
             </a:fld>
             <a:endParaRPr lang="ru-RU" dirty="0"/>
           </a:p>
@@ -2951,7 +3280,7 @@
           <a:p>
             <a:fld id="{3A437E1B-BF00-41EC-9089-A3D2CF1C3BF5}" type="datetimeFigureOut">
               <a:rPr lang="ru-RU" smtClean="0"/>
-              <a:t>06.06.2017</a:t>
+              <a:t>07.06.17</a:t>
             </a:fld>
             <a:endParaRPr lang="ru-RU" dirty="0"/>
           </a:p>
@@ -3116,7 +3445,7 @@
           <a:p>
             <a:fld id="{3A437E1B-BF00-41EC-9089-A3D2CF1C3BF5}" type="datetimeFigureOut">
               <a:rPr lang="ru-RU" smtClean="0"/>
-              <a:t>06.06.2017</a:t>
+              <a:t>07.06.17</a:t>
             </a:fld>
             <a:endParaRPr lang="ru-RU" dirty="0"/>
           </a:p>
@@ -3400,7 +3729,7 @@
           <a:p>
             <a:fld id="{3A437E1B-BF00-41EC-9089-A3D2CF1C3BF5}" type="datetimeFigureOut">
               <a:rPr lang="ru-RU" smtClean="0"/>
-              <a:t>06.06.2017</a:t>
+              <a:t>07.06.17</a:t>
             </a:fld>
             <a:endParaRPr lang="ru-RU" dirty="0"/>
           </a:p>
@@ -3726,7 +4055,7 @@
           <a:p>
             <a:fld id="{3A437E1B-BF00-41EC-9089-A3D2CF1C3BF5}" type="datetimeFigureOut">
               <a:rPr lang="ru-RU" smtClean="0"/>
-              <a:t>06.06.2017</a:t>
+              <a:t>07.06.17</a:t>
             </a:fld>
             <a:endParaRPr lang="ru-RU" dirty="0"/>
           </a:p>
@@ -4151,7 +4480,7 @@
           <a:p>
             <a:fld id="{3A437E1B-BF00-41EC-9089-A3D2CF1C3BF5}" type="datetimeFigureOut">
               <a:rPr lang="ru-RU" smtClean="0"/>
-              <a:t>06.06.2017</a:t>
+              <a:t>07.06.17</a:t>
             </a:fld>
             <a:endParaRPr lang="ru-RU" dirty="0"/>
           </a:p>
@@ -4324,7 +4653,7 @@
           <a:p>
             <a:fld id="{3A437E1B-BF00-41EC-9089-A3D2CF1C3BF5}" type="datetimeFigureOut">
               <a:rPr lang="ru-RU" smtClean="0"/>
-              <a:t>06.06.2017</a:t>
+              <a:t>07.06.17</a:t>
             </a:fld>
             <a:endParaRPr lang="ru-RU" dirty="0"/>
           </a:p>
@@ -4414,7 +4743,7 @@
           <a:p>
             <a:fld id="{3A437E1B-BF00-41EC-9089-A3D2CF1C3BF5}" type="datetimeFigureOut">
               <a:rPr lang="ru-RU" smtClean="0"/>
-              <a:t>06.06.2017</a:t>
+              <a:t>07.06.17</a:t>
             </a:fld>
             <a:endParaRPr lang="ru-RU" dirty="0"/>
           </a:p>
@@ -4694,7 +5023,7 @@
           <a:p>
             <a:fld id="{3A437E1B-BF00-41EC-9089-A3D2CF1C3BF5}" type="datetimeFigureOut">
               <a:rPr lang="ru-RU" smtClean="0"/>
-              <a:t>06.06.2017</a:t>
+              <a:t>07.06.17</a:t>
             </a:fld>
             <a:endParaRPr lang="ru-RU" dirty="0"/>
           </a:p>
@@ -4993,7 +5322,7 @@
           <a:p>
             <a:fld id="{3A437E1B-BF00-41EC-9089-A3D2CF1C3BF5}" type="datetimeFigureOut">
               <a:rPr lang="ru-RU" smtClean="0"/>
-              <a:t>06.06.2017</a:t>
+              <a:t>07.06.17</a:t>
             </a:fld>
             <a:endParaRPr lang="ru-RU" dirty="0"/>
           </a:p>
@@ -5203,7 +5532,7 @@
           <a:p>
             <a:fld id="{3A437E1B-BF00-41EC-9089-A3D2CF1C3BF5}" type="datetimeFigureOut">
               <a:rPr lang="ru-RU" smtClean="0"/>
-              <a:t>06.06.2017</a:t>
+              <a:t>07.06.17</a:t>
             </a:fld>
             <a:endParaRPr lang="ru-RU" dirty="0"/>
           </a:p>
@@ -5922,8 +6251,8 @@
         </p:nvSpPr>
         <p:spPr>
           <a:xfrm>
-            <a:off x="1259632" y="22776"/>
-            <a:ext cx="6781800" cy="1600200"/>
+            <a:off x="1259632" y="-27384"/>
+            <a:ext cx="6781800" cy="1440160"/>
           </a:xfrm>
         </p:spPr>
         <p:txBody>
@@ -5949,14 +6278,14 @@
             <p:ph idx="1"/>
             <p:extLst>
               <p:ext uri="{D42A27DB-BD31-4B8C-83A1-F6EECF244321}">
-                <p14:modId xmlns:p14="http://schemas.microsoft.com/office/powerpoint/2010/main" val="3311230309"/>
+                <p14:modId xmlns:p14="http://schemas.microsoft.com/office/powerpoint/2010/main" val="1767714579"/>
               </p:ext>
             </p:extLst>
           </p:nvPr>
         </p:nvGraphicFramePr>
         <p:xfrm>
-          <a:off x="-1" y="1622976"/>
-          <a:ext cx="9144000" cy="5658285"/>
+          <a:off x="-1" y="1622977"/>
+          <a:ext cx="9144000" cy="5190398"/>
         </p:xfrm>
         <a:graphic>
           <a:graphicData uri="http://schemas.openxmlformats.org/drawingml/2006/table">
@@ -5970,7 +6299,7 @@
                 <a:gridCol w="2160240"/>
                 <a:gridCol w="2339751"/>
               </a:tblGrid>
-              <a:tr h="1085944">
+              <a:tr h="1585092">
                 <a:tc>
                   <a:txBody>
                     <a:bodyPr/>
@@ -6056,7 +6385,7 @@
                   <a:tcPr anchor="ctr"/>
                 </a:tc>
               </a:tr>
-              <a:tr h="1144602">
+              <a:tr h="1087808">
                 <a:tc>
                   <a:txBody>
                     <a:bodyPr/>
@@ -6149,7 +6478,7 @@
                   <a:tcPr anchor="ctr"/>
                 </a:tc>
               </a:tr>
-              <a:tr h="986401">
+              <a:tr h="839166">
                 <a:tc>
                   <a:txBody>
                     <a:bodyPr/>
@@ -6235,7 +6564,7 @@
                   <a:tcPr anchor="ctr"/>
                 </a:tc>
               </a:tr>
-              <a:tr h="986401">
+              <a:tr h="839166">
                 <a:tc>
                   <a:txBody>
                     <a:bodyPr/>
@@ -6321,7 +6650,7 @@
                   <a:tcPr anchor="ctr"/>
                 </a:tc>
               </a:tr>
-              <a:tr h="986401">
+              <a:tr h="839166">
                 <a:tc>
                   <a:txBody>
                     <a:bodyPr/>
@@ -7715,7 +8044,7 @@
                       <m:sSubPr>
                         <m:ctrlPr>
                           <a:rPr lang="en-US" sz="4800" i="1" smtClean="0">
-                            <a:latin typeface="Cambria Math" panose="02040503050406030204" pitchFamily="18" charset="0"/>
+                            <a:latin typeface="Cambria Math" charset="0"/>
                             <a:cs typeface="Arial" panose="020B0604020202020204" pitchFamily="34" charset="0"/>
                           </a:rPr>
                         </m:ctrlPr>
@@ -7764,7 +8093,7 @@
                       <m:sSubPr>
                         <m:ctrlPr>
                           <a:rPr lang="ru-RU" sz="4800" i="1" smtClean="0">
-                            <a:latin typeface="Cambria Math" panose="02040503050406030204" pitchFamily="18" charset="0"/>
+                            <a:latin typeface="Cambria Math" charset="0"/>
                             <a:cs typeface="Arial" panose="020B0604020202020204" pitchFamily="34" charset="0"/>
                           </a:rPr>
                         </m:ctrlPr>
@@ -7845,7 +8174,7 @@
                           </m:mcs>
                           <m:ctrlPr>
                             <a:rPr lang="ru-RU" sz="4800" i="1">
-                              <a:latin typeface="Cambria Math" panose="02040503050406030204" pitchFamily="18" charset="0"/>
+                              <a:latin typeface="Cambria Math" charset="0"/>
                               <a:cs typeface="Arial" panose="020B0604020202020204" pitchFamily="34" charset="0"/>
                             </a:rPr>
                           </m:ctrlPr>
@@ -7866,7 +8195,7 @@
                               <m:sSubPr>
                                 <m:ctrlPr>
                                   <a:rPr lang="ru-RU" sz="4800" i="1">
-                                    <a:latin typeface="Cambria Math" panose="02040503050406030204" pitchFamily="18" charset="0"/>
+                                    <a:latin typeface="Cambria Math" charset="0"/>
                                     <a:cs typeface="Arial" panose="020B0604020202020204" pitchFamily="34" charset="0"/>
                                   </a:rPr>
                                 </m:ctrlPr>
@@ -7904,7 +8233,7 @@
                               <m:sSubPr>
                                 <m:ctrlPr>
                                   <a:rPr lang="en-US" sz="4800" i="1">
-                                    <a:latin typeface="Cambria Math" panose="02040503050406030204" pitchFamily="18" charset="0"/>
+                                    <a:latin typeface="Cambria Math" charset="0"/>
                                     <a:cs typeface="Arial" panose="020B0604020202020204" pitchFamily="34" charset="0"/>
                                   </a:rPr>
                                 </m:ctrlPr>
@@ -7949,7 +8278,7 @@
                               <m:sSubPr>
                                 <m:ctrlPr>
                                   <a:rPr lang="en-US" sz="4800" i="1">
-                                    <a:latin typeface="Cambria Math" panose="02040503050406030204" pitchFamily="18" charset="0"/>
+                                    <a:latin typeface="Cambria Math" charset="0"/>
                                     <a:cs typeface="Arial" panose="020B0604020202020204" pitchFamily="34" charset="0"/>
                                   </a:rPr>
                                 </m:ctrlPr>
@@ -7994,7 +8323,7 @@
                               <m:sSubPr>
                                 <m:ctrlPr>
                                   <a:rPr lang="en-US" sz="4800" i="1">
-                                    <a:latin typeface="Cambria Math" panose="02040503050406030204" pitchFamily="18" charset="0"/>
+                                    <a:latin typeface="Cambria Math" charset="0"/>
                                     <a:cs typeface="Arial" panose="020B0604020202020204" pitchFamily="34" charset="0"/>
                                   </a:rPr>
                                 </m:ctrlPr>
@@ -8054,7 +8383,7 @@
                               <m:sSubPr>
                                 <m:ctrlPr>
                                   <a:rPr lang="ru-RU" sz="4800" i="1">
-                                    <a:latin typeface="Cambria Math" panose="02040503050406030204" pitchFamily="18" charset="0"/>
+                                    <a:latin typeface="Cambria Math" charset="0"/>
                                     <a:cs typeface="Arial" panose="020B0604020202020204" pitchFamily="34" charset="0"/>
                                   </a:rPr>
                                 </m:ctrlPr>
@@ -8099,7 +8428,7 @@
                               <m:sSubPr>
                                 <m:ctrlPr>
                                   <a:rPr lang="en-US" sz="4800" i="1">
-                                    <a:latin typeface="Cambria Math" panose="02040503050406030204" pitchFamily="18" charset="0"/>
+                                    <a:latin typeface="Cambria Math" charset="0"/>
                                     <a:cs typeface="Arial" panose="020B0604020202020204" pitchFamily="34" charset="0"/>
                                   </a:rPr>
                                 </m:ctrlPr>
@@ -8151,7 +8480,7 @@
                               <m:sSubPr>
                                 <m:ctrlPr>
                                   <a:rPr lang="en-US" sz="4800" i="1">
-                                    <a:latin typeface="Cambria Math" panose="02040503050406030204" pitchFamily="18" charset="0"/>
+                                    <a:latin typeface="Cambria Math" charset="0"/>
                                     <a:cs typeface="Arial" panose="020B0604020202020204" pitchFamily="34" charset="0"/>
                                   </a:rPr>
                                 </m:ctrlPr>
@@ -8189,7 +8518,7 @@
                               <m:sSubPr>
                                 <m:ctrlPr>
                                   <a:rPr lang="en-US" sz="4800" i="1">
-                                    <a:latin typeface="Cambria Math" panose="02040503050406030204" pitchFamily="18" charset="0"/>
+                                    <a:latin typeface="Cambria Math" charset="0"/>
                                     <a:cs typeface="Arial" panose="020B0604020202020204" pitchFamily="34" charset="0"/>
                                   </a:rPr>
                                 </m:ctrlPr>
@@ -8470,8 +8799,8 @@
         </p:nvSpPr>
         <p:spPr>
           <a:xfrm>
-            <a:off x="395536" y="2564904"/>
-            <a:ext cx="4813592" cy="3670176"/>
+            <a:off x="251520" y="2924944"/>
+            <a:ext cx="4957608" cy="3364632"/>
           </a:xfrm>
         </p:spPr>
         <p:txBody>
@@ -8481,17 +8810,46 @@
           <a:lstStyle/>
           <a:p>
             <a:r>
-              <a:rPr lang="ru-RU" sz="3600" dirty="0" smtClean="0">
+              <a:rPr lang="ru-RU" sz="3200" dirty="0" smtClean="0">
                 <a:latin typeface="Arial" panose="020B0604020202020204" pitchFamily="34" charset="0"/>
                 <a:ea typeface="Cambria Math" panose="02040503050406030204" pitchFamily="18" charset="0"/>
                 <a:cs typeface="Arial" panose="020B0604020202020204" pitchFamily="34" charset="0"/>
               </a:rPr>
-              <a:t>Обучающая и тестовая выборки медицинских изображений.</a:t>
-            </a:r>
-          </a:p>
-          <a:p>
-            <a:r>
-              <a:rPr lang="ru-RU" sz="3600" dirty="0" smtClean="0">
+              <a:t>Обучающая и тестовая выборки медицинских </a:t>
+            </a:r>
+            <a:r>
+              <a:rPr lang="ru-RU" sz="3200" dirty="0" smtClean="0">
+                <a:latin typeface="Arial" panose="020B0604020202020204" pitchFamily="34" charset="0"/>
+                <a:ea typeface="Cambria Math" panose="02040503050406030204" pitchFamily="18" charset="0"/>
+                <a:cs typeface="Arial" panose="020B0604020202020204" pitchFamily="34" charset="0"/>
+              </a:rPr>
+              <a:t>изображений из ресурса </a:t>
+            </a:r>
+            <a:r>
+              <a:rPr lang="en-US" sz="3200" dirty="0">
+                <a:latin typeface="Arial" panose="020B0604020202020204" pitchFamily="34" charset="0"/>
+                <a:ea typeface="Cambria Math" panose="02040503050406030204" pitchFamily="18" charset="0"/>
+                <a:cs typeface="Arial" panose="020B0604020202020204" pitchFamily="34" charset="0"/>
+              </a:rPr>
+              <a:t>LIDC-IDRI</a:t>
+            </a:r>
+            <a:r>
+              <a:rPr lang="ru-RU" sz="3200" dirty="0" smtClean="0">
+                <a:latin typeface="Arial" panose="020B0604020202020204" pitchFamily="34" charset="0"/>
+                <a:ea typeface="Cambria Math" panose="02040503050406030204" pitchFamily="18" charset="0"/>
+                <a:cs typeface="Arial" panose="020B0604020202020204" pitchFamily="34" charset="0"/>
+              </a:rPr>
+              <a:t>.</a:t>
+            </a:r>
+            <a:endParaRPr lang="ru-RU" sz="3200" dirty="0" smtClean="0">
+              <a:latin typeface="Arial" panose="020B0604020202020204" pitchFamily="34" charset="0"/>
+              <a:ea typeface="Cambria Math" panose="02040503050406030204" pitchFamily="18" charset="0"/>
+              <a:cs typeface="Arial" panose="020B0604020202020204" pitchFamily="34" charset="0"/>
+            </a:endParaRPr>
+          </a:p>
+          <a:p>
+            <a:r>
+              <a:rPr lang="ru-RU" sz="3200" dirty="0" smtClean="0">
                 <a:latin typeface="Arial" panose="020B0604020202020204" pitchFamily="34" charset="0"/>
                 <a:ea typeface="Cambria Math" panose="02040503050406030204" pitchFamily="18" charset="0"/>
                 <a:cs typeface="Arial" panose="020B0604020202020204" pitchFamily="34" charset="0"/>
@@ -8613,7 +8971,6 @@
               <a:rPr lang="ru-RU" dirty="0"/>
               <a:t>Данные эксперимента</a:t>
             </a:r>
-            <a:endParaRPr lang="ru-RU" dirty="0"/>
           </a:p>
         </p:txBody>
       </p:sp>
@@ -8630,7 +8987,7 @@
         <p:spPr>
           <a:xfrm>
             <a:off x="395536" y="1844824"/>
-            <a:ext cx="8352928" cy="3886200"/>
+            <a:ext cx="8064896" cy="3886200"/>
           </a:xfrm>
         </p:spPr>
         <p:txBody>
@@ -8639,7 +8996,6 @@
           </a:bodyPr>
           <a:lstStyle/>
           <a:p>
-            <a:pPr algn="just"/>
             <a:r>
               <a:rPr lang="ru-RU" sz="3600" dirty="0" smtClean="0">
                 <a:latin typeface="Arial" panose="020B0604020202020204" pitchFamily="34" charset="0"/>
@@ -8682,7 +9038,6 @@
             </a:r>
           </a:p>
           <a:p>
-            <a:pPr algn="just"/>
             <a:r>
               <a:rPr lang="ru-RU" sz="3600" dirty="0" smtClean="0">
                 <a:latin typeface="Arial" panose="020B0604020202020204" pitchFamily="34" charset="0"/>
@@ -8693,7 +9048,6 @@
             </a:r>
           </a:p>
           <a:p>
-            <a:pPr algn="just"/>
             <a:r>
               <a:rPr lang="ru-RU" sz="3600" dirty="0" smtClean="0">
                 <a:latin typeface="Arial" panose="020B0604020202020204" pitchFamily="34" charset="0"/>
@@ -9230,6 +9584,13 @@
   <p:clrMapOvr>
     <a:masterClrMapping/>
   </p:clrMapOvr>
+  <p:timing>
+    <p:tnLst>
+      <p:par>
+        <p:cTn id="1" dur="indefinite" restart="never" nodeType="tmRoot"/>
+      </p:par>
+    </p:tnLst>
+  </p:timing>
 </p:sld>
 </file>
 
@@ -9645,7 +10006,7 @@
           <a:p>
             <a:pPr algn="ctr"/>
             <a:r>
-              <a:rPr lang="ru-RU" smtClean="0"/>
+              <a:rPr lang="ru-RU" dirty="0" smtClean="0"/>
               <a:t>Проблема</a:t>
             </a:r>
             <a:endParaRPr lang="ru-RU" dirty="0"/>
@@ -9675,13 +10036,6 @@
           <a:lstStyle/>
           <a:p>
             <a:pPr algn="just"/>
-            <a:r>
-              <a:rPr lang="ru-RU" sz="4400" dirty="0">
-                <a:latin typeface="Arial" panose="020B0604020202020204" pitchFamily="34" charset="0"/>
-                <a:cs typeface="Arial" panose="020B0604020202020204" pitchFamily="34" charset="0"/>
-              </a:rPr>
-              <a:t>Проблема исследования: </a:t>
-            </a:r>
             <a:r>
               <a:rPr lang="ru-RU" sz="4400" dirty="0" smtClean="0">
                 <a:latin typeface="Arial" panose="020B0604020202020204" pitchFamily="34" charset="0"/>
@@ -9865,6 +10219,13 @@
   <p:clrMapOvr>
     <a:masterClrMapping/>
   </p:clrMapOvr>
+  <p:timing>
+    <p:tnLst>
+      <p:par>
+        <p:cTn id="1" dur="indefinite" restart="never" nodeType="tmRoot"/>
+      </p:par>
+    </p:tnLst>
+  </p:timing>
 </p:sld>
 </file>
 
@@ -10178,8 +10539,8 @@
           </a:p>
         </p:txBody>
       </p:sp>
-      <mc:AlternateContent xmlns:mc="http://schemas.openxmlformats.org/markup-compatibility/2006">
-        <mc:Choice xmlns:a14="http://schemas.microsoft.com/office/drawing/2010/main" Requires="a14">
+      <mc:AlternateContent xmlns:mc="http://schemas.openxmlformats.org/markup-compatibility/2006" xmlns:a14="http://schemas.microsoft.com/office/drawing/2010/main">
+        <mc:Choice Requires="a14">
           <p:sp>
             <p:nvSpPr>
               <p:cNvPr id="3" name="Объект 2"/>
@@ -10256,7 +10617,7 @@
                       <m:sSupPr>
                         <m:ctrlPr>
                           <a:rPr lang="en-US" sz="4000" i="1" smtClean="0">
-                            <a:latin typeface="Cambria Math" panose="02040503050406030204" pitchFamily="18" charset="0"/>
+                            <a:latin typeface="Cambria Math" charset="0"/>
                           </a:rPr>
                         </m:ctrlPr>
                       </m:sSupPr>
@@ -10287,7 +10648,7 @@
                       <m:dPr>
                         <m:ctrlPr>
                           <a:rPr lang="en-US" sz="4000" b="0" i="1" smtClean="0">
-                            <a:latin typeface="Cambria Math" panose="02040503050406030204" pitchFamily="18" charset="0"/>
+                            <a:latin typeface="Cambria Math" charset="0"/>
                           </a:rPr>
                         </m:ctrlPr>
                       </m:dPr>
@@ -10296,7 +10657,7 @@
                           <m:sSubPr>
                             <m:ctrlPr>
                               <a:rPr lang="en-US" sz="4000" b="0" i="1" smtClean="0">
-                                <a:latin typeface="Cambria Math" panose="02040503050406030204" pitchFamily="18" charset="0"/>
+                                <a:latin typeface="Cambria Math" charset="0"/>
                               </a:rPr>
                             </m:ctrlPr>
                           </m:sSubPr>
@@ -10327,7 +10688,7 @@
                           <m:sSubPr>
                             <m:ctrlPr>
                               <a:rPr lang="en-US" sz="4000" b="0" i="1" smtClean="0">
-                                <a:latin typeface="Cambria Math" panose="02040503050406030204" pitchFamily="18" charset="0"/>
+                                <a:latin typeface="Cambria Math" charset="0"/>
                               </a:rPr>
                             </m:ctrlPr>
                           </m:sSubPr>
@@ -10360,7 +10721,7 @@
                       <m:sSubPr>
                         <m:ctrlPr>
                           <a:rPr lang="en-US" sz="4000" b="0" i="1" smtClean="0">
-                            <a:latin typeface="Cambria Math" panose="02040503050406030204" pitchFamily="18" charset="0"/>
+                            <a:latin typeface="Cambria Math" charset="0"/>
                           </a:rPr>
                         </m:ctrlPr>
                       </m:sSubPr>
@@ -10391,7 +10752,7 @@
                       <m:sSubPr>
                         <m:ctrlPr>
                           <a:rPr lang="en-US" sz="4000" b="0" i="1" smtClean="0">
-                            <a:latin typeface="Cambria Math" panose="02040503050406030204" pitchFamily="18" charset="0"/>
+                            <a:latin typeface="Cambria Math" charset="0"/>
                           </a:rPr>
                         </m:ctrlPr>
                       </m:sSubPr>
@@ -10522,7 +10883,7 @@
             </p:txBody>
           </p:sp>
         </mc:Choice>
-        <mc:Fallback>
+        <mc:Fallback xmlns="">
           <p:sp>
             <p:nvSpPr>
               <p:cNvPr id="3" name="Объект 2"/>
@@ -10570,6 +10931,13 @@
   <p:clrMapOvr>
     <a:masterClrMapping/>
   </p:clrMapOvr>
+  <p:timing>
+    <p:tnLst>
+      <p:par>
+        <p:cTn id="1" dur="indefinite" restart="never" nodeType="tmRoot"/>
+      </p:par>
+    </p:tnLst>
+  </p:timing>
 </p:sld>
 </file>
 
@@ -10681,7 +11049,7 @@
                       <m:sSubPr>
                         <m:ctrlPr>
                           <a:rPr lang="ru-RU" sz="3600" i="1" smtClean="0">
-                            <a:latin typeface="Cambria Math" panose="02040503050406030204" pitchFamily="18" charset="0"/>
+                            <a:latin typeface="Cambria Math" charset="0"/>
                             <a:cs typeface="Arial" panose="020B0604020202020204" pitchFamily="34" charset="0"/>
                           </a:rPr>
                         </m:ctrlPr>
@@ -10754,7 +11122,7 @@
                       <m:sSubPr>
                         <m:ctrlPr>
                           <a:rPr lang="en-US" sz="3600" b="0" i="1" smtClean="0">
-                            <a:latin typeface="Cambria Math" panose="02040503050406030204" pitchFamily="18" charset="0"/>
+                            <a:latin typeface="Cambria Math" charset="0"/>
                             <a:cs typeface="Arial" panose="020B0604020202020204" pitchFamily="34" charset="0"/>
                           </a:rPr>
                         </m:ctrlPr>
@@ -10790,7 +11158,7 @@
                       <m:sSubPr>
                         <m:ctrlPr>
                           <a:rPr lang="en-US" sz="3600" b="0" i="1" smtClean="0">
-                            <a:latin typeface="Cambria Math" panose="02040503050406030204" pitchFamily="18" charset="0"/>
+                            <a:latin typeface="Cambria Math" charset="0"/>
                             <a:ea typeface="Cambria Math" panose="02040503050406030204" pitchFamily="18" charset="0"/>
                             <a:cs typeface="Arial" panose="020B0604020202020204" pitchFamily="34" charset="0"/>
                           </a:rPr>
@@ -10850,7 +11218,7 @@
                       <m:sSubPr>
                         <m:ctrlPr>
                           <a:rPr lang="ru-RU" sz="3600" i="1" smtClean="0">
-                            <a:latin typeface="Cambria Math" panose="02040503050406030204" pitchFamily="18" charset="0"/>
+                            <a:latin typeface="Cambria Math" charset="0"/>
                             <a:cs typeface="Arial" panose="020B0604020202020204" pitchFamily="34" charset="0"/>
                           </a:rPr>
                         </m:ctrlPr>
@@ -10886,7 +11254,7 @@
                       <m:sSubPr>
                         <m:ctrlPr>
                           <a:rPr lang="ru-RU" sz="3600" i="1" smtClean="0">
-                            <a:latin typeface="Cambria Math" panose="02040503050406030204" pitchFamily="18" charset="0"/>
+                            <a:latin typeface="Cambria Math" charset="0"/>
                             <a:ea typeface="Cambria Math" panose="02040503050406030204" pitchFamily="18" charset="0"/>
                             <a:cs typeface="Arial" panose="020B0604020202020204" pitchFamily="34" charset="0"/>
                           </a:rPr>
@@ -10947,7 +11315,7 @@
                       <m:sSubPr>
                         <m:ctrlPr>
                           <a:rPr lang="ru-RU" sz="3600" i="1" smtClean="0">
-                            <a:latin typeface="Cambria Math" panose="02040503050406030204" pitchFamily="18" charset="0"/>
+                            <a:latin typeface="Cambria Math" charset="0"/>
                             <a:cs typeface="Arial" panose="020B0604020202020204" pitchFamily="34" charset="0"/>
                           </a:rPr>
                         </m:ctrlPr>
@@ -10982,7 +11350,7 @@
                       <m:sSubPr>
                         <m:ctrlPr>
                           <a:rPr lang="en-US" sz="3600" b="0" i="1" smtClean="0">
-                            <a:latin typeface="Cambria Math" panose="02040503050406030204" pitchFamily="18" charset="0"/>
+                            <a:latin typeface="Cambria Math" charset="0"/>
                             <a:cs typeface="Arial" panose="020B0604020202020204" pitchFamily="34" charset="0"/>
                           </a:rPr>
                         </m:ctrlPr>
@@ -11081,6 +11449,13 @@
   <p:clrMapOvr>
     <a:masterClrMapping/>
   </p:clrMapOvr>
+  <p:timing>
+    <p:tnLst>
+      <p:par>
+        <p:cTn id="1" dur="indefinite" restart="never" nodeType="tmRoot"/>
+      </p:par>
+    </p:tnLst>
+  </p:timing>
 </p:sld>
 </file>
 
